--- a/Materiale Extra/Presentazione del progetto .pptx
+++ b/Materiale Extra/Presentazione del progetto .pptx
@@ -13,10 +13,11 @@
     <p:sldId id="261" r:id="rId7"/>
     <p:sldId id="262" r:id="rId8"/>
     <p:sldId id="263" r:id="rId9"/>
-    <p:sldId id="264" r:id="rId10"/>
-    <p:sldId id="265" r:id="rId11"/>
-    <p:sldId id="266" r:id="rId12"/>
-    <p:sldId id="267" r:id="rId13"/>
+    <p:sldId id="268" r:id="rId10"/>
+    <p:sldId id="264" r:id="rId11"/>
+    <p:sldId id="265" r:id="rId12"/>
+    <p:sldId id="266" r:id="rId13"/>
+    <p:sldId id="267" r:id="rId14"/>
   </p:sldIdLst>
   <p:sldSz cx="12192000" cy="6858000"/>
   <p:notesSz cx="6858000" cy="9144000"/>
@@ -115,239 +116,12 @@
       </a:defRPr>
     </a:lvl9pPr>
   </p:defaultTextStyle>
+  <p:extLst>
+    <p:ext uri="{EFAFB233-063F-42B5-8137-9DF3F51BA10A}">
+      <p15:sldGuideLst xmlns:p15="http://schemas.microsoft.com/office/powerpoint/2012/main"/>
+    </p:ext>
+  </p:extLst>
 </p:presentation>
-</file>
-
-<file path=ppt/ink/ink1.xml><?xml version="1.0" encoding="utf-8"?>
-<inkml:ink xmlns:inkml="http://www.w3.org/2003/InkML">
-  <inkml:definitions>
-    <inkml:context xml:id="ctx0">
-      <inkml:inkSource xml:id="inkSrc0">
-        <inkml:traceFormat>
-          <inkml:channel name="X" type="integer" min="-2.14748E9" max="2.14748E9" units="cm"/>
-          <inkml:channel name="Y" type="integer" min="-2.14748E9" max="2.14748E9" units="cm"/>
-        </inkml:traceFormat>
-        <inkml:channelProperties>
-          <inkml:channelProperty channel="X" name="resolution" value="1000" units="1/cm"/>
-          <inkml:channelProperty channel="Y" name="resolution" value="1000" units="1/cm"/>
-        </inkml:channelProperties>
-      </inkml:inkSource>
-      <inkml:timestamp xml:id="ts0" timeString="2023-05-14T18:36:25.317"/>
-    </inkml:context>
-    <inkml:brush xml:id="br0">
-      <inkml:brushProperty name="width" value="0.3" units="cm"/>
-      <inkml:brushProperty name="height" value="0.6" units="cm"/>
-      <inkml:brushProperty name="color" value="#FFFC00"/>
-      <inkml:brushProperty name="tip" value="rectangle"/>
-      <inkml:brushProperty name="rasterOp" value="maskPen"/>
-      <inkml:brushProperty name="ignorePressure" value="1"/>
-    </inkml:brush>
-  </inkml:definitions>
-  <inkml:trace contextRef="#ctx0" brushRef="#br0">1 82,'151'9,"-50"-2,614 4,-622-18,149-30,-172 23,0 4,125-3,-187 13,54 1,-1-3,79-12,-70 6,0 3,108 6,-64 1,-66-2,23-1,0 3,76 13,-109-10,73-1,-76-5,0 2,62 11,27 4,-2 0,-100-12,-2 0</inkml:trace>
-</inkml:ink>
-</file>
-
-<file path=ppt/ink/ink2.xml><?xml version="1.0" encoding="utf-8"?>
-<inkml:ink xmlns:inkml="http://www.w3.org/2003/InkML">
-  <inkml:definitions>
-    <inkml:context xml:id="ctx0">
-      <inkml:inkSource xml:id="inkSrc0">
-        <inkml:traceFormat>
-          <inkml:channel name="X" type="integer" min="-2.14748E9" max="2.14748E9" units="cm"/>
-          <inkml:channel name="Y" type="integer" min="-2.14748E9" max="2.14748E9" units="cm"/>
-        </inkml:traceFormat>
-        <inkml:channelProperties>
-          <inkml:channelProperty channel="X" name="resolution" value="1000" units="1/cm"/>
-          <inkml:channelProperty channel="Y" name="resolution" value="1000" units="1/cm"/>
-        </inkml:channelProperties>
-      </inkml:inkSource>
-      <inkml:timestamp xml:id="ts0" timeString="2023-05-14T18:36:28.331"/>
-    </inkml:context>
-    <inkml:brush xml:id="br0">
-      <inkml:brushProperty name="width" value="0.3" units="cm"/>
-      <inkml:brushProperty name="height" value="0.6" units="cm"/>
-      <inkml:brushProperty name="color" value="#FFFC00"/>
-      <inkml:brushProperty name="tip" value="rectangle"/>
-      <inkml:brushProperty name="rasterOp" value="maskPen"/>
-      <inkml:brushProperty name="ignorePressure" value="1"/>
-    </inkml:brush>
-  </inkml:definitions>
-  <inkml:trace contextRef="#ctx0" brushRef="#br0">1 1,'16'4,"-1"0,2-1,-1-1,0-1,18 0,1 1,1027 11,-665-16,567 3,-935 0</inkml:trace>
-</inkml:ink>
-</file>
-
-<file path=ppt/ink/ink3.xml><?xml version="1.0" encoding="utf-8"?>
-<inkml:ink xmlns:inkml="http://www.w3.org/2003/InkML">
-  <inkml:definitions>
-    <inkml:context xml:id="ctx0">
-      <inkml:inkSource xml:id="inkSrc0">
-        <inkml:traceFormat>
-          <inkml:channel name="X" type="integer" min="-2.14748E9" max="2.14748E9" units="cm"/>
-          <inkml:channel name="Y" type="integer" min="-2.14748E9" max="2.14748E9" units="cm"/>
-        </inkml:traceFormat>
-        <inkml:channelProperties>
-          <inkml:channelProperty channel="X" name="resolution" value="1000" units="1/cm"/>
-          <inkml:channelProperty channel="Y" name="resolution" value="1000" units="1/cm"/>
-        </inkml:channelProperties>
-      </inkml:inkSource>
-      <inkml:timestamp xml:id="ts0" timeString="2023-05-14T18:36:42.088"/>
-    </inkml:context>
-    <inkml:brush xml:id="br0">
-      <inkml:brushProperty name="width" value="0.3" units="cm"/>
-      <inkml:brushProperty name="height" value="0.6" units="cm"/>
-      <inkml:brushProperty name="color" value="#FFFC00"/>
-      <inkml:brushProperty name="tip" value="rectangle"/>
-      <inkml:brushProperty name="rasterOp" value="maskPen"/>
-      <inkml:brushProperty name="ignorePressure" value="1"/>
-    </inkml:brush>
-  </inkml:definitions>
-  <inkml:trace contextRef="#ctx0" brushRef="#br0">1 1,'117'5,"130"23,-164-17,91 13,203 23,2-27,470-23,-823 2,-1-2,0-1,-1-1,29-9,-25 6,0 1,50-5,37 10,-65 3,74-10,-16-1,181 4,-186 7,-75-1</inkml:trace>
-</inkml:ink>
-</file>
-
-<file path=ppt/ink/ink4.xml><?xml version="1.0" encoding="utf-8"?>
-<inkml:ink xmlns:inkml="http://www.w3.org/2003/InkML">
-  <inkml:definitions>
-    <inkml:context xml:id="ctx0">
-      <inkml:inkSource xml:id="inkSrc0">
-        <inkml:traceFormat>
-          <inkml:channel name="X" type="integer" min="-2.14748E9" max="2.14748E9" units="cm"/>
-          <inkml:channel name="Y" type="integer" min="-2.14748E9" max="2.14748E9" units="cm"/>
-        </inkml:traceFormat>
-        <inkml:channelProperties>
-          <inkml:channelProperty channel="X" name="resolution" value="1000" units="1/cm"/>
-          <inkml:channelProperty channel="Y" name="resolution" value="1000" units="1/cm"/>
-        </inkml:channelProperties>
-      </inkml:inkSource>
-      <inkml:timestamp xml:id="ts0" timeString="2023-05-14T18:36:44.757"/>
-    </inkml:context>
-    <inkml:brush xml:id="br0">
-      <inkml:brushProperty name="width" value="0.3" units="cm"/>
-      <inkml:brushProperty name="height" value="0.6" units="cm"/>
-      <inkml:brushProperty name="color" value="#FFFC00"/>
-      <inkml:brushProperty name="tip" value="rectangle"/>
-      <inkml:brushProperty name="rasterOp" value="maskPen"/>
-      <inkml:brushProperty name="ignorePressure" value="1"/>
-    </inkml:brush>
-  </inkml:definitions>
-  <inkml:trace contextRef="#ctx0" brushRef="#br0">0 1,'456'16,"426"-4,-551-14,-295 4,60 10,-57-5,44 0,299-7,-359 0</inkml:trace>
-</inkml:ink>
-</file>
-
-<file path=ppt/ink/ink5.xml><?xml version="1.0" encoding="utf-8"?>
-<inkml:ink xmlns:inkml="http://www.w3.org/2003/InkML">
-  <inkml:definitions>
-    <inkml:context xml:id="ctx0">
-      <inkml:inkSource xml:id="inkSrc0">
-        <inkml:traceFormat>
-          <inkml:channel name="X" type="integer" min="-2.14748E9" max="2.14748E9" units="cm"/>
-          <inkml:channel name="Y" type="integer" min="-2.14748E9" max="2.14748E9" units="cm"/>
-        </inkml:traceFormat>
-        <inkml:channelProperties>
-          <inkml:channelProperty channel="X" name="resolution" value="1000" units="1/cm"/>
-          <inkml:channelProperty channel="Y" name="resolution" value="1000" units="1/cm"/>
-        </inkml:channelProperties>
-      </inkml:inkSource>
-      <inkml:timestamp xml:id="ts0" timeString="2023-05-14T18:36:50.580"/>
-    </inkml:context>
-    <inkml:brush xml:id="br0">
-      <inkml:brushProperty name="width" value="0.3" units="cm"/>
-      <inkml:brushProperty name="height" value="0.6" units="cm"/>
-      <inkml:brushProperty name="color" value="#FFFC00"/>
-      <inkml:brushProperty name="tip" value="rectangle"/>
-      <inkml:brushProperty name="rasterOp" value="maskPen"/>
-      <inkml:brushProperty name="ignorePressure" value="1"/>
-    </inkml:brush>
-  </inkml:definitions>
-  <inkml:trace contextRef="#ctx0" brushRef="#br0">0 83,'636'0,"-615"-2,-1 0,40-9,0-1,56-13,-83 16,0 2,0 1,43-2,265 10,-315-1,1 2,30 6,-28-3,44 2,203-9,-247 1</inkml:trace>
-</inkml:ink>
-</file>
-
-<file path=ppt/ink/ink6.xml><?xml version="1.0" encoding="utf-8"?>
-<inkml:ink xmlns:inkml="http://www.w3.org/2003/InkML">
-  <inkml:definitions>
-    <inkml:context xml:id="ctx0">
-      <inkml:inkSource xml:id="inkSrc0">
-        <inkml:traceFormat>
-          <inkml:channel name="X" type="integer" min="-2.14748E9" max="2.14748E9" units="cm"/>
-          <inkml:channel name="Y" type="integer" min="-2.14748E9" max="2.14748E9" units="cm"/>
-        </inkml:traceFormat>
-        <inkml:channelProperties>
-          <inkml:channelProperty channel="X" name="resolution" value="1000" units="1/cm"/>
-          <inkml:channelProperty channel="Y" name="resolution" value="1000" units="1/cm"/>
-        </inkml:channelProperties>
-      </inkml:inkSource>
-      <inkml:timestamp xml:id="ts0" timeString="2023-05-14T18:36:53.217"/>
-    </inkml:context>
-    <inkml:brush xml:id="br0">
-      <inkml:brushProperty name="width" value="0.3" units="cm"/>
-      <inkml:brushProperty name="height" value="0.6" units="cm"/>
-      <inkml:brushProperty name="color" value="#FFFC00"/>
-      <inkml:brushProperty name="tip" value="rectangle"/>
-      <inkml:brushProperty name="rasterOp" value="maskPen"/>
-      <inkml:brushProperty name="ignorePressure" value="1"/>
-    </inkml:brush>
-  </inkml:definitions>
-  <inkml:trace contextRef="#ctx0" brushRef="#br0">1 28,'1270'0,"-1250"-1,1-1,34-9,-33 7,0 0,24-1,6 4,-29 2</inkml:trace>
-</inkml:ink>
-</file>
-
-<file path=ppt/ink/ink7.xml><?xml version="1.0" encoding="utf-8"?>
-<inkml:ink xmlns:inkml="http://www.w3.org/2003/InkML">
-  <inkml:definitions>
-    <inkml:context xml:id="ctx0">
-      <inkml:inkSource xml:id="inkSrc0">
-        <inkml:traceFormat>
-          <inkml:channel name="X" type="integer" min="-2.14748E9" max="2.14748E9" units="cm"/>
-          <inkml:channel name="Y" type="integer" min="-2.14748E9" max="2.14748E9" units="cm"/>
-        </inkml:traceFormat>
-        <inkml:channelProperties>
-          <inkml:channelProperty channel="X" name="resolution" value="1000" units="1/cm"/>
-          <inkml:channelProperty channel="Y" name="resolution" value="1000" units="1/cm"/>
-        </inkml:channelProperties>
-      </inkml:inkSource>
-      <inkml:timestamp xml:id="ts0" timeString="2023-05-14T18:37:35.228"/>
-    </inkml:context>
-    <inkml:brush xml:id="br0">
-      <inkml:brushProperty name="width" value="0.3" units="cm"/>
-      <inkml:brushProperty name="height" value="0.6" units="cm"/>
-      <inkml:brushProperty name="color" value="#FFFC00"/>
-      <inkml:brushProperty name="tip" value="rectangle"/>
-      <inkml:brushProperty name="rasterOp" value="maskPen"/>
-      <inkml:brushProperty name="ignorePressure" value="1"/>
-    </inkml:brush>
-  </inkml:definitions>
-  <inkml:trace contextRef="#ctx0" brushRef="#br0">0 0,'42'3,"0"1,-1 3,51 13,-19-3,313 39,-242-32,-103-15,-1-2,73 3,460-11,-549-1,1 0,31-8,-29 5,44-3,6 8,-55 0</inkml:trace>
-</inkml:ink>
-</file>
-
-<file path=ppt/ink/ink8.xml><?xml version="1.0" encoding="utf-8"?>
-<inkml:ink xmlns:inkml="http://www.w3.org/2003/InkML">
-  <inkml:definitions>
-    <inkml:context xml:id="ctx0">
-      <inkml:inkSource xml:id="inkSrc0">
-        <inkml:traceFormat>
-          <inkml:channel name="X" type="integer" min="-2.14748E9" max="2.14748E9" units="cm"/>
-          <inkml:channel name="Y" type="integer" min="-2.14748E9" max="2.14748E9" units="cm"/>
-        </inkml:traceFormat>
-        <inkml:channelProperties>
-          <inkml:channelProperty channel="X" name="resolution" value="1000" units="1/cm"/>
-          <inkml:channelProperty channel="Y" name="resolution" value="1000" units="1/cm"/>
-        </inkml:channelProperties>
-      </inkml:inkSource>
-      <inkml:timestamp xml:id="ts0" timeString="2023-05-14T18:37:46.710"/>
-    </inkml:context>
-    <inkml:brush xml:id="br0">
-      <inkml:brushProperty name="width" value="0.3" units="cm"/>
-      <inkml:brushProperty name="height" value="0.6" units="cm"/>
-      <inkml:brushProperty name="color" value="#FFFC00"/>
-      <inkml:brushProperty name="tip" value="rectangle"/>
-      <inkml:brushProperty name="rasterOp" value="maskPen"/>
-      <inkml:brushProperty name="ignorePressure" value="1"/>
-    </inkml:brush>
-  </inkml:definitions>
-  <inkml:trace contextRef="#ctx0" brushRef="#br0">1 183,'702'0,"-662"-2,48-8,13-1,139 7,-199-1,-1-1,0-2,42-15,-46 11,36-9,254-32,-263 44,-11 1,80-2,316 11,-419-1</inkml:trace>
-</inkml:ink>
 </file>
 
 <file path=ppt/slideLayouts/slideLayout1.xml><?xml version="1.0" encoding="utf-8"?>
@@ -1072,7 +846,7 @@
           <a:p>
             <a:fld id="{C1775FA8-FEF5-4078-A009-D10F19796D95}" type="datetimeFigureOut">
               <a:rPr lang="it-IT" smtClean="0"/>
-              <a:t>14/05/2023</a:t>
+              <a:t>15/05/2023</a:t>
             </a:fld>
             <a:endParaRPr lang="it-IT"/>
           </a:p>
@@ -1323,7 +1097,7 @@
           <a:p>
             <a:fld id="{C1775FA8-FEF5-4078-A009-D10F19796D95}" type="datetimeFigureOut">
               <a:rPr lang="it-IT" smtClean="0"/>
-              <a:t>14/05/2023</a:t>
+              <a:t>15/05/2023</a:t>
             </a:fld>
             <a:endParaRPr lang="it-IT"/>
           </a:p>
@@ -1637,7 +1411,7 @@
           <a:p>
             <a:fld id="{C1775FA8-FEF5-4078-A009-D10F19796D95}" type="datetimeFigureOut">
               <a:rPr lang="it-IT" smtClean="0"/>
-              <a:t>14/05/2023</a:t>
+              <a:t>15/05/2023</a:t>
             </a:fld>
             <a:endParaRPr lang="it-IT"/>
           </a:p>
@@ -1978,7 +1752,7 @@
           <a:p>
             <a:fld id="{C1775FA8-FEF5-4078-A009-D10F19796D95}" type="datetimeFigureOut">
               <a:rPr lang="it-IT" smtClean="0"/>
-              <a:t>14/05/2023</a:t>
+              <a:t>15/05/2023</a:t>
             </a:fld>
             <a:endParaRPr lang="it-IT"/>
           </a:p>
@@ -2292,7 +2066,7 @@
           <a:p>
             <a:fld id="{C1775FA8-FEF5-4078-A009-D10F19796D95}" type="datetimeFigureOut">
               <a:rPr lang="it-IT" smtClean="0"/>
-              <a:t>14/05/2023</a:t>
+              <a:t>15/05/2023</a:t>
             </a:fld>
             <a:endParaRPr lang="it-IT"/>
           </a:p>
@@ -2685,7 +2459,7 @@
           <a:p>
             <a:fld id="{C1775FA8-FEF5-4078-A009-D10F19796D95}" type="datetimeFigureOut">
               <a:rPr lang="it-IT" smtClean="0"/>
-              <a:t>14/05/2023</a:t>
+              <a:t>15/05/2023</a:t>
             </a:fld>
             <a:endParaRPr lang="it-IT"/>
           </a:p>
@@ -2855,7 +2629,7 @@
           <a:p>
             <a:fld id="{C1775FA8-FEF5-4078-A009-D10F19796D95}" type="datetimeFigureOut">
               <a:rPr lang="it-IT" smtClean="0"/>
-              <a:t>14/05/2023</a:t>
+              <a:t>15/05/2023</a:t>
             </a:fld>
             <a:endParaRPr lang="it-IT"/>
           </a:p>
@@ -3035,7 +2809,7 @@
           <a:p>
             <a:fld id="{C1775FA8-FEF5-4078-A009-D10F19796D95}" type="datetimeFigureOut">
               <a:rPr lang="it-IT" smtClean="0"/>
-              <a:t>14/05/2023</a:t>
+              <a:t>15/05/2023</a:t>
             </a:fld>
             <a:endParaRPr lang="it-IT"/>
           </a:p>
@@ -3211,7 +2985,7 @@
           <a:p>
             <a:fld id="{C1775FA8-FEF5-4078-A009-D10F19796D95}" type="datetimeFigureOut">
               <a:rPr lang="it-IT" smtClean="0"/>
-              <a:t>14/05/2023</a:t>
+              <a:t>15/05/2023</a:t>
             </a:fld>
             <a:endParaRPr lang="it-IT"/>
           </a:p>
@@ -3458,7 +3232,7 @@
           <a:p>
             <a:fld id="{C1775FA8-FEF5-4078-A009-D10F19796D95}" type="datetimeFigureOut">
               <a:rPr lang="it-IT" smtClean="0"/>
-              <a:t>14/05/2023</a:t>
+              <a:t>15/05/2023</a:t>
             </a:fld>
             <a:endParaRPr lang="it-IT"/>
           </a:p>
@@ -3690,7 +3464,7 @@
           <a:p>
             <a:fld id="{C1775FA8-FEF5-4078-A009-D10F19796D95}" type="datetimeFigureOut">
               <a:rPr lang="it-IT" smtClean="0"/>
-              <a:t>14/05/2023</a:t>
+              <a:t>15/05/2023</a:t>
             </a:fld>
             <a:endParaRPr lang="it-IT"/>
           </a:p>
@@ -4064,7 +3838,7 @@
           <a:p>
             <a:fld id="{C1775FA8-FEF5-4078-A009-D10F19796D95}" type="datetimeFigureOut">
               <a:rPr lang="it-IT" smtClean="0"/>
-              <a:t>14/05/2023</a:t>
+              <a:t>15/05/2023</a:t>
             </a:fld>
             <a:endParaRPr lang="it-IT"/>
           </a:p>
@@ -4187,7 +3961,7 @@
           <a:p>
             <a:fld id="{C1775FA8-FEF5-4078-A009-D10F19796D95}" type="datetimeFigureOut">
               <a:rPr lang="it-IT" smtClean="0"/>
-              <a:t>14/05/2023</a:t>
+              <a:t>15/05/2023</a:t>
             </a:fld>
             <a:endParaRPr lang="it-IT"/>
           </a:p>
@@ -4282,7 +4056,7 @@
           <a:p>
             <a:fld id="{C1775FA8-FEF5-4078-A009-D10F19796D95}" type="datetimeFigureOut">
               <a:rPr lang="it-IT" smtClean="0"/>
-              <a:t>14/05/2023</a:t>
+              <a:t>15/05/2023</a:t>
             </a:fld>
             <a:endParaRPr lang="it-IT"/>
           </a:p>
@@ -4537,7 +4311,7 @@
           <a:p>
             <a:fld id="{C1775FA8-FEF5-4078-A009-D10F19796D95}" type="datetimeFigureOut">
               <a:rPr lang="it-IT" smtClean="0"/>
-              <a:t>14/05/2023</a:t>
+              <a:t>15/05/2023</a:t>
             </a:fld>
             <a:endParaRPr lang="it-IT"/>
           </a:p>
@@ -4800,7 +4574,7 @@
           <a:p>
             <a:fld id="{C1775FA8-FEF5-4078-A009-D10F19796D95}" type="datetimeFigureOut">
               <a:rPr lang="it-IT" smtClean="0"/>
-              <a:t>14/05/2023</a:t>
+              <a:t>15/05/2023</a:t>
             </a:fld>
             <a:endParaRPr lang="it-IT"/>
           </a:p>
@@ -5543,7 +5317,7 @@
           <a:p>
             <a:fld id="{C1775FA8-FEF5-4078-A009-D10F19796D95}" type="datetimeFigureOut">
               <a:rPr lang="it-IT" smtClean="0"/>
-              <a:t>14/05/2023</a:t>
+              <a:t>15/05/2023</a:t>
             </a:fld>
             <a:endParaRPr lang="it-IT"/>
           </a:p>
@@ -6512,7 +6286,7 @@
           <p:cNvPr id="2" name="Title 1">
             <a:extLst>
               <a:ext uri="{FF2B5EF4-FFF2-40B4-BE49-F238E27FC236}">
-                <a16:creationId xmlns:a16="http://schemas.microsoft.com/office/drawing/2014/main" id="{77BC3930-B11C-B4C8-CFAC-0FB08E550117}"/>
+                <a16:creationId xmlns:a16="http://schemas.microsoft.com/office/drawing/2014/main" id="{C5727A39-3120-BDEA-2583-D46E27C1035A}"/>
               </a:ext>
             </a:extLst>
           </p:cNvPr>
@@ -6531,28 +6305,15 @@
             <a:pPr algn="ctr"/>
             <a:r>
               <a:rPr lang="it-IT" dirty="0"/>
-              <a:t>Data </a:t>
-            </a:r>
-            <a:r>
-              <a:rPr lang="it-IT" dirty="0" err="1"/>
-              <a:t>Analisys</a:t>
-            </a:r>
-            <a:r>
-              <a:rPr lang="it-IT" dirty="0"/>
-              <a:t> &amp; </a:t>
-            </a:r>
-            <a:r>
-              <a:rPr lang="it-IT" dirty="0" err="1"/>
-              <a:t>ThingSpeak</a:t>
-            </a:r>
-            <a:endParaRPr lang="it-IT" dirty="0"/>
+              <a:t>State Control</a:t>
+            </a:r>
           </a:p>
         </p:txBody>
       </p:sp>
     </p:spTree>
     <p:extLst>
       <p:ext uri="{BB962C8B-B14F-4D97-AF65-F5344CB8AC3E}">
-        <p14:creationId xmlns:p14="http://schemas.microsoft.com/office/powerpoint/2010/main" val="2452805005"/>
+        <p14:creationId xmlns:p14="http://schemas.microsoft.com/office/powerpoint/2010/main" val="622032191"/>
       </p:ext>
     </p:extLst>
   </p:cSld>
@@ -6584,6 +6345,78 @@
           <p:cNvPr id="2" name="Title 1">
             <a:extLst>
               <a:ext uri="{FF2B5EF4-FFF2-40B4-BE49-F238E27FC236}">
+                <a16:creationId xmlns:a16="http://schemas.microsoft.com/office/drawing/2014/main" id="{77BC3930-B11C-B4C8-CFAC-0FB08E550117}"/>
+              </a:ext>
+            </a:extLst>
+          </p:cNvPr>
+          <p:cNvSpPr>
+            <a:spLocks noGrp="1"/>
+          </p:cNvSpPr>
+          <p:nvPr>
+            <p:ph type="title"/>
+          </p:nvPr>
+        </p:nvSpPr>
+        <p:spPr/>
+        <p:txBody>
+          <a:bodyPr/>
+          <a:lstStyle/>
+          <a:p>
+            <a:pPr algn="ctr"/>
+            <a:r>
+              <a:rPr lang="it-IT" dirty="0"/>
+              <a:t>Data </a:t>
+            </a:r>
+            <a:r>
+              <a:rPr lang="it-IT" dirty="0" err="1"/>
+              <a:t>Analisys</a:t>
+            </a:r>
+            <a:r>
+              <a:rPr lang="it-IT" dirty="0"/>
+              <a:t> &amp; </a:t>
+            </a:r>
+            <a:r>
+              <a:rPr lang="it-IT" dirty="0" err="1"/>
+              <a:t>ThingSpeak</a:t>
+            </a:r>
+            <a:endParaRPr lang="it-IT" dirty="0"/>
+          </a:p>
+        </p:txBody>
+      </p:sp>
+    </p:spTree>
+    <p:extLst>
+      <p:ext uri="{BB962C8B-B14F-4D97-AF65-F5344CB8AC3E}">
+        <p14:creationId xmlns:p14="http://schemas.microsoft.com/office/powerpoint/2010/main" val="2452805005"/>
+      </p:ext>
+    </p:extLst>
+  </p:cSld>
+  <p:clrMapOvr>
+    <a:masterClrMapping/>
+  </p:clrMapOvr>
+</p:sld>
+</file>
+
+<file path=ppt/slides/slide12.xml><?xml version="1.0" encoding="utf-8"?>
+<p:sld xmlns:a="http://schemas.openxmlformats.org/drawingml/2006/main" xmlns:r="http://schemas.openxmlformats.org/officeDocument/2006/relationships" xmlns:p="http://schemas.openxmlformats.org/presentationml/2006/main">
+  <p:cSld>
+    <p:spTree>
+      <p:nvGrpSpPr>
+        <p:cNvPr id="1" name=""/>
+        <p:cNvGrpSpPr/>
+        <p:nvPr/>
+      </p:nvGrpSpPr>
+      <p:grpSpPr>
+        <a:xfrm>
+          <a:off x="0" y="0"/>
+          <a:ext cx="0" cy="0"/>
+          <a:chOff x="0" y="0"/>
+          <a:chExt cx="0" cy="0"/>
+        </a:xfrm>
+      </p:grpSpPr>
+      <p:sp>
+        <p:nvSpPr>
+          <p:cNvPr id="2" name="Title 1">
+            <a:extLst>
+              <a:ext uri="{FF2B5EF4-FFF2-40B4-BE49-F238E27FC236}">
                 <a16:creationId xmlns:a16="http://schemas.microsoft.com/office/drawing/2014/main" id="{10DD3155-2DEF-DCFE-ADCC-0E413E96D207}"/>
               </a:ext>
             </a:extLst>
@@ -6629,7 +6462,7 @@
 </p:sld>
 </file>
 
-<file path=ppt/slides/slide12.xml><?xml version="1.0" encoding="utf-8"?>
+<file path=ppt/slides/slide13.xml><?xml version="1.0" encoding="utf-8"?>
 <p:sld xmlns:a="http://schemas.openxmlformats.org/drawingml/2006/main" xmlns:r="http://schemas.openxmlformats.org/officeDocument/2006/relationships" xmlns:p="http://schemas.openxmlformats.org/presentationml/2006/main">
   <p:cSld>
     <p:spTree>
@@ -7451,10 +7284,10 @@
       </p:sp>
       <p:pic>
         <p:nvPicPr>
-          <p:cNvPr id="4" name="Picture 3">
+          <p:cNvPr id="7" name="Picture 6">
             <a:extLst>
               <a:ext uri="{FF2B5EF4-FFF2-40B4-BE49-F238E27FC236}">
-                <a16:creationId xmlns:a16="http://schemas.microsoft.com/office/drawing/2014/main" id="{6087758D-38E7-2B97-8C11-04C20FC89D38}"/>
+                <a16:creationId xmlns:a16="http://schemas.microsoft.com/office/drawing/2014/main" id="{8549F90F-0168-72BB-07BB-CCBDE2DA712B}"/>
               </a:ext>
             </a:extLst>
           </p:cNvPr>
@@ -7465,457 +7298,19 @@
         </p:nvPicPr>
         <p:blipFill rotWithShape="1">
           <a:blip r:embed="rId2"/>
-          <a:srcRect t="-796" b="1"/>
+          <a:srcRect l="835"/>
           <a:stretch/>
         </p:blipFill>
         <p:spPr>
           <a:xfrm>
-            <a:off x="677334" y="1483567"/>
-            <a:ext cx="8596667" cy="4866496"/>
+            <a:off x="429208" y="1439813"/>
+            <a:ext cx="8212403" cy="4621975"/>
           </a:xfrm>
           <a:prstGeom prst="rect">
             <a:avLst/>
           </a:prstGeom>
-          <a:solidFill>
-            <a:srgbClr val="FFFFFF">
-              <a:shade val="85000"/>
-            </a:srgbClr>
-          </a:solidFill>
-          <a:ln w="88900" cap="sq">
-            <a:solidFill>
-              <a:srgbClr val="FFFFFF"/>
-            </a:solidFill>
-            <a:miter lim="800000"/>
-          </a:ln>
-          <a:effectLst>
-            <a:outerShdw blurRad="55000" dist="18000" dir="5400000" algn="tl" rotWithShape="0">
-              <a:srgbClr val="000000">
-                <a:alpha val="40000"/>
-              </a:srgbClr>
-            </a:outerShdw>
-          </a:effectLst>
-          <a:scene3d>
-            <a:camera prst="orthographicFront"/>
-            <a:lightRig rig="twoPt" dir="t">
-              <a:rot lat="0" lon="0" rev="7200000"/>
-            </a:lightRig>
-          </a:scene3d>
-          <a:sp3d>
-            <a:bevelT w="25400" h="19050"/>
-            <a:contourClr>
-              <a:srgbClr val="FFFFFF"/>
-            </a:contourClr>
-          </a:sp3d>
         </p:spPr>
       </p:pic>
-      <mc:AlternateContent xmlns:mc="http://schemas.openxmlformats.org/markup-compatibility/2006">
-        <mc:Choice xmlns:p14="http://schemas.microsoft.com/office/powerpoint/2010/main" Requires="p14">
-          <p:contentPart p14:bwMode="auto" r:id="rId3">
-            <p14:nvContentPartPr>
-              <p14:cNvPr id="5" name="Ink 4">
-                <a:extLst>
-                  <a:ext uri="{FF2B5EF4-FFF2-40B4-BE49-F238E27FC236}">
-                    <a16:creationId xmlns:a16="http://schemas.microsoft.com/office/drawing/2014/main" id="{E10870E8-A4C8-18BD-1CFA-64E5F62CBAB9}"/>
-                  </a:ext>
-                </a:extLst>
-              </p14:cNvPr>
-              <p14:cNvContentPartPr/>
-              <p14:nvPr/>
-            </p14:nvContentPartPr>
-            <p14:xfrm>
-              <a:off x="6629220" y="3951885"/>
-              <a:ext cx="1181880" cy="39600"/>
-            </p14:xfrm>
-          </p:contentPart>
-        </mc:Choice>
-        <mc:Fallback>
-          <p:pic>
-            <p:nvPicPr>
-              <p:cNvPr id="5" name="Ink 4">
-                <a:extLst>
-                  <a:ext uri="{FF2B5EF4-FFF2-40B4-BE49-F238E27FC236}">
-                    <a16:creationId xmlns:a16="http://schemas.microsoft.com/office/drawing/2014/main" id="{E10870E8-A4C8-18BD-1CFA-64E5F62CBAB9}"/>
-                  </a:ext>
-                </a:extLst>
-              </p:cNvPr>
-              <p:cNvPicPr/>
-              <p:nvPr/>
-            </p:nvPicPr>
-            <p:blipFill>
-              <a:blip r:embed="rId4"/>
-              <a:stretch>
-                <a:fillRect/>
-              </a:stretch>
-            </p:blipFill>
-            <p:spPr>
-              <a:xfrm>
-                <a:off x="6575580" y="3843885"/>
-                <a:ext cx="1289520" cy="255240"/>
-              </a:xfrm>
-              <a:prstGeom prst="rect">
-                <a:avLst/>
-              </a:prstGeom>
-            </p:spPr>
-          </p:pic>
-        </mc:Fallback>
-      </mc:AlternateContent>
-      <mc:AlternateContent xmlns:mc="http://schemas.openxmlformats.org/markup-compatibility/2006">
-        <mc:Choice xmlns:p14="http://schemas.microsoft.com/office/powerpoint/2010/main" Requires="p14">
-          <p:contentPart p14:bwMode="auto" r:id="rId5">
-            <p14:nvContentPartPr>
-              <p14:cNvPr id="6" name="Ink 5">
-                <a:extLst>
-                  <a:ext uri="{FF2B5EF4-FFF2-40B4-BE49-F238E27FC236}">
-                    <a16:creationId xmlns:a16="http://schemas.microsoft.com/office/drawing/2014/main" id="{466421DB-3153-1987-43B3-84D3821D51C8}"/>
-                  </a:ext>
-                </a:extLst>
-              </p14:cNvPr>
-              <p14:cNvContentPartPr/>
-              <p14:nvPr/>
-            </p14:nvContentPartPr>
-            <p14:xfrm>
-              <a:off x="6571980" y="4152405"/>
-              <a:ext cx="937080" cy="11160"/>
-            </p14:xfrm>
-          </p:contentPart>
-        </mc:Choice>
-        <mc:Fallback>
-          <p:pic>
-            <p:nvPicPr>
-              <p:cNvPr id="6" name="Ink 5">
-                <a:extLst>
-                  <a:ext uri="{FF2B5EF4-FFF2-40B4-BE49-F238E27FC236}">
-                    <a16:creationId xmlns:a16="http://schemas.microsoft.com/office/drawing/2014/main" id="{466421DB-3153-1987-43B3-84D3821D51C8}"/>
-                  </a:ext>
-                </a:extLst>
-              </p:cNvPr>
-              <p:cNvPicPr/>
-              <p:nvPr/>
-            </p:nvPicPr>
-            <p:blipFill>
-              <a:blip r:embed="rId6"/>
-              <a:stretch>
-                <a:fillRect/>
-              </a:stretch>
-            </p:blipFill>
-            <p:spPr>
-              <a:xfrm>
-                <a:off x="6518340" y="4044765"/>
-                <a:ext cx="1044720" cy="226800"/>
-              </a:xfrm>
-              <a:prstGeom prst="rect">
-                <a:avLst/>
-              </a:prstGeom>
-            </p:spPr>
-          </p:pic>
-        </mc:Fallback>
-      </mc:AlternateContent>
-      <mc:AlternateContent xmlns:mc="http://schemas.openxmlformats.org/markup-compatibility/2006">
-        <mc:Choice xmlns:p14="http://schemas.microsoft.com/office/powerpoint/2010/main" Requires="p14">
-          <p:contentPart p14:bwMode="auto" r:id="rId7">
-            <p14:nvContentPartPr>
-              <p14:cNvPr id="9" name="Ink 8">
-                <a:extLst>
-                  <a:ext uri="{FF2B5EF4-FFF2-40B4-BE49-F238E27FC236}">
-                    <a16:creationId xmlns:a16="http://schemas.microsoft.com/office/drawing/2014/main" id="{0F509B4E-08F9-23B8-9666-85CCDA19116A}"/>
-                  </a:ext>
-                </a:extLst>
-              </p14:cNvPr>
-              <p14:cNvContentPartPr/>
-              <p14:nvPr/>
-            </p14:nvContentPartPr>
-            <p14:xfrm>
-              <a:off x="6638580" y="5029005"/>
-              <a:ext cx="1199520" cy="48960"/>
-            </p14:xfrm>
-          </p:contentPart>
-        </mc:Choice>
-        <mc:Fallback>
-          <p:pic>
-            <p:nvPicPr>
-              <p:cNvPr id="9" name="Ink 8">
-                <a:extLst>
-                  <a:ext uri="{FF2B5EF4-FFF2-40B4-BE49-F238E27FC236}">
-                    <a16:creationId xmlns:a16="http://schemas.microsoft.com/office/drawing/2014/main" id="{0F509B4E-08F9-23B8-9666-85CCDA19116A}"/>
-                  </a:ext>
-                </a:extLst>
-              </p:cNvPr>
-              <p:cNvPicPr/>
-              <p:nvPr/>
-            </p:nvPicPr>
-            <p:blipFill>
-              <a:blip r:embed="rId8"/>
-              <a:stretch>
-                <a:fillRect/>
-              </a:stretch>
-            </p:blipFill>
-            <p:spPr>
-              <a:xfrm>
-                <a:off x="6584940" y="4921365"/>
-                <a:ext cx="1307160" cy="264600"/>
-              </a:xfrm>
-              <a:prstGeom prst="rect">
-                <a:avLst/>
-              </a:prstGeom>
-            </p:spPr>
-          </p:pic>
-        </mc:Fallback>
-      </mc:AlternateContent>
-      <mc:AlternateContent xmlns:mc="http://schemas.openxmlformats.org/markup-compatibility/2006">
-        <mc:Choice xmlns:p14="http://schemas.microsoft.com/office/powerpoint/2010/main" Requires="p14">
-          <p:contentPart p14:bwMode="auto" r:id="rId9">
-            <p14:nvContentPartPr>
-              <p14:cNvPr id="10" name="Ink 9">
-                <a:extLst>
-                  <a:ext uri="{FF2B5EF4-FFF2-40B4-BE49-F238E27FC236}">
-                    <a16:creationId xmlns:a16="http://schemas.microsoft.com/office/drawing/2014/main" id="{821D2E16-ED25-582B-4F59-65110F44D1AE}"/>
-                  </a:ext>
-                </a:extLst>
-              </p14:cNvPr>
-              <p14:cNvContentPartPr/>
-              <p14:nvPr/>
-            </p14:nvContentPartPr>
-            <p14:xfrm>
-              <a:off x="6619860" y="5228805"/>
-              <a:ext cx="838080" cy="19800"/>
-            </p14:xfrm>
-          </p:contentPart>
-        </mc:Choice>
-        <mc:Fallback>
-          <p:pic>
-            <p:nvPicPr>
-              <p:cNvPr id="10" name="Ink 9">
-                <a:extLst>
-                  <a:ext uri="{FF2B5EF4-FFF2-40B4-BE49-F238E27FC236}">
-                    <a16:creationId xmlns:a16="http://schemas.microsoft.com/office/drawing/2014/main" id="{821D2E16-ED25-582B-4F59-65110F44D1AE}"/>
-                  </a:ext>
-                </a:extLst>
-              </p:cNvPr>
-              <p:cNvPicPr/>
-              <p:nvPr/>
-            </p:nvPicPr>
-            <p:blipFill>
-              <a:blip r:embed="rId10"/>
-              <a:stretch>
-                <a:fillRect/>
-              </a:stretch>
-            </p:blipFill>
-            <p:spPr>
-              <a:xfrm>
-                <a:off x="6565860" y="5121165"/>
-                <a:ext cx="945720" cy="235440"/>
-              </a:xfrm>
-              <a:prstGeom prst="rect">
-                <a:avLst/>
-              </a:prstGeom>
-            </p:spPr>
-          </p:pic>
-        </mc:Fallback>
-      </mc:AlternateContent>
-      <mc:AlternateContent xmlns:mc="http://schemas.openxmlformats.org/markup-compatibility/2006">
-        <mc:Choice xmlns:p14="http://schemas.microsoft.com/office/powerpoint/2010/main" Requires="p14">
-          <p:contentPart p14:bwMode="auto" r:id="rId11">
-            <p14:nvContentPartPr>
-              <p14:cNvPr id="11" name="Ink 10">
-                <a:extLst>
-                  <a:ext uri="{FF2B5EF4-FFF2-40B4-BE49-F238E27FC236}">
-                    <a16:creationId xmlns:a16="http://schemas.microsoft.com/office/drawing/2014/main" id="{FC9C3D5C-B056-8FE3-F260-D47D1C461766}"/>
-                  </a:ext>
-                </a:extLst>
-              </p14:cNvPr>
-              <p14:cNvContentPartPr/>
-              <p14:nvPr/>
-            </p14:nvContentPartPr>
-            <p14:xfrm>
-              <a:off x="6619860" y="4142325"/>
-              <a:ext cx="700920" cy="29880"/>
-            </p14:xfrm>
-          </p:contentPart>
-        </mc:Choice>
-        <mc:Fallback>
-          <p:pic>
-            <p:nvPicPr>
-              <p:cNvPr id="11" name="Ink 10">
-                <a:extLst>
-                  <a:ext uri="{FF2B5EF4-FFF2-40B4-BE49-F238E27FC236}">
-                    <a16:creationId xmlns:a16="http://schemas.microsoft.com/office/drawing/2014/main" id="{FC9C3D5C-B056-8FE3-F260-D47D1C461766}"/>
-                  </a:ext>
-                </a:extLst>
-              </p:cNvPr>
-              <p:cNvPicPr/>
-              <p:nvPr/>
-            </p:nvPicPr>
-            <p:blipFill>
-              <a:blip r:embed="rId12"/>
-              <a:stretch>
-                <a:fillRect/>
-              </a:stretch>
-            </p:blipFill>
-            <p:spPr>
-              <a:xfrm>
-                <a:off x="6565860" y="4034685"/>
-                <a:ext cx="808560" cy="245520"/>
-              </a:xfrm>
-              <a:prstGeom prst="rect">
-                <a:avLst/>
-              </a:prstGeom>
-            </p:spPr>
-          </p:pic>
-        </mc:Fallback>
-      </mc:AlternateContent>
-      <mc:AlternateContent xmlns:mc="http://schemas.openxmlformats.org/markup-compatibility/2006">
-        <mc:Choice xmlns:p14="http://schemas.microsoft.com/office/powerpoint/2010/main" Requires="p14">
-          <p:contentPart p14:bwMode="auto" r:id="rId13">
-            <p14:nvContentPartPr>
-              <p14:cNvPr id="12" name="Ink 11">
-                <a:extLst>
-                  <a:ext uri="{FF2B5EF4-FFF2-40B4-BE49-F238E27FC236}">
-                    <a16:creationId xmlns:a16="http://schemas.microsoft.com/office/drawing/2014/main" id="{906C1D48-F660-2A5B-8411-0175692EBEC8}"/>
-                  </a:ext>
-                </a:extLst>
-              </p14:cNvPr>
-              <p14:cNvContentPartPr/>
-              <p14:nvPr/>
-            </p14:nvContentPartPr>
-            <p14:xfrm>
-              <a:off x="6571980" y="3971325"/>
-              <a:ext cx="551520" cy="10080"/>
-            </p14:xfrm>
-          </p:contentPart>
-        </mc:Choice>
-        <mc:Fallback>
-          <p:pic>
-            <p:nvPicPr>
-              <p:cNvPr id="12" name="Ink 11">
-                <a:extLst>
-                  <a:ext uri="{FF2B5EF4-FFF2-40B4-BE49-F238E27FC236}">
-                    <a16:creationId xmlns:a16="http://schemas.microsoft.com/office/drawing/2014/main" id="{906C1D48-F660-2A5B-8411-0175692EBEC8}"/>
-                  </a:ext>
-                </a:extLst>
-              </p:cNvPr>
-              <p:cNvPicPr/>
-              <p:nvPr/>
-            </p:nvPicPr>
-            <p:blipFill>
-              <a:blip r:embed="rId14"/>
-              <a:stretch>
-                <a:fillRect/>
-              </a:stretch>
-            </p:blipFill>
-            <p:spPr>
-              <a:xfrm>
-                <a:off x="6518340" y="3863325"/>
-                <a:ext cx="659160" cy="225720"/>
-              </a:xfrm>
-              <a:prstGeom prst="rect">
-                <a:avLst/>
-              </a:prstGeom>
-            </p:spPr>
-          </p:pic>
-        </mc:Fallback>
-      </mc:AlternateContent>
-      <mc:AlternateContent xmlns:mc="http://schemas.openxmlformats.org/markup-compatibility/2006">
-        <mc:Choice xmlns:p14="http://schemas.microsoft.com/office/powerpoint/2010/main" Requires="p14">
-          <p:contentPart p14:bwMode="auto" r:id="rId15">
-            <p14:nvContentPartPr>
-              <p14:cNvPr id="14" name="Ink 13">
-                <a:extLst>
-                  <a:ext uri="{FF2B5EF4-FFF2-40B4-BE49-F238E27FC236}">
-                    <a16:creationId xmlns:a16="http://schemas.microsoft.com/office/drawing/2014/main" id="{4B460C16-14FA-7CB6-E3B7-6193C46F8CDA}"/>
-                  </a:ext>
-                </a:extLst>
-              </p14:cNvPr>
-              <p14:cNvContentPartPr/>
-              <p14:nvPr/>
-            </p14:nvContentPartPr>
-            <p14:xfrm>
-              <a:off x="6606088" y="5075750"/>
-              <a:ext cx="680400" cy="56880"/>
-            </p14:xfrm>
-          </p:contentPart>
-        </mc:Choice>
-        <mc:Fallback>
-          <p:pic>
-            <p:nvPicPr>
-              <p:cNvPr id="14" name="Ink 13">
-                <a:extLst>
-                  <a:ext uri="{FF2B5EF4-FFF2-40B4-BE49-F238E27FC236}">
-                    <a16:creationId xmlns:a16="http://schemas.microsoft.com/office/drawing/2014/main" id="{4B460C16-14FA-7CB6-E3B7-6193C46F8CDA}"/>
-                  </a:ext>
-                </a:extLst>
-              </p:cNvPr>
-              <p:cNvPicPr/>
-              <p:nvPr/>
-            </p:nvPicPr>
-            <p:blipFill>
-              <a:blip r:embed="rId16"/>
-              <a:stretch>
-                <a:fillRect/>
-              </a:stretch>
-            </p:blipFill>
-            <p:spPr>
-              <a:xfrm>
-                <a:off x="6552088" y="4967750"/>
-                <a:ext cx="788040" cy="272520"/>
-              </a:xfrm>
-              <a:prstGeom prst="rect">
-                <a:avLst/>
-              </a:prstGeom>
-            </p:spPr>
-          </p:pic>
-        </mc:Fallback>
-      </mc:AlternateContent>
-      <mc:AlternateContent xmlns:mc="http://schemas.openxmlformats.org/markup-compatibility/2006">
-        <mc:Choice xmlns:p14="http://schemas.microsoft.com/office/powerpoint/2010/main" Requires="p14">
-          <p:contentPart p14:bwMode="auto" r:id="rId17">
-            <p14:nvContentPartPr>
-              <p14:cNvPr id="16" name="Ink 15">
-                <a:extLst>
-                  <a:ext uri="{FF2B5EF4-FFF2-40B4-BE49-F238E27FC236}">
-                    <a16:creationId xmlns:a16="http://schemas.microsoft.com/office/drawing/2014/main" id="{DF4FF9D2-92C4-6891-EF01-8FA208CD3666}"/>
-                  </a:ext>
-                </a:extLst>
-              </p14:cNvPr>
-              <p14:cNvContentPartPr/>
-              <p14:nvPr/>
-            </p14:nvContentPartPr>
-            <p14:xfrm>
-              <a:off x="6661888" y="5009870"/>
-              <a:ext cx="911880" cy="65880"/>
-            </p14:xfrm>
-          </p:contentPart>
-        </mc:Choice>
-        <mc:Fallback>
-          <p:pic>
-            <p:nvPicPr>
-              <p:cNvPr id="16" name="Ink 15">
-                <a:extLst>
-                  <a:ext uri="{FF2B5EF4-FFF2-40B4-BE49-F238E27FC236}">
-                    <a16:creationId xmlns:a16="http://schemas.microsoft.com/office/drawing/2014/main" id="{DF4FF9D2-92C4-6891-EF01-8FA208CD3666}"/>
-                  </a:ext>
-                </a:extLst>
-              </p:cNvPr>
-              <p:cNvPicPr/>
-              <p:nvPr/>
-            </p:nvPicPr>
-            <p:blipFill>
-              <a:blip r:embed="rId18"/>
-              <a:stretch>
-                <a:fillRect/>
-              </a:stretch>
-            </p:blipFill>
-            <p:spPr>
-              <a:xfrm>
-                <a:off x="6608248" y="4902230"/>
-                <a:ext cx="1019520" cy="281520"/>
-              </a:xfrm>
-              <a:prstGeom prst="rect">
-                <a:avLst/>
-              </a:prstGeom>
-            </p:spPr>
-          </p:pic>
-        </mc:Fallback>
-      </mc:AlternateContent>
     </p:spTree>
     <p:extLst>
       <p:ext uri="{BB962C8B-B14F-4D97-AF65-F5344CB8AC3E}">
@@ -7951,7 +7346,7 @@
           <p:cNvPr id="2" name="Title 1">
             <a:extLst>
               <a:ext uri="{FF2B5EF4-FFF2-40B4-BE49-F238E27FC236}">
-                <a16:creationId xmlns:a16="http://schemas.microsoft.com/office/drawing/2014/main" id="{C5727A39-3120-BDEA-2583-D46E27C1035A}"/>
+                <a16:creationId xmlns:a16="http://schemas.microsoft.com/office/drawing/2014/main" id="{FA91EFE1-63FF-31A8-3D0F-B63E5AE018AF}"/>
               </a:ext>
             </a:extLst>
           </p:cNvPr>
@@ -7967,10 +7362,9 @@
           <a:bodyPr/>
           <a:lstStyle/>
           <a:p>
-            <a:pPr algn="ctr"/>
             <a:r>
               <a:rPr lang="it-IT" dirty="0"/>
-              <a:t>State Control</a:t>
+              <a:t>Control Strategy Agenda</a:t>
             </a:r>
           </a:p>
         </p:txBody>
@@ -7978,7 +7372,7 @@
     </p:spTree>
     <p:extLst>
       <p:ext uri="{BB962C8B-B14F-4D97-AF65-F5344CB8AC3E}">
-        <p14:creationId xmlns:p14="http://schemas.microsoft.com/office/powerpoint/2010/main" val="622032191"/>
+        <p14:creationId xmlns:p14="http://schemas.microsoft.com/office/powerpoint/2010/main" val="740816539"/>
       </p:ext>
     </p:extLst>
   </p:cSld>

--- a/Materiale Extra/Presentazione del progetto .pptx
+++ b/Materiale Extra/Presentazione del progetto .pptx
@@ -846,7 +846,7 @@
           <a:p>
             <a:fld id="{C1775FA8-FEF5-4078-A009-D10F19796D95}" type="datetimeFigureOut">
               <a:rPr lang="it-IT" smtClean="0"/>
-              <a:t>15/05/2023</a:t>
+              <a:t>16/05/2023</a:t>
             </a:fld>
             <a:endParaRPr lang="it-IT"/>
           </a:p>
@@ -1097,7 +1097,7 @@
           <a:p>
             <a:fld id="{C1775FA8-FEF5-4078-A009-D10F19796D95}" type="datetimeFigureOut">
               <a:rPr lang="it-IT" smtClean="0"/>
-              <a:t>15/05/2023</a:t>
+              <a:t>16/05/2023</a:t>
             </a:fld>
             <a:endParaRPr lang="it-IT"/>
           </a:p>
@@ -1411,7 +1411,7 @@
           <a:p>
             <a:fld id="{C1775FA8-FEF5-4078-A009-D10F19796D95}" type="datetimeFigureOut">
               <a:rPr lang="it-IT" smtClean="0"/>
-              <a:t>15/05/2023</a:t>
+              <a:t>16/05/2023</a:t>
             </a:fld>
             <a:endParaRPr lang="it-IT"/>
           </a:p>
@@ -1752,7 +1752,7 @@
           <a:p>
             <a:fld id="{C1775FA8-FEF5-4078-A009-D10F19796D95}" type="datetimeFigureOut">
               <a:rPr lang="it-IT" smtClean="0"/>
-              <a:t>15/05/2023</a:t>
+              <a:t>16/05/2023</a:t>
             </a:fld>
             <a:endParaRPr lang="it-IT"/>
           </a:p>
@@ -2066,7 +2066,7 @@
           <a:p>
             <a:fld id="{C1775FA8-FEF5-4078-A009-D10F19796D95}" type="datetimeFigureOut">
               <a:rPr lang="it-IT" smtClean="0"/>
-              <a:t>15/05/2023</a:t>
+              <a:t>16/05/2023</a:t>
             </a:fld>
             <a:endParaRPr lang="it-IT"/>
           </a:p>
@@ -2459,7 +2459,7 @@
           <a:p>
             <a:fld id="{C1775FA8-FEF5-4078-A009-D10F19796D95}" type="datetimeFigureOut">
               <a:rPr lang="it-IT" smtClean="0"/>
-              <a:t>15/05/2023</a:t>
+              <a:t>16/05/2023</a:t>
             </a:fld>
             <a:endParaRPr lang="it-IT"/>
           </a:p>
@@ -2629,7 +2629,7 @@
           <a:p>
             <a:fld id="{C1775FA8-FEF5-4078-A009-D10F19796D95}" type="datetimeFigureOut">
               <a:rPr lang="it-IT" smtClean="0"/>
-              <a:t>15/05/2023</a:t>
+              <a:t>16/05/2023</a:t>
             </a:fld>
             <a:endParaRPr lang="it-IT"/>
           </a:p>
@@ -2809,7 +2809,7 @@
           <a:p>
             <a:fld id="{C1775FA8-FEF5-4078-A009-D10F19796D95}" type="datetimeFigureOut">
               <a:rPr lang="it-IT" smtClean="0"/>
-              <a:t>15/05/2023</a:t>
+              <a:t>16/05/2023</a:t>
             </a:fld>
             <a:endParaRPr lang="it-IT"/>
           </a:p>
@@ -2985,7 +2985,7 @@
           <a:p>
             <a:fld id="{C1775FA8-FEF5-4078-A009-D10F19796D95}" type="datetimeFigureOut">
               <a:rPr lang="it-IT" smtClean="0"/>
-              <a:t>15/05/2023</a:t>
+              <a:t>16/05/2023</a:t>
             </a:fld>
             <a:endParaRPr lang="it-IT"/>
           </a:p>
@@ -3232,7 +3232,7 @@
           <a:p>
             <a:fld id="{C1775FA8-FEF5-4078-A009-D10F19796D95}" type="datetimeFigureOut">
               <a:rPr lang="it-IT" smtClean="0"/>
-              <a:t>15/05/2023</a:t>
+              <a:t>16/05/2023</a:t>
             </a:fld>
             <a:endParaRPr lang="it-IT"/>
           </a:p>
@@ -3464,7 +3464,7 @@
           <a:p>
             <a:fld id="{C1775FA8-FEF5-4078-A009-D10F19796D95}" type="datetimeFigureOut">
               <a:rPr lang="it-IT" smtClean="0"/>
-              <a:t>15/05/2023</a:t>
+              <a:t>16/05/2023</a:t>
             </a:fld>
             <a:endParaRPr lang="it-IT"/>
           </a:p>
@@ -3838,7 +3838,7 @@
           <a:p>
             <a:fld id="{C1775FA8-FEF5-4078-A009-D10F19796D95}" type="datetimeFigureOut">
               <a:rPr lang="it-IT" smtClean="0"/>
-              <a:t>15/05/2023</a:t>
+              <a:t>16/05/2023</a:t>
             </a:fld>
             <a:endParaRPr lang="it-IT"/>
           </a:p>
@@ -3961,7 +3961,7 @@
           <a:p>
             <a:fld id="{C1775FA8-FEF5-4078-A009-D10F19796D95}" type="datetimeFigureOut">
               <a:rPr lang="it-IT" smtClean="0"/>
-              <a:t>15/05/2023</a:t>
+              <a:t>16/05/2023</a:t>
             </a:fld>
             <a:endParaRPr lang="it-IT"/>
           </a:p>
@@ -4056,7 +4056,7 @@
           <a:p>
             <a:fld id="{C1775FA8-FEF5-4078-A009-D10F19796D95}" type="datetimeFigureOut">
               <a:rPr lang="it-IT" smtClean="0"/>
-              <a:t>15/05/2023</a:t>
+              <a:t>16/05/2023</a:t>
             </a:fld>
             <a:endParaRPr lang="it-IT"/>
           </a:p>
@@ -4311,7 +4311,7 @@
           <a:p>
             <a:fld id="{C1775FA8-FEF5-4078-A009-D10F19796D95}" type="datetimeFigureOut">
               <a:rPr lang="it-IT" smtClean="0"/>
-              <a:t>15/05/2023</a:t>
+              <a:t>16/05/2023</a:t>
             </a:fld>
             <a:endParaRPr lang="it-IT"/>
           </a:p>
@@ -4574,7 +4574,7 @@
           <a:p>
             <a:fld id="{C1775FA8-FEF5-4078-A009-D10F19796D95}" type="datetimeFigureOut">
               <a:rPr lang="it-IT" smtClean="0"/>
-              <a:t>15/05/2023</a:t>
+              <a:t>16/05/2023</a:t>
             </a:fld>
             <a:endParaRPr lang="it-IT"/>
           </a:p>
@@ -5317,7 +5317,7 @@
           <a:p>
             <a:fld id="{C1775FA8-FEF5-4078-A009-D10F19796D95}" type="datetimeFigureOut">
               <a:rPr lang="it-IT" smtClean="0"/>
-              <a:t>15/05/2023</a:t>
+              <a:t>16/05/2023</a:t>
             </a:fld>
             <a:endParaRPr lang="it-IT"/>
           </a:p>
@@ -7309,6 +7309,16 @@
           <a:prstGeom prst="rect">
             <a:avLst/>
           </a:prstGeom>
+          <a:ln>
+            <a:noFill/>
+          </a:ln>
+          <a:effectLst>
+            <a:outerShdw blurRad="292100" dist="139700" dir="2700000" algn="tl" rotWithShape="0">
+              <a:srgbClr val="333333">
+                <a:alpha val="65000"/>
+              </a:srgbClr>
+            </a:outerShdw>
+          </a:effectLst>
         </p:spPr>
       </p:pic>
     </p:spTree>
@@ -7369,6 +7379,36 @@
           </a:p>
         </p:txBody>
       </p:sp>
+      <p:pic>
+        <p:nvPicPr>
+          <p:cNvPr id="4" name="Picture 3">
+            <a:extLst>
+              <a:ext uri="{FF2B5EF4-FFF2-40B4-BE49-F238E27FC236}">
+                <a16:creationId xmlns:a16="http://schemas.microsoft.com/office/drawing/2014/main" id="{06A5ACA3-574B-7D82-8D4A-54BCB6B1562E}"/>
+              </a:ext>
+            </a:extLst>
+          </p:cNvPr>
+          <p:cNvPicPr>
+            <a:picLocks noChangeAspect="1"/>
+          </p:cNvPicPr>
+          <p:nvPr/>
+        </p:nvPicPr>
+        <p:blipFill>
+          <a:blip r:embed="rId2"/>
+          <a:stretch>
+            <a:fillRect/>
+          </a:stretch>
+        </p:blipFill>
+        <p:spPr>
+          <a:xfrm>
+            <a:off x="837876" y="1270000"/>
+            <a:ext cx="6886899" cy="5411135"/>
+          </a:xfrm>
+          <a:prstGeom prst="rect">
+            <a:avLst/>
+          </a:prstGeom>
+        </p:spPr>
+      </p:pic>
     </p:spTree>
     <p:extLst>
       <p:ext uri="{BB962C8B-B14F-4D97-AF65-F5344CB8AC3E}">

--- a/Materiale Extra/Presentazione del progetto .pptx
+++ b/Materiale Extra/Presentazione del progetto .pptx
@@ -7257,7 +7257,12 @@
             <p:ph type="title"/>
           </p:nvPr>
         </p:nvSpPr>
-        <p:spPr/>
+        <p:spPr>
+          <a:xfrm>
+            <a:off x="621350" y="217714"/>
+            <a:ext cx="8596668" cy="1320800"/>
+          </a:xfrm>
+        </p:spPr>
         <p:txBody>
           <a:bodyPr/>
           <a:lstStyle/>
@@ -7282,12 +7287,1016 @@
           </a:p>
         </p:txBody>
       </p:sp>
+      <p:sp>
+        <p:nvSpPr>
+          <p:cNvPr id="4" name="Content Placeholder 5">
+            <a:extLst>
+              <a:ext uri="{FF2B5EF4-FFF2-40B4-BE49-F238E27FC236}">
+                <a16:creationId xmlns:a16="http://schemas.microsoft.com/office/drawing/2014/main" id="{7B81DFB4-4A76-3C93-88C3-C7A4018CE5E8}"/>
+              </a:ext>
+            </a:extLst>
+          </p:cNvPr>
+          <p:cNvSpPr txBox="1">
+            <a:spLocks/>
+          </p:cNvSpPr>
+          <p:nvPr/>
+        </p:nvSpPr>
+        <p:spPr>
+          <a:xfrm>
+            <a:off x="70871" y="913947"/>
+            <a:ext cx="4320154" cy="5706382"/>
+          </a:xfrm>
+          <a:prstGeom prst="rect">
+            <a:avLst/>
+          </a:prstGeom>
+        </p:spPr>
+        <p:txBody>
+          <a:bodyPr/>
+          <a:lstStyle>
+            <a:lvl1pPr marL="342900" indent="-342900" algn="l" defTabSz="457200" rtl="0" eaLnBrk="1" latinLnBrk="0" hangingPunct="1">
+              <a:spcBef>
+                <a:spcPts val="1000"/>
+              </a:spcBef>
+              <a:spcAft>
+                <a:spcPts val="0"/>
+              </a:spcAft>
+              <a:buClr>
+                <a:schemeClr val="accent1"/>
+              </a:buClr>
+              <a:buSzPct val="80000"/>
+              <a:buFont typeface="Wingdings 3" charset="2"/>
+              <a:buChar char=""/>
+              <a:defRPr sz="1800" kern="1200">
+                <a:solidFill>
+                  <a:schemeClr val="tx1">
+                    <a:lumMod val="75000"/>
+                    <a:lumOff val="25000"/>
+                  </a:schemeClr>
+                </a:solidFill>
+                <a:latin typeface="+mn-lt"/>
+                <a:ea typeface="+mn-ea"/>
+                <a:cs typeface="+mn-cs"/>
+              </a:defRPr>
+            </a:lvl1pPr>
+            <a:lvl2pPr marL="742950" indent="-285750" algn="l" defTabSz="457200" rtl="0" eaLnBrk="1" latinLnBrk="0" hangingPunct="1">
+              <a:spcBef>
+                <a:spcPts val="1000"/>
+              </a:spcBef>
+              <a:spcAft>
+                <a:spcPts val="0"/>
+              </a:spcAft>
+              <a:buClr>
+                <a:schemeClr val="accent1"/>
+              </a:buClr>
+              <a:buSzPct val="80000"/>
+              <a:buFont typeface="Wingdings 3" charset="2"/>
+              <a:buChar char=""/>
+              <a:defRPr sz="1600" kern="1200">
+                <a:solidFill>
+                  <a:schemeClr val="tx1">
+                    <a:lumMod val="75000"/>
+                    <a:lumOff val="25000"/>
+                  </a:schemeClr>
+                </a:solidFill>
+                <a:latin typeface="+mn-lt"/>
+                <a:ea typeface="+mn-ea"/>
+                <a:cs typeface="+mn-cs"/>
+              </a:defRPr>
+            </a:lvl2pPr>
+            <a:lvl3pPr marL="1143000" indent="-228600" algn="l" defTabSz="457200" rtl="0" eaLnBrk="1" latinLnBrk="0" hangingPunct="1">
+              <a:spcBef>
+                <a:spcPts val="1000"/>
+              </a:spcBef>
+              <a:spcAft>
+                <a:spcPts val="0"/>
+              </a:spcAft>
+              <a:buClr>
+                <a:schemeClr val="accent1"/>
+              </a:buClr>
+              <a:buSzPct val="80000"/>
+              <a:buFont typeface="Wingdings 3" charset="2"/>
+              <a:buChar char=""/>
+              <a:defRPr sz="1400" kern="1200">
+                <a:solidFill>
+                  <a:schemeClr val="tx1">
+                    <a:lumMod val="75000"/>
+                    <a:lumOff val="25000"/>
+                  </a:schemeClr>
+                </a:solidFill>
+                <a:latin typeface="+mn-lt"/>
+                <a:ea typeface="+mn-ea"/>
+                <a:cs typeface="+mn-cs"/>
+              </a:defRPr>
+            </a:lvl3pPr>
+            <a:lvl4pPr marL="1600200" indent="-228600" algn="l" defTabSz="457200" rtl="0" eaLnBrk="1" latinLnBrk="0" hangingPunct="1">
+              <a:spcBef>
+                <a:spcPts val="1000"/>
+              </a:spcBef>
+              <a:spcAft>
+                <a:spcPts val="0"/>
+              </a:spcAft>
+              <a:buClr>
+                <a:schemeClr val="accent1"/>
+              </a:buClr>
+              <a:buSzPct val="80000"/>
+              <a:buFont typeface="Wingdings 3" charset="2"/>
+              <a:buChar char=""/>
+              <a:defRPr sz="1200" kern="1200">
+                <a:solidFill>
+                  <a:schemeClr val="tx1">
+                    <a:lumMod val="75000"/>
+                    <a:lumOff val="25000"/>
+                  </a:schemeClr>
+                </a:solidFill>
+                <a:latin typeface="+mn-lt"/>
+                <a:ea typeface="+mn-ea"/>
+                <a:cs typeface="+mn-cs"/>
+              </a:defRPr>
+            </a:lvl4pPr>
+            <a:lvl5pPr marL="2057400" indent="-228600" algn="l" defTabSz="457200" rtl="0" eaLnBrk="1" latinLnBrk="0" hangingPunct="1">
+              <a:spcBef>
+                <a:spcPts val="1000"/>
+              </a:spcBef>
+              <a:spcAft>
+                <a:spcPts val="0"/>
+              </a:spcAft>
+              <a:buClr>
+                <a:schemeClr val="accent1"/>
+              </a:buClr>
+              <a:buSzPct val="80000"/>
+              <a:buFont typeface="Wingdings 3" charset="2"/>
+              <a:buChar char=""/>
+              <a:defRPr sz="1200" kern="1200">
+                <a:solidFill>
+                  <a:schemeClr val="tx1">
+                    <a:lumMod val="75000"/>
+                    <a:lumOff val="25000"/>
+                  </a:schemeClr>
+                </a:solidFill>
+                <a:latin typeface="+mn-lt"/>
+                <a:ea typeface="+mn-ea"/>
+                <a:cs typeface="+mn-cs"/>
+              </a:defRPr>
+            </a:lvl5pPr>
+            <a:lvl6pPr marL="2514600" indent="-228600" algn="l" defTabSz="457200" rtl="0" eaLnBrk="1" latinLnBrk="0" hangingPunct="1">
+              <a:spcBef>
+                <a:spcPts val="1000"/>
+              </a:spcBef>
+              <a:spcAft>
+                <a:spcPts val="0"/>
+              </a:spcAft>
+              <a:buClr>
+                <a:schemeClr val="accent1"/>
+              </a:buClr>
+              <a:buSzPct val="80000"/>
+              <a:buFont typeface="Wingdings 3" charset="2"/>
+              <a:buChar char=""/>
+              <a:defRPr sz="1200" kern="1200">
+                <a:solidFill>
+                  <a:schemeClr val="tx1">
+                    <a:lumMod val="75000"/>
+                    <a:lumOff val="25000"/>
+                  </a:schemeClr>
+                </a:solidFill>
+                <a:latin typeface="+mn-lt"/>
+                <a:ea typeface="+mn-ea"/>
+                <a:cs typeface="+mn-cs"/>
+              </a:defRPr>
+            </a:lvl6pPr>
+            <a:lvl7pPr marL="2971800" indent="-228600" algn="l" defTabSz="457200" rtl="0" eaLnBrk="1" latinLnBrk="0" hangingPunct="1">
+              <a:spcBef>
+                <a:spcPts val="1000"/>
+              </a:spcBef>
+              <a:spcAft>
+                <a:spcPts val="0"/>
+              </a:spcAft>
+              <a:buClr>
+                <a:schemeClr val="accent1"/>
+              </a:buClr>
+              <a:buSzPct val="80000"/>
+              <a:buFont typeface="Wingdings 3" charset="2"/>
+              <a:buChar char=""/>
+              <a:defRPr sz="1200" kern="1200">
+                <a:solidFill>
+                  <a:schemeClr val="tx1">
+                    <a:lumMod val="75000"/>
+                    <a:lumOff val="25000"/>
+                  </a:schemeClr>
+                </a:solidFill>
+                <a:latin typeface="+mn-lt"/>
+                <a:ea typeface="+mn-ea"/>
+                <a:cs typeface="+mn-cs"/>
+              </a:defRPr>
+            </a:lvl7pPr>
+            <a:lvl8pPr marL="3429000" indent="-228600" algn="l" defTabSz="457200" rtl="0" eaLnBrk="1" latinLnBrk="0" hangingPunct="1">
+              <a:spcBef>
+                <a:spcPts val="1000"/>
+              </a:spcBef>
+              <a:spcAft>
+                <a:spcPts val="0"/>
+              </a:spcAft>
+              <a:buClr>
+                <a:schemeClr val="accent1"/>
+              </a:buClr>
+              <a:buSzPct val="80000"/>
+              <a:buFont typeface="Wingdings 3" charset="2"/>
+              <a:buChar char=""/>
+              <a:defRPr sz="1200" kern="1200">
+                <a:solidFill>
+                  <a:schemeClr val="tx1">
+                    <a:lumMod val="75000"/>
+                    <a:lumOff val="25000"/>
+                  </a:schemeClr>
+                </a:solidFill>
+                <a:latin typeface="+mn-lt"/>
+                <a:ea typeface="+mn-ea"/>
+                <a:cs typeface="+mn-cs"/>
+              </a:defRPr>
+            </a:lvl8pPr>
+            <a:lvl9pPr marL="3886200" indent="-228600" algn="l" defTabSz="457200" rtl="0" eaLnBrk="1" latinLnBrk="0" hangingPunct="1">
+              <a:spcBef>
+                <a:spcPts val="1000"/>
+              </a:spcBef>
+              <a:spcAft>
+                <a:spcPts val="0"/>
+              </a:spcAft>
+              <a:buClr>
+                <a:schemeClr val="accent1"/>
+              </a:buClr>
+              <a:buSzPct val="80000"/>
+              <a:buFont typeface="Wingdings 3" charset="2"/>
+              <a:buChar char=""/>
+              <a:defRPr sz="1200" kern="1200">
+                <a:solidFill>
+                  <a:schemeClr val="tx1">
+                    <a:lumMod val="75000"/>
+                    <a:lumOff val="25000"/>
+                  </a:schemeClr>
+                </a:solidFill>
+                <a:latin typeface="+mn-lt"/>
+                <a:ea typeface="+mn-ea"/>
+                <a:cs typeface="+mn-cs"/>
+              </a:defRPr>
+            </a:lvl9pPr>
+          </a:lstStyle>
+          <a:p>
+            <a:pPr marL="0" indent="0">
+              <a:buNone/>
+            </a:pPr>
+            <a:r>
+              <a:rPr lang="it-IT" sz="1600" b="1" dirty="0" err="1">
+                <a:solidFill>
+                  <a:schemeClr val="tx1"/>
+                </a:solidFill>
+              </a:rPr>
+              <a:t>Communication</a:t>
+            </a:r>
+            <a:r>
+              <a:rPr lang="it-IT" sz="1600" b="1" dirty="0">
+                <a:solidFill>
+                  <a:schemeClr val="tx1"/>
+                </a:solidFill>
+              </a:rPr>
+              <a:t> with:</a:t>
+            </a:r>
+          </a:p>
+          <a:p>
+            <a:pPr algn="just"/>
+            <a:r>
+              <a:rPr lang="it-IT" sz="1600" b="1" dirty="0" err="1">
+                <a:solidFill>
+                  <a:schemeClr val="tx1"/>
+                </a:solidFill>
+              </a:rPr>
+              <a:t>Sensors</a:t>
+            </a:r>
+            <a:r>
+              <a:rPr lang="it-IT" sz="1600" b="1" dirty="0">
+                <a:solidFill>
+                  <a:schemeClr val="tx1"/>
+                </a:solidFill>
+              </a:rPr>
+              <a:t>: </a:t>
+            </a:r>
+            <a:r>
+              <a:rPr lang="it-IT" sz="1600" dirty="0" err="1">
+                <a:solidFill>
+                  <a:schemeClr val="tx1"/>
+                </a:solidFill>
+              </a:rPr>
+              <a:t>Retrieves</a:t>
+            </a:r>
+            <a:r>
+              <a:rPr lang="it-IT" sz="1600" dirty="0">
+                <a:solidFill>
+                  <a:schemeClr val="tx1"/>
+                </a:solidFill>
+              </a:rPr>
+              <a:t> data from </a:t>
+            </a:r>
+            <a:r>
+              <a:rPr lang="it-IT" sz="1600" dirty="0" err="1">
+                <a:solidFill>
+                  <a:schemeClr val="tx1"/>
+                </a:solidFill>
+              </a:rPr>
+              <a:t>sensors</a:t>
+            </a:r>
+            <a:r>
+              <a:rPr lang="it-IT" sz="1600" dirty="0">
+                <a:solidFill>
+                  <a:schemeClr val="tx1"/>
+                </a:solidFill>
+              </a:rPr>
+              <a:t> and </a:t>
+            </a:r>
+            <a:r>
+              <a:rPr lang="it-IT" sz="1600" dirty="0" err="1">
+                <a:solidFill>
+                  <a:schemeClr val="tx1"/>
+                </a:solidFill>
+              </a:rPr>
+              <a:t>process</a:t>
+            </a:r>
+            <a:r>
+              <a:rPr lang="it-IT" sz="1600" dirty="0">
+                <a:solidFill>
+                  <a:schemeClr val="tx1"/>
+                </a:solidFill>
+              </a:rPr>
+              <a:t> </a:t>
+            </a:r>
+            <a:r>
+              <a:rPr lang="it-IT" sz="1600" dirty="0" err="1">
+                <a:solidFill>
+                  <a:schemeClr val="tx1"/>
+                </a:solidFill>
+              </a:rPr>
+              <a:t>them</a:t>
+            </a:r>
+            <a:r>
+              <a:rPr lang="it-IT" sz="1600" dirty="0">
+                <a:solidFill>
+                  <a:schemeClr val="tx1"/>
+                </a:solidFill>
+              </a:rPr>
+              <a:t>.</a:t>
+            </a:r>
+          </a:p>
+          <a:p>
+            <a:pPr algn="just"/>
+            <a:r>
+              <a:rPr lang="it-IT" sz="1600" b="1" dirty="0" err="1">
+                <a:solidFill>
+                  <a:schemeClr val="tx1"/>
+                </a:solidFill>
+              </a:rPr>
+              <a:t>Actuator</a:t>
+            </a:r>
+            <a:r>
+              <a:rPr lang="it-IT" sz="1600" b="1" dirty="0">
+                <a:solidFill>
+                  <a:schemeClr val="tx1"/>
+                </a:solidFill>
+              </a:rPr>
+              <a:t>: </a:t>
+            </a:r>
+            <a:r>
+              <a:rPr lang="it-IT" sz="1600" dirty="0" err="1">
+                <a:solidFill>
+                  <a:schemeClr val="tx1"/>
+                </a:solidFill>
+              </a:rPr>
+              <a:t>Sends</a:t>
+            </a:r>
+            <a:r>
+              <a:rPr lang="it-IT" sz="1600" dirty="0">
+                <a:solidFill>
+                  <a:schemeClr val="tx1"/>
+                </a:solidFill>
+              </a:rPr>
+              <a:t> </a:t>
+            </a:r>
+            <a:r>
+              <a:rPr lang="it-IT" sz="1600" dirty="0" err="1">
+                <a:solidFill>
+                  <a:schemeClr val="tx1"/>
+                </a:solidFill>
+              </a:rPr>
+              <a:t>command</a:t>
+            </a:r>
+            <a:r>
+              <a:rPr lang="it-IT" sz="1600" dirty="0">
+                <a:solidFill>
+                  <a:schemeClr val="tx1"/>
+                </a:solidFill>
+              </a:rPr>
+              <a:t> to the </a:t>
+            </a:r>
+            <a:r>
+              <a:rPr lang="it-IT" sz="1600" dirty="0" err="1">
+                <a:solidFill>
+                  <a:schemeClr val="tx1"/>
+                </a:solidFill>
+              </a:rPr>
+              <a:t>actuator</a:t>
+            </a:r>
+            <a:r>
+              <a:rPr lang="it-IT" sz="1600" dirty="0">
+                <a:solidFill>
+                  <a:schemeClr val="tx1"/>
+                </a:solidFill>
+              </a:rPr>
+              <a:t> (On/Off).</a:t>
+            </a:r>
+          </a:p>
+          <a:p>
+            <a:pPr algn="just"/>
+            <a:r>
+              <a:rPr lang="it-IT" sz="1600" b="1" dirty="0">
+                <a:solidFill>
+                  <a:schemeClr val="tx1"/>
+                </a:solidFill>
+              </a:rPr>
+              <a:t>User: </a:t>
+            </a:r>
+            <a:r>
+              <a:rPr lang="it-IT" sz="1600" dirty="0" err="1">
+                <a:solidFill>
+                  <a:schemeClr val="tx1"/>
+                </a:solidFill>
+              </a:rPr>
+              <a:t>Retrieves</a:t>
+            </a:r>
+            <a:r>
+              <a:rPr lang="it-IT" sz="1600" dirty="0">
+                <a:solidFill>
+                  <a:schemeClr val="tx1"/>
+                </a:solidFill>
+              </a:rPr>
+              <a:t> data </a:t>
+            </a:r>
+            <a:r>
+              <a:rPr lang="it-IT" sz="1600" dirty="0" err="1">
+                <a:solidFill>
+                  <a:schemeClr val="tx1"/>
+                </a:solidFill>
+              </a:rPr>
+              <a:t>about</a:t>
+            </a:r>
+            <a:r>
+              <a:rPr lang="it-IT" sz="1600" dirty="0">
+                <a:solidFill>
+                  <a:schemeClr val="tx1"/>
+                </a:solidFill>
+              </a:rPr>
+              <a:t> </a:t>
+            </a:r>
+            <a:r>
+              <a:rPr lang="it-IT" sz="1600" dirty="0" err="1">
+                <a:solidFill>
+                  <a:schemeClr val="tx1"/>
+                </a:solidFill>
+              </a:rPr>
+              <a:t>what</a:t>
+            </a:r>
+            <a:r>
+              <a:rPr lang="it-IT" sz="1600" dirty="0">
+                <a:solidFill>
+                  <a:schemeClr val="tx1"/>
+                </a:solidFill>
+              </a:rPr>
+              <a:t> the user </a:t>
+            </a:r>
+            <a:r>
+              <a:rPr lang="it-IT" sz="1600" dirty="0" err="1">
+                <a:solidFill>
+                  <a:schemeClr val="tx1"/>
+                </a:solidFill>
+              </a:rPr>
+              <a:t>want</a:t>
+            </a:r>
+            <a:r>
+              <a:rPr lang="it-IT" sz="1600" dirty="0">
+                <a:solidFill>
+                  <a:schemeClr val="tx1"/>
+                </a:solidFill>
+              </a:rPr>
+              <a:t> </a:t>
+            </a:r>
+            <a:r>
+              <a:rPr lang="it-IT" sz="1600" dirty="0" err="1">
+                <a:solidFill>
+                  <a:schemeClr val="tx1"/>
+                </a:solidFill>
+              </a:rPr>
+              <a:t>through</a:t>
+            </a:r>
+            <a:r>
+              <a:rPr lang="it-IT" sz="1600" dirty="0">
+                <a:solidFill>
+                  <a:schemeClr val="tx1"/>
+                </a:solidFill>
+              </a:rPr>
+              <a:t> User </a:t>
+            </a:r>
+            <a:r>
+              <a:rPr lang="it-IT" sz="1600" dirty="0" err="1">
+                <a:solidFill>
+                  <a:schemeClr val="tx1"/>
+                </a:solidFill>
+              </a:rPr>
+              <a:t>Awareness</a:t>
+            </a:r>
+            <a:r>
+              <a:rPr lang="it-IT" sz="1600" dirty="0">
+                <a:solidFill>
+                  <a:schemeClr val="tx1"/>
+                </a:solidFill>
+              </a:rPr>
+              <a:t> </a:t>
+            </a:r>
+            <a:r>
+              <a:rPr lang="it-IT" sz="1600" dirty="0" err="1">
+                <a:solidFill>
+                  <a:schemeClr val="tx1"/>
+                </a:solidFill>
+              </a:rPr>
+              <a:t>interface</a:t>
+            </a:r>
+            <a:r>
+              <a:rPr lang="it-IT" sz="1600" dirty="0">
+                <a:solidFill>
+                  <a:schemeClr val="tx1"/>
+                </a:solidFill>
+              </a:rPr>
+              <a:t> (</a:t>
+            </a:r>
+            <a:r>
+              <a:rPr lang="it-IT" sz="1600" dirty="0" err="1">
+                <a:solidFill>
+                  <a:schemeClr val="tx1"/>
+                </a:solidFill>
+              </a:rPr>
+              <a:t>Node</a:t>
+            </a:r>
+            <a:r>
+              <a:rPr lang="it-IT" sz="1600" dirty="0">
+                <a:solidFill>
+                  <a:schemeClr val="tx1"/>
+                </a:solidFill>
+              </a:rPr>
+              <a:t>-red and Telegram - </a:t>
+            </a:r>
+            <a:r>
+              <a:rPr lang="it-IT" sz="1600" dirty="0" err="1">
+                <a:solidFill>
+                  <a:schemeClr val="tx1"/>
+                </a:solidFill>
+              </a:rPr>
+              <a:t>ManualFlag</a:t>
+            </a:r>
+            <a:r>
+              <a:rPr lang="it-IT" sz="1600" dirty="0">
+                <a:solidFill>
+                  <a:schemeClr val="tx1"/>
+                </a:solidFill>
+              </a:rPr>
+              <a:t>). </a:t>
+            </a:r>
+          </a:p>
+          <a:p>
+            <a:pPr algn="just"/>
+            <a:r>
+              <a:rPr lang="it-IT" sz="1600" b="1" dirty="0" err="1">
+                <a:solidFill>
+                  <a:schemeClr val="tx1"/>
+                </a:solidFill>
+              </a:rPr>
+              <a:t>Catalog</a:t>
+            </a:r>
+            <a:r>
+              <a:rPr lang="it-IT" sz="1600" dirty="0">
+                <a:solidFill>
+                  <a:schemeClr val="tx1"/>
+                </a:solidFill>
+              </a:rPr>
+              <a:t>: </a:t>
+            </a:r>
+            <a:r>
+              <a:rPr lang="it-IT" sz="1600" dirty="0" err="1">
+                <a:solidFill>
+                  <a:schemeClr val="tx1"/>
+                </a:solidFill>
+              </a:rPr>
+              <a:t>Retrieves</a:t>
+            </a:r>
+            <a:r>
+              <a:rPr lang="it-IT" sz="1600" dirty="0">
+                <a:solidFill>
+                  <a:schemeClr val="tx1"/>
+                </a:solidFill>
+              </a:rPr>
+              <a:t> data of the user and general data of the </a:t>
+            </a:r>
+            <a:r>
+              <a:rPr lang="it-IT" sz="1600" dirty="0" err="1">
+                <a:solidFill>
+                  <a:schemeClr val="tx1"/>
+                </a:solidFill>
+              </a:rPr>
+              <a:t>application</a:t>
+            </a:r>
+            <a:r>
+              <a:rPr lang="it-IT" sz="1600" dirty="0">
+                <a:solidFill>
+                  <a:schemeClr val="tx1"/>
+                </a:solidFill>
+              </a:rPr>
+              <a:t>; and </a:t>
+            </a:r>
+            <a:r>
+              <a:rPr lang="it-IT" sz="1600" dirty="0" err="1">
+                <a:solidFill>
+                  <a:schemeClr val="tx1"/>
+                </a:solidFill>
+              </a:rPr>
+              <a:t>publish</a:t>
+            </a:r>
+            <a:r>
+              <a:rPr lang="it-IT" sz="1600" dirty="0">
+                <a:solidFill>
+                  <a:schemeClr val="tx1"/>
+                </a:solidFill>
+              </a:rPr>
+              <a:t> the </a:t>
+            </a:r>
+            <a:r>
+              <a:rPr lang="it-IT" sz="1600" dirty="0" err="1">
+                <a:solidFill>
+                  <a:schemeClr val="tx1"/>
+                </a:solidFill>
+              </a:rPr>
+              <a:t>value</a:t>
+            </a:r>
+            <a:r>
+              <a:rPr lang="it-IT" sz="1600" dirty="0">
+                <a:solidFill>
+                  <a:schemeClr val="tx1"/>
+                </a:solidFill>
+              </a:rPr>
+              <a:t> of the </a:t>
+            </a:r>
+            <a:r>
+              <a:rPr lang="it-IT" sz="1600" dirty="0" err="1">
+                <a:solidFill>
+                  <a:schemeClr val="tx1"/>
+                </a:solidFill>
+              </a:rPr>
+              <a:t>actuator</a:t>
+            </a:r>
+            <a:r>
+              <a:rPr lang="it-IT" sz="1600" dirty="0">
+                <a:solidFill>
+                  <a:schemeClr val="tx1"/>
+                </a:solidFill>
+              </a:rPr>
+              <a:t> </a:t>
+            </a:r>
+            <a:r>
+              <a:rPr lang="it-IT" sz="1600" dirty="0" err="1">
+                <a:solidFill>
+                  <a:schemeClr val="tx1"/>
+                </a:solidFill>
+              </a:rPr>
+              <a:t>computed</a:t>
+            </a:r>
+            <a:r>
+              <a:rPr lang="it-IT" sz="1600" dirty="0">
+                <a:solidFill>
+                  <a:schemeClr val="tx1"/>
+                </a:solidFill>
+              </a:rPr>
+              <a:t>.</a:t>
+            </a:r>
+          </a:p>
+          <a:p>
+            <a:pPr algn="just"/>
+            <a:r>
+              <a:rPr lang="it-IT" sz="1600" b="1" dirty="0">
+                <a:solidFill>
+                  <a:schemeClr val="tx1"/>
+                </a:solidFill>
+              </a:rPr>
+              <a:t>Control Strategy Agenda: </a:t>
+            </a:r>
+            <a:r>
+              <a:rPr lang="it-IT" sz="1600" dirty="0" err="1">
+                <a:solidFill>
+                  <a:schemeClr val="tx1"/>
+                </a:solidFill>
+              </a:rPr>
+              <a:t>Retrieves</a:t>
+            </a:r>
+            <a:r>
+              <a:rPr lang="it-IT" sz="1600" dirty="0">
+                <a:solidFill>
+                  <a:schemeClr val="tx1"/>
+                </a:solidFill>
+              </a:rPr>
+              <a:t> the </a:t>
+            </a:r>
+            <a:r>
+              <a:rPr lang="it-IT" sz="1600" dirty="0" err="1">
+                <a:solidFill>
+                  <a:schemeClr val="tx1"/>
+                </a:solidFill>
+              </a:rPr>
+              <a:t>value</a:t>
+            </a:r>
+            <a:r>
+              <a:rPr lang="it-IT" sz="1600" dirty="0">
+                <a:solidFill>
+                  <a:schemeClr val="tx1"/>
+                </a:solidFill>
+              </a:rPr>
+              <a:t> of the </a:t>
+            </a:r>
+            <a:r>
+              <a:rPr lang="it-IT" sz="1600" dirty="0" err="1">
+                <a:solidFill>
+                  <a:schemeClr val="tx1"/>
+                </a:solidFill>
+              </a:rPr>
+              <a:t>percentage</a:t>
+            </a:r>
+            <a:r>
+              <a:rPr lang="it-IT" sz="1600" dirty="0">
+                <a:solidFill>
+                  <a:schemeClr val="tx1"/>
+                </a:solidFill>
+              </a:rPr>
+              <a:t> of </a:t>
+            </a:r>
+            <a:r>
+              <a:rPr lang="it-IT" sz="1600" dirty="0" err="1">
+                <a:solidFill>
+                  <a:schemeClr val="tx1"/>
+                </a:solidFill>
+              </a:rPr>
+              <a:t>battery</a:t>
+            </a:r>
+            <a:r>
+              <a:rPr lang="it-IT" sz="1600" dirty="0">
+                <a:solidFill>
+                  <a:schemeClr val="tx1"/>
+                </a:solidFill>
+              </a:rPr>
+              <a:t> </a:t>
+            </a:r>
+            <a:r>
+              <a:rPr lang="it-IT" sz="1600" dirty="0" err="1">
+                <a:solidFill>
+                  <a:schemeClr val="tx1"/>
+                </a:solidFill>
+              </a:rPr>
+              <a:t>necessary</a:t>
+            </a:r>
+            <a:r>
+              <a:rPr lang="it-IT" sz="1600" dirty="0">
+                <a:solidFill>
+                  <a:schemeClr val="tx1"/>
+                </a:solidFill>
+              </a:rPr>
+              <a:t> in </a:t>
+            </a:r>
+            <a:r>
+              <a:rPr lang="it-IT" sz="1600" dirty="0" err="1">
+                <a:solidFill>
+                  <a:schemeClr val="tx1"/>
+                </a:solidFill>
+              </a:rPr>
+              <a:t>this</a:t>
+            </a:r>
+            <a:r>
+              <a:rPr lang="it-IT" sz="1600" dirty="0">
+                <a:solidFill>
+                  <a:schemeClr val="tx1"/>
+                </a:solidFill>
+              </a:rPr>
+              <a:t> day </a:t>
+            </a:r>
+            <a:r>
+              <a:rPr lang="it-IT" sz="1600" dirty="0" err="1">
+                <a:solidFill>
+                  <a:schemeClr val="tx1"/>
+                </a:solidFill>
+              </a:rPr>
+              <a:t>according</a:t>
+            </a:r>
+            <a:r>
+              <a:rPr lang="it-IT" sz="1600" dirty="0">
+                <a:solidFill>
+                  <a:schemeClr val="tx1"/>
+                </a:solidFill>
+              </a:rPr>
+              <a:t> to the Agenda of the user.  </a:t>
+            </a:r>
+          </a:p>
+          <a:p>
+            <a:pPr marL="0" indent="0">
+              <a:buNone/>
+            </a:pPr>
+            <a:r>
+              <a:rPr lang="it-IT" sz="1600" b="1" dirty="0" err="1">
+                <a:solidFill>
+                  <a:schemeClr val="tx1"/>
+                </a:solidFill>
+              </a:rPr>
+              <a:t>Main</a:t>
+            </a:r>
+            <a:r>
+              <a:rPr lang="it-IT" sz="1600" b="1" dirty="0">
+                <a:solidFill>
+                  <a:schemeClr val="tx1"/>
+                </a:solidFill>
+              </a:rPr>
+              <a:t> </a:t>
+            </a:r>
+            <a:r>
+              <a:rPr lang="it-IT" sz="1600" b="1" dirty="0" err="1">
+                <a:solidFill>
+                  <a:schemeClr val="tx1"/>
+                </a:solidFill>
+              </a:rPr>
+              <a:t>role</a:t>
+            </a:r>
+            <a:r>
+              <a:rPr lang="it-IT" sz="1600" b="1" dirty="0">
+                <a:solidFill>
+                  <a:schemeClr val="tx1"/>
+                </a:solidFill>
+              </a:rPr>
+              <a:t>:</a:t>
+            </a:r>
+          </a:p>
+          <a:p>
+            <a:pPr marL="0" indent="0">
+              <a:buNone/>
+            </a:pPr>
+            <a:r>
+              <a:rPr lang="it-IT" sz="1600" dirty="0" err="1">
+                <a:solidFill>
+                  <a:schemeClr val="tx1"/>
+                </a:solidFill>
+              </a:rPr>
+              <a:t>Retrieve</a:t>
+            </a:r>
+            <a:r>
+              <a:rPr lang="it-IT" sz="1600" dirty="0">
+                <a:solidFill>
+                  <a:schemeClr val="tx1"/>
+                </a:solidFill>
+              </a:rPr>
+              <a:t> data and </a:t>
+            </a:r>
+            <a:r>
+              <a:rPr lang="it-IT" sz="1600" dirty="0" err="1">
+                <a:solidFill>
+                  <a:schemeClr val="tx1"/>
+                </a:solidFill>
+              </a:rPr>
+              <a:t>choose</a:t>
+            </a:r>
+            <a:r>
+              <a:rPr lang="it-IT" sz="1600" dirty="0">
+                <a:solidFill>
+                  <a:schemeClr val="tx1"/>
+                </a:solidFill>
+              </a:rPr>
+              <a:t> </a:t>
+            </a:r>
+            <a:r>
+              <a:rPr lang="it-IT" sz="1600" dirty="0" err="1">
+                <a:solidFill>
+                  <a:schemeClr val="tx1"/>
+                </a:solidFill>
+              </a:rPr>
+              <a:t>if</a:t>
+            </a:r>
+            <a:r>
+              <a:rPr lang="it-IT" sz="1600" dirty="0">
+                <a:solidFill>
+                  <a:schemeClr val="tx1"/>
+                </a:solidFill>
+              </a:rPr>
+              <a:t> the car must be in </a:t>
+            </a:r>
+            <a:r>
+              <a:rPr lang="it-IT" sz="1600" dirty="0" err="1">
+                <a:solidFill>
+                  <a:schemeClr val="tx1"/>
+                </a:solidFill>
+              </a:rPr>
+              <a:t>charge</a:t>
+            </a:r>
+            <a:r>
+              <a:rPr lang="it-IT" sz="1600" dirty="0">
+                <a:solidFill>
+                  <a:schemeClr val="tx1"/>
+                </a:solidFill>
+              </a:rPr>
+              <a:t> or </a:t>
+            </a:r>
+            <a:r>
+              <a:rPr lang="it-IT" sz="1600" dirty="0" err="1">
+                <a:solidFill>
+                  <a:schemeClr val="tx1"/>
+                </a:solidFill>
+              </a:rPr>
+              <a:t>not</a:t>
+            </a:r>
+            <a:r>
+              <a:rPr lang="it-IT" sz="1600" dirty="0">
+                <a:solidFill>
+                  <a:schemeClr val="tx1"/>
+                </a:solidFill>
+              </a:rPr>
+              <a:t> </a:t>
+            </a:r>
+            <a:r>
+              <a:rPr lang="it-IT" sz="1600" dirty="0" err="1">
+                <a:solidFill>
+                  <a:schemeClr val="tx1"/>
+                </a:solidFill>
+              </a:rPr>
+              <a:t>according</a:t>
+            </a:r>
+            <a:r>
+              <a:rPr lang="it-IT" sz="1600" dirty="0">
+                <a:solidFill>
+                  <a:schemeClr val="tx1"/>
+                </a:solidFill>
+              </a:rPr>
+              <a:t> to the </a:t>
+            </a:r>
+            <a:r>
+              <a:rPr lang="it-IT" sz="1600" dirty="0" err="1">
+                <a:solidFill>
+                  <a:schemeClr val="tx1"/>
+                </a:solidFill>
+              </a:rPr>
+              <a:t>logic</a:t>
+            </a:r>
+            <a:r>
+              <a:rPr lang="it-IT" sz="1600" dirty="0">
+                <a:solidFill>
+                  <a:schemeClr val="tx1"/>
+                </a:solidFill>
+              </a:rPr>
+              <a:t> </a:t>
+            </a:r>
+            <a:r>
+              <a:rPr lang="it-IT" sz="1600" dirty="0" err="1">
+                <a:solidFill>
+                  <a:schemeClr val="tx1"/>
+                </a:solidFill>
+              </a:rPr>
+              <a:t>reported</a:t>
+            </a:r>
+            <a:r>
+              <a:rPr lang="it-IT" sz="1600" dirty="0">
+                <a:solidFill>
+                  <a:schemeClr val="tx1"/>
+                </a:solidFill>
+              </a:rPr>
+              <a:t> on the </a:t>
+            </a:r>
+            <a:r>
+              <a:rPr lang="it-IT" sz="1600" dirty="0" err="1">
+                <a:solidFill>
+                  <a:schemeClr val="tx1"/>
+                </a:solidFill>
+              </a:rPr>
+              <a:t>right</a:t>
+            </a:r>
+            <a:r>
+              <a:rPr lang="it-IT" sz="1600" dirty="0">
+                <a:solidFill>
+                  <a:schemeClr val="tx1"/>
+                </a:solidFill>
+              </a:rPr>
+              <a:t>. </a:t>
+            </a:r>
+          </a:p>
+        </p:txBody>
+      </p:sp>
       <p:pic>
         <p:nvPicPr>
-          <p:cNvPr id="7" name="Picture 6">
+          <p:cNvPr id="6" name="Picture 5">
             <a:extLst>
               <a:ext uri="{FF2B5EF4-FFF2-40B4-BE49-F238E27FC236}">
-                <a16:creationId xmlns:a16="http://schemas.microsoft.com/office/drawing/2014/main" id="{8549F90F-0168-72BB-07BB-CCBDE2DA712B}"/>
+                <a16:creationId xmlns:a16="http://schemas.microsoft.com/office/drawing/2014/main" id="{4FFF959A-E193-C8AC-906E-32E3540E3647}"/>
               </a:ext>
             </a:extLst>
           </p:cNvPr>
@@ -7296,15 +8305,16 @@
           </p:cNvPicPr>
           <p:nvPr/>
         </p:nvPicPr>
-        <p:blipFill rotWithShape="1">
+        <p:blipFill>
           <a:blip r:embed="rId2"/>
-          <a:srcRect l="835"/>
-          <a:stretch/>
+          <a:stretch>
+            <a:fillRect/>
+          </a:stretch>
         </p:blipFill>
         <p:spPr>
           <a:xfrm>
-            <a:off x="429208" y="1439813"/>
-            <a:ext cx="8212403" cy="4621975"/>
+            <a:off x="4514850" y="1218293"/>
+            <a:ext cx="7055800" cy="4608926"/>
           </a:xfrm>
           <a:prstGeom prst="rect">
             <a:avLst/>
@@ -7367,24 +8377,1281 @@
             <p:ph type="title"/>
           </p:nvPr>
         </p:nvSpPr>
-        <p:spPr/>
+        <p:spPr>
+          <a:xfrm>
+            <a:off x="867446" y="176865"/>
+            <a:ext cx="7647904" cy="1320800"/>
+          </a:xfrm>
+        </p:spPr>
         <p:txBody>
           <a:bodyPr/>
           <a:lstStyle/>
           <a:p>
+            <a:pPr algn="ctr"/>
             <a:r>
               <a:rPr lang="it-IT" dirty="0"/>
-              <a:t>Control Strategy Agenda</a:t>
+              <a:t>Agenda Control Strategy </a:t>
+            </a:r>
+            <a:br>
+              <a:rPr lang="it-IT" dirty="0"/>
+            </a:br>
+            <a:r>
+              <a:rPr lang="it-IT" sz="1600" dirty="0">
+                <a:solidFill>
+                  <a:schemeClr val="accent2"/>
+                </a:solidFill>
+              </a:rPr>
+              <a:t>Compute the </a:t>
+            </a:r>
+            <a:r>
+              <a:rPr lang="it-IT" sz="1600" dirty="0" err="1">
+                <a:solidFill>
+                  <a:schemeClr val="accent2"/>
+                </a:solidFill>
+              </a:rPr>
+              <a:t>percentage</a:t>
+            </a:r>
+            <a:r>
+              <a:rPr lang="it-IT" sz="1600" dirty="0">
+                <a:solidFill>
+                  <a:schemeClr val="accent2"/>
+                </a:solidFill>
+              </a:rPr>
+              <a:t> of </a:t>
+            </a:r>
+            <a:r>
+              <a:rPr lang="it-IT" sz="1600" dirty="0" err="1">
+                <a:solidFill>
+                  <a:schemeClr val="accent2"/>
+                </a:solidFill>
+              </a:rPr>
+              <a:t>battery</a:t>
+            </a:r>
+            <a:r>
+              <a:rPr lang="it-IT" sz="1600" dirty="0">
+                <a:solidFill>
+                  <a:schemeClr val="accent2"/>
+                </a:solidFill>
+              </a:rPr>
+              <a:t> </a:t>
+            </a:r>
+            <a:r>
+              <a:rPr lang="it-IT" sz="1600" dirty="0" err="1">
+                <a:solidFill>
+                  <a:schemeClr val="accent2"/>
+                </a:solidFill>
+              </a:rPr>
+              <a:t>necessary</a:t>
+            </a:r>
+            <a:r>
+              <a:rPr lang="it-IT" sz="1600" dirty="0">
+                <a:solidFill>
+                  <a:schemeClr val="accent2"/>
+                </a:solidFill>
+              </a:rPr>
+              <a:t> to the </a:t>
+            </a:r>
+            <a:r>
+              <a:rPr lang="it-IT" sz="1600" dirty="0" err="1">
+                <a:solidFill>
+                  <a:schemeClr val="accent2"/>
+                </a:solidFill>
+              </a:rPr>
+              <a:t>specific</a:t>
+            </a:r>
+            <a:r>
+              <a:rPr lang="it-IT" sz="1600" dirty="0">
+                <a:solidFill>
+                  <a:schemeClr val="accent2"/>
+                </a:solidFill>
+              </a:rPr>
+              <a:t> user </a:t>
+            </a:r>
+            <a:r>
+              <a:rPr lang="it-IT" sz="1600" dirty="0" err="1">
+                <a:solidFill>
+                  <a:schemeClr val="accent2"/>
+                </a:solidFill>
+              </a:rPr>
+              <a:t>each</a:t>
+            </a:r>
+            <a:r>
+              <a:rPr lang="it-IT" sz="1600" dirty="0">
+                <a:solidFill>
+                  <a:schemeClr val="accent2"/>
+                </a:solidFill>
+              </a:rPr>
+              <a:t> day, </a:t>
+            </a:r>
+            <a:r>
+              <a:rPr lang="it-IT" sz="1600" dirty="0" err="1">
+                <a:solidFill>
+                  <a:schemeClr val="accent2"/>
+                </a:solidFill>
+              </a:rPr>
+              <a:t>according</a:t>
+            </a:r>
+            <a:r>
+              <a:rPr lang="it-IT" sz="1600" dirty="0">
+                <a:solidFill>
+                  <a:schemeClr val="accent2"/>
+                </a:solidFill>
+              </a:rPr>
+              <a:t> to the Agenda information.</a:t>
+            </a:r>
+          </a:p>
+        </p:txBody>
+      </p:sp>
+      <p:sp>
+        <p:nvSpPr>
+          <p:cNvPr id="24" name="TextBox 23">
+            <a:extLst>
+              <a:ext uri="{FF2B5EF4-FFF2-40B4-BE49-F238E27FC236}">
+                <a16:creationId xmlns:a16="http://schemas.microsoft.com/office/drawing/2014/main" id="{08C9B5BA-BE39-E168-DE6C-C3163865BD58}"/>
+              </a:ext>
+            </a:extLst>
+          </p:cNvPr>
+          <p:cNvSpPr txBox="1"/>
+          <p:nvPr/>
+        </p:nvSpPr>
+        <p:spPr>
+          <a:xfrm>
+            <a:off x="3960446" y="1790488"/>
+            <a:ext cx="2218609" cy="307777"/>
+          </a:xfrm>
+          <a:prstGeom prst="rect">
+            <a:avLst/>
+          </a:prstGeom>
+          <a:noFill/>
+          <a:ln>
+            <a:solidFill>
+              <a:schemeClr val="bg2">
+                <a:lumMod val="25000"/>
+              </a:schemeClr>
+            </a:solidFill>
+          </a:ln>
+        </p:spPr>
+        <p:txBody>
+          <a:bodyPr wrap="square" rtlCol="0">
+            <a:spAutoFit/>
+          </a:bodyPr>
+          <a:lstStyle/>
+          <a:p>
+            <a:r>
+              <a:rPr lang="it-IT" sz="1400" dirty="0" err="1"/>
+              <a:t>Battery</a:t>
+            </a:r>
+            <a:r>
+              <a:rPr lang="it-IT" sz="1400" dirty="0"/>
+              <a:t> </a:t>
+            </a:r>
+            <a:r>
+              <a:rPr lang="it-IT" sz="1400" dirty="0" err="1"/>
+              <a:t>Capacity</a:t>
+            </a:r>
+            <a:r>
+              <a:rPr lang="it-IT" sz="1400" dirty="0"/>
+              <a:t> (KWh)</a:t>
+            </a:r>
+          </a:p>
+        </p:txBody>
+      </p:sp>
+      <p:sp>
+        <p:nvSpPr>
+          <p:cNvPr id="25" name="TextBox 24">
+            <a:extLst>
+              <a:ext uri="{FF2B5EF4-FFF2-40B4-BE49-F238E27FC236}">
+                <a16:creationId xmlns:a16="http://schemas.microsoft.com/office/drawing/2014/main" id="{BC748514-09BE-B4F4-20C0-C45746093E6C}"/>
+              </a:ext>
+            </a:extLst>
+          </p:cNvPr>
+          <p:cNvSpPr txBox="1"/>
+          <p:nvPr/>
+        </p:nvSpPr>
+        <p:spPr>
+          <a:xfrm>
+            <a:off x="6378963" y="1807088"/>
+            <a:ext cx="2757888" cy="307777"/>
+          </a:xfrm>
+          <a:prstGeom prst="rect">
+            <a:avLst/>
+          </a:prstGeom>
+          <a:noFill/>
+          <a:ln>
+            <a:solidFill>
+              <a:schemeClr val="tx1"/>
+            </a:solidFill>
+          </a:ln>
+        </p:spPr>
+        <p:txBody>
+          <a:bodyPr wrap="square" rtlCol="0">
+            <a:spAutoFit/>
+          </a:bodyPr>
+          <a:lstStyle/>
+          <a:p>
+            <a:r>
+              <a:rPr lang="it-IT" sz="1400" dirty="0" err="1"/>
+              <a:t>Battery</a:t>
+            </a:r>
+            <a:r>
+              <a:rPr lang="it-IT" sz="1400" dirty="0"/>
+              <a:t> </a:t>
+            </a:r>
+            <a:r>
+              <a:rPr lang="it-IT" sz="1400" dirty="0" err="1"/>
+              <a:t>Consumption</a:t>
+            </a:r>
+            <a:r>
+              <a:rPr lang="it-IT" sz="1400" dirty="0"/>
+              <a:t> (km/KWh)</a:t>
+            </a:r>
+          </a:p>
+        </p:txBody>
+      </p:sp>
+      <p:cxnSp>
+        <p:nvCxnSpPr>
+          <p:cNvPr id="26" name="Connector: Elbow 25">
+            <a:extLst>
+              <a:ext uri="{FF2B5EF4-FFF2-40B4-BE49-F238E27FC236}">
+                <a16:creationId xmlns:a16="http://schemas.microsoft.com/office/drawing/2014/main" id="{BF407E49-7D56-C64F-9C75-D1CE4A8F3475}"/>
+              </a:ext>
+            </a:extLst>
+          </p:cNvPr>
+          <p:cNvCxnSpPr>
+            <a:cxnSpLocks/>
+            <a:stCxn id="24" idx="2"/>
+            <a:endCxn id="27" idx="1"/>
+          </p:cNvCxnSpPr>
+          <p:nvPr/>
+        </p:nvCxnSpPr>
+        <p:spPr>
+          <a:xfrm rot="16200000" flipH="1">
+            <a:off x="4819096" y="2348920"/>
+            <a:ext cx="639531" cy="138220"/>
+          </a:xfrm>
+          <a:prstGeom prst="bentConnector2">
+            <a:avLst/>
+          </a:prstGeom>
+          <a:ln>
+            <a:solidFill>
+              <a:schemeClr val="tx1"/>
+            </a:solidFill>
+            <a:tailEnd type="triangle"/>
+          </a:ln>
+        </p:spPr>
+        <p:style>
+          <a:lnRef idx="1">
+            <a:schemeClr val="accent1"/>
+          </a:lnRef>
+          <a:fillRef idx="0">
+            <a:schemeClr val="accent1"/>
+          </a:fillRef>
+          <a:effectRef idx="0">
+            <a:schemeClr val="accent1"/>
+          </a:effectRef>
+          <a:fontRef idx="minor">
+            <a:schemeClr val="tx1"/>
+          </a:fontRef>
+        </p:style>
+      </p:cxnSp>
+      <p:sp>
+        <p:nvSpPr>
+          <p:cNvPr id="27" name="TextBox 26">
+            <a:extLst>
+              <a:ext uri="{FF2B5EF4-FFF2-40B4-BE49-F238E27FC236}">
+                <a16:creationId xmlns:a16="http://schemas.microsoft.com/office/drawing/2014/main" id="{A79587E1-AD6B-00BA-CB61-CA8C226A8455}"/>
+              </a:ext>
+            </a:extLst>
+          </p:cNvPr>
+          <p:cNvSpPr txBox="1"/>
+          <p:nvPr/>
+        </p:nvSpPr>
+        <p:spPr>
+          <a:xfrm>
+            <a:off x="5207971" y="2368464"/>
+            <a:ext cx="2341984" cy="738664"/>
+          </a:xfrm>
+          <a:prstGeom prst="rect">
+            <a:avLst/>
+          </a:prstGeom>
+          <a:noFill/>
+          <a:ln>
+            <a:solidFill>
+              <a:schemeClr val="tx1"/>
+            </a:solidFill>
+          </a:ln>
+        </p:spPr>
+        <p:txBody>
+          <a:bodyPr wrap="square" rtlCol="0">
+            <a:spAutoFit/>
+          </a:bodyPr>
+          <a:lstStyle/>
+          <a:p>
+            <a:r>
+              <a:rPr lang="it-IT" sz="1400" dirty="0" err="1"/>
+              <a:t>Autonomy</a:t>
+            </a:r>
+            <a:r>
+              <a:rPr lang="it-IT" sz="1400" dirty="0"/>
+              <a:t> of the </a:t>
+            </a:r>
+            <a:r>
+              <a:rPr lang="it-IT" sz="1400" dirty="0" err="1"/>
+              <a:t>electric</a:t>
+            </a:r>
+            <a:r>
+              <a:rPr lang="it-IT" sz="1400" dirty="0"/>
+              <a:t> </a:t>
+            </a:r>
+            <a:r>
+              <a:rPr lang="it-IT" sz="1400" dirty="0" err="1"/>
+              <a:t>vehicle</a:t>
+            </a:r>
+            <a:r>
+              <a:rPr lang="it-IT" sz="1400" dirty="0"/>
+              <a:t> with 100 % of </a:t>
+            </a:r>
+            <a:r>
+              <a:rPr lang="it-IT" sz="1400" dirty="0" err="1"/>
+              <a:t>battery</a:t>
+            </a:r>
+            <a:r>
+              <a:rPr lang="it-IT" sz="1400" dirty="0"/>
+              <a:t> (km)</a:t>
+            </a:r>
+          </a:p>
+        </p:txBody>
+      </p:sp>
+      <p:cxnSp>
+        <p:nvCxnSpPr>
+          <p:cNvPr id="28" name="Connector: Elbow 27">
+            <a:extLst>
+              <a:ext uri="{FF2B5EF4-FFF2-40B4-BE49-F238E27FC236}">
+                <a16:creationId xmlns:a16="http://schemas.microsoft.com/office/drawing/2014/main" id="{502A65FB-CE40-F8EC-F986-6C320C35518E}"/>
+              </a:ext>
+            </a:extLst>
+          </p:cNvPr>
+          <p:cNvCxnSpPr>
+            <a:cxnSpLocks/>
+            <a:stCxn id="25" idx="2"/>
+            <a:endCxn id="27" idx="3"/>
+          </p:cNvCxnSpPr>
+          <p:nvPr/>
+        </p:nvCxnSpPr>
+        <p:spPr>
+          <a:xfrm rot="5400000">
+            <a:off x="7342466" y="2322354"/>
+            <a:ext cx="622931" cy="207952"/>
+          </a:xfrm>
+          <a:prstGeom prst="bentConnector2">
+            <a:avLst/>
+          </a:prstGeom>
+          <a:ln>
+            <a:tailEnd type="triangle"/>
+          </a:ln>
+        </p:spPr>
+        <p:style>
+          <a:lnRef idx="1">
+            <a:schemeClr val="dk1"/>
+          </a:lnRef>
+          <a:fillRef idx="0">
+            <a:schemeClr val="dk1"/>
+          </a:fillRef>
+          <a:effectRef idx="0">
+            <a:schemeClr val="dk1"/>
+          </a:effectRef>
+          <a:fontRef idx="minor">
+            <a:schemeClr val="tx1"/>
+          </a:fontRef>
+        </p:style>
+      </p:cxnSp>
+      <p:sp>
+        <p:nvSpPr>
+          <p:cNvPr id="29" name="TextBox 28">
+            <a:extLst>
+              <a:ext uri="{FF2B5EF4-FFF2-40B4-BE49-F238E27FC236}">
+                <a16:creationId xmlns:a16="http://schemas.microsoft.com/office/drawing/2014/main" id="{45B7CFEE-EB59-AB5C-5B54-E7B7498E20E2}"/>
+              </a:ext>
+            </a:extLst>
+          </p:cNvPr>
+          <p:cNvSpPr txBox="1"/>
+          <p:nvPr/>
+        </p:nvSpPr>
+        <p:spPr>
+          <a:xfrm>
+            <a:off x="5218311" y="3422210"/>
+            <a:ext cx="2341984" cy="954107"/>
+          </a:xfrm>
+          <a:prstGeom prst="rect">
+            <a:avLst/>
+          </a:prstGeom>
+          <a:ln/>
+        </p:spPr>
+        <p:style>
+          <a:lnRef idx="2">
+            <a:schemeClr val="dk1"/>
+          </a:lnRef>
+          <a:fillRef idx="1">
+            <a:schemeClr val="lt1"/>
+          </a:fillRef>
+          <a:effectRef idx="0">
+            <a:schemeClr val="dk1"/>
+          </a:effectRef>
+          <a:fontRef idx="minor">
+            <a:schemeClr val="dk1"/>
+          </a:fontRef>
+        </p:style>
+        <p:txBody>
+          <a:bodyPr wrap="square" rtlCol="0">
+            <a:spAutoFit/>
+          </a:bodyPr>
+          <a:lstStyle/>
+          <a:p>
+            <a:r>
+              <a:rPr lang="it-IT" sz="1400" dirty="0">
+                <a:solidFill>
+                  <a:schemeClr val="tx1"/>
+                </a:solidFill>
+              </a:rPr>
+              <a:t>Km </a:t>
+            </a:r>
+            <a:r>
+              <a:rPr lang="it-IT" sz="1400" dirty="0" err="1">
+                <a:solidFill>
+                  <a:schemeClr val="tx1"/>
+                </a:solidFill>
+              </a:rPr>
+              <a:t>necessary</a:t>
+            </a:r>
+            <a:r>
+              <a:rPr lang="it-IT" sz="1400" dirty="0">
+                <a:solidFill>
+                  <a:schemeClr val="tx1"/>
+                </a:solidFill>
+              </a:rPr>
+              <a:t> to cover </a:t>
+            </a:r>
+            <a:r>
+              <a:rPr lang="it-IT" sz="1400" dirty="0" err="1">
+                <a:solidFill>
+                  <a:schemeClr val="tx1"/>
+                </a:solidFill>
+              </a:rPr>
+              <a:t>all</a:t>
+            </a:r>
+            <a:r>
+              <a:rPr lang="it-IT" sz="1400" dirty="0">
+                <a:solidFill>
+                  <a:schemeClr val="tx1"/>
+                </a:solidFill>
+              </a:rPr>
+              <a:t> the </a:t>
+            </a:r>
+            <a:r>
+              <a:rPr lang="it-IT" sz="1400" dirty="0" err="1">
+                <a:solidFill>
+                  <a:schemeClr val="tx1"/>
+                </a:solidFill>
+              </a:rPr>
+              <a:t>daily</a:t>
+            </a:r>
+            <a:r>
+              <a:rPr lang="it-IT" sz="1400" dirty="0">
+                <a:solidFill>
+                  <a:schemeClr val="tx1"/>
+                </a:solidFill>
+              </a:rPr>
+              <a:t> </a:t>
+            </a:r>
+            <a:r>
+              <a:rPr lang="it-IT" sz="1400" dirty="0" err="1">
+                <a:solidFill>
+                  <a:schemeClr val="tx1"/>
+                </a:solidFill>
+              </a:rPr>
+              <a:t>appointment</a:t>
+            </a:r>
+            <a:r>
+              <a:rPr lang="it-IT" sz="1400" dirty="0">
+                <a:solidFill>
+                  <a:schemeClr val="tx1"/>
+                </a:solidFill>
+              </a:rPr>
+              <a:t> &gt; max </a:t>
+            </a:r>
+            <a:r>
+              <a:rPr lang="it-IT" sz="1400" dirty="0" err="1">
+                <a:solidFill>
+                  <a:schemeClr val="tx1"/>
+                </a:solidFill>
+              </a:rPr>
+              <a:t>autonomy</a:t>
+            </a:r>
+            <a:r>
+              <a:rPr lang="it-IT" sz="1400" dirty="0">
+                <a:solidFill>
+                  <a:schemeClr val="tx1"/>
+                </a:solidFill>
+              </a:rPr>
+              <a:t> in km of the </a:t>
+            </a:r>
+            <a:r>
+              <a:rPr lang="it-IT" sz="1400" dirty="0" err="1">
+                <a:solidFill>
+                  <a:schemeClr val="tx1"/>
+                </a:solidFill>
+              </a:rPr>
+              <a:t>user’s</a:t>
+            </a:r>
+            <a:r>
+              <a:rPr lang="it-IT" sz="1400" dirty="0">
+                <a:solidFill>
+                  <a:schemeClr val="tx1"/>
+                </a:solidFill>
+              </a:rPr>
+              <a:t> </a:t>
+            </a:r>
+            <a:r>
+              <a:rPr lang="it-IT" sz="1400" dirty="0" err="1">
+                <a:solidFill>
+                  <a:schemeClr val="tx1"/>
+                </a:solidFill>
+              </a:rPr>
+              <a:t>battery</a:t>
+            </a:r>
+            <a:r>
+              <a:rPr lang="it-IT" sz="1400" dirty="0">
+                <a:solidFill>
+                  <a:schemeClr val="tx1"/>
+                </a:solidFill>
+              </a:rPr>
+              <a:t>?</a:t>
+            </a:r>
+          </a:p>
+        </p:txBody>
+      </p:sp>
+      <p:cxnSp>
+        <p:nvCxnSpPr>
+          <p:cNvPr id="31" name="Straight Arrow Connector 30">
+            <a:extLst>
+              <a:ext uri="{FF2B5EF4-FFF2-40B4-BE49-F238E27FC236}">
+                <a16:creationId xmlns:a16="http://schemas.microsoft.com/office/drawing/2014/main" id="{40B51237-EF89-1448-092E-600B80A3D173}"/>
+              </a:ext>
+            </a:extLst>
+          </p:cNvPr>
+          <p:cNvCxnSpPr>
+            <a:stCxn id="27" idx="2"/>
+            <a:endCxn id="29" idx="0"/>
+          </p:cNvCxnSpPr>
+          <p:nvPr/>
+        </p:nvCxnSpPr>
+        <p:spPr>
+          <a:xfrm>
+            <a:off x="6378963" y="3107128"/>
+            <a:ext cx="10340" cy="315082"/>
+          </a:xfrm>
+          <a:prstGeom prst="straightConnector1">
+            <a:avLst/>
+          </a:prstGeom>
+          <a:ln>
+            <a:tailEnd type="triangle"/>
+          </a:ln>
+        </p:spPr>
+        <p:style>
+          <a:lnRef idx="1">
+            <a:schemeClr val="dk1"/>
+          </a:lnRef>
+          <a:fillRef idx="0">
+            <a:schemeClr val="dk1"/>
+          </a:fillRef>
+          <a:effectRef idx="0">
+            <a:schemeClr val="dk1"/>
+          </a:effectRef>
+          <a:fontRef idx="minor">
+            <a:schemeClr val="tx1"/>
+          </a:fontRef>
+        </p:style>
+      </p:cxnSp>
+      <p:cxnSp>
+        <p:nvCxnSpPr>
+          <p:cNvPr id="32" name="Connector: Elbow 31">
+            <a:extLst>
+              <a:ext uri="{FF2B5EF4-FFF2-40B4-BE49-F238E27FC236}">
+                <a16:creationId xmlns:a16="http://schemas.microsoft.com/office/drawing/2014/main" id="{280491DC-9FD7-03FC-2599-E7CFB8E49BCC}"/>
+              </a:ext>
+            </a:extLst>
+          </p:cNvPr>
+          <p:cNvCxnSpPr>
+            <a:cxnSpLocks/>
+            <a:stCxn id="29" idx="1"/>
+            <a:endCxn id="33" idx="0"/>
+          </p:cNvCxnSpPr>
+          <p:nvPr/>
+        </p:nvCxnSpPr>
+        <p:spPr>
+          <a:xfrm rot="10800000" flipV="1">
+            <a:off x="4903811" y="3899264"/>
+            <a:ext cx="314500" cy="655236"/>
+          </a:xfrm>
+          <a:prstGeom prst="bentConnector2">
+            <a:avLst/>
+          </a:prstGeom>
+          <a:ln w="38100">
+            <a:solidFill>
+              <a:srgbClr val="FF0000"/>
+            </a:solidFill>
+            <a:tailEnd type="triangle"/>
+          </a:ln>
+        </p:spPr>
+        <p:style>
+          <a:lnRef idx="1">
+            <a:schemeClr val="dk1"/>
+          </a:lnRef>
+          <a:fillRef idx="0">
+            <a:schemeClr val="dk1"/>
+          </a:fillRef>
+          <a:effectRef idx="0">
+            <a:schemeClr val="dk1"/>
+          </a:effectRef>
+          <a:fontRef idx="minor">
+            <a:schemeClr val="tx1"/>
+          </a:fontRef>
+        </p:style>
+      </p:cxnSp>
+      <p:sp>
+        <p:nvSpPr>
+          <p:cNvPr id="33" name="TextBox 32">
+            <a:extLst>
+              <a:ext uri="{FF2B5EF4-FFF2-40B4-BE49-F238E27FC236}">
+                <a16:creationId xmlns:a16="http://schemas.microsoft.com/office/drawing/2014/main" id="{2E5C4E0F-FABA-48AB-5476-1396F165C58E}"/>
+              </a:ext>
+            </a:extLst>
+          </p:cNvPr>
+          <p:cNvSpPr txBox="1"/>
+          <p:nvPr/>
+        </p:nvSpPr>
+        <p:spPr>
+          <a:xfrm>
+            <a:off x="3521728" y="4554500"/>
+            <a:ext cx="2764165" cy="1169551"/>
+          </a:xfrm>
+          <a:prstGeom prst="rect">
+            <a:avLst/>
+          </a:prstGeom>
+          <a:noFill/>
+          <a:ln w="38100">
+            <a:solidFill>
+              <a:srgbClr val="FF0000"/>
+            </a:solidFill>
+          </a:ln>
+        </p:spPr>
+        <p:txBody>
+          <a:bodyPr wrap="square" rtlCol="0">
+            <a:spAutoFit/>
+          </a:bodyPr>
+          <a:lstStyle/>
+          <a:p>
+            <a:r>
+              <a:rPr lang="it-IT" sz="1400" dirty="0" err="1"/>
+              <a:t>Send</a:t>
+            </a:r>
+            <a:r>
+              <a:rPr lang="it-IT" sz="1400" dirty="0"/>
+              <a:t> an </a:t>
+            </a:r>
+            <a:r>
+              <a:rPr lang="it-IT" sz="1400" dirty="0" err="1"/>
+              <a:t>alert</a:t>
+            </a:r>
+            <a:r>
+              <a:rPr lang="it-IT" sz="1400" dirty="0"/>
+              <a:t> to </a:t>
+            </a:r>
+            <a:r>
+              <a:rPr lang="it-IT" sz="1400" dirty="0" err="1"/>
+              <a:t>communicate</a:t>
+            </a:r>
+            <a:r>
+              <a:rPr lang="it-IT" sz="1400" dirty="0"/>
+              <a:t> to the USER </a:t>
+            </a:r>
+            <a:r>
+              <a:rPr lang="it-IT" sz="1400" dirty="0" err="1"/>
+              <a:t>that</a:t>
+            </a:r>
+            <a:r>
+              <a:rPr lang="it-IT" sz="1400" dirty="0"/>
+              <a:t> the </a:t>
+            </a:r>
+            <a:r>
+              <a:rPr lang="it-IT" sz="1400" dirty="0" err="1"/>
+              <a:t>number</a:t>
+            </a:r>
+            <a:r>
+              <a:rPr lang="it-IT" sz="1400" dirty="0"/>
+              <a:t> of </a:t>
+            </a:r>
+            <a:r>
+              <a:rPr lang="it-IT" sz="1400" dirty="0" err="1"/>
+              <a:t>total</a:t>
+            </a:r>
+            <a:r>
+              <a:rPr lang="it-IT" sz="1400" dirty="0"/>
+              <a:t> km </a:t>
+            </a:r>
+            <a:r>
+              <a:rPr lang="it-IT" sz="1400" dirty="0" err="1"/>
+              <a:t>is</a:t>
+            </a:r>
+            <a:r>
+              <a:rPr lang="it-IT" sz="1400" dirty="0"/>
+              <a:t> </a:t>
+            </a:r>
+            <a:r>
+              <a:rPr lang="it-IT" sz="1400" dirty="0" err="1"/>
+              <a:t>too</a:t>
+            </a:r>
+            <a:r>
+              <a:rPr lang="it-IT" sz="1400" dirty="0"/>
+              <a:t> high, so </a:t>
+            </a:r>
+            <a:r>
+              <a:rPr lang="it-IT" sz="1400" dirty="0" err="1"/>
+              <a:t>could</a:t>
+            </a:r>
+            <a:r>
+              <a:rPr lang="it-IT" sz="1400" dirty="0"/>
+              <a:t> be </a:t>
+            </a:r>
+            <a:r>
+              <a:rPr lang="it-IT" sz="1400" dirty="0" err="1"/>
+              <a:t>necessary</a:t>
+            </a:r>
+            <a:r>
+              <a:rPr lang="it-IT" sz="1400" dirty="0"/>
+              <a:t> to </a:t>
+            </a:r>
+            <a:r>
+              <a:rPr lang="it-IT" sz="1400" dirty="0" err="1"/>
+              <a:t>recharge</a:t>
+            </a:r>
+            <a:r>
+              <a:rPr lang="it-IT" sz="1400" dirty="0"/>
+              <a:t> the car </a:t>
+            </a:r>
+            <a:r>
+              <a:rPr lang="it-IT" sz="1400" dirty="0" err="1"/>
+              <a:t>between</a:t>
+            </a:r>
+            <a:r>
+              <a:rPr lang="it-IT" sz="1400" dirty="0"/>
+              <a:t> 2 commitments. </a:t>
+            </a:r>
+          </a:p>
+        </p:txBody>
+      </p:sp>
+      <p:cxnSp>
+        <p:nvCxnSpPr>
+          <p:cNvPr id="34" name="Connector: Elbow 33">
+            <a:extLst>
+              <a:ext uri="{FF2B5EF4-FFF2-40B4-BE49-F238E27FC236}">
+                <a16:creationId xmlns:a16="http://schemas.microsoft.com/office/drawing/2014/main" id="{3AC832F3-2007-7053-C3C2-AF501DB9286F}"/>
+              </a:ext>
+            </a:extLst>
+          </p:cNvPr>
+          <p:cNvCxnSpPr>
+            <a:cxnSpLocks/>
+            <a:stCxn id="29" idx="3"/>
+            <a:endCxn id="35" idx="0"/>
+          </p:cNvCxnSpPr>
+          <p:nvPr/>
+        </p:nvCxnSpPr>
+        <p:spPr>
+          <a:xfrm>
+            <a:off x="7560295" y="3899264"/>
+            <a:ext cx="405564" cy="666190"/>
+          </a:xfrm>
+          <a:prstGeom prst="bentConnector2">
+            <a:avLst/>
+          </a:prstGeom>
+          <a:ln w="38100">
+            <a:solidFill>
+              <a:srgbClr val="00B050"/>
+            </a:solidFill>
+            <a:tailEnd type="triangle"/>
+          </a:ln>
+        </p:spPr>
+        <p:style>
+          <a:lnRef idx="1">
+            <a:schemeClr val="dk1"/>
+          </a:lnRef>
+          <a:fillRef idx="0">
+            <a:schemeClr val="dk1"/>
+          </a:fillRef>
+          <a:effectRef idx="0">
+            <a:schemeClr val="dk1"/>
+          </a:effectRef>
+          <a:fontRef idx="minor">
+            <a:schemeClr val="tx1"/>
+          </a:fontRef>
+        </p:style>
+      </p:cxnSp>
+      <p:sp>
+        <p:nvSpPr>
+          <p:cNvPr id="35" name="TextBox 34">
+            <a:extLst>
+              <a:ext uri="{FF2B5EF4-FFF2-40B4-BE49-F238E27FC236}">
+                <a16:creationId xmlns:a16="http://schemas.microsoft.com/office/drawing/2014/main" id="{91432199-9E2E-15CD-F5F6-10EEB0BDA3E2}"/>
+              </a:ext>
+            </a:extLst>
+          </p:cNvPr>
+          <p:cNvSpPr txBox="1"/>
+          <p:nvPr/>
+        </p:nvSpPr>
+        <p:spPr>
+          <a:xfrm>
+            <a:off x="6794867" y="4565454"/>
+            <a:ext cx="2341984" cy="1169551"/>
+          </a:xfrm>
+          <a:prstGeom prst="rect">
+            <a:avLst/>
+          </a:prstGeom>
+          <a:noFill/>
+          <a:ln w="38100">
+            <a:solidFill>
+              <a:srgbClr val="00B050"/>
+            </a:solidFill>
+          </a:ln>
+        </p:spPr>
+        <p:txBody>
+          <a:bodyPr wrap="square" rtlCol="0">
+            <a:spAutoFit/>
+          </a:bodyPr>
+          <a:lstStyle/>
+          <a:p>
+            <a:r>
+              <a:rPr lang="it-IT" sz="1400" dirty="0" err="1"/>
+              <a:t>Send</a:t>
+            </a:r>
+            <a:r>
+              <a:rPr lang="it-IT" sz="1400" dirty="0"/>
+              <a:t> to the </a:t>
+            </a:r>
+            <a:r>
+              <a:rPr lang="it-IT" sz="1400" dirty="0" err="1"/>
+              <a:t>actuator</a:t>
+            </a:r>
+            <a:r>
+              <a:rPr lang="it-IT" sz="1400" dirty="0"/>
+              <a:t> control strategy the </a:t>
+            </a:r>
+            <a:r>
+              <a:rPr lang="it-IT" sz="1400" dirty="0" err="1"/>
+              <a:t>value</a:t>
+            </a:r>
+            <a:r>
+              <a:rPr lang="it-IT" sz="1400" dirty="0"/>
+              <a:t> of the </a:t>
+            </a:r>
+            <a:r>
+              <a:rPr lang="it-IT" sz="1400" dirty="0" err="1"/>
+              <a:t>battery’s</a:t>
+            </a:r>
+            <a:r>
+              <a:rPr lang="it-IT" sz="1400" dirty="0"/>
+              <a:t> </a:t>
+            </a:r>
+            <a:r>
+              <a:rPr lang="it-IT" sz="1400" dirty="0" err="1"/>
+              <a:t>percentage</a:t>
+            </a:r>
+            <a:r>
+              <a:rPr lang="it-IT" sz="1400" dirty="0"/>
+              <a:t> </a:t>
+            </a:r>
+            <a:r>
+              <a:rPr lang="it-IT" sz="1400" dirty="0" err="1"/>
+              <a:t>necessary</a:t>
+            </a:r>
+            <a:r>
+              <a:rPr lang="it-IT" sz="1400" dirty="0"/>
+              <a:t> for the following day. </a:t>
+            </a:r>
+          </a:p>
+        </p:txBody>
+      </p:sp>
+      <mc:AlternateContent xmlns:mc="http://schemas.openxmlformats.org/markup-compatibility/2006">
+        <mc:Choice xmlns:a14="http://schemas.microsoft.com/office/drawing/2010/main" Requires="a14">
+          <p:sp>
+            <p:nvSpPr>
+              <p:cNvPr id="36" name="TextBox 35">
+                <a:extLst>
+                  <a:ext uri="{FF2B5EF4-FFF2-40B4-BE49-F238E27FC236}">
+                    <a16:creationId xmlns:a16="http://schemas.microsoft.com/office/drawing/2014/main" id="{706D50D8-A0C3-86EC-D8BA-C4CC7C76B701}"/>
+                  </a:ext>
+                </a:extLst>
+              </p:cNvPr>
+              <p:cNvSpPr txBox="1"/>
+              <p:nvPr/>
+            </p:nvSpPr>
+            <p:spPr>
+              <a:xfrm>
+                <a:off x="6378963" y="6407719"/>
+                <a:ext cx="2701252" cy="329962"/>
+              </a:xfrm>
+              <a:prstGeom prst="rect">
+                <a:avLst/>
+              </a:prstGeom>
+              <a:noFill/>
+            </p:spPr>
+            <p:txBody>
+              <a:bodyPr wrap="none" lIns="0" tIns="0" rIns="0" bIns="0" rtlCol="0">
+                <a:spAutoFit/>
+              </a:bodyPr>
+              <a:lstStyle/>
+              <a:p>
+                <a:r>
+                  <a:rPr lang="en-US" sz="1400" dirty="0"/>
+                  <a:t>Battery </a:t>
+                </a:r>
+                <a14:m>
+                  <m:oMath xmlns:m="http://schemas.openxmlformats.org/officeDocument/2006/math">
+                    <m:r>
+                      <a:rPr lang="en-US" sz="1400" i="1" smtClean="0">
+                        <a:latin typeface="Cambria Math" panose="02040503050406030204" pitchFamily="18" charset="0"/>
+                      </a:rPr>
+                      <m:t>=</m:t>
+                    </m:r>
+                    <m:f>
+                      <m:fPr>
+                        <m:ctrlPr>
+                          <a:rPr lang="en-US" sz="1400" i="1" smtClean="0">
+                            <a:latin typeface="Cambria Math" panose="02040503050406030204" pitchFamily="18" charset="0"/>
+                          </a:rPr>
+                        </m:ctrlPr>
+                      </m:fPr>
+                      <m:num>
+                        <m:r>
+                          <a:rPr lang="it-IT" sz="1400" b="0" i="1" smtClean="0">
+                            <a:latin typeface="Cambria Math" panose="02040503050406030204" pitchFamily="18" charset="0"/>
+                          </a:rPr>
+                          <m:t>𝐸𝑛𝑒𝑟𝑔𝑦𝑁𝑒𝑐𝑒𝑠𝑠𝑎𝑟𝑦</m:t>
+                        </m:r>
+                        <m:r>
+                          <a:rPr lang="it-IT" sz="1400" b="0" i="1" smtClean="0">
+                            <a:latin typeface="Cambria Math" panose="02040503050406030204" pitchFamily="18" charset="0"/>
+                          </a:rPr>
+                          <m:t>∗100</m:t>
+                        </m:r>
+                      </m:num>
+                      <m:den>
+                        <m:r>
+                          <a:rPr lang="it-IT" sz="1400" b="0" i="1" smtClean="0">
+                            <a:latin typeface="Cambria Math" panose="02040503050406030204" pitchFamily="18" charset="0"/>
+                          </a:rPr>
+                          <m:t>𝐵𝑎𝑡𝑡𝑒𝑟𝑦</m:t>
+                        </m:r>
+                        <m:r>
+                          <a:rPr lang="it-IT" sz="1400" b="0" i="1" smtClean="0">
+                            <a:latin typeface="Cambria Math" panose="02040503050406030204" pitchFamily="18" charset="0"/>
+                          </a:rPr>
+                          <m:t> </m:t>
+                        </m:r>
+                        <m:r>
+                          <a:rPr lang="it-IT" sz="1400" b="0" i="1" smtClean="0">
+                            <a:latin typeface="Cambria Math" panose="02040503050406030204" pitchFamily="18" charset="0"/>
+                          </a:rPr>
+                          <m:t>𝐶𝑎𝑝𝑎𝑐𝑖𝑡𝑦</m:t>
+                        </m:r>
+                      </m:den>
+                    </m:f>
+                  </m:oMath>
+                </a14:m>
+                <a:r>
+                  <a:rPr lang="en-US" sz="1400" dirty="0"/>
+                  <a:t> [%]</a:t>
+                </a:r>
+                <a:r>
+                  <a:rPr lang="en-US" dirty="0"/>
+                  <a:t> </a:t>
+                </a:r>
+                <a:endParaRPr lang="it-IT" dirty="0"/>
+              </a:p>
+            </p:txBody>
+          </p:sp>
+        </mc:Choice>
+        <mc:Fallback>
+          <p:sp>
+            <p:nvSpPr>
+              <p:cNvPr id="36" name="TextBox 35">
+                <a:extLst>
+                  <a:ext uri="{FF2B5EF4-FFF2-40B4-BE49-F238E27FC236}">
+                    <a16:creationId xmlns:a16="http://schemas.microsoft.com/office/drawing/2014/main" id="{706D50D8-A0C3-86EC-D8BA-C4CC7C76B701}"/>
+                  </a:ext>
+                </a:extLst>
+              </p:cNvPr>
+              <p:cNvSpPr txBox="1">
+                <a:spLocks noRot="1" noChangeAspect="1" noMove="1" noResize="1" noEditPoints="1" noAdjustHandles="1" noChangeArrowheads="1" noChangeShapeType="1" noTextEdit="1"/>
+              </p:cNvSpPr>
+              <p:nvPr/>
+            </p:nvSpPr>
+            <p:spPr>
+              <a:xfrm>
+                <a:off x="6378963" y="6407719"/>
+                <a:ext cx="2701252" cy="329962"/>
+              </a:xfrm>
+              <a:prstGeom prst="rect">
+                <a:avLst/>
+              </a:prstGeom>
+              <a:blipFill>
+                <a:blip r:embed="rId2"/>
+                <a:stretch>
+                  <a:fillRect l="-4054" t="-5556" b="-18519"/>
+                </a:stretch>
+              </a:blipFill>
+            </p:spPr>
+            <p:txBody>
+              <a:bodyPr/>
+              <a:lstStyle/>
+              <a:p>
+                <a:r>
+                  <a:rPr lang="it-IT">
+                    <a:noFill/>
+                  </a:rPr>
+                  <a:t> </a:t>
+                </a:r>
+              </a:p>
+            </p:txBody>
+          </p:sp>
+        </mc:Fallback>
+      </mc:AlternateContent>
+      <mc:AlternateContent xmlns:mc="http://schemas.openxmlformats.org/markup-compatibility/2006">
+        <mc:Choice xmlns:a14="http://schemas.microsoft.com/office/drawing/2010/main" Requires="a14">
+          <p:sp>
+            <p:nvSpPr>
+              <p:cNvPr id="37" name="TextBox 36">
+                <a:extLst>
+                  <a:ext uri="{FF2B5EF4-FFF2-40B4-BE49-F238E27FC236}">
+                    <a16:creationId xmlns:a16="http://schemas.microsoft.com/office/drawing/2014/main" id="{BEEF2FF6-CEB5-81FE-779C-CCA57DDC2A77}"/>
+                  </a:ext>
+                </a:extLst>
+              </p:cNvPr>
+              <p:cNvSpPr txBox="1"/>
+              <p:nvPr/>
+            </p:nvSpPr>
+            <p:spPr>
+              <a:xfrm>
+                <a:off x="5889212" y="5931494"/>
+                <a:ext cx="3529437" cy="334322"/>
+              </a:xfrm>
+              <a:prstGeom prst="rect">
+                <a:avLst/>
+              </a:prstGeom>
+              <a:noFill/>
+            </p:spPr>
+            <p:txBody>
+              <a:bodyPr wrap="square" lIns="0" tIns="0" rIns="0" bIns="0" rtlCol="0">
+                <a:spAutoFit/>
+              </a:bodyPr>
+              <a:lstStyle/>
+              <a:p>
+                <a:r>
+                  <a:rPr lang="en-US" sz="1400" dirty="0"/>
+                  <a:t>EnergyNecessary </a:t>
+                </a:r>
+                <a14:m>
+                  <m:oMath xmlns:m="http://schemas.openxmlformats.org/officeDocument/2006/math">
+                    <m:r>
+                      <a:rPr lang="en-US" sz="1400" i="1" smtClean="0">
+                        <a:latin typeface="Cambria Math" panose="02040503050406030204" pitchFamily="18" charset="0"/>
+                      </a:rPr>
+                      <m:t>=</m:t>
+                    </m:r>
+                    <m:f>
+                      <m:fPr>
+                        <m:ctrlPr>
+                          <a:rPr lang="en-US" sz="1400" i="1" smtClean="0">
+                            <a:latin typeface="Cambria Math" panose="02040503050406030204" pitchFamily="18" charset="0"/>
+                          </a:rPr>
+                        </m:ctrlPr>
+                      </m:fPr>
+                      <m:num>
+                        <m:r>
+                          <a:rPr lang="it-IT" sz="1400" b="0" i="1" smtClean="0">
+                            <a:latin typeface="Cambria Math" panose="02040503050406030204" pitchFamily="18" charset="0"/>
+                          </a:rPr>
+                          <m:t>𝑁𝑢𝑚𝑏𝑒𝑟𝐾𝑚𝑃𝑒𝑟𝐷𝑎𝑦</m:t>
+                        </m:r>
+                      </m:num>
+                      <m:den>
+                        <m:r>
+                          <a:rPr lang="it-IT" sz="1400" b="0" i="1" smtClean="0">
+                            <a:latin typeface="Cambria Math" panose="02040503050406030204" pitchFamily="18" charset="0"/>
+                          </a:rPr>
+                          <m:t>𝐵𝑎𝑡𝑡𝑒𝑟𝑦</m:t>
+                        </m:r>
+                        <m:r>
+                          <a:rPr lang="it-IT" sz="1400" b="0" i="1" smtClean="0">
+                            <a:latin typeface="Cambria Math" panose="02040503050406030204" pitchFamily="18" charset="0"/>
+                          </a:rPr>
+                          <m:t> </m:t>
+                        </m:r>
+                        <m:r>
+                          <a:rPr lang="it-IT" sz="1400" b="0" i="1" smtClean="0">
+                            <a:latin typeface="Cambria Math" panose="02040503050406030204" pitchFamily="18" charset="0"/>
+                          </a:rPr>
+                          <m:t>𝐶𝑜𝑛𝑠𝑢𝑚𝑝𝑡𝑖𝑜𝑛</m:t>
+                        </m:r>
+                      </m:den>
+                    </m:f>
+                  </m:oMath>
+                </a14:m>
+                <a:r>
+                  <a:rPr lang="en-US" sz="1400" dirty="0"/>
+                  <a:t>[</a:t>
+                </a:r>
+                <a:r>
+                  <a:rPr lang="en-US" sz="1400" dirty="0" err="1"/>
+                  <a:t>KWh</a:t>
+                </a:r>
+                <a:r>
+                  <a:rPr lang="en-US" sz="1400" dirty="0"/>
+                  <a:t>]</a:t>
+                </a:r>
+                <a:endParaRPr lang="it-IT" sz="1400" dirty="0"/>
+              </a:p>
+            </p:txBody>
+          </p:sp>
+        </mc:Choice>
+        <mc:Fallback>
+          <p:sp>
+            <p:nvSpPr>
+              <p:cNvPr id="37" name="TextBox 36">
+                <a:extLst>
+                  <a:ext uri="{FF2B5EF4-FFF2-40B4-BE49-F238E27FC236}">
+                    <a16:creationId xmlns:a16="http://schemas.microsoft.com/office/drawing/2014/main" id="{BEEF2FF6-CEB5-81FE-779C-CCA57DDC2A77}"/>
+                  </a:ext>
+                </a:extLst>
+              </p:cNvPr>
+              <p:cNvSpPr txBox="1">
+                <a:spLocks noRot="1" noChangeAspect="1" noMove="1" noResize="1" noEditPoints="1" noAdjustHandles="1" noChangeArrowheads="1" noChangeShapeType="1" noTextEdit="1"/>
+              </p:cNvSpPr>
+              <p:nvPr/>
+            </p:nvSpPr>
+            <p:spPr>
+              <a:xfrm>
+                <a:off x="5889212" y="5931494"/>
+                <a:ext cx="3529437" cy="334322"/>
+              </a:xfrm>
+              <a:prstGeom prst="rect">
+                <a:avLst/>
+              </a:prstGeom>
+              <a:blipFill>
+                <a:blip r:embed="rId3"/>
+                <a:stretch>
+                  <a:fillRect l="-3109" t="-3636" r="-518" b="-18182"/>
+                </a:stretch>
+              </a:blipFill>
+            </p:spPr>
+            <p:txBody>
+              <a:bodyPr/>
+              <a:lstStyle/>
+              <a:p>
+                <a:r>
+                  <a:rPr lang="it-IT">
+                    <a:noFill/>
+                  </a:rPr>
+                  <a:t> </a:t>
+                </a:r>
+              </a:p>
+            </p:txBody>
+          </p:sp>
+        </mc:Fallback>
+      </mc:AlternateContent>
+      <p:sp>
+        <p:nvSpPr>
+          <p:cNvPr id="38" name="TextBox 37">
+            <a:extLst>
+              <a:ext uri="{FF2B5EF4-FFF2-40B4-BE49-F238E27FC236}">
+                <a16:creationId xmlns:a16="http://schemas.microsoft.com/office/drawing/2014/main" id="{E2A24CF1-C22E-E8B9-1743-F334467F6155}"/>
+              </a:ext>
+            </a:extLst>
+          </p:cNvPr>
+          <p:cNvSpPr txBox="1"/>
+          <p:nvPr/>
+        </p:nvSpPr>
+        <p:spPr>
+          <a:xfrm>
+            <a:off x="4732789" y="3559291"/>
+            <a:ext cx="592495" cy="369332"/>
+          </a:xfrm>
+          <a:prstGeom prst="rect">
+            <a:avLst/>
+          </a:prstGeom>
+          <a:noFill/>
+        </p:spPr>
+        <p:txBody>
+          <a:bodyPr wrap="square" rtlCol="0">
+            <a:spAutoFit/>
+          </a:bodyPr>
+          <a:lstStyle/>
+          <a:p>
+            <a:r>
+              <a:rPr lang="it-IT" b="1" dirty="0">
+                <a:solidFill>
+                  <a:srgbClr val="FF0000"/>
+                </a:solidFill>
+              </a:rPr>
+              <a:t>Yes</a:t>
+            </a:r>
+          </a:p>
+        </p:txBody>
+      </p:sp>
+      <p:sp>
+        <p:nvSpPr>
+          <p:cNvPr id="39" name="TextBox 38">
+            <a:extLst>
+              <a:ext uri="{FF2B5EF4-FFF2-40B4-BE49-F238E27FC236}">
+                <a16:creationId xmlns:a16="http://schemas.microsoft.com/office/drawing/2014/main" id="{E88AD31D-359B-8C07-E6FE-165488ACCCF8}"/>
+              </a:ext>
+            </a:extLst>
+          </p:cNvPr>
+          <p:cNvSpPr txBox="1"/>
+          <p:nvPr/>
+        </p:nvSpPr>
+        <p:spPr>
+          <a:xfrm>
+            <a:off x="7569613" y="3562601"/>
+            <a:ext cx="592495" cy="369332"/>
+          </a:xfrm>
+          <a:prstGeom prst="rect">
+            <a:avLst/>
+          </a:prstGeom>
+          <a:noFill/>
+        </p:spPr>
+        <p:txBody>
+          <a:bodyPr wrap="square" rtlCol="0">
+            <a:spAutoFit/>
+          </a:bodyPr>
+          <a:lstStyle/>
+          <a:p>
+            <a:r>
+              <a:rPr lang="it-IT" dirty="0">
+                <a:solidFill>
+                  <a:srgbClr val="00B050"/>
+                </a:solidFill>
+              </a:rPr>
+              <a:t>No</a:t>
             </a:r>
           </a:p>
         </p:txBody>
       </p:sp>
       <p:pic>
         <p:nvPicPr>
-          <p:cNvPr id="4" name="Picture 3">
+          <p:cNvPr id="40" name="Picture 39">
             <a:extLst>
               <a:ext uri="{FF2B5EF4-FFF2-40B4-BE49-F238E27FC236}">
-                <a16:creationId xmlns:a16="http://schemas.microsoft.com/office/drawing/2014/main" id="{06A5ACA3-574B-7D82-8D4A-54BCB6B1562E}"/>
+                <a16:creationId xmlns:a16="http://schemas.microsoft.com/office/drawing/2014/main" id="{8A86C7EE-6AE5-F2C5-1C8C-A6EA912595CA}"/>
               </a:ext>
             </a:extLst>
           </p:cNvPr>
@@ -7393,22 +9660,939 @@
           </p:cNvPicPr>
           <p:nvPr/>
         </p:nvPicPr>
-        <p:blipFill>
-          <a:blip r:embed="rId2"/>
-          <a:stretch>
-            <a:fillRect/>
-          </a:stretch>
+        <p:blipFill rotWithShape="1">
+          <a:blip r:embed="rId4"/>
+          <a:srcRect l="2915" r="1"/>
+          <a:stretch/>
         </p:blipFill>
         <p:spPr>
           <a:xfrm>
-            <a:off x="837876" y="1270000"/>
-            <a:ext cx="6886899" cy="5411135"/>
+            <a:off x="9336759" y="1497665"/>
+            <a:ext cx="2220796" cy="1477329"/>
           </a:xfrm>
           <a:prstGeom prst="rect">
             <a:avLst/>
           </a:prstGeom>
         </p:spPr>
       </p:pic>
+      <p:pic>
+        <p:nvPicPr>
+          <p:cNvPr id="41" name="Picture 40">
+            <a:extLst>
+              <a:ext uri="{FF2B5EF4-FFF2-40B4-BE49-F238E27FC236}">
+                <a16:creationId xmlns:a16="http://schemas.microsoft.com/office/drawing/2014/main" id="{E000FC84-C5DC-1330-6F88-368F119AE9DD}"/>
+              </a:ext>
+            </a:extLst>
+          </p:cNvPr>
+          <p:cNvPicPr>
+            <a:picLocks noChangeAspect="1"/>
+          </p:cNvPicPr>
+          <p:nvPr/>
+        </p:nvPicPr>
+        <p:blipFill rotWithShape="1">
+          <a:blip r:embed="rId5"/>
+          <a:srcRect l="1" r="22712"/>
+          <a:stretch/>
+        </p:blipFill>
+        <p:spPr>
+          <a:xfrm>
+            <a:off x="9336759" y="3126683"/>
+            <a:ext cx="2271401" cy="3054997"/>
+          </a:xfrm>
+          <a:prstGeom prst="rect">
+            <a:avLst/>
+          </a:prstGeom>
+        </p:spPr>
+      </p:pic>
+      <p:sp>
+        <p:nvSpPr>
+          <p:cNvPr id="64" name="TextBox 63">
+            <a:extLst>
+              <a:ext uri="{FF2B5EF4-FFF2-40B4-BE49-F238E27FC236}">
+                <a16:creationId xmlns:a16="http://schemas.microsoft.com/office/drawing/2014/main" id="{7643C3F9-970D-B9F8-6017-A8CDCF6C5AC9}"/>
+              </a:ext>
+            </a:extLst>
+          </p:cNvPr>
+          <p:cNvSpPr txBox="1"/>
+          <p:nvPr/>
+        </p:nvSpPr>
+        <p:spPr>
+          <a:xfrm>
+            <a:off x="9336759" y="768334"/>
+            <a:ext cx="2220796" cy="646331"/>
+          </a:xfrm>
+          <a:prstGeom prst="rect">
+            <a:avLst/>
+          </a:prstGeom>
+          <a:solidFill>
+            <a:schemeClr val="accent1"/>
+          </a:solidFill>
+          <a:ln w="38100">
+            <a:solidFill>
+              <a:schemeClr val="tx1"/>
+            </a:solidFill>
+          </a:ln>
+        </p:spPr>
+        <p:txBody>
+          <a:bodyPr wrap="square" rtlCol="0">
+            <a:spAutoFit/>
+          </a:bodyPr>
+          <a:lstStyle/>
+          <a:p>
+            <a:r>
+              <a:rPr lang="it-IT" b="1" dirty="0" err="1"/>
+              <a:t>Catalog</a:t>
+            </a:r>
+            <a:r>
+              <a:rPr lang="it-IT" b="1" dirty="0"/>
+              <a:t> Format in User </a:t>
+            </a:r>
+            <a:r>
+              <a:rPr lang="it-IT" b="1" dirty="0" err="1"/>
+              <a:t>section</a:t>
+            </a:r>
+            <a:endParaRPr lang="it-IT" b="1" dirty="0"/>
+          </a:p>
+        </p:txBody>
+      </p:sp>
+      <p:sp>
+        <p:nvSpPr>
+          <p:cNvPr id="77" name="Content Placeholder 5">
+            <a:extLst>
+              <a:ext uri="{FF2B5EF4-FFF2-40B4-BE49-F238E27FC236}">
+                <a16:creationId xmlns:a16="http://schemas.microsoft.com/office/drawing/2014/main" id="{7E3D9AC9-CE83-83BA-BE14-9EC0640E220C}"/>
+              </a:ext>
+            </a:extLst>
+          </p:cNvPr>
+          <p:cNvSpPr txBox="1">
+            <a:spLocks/>
+          </p:cNvSpPr>
+          <p:nvPr/>
+        </p:nvSpPr>
+        <p:spPr>
+          <a:xfrm>
+            <a:off x="35843" y="1691398"/>
+            <a:ext cx="4011476" cy="5706382"/>
+          </a:xfrm>
+          <a:prstGeom prst="rect">
+            <a:avLst/>
+          </a:prstGeom>
+        </p:spPr>
+        <p:txBody>
+          <a:bodyPr/>
+          <a:lstStyle>
+            <a:lvl1pPr marL="342900" indent="-342900" algn="l" defTabSz="457200" rtl="0" eaLnBrk="1" latinLnBrk="0" hangingPunct="1">
+              <a:spcBef>
+                <a:spcPts val="1000"/>
+              </a:spcBef>
+              <a:spcAft>
+                <a:spcPts val="0"/>
+              </a:spcAft>
+              <a:buClr>
+                <a:schemeClr val="accent1"/>
+              </a:buClr>
+              <a:buSzPct val="80000"/>
+              <a:buFont typeface="Wingdings 3" charset="2"/>
+              <a:buChar char=""/>
+              <a:defRPr sz="1800" kern="1200">
+                <a:solidFill>
+                  <a:schemeClr val="tx1">
+                    <a:lumMod val="75000"/>
+                    <a:lumOff val="25000"/>
+                  </a:schemeClr>
+                </a:solidFill>
+                <a:latin typeface="+mn-lt"/>
+                <a:ea typeface="+mn-ea"/>
+                <a:cs typeface="+mn-cs"/>
+              </a:defRPr>
+            </a:lvl1pPr>
+            <a:lvl2pPr marL="742950" indent="-285750" algn="l" defTabSz="457200" rtl="0" eaLnBrk="1" latinLnBrk="0" hangingPunct="1">
+              <a:spcBef>
+                <a:spcPts val="1000"/>
+              </a:spcBef>
+              <a:spcAft>
+                <a:spcPts val="0"/>
+              </a:spcAft>
+              <a:buClr>
+                <a:schemeClr val="accent1"/>
+              </a:buClr>
+              <a:buSzPct val="80000"/>
+              <a:buFont typeface="Wingdings 3" charset="2"/>
+              <a:buChar char=""/>
+              <a:defRPr sz="1600" kern="1200">
+                <a:solidFill>
+                  <a:schemeClr val="tx1">
+                    <a:lumMod val="75000"/>
+                    <a:lumOff val="25000"/>
+                  </a:schemeClr>
+                </a:solidFill>
+                <a:latin typeface="+mn-lt"/>
+                <a:ea typeface="+mn-ea"/>
+                <a:cs typeface="+mn-cs"/>
+              </a:defRPr>
+            </a:lvl2pPr>
+            <a:lvl3pPr marL="1143000" indent="-228600" algn="l" defTabSz="457200" rtl="0" eaLnBrk="1" latinLnBrk="0" hangingPunct="1">
+              <a:spcBef>
+                <a:spcPts val="1000"/>
+              </a:spcBef>
+              <a:spcAft>
+                <a:spcPts val="0"/>
+              </a:spcAft>
+              <a:buClr>
+                <a:schemeClr val="accent1"/>
+              </a:buClr>
+              <a:buSzPct val="80000"/>
+              <a:buFont typeface="Wingdings 3" charset="2"/>
+              <a:buChar char=""/>
+              <a:defRPr sz="1400" kern="1200">
+                <a:solidFill>
+                  <a:schemeClr val="tx1">
+                    <a:lumMod val="75000"/>
+                    <a:lumOff val="25000"/>
+                  </a:schemeClr>
+                </a:solidFill>
+                <a:latin typeface="+mn-lt"/>
+                <a:ea typeface="+mn-ea"/>
+                <a:cs typeface="+mn-cs"/>
+              </a:defRPr>
+            </a:lvl3pPr>
+            <a:lvl4pPr marL="1600200" indent="-228600" algn="l" defTabSz="457200" rtl="0" eaLnBrk="1" latinLnBrk="0" hangingPunct="1">
+              <a:spcBef>
+                <a:spcPts val="1000"/>
+              </a:spcBef>
+              <a:spcAft>
+                <a:spcPts val="0"/>
+              </a:spcAft>
+              <a:buClr>
+                <a:schemeClr val="accent1"/>
+              </a:buClr>
+              <a:buSzPct val="80000"/>
+              <a:buFont typeface="Wingdings 3" charset="2"/>
+              <a:buChar char=""/>
+              <a:defRPr sz="1200" kern="1200">
+                <a:solidFill>
+                  <a:schemeClr val="tx1">
+                    <a:lumMod val="75000"/>
+                    <a:lumOff val="25000"/>
+                  </a:schemeClr>
+                </a:solidFill>
+                <a:latin typeface="+mn-lt"/>
+                <a:ea typeface="+mn-ea"/>
+                <a:cs typeface="+mn-cs"/>
+              </a:defRPr>
+            </a:lvl4pPr>
+            <a:lvl5pPr marL="2057400" indent="-228600" algn="l" defTabSz="457200" rtl="0" eaLnBrk="1" latinLnBrk="0" hangingPunct="1">
+              <a:spcBef>
+                <a:spcPts val="1000"/>
+              </a:spcBef>
+              <a:spcAft>
+                <a:spcPts val="0"/>
+              </a:spcAft>
+              <a:buClr>
+                <a:schemeClr val="accent1"/>
+              </a:buClr>
+              <a:buSzPct val="80000"/>
+              <a:buFont typeface="Wingdings 3" charset="2"/>
+              <a:buChar char=""/>
+              <a:defRPr sz="1200" kern="1200">
+                <a:solidFill>
+                  <a:schemeClr val="tx1">
+                    <a:lumMod val="75000"/>
+                    <a:lumOff val="25000"/>
+                  </a:schemeClr>
+                </a:solidFill>
+                <a:latin typeface="+mn-lt"/>
+                <a:ea typeface="+mn-ea"/>
+                <a:cs typeface="+mn-cs"/>
+              </a:defRPr>
+            </a:lvl5pPr>
+            <a:lvl6pPr marL="2514600" indent="-228600" algn="l" defTabSz="457200" rtl="0" eaLnBrk="1" latinLnBrk="0" hangingPunct="1">
+              <a:spcBef>
+                <a:spcPts val="1000"/>
+              </a:spcBef>
+              <a:spcAft>
+                <a:spcPts val="0"/>
+              </a:spcAft>
+              <a:buClr>
+                <a:schemeClr val="accent1"/>
+              </a:buClr>
+              <a:buSzPct val="80000"/>
+              <a:buFont typeface="Wingdings 3" charset="2"/>
+              <a:buChar char=""/>
+              <a:defRPr sz="1200" kern="1200">
+                <a:solidFill>
+                  <a:schemeClr val="tx1">
+                    <a:lumMod val="75000"/>
+                    <a:lumOff val="25000"/>
+                  </a:schemeClr>
+                </a:solidFill>
+                <a:latin typeface="+mn-lt"/>
+                <a:ea typeface="+mn-ea"/>
+                <a:cs typeface="+mn-cs"/>
+              </a:defRPr>
+            </a:lvl6pPr>
+            <a:lvl7pPr marL="2971800" indent="-228600" algn="l" defTabSz="457200" rtl="0" eaLnBrk="1" latinLnBrk="0" hangingPunct="1">
+              <a:spcBef>
+                <a:spcPts val="1000"/>
+              </a:spcBef>
+              <a:spcAft>
+                <a:spcPts val="0"/>
+              </a:spcAft>
+              <a:buClr>
+                <a:schemeClr val="accent1"/>
+              </a:buClr>
+              <a:buSzPct val="80000"/>
+              <a:buFont typeface="Wingdings 3" charset="2"/>
+              <a:buChar char=""/>
+              <a:defRPr sz="1200" kern="1200">
+                <a:solidFill>
+                  <a:schemeClr val="tx1">
+                    <a:lumMod val="75000"/>
+                    <a:lumOff val="25000"/>
+                  </a:schemeClr>
+                </a:solidFill>
+                <a:latin typeface="+mn-lt"/>
+                <a:ea typeface="+mn-ea"/>
+                <a:cs typeface="+mn-cs"/>
+              </a:defRPr>
+            </a:lvl7pPr>
+            <a:lvl8pPr marL="3429000" indent="-228600" algn="l" defTabSz="457200" rtl="0" eaLnBrk="1" latinLnBrk="0" hangingPunct="1">
+              <a:spcBef>
+                <a:spcPts val="1000"/>
+              </a:spcBef>
+              <a:spcAft>
+                <a:spcPts val="0"/>
+              </a:spcAft>
+              <a:buClr>
+                <a:schemeClr val="accent1"/>
+              </a:buClr>
+              <a:buSzPct val="80000"/>
+              <a:buFont typeface="Wingdings 3" charset="2"/>
+              <a:buChar char=""/>
+              <a:defRPr sz="1200" kern="1200">
+                <a:solidFill>
+                  <a:schemeClr val="tx1">
+                    <a:lumMod val="75000"/>
+                    <a:lumOff val="25000"/>
+                  </a:schemeClr>
+                </a:solidFill>
+                <a:latin typeface="+mn-lt"/>
+                <a:ea typeface="+mn-ea"/>
+                <a:cs typeface="+mn-cs"/>
+              </a:defRPr>
+            </a:lvl8pPr>
+            <a:lvl9pPr marL="3886200" indent="-228600" algn="l" defTabSz="457200" rtl="0" eaLnBrk="1" latinLnBrk="0" hangingPunct="1">
+              <a:spcBef>
+                <a:spcPts val="1000"/>
+              </a:spcBef>
+              <a:spcAft>
+                <a:spcPts val="0"/>
+              </a:spcAft>
+              <a:buClr>
+                <a:schemeClr val="accent1"/>
+              </a:buClr>
+              <a:buSzPct val="80000"/>
+              <a:buFont typeface="Wingdings 3" charset="2"/>
+              <a:buChar char=""/>
+              <a:defRPr sz="1200" kern="1200">
+                <a:solidFill>
+                  <a:schemeClr val="tx1">
+                    <a:lumMod val="75000"/>
+                    <a:lumOff val="25000"/>
+                  </a:schemeClr>
+                </a:solidFill>
+                <a:latin typeface="+mn-lt"/>
+                <a:ea typeface="+mn-ea"/>
+                <a:cs typeface="+mn-cs"/>
+              </a:defRPr>
+            </a:lvl9pPr>
+          </a:lstStyle>
+          <a:p>
+            <a:pPr marL="0" indent="0">
+              <a:buNone/>
+            </a:pPr>
+            <a:r>
+              <a:rPr lang="it-IT" sz="1600" b="1" dirty="0" err="1">
+                <a:solidFill>
+                  <a:schemeClr val="tx1"/>
+                </a:solidFill>
+              </a:rPr>
+              <a:t>Communication</a:t>
+            </a:r>
+            <a:r>
+              <a:rPr lang="it-IT" sz="1600" b="1" dirty="0">
+                <a:solidFill>
+                  <a:schemeClr val="tx1"/>
+                </a:solidFill>
+              </a:rPr>
+              <a:t> with:</a:t>
+            </a:r>
+          </a:p>
+          <a:p>
+            <a:pPr algn="just"/>
+            <a:r>
+              <a:rPr lang="it-IT" sz="1600" b="1" dirty="0" err="1">
+                <a:solidFill>
+                  <a:schemeClr val="tx1"/>
+                </a:solidFill>
+              </a:rPr>
+              <a:t>Catalog</a:t>
+            </a:r>
+            <a:r>
+              <a:rPr lang="it-IT" sz="1600" b="1" dirty="0">
+                <a:solidFill>
+                  <a:schemeClr val="tx1"/>
+                </a:solidFill>
+              </a:rPr>
+              <a:t>: </a:t>
+            </a:r>
+            <a:r>
+              <a:rPr lang="it-IT" sz="1600" dirty="0">
+                <a:solidFill>
+                  <a:schemeClr val="tx1"/>
+                </a:solidFill>
+              </a:rPr>
+              <a:t>to </a:t>
+            </a:r>
+            <a:r>
+              <a:rPr lang="it-IT" sz="1600" dirty="0" err="1">
+                <a:solidFill>
+                  <a:schemeClr val="tx1"/>
+                </a:solidFill>
+              </a:rPr>
+              <a:t>retrieve</a:t>
+            </a:r>
+            <a:r>
+              <a:rPr lang="it-IT" sz="1600" dirty="0">
+                <a:solidFill>
+                  <a:schemeClr val="tx1"/>
+                </a:solidFill>
+              </a:rPr>
+              <a:t> information </a:t>
+            </a:r>
+            <a:r>
+              <a:rPr lang="it-IT" sz="1600" dirty="0" err="1">
+                <a:solidFill>
+                  <a:schemeClr val="tx1"/>
+                </a:solidFill>
+              </a:rPr>
+              <a:t>about</a:t>
+            </a:r>
+            <a:r>
+              <a:rPr lang="it-IT" sz="1600" dirty="0">
+                <a:solidFill>
+                  <a:schemeClr val="tx1"/>
+                </a:solidFill>
+              </a:rPr>
+              <a:t> </a:t>
+            </a:r>
+            <a:r>
+              <a:rPr lang="it-IT" sz="1600" dirty="0" err="1">
+                <a:solidFill>
+                  <a:schemeClr val="tx1"/>
+                </a:solidFill>
+              </a:rPr>
+              <a:t>user’s</a:t>
+            </a:r>
+            <a:r>
+              <a:rPr lang="it-IT" sz="1600" dirty="0">
+                <a:solidFill>
+                  <a:schemeClr val="tx1"/>
+                </a:solidFill>
+              </a:rPr>
+              <a:t> </a:t>
+            </a:r>
+            <a:r>
+              <a:rPr lang="it-IT" sz="1600" dirty="0" err="1">
+                <a:solidFill>
+                  <a:schemeClr val="tx1"/>
+                </a:solidFill>
+              </a:rPr>
+              <a:t>battery</a:t>
+            </a:r>
+            <a:r>
+              <a:rPr lang="it-IT" sz="1600" dirty="0">
+                <a:solidFill>
+                  <a:schemeClr val="tx1"/>
+                </a:solidFill>
+              </a:rPr>
+              <a:t> </a:t>
+            </a:r>
+            <a:r>
+              <a:rPr lang="it-IT" sz="1600" dirty="0" err="1">
+                <a:solidFill>
+                  <a:schemeClr val="tx1"/>
+                </a:solidFill>
+              </a:rPr>
+              <a:t>characteristics</a:t>
+            </a:r>
+            <a:r>
+              <a:rPr lang="it-IT" sz="1600" dirty="0">
+                <a:solidFill>
+                  <a:schemeClr val="tx1"/>
+                </a:solidFill>
+              </a:rPr>
+              <a:t> and </a:t>
+            </a:r>
+            <a:r>
+              <a:rPr lang="it-IT" sz="1600" dirty="0" err="1">
+                <a:solidFill>
+                  <a:schemeClr val="tx1"/>
+                </a:solidFill>
+              </a:rPr>
+              <a:t>user’s</a:t>
+            </a:r>
+            <a:r>
+              <a:rPr lang="it-IT" sz="1600" dirty="0">
+                <a:solidFill>
+                  <a:schemeClr val="tx1"/>
+                </a:solidFill>
+              </a:rPr>
+              <a:t> Agenda. </a:t>
+            </a:r>
+          </a:p>
+          <a:p>
+            <a:pPr algn="just"/>
+            <a:r>
+              <a:rPr lang="it-IT" sz="1600" b="1" dirty="0" err="1">
+                <a:solidFill>
+                  <a:schemeClr val="tx1"/>
+                </a:solidFill>
+              </a:rPr>
+              <a:t>StateControl</a:t>
+            </a:r>
+            <a:r>
+              <a:rPr lang="it-IT" sz="1600" b="1" dirty="0">
+                <a:solidFill>
+                  <a:schemeClr val="tx1"/>
+                </a:solidFill>
+              </a:rPr>
+              <a:t>: </a:t>
+            </a:r>
+            <a:r>
+              <a:rPr lang="it-IT" sz="1600" dirty="0">
+                <a:solidFill>
+                  <a:schemeClr val="tx1"/>
+                </a:solidFill>
+              </a:rPr>
+              <a:t>To </a:t>
+            </a:r>
+            <a:r>
+              <a:rPr lang="it-IT" sz="1600" dirty="0" err="1">
+                <a:solidFill>
+                  <a:schemeClr val="tx1"/>
+                </a:solidFill>
+              </a:rPr>
+              <a:t>communicate</a:t>
+            </a:r>
+            <a:r>
+              <a:rPr lang="it-IT" sz="1600" dirty="0">
+                <a:solidFill>
+                  <a:schemeClr val="tx1"/>
+                </a:solidFill>
+              </a:rPr>
+              <a:t> </a:t>
+            </a:r>
+            <a:r>
+              <a:rPr lang="it-IT" sz="1600" dirty="0" err="1">
+                <a:solidFill>
+                  <a:schemeClr val="tx1"/>
+                </a:solidFill>
+              </a:rPr>
+              <a:t>AlertSMS</a:t>
+            </a:r>
+            <a:r>
+              <a:rPr lang="it-IT" sz="1600" dirty="0">
+                <a:solidFill>
+                  <a:schemeClr val="tx1"/>
+                </a:solidFill>
+              </a:rPr>
+              <a:t>, in case </a:t>
+            </a:r>
+            <a:r>
+              <a:rPr lang="it-IT" sz="1600" dirty="0" err="1">
+                <a:solidFill>
+                  <a:schemeClr val="tx1"/>
+                </a:solidFill>
+              </a:rPr>
+              <a:t>it</a:t>
+            </a:r>
+            <a:r>
+              <a:rPr lang="it-IT" sz="1600" dirty="0">
+                <a:solidFill>
+                  <a:schemeClr val="tx1"/>
+                </a:solidFill>
+              </a:rPr>
+              <a:t> </a:t>
+            </a:r>
+            <a:r>
+              <a:rPr lang="it-IT" sz="1600" dirty="0" err="1">
+                <a:solidFill>
+                  <a:schemeClr val="tx1"/>
+                </a:solidFill>
+              </a:rPr>
+              <a:t>may</a:t>
+            </a:r>
+            <a:r>
+              <a:rPr lang="it-IT" sz="1600" dirty="0">
+                <a:solidFill>
+                  <a:schemeClr val="tx1"/>
+                </a:solidFill>
+              </a:rPr>
+              <a:t> be </a:t>
+            </a:r>
+            <a:r>
+              <a:rPr lang="it-IT" sz="1600" dirty="0" err="1">
+                <a:solidFill>
+                  <a:schemeClr val="tx1"/>
+                </a:solidFill>
+              </a:rPr>
+              <a:t>necessary</a:t>
+            </a:r>
+            <a:r>
+              <a:rPr lang="it-IT" sz="1600" dirty="0">
+                <a:solidFill>
+                  <a:schemeClr val="tx1"/>
+                </a:solidFill>
+              </a:rPr>
+              <a:t>.</a:t>
+            </a:r>
+          </a:p>
+          <a:p>
+            <a:pPr algn="just"/>
+            <a:r>
+              <a:rPr lang="it-IT" sz="1600" b="1" dirty="0" err="1">
+                <a:solidFill>
+                  <a:schemeClr val="tx1"/>
+                </a:solidFill>
+              </a:rPr>
+              <a:t>Actuator</a:t>
+            </a:r>
+            <a:r>
+              <a:rPr lang="it-IT" sz="1600" b="1" dirty="0">
+                <a:solidFill>
+                  <a:schemeClr val="tx1"/>
+                </a:solidFill>
+              </a:rPr>
+              <a:t> Control Strategy: </a:t>
+            </a:r>
+            <a:r>
+              <a:rPr lang="it-IT" sz="1600" dirty="0">
+                <a:solidFill>
+                  <a:schemeClr val="tx1"/>
+                </a:solidFill>
+              </a:rPr>
+              <a:t>to </a:t>
+            </a:r>
+            <a:r>
+              <a:rPr lang="it-IT" sz="1600" dirty="0" err="1">
+                <a:solidFill>
+                  <a:schemeClr val="tx1"/>
+                </a:solidFill>
+              </a:rPr>
+              <a:t>give</a:t>
+            </a:r>
+            <a:r>
+              <a:rPr lang="it-IT" sz="1600" dirty="0">
+                <a:solidFill>
+                  <a:schemeClr val="tx1"/>
+                </a:solidFill>
+              </a:rPr>
+              <a:t> information </a:t>
+            </a:r>
+            <a:r>
+              <a:rPr lang="it-IT" sz="1600" dirty="0" err="1">
+                <a:solidFill>
+                  <a:schemeClr val="tx1"/>
+                </a:solidFill>
+              </a:rPr>
+              <a:t>about</a:t>
+            </a:r>
+            <a:r>
+              <a:rPr lang="it-IT" sz="1600" dirty="0">
+                <a:solidFill>
+                  <a:schemeClr val="tx1"/>
+                </a:solidFill>
+              </a:rPr>
+              <a:t> the </a:t>
+            </a:r>
+            <a:r>
+              <a:rPr lang="it-IT" sz="1600" dirty="0" err="1">
+                <a:solidFill>
+                  <a:schemeClr val="tx1"/>
+                </a:solidFill>
+              </a:rPr>
+              <a:t>percentage</a:t>
+            </a:r>
+            <a:r>
+              <a:rPr lang="it-IT" sz="1600" dirty="0">
+                <a:solidFill>
+                  <a:schemeClr val="tx1"/>
+                </a:solidFill>
+              </a:rPr>
+              <a:t> of </a:t>
+            </a:r>
+            <a:r>
+              <a:rPr lang="it-IT" sz="1600" dirty="0" err="1">
+                <a:solidFill>
+                  <a:schemeClr val="tx1"/>
+                </a:solidFill>
+              </a:rPr>
+              <a:t>battery</a:t>
+            </a:r>
+            <a:r>
+              <a:rPr lang="it-IT" sz="1600" dirty="0">
+                <a:solidFill>
+                  <a:schemeClr val="tx1"/>
+                </a:solidFill>
+              </a:rPr>
+              <a:t> </a:t>
+            </a:r>
+            <a:r>
+              <a:rPr lang="it-IT" sz="1600" dirty="0" err="1">
+                <a:solidFill>
+                  <a:schemeClr val="tx1"/>
+                </a:solidFill>
+              </a:rPr>
+              <a:t>needed</a:t>
+            </a:r>
+            <a:r>
+              <a:rPr lang="it-IT" sz="1600" dirty="0">
+                <a:solidFill>
+                  <a:schemeClr val="tx1"/>
+                </a:solidFill>
+              </a:rPr>
+              <a:t> by the user in </a:t>
+            </a:r>
+            <a:r>
+              <a:rPr lang="it-IT" sz="1600" dirty="0" err="1">
+                <a:solidFill>
+                  <a:schemeClr val="tx1"/>
+                </a:solidFill>
+              </a:rPr>
+              <a:t>this</a:t>
+            </a:r>
+            <a:r>
+              <a:rPr lang="it-IT" sz="1600" dirty="0">
+                <a:solidFill>
+                  <a:schemeClr val="tx1"/>
+                </a:solidFill>
+              </a:rPr>
+              <a:t> </a:t>
+            </a:r>
+            <a:r>
+              <a:rPr lang="it-IT" sz="1600" dirty="0" err="1">
+                <a:solidFill>
+                  <a:schemeClr val="tx1"/>
+                </a:solidFill>
+              </a:rPr>
+              <a:t>specific</a:t>
+            </a:r>
+            <a:r>
+              <a:rPr lang="it-IT" sz="1600" dirty="0">
+                <a:solidFill>
+                  <a:schemeClr val="tx1"/>
+                </a:solidFill>
+              </a:rPr>
+              <a:t> day. </a:t>
+            </a:r>
+          </a:p>
+          <a:p>
+            <a:pPr algn="just"/>
+            <a:endParaRPr lang="it-IT" sz="1600" b="1" dirty="0">
+              <a:solidFill>
+                <a:schemeClr val="tx1"/>
+              </a:solidFill>
+            </a:endParaRPr>
+          </a:p>
+          <a:p>
+            <a:pPr algn="just"/>
+            <a:endParaRPr lang="it-IT" sz="1600" b="1" dirty="0">
+              <a:solidFill>
+                <a:schemeClr val="tx1"/>
+              </a:solidFill>
+            </a:endParaRPr>
+          </a:p>
+          <a:p>
+            <a:pPr marL="0" indent="0" algn="just">
+              <a:buNone/>
+            </a:pPr>
+            <a:r>
+              <a:rPr lang="it-IT" sz="1600" b="1" dirty="0" err="1">
+                <a:solidFill>
+                  <a:schemeClr val="tx1"/>
+                </a:solidFill>
+              </a:rPr>
+              <a:t>Main</a:t>
+            </a:r>
+            <a:r>
+              <a:rPr lang="it-IT" sz="1600" b="1" dirty="0">
+                <a:solidFill>
+                  <a:schemeClr val="tx1"/>
+                </a:solidFill>
+              </a:rPr>
+              <a:t> </a:t>
+            </a:r>
+            <a:r>
+              <a:rPr lang="it-IT" sz="1600" b="1" dirty="0" err="1">
+                <a:solidFill>
+                  <a:schemeClr val="tx1"/>
+                </a:solidFill>
+              </a:rPr>
+              <a:t>role</a:t>
+            </a:r>
+            <a:r>
+              <a:rPr lang="it-IT" sz="1600" b="1" dirty="0">
+                <a:solidFill>
+                  <a:schemeClr val="tx1"/>
+                </a:solidFill>
+              </a:rPr>
+              <a:t>:</a:t>
+            </a:r>
+          </a:p>
+          <a:p>
+            <a:pPr marL="0" indent="0">
+              <a:buNone/>
+            </a:pPr>
+            <a:r>
+              <a:rPr lang="it-IT" sz="1600" dirty="0">
+                <a:solidFill>
+                  <a:schemeClr val="tx1"/>
+                </a:solidFill>
+              </a:rPr>
+              <a:t>Compute the </a:t>
+            </a:r>
+            <a:r>
+              <a:rPr lang="it-IT" sz="1600" dirty="0" err="1">
+                <a:solidFill>
+                  <a:schemeClr val="tx1"/>
+                </a:solidFill>
+              </a:rPr>
+              <a:t>percentage</a:t>
+            </a:r>
+            <a:r>
+              <a:rPr lang="it-IT" sz="1600" dirty="0">
+                <a:solidFill>
+                  <a:schemeClr val="tx1"/>
+                </a:solidFill>
+              </a:rPr>
+              <a:t> of </a:t>
+            </a:r>
+            <a:r>
+              <a:rPr lang="it-IT" sz="1600" dirty="0" err="1">
+                <a:solidFill>
+                  <a:schemeClr val="tx1"/>
+                </a:solidFill>
+              </a:rPr>
+              <a:t>battery</a:t>
+            </a:r>
+            <a:r>
+              <a:rPr lang="it-IT" sz="1600" dirty="0">
+                <a:solidFill>
+                  <a:schemeClr val="tx1"/>
+                </a:solidFill>
+              </a:rPr>
+              <a:t> </a:t>
+            </a:r>
+            <a:r>
+              <a:rPr lang="it-IT" sz="1600" dirty="0" err="1">
+                <a:solidFill>
+                  <a:schemeClr val="tx1"/>
+                </a:solidFill>
+              </a:rPr>
+              <a:t>necessary</a:t>
+            </a:r>
+            <a:r>
+              <a:rPr lang="it-IT" sz="1600" dirty="0">
+                <a:solidFill>
+                  <a:schemeClr val="tx1"/>
+                </a:solidFill>
+              </a:rPr>
+              <a:t> for the users </a:t>
+            </a:r>
+            <a:r>
+              <a:rPr lang="it-IT" sz="1600" dirty="0" err="1">
+                <a:solidFill>
+                  <a:schemeClr val="tx1"/>
+                </a:solidFill>
+              </a:rPr>
+              <a:t>during</a:t>
+            </a:r>
+            <a:r>
+              <a:rPr lang="it-IT" sz="1600" dirty="0">
+                <a:solidFill>
+                  <a:schemeClr val="tx1"/>
+                </a:solidFill>
+              </a:rPr>
+              <a:t> </a:t>
+            </a:r>
+            <a:r>
+              <a:rPr lang="it-IT" sz="1600" dirty="0" err="1">
+                <a:solidFill>
+                  <a:schemeClr val="tx1"/>
+                </a:solidFill>
+              </a:rPr>
+              <a:t>this</a:t>
+            </a:r>
+            <a:r>
+              <a:rPr lang="it-IT" sz="1600" dirty="0">
+                <a:solidFill>
+                  <a:schemeClr val="tx1"/>
+                </a:solidFill>
+              </a:rPr>
+              <a:t> day, </a:t>
+            </a:r>
+            <a:r>
+              <a:rPr lang="it-IT" sz="1600" dirty="0" err="1">
+                <a:solidFill>
+                  <a:schemeClr val="tx1"/>
+                </a:solidFill>
+              </a:rPr>
+              <a:t>according</a:t>
+            </a:r>
+            <a:r>
+              <a:rPr lang="it-IT" sz="1600" dirty="0">
+                <a:solidFill>
+                  <a:schemeClr val="tx1"/>
+                </a:solidFill>
+              </a:rPr>
+              <a:t> to the </a:t>
+            </a:r>
+            <a:r>
+              <a:rPr lang="it-IT" sz="1600" dirty="0" err="1">
+                <a:solidFill>
+                  <a:schemeClr val="tx1"/>
+                </a:solidFill>
+              </a:rPr>
+              <a:t>battery</a:t>
+            </a:r>
+            <a:r>
+              <a:rPr lang="it-IT" sz="1600" dirty="0">
+                <a:solidFill>
+                  <a:schemeClr val="tx1"/>
+                </a:solidFill>
+              </a:rPr>
+              <a:t> </a:t>
+            </a:r>
+            <a:r>
+              <a:rPr lang="it-IT" sz="1600" dirty="0" err="1">
+                <a:solidFill>
+                  <a:schemeClr val="tx1"/>
+                </a:solidFill>
+              </a:rPr>
+              <a:t>characteristics</a:t>
+            </a:r>
+            <a:r>
+              <a:rPr lang="it-IT" sz="1600" dirty="0">
+                <a:solidFill>
+                  <a:schemeClr val="tx1"/>
+                </a:solidFill>
+              </a:rPr>
+              <a:t> and the personal commitments.</a:t>
+            </a:r>
+          </a:p>
+        </p:txBody>
+      </p:sp>
     </p:spTree>
     <p:extLst>
       <p:ext uri="{BB962C8B-B14F-4D97-AF65-F5344CB8AC3E}">

--- a/Materiale Extra/Presentazione del progetto .pptx
+++ b/Materiale Extra/Presentazione del progetto .pptx
@@ -846,7 +846,7 @@
           <a:p>
             <a:fld id="{C1775FA8-FEF5-4078-A009-D10F19796D95}" type="datetimeFigureOut">
               <a:rPr lang="it-IT" smtClean="0"/>
-              <a:t>16/05/2023</a:t>
+              <a:t>17/05/2023</a:t>
             </a:fld>
             <a:endParaRPr lang="it-IT"/>
           </a:p>
@@ -1097,7 +1097,7 @@
           <a:p>
             <a:fld id="{C1775FA8-FEF5-4078-A009-D10F19796D95}" type="datetimeFigureOut">
               <a:rPr lang="it-IT" smtClean="0"/>
-              <a:t>16/05/2023</a:t>
+              <a:t>17/05/2023</a:t>
             </a:fld>
             <a:endParaRPr lang="it-IT"/>
           </a:p>
@@ -1411,7 +1411,7 @@
           <a:p>
             <a:fld id="{C1775FA8-FEF5-4078-A009-D10F19796D95}" type="datetimeFigureOut">
               <a:rPr lang="it-IT" smtClean="0"/>
-              <a:t>16/05/2023</a:t>
+              <a:t>17/05/2023</a:t>
             </a:fld>
             <a:endParaRPr lang="it-IT"/>
           </a:p>
@@ -1752,7 +1752,7 @@
           <a:p>
             <a:fld id="{C1775FA8-FEF5-4078-A009-D10F19796D95}" type="datetimeFigureOut">
               <a:rPr lang="it-IT" smtClean="0"/>
-              <a:t>16/05/2023</a:t>
+              <a:t>17/05/2023</a:t>
             </a:fld>
             <a:endParaRPr lang="it-IT"/>
           </a:p>
@@ -2066,7 +2066,7 @@
           <a:p>
             <a:fld id="{C1775FA8-FEF5-4078-A009-D10F19796D95}" type="datetimeFigureOut">
               <a:rPr lang="it-IT" smtClean="0"/>
-              <a:t>16/05/2023</a:t>
+              <a:t>17/05/2023</a:t>
             </a:fld>
             <a:endParaRPr lang="it-IT"/>
           </a:p>
@@ -2459,7 +2459,7 @@
           <a:p>
             <a:fld id="{C1775FA8-FEF5-4078-A009-D10F19796D95}" type="datetimeFigureOut">
               <a:rPr lang="it-IT" smtClean="0"/>
-              <a:t>16/05/2023</a:t>
+              <a:t>17/05/2023</a:t>
             </a:fld>
             <a:endParaRPr lang="it-IT"/>
           </a:p>
@@ -2629,7 +2629,7 @@
           <a:p>
             <a:fld id="{C1775FA8-FEF5-4078-A009-D10F19796D95}" type="datetimeFigureOut">
               <a:rPr lang="it-IT" smtClean="0"/>
-              <a:t>16/05/2023</a:t>
+              <a:t>17/05/2023</a:t>
             </a:fld>
             <a:endParaRPr lang="it-IT"/>
           </a:p>
@@ -2809,7 +2809,7 @@
           <a:p>
             <a:fld id="{C1775FA8-FEF5-4078-A009-D10F19796D95}" type="datetimeFigureOut">
               <a:rPr lang="it-IT" smtClean="0"/>
-              <a:t>16/05/2023</a:t>
+              <a:t>17/05/2023</a:t>
             </a:fld>
             <a:endParaRPr lang="it-IT"/>
           </a:p>
@@ -2985,7 +2985,7 @@
           <a:p>
             <a:fld id="{C1775FA8-FEF5-4078-A009-D10F19796D95}" type="datetimeFigureOut">
               <a:rPr lang="it-IT" smtClean="0"/>
-              <a:t>16/05/2023</a:t>
+              <a:t>17/05/2023</a:t>
             </a:fld>
             <a:endParaRPr lang="it-IT"/>
           </a:p>
@@ -3232,7 +3232,7 @@
           <a:p>
             <a:fld id="{C1775FA8-FEF5-4078-A009-D10F19796D95}" type="datetimeFigureOut">
               <a:rPr lang="it-IT" smtClean="0"/>
-              <a:t>16/05/2023</a:t>
+              <a:t>17/05/2023</a:t>
             </a:fld>
             <a:endParaRPr lang="it-IT"/>
           </a:p>
@@ -3464,7 +3464,7 @@
           <a:p>
             <a:fld id="{C1775FA8-FEF5-4078-A009-D10F19796D95}" type="datetimeFigureOut">
               <a:rPr lang="it-IT" smtClean="0"/>
-              <a:t>16/05/2023</a:t>
+              <a:t>17/05/2023</a:t>
             </a:fld>
             <a:endParaRPr lang="it-IT"/>
           </a:p>
@@ -3838,7 +3838,7 @@
           <a:p>
             <a:fld id="{C1775FA8-FEF5-4078-A009-D10F19796D95}" type="datetimeFigureOut">
               <a:rPr lang="it-IT" smtClean="0"/>
-              <a:t>16/05/2023</a:t>
+              <a:t>17/05/2023</a:t>
             </a:fld>
             <a:endParaRPr lang="it-IT"/>
           </a:p>
@@ -3961,7 +3961,7 @@
           <a:p>
             <a:fld id="{C1775FA8-FEF5-4078-A009-D10F19796D95}" type="datetimeFigureOut">
               <a:rPr lang="it-IT" smtClean="0"/>
-              <a:t>16/05/2023</a:t>
+              <a:t>17/05/2023</a:t>
             </a:fld>
             <a:endParaRPr lang="it-IT"/>
           </a:p>
@@ -4056,7 +4056,7 @@
           <a:p>
             <a:fld id="{C1775FA8-FEF5-4078-A009-D10F19796D95}" type="datetimeFigureOut">
               <a:rPr lang="it-IT" smtClean="0"/>
-              <a:t>16/05/2023</a:t>
+              <a:t>17/05/2023</a:t>
             </a:fld>
             <a:endParaRPr lang="it-IT"/>
           </a:p>
@@ -4311,7 +4311,7 @@
           <a:p>
             <a:fld id="{C1775FA8-FEF5-4078-A009-D10F19796D95}" type="datetimeFigureOut">
               <a:rPr lang="it-IT" smtClean="0"/>
-              <a:t>16/05/2023</a:t>
+              <a:t>17/05/2023</a:t>
             </a:fld>
             <a:endParaRPr lang="it-IT"/>
           </a:p>
@@ -4574,7 +4574,7 @@
           <a:p>
             <a:fld id="{C1775FA8-FEF5-4078-A009-D10F19796D95}" type="datetimeFigureOut">
               <a:rPr lang="it-IT" smtClean="0"/>
-              <a:t>16/05/2023</a:t>
+              <a:t>17/05/2023</a:t>
             </a:fld>
             <a:endParaRPr lang="it-IT"/>
           </a:p>
@@ -5317,7 +5317,7 @@
           <a:p>
             <a:fld id="{C1775FA8-FEF5-4078-A009-D10F19796D95}" type="datetimeFigureOut">
               <a:rPr lang="it-IT" smtClean="0"/>
-              <a:t>16/05/2023</a:t>
+              <a:t>17/05/2023</a:t>
             </a:fld>
             <a:endParaRPr lang="it-IT"/>
           </a:p>
@@ -6310,6 +6310,1477 @@
           </a:p>
         </p:txBody>
       </p:sp>
+      <p:sp>
+        <p:nvSpPr>
+          <p:cNvPr id="3" name="Content Placeholder 5">
+            <a:extLst>
+              <a:ext uri="{FF2B5EF4-FFF2-40B4-BE49-F238E27FC236}">
+                <a16:creationId xmlns:a16="http://schemas.microsoft.com/office/drawing/2014/main" id="{F48AAC8E-E9C6-4153-A9A1-CEF7920A75A6}"/>
+              </a:ext>
+            </a:extLst>
+          </p:cNvPr>
+          <p:cNvSpPr txBox="1">
+            <a:spLocks/>
+          </p:cNvSpPr>
+          <p:nvPr/>
+        </p:nvSpPr>
+        <p:spPr>
+          <a:xfrm>
+            <a:off x="277905" y="1270000"/>
+            <a:ext cx="3854766" cy="5706382"/>
+          </a:xfrm>
+          <a:prstGeom prst="rect">
+            <a:avLst/>
+          </a:prstGeom>
+        </p:spPr>
+        <p:txBody>
+          <a:bodyPr/>
+          <a:lstStyle>
+            <a:lvl1pPr marL="342900" indent="-342900" algn="l" defTabSz="457200" rtl="0" eaLnBrk="1" latinLnBrk="0" hangingPunct="1">
+              <a:spcBef>
+                <a:spcPts val="1000"/>
+              </a:spcBef>
+              <a:spcAft>
+                <a:spcPts val="0"/>
+              </a:spcAft>
+              <a:buClr>
+                <a:schemeClr val="accent1"/>
+              </a:buClr>
+              <a:buSzPct val="80000"/>
+              <a:buFont typeface="Wingdings 3" charset="2"/>
+              <a:buChar char=""/>
+              <a:defRPr sz="1800" kern="1200">
+                <a:solidFill>
+                  <a:schemeClr val="tx1">
+                    <a:lumMod val="75000"/>
+                    <a:lumOff val="25000"/>
+                  </a:schemeClr>
+                </a:solidFill>
+                <a:latin typeface="+mn-lt"/>
+                <a:ea typeface="+mn-ea"/>
+                <a:cs typeface="+mn-cs"/>
+              </a:defRPr>
+            </a:lvl1pPr>
+            <a:lvl2pPr marL="742950" indent="-285750" algn="l" defTabSz="457200" rtl="0" eaLnBrk="1" latinLnBrk="0" hangingPunct="1">
+              <a:spcBef>
+                <a:spcPts val="1000"/>
+              </a:spcBef>
+              <a:spcAft>
+                <a:spcPts val="0"/>
+              </a:spcAft>
+              <a:buClr>
+                <a:schemeClr val="accent1"/>
+              </a:buClr>
+              <a:buSzPct val="80000"/>
+              <a:buFont typeface="Wingdings 3" charset="2"/>
+              <a:buChar char=""/>
+              <a:defRPr sz="1600" kern="1200">
+                <a:solidFill>
+                  <a:schemeClr val="tx1">
+                    <a:lumMod val="75000"/>
+                    <a:lumOff val="25000"/>
+                  </a:schemeClr>
+                </a:solidFill>
+                <a:latin typeface="+mn-lt"/>
+                <a:ea typeface="+mn-ea"/>
+                <a:cs typeface="+mn-cs"/>
+              </a:defRPr>
+            </a:lvl2pPr>
+            <a:lvl3pPr marL="1143000" indent="-228600" algn="l" defTabSz="457200" rtl="0" eaLnBrk="1" latinLnBrk="0" hangingPunct="1">
+              <a:spcBef>
+                <a:spcPts val="1000"/>
+              </a:spcBef>
+              <a:spcAft>
+                <a:spcPts val="0"/>
+              </a:spcAft>
+              <a:buClr>
+                <a:schemeClr val="accent1"/>
+              </a:buClr>
+              <a:buSzPct val="80000"/>
+              <a:buFont typeface="Wingdings 3" charset="2"/>
+              <a:buChar char=""/>
+              <a:defRPr sz="1400" kern="1200">
+                <a:solidFill>
+                  <a:schemeClr val="tx1">
+                    <a:lumMod val="75000"/>
+                    <a:lumOff val="25000"/>
+                  </a:schemeClr>
+                </a:solidFill>
+                <a:latin typeface="+mn-lt"/>
+                <a:ea typeface="+mn-ea"/>
+                <a:cs typeface="+mn-cs"/>
+              </a:defRPr>
+            </a:lvl3pPr>
+            <a:lvl4pPr marL="1600200" indent="-228600" algn="l" defTabSz="457200" rtl="0" eaLnBrk="1" latinLnBrk="0" hangingPunct="1">
+              <a:spcBef>
+                <a:spcPts val="1000"/>
+              </a:spcBef>
+              <a:spcAft>
+                <a:spcPts val="0"/>
+              </a:spcAft>
+              <a:buClr>
+                <a:schemeClr val="accent1"/>
+              </a:buClr>
+              <a:buSzPct val="80000"/>
+              <a:buFont typeface="Wingdings 3" charset="2"/>
+              <a:buChar char=""/>
+              <a:defRPr sz="1200" kern="1200">
+                <a:solidFill>
+                  <a:schemeClr val="tx1">
+                    <a:lumMod val="75000"/>
+                    <a:lumOff val="25000"/>
+                  </a:schemeClr>
+                </a:solidFill>
+                <a:latin typeface="+mn-lt"/>
+                <a:ea typeface="+mn-ea"/>
+                <a:cs typeface="+mn-cs"/>
+              </a:defRPr>
+            </a:lvl4pPr>
+            <a:lvl5pPr marL="2057400" indent="-228600" algn="l" defTabSz="457200" rtl="0" eaLnBrk="1" latinLnBrk="0" hangingPunct="1">
+              <a:spcBef>
+                <a:spcPts val="1000"/>
+              </a:spcBef>
+              <a:spcAft>
+                <a:spcPts val="0"/>
+              </a:spcAft>
+              <a:buClr>
+                <a:schemeClr val="accent1"/>
+              </a:buClr>
+              <a:buSzPct val="80000"/>
+              <a:buFont typeface="Wingdings 3" charset="2"/>
+              <a:buChar char=""/>
+              <a:defRPr sz="1200" kern="1200">
+                <a:solidFill>
+                  <a:schemeClr val="tx1">
+                    <a:lumMod val="75000"/>
+                    <a:lumOff val="25000"/>
+                  </a:schemeClr>
+                </a:solidFill>
+                <a:latin typeface="+mn-lt"/>
+                <a:ea typeface="+mn-ea"/>
+                <a:cs typeface="+mn-cs"/>
+              </a:defRPr>
+            </a:lvl5pPr>
+            <a:lvl6pPr marL="2514600" indent="-228600" algn="l" defTabSz="457200" rtl="0" eaLnBrk="1" latinLnBrk="0" hangingPunct="1">
+              <a:spcBef>
+                <a:spcPts val="1000"/>
+              </a:spcBef>
+              <a:spcAft>
+                <a:spcPts val="0"/>
+              </a:spcAft>
+              <a:buClr>
+                <a:schemeClr val="accent1"/>
+              </a:buClr>
+              <a:buSzPct val="80000"/>
+              <a:buFont typeface="Wingdings 3" charset="2"/>
+              <a:buChar char=""/>
+              <a:defRPr sz="1200" kern="1200">
+                <a:solidFill>
+                  <a:schemeClr val="tx1">
+                    <a:lumMod val="75000"/>
+                    <a:lumOff val="25000"/>
+                  </a:schemeClr>
+                </a:solidFill>
+                <a:latin typeface="+mn-lt"/>
+                <a:ea typeface="+mn-ea"/>
+                <a:cs typeface="+mn-cs"/>
+              </a:defRPr>
+            </a:lvl6pPr>
+            <a:lvl7pPr marL="2971800" indent="-228600" algn="l" defTabSz="457200" rtl="0" eaLnBrk="1" latinLnBrk="0" hangingPunct="1">
+              <a:spcBef>
+                <a:spcPts val="1000"/>
+              </a:spcBef>
+              <a:spcAft>
+                <a:spcPts val="0"/>
+              </a:spcAft>
+              <a:buClr>
+                <a:schemeClr val="accent1"/>
+              </a:buClr>
+              <a:buSzPct val="80000"/>
+              <a:buFont typeface="Wingdings 3" charset="2"/>
+              <a:buChar char=""/>
+              <a:defRPr sz="1200" kern="1200">
+                <a:solidFill>
+                  <a:schemeClr val="tx1">
+                    <a:lumMod val="75000"/>
+                    <a:lumOff val="25000"/>
+                  </a:schemeClr>
+                </a:solidFill>
+                <a:latin typeface="+mn-lt"/>
+                <a:ea typeface="+mn-ea"/>
+                <a:cs typeface="+mn-cs"/>
+              </a:defRPr>
+            </a:lvl7pPr>
+            <a:lvl8pPr marL="3429000" indent="-228600" algn="l" defTabSz="457200" rtl="0" eaLnBrk="1" latinLnBrk="0" hangingPunct="1">
+              <a:spcBef>
+                <a:spcPts val="1000"/>
+              </a:spcBef>
+              <a:spcAft>
+                <a:spcPts val="0"/>
+              </a:spcAft>
+              <a:buClr>
+                <a:schemeClr val="accent1"/>
+              </a:buClr>
+              <a:buSzPct val="80000"/>
+              <a:buFont typeface="Wingdings 3" charset="2"/>
+              <a:buChar char=""/>
+              <a:defRPr sz="1200" kern="1200">
+                <a:solidFill>
+                  <a:schemeClr val="tx1">
+                    <a:lumMod val="75000"/>
+                    <a:lumOff val="25000"/>
+                  </a:schemeClr>
+                </a:solidFill>
+                <a:latin typeface="+mn-lt"/>
+                <a:ea typeface="+mn-ea"/>
+                <a:cs typeface="+mn-cs"/>
+              </a:defRPr>
+            </a:lvl8pPr>
+            <a:lvl9pPr marL="3886200" indent="-228600" algn="l" defTabSz="457200" rtl="0" eaLnBrk="1" latinLnBrk="0" hangingPunct="1">
+              <a:spcBef>
+                <a:spcPts val="1000"/>
+              </a:spcBef>
+              <a:spcAft>
+                <a:spcPts val="0"/>
+              </a:spcAft>
+              <a:buClr>
+                <a:schemeClr val="accent1"/>
+              </a:buClr>
+              <a:buSzPct val="80000"/>
+              <a:buFont typeface="Wingdings 3" charset="2"/>
+              <a:buChar char=""/>
+              <a:defRPr sz="1200" kern="1200">
+                <a:solidFill>
+                  <a:schemeClr val="tx1">
+                    <a:lumMod val="75000"/>
+                    <a:lumOff val="25000"/>
+                  </a:schemeClr>
+                </a:solidFill>
+                <a:latin typeface="+mn-lt"/>
+                <a:ea typeface="+mn-ea"/>
+                <a:cs typeface="+mn-cs"/>
+              </a:defRPr>
+            </a:lvl9pPr>
+          </a:lstStyle>
+          <a:p>
+            <a:pPr marL="0" indent="0">
+              <a:buNone/>
+            </a:pPr>
+            <a:r>
+              <a:rPr lang="it-IT" sz="1600" b="1" dirty="0" err="1">
+                <a:solidFill>
+                  <a:schemeClr val="tx1"/>
+                </a:solidFill>
+              </a:rPr>
+              <a:t>Communication</a:t>
+            </a:r>
+            <a:r>
+              <a:rPr lang="it-IT" sz="1600" b="1" dirty="0">
+                <a:solidFill>
+                  <a:schemeClr val="tx1"/>
+                </a:solidFill>
+              </a:rPr>
+              <a:t> with:</a:t>
+            </a:r>
+          </a:p>
+          <a:p>
+            <a:pPr algn="just"/>
+            <a:r>
+              <a:rPr lang="it-IT" sz="1600" b="1" dirty="0" err="1">
+                <a:solidFill>
+                  <a:schemeClr val="tx1"/>
+                </a:solidFill>
+              </a:rPr>
+              <a:t>Sensors</a:t>
+            </a:r>
+            <a:r>
+              <a:rPr lang="it-IT" sz="1600" b="1" dirty="0">
+                <a:solidFill>
+                  <a:schemeClr val="tx1"/>
+                </a:solidFill>
+              </a:rPr>
+              <a:t>:</a:t>
+            </a:r>
+            <a:r>
+              <a:rPr lang="it-IT" sz="1600" dirty="0">
+                <a:solidFill>
+                  <a:schemeClr val="tx1"/>
+                </a:solidFill>
+              </a:rPr>
+              <a:t> to </a:t>
+            </a:r>
+            <a:r>
+              <a:rPr lang="it-IT" sz="1600" dirty="0" err="1">
+                <a:solidFill>
+                  <a:schemeClr val="tx1"/>
+                </a:solidFill>
+              </a:rPr>
+              <a:t>retrieve</a:t>
+            </a:r>
+            <a:r>
+              <a:rPr lang="it-IT" sz="1600" dirty="0">
+                <a:solidFill>
+                  <a:schemeClr val="tx1"/>
+                </a:solidFill>
+              </a:rPr>
+              <a:t> information </a:t>
+            </a:r>
+            <a:r>
+              <a:rPr lang="it-IT" sz="1600" dirty="0" err="1">
+                <a:solidFill>
+                  <a:schemeClr val="tx1"/>
+                </a:solidFill>
+              </a:rPr>
+              <a:t>about</a:t>
+            </a:r>
+            <a:r>
+              <a:rPr lang="it-IT" sz="1600" dirty="0">
+                <a:solidFill>
+                  <a:schemeClr val="tx1"/>
+                </a:solidFill>
+              </a:rPr>
+              <a:t> the status of the </a:t>
+            </a:r>
+            <a:r>
+              <a:rPr lang="it-IT" sz="1600" dirty="0" err="1">
+                <a:solidFill>
+                  <a:schemeClr val="tx1"/>
+                </a:solidFill>
+              </a:rPr>
+              <a:t>battery</a:t>
+            </a:r>
+            <a:r>
+              <a:rPr lang="it-IT" sz="1600" dirty="0">
+                <a:solidFill>
+                  <a:schemeClr val="tx1"/>
+                </a:solidFill>
+              </a:rPr>
+              <a:t> and general information. </a:t>
+            </a:r>
+          </a:p>
+          <a:p>
+            <a:pPr algn="just"/>
+            <a:r>
+              <a:rPr lang="it-IT" sz="1600" b="1" dirty="0" err="1">
+                <a:solidFill>
+                  <a:schemeClr val="tx1"/>
+                </a:solidFill>
+              </a:rPr>
+              <a:t>TelegramBot</a:t>
+            </a:r>
+            <a:r>
+              <a:rPr lang="it-IT" sz="1600" b="1" dirty="0">
+                <a:solidFill>
+                  <a:schemeClr val="tx1"/>
+                </a:solidFill>
+              </a:rPr>
+              <a:t>: </a:t>
+            </a:r>
+            <a:r>
+              <a:rPr lang="it-IT" sz="1600" dirty="0">
+                <a:solidFill>
+                  <a:schemeClr val="tx1"/>
+                </a:solidFill>
+              </a:rPr>
+              <a:t>to </a:t>
+            </a:r>
+            <a:r>
+              <a:rPr lang="it-IT" sz="1600" dirty="0" err="1">
+                <a:solidFill>
+                  <a:schemeClr val="tx1"/>
+                </a:solidFill>
+              </a:rPr>
+              <a:t>send</a:t>
+            </a:r>
+            <a:r>
+              <a:rPr lang="it-IT" sz="1600" dirty="0">
+                <a:solidFill>
+                  <a:schemeClr val="tx1"/>
+                </a:solidFill>
+              </a:rPr>
+              <a:t> </a:t>
+            </a:r>
+            <a:r>
+              <a:rPr lang="it-IT" sz="1600" dirty="0" err="1">
+                <a:solidFill>
+                  <a:schemeClr val="tx1"/>
+                </a:solidFill>
+              </a:rPr>
+              <a:t>AlertSMS</a:t>
+            </a:r>
+            <a:r>
+              <a:rPr lang="it-IT" sz="1600" dirty="0">
+                <a:solidFill>
+                  <a:schemeClr val="tx1"/>
+                </a:solidFill>
+              </a:rPr>
+              <a:t>, in case </a:t>
+            </a:r>
+            <a:r>
+              <a:rPr lang="it-IT" sz="1600" dirty="0" err="1">
+                <a:solidFill>
+                  <a:schemeClr val="tx1"/>
+                </a:solidFill>
+              </a:rPr>
+              <a:t>it</a:t>
+            </a:r>
+            <a:r>
+              <a:rPr lang="it-IT" sz="1600" dirty="0">
+                <a:solidFill>
+                  <a:schemeClr val="tx1"/>
+                </a:solidFill>
+              </a:rPr>
+              <a:t> </a:t>
+            </a:r>
+            <a:r>
+              <a:rPr lang="it-IT" sz="1600" dirty="0" err="1">
+                <a:solidFill>
+                  <a:schemeClr val="tx1"/>
+                </a:solidFill>
+              </a:rPr>
+              <a:t>may</a:t>
+            </a:r>
+            <a:r>
+              <a:rPr lang="it-IT" sz="1600" dirty="0">
+                <a:solidFill>
+                  <a:schemeClr val="tx1"/>
+                </a:solidFill>
+              </a:rPr>
+              <a:t> be </a:t>
+            </a:r>
+            <a:r>
+              <a:rPr lang="it-IT" sz="1600" dirty="0" err="1">
+                <a:solidFill>
+                  <a:schemeClr val="tx1"/>
+                </a:solidFill>
+              </a:rPr>
+              <a:t>necessary</a:t>
+            </a:r>
+            <a:r>
+              <a:rPr lang="it-IT" sz="1600" dirty="0">
+                <a:solidFill>
+                  <a:schemeClr val="tx1"/>
+                </a:solidFill>
+              </a:rPr>
+              <a:t>.</a:t>
+            </a:r>
+          </a:p>
+          <a:p>
+            <a:pPr algn="just"/>
+            <a:r>
+              <a:rPr lang="it-IT" sz="1600" b="1" dirty="0">
+                <a:solidFill>
+                  <a:schemeClr val="tx1"/>
+                </a:solidFill>
+              </a:rPr>
+              <a:t>Agenda Control Strategy: </a:t>
+            </a:r>
+            <a:r>
+              <a:rPr lang="it-IT" sz="1600" dirty="0">
+                <a:solidFill>
+                  <a:schemeClr val="tx1"/>
+                </a:solidFill>
+              </a:rPr>
+              <a:t>to </a:t>
+            </a:r>
+            <a:r>
+              <a:rPr lang="it-IT" sz="1600" dirty="0" err="1">
+                <a:solidFill>
+                  <a:schemeClr val="tx1"/>
+                </a:solidFill>
+              </a:rPr>
+              <a:t>retrieve</a:t>
+            </a:r>
+            <a:r>
+              <a:rPr lang="it-IT" sz="1600" dirty="0">
+                <a:solidFill>
+                  <a:schemeClr val="tx1"/>
+                </a:solidFill>
+              </a:rPr>
+              <a:t> information in case the </a:t>
+            </a:r>
+            <a:r>
+              <a:rPr lang="it-IT" sz="1600" dirty="0" err="1">
+                <a:solidFill>
+                  <a:schemeClr val="tx1"/>
+                </a:solidFill>
+              </a:rPr>
+              <a:t>number</a:t>
+            </a:r>
+            <a:r>
+              <a:rPr lang="it-IT" sz="1600" dirty="0">
+                <a:solidFill>
+                  <a:schemeClr val="tx1"/>
+                </a:solidFill>
+              </a:rPr>
+              <a:t> of </a:t>
+            </a:r>
+            <a:r>
+              <a:rPr lang="it-IT" sz="1600" dirty="0" err="1">
+                <a:solidFill>
+                  <a:schemeClr val="tx1"/>
+                </a:solidFill>
+              </a:rPr>
+              <a:t>kilometers</a:t>
+            </a:r>
+            <a:r>
+              <a:rPr lang="it-IT" sz="1600" dirty="0">
+                <a:solidFill>
+                  <a:schemeClr val="tx1"/>
+                </a:solidFill>
+              </a:rPr>
+              <a:t> </a:t>
+            </a:r>
+            <a:r>
+              <a:rPr lang="it-IT" sz="1600" dirty="0" err="1">
+                <a:solidFill>
+                  <a:schemeClr val="tx1"/>
+                </a:solidFill>
+              </a:rPr>
+              <a:t>is</a:t>
+            </a:r>
+            <a:r>
+              <a:rPr lang="it-IT" sz="1600" dirty="0">
+                <a:solidFill>
+                  <a:schemeClr val="tx1"/>
+                </a:solidFill>
+              </a:rPr>
+              <a:t> </a:t>
+            </a:r>
+            <a:r>
+              <a:rPr lang="it-IT" sz="1600" dirty="0" err="1">
+                <a:solidFill>
+                  <a:schemeClr val="tx1"/>
+                </a:solidFill>
+              </a:rPr>
+              <a:t>too</a:t>
+            </a:r>
+            <a:r>
+              <a:rPr lang="it-IT" sz="1600" dirty="0">
+                <a:solidFill>
+                  <a:schemeClr val="tx1"/>
+                </a:solidFill>
+              </a:rPr>
+              <a:t> high for a single </a:t>
+            </a:r>
+            <a:r>
+              <a:rPr lang="it-IT" sz="1600" dirty="0" err="1">
+                <a:solidFill>
+                  <a:schemeClr val="tx1"/>
+                </a:solidFill>
+              </a:rPr>
+              <a:t>recharge</a:t>
+            </a:r>
+            <a:r>
+              <a:rPr lang="it-IT" sz="1600" dirty="0">
+                <a:solidFill>
+                  <a:schemeClr val="tx1"/>
+                </a:solidFill>
+              </a:rPr>
+              <a:t> </a:t>
+            </a:r>
+            <a:r>
+              <a:rPr lang="it-IT" sz="1600" dirty="0" err="1">
+                <a:solidFill>
+                  <a:schemeClr val="tx1"/>
+                </a:solidFill>
+              </a:rPr>
+              <a:t>cycle</a:t>
+            </a:r>
+            <a:r>
+              <a:rPr lang="it-IT" sz="1600" dirty="0">
+                <a:solidFill>
+                  <a:schemeClr val="tx1"/>
+                </a:solidFill>
+              </a:rPr>
+              <a:t>.  </a:t>
+            </a:r>
+            <a:endParaRPr lang="it-IT" sz="1600" b="1" dirty="0">
+              <a:solidFill>
+                <a:schemeClr val="tx1"/>
+              </a:solidFill>
+            </a:endParaRPr>
+          </a:p>
+          <a:p>
+            <a:pPr algn="just"/>
+            <a:endParaRPr lang="it-IT" sz="1600" b="1" dirty="0">
+              <a:solidFill>
+                <a:schemeClr val="tx1"/>
+              </a:solidFill>
+            </a:endParaRPr>
+          </a:p>
+          <a:p>
+            <a:pPr marL="0" indent="0" algn="just">
+              <a:buNone/>
+            </a:pPr>
+            <a:r>
+              <a:rPr lang="it-IT" sz="1600" b="1" dirty="0" err="1">
+                <a:solidFill>
+                  <a:schemeClr val="tx1"/>
+                </a:solidFill>
+              </a:rPr>
+              <a:t>Main</a:t>
+            </a:r>
+            <a:r>
+              <a:rPr lang="it-IT" sz="1600" b="1" dirty="0">
+                <a:solidFill>
+                  <a:schemeClr val="tx1"/>
+                </a:solidFill>
+              </a:rPr>
+              <a:t> </a:t>
+            </a:r>
+            <a:r>
+              <a:rPr lang="it-IT" sz="1600" b="1" dirty="0" err="1">
+                <a:solidFill>
+                  <a:schemeClr val="tx1"/>
+                </a:solidFill>
+              </a:rPr>
+              <a:t>role</a:t>
+            </a:r>
+            <a:r>
+              <a:rPr lang="it-IT" sz="1600" b="1" dirty="0">
+                <a:solidFill>
+                  <a:schemeClr val="tx1"/>
+                </a:solidFill>
+              </a:rPr>
+              <a:t>:</a:t>
+            </a:r>
+          </a:p>
+          <a:p>
+            <a:pPr marL="0" indent="0">
+              <a:buNone/>
+            </a:pPr>
+            <a:r>
+              <a:rPr lang="it-IT" sz="1600" dirty="0">
+                <a:solidFill>
+                  <a:schemeClr val="tx1"/>
+                </a:solidFill>
+              </a:rPr>
+              <a:t>Compute the </a:t>
+            </a:r>
+            <a:r>
+              <a:rPr lang="it-IT" sz="1600" dirty="0" err="1">
+                <a:solidFill>
+                  <a:schemeClr val="tx1"/>
+                </a:solidFill>
+              </a:rPr>
+              <a:t>percentage</a:t>
+            </a:r>
+            <a:r>
+              <a:rPr lang="it-IT" sz="1600" dirty="0">
+                <a:solidFill>
+                  <a:schemeClr val="tx1"/>
+                </a:solidFill>
+              </a:rPr>
+              <a:t> of </a:t>
+            </a:r>
+            <a:r>
+              <a:rPr lang="it-IT" sz="1600" dirty="0" err="1">
+                <a:solidFill>
+                  <a:schemeClr val="tx1"/>
+                </a:solidFill>
+              </a:rPr>
+              <a:t>battery</a:t>
+            </a:r>
+            <a:r>
+              <a:rPr lang="it-IT" sz="1600" dirty="0">
+                <a:solidFill>
+                  <a:schemeClr val="tx1"/>
+                </a:solidFill>
+              </a:rPr>
+              <a:t> </a:t>
+            </a:r>
+            <a:r>
+              <a:rPr lang="it-IT" sz="1600" dirty="0" err="1">
+                <a:solidFill>
+                  <a:schemeClr val="tx1"/>
+                </a:solidFill>
+              </a:rPr>
+              <a:t>necessary</a:t>
+            </a:r>
+            <a:r>
+              <a:rPr lang="it-IT" sz="1600" dirty="0">
+                <a:solidFill>
+                  <a:schemeClr val="tx1"/>
+                </a:solidFill>
+              </a:rPr>
+              <a:t> for the users </a:t>
+            </a:r>
+            <a:r>
+              <a:rPr lang="it-IT" sz="1600" dirty="0" err="1">
+                <a:solidFill>
+                  <a:schemeClr val="tx1"/>
+                </a:solidFill>
+              </a:rPr>
+              <a:t>during</a:t>
+            </a:r>
+            <a:r>
+              <a:rPr lang="it-IT" sz="1600" dirty="0">
+                <a:solidFill>
+                  <a:schemeClr val="tx1"/>
+                </a:solidFill>
+              </a:rPr>
+              <a:t> </a:t>
+            </a:r>
+            <a:r>
+              <a:rPr lang="it-IT" sz="1600" dirty="0" err="1">
+                <a:solidFill>
+                  <a:schemeClr val="tx1"/>
+                </a:solidFill>
+              </a:rPr>
+              <a:t>this</a:t>
+            </a:r>
+            <a:r>
+              <a:rPr lang="it-IT" sz="1600" dirty="0">
+                <a:solidFill>
+                  <a:schemeClr val="tx1"/>
+                </a:solidFill>
+              </a:rPr>
+              <a:t> day, </a:t>
+            </a:r>
+            <a:r>
+              <a:rPr lang="it-IT" sz="1600" dirty="0" err="1">
+                <a:solidFill>
+                  <a:schemeClr val="tx1"/>
+                </a:solidFill>
+              </a:rPr>
+              <a:t>according</a:t>
+            </a:r>
+            <a:r>
+              <a:rPr lang="it-IT" sz="1600" dirty="0">
+                <a:solidFill>
+                  <a:schemeClr val="tx1"/>
+                </a:solidFill>
+              </a:rPr>
+              <a:t> to the </a:t>
+            </a:r>
+            <a:r>
+              <a:rPr lang="it-IT" sz="1600" dirty="0" err="1">
+                <a:solidFill>
+                  <a:schemeClr val="tx1"/>
+                </a:solidFill>
+              </a:rPr>
+              <a:t>battery</a:t>
+            </a:r>
+            <a:r>
+              <a:rPr lang="it-IT" sz="1600" dirty="0">
+                <a:solidFill>
+                  <a:schemeClr val="tx1"/>
+                </a:solidFill>
+              </a:rPr>
+              <a:t> </a:t>
+            </a:r>
+            <a:r>
+              <a:rPr lang="it-IT" sz="1600" dirty="0" err="1">
+                <a:solidFill>
+                  <a:schemeClr val="tx1"/>
+                </a:solidFill>
+              </a:rPr>
+              <a:t>characteristics</a:t>
+            </a:r>
+            <a:r>
+              <a:rPr lang="it-IT" sz="1600" dirty="0">
+                <a:solidFill>
+                  <a:schemeClr val="tx1"/>
+                </a:solidFill>
+              </a:rPr>
+              <a:t> and the personal commitments.</a:t>
+            </a:r>
+          </a:p>
+        </p:txBody>
+      </p:sp>
+      <p:sp>
+        <p:nvSpPr>
+          <p:cNvPr id="5" name="TextBox 4">
+            <a:extLst>
+              <a:ext uri="{FF2B5EF4-FFF2-40B4-BE49-F238E27FC236}">
+                <a16:creationId xmlns:a16="http://schemas.microsoft.com/office/drawing/2014/main" id="{1BE1382B-179E-4B2A-85DC-A29B7FD8F2AC}"/>
+              </a:ext>
+            </a:extLst>
+          </p:cNvPr>
+          <p:cNvSpPr txBox="1"/>
+          <p:nvPr/>
+        </p:nvSpPr>
+        <p:spPr>
+          <a:xfrm>
+            <a:off x="5621430" y="1644837"/>
+            <a:ext cx="2026023" cy="646331"/>
+          </a:xfrm>
+          <a:custGeom>
+            <a:avLst/>
+            <a:gdLst>
+              <a:gd name="connsiteX0" fmla="*/ 0 w 2026023"/>
+              <a:gd name="connsiteY0" fmla="*/ 0 h 646331"/>
+              <a:gd name="connsiteX1" fmla="*/ 655081 w 2026023"/>
+              <a:gd name="connsiteY1" fmla="*/ 0 h 646331"/>
+              <a:gd name="connsiteX2" fmla="*/ 1269641 w 2026023"/>
+              <a:gd name="connsiteY2" fmla="*/ 0 h 646331"/>
+              <a:gd name="connsiteX3" fmla="*/ 2026023 w 2026023"/>
+              <a:gd name="connsiteY3" fmla="*/ 0 h 646331"/>
+              <a:gd name="connsiteX4" fmla="*/ 2026023 w 2026023"/>
+              <a:gd name="connsiteY4" fmla="*/ 646331 h 646331"/>
+              <a:gd name="connsiteX5" fmla="*/ 1391202 w 2026023"/>
+              <a:gd name="connsiteY5" fmla="*/ 646331 h 646331"/>
+              <a:gd name="connsiteX6" fmla="*/ 675341 w 2026023"/>
+              <a:gd name="connsiteY6" fmla="*/ 646331 h 646331"/>
+              <a:gd name="connsiteX7" fmla="*/ 0 w 2026023"/>
+              <a:gd name="connsiteY7" fmla="*/ 646331 h 646331"/>
+              <a:gd name="connsiteX8" fmla="*/ 0 w 2026023"/>
+              <a:gd name="connsiteY8" fmla="*/ 0 h 646331"/>
+            </a:gdLst>
+            <a:ahLst/>
+            <a:cxnLst>
+              <a:cxn ang="0">
+                <a:pos x="connsiteX0" y="connsiteY0"/>
+              </a:cxn>
+              <a:cxn ang="0">
+                <a:pos x="connsiteX1" y="connsiteY1"/>
+              </a:cxn>
+              <a:cxn ang="0">
+                <a:pos x="connsiteX2" y="connsiteY2"/>
+              </a:cxn>
+              <a:cxn ang="0">
+                <a:pos x="connsiteX3" y="connsiteY3"/>
+              </a:cxn>
+              <a:cxn ang="0">
+                <a:pos x="connsiteX4" y="connsiteY4"/>
+              </a:cxn>
+              <a:cxn ang="0">
+                <a:pos x="connsiteX5" y="connsiteY5"/>
+              </a:cxn>
+              <a:cxn ang="0">
+                <a:pos x="connsiteX6" y="connsiteY6"/>
+              </a:cxn>
+              <a:cxn ang="0">
+                <a:pos x="connsiteX7" y="connsiteY7"/>
+              </a:cxn>
+              <a:cxn ang="0">
+                <a:pos x="connsiteX8" y="connsiteY8"/>
+              </a:cxn>
+            </a:cxnLst>
+            <a:rect l="l" t="t" r="r" b="b"/>
+            <a:pathLst>
+              <a:path w="2026023" h="646331" extrusionOk="0">
+                <a:moveTo>
+                  <a:pt x="0" y="0"/>
+                </a:moveTo>
+                <a:cubicBezTo>
+                  <a:pt x="140532" y="-8925"/>
+                  <a:pt x="484232" y="6002"/>
+                  <a:pt x="655081" y="0"/>
+                </a:cubicBezTo>
+                <a:cubicBezTo>
+                  <a:pt x="825930" y="-6002"/>
+                  <a:pt x="995695" y="25905"/>
+                  <a:pt x="1269641" y="0"/>
+                </a:cubicBezTo>
+                <a:cubicBezTo>
+                  <a:pt x="1543587" y="-25905"/>
+                  <a:pt x="1817510" y="-22367"/>
+                  <a:pt x="2026023" y="0"/>
+                </a:cubicBezTo>
+                <a:cubicBezTo>
+                  <a:pt x="2032988" y="174446"/>
+                  <a:pt x="2013066" y="454538"/>
+                  <a:pt x="2026023" y="646331"/>
+                </a:cubicBezTo>
+                <a:cubicBezTo>
+                  <a:pt x="1874145" y="619945"/>
+                  <a:pt x="1518870" y="652903"/>
+                  <a:pt x="1391202" y="646331"/>
+                </a:cubicBezTo>
+                <a:cubicBezTo>
+                  <a:pt x="1263534" y="639759"/>
+                  <a:pt x="847448" y="645103"/>
+                  <a:pt x="675341" y="646331"/>
+                </a:cubicBezTo>
+                <a:cubicBezTo>
+                  <a:pt x="503234" y="647559"/>
+                  <a:pt x="135843" y="639285"/>
+                  <a:pt x="0" y="646331"/>
+                </a:cubicBezTo>
+                <a:cubicBezTo>
+                  <a:pt x="-31026" y="499526"/>
+                  <a:pt x="22584" y="204044"/>
+                  <a:pt x="0" y="0"/>
+                </a:cubicBezTo>
+                <a:close/>
+              </a:path>
+            </a:pathLst>
+          </a:custGeom>
+          <a:noFill/>
+          <a:ln w="38100">
+            <a:solidFill>
+              <a:schemeClr val="accent2"/>
+            </a:solidFill>
+            <a:prstDash val="lgDash"/>
+            <a:extLst>
+              <a:ext uri="{C807C97D-BFC1-408E-A445-0C87EB9F89A2}">
+                <ask:lineSketchStyleProps xmlns:ask="http://schemas.microsoft.com/office/drawing/2018/sketchyshapes" sd="1219033472">
+                  <a:prstGeom prst="rect">
+                    <a:avLst/>
+                  </a:prstGeom>
+                  <ask:type>
+                    <ask:lineSketchFreehand/>
+                  </ask:type>
+                </ask:lineSketchStyleProps>
+              </a:ext>
+            </a:extLst>
+          </a:ln>
+        </p:spPr>
+        <p:txBody>
+          <a:bodyPr wrap="square" rtlCol="0">
+            <a:spAutoFit/>
+          </a:bodyPr>
+          <a:lstStyle/>
+          <a:p>
+            <a:r>
+              <a:rPr lang="it-IT" dirty="0" err="1"/>
+              <a:t>Vehicle</a:t>
+            </a:r>
+            <a:r>
+              <a:rPr lang="it-IT" dirty="0"/>
+              <a:t> </a:t>
+            </a:r>
+            <a:r>
+              <a:rPr lang="it-IT" dirty="0" err="1"/>
+              <a:t>present</a:t>
+            </a:r>
+            <a:r>
+              <a:rPr lang="it-IT" dirty="0"/>
+              <a:t> in </a:t>
+            </a:r>
+            <a:r>
+              <a:rPr lang="it-IT" dirty="0" err="1"/>
+              <a:t>charge</a:t>
+            </a:r>
+            <a:r>
+              <a:rPr lang="it-IT" dirty="0"/>
+              <a:t> station</a:t>
+            </a:r>
+          </a:p>
+        </p:txBody>
+      </p:sp>
+      <p:sp>
+        <p:nvSpPr>
+          <p:cNvPr id="6" name="TextBox 5">
+            <a:extLst>
+              <a:ext uri="{FF2B5EF4-FFF2-40B4-BE49-F238E27FC236}">
+                <a16:creationId xmlns:a16="http://schemas.microsoft.com/office/drawing/2014/main" id="{84C8C874-EB55-44E9-813C-502BFE3AB0A3}"/>
+              </a:ext>
+            </a:extLst>
+          </p:cNvPr>
+          <p:cNvSpPr txBox="1"/>
+          <p:nvPr/>
+        </p:nvSpPr>
+        <p:spPr>
+          <a:xfrm>
+            <a:off x="7576932" y="2551206"/>
+            <a:ext cx="2026023" cy="646331"/>
+          </a:xfrm>
+          <a:custGeom>
+            <a:avLst/>
+            <a:gdLst>
+              <a:gd name="connsiteX0" fmla="*/ 0 w 2026023"/>
+              <a:gd name="connsiteY0" fmla="*/ 0 h 646331"/>
+              <a:gd name="connsiteX1" fmla="*/ 655081 w 2026023"/>
+              <a:gd name="connsiteY1" fmla="*/ 0 h 646331"/>
+              <a:gd name="connsiteX2" fmla="*/ 1269641 w 2026023"/>
+              <a:gd name="connsiteY2" fmla="*/ 0 h 646331"/>
+              <a:gd name="connsiteX3" fmla="*/ 2026023 w 2026023"/>
+              <a:gd name="connsiteY3" fmla="*/ 0 h 646331"/>
+              <a:gd name="connsiteX4" fmla="*/ 2026023 w 2026023"/>
+              <a:gd name="connsiteY4" fmla="*/ 646331 h 646331"/>
+              <a:gd name="connsiteX5" fmla="*/ 1391202 w 2026023"/>
+              <a:gd name="connsiteY5" fmla="*/ 646331 h 646331"/>
+              <a:gd name="connsiteX6" fmla="*/ 675341 w 2026023"/>
+              <a:gd name="connsiteY6" fmla="*/ 646331 h 646331"/>
+              <a:gd name="connsiteX7" fmla="*/ 0 w 2026023"/>
+              <a:gd name="connsiteY7" fmla="*/ 646331 h 646331"/>
+              <a:gd name="connsiteX8" fmla="*/ 0 w 2026023"/>
+              <a:gd name="connsiteY8" fmla="*/ 0 h 646331"/>
+            </a:gdLst>
+            <a:ahLst/>
+            <a:cxnLst>
+              <a:cxn ang="0">
+                <a:pos x="connsiteX0" y="connsiteY0"/>
+              </a:cxn>
+              <a:cxn ang="0">
+                <a:pos x="connsiteX1" y="connsiteY1"/>
+              </a:cxn>
+              <a:cxn ang="0">
+                <a:pos x="connsiteX2" y="connsiteY2"/>
+              </a:cxn>
+              <a:cxn ang="0">
+                <a:pos x="connsiteX3" y="connsiteY3"/>
+              </a:cxn>
+              <a:cxn ang="0">
+                <a:pos x="connsiteX4" y="connsiteY4"/>
+              </a:cxn>
+              <a:cxn ang="0">
+                <a:pos x="connsiteX5" y="connsiteY5"/>
+              </a:cxn>
+              <a:cxn ang="0">
+                <a:pos x="connsiteX6" y="connsiteY6"/>
+              </a:cxn>
+              <a:cxn ang="0">
+                <a:pos x="connsiteX7" y="connsiteY7"/>
+              </a:cxn>
+              <a:cxn ang="0">
+                <a:pos x="connsiteX8" y="connsiteY8"/>
+              </a:cxn>
+            </a:cxnLst>
+            <a:rect l="l" t="t" r="r" b="b"/>
+            <a:pathLst>
+              <a:path w="2026023" h="646331" extrusionOk="0">
+                <a:moveTo>
+                  <a:pt x="0" y="0"/>
+                </a:moveTo>
+                <a:cubicBezTo>
+                  <a:pt x="140532" y="-8925"/>
+                  <a:pt x="484232" y="6002"/>
+                  <a:pt x="655081" y="0"/>
+                </a:cubicBezTo>
+                <a:cubicBezTo>
+                  <a:pt x="825930" y="-6002"/>
+                  <a:pt x="995695" y="25905"/>
+                  <a:pt x="1269641" y="0"/>
+                </a:cubicBezTo>
+                <a:cubicBezTo>
+                  <a:pt x="1543587" y="-25905"/>
+                  <a:pt x="1817510" y="-22367"/>
+                  <a:pt x="2026023" y="0"/>
+                </a:cubicBezTo>
+                <a:cubicBezTo>
+                  <a:pt x="2032988" y="174446"/>
+                  <a:pt x="2013066" y="454538"/>
+                  <a:pt x="2026023" y="646331"/>
+                </a:cubicBezTo>
+                <a:cubicBezTo>
+                  <a:pt x="1874145" y="619945"/>
+                  <a:pt x="1518870" y="652903"/>
+                  <a:pt x="1391202" y="646331"/>
+                </a:cubicBezTo>
+                <a:cubicBezTo>
+                  <a:pt x="1263534" y="639759"/>
+                  <a:pt x="847448" y="645103"/>
+                  <a:pt x="675341" y="646331"/>
+                </a:cubicBezTo>
+                <a:cubicBezTo>
+                  <a:pt x="503234" y="647559"/>
+                  <a:pt x="135843" y="639285"/>
+                  <a:pt x="0" y="646331"/>
+                </a:cubicBezTo>
+                <a:cubicBezTo>
+                  <a:pt x="-31026" y="499526"/>
+                  <a:pt x="22584" y="204044"/>
+                  <a:pt x="0" y="0"/>
+                </a:cubicBezTo>
+                <a:close/>
+              </a:path>
+            </a:pathLst>
+          </a:custGeom>
+          <a:noFill/>
+          <a:ln w="44450" cap="rnd">
+            <a:solidFill>
+              <a:schemeClr val="accent2"/>
+            </a:solidFill>
+            <a:prstDash val="lgDash"/>
+            <a:extLst>
+              <a:ext uri="{C807C97D-BFC1-408E-A445-0C87EB9F89A2}">
+                <ask:lineSketchStyleProps xmlns:ask="http://schemas.microsoft.com/office/drawing/2018/sketchyshapes" sd="1219033472">
+                  <a:prstGeom prst="rect">
+                    <a:avLst/>
+                  </a:prstGeom>
+                  <ask:type>
+                    <ask:lineSketchFreehand/>
+                  </ask:type>
+                </ask:lineSketchStyleProps>
+              </a:ext>
+            </a:extLst>
+          </a:ln>
+        </p:spPr>
+        <p:txBody>
+          <a:bodyPr wrap="square" rtlCol="0">
+            <a:spAutoFit/>
+          </a:bodyPr>
+          <a:lstStyle/>
+          <a:p>
+            <a:r>
+              <a:rPr lang="it-IT" dirty="0"/>
+              <a:t>Temperature of the </a:t>
+            </a:r>
+            <a:r>
+              <a:rPr lang="it-IT" dirty="0" err="1"/>
+              <a:t>battery</a:t>
+            </a:r>
+            <a:r>
+              <a:rPr lang="it-IT" dirty="0"/>
+              <a:t>. </a:t>
+            </a:r>
+          </a:p>
+        </p:txBody>
+      </p:sp>
+      <p:sp>
+        <p:nvSpPr>
+          <p:cNvPr id="7" name="TextBox 6">
+            <a:extLst>
+              <a:ext uri="{FF2B5EF4-FFF2-40B4-BE49-F238E27FC236}">
+                <a16:creationId xmlns:a16="http://schemas.microsoft.com/office/drawing/2014/main" id="{7A8995C2-6518-4B76-9FC6-D816D2F37CF6}"/>
+              </a:ext>
+            </a:extLst>
+          </p:cNvPr>
+          <p:cNvSpPr txBox="1"/>
+          <p:nvPr/>
+        </p:nvSpPr>
+        <p:spPr>
+          <a:xfrm>
+            <a:off x="5208493" y="3689849"/>
+            <a:ext cx="2026023" cy="646331"/>
+          </a:xfrm>
+          <a:custGeom>
+            <a:avLst/>
+            <a:gdLst>
+              <a:gd name="connsiteX0" fmla="*/ 0 w 2026023"/>
+              <a:gd name="connsiteY0" fmla="*/ 0 h 646331"/>
+              <a:gd name="connsiteX1" fmla="*/ 655081 w 2026023"/>
+              <a:gd name="connsiteY1" fmla="*/ 0 h 646331"/>
+              <a:gd name="connsiteX2" fmla="*/ 1269641 w 2026023"/>
+              <a:gd name="connsiteY2" fmla="*/ 0 h 646331"/>
+              <a:gd name="connsiteX3" fmla="*/ 2026023 w 2026023"/>
+              <a:gd name="connsiteY3" fmla="*/ 0 h 646331"/>
+              <a:gd name="connsiteX4" fmla="*/ 2026023 w 2026023"/>
+              <a:gd name="connsiteY4" fmla="*/ 646331 h 646331"/>
+              <a:gd name="connsiteX5" fmla="*/ 1391202 w 2026023"/>
+              <a:gd name="connsiteY5" fmla="*/ 646331 h 646331"/>
+              <a:gd name="connsiteX6" fmla="*/ 675341 w 2026023"/>
+              <a:gd name="connsiteY6" fmla="*/ 646331 h 646331"/>
+              <a:gd name="connsiteX7" fmla="*/ 0 w 2026023"/>
+              <a:gd name="connsiteY7" fmla="*/ 646331 h 646331"/>
+              <a:gd name="connsiteX8" fmla="*/ 0 w 2026023"/>
+              <a:gd name="connsiteY8" fmla="*/ 0 h 646331"/>
+            </a:gdLst>
+            <a:ahLst/>
+            <a:cxnLst>
+              <a:cxn ang="0">
+                <a:pos x="connsiteX0" y="connsiteY0"/>
+              </a:cxn>
+              <a:cxn ang="0">
+                <a:pos x="connsiteX1" y="connsiteY1"/>
+              </a:cxn>
+              <a:cxn ang="0">
+                <a:pos x="connsiteX2" y="connsiteY2"/>
+              </a:cxn>
+              <a:cxn ang="0">
+                <a:pos x="connsiteX3" y="connsiteY3"/>
+              </a:cxn>
+              <a:cxn ang="0">
+                <a:pos x="connsiteX4" y="connsiteY4"/>
+              </a:cxn>
+              <a:cxn ang="0">
+                <a:pos x="connsiteX5" y="connsiteY5"/>
+              </a:cxn>
+              <a:cxn ang="0">
+                <a:pos x="connsiteX6" y="connsiteY6"/>
+              </a:cxn>
+              <a:cxn ang="0">
+                <a:pos x="connsiteX7" y="connsiteY7"/>
+              </a:cxn>
+              <a:cxn ang="0">
+                <a:pos x="connsiteX8" y="connsiteY8"/>
+              </a:cxn>
+            </a:cxnLst>
+            <a:rect l="l" t="t" r="r" b="b"/>
+            <a:pathLst>
+              <a:path w="2026023" h="646331" extrusionOk="0">
+                <a:moveTo>
+                  <a:pt x="0" y="0"/>
+                </a:moveTo>
+                <a:cubicBezTo>
+                  <a:pt x="140532" y="-8925"/>
+                  <a:pt x="484232" y="6002"/>
+                  <a:pt x="655081" y="0"/>
+                </a:cubicBezTo>
+                <a:cubicBezTo>
+                  <a:pt x="825930" y="-6002"/>
+                  <a:pt x="995695" y="25905"/>
+                  <a:pt x="1269641" y="0"/>
+                </a:cubicBezTo>
+                <a:cubicBezTo>
+                  <a:pt x="1543587" y="-25905"/>
+                  <a:pt x="1817510" y="-22367"/>
+                  <a:pt x="2026023" y="0"/>
+                </a:cubicBezTo>
+                <a:cubicBezTo>
+                  <a:pt x="2032988" y="174446"/>
+                  <a:pt x="2013066" y="454538"/>
+                  <a:pt x="2026023" y="646331"/>
+                </a:cubicBezTo>
+                <a:cubicBezTo>
+                  <a:pt x="1874145" y="619945"/>
+                  <a:pt x="1518870" y="652903"/>
+                  <a:pt x="1391202" y="646331"/>
+                </a:cubicBezTo>
+                <a:cubicBezTo>
+                  <a:pt x="1263534" y="639759"/>
+                  <a:pt x="847448" y="645103"/>
+                  <a:pt x="675341" y="646331"/>
+                </a:cubicBezTo>
+                <a:cubicBezTo>
+                  <a:pt x="503234" y="647559"/>
+                  <a:pt x="135843" y="639285"/>
+                  <a:pt x="0" y="646331"/>
+                </a:cubicBezTo>
+                <a:cubicBezTo>
+                  <a:pt x="-31026" y="499526"/>
+                  <a:pt x="22584" y="204044"/>
+                  <a:pt x="0" y="0"/>
+                </a:cubicBezTo>
+                <a:close/>
+              </a:path>
+            </a:pathLst>
+          </a:custGeom>
+          <a:noFill/>
+          <a:ln w="38100">
+            <a:solidFill>
+              <a:schemeClr val="accent2"/>
+            </a:solidFill>
+            <a:prstDash val="lgDash"/>
+            <a:extLst>
+              <a:ext uri="{C807C97D-BFC1-408E-A445-0C87EB9F89A2}">
+                <ask:lineSketchStyleProps xmlns:ask="http://schemas.microsoft.com/office/drawing/2018/sketchyshapes" sd="1219033472">
+                  <a:prstGeom prst="rect">
+                    <a:avLst/>
+                  </a:prstGeom>
+                  <ask:type>
+                    <ask:lineSketchFreehand/>
+                  </ask:type>
+                </ask:lineSketchStyleProps>
+              </a:ext>
+            </a:extLst>
+          </a:ln>
+        </p:spPr>
+        <p:txBody>
+          <a:bodyPr wrap="square" rtlCol="0">
+            <a:spAutoFit/>
+          </a:bodyPr>
+          <a:lstStyle/>
+          <a:p>
+            <a:r>
+              <a:rPr lang="it-IT" dirty="0" err="1"/>
+              <a:t>Percentage</a:t>
+            </a:r>
+            <a:r>
+              <a:rPr lang="it-IT" dirty="0"/>
+              <a:t> of </a:t>
+            </a:r>
+            <a:r>
+              <a:rPr lang="it-IT" dirty="0" err="1"/>
+              <a:t>battery</a:t>
+            </a:r>
+            <a:r>
+              <a:rPr lang="it-IT" dirty="0"/>
+              <a:t> </a:t>
+            </a:r>
+          </a:p>
+        </p:txBody>
+      </p:sp>
+      <p:sp>
+        <p:nvSpPr>
+          <p:cNvPr id="11" name="TextBox 10">
+            <a:extLst>
+              <a:ext uri="{FF2B5EF4-FFF2-40B4-BE49-F238E27FC236}">
+                <a16:creationId xmlns:a16="http://schemas.microsoft.com/office/drawing/2014/main" id="{DFCFF9A6-2DEB-4155-B2B7-BA24EF46005D}"/>
+              </a:ext>
+            </a:extLst>
+          </p:cNvPr>
+          <p:cNvSpPr txBox="1"/>
+          <p:nvPr/>
+        </p:nvSpPr>
+        <p:spPr>
+          <a:xfrm>
+            <a:off x="7234515" y="4596218"/>
+            <a:ext cx="2026023" cy="923330"/>
+          </a:xfrm>
+          <a:custGeom>
+            <a:avLst/>
+            <a:gdLst>
+              <a:gd name="connsiteX0" fmla="*/ 0 w 2026023"/>
+              <a:gd name="connsiteY0" fmla="*/ 0 h 923330"/>
+              <a:gd name="connsiteX1" fmla="*/ 655081 w 2026023"/>
+              <a:gd name="connsiteY1" fmla="*/ 0 h 923330"/>
+              <a:gd name="connsiteX2" fmla="*/ 1269641 w 2026023"/>
+              <a:gd name="connsiteY2" fmla="*/ 0 h 923330"/>
+              <a:gd name="connsiteX3" fmla="*/ 2026023 w 2026023"/>
+              <a:gd name="connsiteY3" fmla="*/ 0 h 923330"/>
+              <a:gd name="connsiteX4" fmla="*/ 2026023 w 2026023"/>
+              <a:gd name="connsiteY4" fmla="*/ 452432 h 923330"/>
+              <a:gd name="connsiteX5" fmla="*/ 2026023 w 2026023"/>
+              <a:gd name="connsiteY5" fmla="*/ 923330 h 923330"/>
+              <a:gd name="connsiteX6" fmla="*/ 1391202 w 2026023"/>
+              <a:gd name="connsiteY6" fmla="*/ 923330 h 923330"/>
+              <a:gd name="connsiteX7" fmla="*/ 756382 w 2026023"/>
+              <a:gd name="connsiteY7" fmla="*/ 923330 h 923330"/>
+              <a:gd name="connsiteX8" fmla="*/ 0 w 2026023"/>
+              <a:gd name="connsiteY8" fmla="*/ 923330 h 923330"/>
+              <a:gd name="connsiteX9" fmla="*/ 0 w 2026023"/>
+              <a:gd name="connsiteY9" fmla="*/ 489365 h 923330"/>
+              <a:gd name="connsiteX10" fmla="*/ 0 w 2026023"/>
+              <a:gd name="connsiteY10" fmla="*/ 0 h 923330"/>
+            </a:gdLst>
+            <a:ahLst/>
+            <a:cxnLst>
+              <a:cxn ang="0">
+                <a:pos x="connsiteX0" y="connsiteY0"/>
+              </a:cxn>
+              <a:cxn ang="0">
+                <a:pos x="connsiteX1" y="connsiteY1"/>
+              </a:cxn>
+              <a:cxn ang="0">
+                <a:pos x="connsiteX2" y="connsiteY2"/>
+              </a:cxn>
+              <a:cxn ang="0">
+                <a:pos x="connsiteX3" y="connsiteY3"/>
+              </a:cxn>
+              <a:cxn ang="0">
+                <a:pos x="connsiteX4" y="connsiteY4"/>
+              </a:cxn>
+              <a:cxn ang="0">
+                <a:pos x="connsiteX5" y="connsiteY5"/>
+              </a:cxn>
+              <a:cxn ang="0">
+                <a:pos x="connsiteX6" y="connsiteY6"/>
+              </a:cxn>
+              <a:cxn ang="0">
+                <a:pos x="connsiteX7" y="connsiteY7"/>
+              </a:cxn>
+              <a:cxn ang="0">
+                <a:pos x="connsiteX8" y="connsiteY8"/>
+              </a:cxn>
+              <a:cxn ang="0">
+                <a:pos x="connsiteX9" y="connsiteY9"/>
+              </a:cxn>
+              <a:cxn ang="0">
+                <a:pos x="connsiteX10" y="connsiteY10"/>
+              </a:cxn>
+            </a:cxnLst>
+            <a:rect l="l" t="t" r="r" b="b"/>
+            <a:pathLst>
+              <a:path w="2026023" h="923330" extrusionOk="0">
+                <a:moveTo>
+                  <a:pt x="0" y="0"/>
+                </a:moveTo>
+                <a:cubicBezTo>
+                  <a:pt x="140532" y="-8925"/>
+                  <a:pt x="484232" y="6002"/>
+                  <a:pt x="655081" y="0"/>
+                </a:cubicBezTo>
+                <a:cubicBezTo>
+                  <a:pt x="825930" y="-6002"/>
+                  <a:pt x="995695" y="25905"/>
+                  <a:pt x="1269641" y="0"/>
+                </a:cubicBezTo>
+                <a:cubicBezTo>
+                  <a:pt x="1543587" y="-25905"/>
+                  <a:pt x="1817510" y="-22367"/>
+                  <a:pt x="2026023" y="0"/>
+                </a:cubicBezTo>
+                <a:cubicBezTo>
+                  <a:pt x="2036227" y="150931"/>
+                  <a:pt x="2036365" y="351520"/>
+                  <a:pt x="2026023" y="452432"/>
+                </a:cubicBezTo>
+                <a:cubicBezTo>
+                  <a:pt x="2015681" y="553344"/>
+                  <a:pt x="2046228" y="767503"/>
+                  <a:pt x="2026023" y="923330"/>
+                </a:cubicBezTo>
+                <a:cubicBezTo>
+                  <a:pt x="1824029" y="923601"/>
+                  <a:pt x="1529174" y="954505"/>
+                  <a:pt x="1391202" y="923330"/>
+                </a:cubicBezTo>
+                <a:cubicBezTo>
+                  <a:pt x="1253230" y="892155"/>
+                  <a:pt x="932726" y="918800"/>
+                  <a:pt x="756382" y="923330"/>
+                </a:cubicBezTo>
+                <a:cubicBezTo>
+                  <a:pt x="580038" y="927860"/>
+                  <a:pt x="309775" y="938791"/>
+                  <a:pt x="0" y="923330"/>
+                </a:cubicBezTo>
+                <a:cubicBezTo>
+                  <a:pt x="-15011" y="782008"/>
+                  <a:pt x="5375" y="606538"/>
+                  <a:pt x="0" y="489365"/>
+                </a:cubicBezTo>
+                <a:cubicBezTo>
+                  <a:pt x="-5375" y="372192"/>
+                  <a:pt x="5879" y="136234"/>
+                  <a:pt x="0" y="0"/>
+                </a:cubicBezTo>
+                <a:close/>
+              </a:path>
+            </a:pathLst>
+          </a:custGeom>
+          <a:noFill/>
+          <a:ln w="38100">
+            <a:solidFill>
+              <a:schemeClr val="accent2"/>
+            </a:solidFill>
+            <a:prstDash val="lgDash"/>
+            <a:extLst>
+              <a:ext uri="{C807C97D-BFC1-408E-A445-0C87EB9F89A2}">
+                <ask:lineSketchStyleProps xmlns:ask="http://schemas.microsoft.com/office/drawing/2018/sketchyshapes" sd="1219033472">
+                  <a:prstGeom prst="rect">
+                    <a:avLst/>
+                  </a:prstGeom>
+                  <ask:type>
+                    <ask:lineSketchFreehand/>
+                  </ask:type>
+                </ask:lineSketchStyleProps>
+              </a:ext>
+            </a:extLst>
+          </a:ln>
+        </p:spPr>
+        <p:txBody>
+          <a:bodyPr wrap="square" rtlCol="0">
+            <a:spAutoFit/>
+          </a:bodyPr>
+          <a:lstStyle/>
+          <a:p>
+            <a:r>
+              <a:rPr lang="it-IT" dirty="0"/>
+              <a:t>Km </a:t>
+            </a:r>
+            <a:r>
+              <a:rPr lang="it-IT" dirty="0" err="1"/>
+              <a:t>necessary</a:t>
+            </a:r>
+            <a:r>
+              <a:rPr lang="it-IT" dirty="0"/>
+              <a:t> more </a:t>
+            </a:r>
+            <a:r>
+              <a:rPr lang="it-IT" dirty="0" err="1"/>
+              <a:t>than</a:t>
+            </a:r>
+            <a:r>
+              <a:rPr lang="it-IT" dirty="0"/>
+              <a:t> </a:t>
+            </a:r>
+            <a:r>
+              <a:rPr lang="it-IT" dirty="0" err="1"/>
+              <a:t>autonomy</a:t>
+            </a:r>
+            <a:r>
+              <a:rPr lang="it-IT" dirty="0"/>
+              <a:t> </a:t>
+            </a:r>
+          </a:p>
+        </p:txBody>
+      </p:sp>
     </p:spTree>
     <p:extLst>
       <p:ext uri="{BB962C8B-B14F-4D97-AF65-F5344CB8AC3E}">
@@ -6428,7 +7899,12 @@
             <p:ph type="title"/>
           </p:nvPr>
         </p:nvSpPr>
-        <p:spPr/>
+        <p:spPr>
+          <a:xfrm>
+            <a:off x="677334" y="322730"/>
+            <a:ext cx="8596668" cy="770964"/>
+          </a:xfrm>
+        </p:spPr>
         <p:txBody>
           <a:bodyPr/>
           <a:lstStyle/>
@@ -6442,10 +7918,850 @@
               <a:rPr lang="it-IT" dirty="0"/>
               <a:t>-red</a:t>
             </a:r>
-            <a:br>
+          </a:p>
+        </p:txBody>
+      </p:sp>
+      <p:pic>
+        <p:nvPicPr>
+          <p:cNvPr id="4" name="Picture 3">
+            <a:extLst>
+              <a:ext uri="{FF2B5EF4-FFF2-40B4-BE49-F238E27FC236}">
+                <a16:creationId xmlns:a16="http://schemas.microsoft.com/office/drawing/2014/main" id="{3B0C8E16-D96E-47E3-87F6-B19D633EB2DE}"/>
+              </a:ext>
+            </a:extLst>
+          </p:cNvPr>
+          <p:cNvPicPr>
+            <a:picLocks noChangeAspect="1"/>
+          </p:cNvPicPr>
+          <p:nvPr/>
+        </p:nvPicPr>
+        <p:blipFill>
+          <a:blip r:embed="rId2"/>
+          <a:stretch>
+            <a:fillRect/>
+          </a:stretch>
+        </p:blipFill>
+        <p:spPr>
+          <a:xfrm>
+            <a:off x="4799234" y="1267541"/>
+            <a:ext cx="5677392" cy="1615580"/>
+          </a:xfrm>
+          <a:prstGeom prst="rect">
+            <a:avLst/>
+          </a:prstGeom>
+          <a:solidFill>
+            <a:srgbClr val="FFFFFF">
+              <a:shade val="85000"/>
+            </a:srgbClr>
+          </a:solidFill>
+          <a:ln w="88900" cap="sq">
+            <a:solidFill>
+              <a:srgbClr val="FFFFFF"/>
+            </a:solidFill>
+            <a:miter lim="800000"/>
+          </a:ln>
+          <a:effectLst>
+            <a:outerShdw blurRad="55000" dist="18000" dir="5400000" algn="tl" rotWithShape="0">
+              <a:srgbClr val="000000">
+                <a:alpha val="40000"/>
+              </a:srgbClr>
+            </a:outerShdw>
+          </a:effectLst>
+          <a:scene3d>
+            <a:camera prst="orthographicFront"/>
+            <a:lightRig rig="twoPt" dir="t">
+              <a:rot lat="0" lon="0" rev="7200000"/>
+            </a:lightRig>
+          </a:scene3d>
+          <a:sp3d>
+            <a:bevelT w="25400" h="19050"/>
+            <a:contourClr>
+              <a:srgbClr val="FFFFFF"/>
+            </a:contourClr>
+          </a:sp3d>
+        </p:spPr>
+      </p:pic>
+      <p:sp>
+        <p:nvSpPr>
+          <p:cNvPr id="5" name="Content Placeholder 5">
+            <a:extLst>
+              <a:ext uri="{FF2B5EF4-FFF2-40B4-BE49-F238E27FC236}">
+                <a16:creationId xmlns:a16="http://schemas.microsoft.com/office/drawing/2014/main" id="{D3BC2B48-59BF-4B58-8431-06772D86AECB}"/>
+              </a:ext>
+            </a:extLst>
+          </p:cNvPr>
+          <p:cNvSpPr txBox="1">
+            <a:spLocks/>
+          </p:cNvSpPr>
+          <p:nvPr/>
+        </p:nvSpPr>
+        <p:spPr>
+          <a:xfrm>
+            <a:off x="152400" y="1032042"/>
+            <a:ext cx="3854766" cy="5706382"/>
+          </a:xfrm>
+          <a:prstGeom prst="rect">
+            <a:avLst/>
+          </a:prstGeom>
+        </p:spPr>
+        <p:txBody>
+          <a:bodyPr/>
+          <a:lstStyle>
+            <a:lvl1pPr marL="342900" indent="-342900" algn="l" defTabSz="457200" rtl="0" eaLnBrk="1" latinLnBrk="0" hangingPunct="1">
+              <a:spcBef>
+                <a:spcPts val="1000"/>
+              </a:spcBef>
+              <a:spcAft>
+                <a:spcPts val="0"/>
+              </a:spcAft>
+              <a:buClr>
+                <a:schemeClr val="accent1"/>
+              </a:buClr>
+              <a:buSzPct val="80000"/>
+              <a:buFont typeface="Wingdings 3" charset="2"/>
+              <a:buChar char=""/>
+              <a:defRPr sz="1800" kern="1200">
+                <a:solidFill>
+                  <a:schemeClr val="tx1">
+                    <a:lumMod val="75000"/>
+                    <a:lumOff val="25000"/>
+                  </a:schemeClr>
+                </a:solidFill>
+                <a:latin typeface="+mn-lt"/>
+                <a:ea typeface="+mn-ea"/>
+                <a:cs typeface="+mn-cs"/>
+              </a:defRPr>
+            </a:lvl1pPr>
+            <a:lvl2pPr marL="742950" indent="-285750" algn="l" defTabSz="457200" rtl="0" eaLnBrk="1" latinLnBrk="0" hangingPunct="1">
+              <a:spcBef>
+                <a:spcPts val="1000"/>
+              </a:spcBef>
+              <a:spcAft>
+                <a:spcPts val="0"/>
+              </a:spcAft>
+              <a:buClr>
+                <a:schemeClr val="accent1"/>
+              </a:buClr>
+              <a:buSzPct val="80000"/>
+              <a:buFont typeface="Wingdings 3" charset="2"/>
+              <a:buChar char=""/>
+              <a:defRPr sz="1600" kern="1200">
+                <a:solidFill>
+                  <a:schemeClr val="tx1">
+                    <a:lumMod val="75000"/>
+                    <a:lumOff val="25000"/>
+                  </a:schemeClr>
+                </a:solidFill>
+                <a:latin typeface="+mn-lt"/>
+                <a:ea typeface="+mn-ea"/>
+                <a:cs typeface="+mn-cs"/>
+              </a:defRPr>
+            </a:lvl2pPr>
+            <a:lvl3pPr marL="1143000" indent="-228600" algn="l" defTabSz="457200" rtl="0" eaLnBrk="1" latinLnBrk="0" hangingPunct="1">
+              <a:spcBef>
+                <a:spcPts val="1000"/>
+              </a:spcBef>
+              <a:spcAft>
+                <a:spcPts val="0"/>
+              </a:spcAft>
+              <a:buClr>
+                <a:schemeClr val="accent1"/>
+              </a:buClr>
+              <a:buSzPct val="80000"/>
+              <a:buFont typeface="Wingdings 3" charset="2"/>
+              <a:buChar char=""/>
+              <a:defRPr sz="1400" kern="1200">
+                <a:solidFill>
+                  <a:schemeClr val="tx1">
+                    <a:lumMod val="75000"/>
+                    <a:lumOff val="25000"/>
+                  </a:schemeClr>
+                </a:solidFill>
+                <a:latin typeface="+mn-lt"/>
+                <a:ea typeface="+mn-ea"/>
+                <a:cs typeface="+mn-cs"/>
+              </a:defRPr>
+            </a:lvl3pPr>
+            <a:lvl4pPr marL="1600200" indent="-228600" algn="l" defTabSz="457200" rtl="0" eaLnBrk="1" latinLnBrk="0" hangingPunct="1">
+              <a:spcBef>
+                <a:spcPts val="1000"/>
+              </a:spcBef>
+              <a:spcAft>
+                <a:spcPts val="0"/>
+              </a:spcAft>
+              <a:buClr>
+                <a:schemeClr val="accent1"/>
+              </a:buClr>
+              <a:buSzPct val="80000"/>
+              <a:buFont typeface="Wingdings 3" charset="2"/>
+              <a:buChar char=""/>
+              <a:defRPr sz="1200" kern="1200">
+                <a:solidFill>
+                  <a:schemeClr val="tx1">
+                    <a:lumMod val="75000"/>
+                    <a:lumOff val="25000"/>
+                  </a:schemeClr>
+                </a:solidFill>
+                <a:latin typeface="+mn-lt"/>
+                <a:ea typeface="+mn-ea"/>
+                <a:cs typeface="+mn-cs"/>
+              </a:defRPr>
+            </a:lvl4pPr>
+            <a:lvl5pPr marL="2057400" indent="-228600" algn="l" defTabSz="457200" rtl="0" eaLnBrk="1" latinLnBrk="0" hangingPunct="1">
+              <a:spcBef>
+                <a:spcPts val="1000"/>
+              </a:spcBef>
+              <a:spcAft>
+                <a:spcPts val="0"/>
+              </a:spcAft>
+              <a:buClr>
+                <a:schemeClr val="accent1"/>
+              </a:buClr>
+              <a:buSzPct val="80000"/>
+              <a:buFont typeface="Wingdings 3" charset="2"/>
+              <a:buChar char=""/>
+              <a:defRPr sz="1200" kern="1200">
+                <a:solidFill>
+                  <a:schemeClr val="tx1">
+                    <a:lumMod val="75000"/>
+                    <a:lumOff val="25000"/>
+                  </a:schemeClr>
+                </a:solidFill>
+                <a:latin typeface="+mn-lt"/>
+                <a:ea typeface="+mn-ea"/>
+                <a:cs typeface="+mn-cs"/>
+              </a:defRPr>
+            </a:lvl5pPr>
+            <a:lvl6pPr marL="2514600" indent="-228600" algn="l" defTabSz="457200" rtl="0" eaLnBrk="1" latinLnBrk="0" hangingPunct="1">
+              <a:spcBef>
+                <a:spcPts val="1000"/>
+              </a:spcBef>
+              <a:spcAft>
+                <a:spcPts val="0"/>
+              </a:spcAft>
+              <a:buClr>
+                <a:schemeClr val="accent1"/>
+              </a:buClr>
+              <a:buSzPct val="80000"/>
+              <a:buFont typeface="Wingdings 3" charset="2"/>
+              <a:buChar char=""/>
+              <a:defRPr sz="1200" kern="1200">
+                <a:solidFill>
+                  <a:schemeClr val="tx1">
+                    <a:lumMod val="75000"/>
+                    <a:lumOff val="25000"/>
+                  </a:schemeClr>
+                </a:solidFill>
+                <a:latin typeface="+mn-lt"/>
+                <a:ea typeface="+mn-ea"/>
+                <a:cs typeface="+mn-cs"/>
+              </a:defRPr>
+            </a:lvl6pPr>
+            <a:lvl7pPr marL="2971800" indent="-228600" algn="l" defTabSz="457200" rtl="0" eaLnBrk="1" latinLnBrk="0" hangingPunct="1">
+              <a:spcBef>
+                <a:spcPts val="1000"/>
+              </a:spcBef>
+              <a:spcAft>
+                <a:spcPts val="0"/>
+              </a:spcAft>
+              <a:buClr>
+                <a:schemeClr val="accent1"/>
+              </a:buClr>
+              <a:buSzPct val="80000"/>
+              <a:buFont typeface="Wingdings 3" charset="2"/>
+              <a:buChar char=""/>
+              <a:defRPr sz="1200" kern="1200">
+                <a:solidFill>
+                  <a:schemeClr val="tx1">
+                    <a:lumMod val="75000"/>
+                    <a:lumOff val="25000"/>
+                  </a:schemeClr>
+                </a:solidFill>
+                <a:latin typeface="+mn-lt"/>
+                <a:ea typeface="+mn-ea"/>
+                <a:cs typeface="+mn-cs"/>
+              </a:defRPr>
+            </a:lvl7pPr>
+            <a:lvl8pPr marL="3429000" indent="-228600" algn="l" defTabSz="457200" rtl="0" eaLnBrk="1" latinLnBrk="0" hangingPunct="1">
+              <a:spcBef>
+                <a:spcPts val="1000"/>
+              </a:spcBef>
+              <a:spcAft>
+                <a:spcPts val="0"/>
+              </a:spcAft>
+              <a:buClr>
+                <a:schemeClr val="accent1"/>
+              </a:buClr>
+              <a:buSzPct val="80000"/>
+              <a:buFont typeface="Wingdings 3" charset="2"/>
+              <a:buChar char=""/>
+              <a:defRPr sz="1200" kern="1200">
+                <a:solidFill>
+                  <a:schemeClr val="tx1">
+                    <a:lumMod val="75000"/>
+                    <a:lumOff val="25000"/>
+                  </a:schemeClr>
+                </a:solidFill>
+                <a:latin typeface="+mn-lt"/>
+                <a:ea typeface="+mn-ea"/>
+                <a:cs typeface="+mn-cs"/>
+              </a:defRPr>
+            </a:lvl8pPr>
+            <a:lvl9pPr marL="3886200" indent="-228600" algn="l" defTabSz="457200" rtl="0" eaLnBrk="1" latinLnBrk="0" hangingPunct="1">
+              <a:spcBef>
+                <a:spcPts val="1000"/>
+              </a:spcBef>
+              <a:spcAft>
+                <a:spcPts val="0"/>
+              </a:spcAft>
+              <a:buClr>
+                <a:schemeClr val="accent1"/>
+              </a:buClr>
+              <a:buSzPct val="80000"/>
+              <a:buFont typeface="Wingdings 3" charset="2"/>
+              <a:buChar char=""/>
+              <a:defRPr sz="1200" kern="1200">
+                <a:solidFill>
+                  <a:schemeClr val="tx1">
+                    <a:lumMod val="75000"/>
+                    <a:lumOff val="25000"/>
+                  </a:schemeClr>
+                </a:solidFill>
+                <a:latin typeface="+mn-lt"/>
+                <a:ea typeface="+mn-ea"/>
+                <a:cs typeface="+mn-cs"/>
+              </a:defRPr>
+            </a:lvl9pPr>
+          </a:lstStyle>
+          <a:p>
+            <a:pPr marL="0" indent="0">
+              <a:buNone/>
+            </a:pPr>
+            <a:r>
+              <a:rPr lang="it-IT" sz="1600" b="1" dirty="0" err="1">
+                <a:solidFill>
+                  <a:schemeClr val="tx1"/>
+                </a:solidFill>
+              </a:rPr>
+              <a:t>Communication</a:t>
+            </a:r>
+            <a:r>
+              <a:rPr lang="it-IT" sz="1600" b="1" dirty="0">
+                <a:solidFill>
+                  <a:schemeClr val="tx1"/>
+                </a:solidFill>
+              </a:rPr>
+              <a:t> via MQTT with:</a:t>
+            </a:r>
+          </a:p>
+          <a:p>
+            <a:pPr algn="just"/>
+            <a:r>
+              <a:rPr lang="it-IT" sz="1600" b="1" dirty="0" err="1">
+                <a:solidFill>
+                  <a:schemeClr val="tx1"/>
+                </a:solidFill>
+              </a:rPr>
+              <a:t>Sensors</a:t>
+            </a:r>
+            <a:r>
+              <a:rPr lang="it-IT" sz="1600" b="1" dirty="0">
+                <a:solidFill>
+                  <a:schemeClr val="tx1"/>
+                </a:solidFill>
+              </a:rPr>
+              <a:t>: </a:t>
+            </a:r>
+            <a:r>
+              <a:rPr lang="it-IT" sz="1600" dirty="0">
+                <a:solidFill>
+                  <a:schemeClr val="tx1"/>
+                </a:solidFill>
+              </a:rPr>
+              <a:t>to </a:t>
+            </a:r>
+            <a:r>
+              <a:rPr lang="it-IT" sz="1600" dirty="0" err="1">
+                <a:solidFill>
+                  <a:schemeClr val="tx1"/>
+                </a:solidFill>
+              </a:rPr>
+              <a:t>retrieve</a:t>
+            </a:r>
+            <a:r>
+              <a:rPr lang="it-IT" sz="1600" dirty="0">
+                <a:solidFill>
+                  <a:schemeClr val="tx1"/>
+                </a:solidFill>
+              </a:rPr>
+              <a:t> the information </a:t>
+            </a:r>
+            <a:r>
+              <a:rPr lang="it-IT" sz="1600" dirty="0" err="1">
+                <a:solidFill>
+                  <a:schemeClr val="tx1"/>
+                </a:solidFill>
+              </a:rPr>
+              <a:t>that</a:t>
+            </a:r>
+            <a:r>
+              <a:rPr lang="it-IT" sz="1600" dirty="0">
+                <a:solidFill>
+                  <a:schemeClr val="tx1"/>
+                </a:solidFill>
+              </a:rPr>
+              <a:t> </a:t>
+            </a:r>
+            <a:r>
+              <a:rPr lang="it-IT" sz="1600" dirty="0" err="1">
+                <a:solidFill>
+                  <a:schemeClr val="tx1"/>
+                </a:solidFill>
+              </a:rPr>
+              <a:t>they</a:t>
+            </a:r>
+            <a:r>
+              <a:rPr lang="it-IT" sz="1600" dirty="0">
+                <a:solidFill>
+                  <a:schemeClr val="tx1"/>
+                </a:solidFill>
+              </a:rPr>
+              <a:t> </a:t>
+            </a:r>
+            <a:r>
+              <a:rPr lang="it-IT" sz="1600" dirty="0" err="1">
+                <a:solidFill>
+                  <a:schemeClr val="tx1"/>
+                </a:solidFill>
+              </a:rPr>
+              <a:t>detect</a:t>
+            </a:r>
+            <a:r>
+              <a:rPr lang="it-IT" sz="1600" dirty="0">
+                <a:solidFill>
+                  <a:schemeClr val="tx1"/>
+                </a:solidFill>
+              </a:rPr>
+              <a:t>.</a:t>
+            </a:r>
+          </a:p>
+          <a:p>
+            <a:pPr algn="just"/>
+            <a:r>
+              <a:rPr lang="it-IT" sz="1600" b="1" dirty="0" err="1">
+                <a:solidFill>
+                  <a:schemeClr val="tx1"/>
+                </a:solidFill>
+              </a:rPr>
+              <a:t>Actuator</a:t>
+            </a:r>
+            <a:r>
+              <a:rPr lang="it-IT" sz="1600" b="1" dirty="0">
+                <a:solidFill>
+                  <a:schemeClr val="tx1"/>
+                </a:solidFill>
+              </a:rPr>
+              <a:t> Control Strategy: </a:t>
+            </a:r>
+            <a:r>
+              <a:rPr lang="it-IT" sz="1600" dirty="0">
+                <a:solidFill>
+                  <a:schemeClr val="tx1"/>
+                </a:solidFill>
+              </a:rPr>
+              <a:t>to </a:t>
+            </a:r>
+            <a:r>
+              <a:rPr lang="it-IT" sz="1600" dirty="0" err="1">
+                <a:solidFill>
+                  <a:schemeClr val="tx1"/>
+                </a:solidFill>
+              </a:rPr>
+              <a:t>send</a:t>
+            </a:r>
+            <a:r>
+              <a:rPr lang="it-IT" sz="1600" dirty="0">
+                <a:solidFill>
+                  <a:schemeClr val="tx1"/>
+                </a:solidFill>
+              </a:rPr>
+              <a:t> information </a:t>
+            </a:r>
+            <a:r>
+              <a:rPr lang="it-IT" sz="1600" dirty="0" err="1">
+                <a:solidFill>
+                  <a:schemeClr val="tx1"/>
+                </a:solidFill>
+              </a:rPr>
+              <a:t>about</a:t>
+            </a:r>
+            <a:r>
+              <a:rPr lang="it-IT" sz="1600" dirty="0">
+                <a:solidFill>
+                  <a:schemeClr val="tx1"/>
+                </a:solidFill>
+              </a:rPr>
+              <a:t> </a:t>
+            </a:r>
+            <a:r>
+              <a:rPr lang="it-IT" sz="1600" dirty="0" err="1">
+                <a:solidFill>
+                  <a:schemeClr val="tx1"/>
+                </a:solidFill>
+              </a:rPr>
+              <a:t>value</a:t>
+            </a:r>
+            <a:r>
+              <a:rPr lang="it-IT" sz="1600" dirty="0">
+                <a:solidFill>
+                  <a:schemeClr val="tx1"/>
+                </a:solidFill>
+              </a:rPr>
+              <a:t> of the flag </a:t>
+            </a:r>
+            <a:r>
+              <a:rPr lang="it-IT" sz="1600" dirty="0" err="1">
+                <a:solidFill>
+                  <a:schemeClr val="tx1"/>
+                </a:solidFill>
+              </a:rPr>
+              <a:t>about</a:t>
+            </a:r>
+            <a:r>
+              <a:rPr lang="it-IT" sz="1600" dirty="0">
+                <a:solidFill>
+                  <a:schemeClr val="tx1"/>
+                </a:solidFill>
+              </a:rPr>
+              <a:t> the </a:t>
+            </a:r>
+            <a:r>
+              <a:rPr lang="it-IT" sz="1600" dirty="0" err="1">
+                <a:solidFill>
+                  <a:schemeClr val="tx1"/>
+                </a:solidFill>
+              </a:rPr>
+              <a:t>manual</a:t>
+            </a:r>
+            <a:r>
+              <a:rPr lang="it-IT" sz="1600" dirty="0">
+                <a:solidFill>
+                  <a:schemeClr val="tx1"/>
+                </a:solidFill>
+              </a:rPr>
+              <a:t> </a:t>
+            </a:r>
+            <a:r>
+              <a:rPr lang="it-IT" sz="1600" dirty="0" err="1">
+                <a:solidFill>
+                  <a:schemeClr val="tx1"/>
+                </a:solidFill>
+              </a:rPr>
+              <a:t>actuation</a:t>
+            </a:r>
+            <a:r>
+              <a:rPr lang="it-IT" sz="1600" dirty="0">
+                <a:solidFill>
+                  <a:schemeClr val="tx1"/>
+                </a:solidFill>
+              </a:rPr>
+              <a:t>.  </a:t>
+            </a:r>
+          </a:p>
+          <a:p>
+            <a:pPr marL="0" indent="0" algn="just">
+              <a:buNone/>
+            </a:pPr>
+            <a:endParaRPr lang="it-IT" sz="1600" b="1" dirty="0">
+              <a:solidFill>
+                <a:schemeClr val="tx1"/>
+              </a:solidFill>
+            </a:endParaRPr>
+          </a:p>
+          <a:p>
+            <a:pPr marL="0" indent="0" algn="just">
+              <a:buNone/>
+            </a:pPr>
+            <a:r>
+              <a:rPr lang="it-IT" sz="1600" b="1" dirty="0" err="1">
+                <a:solidFill>
+                  <a:schemeClr val="tx1"/>
+                </a:solidFill>
+              </a:rPr>
+              <a:t>Main</a:t>
+            </a:r>
+            <a:r>
+              <a:rPr lang="it-IT" sz="1600" b="1" dirty="0">
+                <a:solidFill>
+                  <a:schemeClr val="tx1"/>
+                </a:solidFill>
+              </a:rPr>
+              <a:t> </a:t>
+            </a:r>
+            <a:r>
+              <a:rPr lang="it-IT" sz="1600" b="1" dirty="0" err="1">
+                <a:solidFill>
+                  <a:schemeClr val="tx1"/>
+                </a:solidFill>
+              </a:rPr>
+              <a:t>Role</a:t>
+            </a:r>
+            <a:r>
+              <a:rPr lang="it-IT" sz="1600" b="1" dirty="0">
+                <a:solidFill>
+                  <a:schemeClr val="tx1"/>
+                </a:solidFill>
+              </a:rPr>
+              <a:t>:</a:t>
+            </a:r>
+          </a:p>
+          <a:p>
+            <a:pPr marL="0" indent="0">
+              <a:buNone/>
+            </a:pPr>
+            <a:r>
+              <a:rPr lang="it-IT" sz="1600" dirty="0" err="1">
+                <a:solidFill>
+                  <a:schemeClr val="tx1"/>
+                </a:solidFill>
+              </a:rPr>
+              <a:t>Visualize</a:t>
+            </a:r>
+            <a:r>
+              <a:rPr lang="it-IT" sz="1600" dirty="0">
+                <a:solidFill>
+                  <a:schemeClr val="tx1"/>
+                </a:solidFill>
+              </a:rPr>
+              <a:t> data come from </a:t>
+            </a:r>
+            <a:r>
+              <a:rPr lang="it-IT" sz="1600" dirty="0" err="1">
+                <a:solidFill>
+                  <a:schemeClr val="tx1"/>
+                </a:solidFill>
+              </a:rPr>
+              <a:t>sensors</a:t>
+            </a:r>
+            <a:r>
+              <a:rPr lang="it-IT" sz="1600" dirty="0">
+                <a:solidFill>
+                  <a:schemeClr val="tx1"/>
+                </a:solidFill>
+              </a:rPr>
+              <a:t> and </a:t>
+            </a:r>
+            <a:r>
+              <a:rPr lang="it-IT" sz="1600" dirty="0" err="1">
+                <a:solidFill>
+                  <a:schemeClr val="tx1"/>
+                </a:solidFill>
+              </a:rPr>
+              <a:t>allow</a:t>
+            </a:r>
+            <a:r>
+              <a:rPr lang="it-IT" sz="1600" dirty="0">
+                <a:solidFill>
+                  <a:schemeClr val="tx1"/>
+                </a:solidFill>
+              </a:rPr>
+              <a:t> the user to set the </a:t>
+            </a:r>
+            <a:r>
+              <a:rPr lang="it-IT" sz="1600" dirty="0" err="1">
+                <a:solidFill>
+                  <a:schemeClr val="tx1"/>
+                </a:solidFill>
+              </a:rPr>
+              <a:t>Charger</a:t>
+            </a:r>
+            <a:r>
+              <a:rPr lang="it-IT" sz="1600" dirty="0">
+                <a:solidFill>
+                  <a:schemeClr val="tx1"/>
+                </a:solidFill>
+              </a:rPr>
+              <a:t> On or Off </a:t>
+            </a:r>
+            <a:r>
+              <a:rPr lang="it-IT" sz="1600" dirty="0" err="1">
+                <a:solidFill>
+                  <a:schemeClr val="tx1"/>
+                </a:solidFill>
+              </a:rPr>
+              <a:t>manually</a:t>
+            </a:r>
+            <a:r>
+              <a:rPr lang="it-IT" sz="1600" dirty="0">
+                <a:solidFill>
+                  <a:schemeClr val="tx1"/>
+                </a:solidFill>
+              </a:rPr>
+              <a:t>, </a:t>
+            </a:r>
+            <a:r>
+              <a:rPr lang="it-IT" sz="1600" dirty="0" err="1">
+                <a:solidFill>
+                  <a:schemeClr val="tx1"/>
+                </a:solidFill>
+              </a:rPr>
+              <a:t>through</a:t>
+            </a:r>
+            <a:r>
+              <a:rPr lang="it-IT" sz="1600" dirty="0">
+                <a:solidFill>
+                  <a:schemeClr val="tx1"/>
+                </a:solidFill>
+              </a:rPr>
+              <a:t> 3 </a:t>
+            </a:r>
+            <a:r>
+              <a:rPr lang="it-IT" sz="1600" dirty="0" err="1">
+                <a:solidFill>
+                  <a:schemeClr val="tx1"/>
+                </a:solidFill>
+              </a:rPr>
+              <a:t>buttons</a:t>
+            </a:r>
+            <a:r>
+              <a:rPr lang="it-IT" sz="1600" dirty="0">
+                <a:solidFill>
+                  <a:schemeClr val="tx1"/>
+                </a:solidFill>
+              </a:rPr>
+              <a:t> </a:t>
+            </a:r>
+            <a:r>
+              <a:rPr lang="it-IT" sz="1600" dirty="0" err="1">
+                <a:solidFill>
+                  <a:schemeClr val="tx1"/>
+                </a:solidFill>
+              </a:rPr>
+              <a:t>that</a:t>
+            </a:r>
+            <a:r>
+              <a:rPr lang="it-IT" sz="1600" dirty="0">
+                <a:solidFill>
+                  <a:schemeClr val="tx1"/>
+                </a:solidFill>
+              </a:rPr>
+              <a:t> </a:t>
+            </a:r>
+            <a:r>
+              <a:rPr lang="it-IT" sz="1600" dirty="0" err="1">
+                <a:solidFill>
+                  <a:schemeClr val="tx1"/>
+                </a:solidFill>
+              </a:rPr>
+              <a:t>sends</a:t>
+            </a:r>
+            <a:r>
+              <a:rPr lang="it-IT" sz="1600" dirty="0">
+                <a:solidFill>
+                  <a:schemeClr val="tx1"/>
+                </a:solidFill>
+              </a:rPr>
+              <a:t> MQTT </a:t>
+            </a:r>
+            <a:r>
+              <a:rPr lang="it-IT" sz="1600" dirty="0" err="1">
+                <a:solidFill>
+                  <a:schemeClr val="tx1"/>
+                </a:solidFill>
+              </a:rPr>
+              <a:t>messages</a:t>
+            </a:r>
+            <a:r>
+              <a:rPr lang="it-IT" sz="1600" dirty="0">
+                <a:solidFill>
+                  <a:schemeClr val="tx1"/>
+                </a:solidFill>
+              </a:rPr>
+              <a:t> to the </a:t>
+            </a:r>
+            <a:r>
+              <a:rPr lang="it-IT" sz="1600" dirty="0" err="1">
+                <a:solidFill>
+                  <a:schemeClr val="tx1"/>
+                </a:solidFill>
+              </a:rPr>
+              <a:t>topic</a:t>
+            </a:r>
+            <a:r>
+              <a:rPr lang="it-IT" sz="1600" dirty="0">
+                <a:solidFill>
+                  <a:schemeClr val="tx1"/>
+                </a:solidFill>
+              </a:rPr>
+              <a:t> </a:t>
+            </a:r>
+            <a:r>
+              <a:rPr lang="it-IT" sz="1600" dirty="0" err="1">
+                <a:solidFill>
+                  <a:schemeClr val="tx1"/>
+                </a:solidFill>
+              </a:rPr>
+              <a:t>related</a:t>
+            </a:r>
+            <a:r>
+              <a:rPr lang="it-IT" sz="1600" dirty="0">
+                <a:solidFill>
+                  <a:schemeClr val="tx1"/>
+                </a:solidFill>
+              </a:rPr>
+              <a:t> to the </a:t>
+            </a:r>
+            <a:r>
+              <a:rPr lang="it-IT" sz="1600" dirty="0" err="1">
+                <a:solidFill>
+                  <a:schemeClr val="tx1"/>
+                </a:solidFill>
+              </a:rPr>
+              <a:t>manualFlag</a:t>
+            </a:r>
+            <a:r>
+              <a:rPr lang="it-IT" sz="1600" dirty="0">
+                <a:solidFill>
+                  <a:schemeClr val="tx1"/>
+                </a:solidFill>
+              </a:rPr>
+              <a:t>. </a:t>
+            </a:r>
+          </a:p>
+        </p:txBody>
+      </p:sp>
+      <p:sp>
+        <p:nvSpPr>
+          <p:cNvPr id="6" name="TextBox 5">
+            <a:extLst>
+              <a:ext uri="{FF2B5EF4-FFF2-40B4-BE49-F238E27FC236}">
+                <a16:creationId xmlns:a16="http://schemas.microsoft.com/office/drawing/2014/main" id="{3BAD15E6-D300-407C-B232-9CBBACFFDEA3}"/>
+              </a:ext>
+            </a:extLst>
+          </p:cNvPr>
+          <p:cNvSpPr txBox="1"/>
+          <p:nvPr/>
+        </p:nvSpPr>
+        <p:spPr>
+          <a:xfrm>
+            <a:off x="5414682" y="3729318"/>
+            <a:ext cx="2626659" cy="646331"/>
+          </a:xfrm>
+          <a:prstGeom prst="rect">
+            <a:avLst/>
+          </a:prstGeom>
+          <a:noFill/>
+        </p:spPr>
+        <p:txBody>
+          <a:bodyPr wrap="square" rtlCol="0">
+            <a:spAutoFit/>
+          </a:bodyPr>
+          <a:lstStyle/>
+          <a:p>
+            <a:r>
               <a:rPr lang="it-IT" dirty="0"/>
-            </a:br>
-            <a:endParaRPr lang="it-IT" dirty="0"/>
+              <a:t>Immagine Dashboard funzionante </a:t>
+            </a:r>
           </a:p>
         </p:txBody>
       </p:sp>
@@ -8379,7 +10695,7 @@
         </p:nvSpPr>
         <p:spPr>
           <a:xfrm>
-            <a:off x="867446" y="176865"/>
+            <a:off x="1205084" y="120319"/>
             <a:ext cx="7647904" cy="1320800"/>
           </a:xfrm>
         </p:spPr>
@@ -8498,1150 +10814,6 @@
                 </a:solidFill>
               </a:rPr>
               <a:t> to the Agenda information.</a:t>
-            </a:r>
-          </a:p>
-        </p:txBody>
-      </p:sp>
-      <p:sp>
-        <p:nvSpPr>
-          <p:cNvPr id="24" name="TextBox 23">
-            <a:extLst>
-              <a:ext uri="{FF2B5EF4-FFF2-40B4-BE49-F238E27FC236}">
-                <a16:creationId xmlns:a16="http://schemas.microsoft.com/office/drawing/2014/main" id="{08C9B5BA-BE39-E168-DE6C-C3163865BD58}"/>
-              </a:ext>
-            </a:extLst>
-          </p:cNvPr>
-          <p:cNvSpPr txBox="1"/>
-          <p:nvPr/>
-        </p:nvSpPr>
-        <p:spPr>
-          <a:xfrm>
-            <a:off x="3960446" y="1790488"/>
-            <a:ext cx="2218609" cy="307777"/>
-          </a:xfrm>
-          <a:prstGeom prst="rect">
-            <a:avLst/>
-          </a:prstGeom>
-          <a:noFill/>
-          <a:ln>
-            <a:solidFill>
-              <a:schemeClr val="bg2">
-                <a:lumMod val="25000"/>
-              </a:schemeClr>
-            </a:solidFill>
-          </a:ln>
-        </p:spPr>
-        <p:txBody>
-          <a:bodyPr wrap="square" rtlCol="0">
-            <a:spAutoFit/>
-          </a:bodyPr>
-          <a:lstStyle/>
-          <a:p>
-            <a:r>
-              <a:rPr lang="it-IT" sz="1400" dirty="0" err="1"/>
-              <a:t>Battery</a:t>
-            </a:r>
-            <a:r>
-              <a:rPr lang="it-IT" sz="1400" dirty="0"/>
-              <a:t> </a:t>
-            </a:r>
-            <a:r>
-              <a:rPr lang="it-IT" sz="1400" dirty="0" err="1"/>
-              <a:t>Capacity</a:t>
-            </a:r>
-            <a:r>
-              <a:rPr lang="it-IT" sz="1400" dirty="0"/>
-              <a:t> (KWh)</a:t>
-            </a:r>
-          </a:p>
-        </p:txBody>
-      </p:sp>
-      <p:sp>
-        <p:nvSpPr>
-          <p:cNvPr id="25" name="TextBox 24">
-            <a:extLst>
-              <a:ext uri="{FF2B5EF4-FFF2-40B4-BE49-F238E27FC236}">
-                <a16:creationId xmlns:a16="http://schemas.microsoft.com/office/drawing/2014/main" id="{BC748514-09BE-B4F4-20C0-C45746093E6C}"/>
-              </a:ext>
-            </a:extLst>
-          </p:cNvPr>
-          <p:cNvSpPr txBox="1"/>
-          <p:nvPr/>
-        </p:nvSpPr>
-        <p:spPr>
-          <a:xfrm>
-            <a:off x="6378963" y="1807088"/>
-            <a:ext cx="2757888" cy="307777"/>
-          </a:xfrm>
-          <a:prstGeom prst="rect">
-            <a:avLst/>
-          </a:prstGeom>
-          <a:noFill/>
-          <a:ln>
-            <a:solidFill>
-              <a:schemeClr val="tx1"/>
-            </a:solidFill>
-          </a:ln>
-        </p:spPr>
-        <p:txBody>
-          <a:bodyPr wrap="square" rtlCol="0">
-            <a:spAutoFit/>
-          </a:bodyPr>
-          <a:lstStyle/>
-          <a:p>
-            <a:r>
-              <a:rPr lang="it-IT" sz="1400" dirty="0" err="1"/>
-              <a:t>Battery</a:t>
-            </a:r>
-            <a:r>
-              <a:rPr lang="it-IT" sz="1400" dirty="0"/>
-              <a:t> </a:t>
-            </a:r>
-            <a:r>
-              <a:rPr lang="it-IT" sz="1400" dirty="0" err="1"/>
-              <a:t>Consumption</a:t>
-            </a:r>
-            <a:r>
-              <a:rPr lang="it-IT" sz="1400" dirty="0"/>
-              <a:t> (km/KWh)</a:t>
-            </a:r>
-          </a:p>
-        </p:txBody>
-      </p:sp>
-      <p:cxnSp>
-        <p:nvCxnSpPr>
-          <p:cNvPr id="26" name="Connector: Elbow 25">
-            <a:extLst>
-              <a:ext uri="{FF2B5EF4-FFF2-40B4-BE49-F238E27FC236}">
-                <a16:creationId xmlns:a16="http://schemas.microsoft.com/office/drawing/2014/main" id="{BF407E49-7D56-C64F-9C75-D1CE4A8F3475}"/>
-              </a:ext>
-            </a:extLst>
-          </p:cNvPr>
-          <p:cNvCxnSpPr>
-            <a:cxnSpLocks/>
-            <a:stCxn id="24" idx="2"/>
-            <a:endCxn id="27" idx="1"/>
-          </p:cNvCxnSpPr>
-          <p:nvPr/>
-        </p:nvCxnSpPr>
-        <p:spPr>
-          <a:xfrm rot="16200000" flipH="1">
-            <a:off x="4819096" y="2348920"/>
-            <a:ext cx="639531" cy="138220"/>
-          </a:xfrm>
-          <a:prstGeom prst="bentConnector2">
-            <a:avLst/>
-          </a:prstGeom>
-          <a:ln>
-            <a:solidFill>
-              <a:schemeClr val="tx1"/>
-            </a:solidFill>
-            <a:tailEnd type="triangle"/>
-          </a:ln>
-        </p:spPr>
-        <p:style>
-          <a:lnRef idx="1">
-            <a:schemeClr val="accent1"/>
-          </a:lnRef>
-          <a:fillRef idx="0">
-            <a:schemeClr val="accent1"/>
-          </a:fillRef>
-          <a:effectRef idx="0">
-            <a:schemeClr val="accent1"/>
-          </a:effectRef>
-          <a:fontRef idx="minor">
-            <a:schemeClr val="tx1"/>
-          </a:fontRef>
-        </p:style>
-      </p:cxnSp>
-      <p:sp>
-        <p:nvSpPr>
-          <p:cNvPr id="27" name="TextBox 26">
-            <a:extLst>
-              <a:ext uri="{FF2B5EF4-FFF2-40B4-BE49-F238E27FC236}">
-                <a16:creationId xmlns:a16="http://schemas.microsoft.com/office/drawing/2014/main" id="{A79587E1-AD6B-00BA-CB61-CA8C226A8455}"/>
-              </a:ext>
-            </a:extLst>
-          </p:cNvPr>
-          <p:cNvSpPr txBox="1"/>
-          <p:nvPr/>
-        </p:nvSpPr>
-        <p:spPr>
-          <a:xfrm>
-            <a:off x="5207971" y="2368464"/>
-            <a:ext cx="2341984" cy="738664"/>
-          </a:xfrm>
-          <a:prstGeom prst="rect">
-            <a:avLst/>
-          </a:prstGeom>
-          <a:noFill/>
-          <a:ln>
-            <a:solidFill>
-              <a:schemeClr val="tx1"/>
-            </a:solidFill>
-          </a:ln>
-        </p:spPr>
-        <p:txBody>
-          <a:bodyPr wrap="square" rtlCol="0">
-            <a:spAutoFit/>
-          </a:bodyPr>
-          <a:lstStyle/>
-          <a:p>
-            <a:r>
-              <a:rPr lang="it-IT" sz="1400" dirty="0" err="1"/>
-              <a:t>Autonomy</a:t>
-            </a:r>
-            <a:r>
-              <a:rPr lang="it-IT" sz="1400" dirty="0"/>
-              <a:t> of the </a:t>
-            </a:r>
-            <a:r>
-              <a:rPr lang="it-IT" sz="1400" dirty="0" err="1"/>
-              <a:t>electric</a:t>
-            </a:r>
-            <a:r>
-              <a:rPr lang="it-IT" sz="1400" dirty="0"/>
-              <a:t> </a:t>
-            </a:r>
-            <a:r>
-              <a:rPr lang="it-IT" sz="1400" dirty="0" err="1"/>
-              <a:t>vehicle</a:t>
-            </a:r>
-            <a:r>
-              <a:rPr lang="it-IT" sz="1400" dirty="0"/>
-              <a:t> with 100 % of </a:t>
-            </a:r>
-            <a:r>
-              <a:rPr lang="it-IT" sz="1400" dirty="0" err="1"/>
-              <a:t>battery</a:t>
-            </a:r>
-            <a:r>
-              <a:rPr lang="it-IT" sz="1400" dirty="0"/>
-              <a:t> (km)</a:t>
-            </a:r>
-          </a:p>
-        </p:txBody>
-      </p:sp>
-      <p:cxnSp>
-        <p:nvCxnSpPr>
-          <p:cNvPr id="28" name="Connector: Elbow 27">
-            <a:extLst>
-              <a:ext uri="{FF2B5EF4-FFF2-40B4-BE49-F238E27FC236}">
-                <a16:creationId xmlns:a16="http://schemas.microsoft.com/office/drawing/2014/main" id="{502A65FB-CE40-F8EC-F986-6C320C35518E}"/>
-              </a:ext>
-            </a:extLst>
-          </p:cNvPr>
-          <p:cNvCxnSpPr>
-            <a:cxnSpLocks/>
-            <a:stCxn id="25" idx="2"/>
-            <a:endCxn id="27" idx="3"/>
-          </p:cNvCxnSpPr>
-          <p:nvPr/>
-        </p:nvCxnSpPr>
-        <p:spPr>
-          <a:xfrm rot="5400000">
-            <a:off x="7342466" y="2322354"/>
-            <a:ext cx="622931" cy="207952"/>
-          </a:xfrm>
-          <a:prstGeom prst="bentConnector2">
-            <a:avLst/>
-          </a:prstGeom>
-          <a:ln>
-            <a:tailEnd type="triangle"/>
-          </a:ln>
-        </p:spPr>
-        <p:style>
-          <a:lnRef idx="1">
-            <a:schemeClr val="dk1"/>
-          </a:lnRef>
-          <a:fillRef idx="0">
-            <a:schemeClr val="dk1"/>
-          </a:fillRef>
-          <a:effectRef idx="0">
-            <a:schemeClr val="dk1"/>
-          </a:effectRef>
-          <a:fontRef idx="minor">
-            <a:schemeClr val="tx1"/>
-          </a:fontRef>
-        </p:style>
-      </p:cxnSp>
-      <p:sp>
-        <p:nvSpPr>
-          <p:cNvPr id="29" name="TextBox 28">
-            <a:extLst>
-              <a:ext uri="{FF2B5EF4-FFF2-40B4-BE49-F238E27FC236}">
-                <a16:creationId xmlns:a16="http://schemas.microsoft.com/office/drawing/2014/main" id="{45B7CFEE-EB59-AB5C-5B54-E7B7498E20E2}"/>
-              </a:ext>
-            </a:extLst>
-          </p:cNvPr>
-          <p:cNvSpPr txBox="1"/>
-          <p:nvPr/>
-        </p:nvSpPr>
-        <p:spPr>
-          <a:xfrm>
-            <a:off x="5218311" y="3422210"/>
-            <a:ext cx="2341984" cy="954107"/>
-          </a:xfrm>
-          <a:prstGeom prst="rect">
-            <a:avLst/>
-          </a:prstGeom>
-          <a:ln/>
-        </p:spPr>
-        <p:style>
-          <a:lnRef idx="2">
-            <a:schemeClr val="dk1"/>
-          </a:lnRef>
-          <a:fillRef idx="1">
-            <a:schemeClr val="lt1"/>
-          </a:fillRef>
-          <a:effectRef idx="0">
-            <a:schemeClr val="dk1"/>
-          </a:effectRef>
-          <a:fontRef idx="minor">
-            <a:schemeClr val="dk1"/>
-          </a:fontRef>
-        </p:style>
-        <p:txBody>
-          <a:bodyPr wrap="square" rtlCol="0">
-            <a:spAutoFit/>
-          </a:bodyPr>
-          <a:lstStyle/>
-          <a:p>
-            <a:r>
-              <a:rPr lang="it-IT" sz="1400" dirty="0">
-                <a:solidFill>
-                  <a:schemeClr val="tx1"/>
-                </a:solidFill>
-              </a:rPr>
-              <a:t>Km </a:t>
-            </a:r>
-            <a:r>
-              <a:rPr lang="it-IT" sz="1400" dirty="0" err="1">
-                <a:solidFill>
-                  <a:schemeClr val="tx1"/>
-                </a:solidFill>
-              </a:rPr>
-              <a:t>necessary</a:t>
-            </a:r>
-            <a:r>
-              <a:rPr lang="it-IT" sz="1400" dirty="0">
-                <a:solidFill>
-                  <a:schemeClr val="tx1"/>
-                </a:solidFill>
-              </a:rPr>
-              <a:t> to cover </a:t>
-            </a:r>
-            <a:r>
-              <a:rPr lang="it-IT" sz="1400" dirty="0" err="1">
-                <a:solidFill>
-                  <a:schemeClr val="tx1"/>
-                </a:solidFill>
-              </a:rPr>
-              <a:t>all</a:t>
-            </a:r>
-            <a:r>
-              <a:rPr lang="it-IT" sz="1400" dirty="0">
-                <a:solidFill>
-                  <a:schemeClr val="tx1"/>
-                </a:solidFill>
-              </a:rPr>
-              <a:t> the </a:t>
-            </a:r>
-            <a:r>
-              <a:rPr lang="it-IT" sz="1400" dirty="0" err="1">
-                <a:solidFill>
-                  <a:schemeClr val="tx1"/>
-                </a:solidFill>
-              </a:rPr>
-              <a:t>daily</a:t>
-            </a:r>
-            <a:r>
-              <a:rPr lang="it-IT" sz="1400" dirty="0">
-                <a:solidFill>
-                  <a:schemeClr val="tx1"/>
-                </a:solidFill>
-              </a:rPr>
-              <a:t> </a:t>
-            </a:r>
-            <a:r>
-              <a:rPr lang="it-IT" sz="1400" dirty="0" err="1">
-                <a:solidFill>
-                  <a:schemeClr val="tx1"/>
-                </a:solidFill>
-              </a:rPr>
-              <a:t>appointment</a:t>
-            </a:r>
-            <a:r>
-              <a:rPr lang="it-IT" sz="1400" dirty="0">
-                <a:solidFill>
-                  <a:schemeClr val="tx1"/>
-                </a:solidFill>
-              </a:rPr>
-              <a:t> &gt; max </a:t>
-            </a:r>
-            <a:r>
-              <a:rPr lang="it-IT" sz="1400" dirty="0" err="1">
-                <a:solidFill>
-                  <a:schemeClr val="tx1"/>
-                </a:solidFill>
-              </a:rPr>
-              <a:t>autonomy</a:t>
-            </a:r>
-            <a:r>
-              <a:rPr lang="it-IT" sz="1400" dirty="0">
-                <a:solidFill>
-                  <a:schemeClr val="tx1"/>
-                </a:solidFill>
-              </a:rPr>
-              <a:t> in km of the </a:t>
-            </a:r>
-            <a:r>
-              <a:rPr lang="it-IT" sz="1400" dirty="0" err="1">
-                <a:solidFill>
-                  <a:schemeClr val="tx1"/>
-                </a:solidFill>
-              </a:rPr>
-              <a:t>user’s</a:t>
-            </a:r>
-            <a:r>
-              <a:rPr lang="it-IT" sz="1400" dirty="0">
-                <a:solidFill>
-                  <a:schemeClr val="tx1"/>
-                </a:solidFill>
-              </a:rPr>
-              <a:t> </a:t>
-            </a:r>
-            <a:r>
-              <a:rPr lang="it-IT" sz="1400" dirty="0" err="1">
-                <a:solidFill>
-                  <a:schemeClr val="tx1"/>
-                </a:solidFill>
-              </a:rPr>
-              <a:t>battery</a:t>
-            </a:r>
-            <a:r>
-              <a:rPr lang="it-IT" sz="1400" dirty="0">
-                <a:solidFill>
-                  <a:schemeClr val="tx1"/>
-                </a:solidFill>
-              </a:rPr>
-              <a:t>?</a:t>
-            </a:r>
-          </a:p>
-        </p:txBody>
-      </p:sp>
-      <p:cxnSp>
-        <p:nvCxnSpPr>
-          <p:cNvPr id="31" name="Straight Arrow Connector 30">
-            <a:extLst>
-              <a:ext uri="{FF2B5EF4-FFF2-40B4-BE49-F238E27FC236}">
-                <a16:creationId xmlns:a16="http://schemas.microsoft.com/office/drawing/2014/main" id="{40B51237-EF89-1448-092E-600B80A3D173}"/>
-              </a:ext>
-            </a:extLst>
-          </p:cNvPr>
-          <p:cNvCxnSpPr>
-            <a:stCxn id="27" idx="2"/>
-            <a:endCxn id="29" idx="0"/>
-          </p:cNvCxnSpPr>
-          <p:nvPr/>
-        </p:nvCxnSpPr>
-        <p:spPr>
-          <a:xfrm>
-            <a:off x="6378963" y="3107128"/>
-            <a:ext cx="10340" cy="315082"/>
-          </a:xfrm>
-          <a:prstGeom prst="straightConnector1">
-            <a:avLst/>
-          </a:prstGeom>
-          <a:ln>
-            <a:tailEnd type="triangle"/>
-          </a:ln>
-        </p:spPr>
-        <p:style>
-          <a:lnRef idx="1">
-            <a:schemeClr val="dk1"/>
-          </a:lnRef>
-          <a:fillRef idx="0">
-            <a:schemeClr val="dk1"/>
-          </a:fillRef>
-          <a:effectRef idx="0">
-            <a:schemeClr val="dk1"/>
-          </a:effectRef>
-          <a:fontRef idx="minor">
-            <a:schemeClr val="tx1"/>
-          </a:fontRef>
-        </p:style>
-      </p:cxnSp>
-      <p:cxnSp>
-        <p:nvCxnSpPr>
-          <p:cNvPr id="32" name="Connector: Elbow 31">
-            <a:extLst>
-              <a:ext uri="{FF2B5EF4-FFF2-40B4-BE49-F238E27FC236}">
-                <a16:creationId xmlns:a16="http://schemas.microsoft.com/office/drawing/2014/main" id="{280491DC-9FD7-03FC-2599-E7CFB8E49BCC}"/>
-              </a:ext>
-            </a:extLst>
-          </p:cNvPr>
-          <p:cNvCxnSpPr>
-            <a:cxnSpLocks/>
-            <a:stCxn id="29" idx="1"/>
-            <a:endCxn id="33" idx="0"/>
-          </p:cNvCxnSpPr>
-          <p:nvPr/>
-        </p:nvCxnSpPr>
-        <p:spPr>
-          <a:xfrm rot="10800000" flipV="1">
-            <a:off x="4903811" y="3899264"/>
-            <a:ext cx="314500" cy="655236"/>
-          </a:xfrm>
-          <a:prstGeom prst="bentConnector2">
-            <a:avLst/>
-          </a:prstGeom>
-          <a:ln w="38100">
-            <a:solidFill>
-              <a:srgbClr val="FF0000"/>
-            </a:solidFill>
-            <a:tailEnd type="triangle"/>
-          </a:ln>
-        </p:spPr>
-        <p:style>
-          <a:lnRef idx="1">
-            <a:schemeClr val="dk1"/>
-          </a:lnRef>
-          <a:fillRef idx="0">
-            <a:schemeClr val="dk1"/>
-          </a:fillRef>
-          <a:effectRef idx="0">
-            <a:schemeClr val="dk1"/>
-          </a:effectRef>
-          <a:fontRef idx="minor">
-            <a:schemeClr val="tx1"/>
-          </a:fontRef>
-        </p:style>
-      </p:cxnSp>
-      <p:sp>
-        <p:nvSpPr>
-          <p:cNvPr id="33" name="TextBox 32">
-            <a:extLst>
-              <a:ext uri="{FF2B5EF4-FFF2-40B4-BE49-F238E27FC236}">
-                <a16:creationId xmlns:a16="http://schemas.microsoft.com/office/drawing/2014/main" id="{2E5C4E0F-FABA-48AB-5476-1396F165C58E}"/>
-              </a:ext>
-            </a:extLst>
-          </p:cNvPr>
-          <p:cNvSpPr txBox="1"/>
-          <p:nvPr/>
-        </p:nvSpPr>
-        <p:spPr>
-          <a:xfrm>
-            <a:off x="3521728" y="4554500"/>
-            <a:ext cx="2764165" cy="1169551"/>
-          </a:xfrm>
-          <a:prstGeom prst="rect">
-            <a:avLst/>
-          </a:prstGeom>
-          <a:noFill/>
-          <a:ln w="38100">
-            <a:solidFill>
-              <a:srgbClr val="FF0000"/>
-            </a:solidFill>
-          </a:ln>
-        </p:spPr>
-        <p:txBody>
-          <a:bodyPr wrap="square" rtlCol="0">
-            <a:spAutoFit/>
-          </a:bodyPr>
-          <a:lstStyle/>
-          <a:p>
-            <a:r>
-              <a:rPr lang="it-IT" sz="1400" dirty="0" err="1"/>
-              <a:t>Send</a:t>
-            </a:r>
-            <a:r>
-              <a:rPr lang="it-IT" sz="1400" dirty="0"/>
-              <a:t> an </a:t>
-            </a:r>
-            <a:r>
-              <a:rPr lang="it-IT" sz="1400" dirty="0" err="1"/>
-              <a:t>alert</a:t>
-            </a:r>
-            <a:r>
-              <a:rPr lang="it-IT" sz="1400" dirty="0"/>
-              <a:t> to </a:t>
-            </a:r>
-            <a:r>
-              <a:rPr lang="it-IT" sz="1400" dirty="0" err="1"/>
-              <a:t>communicate</a:t>
-            </a:r>
-            <a:r>
-              <a:rPr lang="it-IT" sz="1400" dirty="0"/>
-              <a:t> to the USER </a:t>
-            </a:r>
-            <a:r>
-              <a:rPr lang="it-IT" sz="1400" dirty="0" err="1"/>
-              <a:t>that</a:t>
-            </a:r>
-            <a:r>
-              <a:rPr lang="it-IT" sz="1400" dirty="0"/>
-              <a:t> the </a:t>
-            </a:r>
-            <a:r>
-              <a:rPr lang="it-IT" sz="1400" dirty="0" err="1"/>
-              <a:t>number</a:t>
-            </a:r>
-            <a:r>
-              <a:rPr lang="it-IT" sz="1400" dirty="0"/>
-              <a:t> of </a:t>
-            </a:r>
-            <a:r>
-              <a:rPr lang="it-IT" sz="1400" dirty="0" err="1"/>
-              <a:t>total</a:t>
-            </a:r>
-            <a:r>
-              <a:rPr lang="it-IT" sz="1400" dirty="0"/>
-              <a:t> km </a:t>
-            </a:r>
-            <a:r>
-              <a:rPr lang="it-IT" sz="1400" dirty="0" err="1"/>
-              <a:t>is</a:t>
-            </a:r>
-            <a:r>
-              <a:rPr lang="it-IT" sz="1400" dirty="0"/>
-              <a:t> </a:t>
-            </a:r>
-            <a:r>
-              <a:rPr lang="it-IT" sz="1400" dirty="0" err="1"/>
-              <a:t>too</a:t>
-            </a:r>
-            <a:r>
-              <a:rPr lang="it-IT" sz="1400" dirty="0"/>
-              <a:t> high, so </a:t>
-            </a:r>
-            <a:r>
-              <a:rPr lang="it-IT" sz="1400" dirty="0" err="1"/>
-              <a:t>could</a:t>
-            </a:r>
-            <a:r>
-              <a:rPr lang="it-IT" sz="1400" dirty="0"/>
-              <a:t> be </a:t>
-            </a:r>
-            <a:r>
-              <a:rPr lang="it-IT" sz="1400" dirty="0" err="1"/>
-              <a:t>necessary</a:t>
-            </a:r>
-            <a:r>
-              <a:rPr lang="it-IT" sz="1400" dirty="0"/>
-              <a:t> to </a:t>
-            </a:r>
-            <a:r>
-              <a:rPr lang="it-IT" sz="1400" dirty="0" err="1"/>
-              <a:t>recharge</a:t>
-            </a:r>
-            <a:r>
-              <a:rPr lang="it-IT" sz="1400" dirty="0"/>
-              <a:t> the car </a:t>
-            </a:r>
-            <a:r>
-              <a:rPr lang="it-IT" sz="1400" dirty="0" err="1"/>
-              <a:t>between</a:t>
-            </a:r>
-            <a:r>
-              <a:rPr lang="it-IT" sz="1400" dirty="0"/>
-              <a:t> 2 commitments. </a:t>
-            </a:r>
-          </a:p>
-        </p:txBody>
-      </p:sp>
-      <p:cxnSp>
-        <p:nvCxnSpPr>
-          <p:cNvPr id="34" name="Connector: Elbow 33">
-            <a:extLst>
-              <a:ext uri="{FF2B5EF4-FFF2-40B4-BE49-F238E27FC236}">
-                <a16:creationId xmlns:a16="http://schemas.microsoft.com/office/drawing/2014/main" id="{3AC832F3-2007-7053-C3C2-AF501DB9286F}"/>
-              </a:ext>
-            </a:extLst>
-          </p:cNvPr>
-          <p:cNvCxnSpPr>
-            <a:cxnSpLocks/>
-            <a:stCxn id="29" idx="3"/>
-            <a:endCxn id="35" idx="0"/>
-          </p:cNvCxnSpPr>
-          <p:nvPr/>
-        </p:nvCxnSpPr>
-        <p:spPr>
-          <a:xfrm>
-            <a:off x="7560295" y="3899264"/>
-            <a:ext cx="405564" cy="666190"/>
-          </a:xfrm>
-          <a:prstGeom prst="bentConnector2">
-            <a:avLst/>
-          </a:prstGeom>
-          <a:ln w="38100">
-            <a:solidFill>
-              <a:srgbClr val="00B050"/>
-            </a:solidFill>
-            <a:tailEnd type="triangle"/>
-          </a:ln>
-        </p:spPr>
-        <p:style>
-          <a:lnRef idx="1">
-            <a:schemeClr val="dk1"/>
-          </a:lnRef>
-          <a:fillRef idx="0">
-            <a:schemeClr val="dk1"/>
-          </a:fillRef>
-          <a:effectRef idx="0">
-            <a:schemeClr val="dk1"/>
-          </a:effectRef>
-          <a:fontRef idx="minor">
-            <a:schemeClr val="tx1"/>
-          </a:fontRef>
-        </p:style>
-      </p:cxnSp>
-      <p:sp>
-        <p:nvSpPr>
-          <p:cNvPr id="35" name="TextBox 34">
-            <a:extLst>
-              <a:ext uri="{FF2B5EF4-FFF2-40B4-BE49-F238E27FC236}">
-                <a16:creationId xmlns:a16="http://schemas.microsoft.com/office/drawing/2014/main" id="{91432199-9E2E-15CD-F5F6-10EEB0BDA3E2}"/>
-              </a:ext>
-            </a:extLst>
-          </p:cNvPr>
-          <p:cNvSpPr txBox="1"/>
-          <p:nvPr/>
-        </p:nvSpPr>
-        <p:spPr>
-          <a:xfrm>
-            <a:off x="6794867" y="4565454"/>
-            <a:ext cx="2341984" cy="1169551"/>
-          </a:xfrm>
-          <a:prstGeom prst="rect">
-            <a:avLst/>
-          </a:prstGeom>
-          <a:noFill/>
-          <a:ln w="38100">
-            <a:solidFill>
-              <a:srgbClr val="00B050"/>
-            </a:solidFill>
-          </a:ln>
-        </p:spPr>
-        <p:txBody>
-          <a:bodyPr wrap="square" rtlCol="0">
-            <a:spAutoFit/>
-          </a:bodyPr>
-          <a:lstStyle/>
-          <a:p>
-            <a:r>
-              <a:rPr lang="it-IT" sz="1400" dirty="0" err="1"/>
-              <a:t>Send</a:t>
-            </a:r>
-            <a:r>
-              <a:rPr lang="it-IT" sz="1400" dirty="0"/>
-              <a:t> to the </a:t>
-            </a:r>
-            <a:r>
-              <a:rPr lang="it-IT" sz="1400" dirty="0" err="1"/>
-              <a:t>actuator</a:t>
-            </a:r>
-            <a:r>
-              <a:rPr lang="it-IT" sz="1400" dirty="0"/>
-              <a:t> control strategy the </a:t>
-            </a:r>
-            <a:r>
-              <a:rPr lang="it-IT" sz="1400" dirty="0" err="1"/>
-              <a:t>value</a:t>
-            </a:r>
-            <a:r>
-              <a:rPr lang="it-IT" sz="1400" dirty="0"/>
-              <a:t> of the </a:t>
-            </a:r>
-            <a:r>
-              <a:rPr lang="it-IT" sz="1400" dirty="0" err="1"/>
-              <a:t>battery’s</a:t>
-            </a:r>
-            <a:r>
-              <a:rPr lang="it-IT" sz="1400" dirty="0"/>
-              <a:t> </a:t>
-            </a:r>
-            <a:r>
-              <a:rPr lang="it-IT" sz="1400" dirty="0" err="1"/>
-              <a:t>percentage</a:t>
-            </a:r>
-            <a:r>
-              <a:rPr lang="it-IT" sz="1400" dirty="0"/>
-              <a:t> </a:t>
-            </a:r>
-            <a:r>
-              <a:rPr lang="it-IT" sz="1400" dirty="0" err="1"/>
-              <a:t>necessary</a:t>
-            </a:r>
-            <a:r>
-              <a:rPr lang="it-IT" sz="1400" dirty="0"/>
-              <a:t> for the following day. </a:t>
-            </a:r>
-          </a:p>
-        </p:txBody>
-      </p:sp>
-      <mc:AlternateContent xmlns:mc="http://schemas.openxmlformats.org/markup-compatibility/2006">
-        <mc:Choice xmlns:a14="http://schemas.microsoft.com/office/drawing/2010/main" Requires="a14">
-          <p:sp>
-            <p:nvSpPr>
-              <p:cNvPr id="36" name="TextBox 35">
-                <a:extLst>
-                  <a:ext uri="{FF2B5EF4-FFF2-40B4-BE49-F238E27FC236}">
-                    <a16:creationId xmlns:a16="http://schemas.microsoft.com/office/drawing/2014/main" id="{706D50D8-A0C3-86EC-D8BA-C4CC7C76B701}"/>
-                  </a:ext>
-                </a:extLst>
-              </p:cNvPr>
-              <p:cNvSpPr txBox="1"/>
-              <p:nvPr/>
-            </p:nvSpPr>
-            <p:spPr>
-              <a:xfrm>
-                <a:off x="6378963" y="6407719"/>
-                <a:ext cx="2701252" cy="329962"/>
-              </a:xfrm>
-              <a:prstGeom prst="rect">
-                <a:avLst/>
-              </a:prstGeom>
-              <a:noFill/>
-            </p:spPr>
-            <p:txBody>
-              <a:bodyPr wrap="none" lIns="0" tIns="0" rIns="0" bIns="0" rtlCol="0">
-                <a:spAutoFit/>
-              </a:bodyPr>
-              <a:lstStyle/>
-              <a:p>
-                <a:r>
-                  <a:rPr lang="en-US" sz="1400" dirty="0"/>
-                  <a:t>Battery </a:t>
-                </a:r>
-                <a14:m>
-                  <m:oMath xmlns:m="http://schemas.openxmlformats.org/officeDocument/2006/math">
-                    <m:r>
-                      <a:rPr lang="en-US" sz="1400" i="1" smtClean="0">
-                        <a:latin typeface="Cambria Math" panose="02040503050406030204" pitchFamily="18" charset="0"/>
-                      </a:rPr>
-                      <m:t>=</m:t>
-                    </m:r>
-                    <m:f>
-                      <m:fPr>
-                        <m:ctrlPr>
-                          <a:rPr lang="en-US" sz="1400" i="1" smtClean="0">
-                            <a:latin typeface="Cambria Math" panose="02040503050406030204" pitchFamily="18" charset="0"/>
-                          </a:rPr>
-                        </m:ctrlPr>
-                      </m:fPr>
-                      <m:num>
-                        <m:r>
-                          <a:rPr lang="it-IT" sz="1400" b="0" i="1" smtClean="0">
-                            <a:latin typeface="Cambria Math" panose="02040503050406030204" pitchFamily="18" charset="0"/>
-                          </a:rPr>
-                          <m:t>𝐸𝑛𝑒𝑟𝑔𝑦𝑁𝑒𝑐𝑒𝑠𝑠𝑎𝑟𝑦</m:t>
-                        </m:r>
-                        <m:r>
-                          <a:rPr lang="it-IT" sz="1400" b="0" i="1" smtClean="0">
-                            <a:latin typeface="Cambria Math" panose="02040503050406030204" pitchFamily="18" charset="0"/>
-                          </a:rPr>
-                          <m:t>∗100</m:t>
-                        </m:r>
-                      </m:num>
-                      <m:den>
-                        <m:r>
-                          <a:rPr lang="it-IT" sz="1400" b="0" i="1" smtClean="0">
-                            <a:latin typeface="Cambria Math" panose="02040503050406030204" pitchFamily="18" charset="0"/>
-                          </a:rPr>
-                          <m:t>𝐵𝑎𝑡𝑡𝑒𝑟𝑦</m:t>
-                        </m:r>
-                        <m:r>
-                          <a:rPr lang="it-IT" sz="1400" b="0" i="1" smtClean="0">
-                            <a:latin typeface="Cambria Math" panose="02040503050406030204" pitchFamily="18" charset="0"/>
-                          </a:rPr>
-                          <m:t> </m:t>
-                        </m:r>
-                        <m:r>
-                          <a:rPr lang="it-IT" sz="1400" b="0" i="1" smtClean="0">
-                            <a:latin typeface="Cambria Math" panose="02040503050406030204" pitchFamily="18" charset="0"/>
-                          </a:rPr>
-                          <m:t>𝐶𝑎𝑝𝑎𝑐𝑖𝑡𝑦</m:t>
-                        </m:r>
-                      </m:den>
-                    </m:f>
-                  </m:oMath>
-                </a14:m>
-                <a:r>
-                  <a:rPr lang="en-US" sz="1400" dirty="0"/>
-                  <a:t> [%]</a:t>
-                </a:r>
-                <a:r>
-                  <a:rPr lang="en-US" dirty="0"/>
-                  <a:t> </a:t>
-                </a:r>
-                <a:endParaRPr lang="it-IT" dirty="0"/>
-              </a:p>
-            </p:txBody>
-          </p:sp>
-        </mc:Choice>
-        <mc:Fallback>
-          <p:sp>
-            <p:nvSpPr>
-              <p:cNvPr id="36" name="TextBox 35">
-                <a:extLst>
-                  <a:ext uri="{FF2B5EF4-FFF2-40B4-BE49-F238E27FC236}">
-                    <a16:creationId xmlns:a16="http://schemas.microsoft.com/office/drawing/2014/main" id="{706D50D8-A0C3-86EC-D8BA-C4CC7C76B701}"/>
-                  </a:ext>
-                </a:extLst>
-              </p:cNvPr>
-              <p:cNvSpPr txBox="1">
-                <a:spLocks noRot="1" noChangeAspect="1" noMove="1" noResize="1" noEditPoints="1" noAdjustHandles="1" noChangeArrowheads="1" noChangeShapeType="1" noTextEdit="1"/>
-              </p:cNvSpPr>
-              <p:nvPr/>
-            </p:nvSpPr>
-            <p:spPr>
-              <a:xfrm>
-                <a:off x="6378963" y="6407719"/>
-                <a:ext cx="2701252" cy="329962"/>
-              </a:xfrm>
-              <a:prstGeom prst="rect">
-                <a:avLst/>
-              </a:prstGeom>
-              <a:blipFill>
-                <a:blip r:embed="rId2"/>
-                <a:stretch>
-                  <a:fillRect l="-4054" t="-5556" b="-18519"/>
-                </a:stretch>
-              </a:blipFill>
-            </p:spPr>
-            <p:txBody>
-              <a:bodyPr/>
-              <a:lstStyle/>
-              <a:p>
-                <a:r>
-                  <a:rPr lang="it-IT">
-                    <a:noFill/>
-                  </a:rPr>
-                  <a:t> </a:t>
-                </a:r>
-              </a:p>
-            </p:txBody>
-          </p:sp>
-        </mc:Fallback>
-      </mc:AlternateContent>
-      <mc:AlternateContent xmlns:mc="http://schemas.openxmlformats.org/markup-compatibility/2006">
-        <mc:Choice xmlns:a14="http://schemas.microsoft.com/office/drawing/2010/main" Requires="a14">
-          <p:sp>
-            <p:nvSpPr>
-              <p:cNvPr id="37" name="TextBox 36">
-                <a:extLst>
-                  <a:ext uri="{FF2B5EF4-FFF2-40B4-BE49-F238E27FC236}">
-                    <a16:creationId xmlns:a16="http://schemas.microsoft.com/office/drawing/2014/main" id="{BEEF2FF6-CEB5-81FE-779C-CCA57DDC2A77}"/>
-                  </a:ext>
-                </a:extLst>
-              </p:cNvPr>
-              <p:cNvSpPr txBox="1"/>
-              <p:nvPr/>
-            </p:nvSpPr>
-            <p:spPr>
-              <a:xfrm>
-                <a:off x="5889212" y="5931494"/>
-                <a:ext cx="3529437" cy="334322"/>
-              </a:xfrm>
-              <a:prstGeom prst="rect">
-                <a:avLst/>
-              </a:prstGeom>
-              <a:noFill/>
-            </p:spPr>
-            <p:txBody>
-              <a:bodyPr wrap="square" lIns="0" tIns="0" rIns="0" bIns="0" rtlCol="0">
-                <a:spAutoFit/>
-              </a:bodyPr>
-              <a:lstStyle/>
-              <a:p>
-                <a:r>
-                  <a:rPr lang="en-US" sz="1400" dirty="0"/>
-                  <a:t>EnergyNecessary </a:t>
-                </a:r>
-                <a14:m>
-                  <m:oMath xmlns:m="http://schemas.openxmlformats.org/officeDocument/2006/math">
-                    <m:r>
-                      <a:rPr lang="en-US" sz="1400" i="1" smtClean="0">
-                        <a:latin typeface="Cambria Math" panose="02040503050406030204" pitchFamily="18" charset="0"/>
-                      </a:rPr>
-                      <m:t>=</m:t>
-                    </m:r>
-                    <m:f>
-                      <m:fPr>
-                        <m:ctrlPr>
-                          <a:rPr lang="en-US" sz="1400" i="1" smtClean="0">
-                            <a:latin typeface="Cambria Math" panose="02040503050406030204" pitchFamily="18" charset="0"/>
-                          </a:rPr>
-                        </m:ctrlPr>
-                      </m:fPr>
-                      <m:num>
-                        <m:r>
-                          <a:rPr lang="it-IT" sz="1400" b="0" i="1" smtClean="0">
-                            <a:latin typeface="Cambria Math" panose="02040503050406030204" pitchFamily="18" charset="0"/>
-                          </a:rPr>
-                          <m:t>𝑁𝑢𝑚𝑏𝑒𝑟𝐾𝑚𝑃𝑒𝑟𝐷𝑎𝑦</m:t>
-                        </m:r>
-                      </m:num>
-                      <m:den>
-                        <m:r>
-                          <a:rPr lang="it-IT" sz="1400" b="0" i="1" smtClean="0">
-                            <a:latin typeface="Cambria Math" panose="02040503050406030204" pitchFamily="18" charset="0"/>
-                          </a:rPr>
-                          <m:t>𝐵𝑎𝑡𝑡𝑒𝑟𝑦</m:t>
-                        </m:r>
-                        <m:r>
-                          <a:rPr lang="it-IT" sz="1400" b="0" i="1" smtClean="0">
-                            <a:latin typeface="Cambria Math" panose="02040503050406030204" pitchFamily="18" charset="0"/>
-                          </a:rPr>
-                          <m:t> </m:t>
-                        </m:r>
-                        <m:r>
-                          <a:rPr lang="it-IT" sz="1400" b="0" i="1" smtClean="0">
-                            <a:latin typeface="Cambria Math" panose="02040503050406030204" pitchFamily="18" charset="0"/>
-                          </a:rPr>
-                          <m:t>𝐶𝑜𝑛𝑠𝑢𝑚𝑝𝑡𝑖𝑜𝑛</m:t>
-                        </m:r>
-                      </m:den>
-                    </m:f>
-                  </m:oMath>
-                </a14:m>
-                <a:r>
-                  <a:rPr lang="en-US" sz="1400" dirty="0"/>
-                  <a:t>[</a:t>
-                </a:r>
-                <a:r>
-                  <a:rPr lang="en-US" sz="1400" dirty="0" err="1"/>
-                  <a:t>KWh</a:t>
-                </a:r>
-                <a:r>
-                  <a:rPr lang="en-US" sz="1400" dirty="0"/>
-                  <a:t>]</a:t>
-                </a:r>
-                <a:endParaRPr lang="it-IT" sz="1400" dirty="0"/>
-              </a:p>
-            </p:txBody>
-          </p:sp>
-        </mc:Choice>
-        <mc:Fallback>
-          <p:sp>
-            <p:nvSpPr>
-              <p:cNvPr id="37" name="TextBox 36">
-                <a:extLst>
-                  <a:ext uri="{FF2B5EF4-FFF2-40B4-BE49-F238E27FC236}">
-                    <a16:creationId xmlns:a16="http://schemas.microsoft.com/office/drawing/2014/main" id="{BEEF2FF6-CEB5-81FE-779C-CCA57DDC2A77}"/>
-                  </a:ext>
-                </a:extLst>
-              </p:cNvPr>
-              <p:cNvSpPr txBox="1">
-                <a:spLocks noRot="1" noChangeAspect="1" noMove="1" noResize="1" noEditPoints="1" noAdjustHandles="1" noChangeArrowheads="1" noChangeShapeType="1" noTextEdit="1"/>
-              </p:cNvSpPr>
-              <p:nvPr/>
-            </p:nvSpPr>
-            <p:spPr>
-              <a:xfrm>
-                <a:off x="5889212" y="5931494"/>
-                <a:ext cx="3529437" cy="334322"/>
-              </a:xfrm>
-              <a:prstGeom prst="rect">
-                <a:avLst/>
-              </a:prstGeom>
-              <a:blipFill>
-                <a:blip r:embed="rId3"/>
-                <a:stretch>
-                  <a:fillRect l="-3109" t="-3636" r="-518" b="-18182"/>
-                </a:stretch>
-              </a:blipFill>
-            </p:spPr>
-            <p:txBody>
-              <a:bodyPr/>
-              <a:lstStyle/>
-              <a:p>
-                <a:r>
-                  <a:rPr lang="it-IT">
-                    <a:noFill/>
-                  </a:rPr>
-                  <a:t> </a:t>
-                </a:r>
-              </a:p>
-            </p:txBody>
-          </p:sp>
-        </mc:Fallback>
-      </mc:AlternateContent>
-      <p:sp>
-        <p:nvSpPr>
-          <p:cNvPr id="38" name="TextBox 37">
-            <a:extLst>
-              <a:ext uri="{FF2B5EF4-FFF2-40B4-BE49-F238E27FC236}">
-                <a16:creationId xmlns:a16="http://schemas.microsoft.com/office/drawing/2014/main" id="{E2A24CF1-C22E-E8B9-1743-F334467F6155}"/>
-              </a:ext>
-            </a:extLst>
-          </p:cNvPr>
-          <p:cNvSpPr txBox="1"/>
-          <p:nvPr/>
-        </p:nvSpPr>
-        <p:spPr>
-          <a:xfrm>
-            <a:off x="4732789" y="3559291"/>
-            <a:ext cx="592495" cy="369332"/>
-          </a:xfrm>
-          <a:prstGeom prst="rect">
-            <a:avLst/>
-          </a:prstGeom>
-          <a:noFill/>
-        </p:spPr>
-        <p:txBody>
-          <a:bodyPr wrap="square" rtlCol="0">
-            <a:spAutoFit/>
-          </a:bodyPr>
-          <a:lstStyle/>
-          <a:p>
-            <a:r>
-              <a:rPr lang="it-IT" b="1" dirty="0">
-                <a:solidFill>
-                  <a:srgbClr val="FF0000"/>
-                </a:solidFill>
-              </a:rPr>
-              <a:t>Yes</a:t>
-            </a:r>
-          </a:p>
-        </p:txBody>
-      </p:sp>
-      <p:sp>
-        <p:nvSpPr>
-          <p:cNvPr id="39" name="TextBox 38">
-            <a:extLst>
-              <a:ext uri="{FF2B5EF4-FFF2-40B4-BE49-F238E27FC236}">
-                <a16:creationId xmlns:a16="http://schemas.microsoft.com/office/drawing/2014/main" id="{E88AD31D-359B-8C07-E6FE-165488ACCCF8}"/>
-              </a:ext>
-            </a:extLst>
-          </p:cNvPr>
-          <p:cNvSpPr txBox="1"/>
-          <p:nvPr/>
-        </p:nvSpPr>
-        <p:spPr>
-          <a:xfrm>
-            <a:off x="7569613" y="3562601"/>
-            <a:ext cx="592495" cy="369332"/>
-          </a:xfrm>
-          <a:prstGeom prst="rect">
-            <a:avLst/>
-          </a:prstGeom>
-          <a:noFill/>
-        </p:spPr>
-        <p:txBody>
-          <a:bodyPr wrap="square" rtlCol="0">
-            <a:spAutoFit/>
-          </a:bodyPr>
-          <a:lstStyle/>
-          <a:p>
-            <a:r>
-              <a:rPr lang="it-IT" dirty="0">
-                <a:solidFill>
-                  <a:srgbClr val="00B050"/>
-                </a:solidFill>
-              </a:rPr>
-              <a:t>No</a:t>
             </a:r>
           </a:p>
         </p:txBody>
@@ -9661,14 +10833,14 @@
           <p:nvPr/>
         </p:nvPicPr>
         <p:blipFill rotWithShape="1">
-          <a:blip r:embed="rId4"/>
+          <a:blip r:embed="rId2"/>
           <a:srcRect l="2915" r="1"/>
           <a:stretch/>
         </p:blipFill>
         <p:spPr>
           <a:xfrm>
-            <a:off x="9336759" y="1497665"/>
-            <a:ext cx="2220796" cy="1477329"/>
+            <a:off x="9336759" y="1515594"/>
+            <a:ext cx="2271400" cy="1510992"/>
           </a:xfrm>
           <a:prstGeom prst="rect">
             <a:avLst/>
@@ -9690,13 +10862,13 @@
           <p:nvPr/>
         </p:nvPicPr>
         <p:blipFill rotWithShape="1">
-          <a:blip r:embed="rId5"/>
+          <a:blip r:embed="rId3"/>
           <a:srcRect l="1" r="22712"/>
           <a:stretch/>
         </p:blipFill>
         <p:spPr>
           <a:xfrm>
-            <a:off x="9336759" y="3126683"/>
+            <a:off x="9336759" y="3093853"/>
             <a:ext cx="2271401" cy="3054997"/>
           </a:xfrm>
           <a:prstGeom prst="rect">
@@ -9719,7 +10891,7 @@
         <p:spPr>
           <a:xfrm>
             <a:off x="9336759" y="768334"/>
-            <a:ext cx="2220796" cy="646331"/>
+            <a:ext cx="2271400" cy="646331"/>
           </a:xfrm>
           <a:prstGeom prst="rect">
             <a:avLst/>
@@ -9771,8 +10943,8 @@
         </p:nvSpPr>
         <p:spPr>
           <a:xfrm>
-            <a:off x="35843" y="1691398"/>
-            <a:ext cx="4011476" cy="5706382"/>
+            <a:off x="0" y="1414665"/>
+            <a:ext cx="3854766" cy="5706382"/>
           </a:xfrm>
           <a:prstGeom prst="rect">
             <a:avLst/>
@@ -10167,15 +11339,15 @@
                   <a:schemeClr val="tx1"/>
                 </a:solidFill>
               </a:rPr>
-              <a:t>: </a:t>
-            </a:r>
-            <a:r>
-              <a:rPr lang="it-IT" sz="1600" dirty="0">
-                <a:solidFill>
-                  <a:schemeClr val="tx1"/>
-                </a:solidFill>
-              </a:rPr>
-              <a:t>To </a:t>
+              <a:t>: t</a:t>
+            </a:r>
+            <a:r>
+              <a:rPr lang="it-IT" sz="1600" dirty="0">
+                <a:solidFill>
+                  <a:schemeClr val="tx1"/>
+                </a:solidFill>
+              </a:rPr>
+              <a:t>o </a:t>
             </a:r>
             <a:r>
               <a:rPr lang="it-IT" sz="1600" dirty="0" err="1">
@@ -10183,7 +11355,7 @@
                   <a:schemeClr val="tx1"/>
                 </a:solidFill>
               </a:rPr>
-              <a:t>communicate</a:t>
+              <a:t>send</a:t>
             </a:r>
             <a:r>
               <a:rPr lang="it-IT" sz="1600" dirty="0">
@@ -10290,7 +11462,7 @@
                   <a:schemeClr val="tx1"/>
                 </a:solidFill>
               </a:rPr>
-              <a:t>give</a:t>
+              <a:t>send</a:t>
             </a:r>
             <a:r>
               <a:rPr lang="it-IT" sz="1600" dirty="0">
@@ -10593,6 +11765,122 @@
           </a:p>
         </p:txBody>
       </p:sp>
+      <p:pic>
+        <p:nvPicPr>
+          <p:cNvPr id="21" name="Picture 20">
+            <a:extLst>
+              <a:ext uri="{FF2B5EF4-FFF2-40B4-BE49-F238E27FC236}">
+                <a16:creationId xmlns:a16="http://schemas.microsoft.com/office/drawing/2014/main" id="{C4167EED-0728-42D1-9CD4-4402FDF15A9B}"/>
+              </a:ext>
+            </a:extLst>
+          </p:cNvPr>
+          <p:cNvPicPr>
+            <a:picLocks noChangeAspect="1"/>
+          </p:cNvPicPr>
+          <p:nvPr/>
+        </p:nvPicPr>
+        <p:blipFill>
+          <a:blip r:embed="rId4"/>
+          <a:stretch>
+            <a:fillRect/>
+          </a:stretch>
+        </p:blipFill>
+        <p:spPr>
+          <a:xfrm>
+            <a:off x="3898759" y="1441119"/>
+            <a:ext cx="5299071" cy="3598471"/>
+          </a:xfrm>
+          <a:prstGeom prst="rect">
+            <a:avLst/>
+          </a:prstGeom>
+          <a:ln>
+            <a:noFill/>
+          </a:ln>
+          <a:effectLst>
+            <a:outerShdw blurRad="292100" dist="139700" dir="2700000" algn="tl" rotWithShape="0">
+              <a:srgbClr val="333333">
+                <a:alpha val="65000"/>
+              </a:srgbClr>
+            </a:outerShdw>
+          </a:effectLst>
+        </p:spPr>
+      </p:pic>
+      <p:pic>
+        <p:nvPicPr>
+          <p:cNvPr id="23" name="Picture 22">
+            <a:extLst>
+              <a:ext uri="{FF2B5EF4-FFF2-40B4-BE49-F238E27FC236}">
+                <a16:creationId xmlns:a16="http://schemas.microsoft.com/office/drawing/2014/main" id="{81EFD652-A0A3-408B-A985-AAEADA2C04B6}"/>
+              </a:ext>
+            </a:extLst>
+          </p:cNvPr>
+          <p:cNvPicPr>
+            <a:picLocks noChangeAspect="1"/>
+          </p:cNvPicPr>
+          <p:nvPr/>
+        </p:nvPicPr>
+        <p:blipFill rotWithShape="1">
+          <a:blip r:embed="rId5"/>
+          <a:srcRect r="5232" b="13060"/>
+          <a:stretch/>
+        </p:blipFill>
+        <p:spPr>
+          <a:xfrm>
+            <a:off x="6096000" y="5319719"/>
+            <a:ext cx="2949757" cy="749387"/>
+          </a:xfrm>
+          <a:prstGeom prst="rect">
+            <a:avLst/>
+          </a:prstGeom>
+          <a:ln w="28575">
+            <a:solidFill>
+              <a:schemeClr val="accent2"/>
+            </a:solidFill>
+          </a:ln>
+        </p:spPr>
+      </p:pic>
+      <p:cxnSp>
+        <p:nvCxnSpPr>
+          <p:cNvPr id="43" name="Straight Arrow Connector 42">
+            <a:extLst>
+              <a:ext uri="{FF2B5EF4-FFF2-40B4-BE49-F238E27FC236}">
+                <a16:creationId xmlns:a16="http://schemas.microsoft.com/office/drawing/2014/main" id="{5DDCA51A-D956-4E7A-AADC-D3B4E7EFA53E}"/>
+              </a:ext>
+            </a:extLst>
+          </p:cNvPr>
+          <p:cNvCxnSpPr>
+            <a:cxnSpLocks/>
+            <a:endCxn id="23" idx="0"/>
+          </p:cNvCxnSpPr>
+          <p:nvPr/>
+        </p:nvCxnSpPr>
+        <p:spPr>
+          <a:xfrm>
+            <a:off x="7570879" y="4966447"/>
+            <a:ext cx="0" cy="353272"/>
+          </a:xfrm>
+          <a:prstGeom prst="straightConnector1">
+            <a:avLst/>
+          </a:prstGeom>
+          <a:ln w="28575">
+            <a:tailEnd type="triangle"/>
+          </a:ln>
+        </p:spPr>
+        <p:style>
+          <a:lnRef idx="1">
+            <a:schemeClr val="accent2"/>
+          </a:lnRef>
+          <a:fillRef idx="0">
+            <a:schemeClr val="accent2"/>
+          </a:fillRef>
+          <a:effectRef idx="0">
+            <a:schemeClr val="accent2"/>
+          </a:effectRef>
+          <a:fontRef idx="minor">
+            <a:schemeClr val="tx1"/>
+          </a:fontRef>
+        </p:style>
+      </p:cxnSp>
     </p:spTree>
     <p:extLst>
       <p:ext uri="{BB962C8B-B14F-4D97-AF65-F5344CB8AC3E}">

--- a/Materiale Extra/Presentazione del progetto .pptx
+++ b/Materiale Extra/Presentazione del progetto .pptx
@@ -7103,7 +7103,359 @@
         </p:nvSpPr>
         <p:spPr>
           <a:xfrm>
-            <a:off x="5621430" y="1644837"/>
+            <a:off x="5914212" y="1651879"/>
+            <a:ext cx="2225738" cy="646331"/>
+          </a:xfrm>
+          <a:custGeom>
+            <a:avLst/>
+            <a:gdLst>
+              <a:gd name="connsiteX0" fmla="*/ 0 w 2225738"/>
+              <a:gd name="connsiteY0" fmla="*/ 0 h 646331"/>
+              <a:gd name="connsiteX1" fmla="*/ 534177 w 2225738"/>
+              <a:gd name="connsiteY1" fmla="*/ 0 h 646331"/>
+              <a:gd name="connsiteX2" fmla="*/ 1023839 w 2225738"/>
+              <a:gd name="connsiteY2" fmla="*/ 0 h 646331"/>
+              <a:gd name="connsiteX3" fmla="*/ 1624789 w 2225738"/>
+              <a:gd name="connsiteY3" fmla="*/ 0 h 646331"/>
+              <a:gd name="connsiteX4" fmla="*/ 2225738 w 2225738"/>
+              <a:gd name="connsiteY4" fmla="*/ 0 h 646331"/>
+              <a:gd name="connsiteX5" fmla="*/ 2225738 w 2225738"/>
+              <a:gd name="connsiteY5" fmla="*/ 646331 h 646331"/>
+              <a:gd name="connsiteX6" fmla="*/ 1713818 w 2225738"/>
+              <a:gd name="connsiteY6" fmla="*/ 646331 h 646331"/>
+              <a:gd name="connsiteX7" fmla="*/ 1201899 w 2225738"/>
+              <a:gd name="connsiteY7" fmla="*/ 646331 h 646331"/>
+              <a:gd name="connsiteX8" fmla="*/ 600949 w 2225738"/>
+              <a:gd name="connsiteY8" fmla="*/ 646331 h 646331"/>
+              <a:gd name="connsiteX9" fmla="*/ 0 w 2225738"/>
+              <a:gd name="connsiteY9" fmla="*/ 646331 h 646331"/>
+              <a:gd name="connsiteX10" fmla="*/ 0 w 2225738"/>
+              <a:gd name="connsiteY10" fmla="*/ 0 h 646331"/>
+            </a:gdLst>
+            <a:ahLst/>
+            <a:cxnLst>
+              <a:cxn ang="0">
+                <a:pos x="connsiteX0" y="connsiteY0"/>
+              </a:cxn>
+              <a:cxn ang="0">
+                <a:pos x="connsiteX1" y="connsiteY1"/>
+              </a:cxn>
+              <a:cxn ang="0">
+                <a:pos x="connsiteX2" y="connsiteY2"/>
+              </a:cxn>
+              <a:cxn ang="0">
+                <a:pos x="connsiteX3" y="connsiteY3"/>
+              </a:cxn>
+              <a:cxn ang="0">
+                <a:pos x="connsiteX4" y="connsiteY4"/>
+              </a:cxn>
+              <a:cxn ang="0">
+                <a:pos x="connsiteX5" y="connsiteY5"/>
+              </a:cxn>
+              <a:cxn ang="0">
+                <a:pos x="connsiteX6" y="connsiteY6"/>
+              </a:cxn>
+              <a:cxn ang="0">
+                <a:pos x="connsiteX7" y="connsiteY7"/>
+              </a:cxn>
+              <a:cxn ang="0">
+                <a:pos x="connsiteX8" y="connsiteY8"/>
+              </a:cxn>
+              <a:cxn ang="0">
+                <a:pos x="connsiteX9" y="connsiteY9"/>
+              </a:cxn>
+              <a:cxn ang="0">
+                <a:pos x="connsiteX10" y="connsiteY10"/>
+              </a:cxn>
+            </a:cxnLst>
+            <a:rect l="l" t="t" r="r" b="b"/>
+            <a:pathLst>
+              <a:path w="2225738" h="646331" extrusionOk="0">
+                <a:moveTo>
+                  <a:pt x="0" y="0"/>
+                </a:moveTo>
+                <a:cubicBezTo>
+                  <a:pt x="117058" y="-26546"/>
+                  <a:pt x="367199" y="21543"/>
+                  <a:pt x="534177" y="0"/>
+                </a:cubicBezTo>
+                <a:cubicBezTo>
+                  <a:pt x="701155" y="-21543"/>
+                  <a:pt x="847167" y="-5472"/>
+                  <a:pt x="1023839" y="0"/>
+                </a:cubicBezTo>
+                <a:cubicBezTo>
+                  <a:pt x="1200511" y="5472"/>
+                  <a:pt x="1411574" y="-16462"/>
+                  <a:pt x="1624789" y="0"/>
+                </a:cubicBezTo>
+                <a:cubicBezTo>
+                  <a:pt x="1838004" y="16462"/>
+                  <a:pt x="1993235" y="22968"/>
+                  <a:pt x="2225738" y="0"/>
+                </a:cubicBezTo>
+                <a:cubicBezTo>
+                  <a:pt x="2256694" y="233906"/>
+                  <a:pt x="2248514" y="437436"/>
+                  <a:pt x="2225738" y="646331"/>
+                </a:cubicBezTo>
+                <a:cubicBezTo>
+                  <a:pt x="2034758" y="634014"/>
+                  <a:pt x="1900816" y="627648"/>
+                  <a:pt x="1713818" y="646331"/>
+                </a:cubicBezTo>
+                <a:cubicBezTo>
+                  <a:pt x="1526820" y="665014"/>
+                  <a:pt x="1345189" y="638800"/>
+                  <a:pt x="1201899" y="646331"/>
+                </a:cubicBezTo>
+                <a:cubicBezTo>
+                  <a:pt x="1058609" y="653862"/>
+                  <a:pt x="769087" y="642455"/>
+                  <a:pt x="600949" y="646331"/>
+                </a:cubicBezTo>
+                <a:cubicBezTo>
+                  <a:pt x="432811" y="650208"/>
+                  <a:pt x="168293" y="620958"/>
+                  <a:pt x="0" y="646331"/>
+                </a:cubicBezTo>
+                <a:cubicBezTo>
+                  <a:pt x="-11696" y="394072"/>
+                  <a:pt x="-16628" y="198448"/>
+                  <a:pt x="0" y="0"/>
+                </a:cubicBezTo>
+                <a:close/>
+              </a:path>
+            </a:pathLst>
+          </a:custGeom>
+          <a:noFill/>
+          <a:ln w="38100">
+            <a:solidFill>
+              <a:schemeClr val="accent2"/>
+            </a:solidFill>
+            <a:prstDash val="lgDash"/>
+            <a:extLst>
+              <a:ext uri="{C807C97D-BFC1-408E-A445-0C87EB9F89A2}">
+                <ask:lineSketchStyleProps xmlns:ask="http://schemas.microsoft.com/office/drawing/2018/sketchyshapes" sd="1219033472">
+                  <a:prstGeom prst="rect">
+                    <a:avLst/>
+                  </a:prstGeom>
+                  <ask:type>
+                    <ask:lineSketchFreehand/>
+                  </ask:type>
+                </ask:lineSketchStyleProps>
+              </a:ext>
+            </a:extLst>
+          </a:ln>
+        </p:spPr>
+        <p:txBody>
+          <a:bodyPr wrap="square" rtlCol="0">
+            <a:spAutoFit/>
+          </a:bodyPr>
+          <a:lstStyle/>
+          <a:p>
+            <a:r>
+              <a:rPr lang="it-IT" dirty="0" err="1"/>
+              <a:t>Vehicle</a:t>
+            </a:r>
+            <a:r>
+              <a:rPr lang="it-IT" dirty="0"/>
+              <a:t> </a:t>
+            </a:r>
+            <a:r>
+              <a:rPr lang="it-IT" dirty="0" err="1"/>
+              <a:t>present</a:t>
+            </a:r>
+            <a:r>
+              <a:rPr lang="it-IT" dirty="0"/>
+              <a:t> in </a:t>
+            </a:r>
+            <a:r>
+              <a:rPr lang="it-IT" dirty="0" err="1"/>
+              <a:t>charge</a:t>
+            </a:r>
+            <a:r>
+              <a:rPr lang="it-IT" dirty="0"/>
+              <a:t> station</a:t>
+            </a:r>
+          </a:p>
+        </p:txBody>
+      </p:sp>
+      <p:sp>
+        <p:nvSpPr>
+          <p:cNvPr id="6" name="TextBox 5">
+            <a:extLst>
+              <a:ext uri="{FF2B5EF4-FFF2-40B4-BE49-F238E27FC236}">
+                <a16:creationId xmlns:a16="http://schemas.microsoft.com/office/drawing/2014/main" id="{84C8C874-EB55-44E9-813C-502BFE3AB0A3}"/>
+              </a:ext>
+            </a:extLst>
+          </p:cNvPr>
+          <p:cNvSpPr txBox="1"/>
+          <p:nvPr/>
+        </p:nvSpPr>
+        <p:spPr>
+          <a:xfrm>
+            <a:off x="8247526" y="2554061"/>
+            <a:ext cx="2026023" cy="646331"/>
+          </a:xfrm>
+          <a:custGeom>
+            <a:avLst/>
+            <a:gdLst>
+              <a:gd name="connsiteX0" fmla="*/ 0 w 2026023"/>
+              <a:gd name="connsiteY0" fmla="*/ 0 h 646331"/>
+              <a:gd name="connsiteX1" fmla="*/ 655081 w 2026023"/>
+              <a:gd name="connsiteY1" fmla="*/ 0 h 646331"/>
+              <a:gd name="connsiteX2" fmla="*/ 1269641 w 2026023"/>
+              <a:gd name="connsiteY2" fmla="*/ 0 h 646331"/>
+              <a:gd name="connsiteX3" fmla="*/ 2026023 w 2026023"/>
+              <a:gd name="connsiteY3" fmla="*/ 0 h 646331"/>
+              <a:gd name="connsiteX4" fmla="*/ 2026023 w 2026023"/>
+              <a:gd name="connsiteY4" fmla="*/ 646331 h 646331"/>
+              <a:gd name="connsiteX5" fmla="*/ 1391202 w 2026023"/>
+              <a:gd name="connsiteY5" fmla="*/ 646331 h 646331"/>
+              <a:gd name="connsiteX6" fmla="*/ 675341 w 2026023"/>
+              <a:gd name="connsiteY6" fmla="*/ 646331 h 646331"/>
+              <a:gd name="connsiteX7" fmla="*/ 0 w 2026023"/>
+              <a:gd name="connsiteY7" fmla="*/ 646331 h 646331"/>
+              <a:gd name="connsiteX8" fmla="*/ 0 w 2026023"/>
+              <a:gd name="connsiteY8" fmla="*/ 0 h 646331"/>
+            </a:gdLst>
+            <a:ahLst/>
+            <a:cxnLst>
+              <a:cxn ang="0">
+                <a:pos x="connsiteX0" y="connsiteY0"/>
+              </a:cxn>
+              <a:cxn ang="0">
+                <a:pos x="connsiteX1" y="connsiteY1"/>
+              </a:cxn>
+              <a:cxn ang="0">
+                <a:pos x="connsiteX2" y="connsiteY2"/>
+              </a:cxn>
+              <a:cxn ang="0">
+                <a:pos x="connsiteX3" y="connsiteY3"/>
+              </a:cxn>
+              <a:cxn ang="0">
+                <a:pos x="connsiteX4" y="connsiteY4"/>
+              </a:cxn>
+              <a:cxn ang="0">
+                <a:pos x="connsiteX5" y="connsiteY5"/>
+              </a:cxn>
+              <a:cxn ang="0">
+                <a:pos x="connsiteX6" y="connsiteY6"/>
+              </a:cxn>
+              <a:cxn ang="0">
+                <a:pos x="connsiteX7" y="connsiteY7"/>
+              </a:cxn>
+              <a:cxn ang="0">
+                <a:pos x="connsiteX8" y="connsiteY8"/>
+              </a:cxn>
+            </a:cxnLst>
+            <a:rect l="l" t="t" r="r" b="b"/>
+            <a:pathLst>
+              <a:path w="2026023" h="646331" extrusionOk="0">
+                <a:moveTo>
+                  <a:pt x="0" y="0"/>
+                </a:moveTo>
+                <a:cubicBezTo>
+                  <a:pt x="140532" y="-8925"/>
+                  <a:pt x="484232" y="6002"/>
+                  <a:pt x="655081" y="0"/>
+                </a:cubicBezTo>
+                <a:cubicBezTo>
+                  <a:pt x="825930" y="-6002"/>
+                  <a:pt x="995695" y="25905"/>
+                  <a:pt x="1269641" y="0"/>
+                </a:cubicBezTo>
+                <a:cubicBezTo>
+                  <a:pt x="1543587" y="-25905"/>
+                  <a:pt x="1817510" y="-22367"/>
+                  <a:pt x="2026023" y="0"/>
+                </a:cubicBezTo>
+                <a:cubicBezTo>
+                  <a:pt x="2032988" y="174446"/>
+                  <a:pt x="2013066" y="454538"/>
+                  <a:pt x="2026023" y="646331"/>
+                </a:cubicBezTo>
+                <a:cubicBezTo>
+                  <a:pt x="1874145" y="619945"/>
+                  <a:pt x="1518870" y="652903"/>
+                  <a:pt x="1391202" y="646331"/>
+                </a:cubicBezTo>
+                <a:cubicBezTo>
+                  <a:pt x="1263534" y="639759"/>
+                  <a:pt x="847448" y="645103"/>
+                  <a:pt x="675341" y="646331"/>
+                </a:cubicBezTo>
+                <a:cubicBezTo>
+                  <a:pt x="503234" y="647559"/>
+                  <a:pt x="135843" y="639285"/>
+                  <a:pt x="0" y="646331"/>
+                </a:cubicBezTo>
+                <a:cubicBezTo>
+                  <a:pt x="-31026" y="499526"/>
+                  <a:pt x="22584" y="204044"/>
+                  <a:pt x="0" y="0"/>
+                </a:cubicBezTo>
+                <a:close/>
+              </a:path>
+            </a:pathLst>
+          </a:custGeom>
+          <a:noFill/>
+          <a:ln w="44450" cap="rnd">
+            <a:solidFill>
+              <a:schemeClr val="accent2"/>
+            </a:solidFill>
+            <a:prstDash val="lgDash"/>
+            <a:extLst>
+              <a:ext uri="{C807C97D-BFC1-408E-A445-0C87EB9F89A2}">
+                <ask:lineSketchStyleProps xmlns:ask="http://schemas.microsoft.com/office/drawing/2018/sketchyshapes" sd="1219033472">
+                  <a:prstGeom prst="rect">
+                    <a:avLst/>
+                  </a:prstGeom>
+                  <ask:type>
+                    <ask:lineSketchFreehand/>
+                  </ask:type>
+                </ask:lineSketchStyleProps>
+              </a:ext>
+            </a:extLst>
+          </a:ln>
+        </p:spPr>
+        <p:txBody>
+          <a:bodyPr wrap="square" rtlCol="0">
+            <a:spAutoFit/>
+          </a:bodyPr>
+          <a:lstStyle/>
+          <a:p>
+            <a:r>
+              <a:rPr lang="it-IT" dirty="0"/>
+              <a:t>Temperature of the </a:t>
+            </a:r>
+            <a:r>
+              <a:rPr lang="it-IT" dirty="0" err="1"/>
+              <a:t>battery</a:t>
+            </a:r>
+            <a:r>
+              <a:rPr lang="it-IT" dirty="0"/>
+              <a:t>. </a:t>
+            </a:r>
+          </a:p>
+        </p:txBody>
+      </p:sp>
+      <p:sp>
+        <p:nvSpPr>
+          <p:cNvPr id="7" name="TextBox 6">
+            <a:extLst>
+              <a:ext uri="{FF2B5EF4-FFF2-40B4-BE49-F238E27FC236}">
+                <a16:creationId xmlns:a16="http://schemas.microsoft.com/office/drawing/2014/main" id="{7A8995C2-6518-4B76-9FC6-D816D2F37CF6}"/>
+              </a:ext>
+            </a:extLst>
+          </p:cNvPr>
+          <p:cNvSpPr txBox="1"/>
+          <p:nvPr/>
+        </p:nvSpPr>
+        <p:spPr>
+          <a:xfrm>
+            <a:off x="4566864" y="2877226"/>
             <a:ext cx="2026023" cy="646331"/>
           </a:xfrm>
           <a:custGeom>
@@ -7236,7 +7588,15 @@
           <a:p>
             <a:r>
               <a:rPr lang="it-IT" dirty="0" err="1"/>
-              <a:t>Vehicle</a:t>
+              <a:t>Percentage</a:t>
+            </a:r>
+            <a:r>
+              <a:rPr lang="it-IT" dirty="0"/>
+              <a:t> of </a:t>
+            </a:r>
+            <a:r>
+              <a:rPr lang="it-IT" dirty="0" err="1"/>
+              <a:t>battery</a:t>
             </a:r>
             <a:r>
               <a:rPr lang="it-IT" dirty="0"/>
@@ -7244,343 +7604,11 @@
             </a:r>
             <a:r>
               <a:rPr lang="it-IT" dirty="0" err="1"/>
-              <a:t>present</a:t>
+              <a:t>too</a:t>
             </a:r>
             <a:r>
               <a:rPr lang="it-IT" dirty="0"/>
-              <a:t> in </a:t>
-            </a:r>
-            <a:r>
-              <a:rPr lang="it-IT" dirty="0" err="1"/>
-              <a:t>charge</a:t>
-            </a:r>
-            <a:r>
-              <a:rPr lang="it-IT" dirty="0"/>
-              <a:t> station</a:t>
-            </a:r>
-          </a:p>
-        </p:txBody>
-      </p:sp>
-      <p:sp>
-        <p:nvSpPr>
-          <p:cNvPr id="6" name="TextBox 5">
-            <a:extLst>
-              <a:ext uri="{FF2B5EF4-FFF2-40B4-BE49-F238E27FC236}">
-                <a16:creationId xmlns:a16="http://schemas.microsoft.com/office/drawing/2014/main" id="{84C8C874-EB55-44E9-813C-502BFE3AB0A3}"/>
-              </a:ext>
-            </a:extLst>
-          </p:cNvPr>
-          <p:cNvSpPr txBox="1"/>
-          <p:nvPr/>
-        </p:nvSpPr>
-        <p:spPr>
-          <a:xfrm>
-            <a:off x="7576932" y="2551206"/>
-            <a:ext cx="2026023" cy="646331"/>
-          </a:xfrm>
-          <a:custGeom>
-            <a:avLst/>
-            <a:gdLst>
-              <a:gd name="connsiteX0" fmla="*/ 0 w 2026023"/>
-              <a:gd name="connsiteY0" fmla="*/ 0 h 646331"/>
-              <a:gd name="connsiteX1" fmla="*/ 655081 w 2026023"/>
-              <a:gd name="connsiteY1" fmla="*/ 0 h 646331"/>
-              <a:gd name="connsiteX2" fmla="*/ 1269641 w 2026023"/>
-              <a:gd name="connsiteY2" fmla="*/ 0 h 646331"/>
-              <a:gd name="connsiteX3" fmla="*/ 2026023 w 2026023"/>
-              <a:gd name="connsiteY3" fmla="*/ 0 h 646331"/>
-              <a:gd name="connsiteX4" fmla="*/ 2026023 w 2026023"/>
-              <a:gd name="connsiteY4" fmla="*/ 646331 h 646331"/>
-              <a:gd name="connsiteX5" fmla="*/ 1391202 w 2026023"/>
-              <a:gd name="connsiteY5" fmla="*/ 646331 h 646331"/>
-              <a:gd name="connsiteX6" fmla="*/ 675341 w 2026023"/>
-              <a:gd name="connsiteY6" fmla="*/ 646331 h 646331"/>
-              <a:gd name="connsiteX7" fmla="*/ 0 w 2026023"/>
-              <a:gd name="connsiteY7" fmla="*/ 646331 h 646331"/>
-              <a:gd name="connsiteX8" fmla="*/ 0 w 2026023"/>
-              <a:gd name="connsiteY8" fmla="*/ 0 h 646331"/>
-            </a:gdLst>
-            <a:ahLst/>
-            <a:cxnLst>
-              <a:cxn ang="0">
-                <a:pos x="connsiteX0" y="connsiteY0"/>
-              </a:cxn>
-              <a:cxn ang="0">
-                <a:pos x="connsiteX1" y="connsiteY1"/>
-              </a:cxn>
-              <a:cxn ang="0">
-                <a:pos x="connsiteX2" y="connsiteY2"/>
-              </a:cxn>
-              <a:cxn ang="0">
-                <a:pos x="connsiteX3" y="connsiteY3"/>
-              </a:cxn>
-              <a:cxn ang="0">
-                <a:pos x="connsiteX4" y="connsiteY4"/>
-              </a:cxn>
-              <a:cxn ang="0">
-                <a:pos x="connsiteX5" y="connsiteY5"/>
-              </a:cxn>
-              <a:cxn ang="0">
-                <a:pos x="connsiteX6" y="connsiteY6"/>
-              </a:cxn>
-              <a:cxn ang="0">
-                <a:pos x="connsiteX7" y="connsiteY7"/>
-              </a:cxn>
-              <a:cxn ang="0">
-                <a:pos x="connsiteX8" y="connsiteY8"/>
-              </a:cxn>
-            </a:cxnLst>
-            <a:rect l="l" t="t" r="r" b="b"/>
-            <a:pathLst>
-              <a:path w="2026023" h="646331" extrusionOk="0">
-                <a:moveTo>
-                  <a:pt x="0" y="0"/>
-                </a:moveTo>
-                <a:cubicBezTo>
-                  <a:pt x="140532" y="-8925"/>
-                  <a:pt x="484232" y="6002"/>
-                  <a:pt x="655081" y="0"/>
-                </a:cubicBezTo>
-                <a:cubicBezTo>
-                  <a:pt x="825930" y="-6002"/>
-                  <a:pt x="995695" y="25905"/>
-                  <a:pt x="1269641" y="0"/>
-                </a:cubicBezTo>
-                <a:cubicBezTo>
-                  <a:pt x="1543587" y="-25905"/>
-                  <a:pt x="1817510" y="-22367"/>
-                  <a:pt x="2026023" y="0"/>
-                </a:cubicBezTo>
-                <a:cubicBezTo>
-                  <a:pt x="2032988" y="174446"/>
-                  <a:pt x="2013066" y="454538"/>
-                  <a:pt x="2026023" y="646331"/>
-                </a:cubicBezTo>
-                <a:cubicBezTo>
-                  <a:pt x="1874145" y="619945"/>
-                  <a:pt x="1518870" y="652903"/>
-                  <a:pt x="1391202" y="646331"/>
-                </a:cubicBezTo>
-                <a:cubicBezTo>
-                  <a:pt x="1263534" y="639759"/>
-                  <a:pt x="847448" y="645103"/>
-                  <a:pt x="675341" y="646331"/>
-                </a:cubicBezTo>
-                <a:cubicBezTo>
-                  <a:pt x="503234" y="647559"/>
-                  <a:pt x="135843" y="639285"/>
-                  <a:pt x="0" y="646331"/>
-                </a:cubicBezTo>
-                <a:cubicBezTo>
-                  <a:pt x="-31026" y="499526"/>
-                  <a:pt x="22584" y="204044"/>
-                  <a:pt x="0" y="0"/>
-                </a:cubicBezTo>
-                <a:close/>
-              </a:path>
-            </a:pathLst>
-          </a:custGeom>
-          <a:noFill/>
-          <a:ln w="44450" cap="rnd">
-            <a:solidFill>
-              <a:schemeClr val="accent2"/>
-            </a:solidFill>
-            <a:prstDash val="lgDash"/>
-            <a:extLst>
-              <a:ext uri="{C807C97D-BFC1-408E-A445-0C87EB9F89A2}">
-                <ask:lineSketchStyleProps xmlns:ask="http://schemas.microsoft.com/office/drawing/2018/sketchyshapes" sd="1219033472">
-                  <a:prstGeom prst="rect">
-                    <a:avLst/>
-                  </a:prstGeom>
-                  <ask:type>
-                    <ask:lineSketchFreehand/>
-                  </ask:type>
-                </ask:lineSketchStyleProps>
-              </a:ext>
-            </a:extLst>
-          </a:ln>
-        </p:spPr>
-        <p:txBody>
-          <a:bodyPr wrap="square" rtlCol="0">
-            <a:spAutoFit/>
-          </a:bodyPr>
-          <a:lstStyle/>
-          <a:p>
-            <a:r>
-              <a:rPr lang="it-IT" dirty="0"/>
-              <a:t>Temperature of the </a:t>
-            </a:r>
-            <a:r>
-              <a:rPr lang="it-IT" dirty="0" err="1"/>
-              <a:t>battery</a:t>
-            </a:r>
-            <a:r>
-              <a:rPr lang="it-IT" dirty="0"/>
-              <a:t>. </a:t>
-            </a:r>
-          </a:p>
-        </p:txBody>
-      </p:sp>
-      <p:sp>
-        <p:nvSpPr>
-          <p:cNvPr id="7" name="TextBox 6">
-            <a:extLst>
-              <a:ext uri="{FF2B5EF4-FFF2-40B4-BE49-F238E27FC236}">
-                <a16:creationId xmlns:a16="http://schemas.microsoft.com/office/drawing/2014/main" id="{7A8995C2-6518-4B76-9FC6-D816D2F37CF6}"/>
-              </a:ext>
-            </a:extLst>
-          </p:cNvPr>
-          <p:cNvSpPr txBox="1"/>
-          <p:nvPr/>
-        </p:nvSpPr>
-        <p:spPr>
-          <a:xfrm>
-            <a:off x="5208493" y="3689849"/>
-            <a:ext cx="2026023" cy="646331"/>
-          </a:xfrm>
-          <a:custGeom>
-            <a:avLst/>
-            <a:gdLst>
-              <a:gd name="connsiteX0" fmla="*/ 0 w 2026023"/>
-              <a:gd name="connsiteY0" fmla="*/ 0 h 646331"/>
-              <a:gd name="connsiteX1" fmla="*/ 655081 w 2026023"/>
-              <a:gd name="connsiteY1" fmla="*/ 0 h 646331"/>
-              <a:gd name="connsiteX2" fmla="*/ 1269641 w 2026023"/>
-              <a:gd name="connsiteY2" fmla="*/ 0 h 646331"/>
-              <a:gd name="connsiteX3" fmla="*/ 2026023 w 2026023"/>
-              <a:gd name="connsiteY3" fmla="*/ 0 h 646331"/>
-              <a:gd name="connsiteX4" fmla="*/ 2026023 w 2026023"/>
-              <a:gd name="connsiteY4" fmla="*/ 646331 h 646331"/>
-              <a:gd name="connsiteX5" fmla="*/ 1391202 w 2026023"/>
-              <a:gd name="connsiteY5" fmla="*/ 646331 h 646331"/>
-              <a:gd name="connsiteX6" fmla="*/ 675341 w 2026023"/>
-              <a:gd name="connsiteY6" fmla="*/ 646331 h 646331"/>
-              <a:gd name="connsiteX7" fmla="*/ 0 w 2026023"/>
-              <a:gd name="connsiteY7" fmla="*/ 646331 h 646331"/>
-              <a:gd name="connsiteX8" fmla="*/ 0 w 2026023"/>
-              <a:gd name="connsiteY8" fmla="*/ 0 h 646331"/>
-            </a:gdLst>
-            <a:ahLst/>
-            <a:cxnLst>
-              <a:cxn ang="0">
-                <a:pos x="connsiteX0" y="connsiteY0"/>
-              </a:cxn>
-              <a:cxn ang="0">
-                <a:pos x="connsiteX1" y="connsiteY1"/>
-              </a:cxn>
-              <a:cxn ang="0">
-                <a:pos x="connsiteX2" y="connsiteY2"/>
-              </a:cxn>
-              <a:cxn ang="0">
-                <a:pos x="connsiteX3" y="connsiteY3"/>
-              </a:cxn>
-              <a:cxn ang="0">
-                <a:pos x="connsiteX4" y="connsiteY4"/>
-              </a:cxn>
-              <a:cxn ang="0">
-                <a:pos x="connsiteX5" y="connsiteY5"/>
-              </a:cxn>
-              <a:cxn ang="0">
-                <a:pos x="connsiteX6" y="connsiteY6"/>
-              </a:cxn>
-              <a:cxn ang="0">
-                <a:pos x="connsiteX7" y="connsiteY7"/>
-              </a:cxn>
-              <a:cxn ang="0">
-                <a:pos x="connsiteX8" y="connsiteY8"/>
-              </a:cxn>
-            </a:cxnLst>
-            <a:rect l="l" t="t" r="r" b="b"/>
-            <a:pathLst>
-              <a:path w="2026023" h="646331" extrusionOk="0">
-                <a:moveTo>
-                  <a:pt x="0" y="0"/>
-                </a:moveTo>
-                <a:cubicBezTo>
-                  <a:pt x="140532" y="-8925"/>
-                  <a:pt x="484232" y="6002"/>
-                  <a:pt x="655081" y="0"/>
-                </a:cubicBezTo>
-                <a:cubicBezTo>
-                  <a:pt x="825930" y="-6002"/>
-                  <a:pt x="995695" y="25905"/>
-                  <a:pt x="1269641" y="0"/>
-                </a:cubicBezTo>
-                <a:cubicBezTo>
-                  <a:pt x="1543587" y="-25905"/>
-                  <a:pt x="1817510" y="-22367"/>
-                  <a:pt x="2026023" y="0"/>
-                </a:cubicBezTo>
-                <a:cubicBezTo>
-                  <a:pt x="2032988" y="174446"/>
-                  <a:pt x="2013066" y="454538"/>
-                  <a:pt x="2026023" y="646331"/>
-                </a:cubicBezTo>
-                <a:cubicBezTo>
-                  <a:pt x="1874145" y="619945"/>
-                  <a:pt x="1518870" y="652903"/>
-                  <a:pt x="1391202" y="646331"/>
-                </a:cubicBezTo>
-                <a:cubicBezTo>
-                  <a:pt x="1263534" y="639759"/>
-                  <a:pt x="847448" y="645103"/>
-                  <a:pt x="675341" y="646331"/>
-                </a:cubicBezTo>
-                <a:cubicBezTo>
-                  <a:pt x="503234" y="647559"/>
-                  <a:pt x="135843" y="639285"/>
-                  <a:pt x="0" y="646331"/>
-                </a:cubicBezTo>
-                <a:cubicBezTo>
-                  <a:pt x="-31026" y="499526"/>
-                  <a:pt x="22584" y="204044"/>
-                  <a:pt x="0" y="0"/>
-                </a:cubicBezTo>
-                <a:close/>
-              </a:path>
-            </a:pathLst>
-          </a:custGeom>
-          <a:noFill/>
-          <a:ln w="38100">
-            <a:solidFill>
-              <a:schemeClr val="accent2"/>
-            </a:solidFill>
-            <a:prstDash val="lgDash"/>
-            <a:extLst>
-              <a:ext uri="{C807C97D-BFC1-408E-A445-0C87EB9F89A2}">
-                <ask:lineSketchStyleProps xmlns:ask="http://schemas.microsoft.com/office/drawing/2018/sketchyshapes" sd="1219033472">
-                  <a:prstGeom prst="rect">
-                    <a:avLst/>
-                  </a:prstGeom>
-                  <ask:type>
-                    <ask:lineSketchFreehand/>
-                  </ask:type>
-                </ask:lineSketchStyleProps>
-              </a:ext>
-            </a:extLst>
-          </a:ln>
-        </p:spPr>
-        <p:txBody>
-          <a:bodyPr wrap="square" rtlCol="0">
-            <a:spAutoFit/>
-          </a:bodyPr>
-          <a:lstStyle/>
-          <a:p>
-            <a:r>
-              <a:rPr lang="it-IT" dirty="0" err="1"/>
-              <a:t>Percentage</a:t>
-            </a:r>
-            <a:r>
-              <a:rPr lang="it-IT" dirty="0"/>
-              <a:t> of </a:t>
-            </a:r>
-            <a:r>
-              <a:rPr lang="it-IT" dirty="0" err="1"/>
-              <a:t>battery</a:t>
-            </a:r>
-            <a:r>
-              <a:rPr lang="it-IT" dirty="0"/>
-              <a:t> </a:t>
+              <a:t> low</a:t>
             </a:r>
           </a:p>
         </p:txBody>
@@ -7599,7 +7627,7 @@
         </p:nvSpPr>
         <p:spPr>
           <a:xfrm>
-            <a:off x="7234515" y="4596218"/>
+            <a:off x="7027081" y="3916548"/>
             <a:ext cx="2026023" cy="923330"/>
           </a:xfrm>
           <a:custGeom>
@@ -8745,7 +8773,7 @@
         <p:spPr>
           <a:xfrm>
             <a:off x="5414682" y="3729318"/>
-            <a:ext cx="2626659" cy="646331"/>
+            <a:ext cx="2626659" cy="923330"/>
           </a:xfrm>
           <a:prstGeom prst="rect">
             <a:avLst/>
@@ -8760,8 +8788,11 @@
           <a:p>
             <a:r>
               <a:rPr lang="it-IT" dirty="0"/>
-              <a:t>Immagine Dashboard funzionante </a:t>
-            </a:r>
+              <a:t>IMMAGINE DASHBOARD FUNZIONANTE</a:t>
+            </a:r>
+          </a:p>
+          <a:p>
+            <a:endParaRPr lang="it-IT" dirty="0"/>
           </a:p>
         </p:txBody>
       </p:sp>

--- a/Materiale Extra/Presentazione del progetto .pptx
+++ b/Materiale Extra/Presentazione del progetto .pptx
@@ -18,6 +18,8 @@
     <p:sldId id="265" r:id="rId12"/>
     <p:sldId id="266" r:id="rId13"/>
     <p:sldId id="267" r:id="rId14"/>
+    <p:sldId id="269" r:id="rId15"/>
+    <p:sldId id="270" r:id="rId16"/>
   </p:sldIdLst>
   <p:sldSz cx="12192000" cy="6858000"/>
   <p:notesSz cx="6858000" cy="9144000"/>
@@ -8842,7 +8844,12 @@
             <p:ph type="title"/>
           </p:nvPr>
         </p:nvSpPr>
-        <p:spPr/>
+        <p:spPr>
+          <a:xfrm>
+            <a:off x="1233146" y="0"/>
+            <a:ext cx="8596668" cy="1320800"/>
+          </a:xfrm>
+        </p:spPr>
         <p:txBody>
           <a:bodyPr/>
           <a:lstStyle/>
@@ -8856,6 +8863,673 @@
               <a:rPr lang="it-IT" dirty="0"/>
             </a:br>
             <a:endParaRPr lang="it-IT" dirty="0"/>
+          </a:p>
+        </p:txBody>
+      </p:sp>
+      <p:sp>
+        <p:nvSpPr>
+          <p:cNvPr id="6" name="Content Placeholder 5">
+            <a:extLst>
+              <a:ext uri="{FF2B5EF4-FFF2-40B4-BE49-F238E27FC236}">
+                <a16:creationId xmlns:a16="http://schemas.microsoft.com/office/drawing/2014/main" id="{A5045136-5B85-46D5-84E1-C00D0808E869}"/>
+              </a:ext>
+            </a:extLst>
+          </p:cNvPr>
+          <p:cNvSpPr txBox="1">
+            <a:spLocks/>
+          </p:cNvSpPr>
+          <p:nvPr/>
+        </p:nvSpPr>
+        <p:spPr>
+          <a:xfrm>
+            <a:off x="305084" y="1624679"/>
+            <a:ext cx="3854766" cy="6658709"/>
+          </a:xfrm>
+          <a:prstGeom prst="rect">
+            <a:avLst/>
+          </a:prstGeom>
+        </p:spPr>
+        <p:txBody>
+          <a:bodyPr/>
+          <a:lstStyle>
+            <a:lvl1pPr marL="342900" indent="-342900" algn="l" defTabSz="457200" rtl="0" eaLnBrk="1" latinLnBrk="0" hangingPunct="1">
+              <a:spcBef>
+                <a:spcPts val="1000"/>
+              </a:spcBef>
+              <a:spcAft>
+                <a:spcPts val="0"/>
+              </a:spcAft>
+              <a:buClr>
+                <a:schemeClr val="accent1"/>
+              </a:buClr>
+              <a:buSzPct val="80000"/>
+              <a:buFont typeface="Wingdings 3" charset="2"/>
+              <a:buChar char=""/>
+              <a:defRPr sz="1800" kern="1200">
+                <a:solidFill>
+                  <a:schemeClr val="tx1">
+                    <a:lumMod val="75000"/>
+                    <a:lumOff val="25000"/>
+                  </a:schemeClr>
+                </a:solidFill>
+                <a:latin typeface="+mn-lt"/>
+                <a:ea typeface="+mn-ea"/>
+                <a:cs typeface="+mn-cs"/>
+              </a:defRPr>
+            </a:lvl1pPr>
+            <a:lvl2pPr marL="742950" indent="-285750" algn="l" defTabSz="457200" rtl="0" eaLnBrk="1" latinLnBrk="0" hangingPunct="1">
+              <a:spcBef>
+                <a:spcPts val="1000"/>
+              </a:spcBef>
+              <a:spcAft>
+                <a:spcPts val="0"/>
+              </a:spcAft>
+              <a:buClr>
+                <a:schemeClr val="accent1"/>
+              </a:buClr>
+              <a:buSzPct val="80000"/>
+              <a:buFont typeface="Wingdings 3" charset="2"/>
+              <a:buChar char=""/>
+              <a:defRPr sz="1600" kern="1200">
+                <a:solidFill>
+                  <a:schemeClr val="tx1">
+                    <a:lumMod val="75000"/>
+                    <a:lumOff val="25000"/>
+                  </a:schemeClr>
+                </a:solidFill>
+                <a:latin typeface="+mn-lt"/>
+                <a:ea typeface="+mn-ea"/>
+                <a:cs typeface="+mn-cs"/>
+              </a:defRPr>
+            </a:lvl2pPr>
+            <a:lvl3pPr marL="1143000" indent="-228600" algn="l" defTabSz="457200" rtl="0" eaLnBrk="1" latinLnBrk="0" hangingPunct="1">
+              <a:spcBef>
+                <a:spcPts val="1000"/>
+              </a:spcBef>
+              <a:spcAft>
+                <a:spcPts val="0"/>
+              </a:spcAft>
+              <a:buClr>
+                <a:schemeClr val="accent1"/>
+              </a:buClr>
+              <a:buSzPct val="80000"/>
+              <a:buFont typeface="Wingdings 3" charset="2"/>
+              <a:buChar char=""/>
+              <a:defRPr sz="1400" kern="1200">
+                <a:solidFill>
+                  <a:schemeClr val="tx1">
+                    <a:lumMod val="75000"/>
+                    <a:lumOff val="25000"/>
+                  </a:schemeClr>
+                </a:solidFill>
+                <a:latin typeface="+mn-lt"/>
+                <a:ea typeface="+mn-ea"/>
+                <a:cs typeface="+mn-cs"/>
+              </a:defRPr>
+            </a:lvl3pPr>
+            <a:lvl4pPr marL="1600200" indent="-228600" algn="l" defTabSz="457200" rtl="0" eaLnBrk="1" latinLnBrk="0" hangingPunct="1">
+              <a:spcBef>
+                <a:spcPts val="1000"/>
+              </a:spcBef>
+              <a:spcAft>
+                <a:spcPts val="0"/>
+              </a:spcAft>
+              <a:buClr>
+                <a:schemeClr val="accent1"/>
+              </a:buClr>
+              <a:buSzPct val="80000"/>
+              <a:buFont typeface="Wingdings 3" charset="2"/>
+              <a:buChar char=""/>
+              <a:defRPr sz="1200" kern="1200">
+                <a:solidFill>
+                  <a:schemeClr val="tx1">
+                    <a:lumMod val="75000"/>
+                    <a:lumOff val="25000"/>
+                  </a:schemeClr>
+                </a:solidFill>
+                <a:latin typeface="+mn-lt"/>
+                <a:ea typeface="+mn-ea"/>
+                <a:cs typeface="+mn-cs"/>
+              </a:defRPr>
+            </a:lvl4pPr>
+            <a:lvl5pPr marL="2057400" indent="-228600" algn="l" defTabSz="457200" rtl="0" eaLnBrk="1" latinLnBrk="0" hangingPunct="1">
+              <a:spcBef>
+                <a:spcPts val="1000"/>
+              </a:spcBef>
+              <a:spcAft>
+                <a:spcPts val="0"/>
+              </a:spcAft>
+              <a:buClr>
+                <a:schemeClr val="accent1"/>
+              </a:buClr>
+              <a:buSzPct val="80000"/>
+              <a:buFont typeface="Wingdings 3" charset="2"/>
+              <a:buChar char=""/>
+              <a:defRPr sz="1200" kern="1200">
+                <a:solidFill>
+                  <a:schemeClr val="tx1">
+                    <a:lumMod val="75000"/>
+                    <a:lumOff val="25000"/>
+                  </a:schemeClr>
+                </a:solidFill>
+                <a:latin typeface="+mn-lt"/>
+                <a:ea typeface="+mn-ea"/>
+                <a:cs typeface="+mn-cs"/>
+              </a:defRPr>
+            </a:lvl5pPr>
+            <a:lvl6pPr marL="2514600" indent="-228600" algn="l" defTabSz="457200" rtl="0" eaLnBrk="1" latinLnBrk="0" hangingPunct="1">
+              <a:spcBef>
+                <a:spcPts val="1000"/>
+              </a:spcBef>
+              <a:spcAft>
+                <a:spcPts val="0"/>
+              </a:spcAft>
+              <a:buClr>
+                <a:schemeClr val="accent1"/>
+              </a:buClr>
+              <a:buSzPct val="80000"/>
+              <a:buFont typeface="Wingdings 3" charset="2"/>
+              <a:buChar char=""/>
+              <a:defRPr sz="1200" kern="1200">
+                <a:solidFill>
+                  <a:schemeClr val="tx1">
+                    <a:lumMod val="75000"/>
+                    <a:lumOff val="25000"/>
+                  </a:schemeClr>
+                </a:solidFill>
+                <a:latin typeface="+mn-lt"/>
+                <a:ea typeface="+mn-ea"/>
+                <a:cs typeface="+mn-cs"/>
+              </a:defRPr>
+            </a:lvl6pPr>
+            <a:lvl7pPr marL="2971800" indent="-228600" algn="l" defTabSz="457200" rtl="0" eaLnBrk="1" latinLnBrk="0" hangingPunct="1">
+              <a:spcBef>
+                <a:spcPts val="1000"/>
+              </a:spcBef>
+              <a:spcAft>
+                <a:spcPts val="0"/>
+              </a:spcAft>
+              <a:buClr>
+                <a:schemeClr val="accent1"/>
+              </a:buClr>
+              <a:buSzPct val="80000"/>
+              <a:buFont typeface="Wingdings 3" charset="2"/>
+              <a:buChar char=""/>
+              <a:defRPr sz="1200" kern="1200">
+                <a:solidFill>
+                  <a:schemeClr val="tx1">
+                    <a:lumMod val="75000"/>
+                    <a:lumOff val="25000"/>
+                  </a:schemeClr>
+                </a:solidFill>
+                <a:latin typeface="+mn-lt"/>
+                <a:ea typeface="+mn-ea"/>
+                <a:cs typeface="+mn-cs"/>
+              </a:defRPr>
+            </a:lvl7pPr>
+            <a:lvl8pPr marL="3429000" indent="-228600" algn="l" defTabSz="457200" rtl="0" eaLnBrk="1" latinLnBrk="0" hangingPunct="1">
+              <a:spcBef>
+                <a:spcPts val="1000"/>
+              </a:spcBef>
+              <a:spcAft>
+                <a:spcPts val="0"/>
+              </a:spcAft>
+              <a:buClr>
+                <a:schemeClr val="accent1"/>
+              </a:buClr>
+              <a:buSzPct val="80000"/>
+              <a:buFont typeface="Wingdings 3" charset="2"/>
+              <a:buChar char=""/>
+              <a:defRPr sz="1200" kern="1200">
+                <a:solidFill>
+                  <a:schemeClr val="tx1">
+                    <a:lumMod val="75000"/>
+                    <a:lumOff val="25000"/>
+                  </a:schemeClr>
+                </a:solidFill>
+                <a:latin typeface="+mn-lt"/>
+                <a:ea typeface="+mn-ea"/>
+                <a:cs typeface="+mn-cs"/>
+              </a:defRPr>
+            </a:lvl8pPr>
+            <a:lvl9pPr marL="3886200" indent="-228600" algn="l" defTabSz="457200" rtl="0" eaLnBrk="1" latinLnBrk="0" hangingPunct="1">
+              <a:spcBef>
+                <a:spcPts val="1000"/>
+              </a:spcBef>
+              <a:spcAft>
+                <a:spcPts val="0"/>
+              </a:spcAft>
+              <a:buClr>
+                <a:schemeClr val="accent1"/>
+              </a:buClr>
+              <a:buSzPct val="80000"/>
+              <a:buFont typeface="Wingdings 3" charset="2"/>
+              <a:buChar char=""/>
+              <a:defRPr sz="1200" kern="1200">
+                <a:solidFill>
+                  <a:schemeClr val="tx1">
+                    <a:lumMod val="75000"/>
+                    <a:lumOff val="25000"/>
+                  </a:schemeClr>
+                </a:solidFill>
+                <a:latin typeface="+mn-lt"/>
+                <a:ea typeface="+mn-ea"/>
+                <a:cs typeface="+mn-cs"/>
+              </a:defRPr>
+            </a:lvl9pPr>
+          </a:lstStyle>
+          <a:p>
+            <a:pPr marL="0" indent="0">
+              <a:buNone/>
+            </a:pPr>
+            <a:r>
+              <a:rPr lang="it-IT" sz="1600" b="1" dirty="0" err="1">
+                <a:solidFill>
+                  <a:schemeClr val="tx1"/>
+                </a:solidFill>
+              </a:rPr>
+              <a:t>Command</a:t>
+            </a:r>
+            <a:r>
+              <a:rPr lang="it-IT" sz="1600" b="1" dirty="0">
+                <a:solidFill>
+                  <a:schemeClr val="tx1"/>
+                </a:solidFill>
+              </a:rPr>
+              <a:t>:</a:t>
+            </a:r>
+          </a:p>
+          <a:p>
+            <a:pPr algn="just"/>
+            <a:r>
+              <a:rPr lang="it-IT" sz="1600" b="1" dirty="0">
+                <a:solidFill>
+                  <a:schemeClr val="tx1"/>
+                </a:solidFill>
+              </a:rPr>
+              <a:t>/start: </a:t>
+            </a:r>
+            <a:r>
+              <a:rPr lang="it-IT" sz="1600" dirty="0">
+                <a:solidFill>
+                  <a:schemeClr val="tx1"/>
+                </a:solidFill>
+              </a:rPr>
+              <a:t>Show to the user </a:t>
+            </a:r>
+            <a:r>
+              <a:rPr lang="it-IT" sz="1600" dirty="0" err="1">
+                <a:solidFill>
+                  <a:schemeClr val="tx1"/>
+                </a:solidFill>
+              </a:rPr>
+              <a:t>all</a:t>
+            </a:r>
+            <a:r>
+              <a:rPr lang="it-IT" sz="1600" dirty="0">
+                <a:solidFill>
+                  <a:schemeClr val="tx1"/>
+                </a:solidFill>
+              </a:rPr>
+              <a:t> the </a:t>
+            </a:r>
+            <a:r>
+              <a:rPr lang="it-IT" sz="1600" dirty="0" err="1">
+                <a:solidFill>
+                  <a:schemeClr val="tx1"/>
+                </a:solidFill>
+              </a:rPr>
+              <a:t>command</a:t>
+            </a:r>
+            <a:r>
+              <a:rPr lang="it-IT" sz="1600" dirty="0">
+                <a:solidFill>
+                  <a:schemeClr val="tx1"/>
+                </a:solidFill>
+              </a:rPr>
+              <a:t> </a:t>
+            </a:r>
+            <a:r>
+              <a:rPr lang="it-IT" sz="1600" dirty="0" err="1">
+                <a:solidFill>
+                  <a:schemeClr val="tx1"/>
+                </a:solidFill>
+              </a:rPr>
+              <a:t>available</a:t>
+            </a:r>
+            <a:r>
+              <a:rPr lang="it-IT" sz="1600" dirty="0">
+                <a:solidFill>
+                  <a:schemeClr val="tx1"/>
+                </a:solidFill>
+              </a:rPr>
+              <a:t> on </a:t>
+            </a:r>
+            <a:r>
+              <a:rPr lang="it-IT" sz="1600" dirty="0" err="1">
+                <a:solidFill>
+                  <a:schemeClr val="tx1"/>
+                </a:solidFill>
+              </a:rPr>
+              <a:t>TelegramBot</a:t>
+            </a:r>
+            <a:r>
+              <a:rPr lang="it-IT" sz="1600" dirty="0">
+                <a:solidFill>
+                  <a:schemeClr val="tx1"/>
+                </a:solidFill>
+              </a:rPr>
+              <a:t>. </a:t>
+            </a:r>
+          </a:p>
+          <a:p>
+            <a:pPr algn="just"/>
+            <a:r>
+              <a:rPr lang="it-IT" sz="1600" b="1" dirty="0">
+                <a:solidFill>
+                  <a:schemeClr val="tx1"/>
+                </a:solidFill>
+              </a:rPr>
+              <a:t>/</a:t>
+            </a:r>
+            <a:r>
+              <a:rPr lang="it-IT" sz="1600" b="1" dirty="0" err="1">
+                <a:solidFill>
+                  <a:schemeClr val="tx1"/>
+                </a:solidFill>
+              </a:rPr>
+              <a:t>IsPresence</a:t>
+            </a:r>
+            <a:r>
+              <a:rPr lang="it-IT" sz="1600" b="1" dirty="0">
+                <a:solidFill>
+                  <a:schemeClr val="tx1"/>
+                </a:solidFill>
+              </a:rPr>
+              <a:t>: </a:t>
+            </a:r>
+            <a:r>
+              <a:rPr lang="it-IT" sz="1600" dirty="0">
+                <a:solidFill>
+                  <a:schemeClr val="tx1"/>
+                </a:solidFill>
+              </a:rPr>
+              <a:t> </a:t>
+            </a:r>
+            <a:r>
+              <a:rPr lang="it-IT" sz="1600" dirty="0" err="1">
+                <a:solidFill>
+                  <a:schemeClr val="tx1"/>
+                </a:solidFill>
+              </a:rPr>
+              <a:t>Communicate</a:t>
+            </a:r>
+            <a:r>
+              <a:rPr lang="it-IT" sz="1600" dirty="0">
+                <a:solidFill>
+                  <a:schemeClr val="tx1"/>
+                </a:solidFill>
+              </a:rPr>
+              <a:t> to the user </a:t>
+            </a:r>
+            <a:r>
+              <a:rPr lang="it-IT" sz="1600" dirty="0" err="1">
+                <a:solidFill>
+                  <a:schemeClr val="tx1"/>
+                </a:solidFill>
+              </a:rPr>
+              <a:t>if</a:t>
+            </a:r>
+            <a:r>
+              <a:rPr lang="it-IT" sz="1600" dirty="0">
+                <a:solidFill>
+                  <a:schemeClr val="tx1"/>
+                </a:solidFill>
+              </a:rPr>
+              <a:t> the </a:t>
+            </a:r>
+            <a:r>
+              <a:rPr lang="it-IT" sz="1600" dirty="0" err="1">
+                <a:solidFill>
+                  <a:schemeClr val="tx1"/>
+                </a:solidFill>
+              </a:rPr>
+              <a:t>vehicle</a:t>
+            </a:r>
+            <a:r>
+              <a:rPr lang="it-IT" sz="1600" dirty="0">
+                <a:solidFill>
+                  <a:schemeClr val="tx1"/>
+                </a:solidFill>
+              </a:rPr>
+              <a:t> </a:t>
+            </a:r>
+            <a:r>
+              <a:rPr lang="it-IT" sz="1600" dirty="0" err="1">
+                <a:solidFill>
+                  <a:schemeClr val="tx1"/>
+                </a:solidFill>
+              </a:rPr>
+              <a:t>is</a:t>
+            </a:r>
+            <a:r>
+              <a:rPr lang="it-IT" sz="1600" dirty="0">
+                <a:solidFill>
+                  <a:schemeClr val="tx1"/>
+                </a:solidFill>
+              </a:rPr>
+              <a:t> in </a:t>
+            </a:r>
+            <a:r>
+              <a:rPr lang="it-IT" sz="1600" dirty="0" err="1">
+                <a:solidFill>
+                  <a:schemeClr val="tx1"/>
+                </a:solidFill>
+              </a:rPr>
+              <a:t>charge</a:t>
+            </a:r>
+            <a:r>
+              <a:rPr lang="it-IT" sz="1600" dirty="0">
+                <a:solidFill>
+                  <a:schemeClr val="tx1"/>
+                </a:solidFill>
+              </a:rPr>
+              <a:t> station or </a:t>
+            </a:r>
+            <a:r>
+              <a:rPr lang="it-IT" sz="1600" dirty="0" err="1">
+                <a:solidFill>
+                  <a:schemeClr val="tx1"/>
+                </a:solidFill>
+              </a:rPr>
+              <a:t>not</a:t>
+            </a:r>
+            <a:r>
+              <a:rPr lang="it-IT" sz="1600" dirty="0">
+                <a:solidFill>
+                  <a:schemeClr val="tx1"/>
+                </a:solidFill>
+              </a:rPr>
+              <a:t>.  </a:t>
+            </a:r>
+            <a:endParaRPr lang="it-IT" sz="1600" b="1" dirty="0">
+              <a:solidFill>
+                <a:schemeClr val="tx1"/>
+              </a:solidFill>
+            </a:endParaRPr>
+          </a:p>
+          <a:p>
+            <a:pPr algn="just"/>
+            <a:r>
+              <a:rPr lang="it-IT" sz="1600" b="1" dirty="0">
+                <a:solidFill>
+                  <a:schemeClr val="tx1"/>
+                </a:solidFill>
+              </a:rPr>
+              <a:t>/</a:t>
+            </a:r>
+            <a:r>
+              <a:rPr lang="it-IT" sz="1600" b="1" dirty="0" err="1">
+                <a:solidFill>
+                  <a:schemeClr val="tx1"/>
+                </a:solidFill>
+              </a:rPr>
+              <a:t>AlertSMS</a:t>
+            </a:r>
+            <a:r>
+              <a:rPr lang="it-IT" sz="1600" b="1" dirty="0">
+                <a:solidFill>
+                  <a:schemeClr val="tx1"/>
+                </a:solidFill>
+              </a:rPr>
+              <a:t>: </a:t>
+            </a:r>
+            <a:r>
+              <a:rPr lang="it-IT" sz="1600" dirty="0" err="1">
+                <a:solidFill>
+                  <a:schemeClr val="tx1"/>
+                </a:solidFill>
+              </a:rPr>
+              <a:t>Communicate</a:t>
+            </a:r>
+            <a:r>
+              <a:rPr lang="it-IT" sz="1600" dirty="0">
+                <a:solidFill>
+                  <a:schemeClr val="tx1"/>
+                </a:solidFill>
+              </a:rPr>
+              <a:t> to the user </a:t>
+            </a:r>
+            <a:r>
+              <a:rPr lang="it-IT" sz="1600" dirty="0" err="1">
+                <a:solidFill>
+                  <a:schemeClr val="tx1"/>
+                </a:solidFill>
+              </a:rPr>
+              <a:t>if</a:t>
+            </a:r>
+            <a:r>
+              <a:rPr lang="it-IT" sz="1600" dirty="0">
+                <a:solidFill>
+                  <a:schemeClr val="tx1"/>
+                </a:solidFill>
+              </a:rPr>
+              <a:t> </a:t>
+            </a:r>
+            <a:r>
+              <a:rPr lang="it-IT" sz="1600" dirty="0" err="1">
+                <a:solidFill>
+                  <a:schemeClr val="tx1"/>
+                </a:solidFill>
+              </a:rPr>
+              <a:t>there</a:t>
+            </a:r>
+            <a:r>
+              <a:rPr lang="it-IT" sz="1600" dirty="0">
+                <a:solidFill>
+                  <a:schemeClr val="tx1"/>
+                </a:solidFill>
+              </a:rPr>
+              <a:t> are </a:t>
+            </a:r>
+            <a:r>
+              <a:rPr lang="it-IT" sz="1600" dirty="0" err="1">
+                <a:solidFill>
+                  <a:schemeClr val="tx1"/>
+                </a:solidFill>
+              </a:rPr>
+              <a:t>issue</a:t>
+            </a:r>
+            <a:r>
+              <a:rPr lang="it-IT" sz="1600" dirty="0">
+                <a:solidFill>
+                  <a:schemeClr val="tx1"/>
+                </a:solidFill>
+              </a:rPr>
+              <a:t> </a:t>
+            </a:r>
+            <a:r>
+              <a:rPr lang="it-IT" sz="1600" dirty="0" err="1">
+                <a:solidFill>
+                  <a:schemeClr val="tx1"/>
+                </a:solidFill>
+              </a:rPr>
+              <a:t>about</a:t>
+            </a:r>
+            <a:r>
+              <a:rPr lang="it-IT" sz="1600" dirty="0">
+                <a:solidFill>
+                  <a:schemeClr val="tx1"/>
+                </a:solidFill>
+              </a:rPr>
+              <a:t> the </a:t>
+            </a:r>
+            <a:r>
+              <a:rPr lang="it-IT" sz="1600" dirty="0" err="1">
+                <a:solidFill>
+                  <a:schemeClr val="tx1"/>
+                </a:solidFill>
+              </a:rPr>
+              <a:t>charging</a:t>
+            </a:r>
+            <a:r>
+              <a:rPr lang="it-IT" sz="1600" dirty="0">
+                <a:solidFill>
+                  <a:schemeClr val="tx1"/>
+                </a:solidFill>
+              </a:rPr>
+              <a:t> of </a:t>
+            </a:r>
+            <a:r>
+              <a:rPr lang="it-IT" sz="1600" dirty="0" err="1">
+                <a:solidFill>
+                  <a:schemeClr val="tx1"/>
+                </a:solidFill>
+              </a:rPr>
+              <a:t>his</a:t>
+            </a:r>
+            <a:r>
+              <a:rPr lang="it-IT" sz="1600" dirty="0">
+                <a:solidFill>
+                  <a:schemeClr val="tx1"/>
+                </a:solidFill>
+              </a:rPr>
+              <a:t> </a:t>
+            </a:r>
+            <a:r>
+              <a:rPr lang="it-IT" sz="1600" dirty="0" err="1">
+                <a:solidFill>
+                  <a:schemeClr val="tx1"/>
+                </a:solidFill>
+              </a:rPr>
+              <a:t>vehicle</a:t>
+            </a:r>
+            <a:r>
+              <a:rPr lang="it-IT" sz="1600" dirty="0">
+                <a:solidFill>
+                  <a:schemeClr val="tx1"/>
+                </a:solidFill>
+              </a:rPr>
+              <a:t>. </a:t>
+            </a:r>
+            <a:endParaRPr lang="it-IT" sz="1600" b="1" dirty="0">
+              <a:solidFill>
+                <a:schemeClr val="tx1"/>
+              </a:solidFill>
+            </a:endParaRPr>
+          </a:p>
+          <a:p>
+            <a:pPr marL="0" indent="0" algn="just">
+              <a:buNone/>
+            </a:pPr>
+            <a:r>
+              <a:rPr lang="it-IT" sz="1600" dirty="0">
+                <a:solidFill>
+                  <a:schemeClr val="tx1"/>
+                </a:solidFill>
+              </a:rPr>
+              <a:t> </a:t>
+            </a:r>
           </a:p>
         </p:txBody>
       </p:sp>
@@ -8863,6 +9537,1086 @@
     <p:extLst>
       <p:ext uri="{BB962C8B-B14F-4D97-AF65-F5344CB8AC3E}">
         <p14:creationId xmlns:p14="http://schemas.microsoft.com/office/powerpoint/2010/main" val="1286614412"/>
+      </p:ext>
+    </p:extLst>
+  </p:cSld>
+  <p:clrMapOvr>
+    <a:masterClrMapping/>
+  </p:clrMapOvr>
+</p:sld>
+</file>
+
+<file path=ppt/slides/slide14.xml><?xml version="1.0" encoding="utf-8"?>
+<p:sld xmlns:a="http://schemas.openxmlformats.org/drawingml/2006/main" xmlns:r="http://schemas.openxmlformats.org/officeDocument/2006/relationships" xmlns:p="http://schemas.openxmlformats.org/presentationml/2006/main">
+  <p:cSld>
+    <p:spTree>
+      <p:nvGrpSpPr>
+        <p:cNvPr id="1" name=""/>
+        <p:cNvGrpSpPr/>
+        <p:nvPr/>
+      </p:nvGrpSpPr>
+      <p:grpSpPr>
+        <a:xfrm>
+          <a:off x="0" y="0"/>
+          <a:ext cx="0" cy="0"/>
+          <a:chOff x="0" y="0"/>
+          <a:chExt cx="0" cy="0"/>
+        </a:xfrm>
+      </p:grpSpPr>
+      <p:sp>
+        <p:nvSpPr>
+          <p:cNvPr id="2" name="Title 1">
+            <a:extLst>
+              <a:ext uri="{FF2B5EF4-FFF2-40B4-BE49-F238E27FC236}">
+                <a16:creationId xmlns:a16="http://schemas.microsoft.com/office/drawing/2014/main" id="{5D8375A1-E6A2-473B-B643-5C150BBFA568}"/>
+              </a:ext>
+            </a:extLst>
+          </p:cNvPr>
+          <p:cNvSpPr>
+            <a:spLocks noGrp="1"/>
+          </p:cNvSpPr>
+          <p:nvPr>
+            <p:ph type="title"/>
+          </p:nvPr>
+        </p:nvSpPr>
+        <p:spPr>
+          <a:xfrm>
+            <a:off x="1233146" y="0"/>
+            <a:ext cx="8596668" cy="1320800"/>
+          </a:xfrm>
+        </p:spPr>
+        <p:txBody>
+          <a:bodyPr/>
+          <a:lstStyle/>
+          <a:p>
+            <a:pPr algn="ctr"/>
+            <a:r>
+              <a:rPr lang="it-IT" dirty="0"/>
+              <a:t>Telegram Bot</a:t>
+            </a:r>
+            <a:br>
+              <a:rPr lang="it-IT" dirty="0"/>
+            </a:br>
+            <a:endParaRPr lang="it-IT" dirty="0"/>
+          </a:p>
+        </p:txBody>
+      </p:sp>
+      <p:sp>
+        <p:nvSpPr>
+          <p:cNvPr id="6" name="Content Placeholder 5">
+            <a:extLst>
+              <a:ext uri="{FF2B5EF4-FFF2-40B4-BE49-F238E27FC236}">
+                <a16:creationId xmlns:a16="http://schemas.microsoft.com/office/drawing/2014/main" id="{A5045136-5B85-46D5-84E1-C00D0808E869}"/>
+              </a:ext>
+            </a:extLst>
+          </p:cNvPr>
+          <p:cNvSpPr txBox="1">
+            <a:spLocks/>
+          </p:cNvSpPr>
+          <p:nvPr/>
+        </p:nvSpPr>
+        <p:spPr>
+          <a:xfrm>
+            <a:off x="425838" y="1884654"/>
+            <a:ext cx="3854766" cy="6658709"/>
+          </a:xfrm>
+          <a:prstGeom prst="rect">
+            <a:avLst/>
+          </a:prstGeom>
+        </p:spPr>
+        <p:txBody>
+          <a:bodyPr/>
+          <a:lstStyle>
+            <a:lvl1pPr marL="342900" indent="-342900" algn="l" defTabSz="457200" rtl="0" eaLnBrk="1" latinLnBrk="0" hangingPunct="1">
+              <a:spcBef>
+                <a:spcPts val="1000"/>
+              </a:spcBef>
+              <a:spcAft>
+                <a:spcPts val="0"/>
+              </a:spcAft>
+              <a:buClr>
+                <a:schemeClr val="accent1"/>
+              </a:buClr>
+              <a:buSzPct val="80000"/>
+              <a:buFont typeface="Wingdings 3" charset="2"/>
+              <a:buChar char=""/>
+              <a:defRPr sz="1800" kern="1200">
+                <a:solidFill>
+                  <a:schemeClr val="tx1">
+                    <a:lumMod val="75000"/>
+                    <a:lumOff val="25000"/>
+                  </a:schemeClr>
+                </a:solidFill>
+                <a:latin typeface="+mn-lt"/>
+                <a:ea typeface="+mn-ea"/>
+                <a:cs typeface="+mn-cs"/>
+              </a:defRPr>
+            </a:lvl1pPr>
+            <a:lvl2pPr marL="742950" indent="-285750" algn="l" defTabSz="457200" rtl="0" eaLnBrk="1" latinLnBrk="0" hangingPunct="1">
+              <a:spcBef>
+                <a:spcPts val="1000"/>
+              </a:spcBef>
+              <a:spcAft>
+                <a:spcPts val="0"/>
+              </a:spcAft>
+              <a:buClr>
+                <a:schemeClr val="accent1"/>
+              </a:buClr>
+              <a:buSzPct val="80000"/>
+              <a:buFont typeface="Wingdings 3" charset="2"/>
+              <a:buChar char=""/>
+              <a:defRPr sz="1600" kern="1200">
+                <a:solidFill>
+                  <a:schemeClr val="tx1">
+                    <a:lumMod val="75000"/>
+                    <a:lumOff val="25000"/>
+                  </a:schemeClr>
+                </a:solidFill>
+                <a:latin typeface="+mn-lt"/>
+                <a:ea typeface="+mn-ea"/>
+                <a:cs typeface="+mn-cs"/>
+              </a:defRPr>
+            </a:lvl2pPr>
+            <a:lvl3pPr marL="1143000" indent="-228600" algn="l" defTabSz="457200" rtl="0" eaLnBrk="1" latinLnBrk="0" hangingPunct="1">
+              <a:spcBef>
+                <a:spcPts val="1000"/>
+              </a:spcBef>
+              <a:spcAft>
+                <a:spcPts val="0"/>
+              </a:spcAft>
+              <a:buClr>
+                <a:schemeClr val="accent1"/>
+              </a:buClr>
+              <a:buSzPct val="80000"/>
+              <a:buFont typeface="Wingdings 3" charset="2"/>
+              <a:buChar char=""/>
+              <a:defRPr sz="1400" kern="1200">
+                <a:solidFill>
+                  <a:schemeClr val="tx1">
+                    <a:lumMod val="75000"/>
+                    <a:lumOff val="25000"/>
+                  </a:schemeClr>
+                </a:solidFill>
+                <a:latin typeface="+mn-lt"/>
+                <a:ea typeface="+mn-ea"/>
+                <a:cs typeface="+mn-cs"/>
+              </a:defRPr>
+            </a:lvl3pPr>
+            <a:lvl4pPr marL="1600200" indent="-228600" algn="l" defTabSz="457200" rtl="0" eaLnBrk="1" latinLnBrk="0" hangingPunct="1">
+              <a:spcBef>
+                <a:spcPts val="1000"/>
+              </a:spcBef>
+              <a:spcAft>
+                <a:spcPts val="0"/>
+              </a:spcAft>
+              <a:buClr>
+                <a:schemeClr val="accent1"/>
+              </a:buClr>
+              <a:buSzPct val="80000"/>
+              <a:buFont typeface="Wingdings 3" charset="2"/>
+              <a:buChar char=""/>
+              <a:defRPr sz="1200" kern="1200">
+                <a:solidFill>
+                  <a:schemeClr val="tx1">
+                    <a:lumMod val="75000"/>
+                    <a:lumOff val="25000"/>
+                  </a:schemeClr>
+                </a:solidFill>
+                <a:latin typeface="+mn-lt"/>
+                <a:ea typeface="+mn-ea"/>
+                <a:cs typeface="+mn-cs"/>
+              </a:defRPr>
+            </a:lvl4pPr>
+            <a:lvl5pPr marL="2057400" indent="-228600" algn="l" defTabSz="457200" rtl="0" eaLnBrk="1" latinLnBrk="0" hangingPunct="1">
+              <a:spcBef>
+                <a:spcPts val="1000"/>
+              </a:spcBef>
+              <a:spcAft>
+                <a:spcPts val="0"/>
+              </a:spcAft>
+              <a:buClr>
+                <a:schemeClr val="accent1"/>
+              </a:buClr>
+              <a:buSzPct val="80000"/>
+              <a:buFont typeface="Wingdings 3" charset="2"/>
+              <a:buChar char=""/>
+              <a:defRPr sz="1200" kern="1200">
+                <a:solidFill>
+                  <a:schemeClr val="tx1">
+                    <a:lumMod val="75000"/>
+                    <a:lumOff val="25000"/>
+                  </a:schemeClr>
+                </a:solidFill>
+                <a:latin typeface="+mn-lt"/>
+                <a:ea typeface="+mn-ea"/>
+                <a:cs typeface="+mn-cs"/>
+              </a:defRPr>
+            </a:lvl5pPr>
+            <a:lvl6pPr marL="2514600" indent="-228600" algn="l" defTabSz="457200" rtl="0" eaLnBrk="1" latinLnBrk="0" hangingPunct="1">
+              <a:spcBef>
+                <a:spcPts val="1000"/>
+              </a:spcBef>
+              <a:spcAft>
+                <a:spcPts val="0"/>
+              </a:spcAft>
+              <a:buClr>
+                <a:schemeClr val="accent1"/>
+              </a:buClr>
+              <a:buSzPct val="80000"/>
+              <a:buFont typeface="Wingdings 3" charset="2"/>
+              <a:buChar char=""/>
+              <a:defRPr sz="1200" kern="1200">
+                <a:solidFill>
+                  <a:schemeClr val="tx1">
+                    <a:lumMod val="75000"/>
+                    <a:lumOff val="25000"/>
+                  </a:schemeClr>
+                </a:solidFill>
+                <a:latin typeface="+mn-lt"/>
+                <a:ea typeface="+mn-ea"/>
+                <a:cs typeface="+mn-cs"/>
+              </a:defRPr>
+            </a:lvl6pPr>
+            <a:lvl7pPr marL="2971800" indent="-228600" algn="l" defTabSz="457200" rtl="0" eaLnBrk="1" latinLnBrk="0" hangingPunct="1">
+              <a:spcBef>
+                <a:spcPts val="1000"/>
+              </a:spcBef>
+              <a:spcAft>
+                <a:spcPts val="0"/>
+              </a:spcAft>
+              <a:buClr>
+                <a:schemeClr val="accent1"/>
+              </a:buClr>
+              <a:buSzPct val="80000"/>
+              <a:buFont typeface="Wingdings 3" charset="2"/>
+              <a:buChar char=""/>
+              <a:defRPr sz="1200" kern="1200">
+                <a:solidFill>
+                  <a:schemeClr val="tx1">
+                    <a:lumMod val="75000"/>
+                    <a:lumOff val="25000"/>
+                  </a:schemeClr>
+                </a:solidFill>
+                <a:latin typeface="+mn-lt"/>
+                <a:ea typeface="+mn-ea"/>
+                <a:cs typeface="+mn-cs"/>
+              </a:defRPr>
+            </a:lvl7pPr>
+            <a:lvl8pPr marL="3429000" indent="-228600" algn="l" defTabSz="457200" rtl="0" eaLnBrk="1" latinLnBrk="0" hangingPunct="1">
+              <a:spcBef>
+                <a:spcPts val="1000"/>
+              </a:spcBef>
+              <a:spcAft>
+                <a:spcPts val="0"/>
+              </a:spcAft>
+              <a:buClr>
+                <a:schemeClr val="accent1"/>
+              </a:buClr>
+              <a:buSzPct val="80000"/>
+              <a:buFont typeface="Wingdings 3" charset="2"/>
+              <a:buChar char=""/>
+              <a:defRPr sz="1200" kern="1200">
+                <a:solidFill>
+                  <a:schemeClr val="tx1">
+                    <a:lumMod val="75000"/>
+                    <a:lumOff val="25000"/>
+                  </a:schemeClr>
+                </a:solidFill>
+                <a:latin typeface="+mn-lt"/>
+                <a:ea typeface="+mn-ea"/>
+                <a:cs typeface="+mn-cs"/>
+              </a:defRPr>
+            </a:lvl8pPr>
+            <a:lvl9pPr marL="3886200" indent="-228600" algn="l" defTabSz="457200" rtl="0" eaLnBrk="1" latinLnBrk="0" hangingPunct="1">
+              <a:spcBef>
+                <a:spcPts val="1000"/>
+              </a:spcBef>
+              <a:spcAft>
+                <a:spcPts val="0"/>
+              </a:spcAft>
+              <a:buClr>
+                <a:schemeClr val="accent1"/>
+              </a:buClr>
+              <a:buSzPct val="80000"/>
+              <a:buFont typeface="Wingdings 3" charset="2"/>
+              <a:buChar char=""/>
+              <a:defRPr sz="1200" kern="1200">
+                <a:solidFill>
+                  <a:schemeClr val="tx1">
+                    <a:lumMod val="75000"/>
+                    <a:lumOff val="25000"/>
+                  </a:schemeClr>
+                </a:solidFill>
+                <a:latin typeface="+mn-lt"/>
+                <a:ea typeface="+mn-ea"/>
+                <a:cs typeface="+mn-cs"/>
+              </a:defRPr>
+            </a:lvl9pPr>
+          </a:lstStyle>
+          <a:p>
+            <a:pPr marL="0" indent="0">
+              <a:buNone/>
+            </a:pPr>
+            <a:endParaRPr lang="it-IT" sz="1600" b="1" dirty="0">
+              <a:solidFill>
+                <a:schemeClr val="tx1"/>
+              </a:solidFill>
+            </a:endParaRPr>
+          </a:p>
+          <a:p>
+            <a:pPr algn="just"/>
+            <a:r>
+              <a:rPr lang="it-IT" sz="1600" b="1" dirty="0">
+                <a:solidFill>
+                  <a:schemeClr val="tx1"/>
+                </a:solidFill>
+              </a:rPr>
+              <a:t>/Agenda*day*: </a:t>
+            </a:r>
+            <a:r>
+              <a:rPr lang="it-IT" sz="1600" dirty="0">
+                <a:solidFill>
+                  <a:schemeClr val="tx1"/>
+                </a:solidFill>
+              </a:rPr>
+              <a:t>Show to the user the Agenda </a:t>
+            </a:r>
+            <a:r>
+              <a:rPr lang="it-IT" sz="1600" dirty="0" err="1">
+                <a:solidFill>
+                  <a:schemeClr val="tx1"/>
+                </a:solidFill>
+              </a:rPr>
+              <a:t>saved</a:t>
+            </a:r>
+            <a:r>
+              <a:rPr lang="it-IT" sz="1600" dirty="0">
+                <a:solidFill>
+                  <a:schemeClr val="tx1"/>
+                </a:solidFill>
+              </a:rPr>
+              <a:t> in the </a:t>
+            </a:r>
+            <a:r>
+              <a:rPr lang="it-IT" sz="1600" dirty="0" err="1">
+                <a:solidFill>
+                  <a:schemeClr val="tx1"/>
+                </a:solidFill>
+              </a:rPr>
+              <a:t>catalog</a:t>
+            </a:r>
+            <a:r>
+              <a:rPr lang="it-IT" sz="1600" dirty="0">
+                <a:solidFill>
+                  <a:schemeClr val="tx1"/>
+                </a:solidFill>
+              </a:rPr>
+              <a:t> </a:t>
+            </a:r>
+            <a:r>
+              <a:rPr lang="it-IT" sz="1600" dirty="0" err="1">
+                <a:solidFill>
+                  <a:schemeClr val="tx1"/>
+                </a:solidFill>
+              </a:rPr>
+              <a:t>according</a:t>
+            </a:r>
+            <a:r>
+              <a:rPr lang="it-IT" sz="1600" dirty="0">
+                <a:solidFill>
+                  <a:schemeClr val="tx1"/>
+                </a:solidFill>
+              </a:rPr>
+              <a:t> with the *day* </a:t>
+            </a:r>
+            <a:r>
+              <a:rPr lang="it-IT" sz="1600" dirty="0" err="1">
+                <a:solidFill>
+                  <a:schemeClr val="tx1"/>
+                </a:solidFill>
+              </a:rPr>
+              <a:t>specified</a:t>
+            </a:r>
+            <a:r>
+              <a:rPr lang="it-IT" sz="1600" dirty="0">
+                <a:solidFill>
+                  <a:schemeClr val="tx1"/>
+                </a:solidFill>
+              </a:rPr>
+              <a:t>. </a:t>
+            </a:r>
+            <a:endParaRPr lang="it-IT" sz="1600" b="1" dirty="0">
+              <a:solidFill>
+                <a:schemeClr val="tx1"/>
+              </a:solidFill>
+            </a:endParaRPr>
+          </a:p>
+          <a:p>
+            <a:pPr algn="just"/>
+            <a:r>
+              <a:rPr lang="it-IT" sz="1600" b="1" dirty="0">
+                <a:solidFill>
+                  <a:schemeClr val="tx1"/>
+                </a:solidFill>
+              </a:rPr>
+              <a:t>/Agenda*day*Update: </a:t>
+            </a:r>
+            <a:r>
+              <a:rPr lang="it-IT" sz="1600" dirty="0" err="1">
+                <a:solidFill>
+                  <a:schemeClr val="tx1"/>
+                </a:solidFill>
+              </a:rPr>
+              <a:t>Allow</a:t>
+            </a:r>
+            <a:r>
+              <a:rPr lang="it-IT" sz="1600" dirty="0">
+                <a:solidFill>
+                  <a:schemeClr val="tx1"/>
+                </a:solidFill>
+              </a:rPr>
+              <a:t> the user to </a:t>
+            </a:r>
+            <a:r>
+              <a:rPr lang="it-IT" sz="1600" dirty="0" err="1">
+                <a:solidFill>
+                  <a:schemeClr val="tx1"/>
+                </a:solidFill>
+              </a:rPr>
+              <a:t>add</a:t>
+            </a:r>
+            <a:r>
+              <a:rPr lang="it-IT" sz="1600" dirty="0">
+                <a:solidFill>
+                  <a:schemeClr val="tx1"/>
+                </a:solidFill>
+              </a:rPr>
+              <a:t> to the Agenda a new commitments in </a:t>
+            </a:r>
+            <a:r>
+              <a:rPr lang="it-IT" sz="1600" dirty="0" err="1">
+                <a:solidFill>
+                  <a:schemeClr val="tx1"/>
+                </a:solidFill>
+              </a:rPr>
+              <a:t>this</a:t>
+            </a:r>
+            <a:r>
+              <a:rPr lang="it-IT" sz="1600" dirty="0">
+                <a:solidFill>
+                  <a:schemeClr val="tx1"/>
+                </a:solidFill>
+              </a:rPr>
+              <a:t> </a:t>
+            </a:r>
+            <a:r>
+              <a:rPr lang="it-IT" sz="1600" dirty="0" err="1">
+                <a:solidFill>
+                  <a:schemeClr val="tx1"/>
+                </a:solidFill>
+              </a:rPr>
+              <a:t>specific</a:t>
+            </a:r>
+            <a:r>
+              <a:rPr lang="it-IT" sz="1600" dirty="0">
+                <a:solidFill>
+                  <a:schemeClr val="tx1"/>
+                </a:solidFill>
+              </a:rPr>
+              <a:t> *day*</a:t>
+            </a:r>
+            <a:endParaRPr lang="it-IT" sz="1600" b="1" dirty="0">
+              <a:solidFill>
+                <a:schemeClr val="tx1"/>
+              </a:solidFill>
+            </a:endParaRPr>
+          </a:p>
+          <a:p>
+            <a:pPr algn="just"/>
+            <a:r>
+              <a:rPr lang="it-IT" sz="1600" b="1" dirty="0">
+                <a:solidFill>
+                  <a:schemeClr val="tx1"/>
+                </a:solidFill>
+              </a:rPr>
+              <a:t>/</a:t>
+            </a:r>
+            <a:r>
+              <a:rPr lang="it-IT" sz="1600" b="1" dirty="0" err="1">
+                <a:solidFill>
+                  <a:schemeClr val="tx1"/>
+                </a:solidFill>
+              </a:rPr>
+              <a:t>ViewGraphs</a:t>
+            </a:r>
+            <a:r>
+              <a:rPr lang="it-IT" sz="1600" b="1" dirty="0">
+                <a:solidFill>
+                  <a:schemeClr val="tx1"/>
+                </a:solidFill>
+              </a:rPr>
+              <a:t>: </a:t>
+            </a:r>
+            <a:r>
+              <a:rPr lang="it-IT" sz="1600" dirty="0">
+                <a:solidFill>
+                  <a:schemeClr val="tx1"/>
+                </a:solidFill>
+              </a:rPr>
+              <a:t>Show to the user </a:t>
+            </a:r>
+            <a:r>
+              <a:rPr lang="it-IT" sz="1600" dirty="0" err="1">
+                <a:solidFill>
+                  <a:schemeClr val="tx1"/>
+                </a:solidFill>
+              </a:rPr>
+              <a:t>all</a:t>
+            </a:r>
+            <a:r>
+              <a:rPr lang="it-IT" sz="1600" dirty="0">
+                <a:solidFill>
+                  <a:schemeClr val="tx1"/>
+                </a:solidFill>
+              </a:rPr>
+              <a:t> the </a:t>
+            </a:r>
+            <a:r>
+              <a:rPr lang="it-IT" sz="1600" dirty="0" err="1">
+                <a:solidFill>
+                  <a:schemeClr val="tx1"/>
+                </a:solidFill>
+              </a:rPr>
+              <a:t>graph</a:t>
+            </a:r>
+            <a:r>
+              <a:rPr lang="it-IT" sz="1600" dirty="0">
+                <a:solidFill>
+                  <a:schemeClr val="tx1"/>
+                </a:solidFill>
+              </a:rPr>
+              <a:t> </a:t>
+            </a:r>
+            <a:r>
+              <a:rPr lang="it-IT" sz="1600" dirty="0" err="1">
+                <a:solidFill>
+                  <a:schemeClr val="tx1"/>
+                </a:solidFill>
+              </a:rPr>
+              <a:t>about</a:t>
+            </a:r>
+            <a:r>
+              <a:rPr lang="it-IT" sz="1600" dirty="0">
+                <a:solidFill>
+                  <a:schemeClr val="tx1"/>
+                </a:solidFill>
+              </a:rPr>
+              <a:t> the </a:t>
+            </a:r>
+            <a:r>
+              <a:rPr lang="it-IT" sz="1600" dirty="0" err="1">
+                <a:solidFill>
+                  <a:schemeClr val="tx1"/>
+                </a:solidFill>
+              </a:rPr>
+              <a:t>sensors</a:t>
+            </a:r>
+            <a:r>
+              <a:rPr lang="it-IT" sz="1600" dirty="0">
+                <a:solidFill>
+                  <a:schemeClr val="tx1"/>
+                </a:solidFill>
+              </a:rPr>
+              <a:t> and use of the </a:t>
+            </a:r>
+            <a:r>
+              <a:rPr lang="it-IT" sz="1600" dirty="0" err="1">
+                <a:solidFill>
+                  <a:schemeClr val="tx1"/>
+                </a:solidFill>
+              </a:rPr>
+              <a:t>application</a:t>
+            </a:r>
+            <a:r>
+              <a:rPr lang="it-IT" sz="1600" dirty="0">
+                <a:solidFill>
+                  <a:schemeClr val="tx1"/>
+                </a:solidFill>
+              </a:rPr>
+              <a:t>. </a:t>
+            </a:r>
+            <a:endParaRPr lang="it-IT" sz="1600" b="1" dirty="0">
+              <a:solidFill>
+                <a:schemeClr val="tx1"/>
+              </a:solidFill>
+            </a:endParaRPr>
+          </a:p>
+        </p:txBody>
+      </p:sp>
+    </p:spTree>
+    <p:extLst>
+      <p:ext uri="{BB962C8B-B14F-4D97-AF65-F5344CB8AC3E}">
+        <p14:creationId xmlns:p14="http://schemas.microsoft.com/office/powerpoint/2010/main" val="4202691500"/>
+      </p:ext>
+    </p:extLst>
+  </p:cSld>
+  <p:clrMapOvr>
+    <a:masterClrMapping/>
+  </p:clrMapOvr>
+</p:sld>
+</file>
+
+<file path=ppt/slides/slide15.xml><?xml version="1.0" encoding="utf-8"?>
+<p:sld xmlns:a="http://schemas.openxmlformats.org/drawingml/2006/main" xmlns:r="http://schemas.openxmlformats.org/officeDocument/2006/relationships" xmlns:p="http://schemas.openxmlformats.org/presentationml/2006/main">
+  <p:cSld>
+    <p:spTree>
+      <p:nvGrpSpPr>
+        <p:cNvPr id="1" name=""/>
+        <p:cNvGrpSpPr/>
+        <p:nvPr/>
+      </p:nvGrpSpPr>
+      <p:grpSpPr>
+        <a:xfrm>
+          <a:off x="0" y="0"/>
+          <a:ext cx="0" cy="0"/>
+          <a:chOff x="0" y="0"/>
+          <a:chExt cx="0" cy="0"/>
+        </a:xfrm>
+      </p:grpSpPr>
+      <p:sp>
+        <p:nvSpPr>
+          <p:cNvPr id="2" name="Title 1">
+            <a:extLst>
+              <a:ext uri="{FF2B5EF4-FFF2-40B4-BE49-F238E27FC236}">
+                <a16:creationId xmlns:a16="http://schemas.microsoft.com/office/drawing/2014/main" id="{5D8375A1-E6A2-473B-B643-5C150BBFA568}"/>
+              </a:ext>
+            </a:extLst>
+          </p:cNvPr>
+          <p:cNvSpPr>
+            <a:spLocks noGrp="1"/>
+          </p:cNvSpPr>
+          <p:nvPr>
+            <p:ph type="title"/>
+          </p:nvPr>
+        </p:nvSpPr>
+        <p:spPr>
+          <a:xfrm>
+            <a:off x="1233146" y="0"/>
+            <a:ext cx="8596668" cy="1320800"/>
+          </a:xfrm>
+        </p:spPr>
+        <p:txBody>
+          <a:bodyPr/>
+          <a:lstStyle/>
+          <a:p>
+            <a:pPr algn="ctr"/>
+            <a:r>
+              <a:rPr lang="it-IT" dirty="0"/>
+              <a:t>Telegram Bot</a:t>
+            </a:r>
+            <a:br>
+              <a:rPr lang="it-IT" dirty="0"/>
+            </a:br>
+            <a:endParaRPr lang="it-IT" dirty="0"/>
+          </a:p>
+        </p:txBody>
+      </p:sp>
+      <p:sp>
+        <p:nvSpPr>
+          <p:cNvPr id="6" name="Content Placeholder 5">
+            <a:extLst>
+              <a:ext uri="{FF2B5EF4-FFF2-40B4-BE49-F238E27FC236}">
+                <a16:creationId xmlns:a16="http://schemas.microsoft.com/office/drawing/2014/main" id="{A5045136-5B85-46D5-84E1-C00D0808E869}"/>
+              </a:ext>
+            </a:extLst>
+          </p:cNvPr>
+          <p:cNvSpPr txBox="1">
+            <a:spLocks/>
+          </p:cNvSpPr>
+          <p:nvPr/>
+        </p:nvSpPr>
+        <p:spPr>
+          <a:xfrm>
+            <a:off x="434803" y="1077831"/>
+            <a:ext cx="3854766" cy="6658709"/>
+          </a:xfrm>
+          <a:prstGeom prst="rect">
+            <a:avLst/>
+          </a:prstGeom>
+        </p:spPr>
+        <p:txBody>
+          <a:bodyPr/>
+          <a:lstStyle>
+            <a:lvl1pPr marL="342900" indent="-342900" algn="l" defTabSz="457200" rtl="0" eaLnBrk="1" latinLnBrk="0" hangingPunct="1">
+              <a:spcBef>
+                <a:spcPts val="1000"/>
+              </a:spcBef>
+              <a:spcAft>
+                <a:spcPts val="0"/>
+              </a:spcAft>
+              <a:buClr>
+                <a:schemeClr val="accent1"/>
+              </a:buClr>
+              <a:buSzPct val="80000"/>
+              <a:buFont typeface="Wingdings 3" charset="2"/>
+              <a:buChar char=""/>
+              <a:defRPr sz="1800" kern="1200">
+                <a:solidFill>
+                  <a:schemeClr val="tx1">
+                    <a:lumMod val="75000"/>
+                    <a:lumOff val="25000"/>
+                  </a:schemeClr>
+                </a:solidFill>
+                <a:latin typeface="+mn-lt"/>
+                <a:ea typeface="+mn-ea"/>
+                <a:cs typeface="+mn-cs"/>
+              </a:defRPr>
+            </a:lvl1pPr>
+            <a:lvl2pPr marL="742950" indent="-285750" algn="l" defTabSz="457200" rtl="0" eaLnBrk="1" latinLnBrk="0" hangingPunct="1">
+              <a:spcBef>
+                <a:spcPts val="1000"/>
+              </a:spcBef>
+              <a:spcAft>
+                <a:spcPts val="0"/>
+              </a:spcAft>
+              <a:buClr>
+                <a:schemeClr val="accent1"/>
+              </a:buClr>
+              <a:buSzPct val="80000"/>
+              <a:buFont typeface="Wingdings 3" charset="2"/>
+              <a:buChar char=""/>
+              <a:defRPr sz="1600" kern="1200">
+                <a:solidFill>
+                  <a:schemeClr val="tx1">
+                    <a:lumMod val="75000"/>
+                    <a:lumOff val="25000"/>
+                  </a:schemeClr>
+                </a:solidFill>
+                <a:latin typeface="+mn-lt"/>
+                <a:ea typeface="+mn-ea"/>
+                <a:cs typeface="+mn-cs"/>
+              </a:defRPr>
+            </a:lvl2pPr>
+            <a:lvl3pPr marL="1143000" indent="-228600" algn="l" defTabSz="457200" rtl="0" eaLnBrk="1" latinLnBrk="0" hangingPunct="1">
+              <a:spcBef>
+                <a:spcPts val="1000"/>
+              </a:spcBef>
+              <a:spcAft>
+                <a:spcPts val="0"/>
+              </a:spcAft>
+              <a:buClr>
+                <a:schemeClr val="accent1"/>
+              </a:buClr>
+              <a:buSzPct val="80000"/>
+              <a:buFont typeface="Wingdings 3" charset="2"/>
+              <a:buChar char=""/>
+              <a:defRPr sz="1400" kern="1200">
+                <a:solidFill>
+                  <a:schemeClr val="tx1">
+                    <a:lumMod val="75000"/>
+                    <a:lumOff val="25000"/>
+                  </a:schemeClr>
+                </a:solidFill>
+                <a:latin typeface="+mn-lt"/>
+                <a:ea typeface="+mn-ea"/>
+                <a:cs typeface="+mn-cs"/>
+              </a:defRPr>
+            </a:lvl3pPr>
+            <a:lvl4pPr marL="1600200" indent="-228600" algn="l" defTabSz="457200" rtl="0" eaLnBrk="1" latinLnBrk="0" hangingPunct="1">
+              <a:spcBef>
+                <a:spcPts val="1000"/>
+              </a:spcBef>
+              <a:spcAft>
+                <a:spcPts val="0"/>
+              </a:spcAft>
+              <a:buClr>
+                <a:schemeClr val="accent1"/>
+              </a:buClr>
+              <a:buSzPct val="80000"/>
+              <a:buFont typeface="Wingdings 3" charset="2"/>
+              <a:buChar char=""/>
+              <a:defRPr sz="1200" kern="1200">
+                <a:solidFill>
+                  <a:schemeClr val="tx1">
+                    <a:lumMod val="75000"/>
+                    <a:lumOff val="25000"/>
+                  </a:schemeClr>
+                </a:solidFill>
+                <a:latin typeface="+mn-lt"/>
+                <a:ea typeface="+mn-ea"/>
+                <a:cs typeface="+mn-cs"/>
+              </a:defRPr>
+            </a:lvl4pPr>
+            <a:lvl5pPr marL="2057400" indent="-228600" algn="l" defTabSz="457200" rtl="0" eaLnBrk="1" latinLnBrk="0" hangingPunct="1">
+              <a:spcBef>
+                <a:spcPts val="1000"/>
+              </a:spcBef>
+              <a:spcAft>
+                <a:spcPts val="0"/>
+              </a:spcAft>
+              <a:buClr>
+                <a:schemeClr val="accent1"/>
+              </a:buClr>
+              <a:buSzPct val="80000"/>
+              <a:buFont typeface="Wingdings 3" charset="2"/>
+              <a:buChar char=""/>
+              <a:defRPr sz="1200" kern="1200">
+                <a:solidFill>
+                  <a:schemeClr val="tx1">
+                    <a:lumMod val="75000"/>
+                    <a:lumOff val="25000"/>
+                  </a:schemeClr>
+                </a:solidFill>
+                <a:latin typeface="+mn-lt"/>
+                <a:ea typeface="+mn-ea"/>
+                <a:cs typeface="+mn-cs"/>
+              </a:defRPr>
+            </a:lvl5pPr>
+            <a:lvl6pPr marL="2514600" indent="-228600" algn="l" defTabSz="457200" rtl="0" eaLnBrk="1" latinLnBrk="0" hangingPunct="1">
+              <a:spcBef>
+                <a:spcPts val="1000"/>
+              </a:spcBef>
+              <a:spcAft>
+                <a:spcPts val="0"/>
+              </a:spcAft>
+              <a:buClr>
+                <a:schemeClr val="accent1"/>
+              </a:buClr>
+              <a:buSzPct val="80000"/>
+              <a:buFont typeface="Wingdings 3" charset="2"/>
+              <a:buChar char=""/>
+              <a:defRPr sz="1200" kern="1200">
+                <a:solidFill>
+                  <a:schemeClr val="tx1">
+                    <a:lumMod val="75000"/>
+                    <a:lumOff val="25000"/>
+                  </a:schemeClr>
+                </a:solidFill>
+                <a:latin typeface="+mn-lt"/>
+                <a:ea typeface="+mn-ea"/>
+                <a:cs typeface="+mn-cs"/>
+              </a:defRPr>
+            </a:lvl6pPr>
+            <a:lvl7pPr marL="2971800" indent="-228600" algn="l" defTabSz="457200" rtl="0" eaLnBrk="1" latinLnBrk="0" hangingPunct="1">
+              <a:spcBef>
+                <a:spcPts val="1000"/>
+              </a:spcBef>
+              <a:spcAft>
+                <a:spcPts val="0"/>
+              </a:spcAft>
+              <a:buClr>
+                <a:schemeClr val="accent1"/>
+              </a:buClr>
+              <a:buSzPct val="80000"/>
+              <a:buFont typeface="Wingdings 3" charset="2"/>
+              <a:buChar char=""/>
+              <a:defRPr sz="1200" kern="1200">
+                <a:solidFill>
+                  <a:schemeClr val="tx1">
+                    <a:lumMod val="75000"/>
+                    <a:lumOff val="25000"/>
+                  </a:schemeClr>
+                </a:solidFill>
+                <a:latin typeface="+mn-lt"/>
+                <a:ea typeface="+mn-ea"/>
+                <a:cs typeface="+mn-cs"/>
+              </a:defRPr>
+            </a:lvl7pPr>
+            <a:lvl8pPr marL="3429000" indent="-228600" algn="l" defTabSz="457200" rtl="0" eaLnBrk="1" latinLnBrk="0" hangingPunct="1">
+              <a:spcBef>
+                <a:spcPts val="1000"/>
+              </a:spcBef>
+              <a:spcAft>
+                <a:spcPts val="0"/>
+              </a:spcAft>
+              <a:buClr>
+                <a:schemeClr val="accent1"/>
+              </a:buClr>
+              <a:buSzPct val="80000"/>
+              <a:buFont typeface="Wingdings 3" charset="2"/>
+              <a:buChar char=""/>
+              <a:defRPr sz="1200" kern="1200">
+                <a:solidFill>
+                  <a:schemeClr val="tx1">
+                    <a:lumMod val="75000"/>
+                    <a:lumOff val="25000"/>
+                  </a:schemeClr>
+                </a:solidFill>
+                <a:latin typeface="+mn-lt"/>
+                <a:ea typeface="+mn-ea"/>
+                <a:cs typeface="+mn-cs"/>
+              </a:defRPr>
+            </a:lvl8pPr>
+            <a:lvl9pPr marL="3886200" indent="-228600" algn="l" defTabSz="457200" rtl="0" eaLnBrk="1" latinLnBrk="0" hangingPunct="1">
+              <a:spcBef>
+                <a:spcPts val="1000"/>
+              </a:spcBef>
+              <a:spcAft>
+                <a:spcPts val="0"/>
+              </a:spcAft>
+              <a:buClr>
+                <a:schemeClr val="accent1"/>
+              </a:buClr>
+              <a:buSzPct val="80000"/>
+              <a:buFont typeface="Wingdings 3" charset="2"/>
+              <a:buChar char=""/>
+              <a:defRPr sz="1200" kern="1200">
+                <a:solidFill>
+                  <a:schemeClr val="tx1">
+                    <a:lumMod val="75000"/>
+                    <a:lumOff val="25000"/>
+                  </a:schemeClr>
+                </a:solidFill>
+                <a:latin typeface="+mn-lt"/>
+                <a:ea typeface="+mn-ea"/>
+                <a:cs typeface="+mn-cs"/>
+              </a:defRPr>
+            </a:lvl9pPr>
+          </a:lstStyle>
+          <a:p>
+            <a:pPr marL="0" indent="0">
+              <a:buNone/>
+            </a:pPr>
+            <a:endParaRPr lang="it-IT" sz="1600" b="1" dirty="0">
+              <a:solidFill>
+                <a:schemeClr val="tx1"/>
+              </a:solidFill>
+            </a:endParaRPr>
+          </a:p>
+          <a:p>
+            <a:pPr algn="just"/>
+            <a:r>
+              <a:rPr lang="it-IT" sz="1600" b="1" dirty="0">
+                <a:solidFill>
+                  <a:schemeClr val="tx1"/>
+                </a:solidFill>
+              </a:rPr>
+              <a:t>/switch: </a:t>
+            </a:r>
+            <a:r>
+              <a:rPr lang="it-IT" sz="1600" dirty="0" err="1">
+                <a:solidFill>
+                  <a:schemeClr val="tx1"/>
+                </a:solidFill>
+              </a:rPr>
+              <a:t>Allow</a:t>
+            </a:r>
+            <a:r>
+              <a:rPr lang="it-IT" sz="1600" dirty="0">
+                <a:solidFill>
+                  <a:schemeClr val="tx1"/>
+                </a:solidFill>
+              </a:rPr>
+              <a:t> the user to </a:t>
+            </a:r>
+            <a:r>
+              <a:rPr lang="it-IT" sz="1600" dirty="0" err="1">
+                <a:solidFill>
+                  <a:schemeClr val="tx1"/>
+                </a:solidFill>
+              </a:rPr>
+              <a:t>choose</a:t>
+            </a:r>
+            <a:r>
+              <a:rPr lang="it-IT" sz="1600" dirty="0">
+                <a:solidFill>
+                  <a:schemeClr val="tx1"/>
+                </a:solidFill>
+              </a:rPr>
+              <a:t> the </a:t>
+            </a:r>
+            <a:r>
+              <a:rPr lang="it-IT" sz="1600" dirty="0" err="1">
+                <a:solidFill>
+                  <a:schemeClr val="tx1"/>
+                </a:solidFill>
+              </a:rPr>
+              <a:t>charge</a:t>
+            </a:r>
+            <a:r>
+              <a:rPr lang="it-IT" sz="1600" dirty="0">
+                <a:solidFill>
+                  <a:schemeClr val="tx1"/>
+                </a:solidFill>
+              </a:rPr>
+              <a:t> status of the car.</a:t>
+            </a:r>
+          </a:p>
+          <a:p>
+            <a:pPr algn="just"/>
+            <a:r>
+              <a:rPr lang="it-IT" sz="1600" b="1" dirty="0">
+                <a:solidFill>
+                  <a:schemeClr val="tx1"/>
+                </a:solidFill>
+              </a:rPr>
+              <a:t>/exit: </a:t>
+            </a:r>
+            <a:r>
+              <a:rPr lang="it-IT" sz="1600" dirty="0" err="1">
+                <a:solidFill>
+                  <a:schemeClr val="tx1"/>
+                </a:solidFill>
+              </a:rPr>
+              <a:t>Allow</a:t>
+            </a:r>
+            <a:r>
+              <a:rPr lang="it-IT" sz="1600" dirty="0">
+                <a:solidFill>
+                  <a:schemeClr val="tx1"/>
+                </a:solidFill>
+              </a:rPr>
+              <a:t> the user to exit from </a:t>
+            </a:r>
+            <a:r>
+              <a:rPr lang="it-IT" sz="1600" dirty="0" err="1">
+                <a:solidFill>
+                  <a:schemeClr val="tx1"/>
+                </a:solidFill>
+              </a:rPr>
+              <a:t>any</a:t>
+            </a:r>
+            <a:r>
+              <a:rPr lang="it-IT" sz="1600" dirty="0">
+                <a:solidFill>
+                  <a:schemeClr val="tx1"/>
+                </a:solidFill>
+              </a:rPr>
+              <a:t> </a:t>
+            </a:r>
+            <a:r>
+              <a:rPr lang="it-IT" sz="1600" dirty="0" err="1">
+                <a:solidFill>
+                  <a:schemeClr val="tx1"/>
+                </a:solidFill>
+              </a:rPr>
+              <a:t>request</a:t>
+            </a:r>
+            <a:endParaRPr lang="it-IT" sz="1600" b="1" dirty="0">
+              <a:solidFill>
+                <a:schemeClr val="tx1"/>
+              </a:solidFill>
+            </a:endParaRPr>
+          </a:p>
+          <a:p>
+            <a:pPr marL="0" indent="0" algn="just">
+              <a:buNone/>
+            </a:pPr>
+            <a:r>
+              <a:rPr lang="it-IT" sz="1600" dirty="0">
+                <a:solidFill>
+                  <a:schemeClr val="tx1"/>
+                </a:solidFill>
+              </a:rPr>
+              <a:t> </a:t>
+            </a:r>
+          </a:p>
+        </p:txBody>
+      </p:sp>
+    </p:spTree>
+    <p:extLst>
+      <p:ext uri="{BB962C8B-B14F-4D97-AF65-F5344CB8AC3E}">
+        <p14:creationId xmlns:p14="http://schemas.microsoft.com/office/powerpoint/2010/main" val="3990482239"/>
       </p:ext>
     </p:extLst>
   </p:cSld>

--- a/Materiale Extra/Presentazione del progetto .pptx
+++ b/Materiale Extra/Presentazione del progetto .pptx
@@ -848,7 +848,7 @@
           <a:p>
             <a:fld id="{C1775FA8-FEF5-4078-A009-D10F19796D95}" type="datetimeFigureOut">
               <a:rPr lang="it-IT" smtClean="0"/>
-              <a:t>17/05/2023</a:t>
+              <a:t>18/05/2023</a:t>
             </a:fld>
             <a:endParaRPr lang="it-IT"/>
           </a:p>
@@ -1099,7 +1099,7 @@
           <a:p>
             <a:fld id="{C1775FA8-FEF5-4078-A009-D10F19796D95}" type="datetimeFigureOut">
               <a:rPr lang="it-IT" smtClean="0"/>
-              <a:t>17/05/2023</a:t>
+              <a:t>18/05/2023</a:t>
             </a:fld>
             <a:endParaRPr lang="it-IT"/>
           </a:p>
@@ -1413,7 +1413,7 @@
           <a:p>
             <a:fld id="{C1775FA8-FEF5-4078-A009-D10F19796D95}" type="datetimeFigureOut">
               <a:rPr lang="it-IT" smtClean="0"/>
-              <a:t>17/05/2023</a:t>
+              <a:t>18/05/2023</a:t>
             </a:fld>
             <a:endParaRPr lang="it-IT"/>
           </a:p>
@@ -1754,7 +1754,7 @@
           <a:p>
             <a:fld id="{C1775FA8-FEF5-4078-A009-D10F19796D95}" type="datetimeFigureOut">
               <a:rPr lang="it-IT" smtClean="0"/>
-              <a:t>17/05/2023</a:t>
+              <a:t>18/05/2023</a:t>
             </a:fld>
             <a:endParaRPr lang="it-IT"/>
           </a:p>
@@ -2068,7 +2068,7 @@
           <a:p>
             <a:fld id="{C1775FA8-FEF5-4078-A009-D10F19796D95}" type="datetimeFigureOut">
               <a:rPr lang="it-IT" smtClean="0"/>
-              <a:t>17/05/2023</a:t>
+              <a:t>18/05/2023</a:t>
             </a:fld>
             <a:endParaRPr lang="it-IT"/>
           </a:p>
@@ -2461,7 +2461,7 @@
           <a:p>
             <a:fld id="{C1775FA8-FEF5-4078-A009-D10F19796D95}" type="datetimeFigureOut">
               <a:rPr lang="it-IT" smtClean="0"/>
-              <a:t>17/05/2023</a:t>
+              <a:t>18/05/2023</a:t>
             </a:fld>
             <a:endParaRPr lang="it-IT"/>
           </a:p>
@@ -2631,7 +2631,7 @@
           <a:p>
             <a:fld id="{C1775FA8-FEF5-4078-A009-D10F19796D95}" type="datetimeFigureOut">
               <a:rPr lang="it-IT" smtClean="0"/>
-              <a:t>17/05/2023</a:t>
+              <a:t>18/05/2023</a:t>
             </a:fld>
             <a:endParaRPr lang="it-IT"/>
           </a:p>
@@ -2811,7 +2811,7 @@
           <a:p>
             <a:fld id="{C1775FA8-FEF5-4078-A009-D10F19796D95}" type="datetimeFigureOut">
               <a:rPr lang="it-IT" smtClean="0"/>
-              <a:t>17/05/2023</a:t>
+              <a:t>18/05/2023</a:t>
             </a:fld>
             <a:endParaRPr lang="it-IT"/>
           </a:p>
@@ -2987,7 +2987,7 @@
           <a:p>
             <a:fld id="{C1775FA8-FEF5-4078-A009-D10F19796D95}" type="datetimeFigureOut">
               <a:rPr lang="it-IT" smtClean="0"/>
-              <a:t>17/05/2023</a:t>
+              <a:t>18/05/2023</a:t>
             </a:fld>
             <a:endParaRPr lang="it-IT"/>
           </a:p>
@@ -3234,7 +3234,7 @@
           <a:p>
             <a:fld id="{C1775FA8-FEF5-4078-A009-D10F19796D95}" type="datetimeFigureOut">
               <a:rPr lang="it-IT" smtClean="0"/>
-              <a:t>17/05/2023</a:t>
+              <a:t>18/05/2023</a:t>
             </a:fld>
             <a:endParaRPr lang="it-IT"/>
           </a:p>
@@ -3466,7 +3466,7 @@
           <a:p>
             <a:fld id="{C1775FA8-FEF5-4078-A009-D10F19796D95}" type="datetimeFigureOut">
               <a:rPr lang="it-IT" smtClean="0"/>
-              <a:t>17/05/2023</a:t>
+              <a:t>18/05/2023</a:t>
             </a:fld>
             <a:endParaRPr lang="it-IT"/>
           </a:p>
@@ -3840,7 +3840,7 @@
           <a:p>
             <a:fld id="{C1775FA8-FEF5-4078-A009-D10F19796D95}" type="datetimeFigureOut">
               <a:rPr lang="it-IT" smtClean="0"/>
-              <a:t>17/05/2023</a:t>
+              <a:t>18/05/2023</a:t>
             </a:fld>
             <a:endParaRPr lang="it-IT"/>
           </a:p>
@@ -3963,7 +3963,7 @@
           <a:p>
             <a:fld id="{C1775FA8-FEF5-4078-A009-D10F19796D95}" type="datetimeFigureOut">
               <a:rPr lang="it-IT" smtClean="0"/>
-              <a:t>17/05/2023</a:t>
+              <a:t>18/05/2023</a:t>
             </a:fld>
             <a:endParaRPr lang="it-IT"/>
           </a:p>
@@ -4058,7 +4058,7 @@
           <a:p>
             <a:fld id="{C1775FA8-FEF5-4078-A009-D10F19796D95}" type="datetimeFigureOut">
               <a:rPr lang="it-IT" smtClean="0"/>
-              <a:t>17/05/2023</a:t>
+              <a:t>18/05/2023</a:t>
             </a:fld>
             <a:endParaRPr lang="it-IT"/>
           </a:p>
@@ -4313,7 +4313,7 @@
           <a:p>
             <a:fld id="{C1775FA8-FEF5-4078-A009-D10F19796D95}" type="datetimeFigureOut">
               <a:rPr lang="it-IT" smtClean="0"/>
-              <a:t>17/05/2023</a:t>
+              <a:t>18/05/2023</a:t>
             </a:fld>
             <a:endParaRPr lang="it-IT"/>
           </a:p>
@@ -4576,7 +4576,7 @@
           <a:p>
             <a:fld id="{C1775FA8-FEF5-4078-A009-D10F19796D95}" type="datetimeFigureOut">
               <a:rPr lang="it-IT" smtClean="0"/>
-              <a:t>17/05/2023</a:t>
+              <a:t>18/05/2023</a:t>
             </a:fld>
             <a:endParaRPr lang="it-IT"/>
           </a:p>
@@ -5319,7 +5319,7 @@
           <a:p>
             <a:fld id="{C1775FA8-FEF5-4078-A009-D10F19796D95}" type="datetimeFigureOut">
               <a:rPr lang="it-IT" smtClean="0"/>
-              <a:t>17/05/2023</a:t>
+              <a:t>18/05/2023</a:t>
             </a:fld>
             <a:endParaRPr lang="it-IT"/>
           </a:p>
@@ -5938,7 +5938,7 @@
         <p:spPr>
           <a:xfrm>
             <a:off x="712983" y="4645625"/>
-            <a:ext cx="2030217" cy="2148406"/>
+            <a:ext cx="2756358" cy="2148406"/>
           </a:xfrm>
           <a:prstGeom prst="rect">
             <a:avLst/>
@@ -6202,7 +6202,7 @@
                   <a:schemeClr val="tx1"/>
                 </a:solidFill>
               </a:rPr>
-              <a:t>Anna Geraci</a:t>
+              <a:t>Anna Geraci s296018</a:t>
             </a:r>
           </a:p>
           <a:p>

--- a/Materiale Extra/Presentazione del progetto .pptx
+++ b/Materiale Extra/Presentazione del progetto .pptx
@@ -11,15 +11,19 @@
     <p:sldId id="259" r:id="rId5"/>
     <p:sldId id="260" r:id="rId6"/>
     <p:sldId id="261" r:id="rId7"/>
-    <p:sldId id="262" r:id="rId8"/>
-    <p:sldId id="263" r:id="rId9"/>
-    <p:sldId id="268" r:id="rId10"/>
-    <p:sldId id="264" r:id="rId11"/>
-    <p:sldId id="265" r:id="rId12"/>
-    <p:sldId id="266" r:id="rId13"/>
-    <p:sldId id="267" r:id="rId14"/>
-    <p:sldId id="269" r:id="rId15"/>
-    <p:sldId id="270" r:id="rId16"/>
+    <p:sldId id="271" r:id="rId8"/>
+    <p:sldId id="272" r:id="rId9"/>
+    <p:sldId id="273" r:id="rId10"/>
+    <p:sldId id="274" r:id="rId11"/>
+    <p:sldId id="262" r:id="rId12"/>
+    <p:sldId id="263" r:id="rId13"/>
+    <p:sldId id="268" r:id="rId14"/>
+    <p:sldId id="264" r:id="rId15"/>
+    <p:sldId id="265" r:id="rId16"/>
+    <p:sldId id="266" r:id="rId17"/>
+    <p:sldId id="267" r:id="rId18"/>
+    <p:sldId id="269" r:id="rId19"/>
+    <p:sldId id="270" r:id="rId20"/>
   </p:sldIdLst>
   <p:sldSz cx="12192000" cy="6858000"/>
   <p:notesSz cx="6858000" cy="9144000"/>
@@ -5938,7 +5942,7 @@
         <p:spPr>
           <a:xfrm>
             <a:off x="712983" y="4645625"/>
-            <a:ext cx="2756358" cy="2148406"/>
+            <a:ext cx="2030217" cy="2148406"/>
           </a:xfrm>
           <a:prstGeom prst="rect">
             <a:avLst/>
@@ -6202,7 +6206,7 @@
                   <a:schemeClr val="tx1"/>
                 </a:solidFill>
               </a:rPr>
-              <a:t>Anna Geraci s296018</a:t>
+              <a:t>Anna Geraci</a:t>
             </a:r>
           </a:p>
           <a:p>
@@ -6267,6 +6271,2378 @@
 </file>
 
 <file path=ppt/slides/slide10.xml><?xml version="1.0" encoding="utf-8"?>
+<p:sld xmlns:a="http://schemas.openxmlformats.org/drawingml/2006/main" xmlns:r="http://schemas.openxmlformats.org/officeDocument/2006/relationships" xmlns:p="http://schemas.openxmlformats.org/presentationml/2006/main">
+  <p:cSld>
+    <p:spTree>
+      <p:nvGrpSpPr>
+        <p:cNvPr id="1" name=""/>
+        <p:cNvGrpSpPr/>
+        <p:nvPr/>
+      </p:nvGrpSpPr>
+      <p:grpSpPr>
+        <a:xfrm>
+          <a:off x="0" y="0"/>
+          <a:ext cx="0" cy="0"/>
+          <a:chOff x="0" y="0"/>
+          <a:chExt cx="0" cy="0"/>
+        </a:xfrm>
+      </p:grpSpPr>
+      <p:sp>
+        <p:nvSpPr>
+          <p:cNvPr id="2" name="Title 1">
+            <a:extLst>
+              <a:ext uri="{FF2B5EF4-FFF2-40B4-BE49-F238E27FC236}">
+                <a16:creationId xmlns:a16="http://schemas.microsoft.com/office/drawing/2014/main" id="{9204F6EB-7476-5E9B-CC6F-A313418182DC}"/>
+              </a:ext>
+            </a:extLst>
+          </p:cNvPr>
+          <p:cNvSpPr>
+            <a:spLocks noGrp="1"/>
+          </p:cNvSpPr>
+          <p:nvPr>
+            <p:ph type="title"/>
+          </p:nvPr>
+        </p:nvSpPr>
+        <p:spPr/>
+        <p:txBody>
+          <a:bodyPr/>
+          <a:lstStyle/>
+          <a:p>
+            <a:r>
+              <a:rPr lang="it-IT" dirty="0"/>
+              <a:t>Update the </a:t>
+            </a:r>
+            <a:r>
+              <a:rPr lang="it-IT" dirty="0" err="1"/>
+              <a:t>DeviceList</a:t>
+            </a:r>
+            <a:endParaRPr lang="it-IT" dirty="0"/>
+          </a:p>
+        </p:txBody>
+      </p:sp>
+    </p:spTree>
+    <p:extLst>
+      <p:ext uri="{BB962C8B-B14F-4D97-AF65-F5344CB8AC3E}">
+        <p14:creationId xmlns:p14="http://schemas.microsoft.com/office/powerpoint/2010/main" val="1547482496"/>
+      </p:ext>
+    </p:extLst>
+  </p:cSld>
+  <p:clrMapOvr>
+    <a:masterClrMapping/>
+  </p:clrMapOvr>
+</p:sld>
+</file>
+
+<file path=ppt/slides/slide11.xml><?xml version="1.0" encoding="utf-8"?>
+<p:sld xmlns:a="http://schemas.openxmlformats.org/drawingml/2006/main" xmlns:r="http://schemas.openxmlformats.org/officeDocument/2006/relationships" xmlns:p="http://schemas.openxmlformats.org/presentationml/2006/main">
+  <p:cSld>
+    <p:spTree>
+      <p:nvGrpSpPr>
+        <p:cNvPr id="1" name=""/>
+        <p:cNvGrpSpPr/>
+        <p:nvPr/>
+      </p:nvGrpSpPr>
+      <p:grpSpPr>
+        <a:xfrm>
+          <a:off x="0" y="0"/>
+          <a:ext cx="0" cy="0"/>
+          <a:chOff x="0" y="0"/>
+          <a:chExt cx="0" cy="0"/>
+        </a:xfrm>
+      </p:grpSpPr>
+      <p:sp>
+        <p:nvSpPr>
+          <p:cNvPr id="2" name="Title 1">
+            <a:extLst>
+              <a:ext uri="{FF2B5EF4-FFF2-40B4-BE49-F238E27FC236}">
+                <a16:creationId xmlns:a16="http://schemas.microsoft.com/office/drawing/2014/main" id="{4AD76833-9FFF-B3F0-4547-9B5C40CCB86A}"/>
+              </a:ext>
+            </a:extLst>
+          </p:cNvPr>
+          <p:cNvSpPr>
+            <a:spLocks noGrp="1"/>
+          </p:cNvSpPr>
+          <p:nvPr>
+            <p:ph type="title"/>
+          </p:nvPr>
+        </p:nvSpPr>
+        <p:spPr/>
+        <p:txBody>
+          <a:bodyPr/>
+          <a:lstStyle/>
+          <a:p>
+            <a:pPr algn="ctr"/>
+            <a:r>
+              <a:rPr lang="it-IT" dirty="0"/>
+              <a:t>Device </a:t>
+            </a:r>
+            <a:r>
+              <a:rPr lang="it-IT" dirty="0" err="1"/>
+              <a:t>Connectors</a:t>
+            </a:r>
+            <a:endParaRPr lang="it-IT" dirty="0"/>
+          </a:p>
+        </p:txBody>
+      </p:sp>
+    </p:spTree>
+    <p:extLst>
+      <p:ext uri="{BB962C8B-B14F-4D97-AF65-F5344CB8AC3E}">
+        <p14:creationId xmlns:p14="http://schemas.microsoft.com/office/powerpoint/2010/main" val="505351065"/>
+      </p:ext>
+    </p:extLst>
+  </p:cSld>
+  <p:clrMapOvr>
+    <a:masterClrMapping/>
+  </p:clrMapOvr>
+</p:sld>
+</file>
+
+<file path=ppt/slides/slide12.xml><?xml version="1.0" encoding="utf-8"?>
+<p:sld xmlns:a="http://schemas.openxmlformats.org/drawingml/2006/main" xmlns:r="http://schemas.openxmlformats.org/officeDocument/2006/relationships" xmlns:p="http://schemas.openxmlformats.org/presentationml/2006/main">
+  <p:cSld>
+    <p:spTree>
+      <p:nvGrpSpPr>
+        <p:cNvPr id="1" name=""/>
+        <p:cNvGrpSpPr/>
+        <p:nvPr/>
+      </p:nvGrpSpPr>
+      <p:grpSpPr>
+        <a:xfrm>
+          <a:off x="0" y="0"/>
+          <a:ext cx="0" cy="0"/>
+          <a:chOff x="0" y="0"/>
+          <a:chExt cx="0" cy="0"/>
+        </a:xfrm>
+      </p:grpSpPr>
+      <p:sp>
+        <p:nvSpPr>
+          <p:cNvPr id="2" name="Title 1">
+            <a:extLst>
+              <a:ext uri="{FF2B5EF4-FFF2-40B4-BE49-F238E27FC236}">
+                <a16:creationId xmlns:a16="http://schemas.microsoft.com/office/drawing/2014/main" id="{5BB890F9-6811-BCE4-3B1D-F956B98E71D8}"/>
+              </a:ext>
+            </a:extLst>
+          </p:cNvPr>
+          <p:cNvSpPr>
+            <a:spLocks noGrp="1"/>
+          </p:cNvSpPr>
+          <p:nvPr>
+            <p:ph type="title"/>
+          </p:nvPr>
+        </p:nvSpPr>
+        <p:spPr>
+          <a:xfrm>
+            <a:off x="621350" y="217714"/>
+            <a:ext cx="8596668" cy="1320800"/>
+          </a:xfrm>
+        </p:spPr>
+        <p:txBody>
+          <a:bodyPr/>
+          <a:lstStyle/>
+          <a:p>
+            <a:pPr algn="ctr"/>
+            <a:r>
+              <a:rPr lang="it-IT" dirty="0" err="1"/>
+              <a:t>Battery</a:t>
+            </a:r>
+            <a:r>
+              <a:rPr lang="it-IT" dirty="0"/>
+              <a:t> </a:t>
+            </a:r>
+            <a:r>
+              <a:rPr lang="it-IT" dirty="0" err="1"/>
+              <a:t>Charger</a:t>
+            </a:r>
+            <a:r>
+              <a:rPr lang="it-IT" dirty="0"/>
+              <a:t> System Control </a:t>
+            </a:r>
+          </a:p>
+        </p:txBody>
+      </p:sp>
+      <p:sp>
+        <p:nvSpPr>
+          <p:cNvPr id="4" name="Content Placeholder 5">
+            <a:extLst>
+              <a:ext uri="{FF2B5EF4-FFF2-40B4-BE49-F238E27FC236}">
+                <a16:creationId xmlns:a16="http://schemas.microsoft.com/office/drawing/2014/main" id="{7B81DFB4-4A76-3C93-88C3-C7A4018CE5E8}"/>
+              </a:ext>
+            </a:extLst>
+          </p:cNvPr>
+          <p:cNvSpPr txBox="1">
+            <a:spLocks/>
+          </p:cNvSpPr>
+          <p:nvPr/>
+        </p:nvSpPr>
+        <p:spPr>
+          <a:xfrm>
+            <a:off x="70871" y="913946"/>
+            <a:ext cx="4320154" cy="5860077"/>
+          </a:xfrm>
+          <a:prstGeom prst="rect">
+            <a:avLst/>
+          </a:prstGeom>
+        </p:spPr>
+        <p:txBody>
+          <a:bodyPr/>
+          <a:lstStyle>
+            <a:lvl1pPr marL="342900" indent="-342900" algn="l" defTabSz="457200" rtl="0" eaLnBrk="1" latinLnBrk="0" hangingPunct="1">
+              <a:spcBef>
+                <a:spcPts val="1000"/>
+              </a:spcBef>
+              <a:spcAft>
+                <a:spcPts val="0"/>
+              </a:spcAft>
+              <a:buClr>
+                <a:schemeClr val="accent1"/>
+              </a:buClr>
+              <a:buSzPct val="80000"/>
+              <a:buFont typeface="Wingdings 3" charset="2"/>
+              <a:buChar char=""/>
+              <a:defRPr sz="1800" kern="1200">
+                <a:solidFill>
+                  <a:schemeClr val="tx1">
+                    <a:lumMod val="75000"/>
+                    <a:lumOff val="25000"/>
+                  </a:schemeClr>
+                </a:solidFill>
+                <a:latin typeface="+mn-lt"/>
+                <a:ea typeface="+mn-ea"/>
+                <a:cs typeface="+mn-cs"/>
+              </a:defRPr>
+            </a:lvl1pPr>
+            <a:lvl2pPr marL="742950" indent="-285750" algn="l" defTabSz="457200" rtl="0" eaLnBrk="1" latinLnBrk="0" hangingPunct="1">
+              <a:spcBef>
+                <a:spcPts val="1000"/>
+              </a:spcBef>
+              <a:spcAft>
+                <a:spcPts val="0"/>
+              </a:spcAft>
+              <a:buClr>
+                <a:schemeClr val="accent1"/>
+              </a:buClr>
+              <a:buSzPct val="80000"/>
+              <a:buFont typeface="Wingdings 3" charset="2"/>
+              <a:buChar char=""/>
+              <a:defRPr sz="1600" kern="1200">
+                <a:solidFill>
+                  <a:schemeClr val="tx1">
+                    <a:lumMod val="75000"/>
+                    <a:lumOff val="25000"/>
+                  </a:schemeClr>
+                </a:solidFill>
+                <a:latin typeface="+mn-lt"/>
+                <a:ea typeface="+mn-ea"/>
+                <a:cs typeface="+mn-cs"/>
+              </a:defRPr>
+            </a:lvl2pPr>
+            <a:lvl3pPr marL="1143000" indent="-228600" algn="l" defTabSz="457200" rtl="0" eaLnBrk="1" latinLnBrk="0" hangingPunct="1">
+              <a:spcBef>
+                <a:spcPts val="1000"/>
+              </a:spcBef>
+              <a:spcAft>
+                <a:spcPts val="0"/>
+              </a:spcAft>
+              <a:buClr>
+                <a:schemeClr val="accent1"/>
+              </a:buClr>
+              <a:buSzPct val="80000"/>
+              <a:buFont typeface="Wingdings 3" charset="2"/>
+              <a:buChar char=""/>
+              <a:defRPr sz="1400" kern="1200">
+                <a:solidFill>
+                  <a:schemeClr val="tx1">
+                    <a:lumMod val="75000"/>
+                    <a:lumOff val="25000"/>
+                  </a:schemeClr>
+                </a:solidFill>
+                <a:latin typeface="+mn-lt"/>
+                <a:ea typeface="+mn-ea"/>
+                <a:cs typeface="+mn-cs"/>
+              </a:defRPr>
+            </a:lvl3pPr>
+            <a:lvl4pPr marL="1600200" indent="-228600" algn="l" defTabSz="457200" rtl="0" eaLnBrk="1" latinLnBrk="0" hangingPunct="1">
+              <a:spcBef>
+                <a:spcPts val="1000"/>
+              </a:spcBef>
+              <a:spcAft>
+                <a:spcPts val="0"/>
+              </a:spcAft>
+              <a:buClr>
+                <a:schemeClr val="accent1"/>
+              </a:buClr>
+              <a:buSzPct val="80000"/>
+              <a:buFont typeface="Wingdings 3" charset="2"/>
+              <a:buChar char=""/>
+              <a:defRPr sz="1200" kern="1200">
+                <a:solidFill>
+                  <a:schemeClr val="tx1">
+                    <a:lumMod val="75000"/>
+                    <a:lumOff val="25000"/>
+                  </a:schemeClr>
+                </a:solidFill>
+                <a:latin typeface="+mn-lt"/>
+                <a:ea typeface="+mn-ea"/>
+                <a:cs typeface="+mn-cs"/>
+              </a:defRPr>
+            </a:lvl4pPr>
+            <a:lvl5pPr marL="2057400" indent="-228600" algn="l" defTabSz="457200" rtl="0" eaLnBrk="1" latinLnBrk="0" hangingPunct="1">
+              <a:spcBef>
+                <a:spcPts val="1000"/>
+              </a:spcBef>
+              <a:spcAft>
+                <a:spcPts val="0"/>
+              </a:spcAft>
+              <a:buClr>
+                <a:schemeClr val="accent1"/>
+              </a:buClr>
+              <a:buSzPct val="80000"/>
+              <a:buFont typeface="Wingdings 3" charset="2"/>
+              <a:buChar char=""/>
+              <a:defRPr sz="1200" kern="1200">
+                <a:solidFill>
+                  <a:schemeClr val="tx1">
+                    <a:lumMod val="75000"/>
+                    <a:lumOff val="25000"/>
+                  </a:schemeClr>
+                </a:solidFill>
+                <a:latin typeface="+mn-lt"/>
+                <a:ea typeface="+mn-ea"/>
+                <a:cs typeface="+mn-cs"/>
+              </a:defRPr>
+            </a:lvl5pPr>
+            <a:lvl6pPr marL="2514600" indent="-228600" algn="l" defTabSz="457200" rtl="0" eaLnBrk="1" latinLnBrk="0" hangingPunct="1">
+              <a:spcBef>
+                <a:spcPts val="1000"/>
+              </a:spcBef>
+              <a:spcAft>
+                <a:spcPts val="0"/>
+              </a:spcAft>
+              <a:buClr>
+                <a:schemeClr val="accent1"/>
+              </a:buClr>
+              <a:buSzPct val="80000"/>
+              <a:buFont typeface="Wingdings 3" charset="2"/>
+              <a:buChar char=""/>
+              <a:defRPr sz="1200" kern="1200">
+                <a:solidFill>
+                  <a:schemeClr val="tx1">
+                    <a:lumMod val="75000"/>
+                    <a:lumOff val="25000"/>
+                  </a:schemeClr>
+                </a:solidFill>
+                <a:latin typeface="+mn-lt"/>
+                <a:ea typeface="+mn-ea"/>
+                <a:cs typeface="+mn-cs"/>
+              </a:defRPr>
+            </a:lvl6pPr>
+            <a:lvl7pPr marL="2971800" indent="-228600" algn="l" defTabSz="457200" rtl="0" eaLnBrk="1" latinLnBrk="0" hangingPunct="1">
+              <a:spcBef>
+                <a:spcPts val="1000"/>
+              </a:spcBef>
+              <a:spcAft>
+                <a:spcPts val="0"/>
+              </a:spcAft>
+              <a:buClr>
+                <a:schemeClr val="accent1"/>
+              </a:buClr>
+              <a:buSzPct val="80000"/>
+              <a:buFont typeface="Wingdings 3" charset="2"/>
+              <a:buChar char=""/>
+              <a:defRPr sz="1200" kern="1200">
+                <a:solidFill>
+                  <a:schemeClr val="tx1">
+                    <a:lumMod val="75000"/>
+                    <a:lumOff val="25000"/>
+                  </a:schemeClr>
+                </a:solidFill>
+                <a:latin typeface="+mn-lt"/>
+                <a:ea typeface="+mn-ea"/>
+                <a:cs typeface="+mn-cs"/>
+              </a:defRPr>
+            </a:lvl7pPr>
+            <a:lvl8pPr marL="3429000" indent="-228600" algn="l" defTabSz="457200" rtl="0" eaLnBrk="1" latinLnBrk="0" hangingPunct="1">
+              <a:spcBef>
+                <a:spcPts val="1000"/>
+              </a:spcBef>
+              <a:spcAft>
+                <a:spcPts val="0"/>
+              </a:spcAft>
+              <a:buClr>
+                <a:schemeClr val="accent1"/>
+              </a:buClr>
+              <a:buSzPct val="80000"/>
+              <a:buFont typeface="Wingdings 3" charset="2"/>
+              <a:buChar char=""/>
+              <a:defRPr sz="1200" kern="1200">
+                <a:solidFill>
+                  <a:schemeClr val="tx1">
+                    <a:lumMod val="75000"/>
+                    <a:lumOff val="25000"/>
+                  </a:schemeClr>
+                </a:solidFill>
+                <a:latin typeface="+mn-lt"/>
+                <a:ea typeface="+mn-ea"/>
+                <a:cs typeface="+mn-cs"/>
+              </a:defRPr>
+            </a:lvl8pPr>
+            <a:lvl9pPr marL="3886200" indent="-228600" algn="l" defTabSz="457200" rtl="0" eaLnBrk="1" latinLnBrk="0" hangingPunct="1">
+              <a:spcBef>
+                <a:spcPts val="1000"/>
+              </a:spcBef>
+              <a:spcAft>
+                <a:spcPts val="0"/>
+              </a:spcAft>
+              <a:buClr>
+                <a:schemeClr val="accent1"/>
+              </a:buClr>
+              <a:buSzPct val="80000"/>
+              <a:buFont typeface="Wingdings 3" charset="2"/>
+              <a:buChar char=""/>
+              <a:defRPr sz="1200" kern="1200">
+                <a:solidFill>
+                  <a:schemeClr val="tx1">
+                    <a:lumMod val="75000"/>
+                    <a:lumOff val="25000"/>
+                  </a:schemeClr>
+                </a:solidFill>
+                <a:latin typeface="+mn-lt"/>
+                <a:ea typeface="+mn-ea"/>
+                <a:cs typeface="+mn-cs"/>
+              </a:defRPr>
+            </a:lvl9pPr>
+          </a:lstStyle>
+          <a:p>
+            <a:pPr marL="0" indent="0">
+              <a:buNone/>
+            </a:pPr>
+            <a:r>
+              <a:rPr lang="it-IT" sz="1600" b="1" dirty="0" err="1">
+                <a:solidFill>
+                  <a:schemeClr val="tx1"/>
+                </a:solidFill>
+              </a:rPr>
+              <a:t>Communication</a:t>
+            </a:r>
+            <a:r>
+              <a:rPr lang="it-IT" sz="1600" b="1" dirty="0">
+                <a:solidFill>
+                  <a:schemeClr val="tx1"/>
+                </a:solidFill>
+              </a:rPr>
+              <a:t> with:</a:t>
+            </a:r>
+          </a:p>
+          <a:p>
+            <a:pPr algn="just"/>
+            <a:r>
+              <a:rPr lang="it-IT" sz="1600" b="1" dirty="0" err="1">
+                <a:solidFill>
+                  <a:schemeClr val="tx1"/>
+                </a:solidFill>
+              </a:rPr>
+              <a:t>Sensors</a:t>
+            </a:r>
+            <a:r>
+              <a:rPr lang="it-IT" sz="1600" b="1" dirty="0">
+                <a:solidFill>
+                  <a:schemeClr val="tx1"/>
+                </a:solidFill>
+              </a:rPr>
+              <a:t>: </a:t>
+            </a:r>
+            <a:r>
+              <a:rPr lang="it-IT" sz="1600" dirty="0" err="1">
+                <a:solidFill>
+                  <a:schemeClr val="tx1"/>
+                </a:solidFill>
+              </a:rPr>
+              <a:t>Retrieves</a:t>
+            </a:r>
+            <a:r>
+              <a:rPr lang="it-IT" sz="1600" dirty="0">
+                <a:solidFill>
+                  <a:schemeClr val="tx1"/>
+                </a:solidFill>
+              </a:rPr>
+              <a:t> data from </a:t>
+            </a:r>
+            <a:r>
+              <a:rPr lang="it-IT" sz="1600" dirty="0" err="1">
+                <a:solidFill>
+                  <a:schemeClr val="tx1"/>
+                </a:solidFill>
+              </a:rPr>
+              <a:t>sensors</a:t>
+            </a:r>
+            <a:r>
+              <a:rPr lang="it-IT" sz="1600" dirty="0">
+                <a:solidFill>
+                  <a:schemeClr val="tx1"/>
+                </a:solidFill>
+              </a:rPr>
+              <a:t> and </a:t>
+            </a:r>
+            <a:r>
+              <a:rPr lang="it-IT" sz="1600" dirty="0" err="1">
+                <a:solidFill>
+                  <a:schemeClr val="tx1"/>
+                </a:solidFill>
+              </a:rPr>
+              <a:t>process</a:t>
+            </a:r>
+            <a:r>
+              <a:rPr lang="it-IT" sz="1600" dirty="0">
+                <a:solidFill>
+                  <a:schemeClr val="tx1"/>
+                </a:solidFill>
+              </a:rPr>
+              <a:t> </a:t>
+            </a:r>
+            <a:r>
+              <a:rPr lang="it-IT" sz="1600" dirty="0" err="1">
+                <a:solidFill>
+                  <a:schemeClr val="tx1"/>
+                </a:solidFill>
+              </a:rPr>
+              <a:t>them</a:t>
+            </a:r>
+            <a:r>
+              <a:rPr lang="it-IT" sz="1600" dirty="0">
+                <a:solidFill>
+                  <a:schemeClr val="tx1"/>
+                </a:solidFill>
+              </a:rPr>
+              <a:t>.</a:t>
+            </a:r>
+          </a:p>
+          <a:p>
+            <a:pPr algn="just"/>
+            <a:r>
+              <a:rPr lang="it-IT" sz="1600" b="1" dirty="0" err="1">
+                <a:solidFill>
+                  <a:schemeClr val="tx1"/>
+                </a:solidFill>
+              </a:rPr>
+              <a:t>Actuator</a:t>
+            </a:r>
+            <a:r>
+              <a:rPr lang="it-IT" sz="1600" b="1" dirty="0">
+                <a:solidFill>
+                  <a:schemeClr val="tx1"/>
+                </a:solidFill>
+              </a:rPr>
+              <a:t>: </a:t>
+            </a:r>
+            <a:r>
+              <a:rPr lang="it-IT" sz="1600" dirty="0" err="1">
+                <a:solidFill>
+                  <a:schemeClr val="tx1"/>
+                </a:solidFill>
+              </a:rPr>
+              <a:t>Sends</a:t>
+            </a:r>
+            <a:r>
+              <a:rPr lang="it-IT" sz="1600" dirty="0">
+                <a:solidFill>
+                  <a:schemeClr val="tx1"/>
+                </a:solidFill>
+              </a:rPr>
+              <a:t> </a:t>
+            </a:r>
+            <a:r>
+              <a:rPr lang="it-IT" sz="1600" dirty="0" err="1">
+                <a:solidFill>
+                  <a:schemeClr val="tx1"/>
+                </a:solidFill>
+              </a:rPr>
+              <a:t>command</a:t>
+            </a:r>
+            <a:r>
+              <a:rPr lang="it-IT" sz="1600" dirty="0">
+                <a:solidFill>
+                  <a:schemeClr val="tx1"/>
+                </a:solidFill>
+              </a:rPr>
+              <a:t> to the </a:t>
+            </a:r>
+            <a:r>
+              <a:rPr lang="it-IT" sz="1600" dirty="0" err="1">
+                <a:solidFill>
+                  <a:schemeClr val="tx1"/>
+                </a:solidFill>
+              </a:rPr>
+              <a:t>actuator</a:t>
+            </a:r>
+            <a:r>
+              <a:rPr lang="it-IT" sz="1600" dirty="0">
+                <a:solidFill>
+                  <a:schemeClr val="tx1"/>
+                </a:solidFill>
+              </a:rPr>
+              <a:t> (On/Off).</a:t>
+            </a:r>
+          </a:p>
+          <a:p>
+            <a:pPr algn="just"/>
+            <a:r>
+              <a:rPr lang="it-IT" sz="1600" b="1" dirty="0">
+                <a:solidFill>
+                  <a:schemeClr val="tx1"/>
+                </a:solidFill>
+              </a:rPr>
+              <a:t>User: </a:t>
+            </a:r>
+            <a:r>
+              <a:rPr lang="it-IT" sz="1600" dirty="0" err="1">
+                <a:solidFill>
+                  <a:schemeClr val="tx1"/>
+                </a:solidFill>
+              </a:rPr>
+              <a:t>Retrieves</a:t>
+            </a:r>
+            <a:r>
+              <a:rPr lang="it-IT" sz="1600" dirty="0">
+                <a:solidFill>
+                  <a:schemeClr val="tx1"/>
+                </a:solidFill>
+              </a:rPr>
+              <a:t> data </a:t>
+            </a:r>
+            <a:r>
+              <a:rPr lang="it-IT" sz="1600" dirty="0" err="1">
+                <a:solidFill>
+                  <a:schemeClr val="tx1"/>
+                </a:solidFill>
+              </a:rPr>
+              <a:t>about</a:t>
+            </a:r>
+            <a:r>
+              <a:rPr lang="it-IT" sz="1600" dirty="0">
+                <a:solidFill>
+                  <a:schemeClr val="tx1"/>
+                </a:solidFill>
+              </a:rPr>
+              <a:t> </a:t>
+            </a:r>
+            <a:r>
+              <a:rPr lang="it-IT" sz="1600" dirty="0" err="1">
+                <a:solidFill>
+                  <a:schemeClr val="tx1"/>
+                </a:solidFill>
+              </a:rPr>
+              <a:t>what</a:t>
+            </a:r>
+            <a:r>
+              <a:rPr lang="it-IT" sz="1600" dirty="0">
+                <a:solidFill>
+                  <a:schemeClr val="tx1"/>
+                </a:solidFill>
+              </a:rPr>
+              <a:t> the user </a:t>
+            </a:r>
+            <a:r>
+              <a:rPr lang="it-IT" sz="1600" dirty="0" err="1">
+                <a:solidFill>
+                  <a:schemeClr val="tx1"/>
+                </a:solidFill>
+              </a:rPr>
+              <a:t>want</a:t>
+            </a:r>
+            <a:r>
+              <a:rPr lang="it-IT" sz="1600" dirty="0">
+                <a:solidFill>
+                  <a:schemeClr val="tx1"/>
+                </a:solidFill>
+              </a:rPr>
+              <a:t> </a:t>
+            </a:r>
+            <a:r>
+              <a:rPr lang="it-IT" sz="1600" dirty="0" err="1">
+                <a:solidFill>
+                  <a:schemeClr val="tx1"/>
+                </a:solidFill>
+              </a:rPr>
+              <a:t>through</a:t>
+            </a:r>
+            <a:r>
+              <a:rPr lang="it-IT" sz="1600" dirty="0">
+                <a:solidFill>
+                  <a:schemeClr val="tx1"/>
+                </a:solidFill>
+              </a:rPr>
+              <a:t> User </a:t>
+            </a:r>
+            <a:r>
+              <a:rPr lang="it-IT" sz="1600" dirty="0" err="1">
+                <a:solidFill>
+                  <a:schemeClr val="tx1"/>
+                </a:solidFill>
+              </a:rPr>
+              <a:t>Awareness</a:t>
+            </a:r>
+            <a:r>
+              <a:rPr lang="it-IT" sz="1600" dirty="0">
+                <a:solidFill>
+                  <a:schemeClr val="tx1"/>
+                </a:solidFill>
+              </a:rPr>
+              <a:t> </a:t>
+            </a:r>
+            <a:r>
+              <a:rPr lang="it-IT" sz="1600" dirty="0" err="1">
+                <a:solidFill>
+                  <a:schemeClr val="tx1"/>
+                </a:solidFill>
+              </a:rPr>
+              <a:t>interface</a:t>
+            </a:r>
+            <a:r>
+              <a:rPr lang="it-IT" sz="1600" dirty="0">
+                <a:solidFill>
+                  <a:schemeClr val="tx1"/>
+                </a:solidFill>
+              </a:rPr>
+              <a:t> (</a:t>
+            </a:r>
+            <a:r>
+              <a:rPr lang="it-IT" sz="1600" dirty="0" err="1">
+                <a:solidFill>
+                  <a:schemeClr val="tx1"/>
+                </a:solidFill>
+              </a:rPr>
+              <a:t>Node</a:t>
+            </a:r>
+            <a:r>
+              <a:rPr lang="it-IT" sz="1600" dirty="0">
+                <a:solidFill>
+                  <a:schemeClr val="tx1"/>
+                </a:solidFill>
+              </a:rPr>
+              <a:t>-red and Telegram - </a:t>
+            </a:r>
+            <a:r>
+              <a:rPr lang="it-IT" sz="1600" dirty="0" err="1">
+                <a:solidFill>
+                  <a:schemeClr val="tx1"/>
+                </a:solidFill>
+              </a:rPr>
+              <a:t>ManualFlag</a:t>
+            </a:r>
+            <a:r>
+              <a:rPr lang="it-IT" sz="1600" dirty="0">
+                <a:solidFill>
+                  <a:schemeClr val="tx1"/>
+                </a:solidFill>
+              </a:rPr>
+              <a:t>). </a:t>
+            </a:r>
+          </a:p>
+          <a:p>
+            <a:pPr algn="just"/>
+            <a:r>
+              <a:rPr lang="it-IT" sz="1600" b="1" dirty="0" err="1">
+                <a:solidFill>
+                  <a:schemeClr val="tx1"/>
+                </a:solidFill>
+              </a:rPr>
+              <a:t>Catalog</a:t>
+            </a:r>
+            <a:r>
+              <a:rPr lang="it-IT" sz="1600" dirty="0">
+                <a:solidFill>
+                  <a:schemeClr val="tx1"/>
+                </a:solidFill>
+              </a:rPr>
+              <a:t>: </a:t>
+            </a:r>
+            <a:r>
+              <a:rPr lang="it-IT" sz="1600" dirty="0" err="1">
+                <a:solidFill>
+                  <a:schemeClr val="tx1"/>
+                </a:solidFill>
+              </a:rPr>
+              <a:t>Retrieves</a:t>
+            </a:r>
+            <a:r>
+              <a:rPr lang="it-IT" sz="1600" dirty="0">
+                <a:solidFill>
+                  <a:schemeClr val="tx1"/>
+                </a:solidFill>
+              </a:rPr>
+              <a:t> data of the user and general data of the </a:t>
+            </a:r>
+            <a:r>
+              <a:rPr lang="it-IT" sz="1600" dirty="0" err="1">
+                <a:solidFill>
+                  <a:schemeClr val="tx1"/>
+                </a:solidFill>
+              </a:rPr>
+              <a:t>application</a:t>
+            </a:r>
+            <a:r>
+              <a:rPr lang="it-IT" sz="1600" dirty="0">
+                <a:solidFill>
+                  <a:schemeClr val="tx1"/>
+                </a:solidFill>
+              </a:rPr>
+              <a:t>; and </a:t>
+            </a:r>
+            <a:r>
+              <a:rPr lang="it-IT" sz="1600" dirty="0" err="1">
+                <a:solidFill>
+                  <a:schemeClr val="tx1"/>
+                </a:solidFill>
+              </a:rPr>
+              <a:t>publish</a:t>
+            </a:r>
+            <a:r>
+              <a:rPr lang="it-IT" sz="1600" dirty="0">
+                <a:solidFill>
+                  <a:schemeClr val="tx1"/>
+                </a:solidFill>
+              </a:rPr>
+              <a:t> the </a:t>
+            </a:r>
+            <a:r>
+              <a:rPr lang="it-IT" sz="1600" dirty="0" err="1">
+                <a:solidFill>
+                  <a:schemeClr val="tx1"/>
+                </a:solidFill>
+              </a:rPr>
+              <a:t>value</a:t>
+            </a:r>
+            <a:r>
+              <a:rPr lang="it-IT" sz="1600" dirty="0">
+                <a:solidFill>
+                  <a:schemeClr val="tx1"/>
+                </a:solidFill>
+              </a:rPr>
+              <a:t> of the </a:t>
+            </a:r>
+            <a:r>
+              <a:rPr lang="it-IT" sz="1600" dirty="0" err="1">
+                <a:solidFill>
+                  <a:schemeClr val="tx1"/>
+                </a:solidFill>
+              </a:rPr>
+              <a:t>actuator</a:t>
+            </a:r>
+            <a:r>
+              <a:rPr lang="it-IT" sz="1600" dirty="0">
+                <a:solidFill>
+                  <a:schemeClr val="tx1"/>
+                </a:solidFill>
+              </a:rPr>
+              <a:t> </a:t>
+            </a:r>
+            <a:r>
+              <a:rPr lang="it-IT" sz="1600" dirty="0" err="1">
+                <a:solidFill>
+                  <a:schemeClr val="tx1"/>
+                </a:solidFill>
+              </a:rPr>
+              <a:t>computed</a:t>
+            </a:r>
+            <a:r>
+              <a:rPr lang="it-IT" sz="1600" dirty="0">
+                <a:solidFill>
+                  <a:schemeClr val="tx1"/>
+                </a:solidFill>
+              </a:rPr>
+              <a:t>.</a:t>
+            </a:r>
+          </a:p>
+          <a:p>
+            <a:pPr algn="just"/>
+            <a:r>
+              <a:rPr lang="it-IT" sz="1600" b="1" dirty="0">
+                <a:solidFill>
+                  <a:schemeClr val="tx1"/>
+                </a:solidFill>
+              </a:rPr>
+              <a:t>Control Strategy Agenda: </a:t>
+            </a:r>
+            <a:r>
+              <a:rPr lang="it-IT" sz="1600" dirty="0" err="1">
+                <a:solidFill>
+                  <a:schemeClr val="tx1"/>
+                </a:solidFill>
+              </a:rPr>
+              <a:t>Retrieves</a:t>
+            </a:r>
+            <a:r>
+              <a:rPr lang="it-IT" sz="1600" dirty="0">
+                <a:solidFill>
+                  <a:schemeClr val="tx1"/>
+                </a:solidFill>
+              </a:rPr>
+              <a:t> the </a:t>
+            </a:r>
+            <a:r>
+              <a:rPr lang="it-IT" sz="1600" dirty="0" err="1">
+                <a:solidFill>
+                  <a:schemeClr val="tx1"/>
+                </a:solidFill>
+              </a:rPr>
+              <a:t>value</a:t>
+            </a:r>
+            <a:r>
+              <a:rPr lang="it-IT" sz="1600" dirty="0">
+                <a:solidFill>
+                  <a:schemeClr val="tx1"/>
+                </a:solidFill>
+              </a:rPr>
+              <a:t> of the </a:t>
+            </a:r>
+            <a:r>
+              <a:rPr lang="it-IT" sz="1600" dirty="0" err="1">
+                <a:solidFill>
+                  <a:schemeClr val="tx1"/>
+                </a:solidFill>
+              </a:rPr>
+              <a:t>percentage</a:t>
+            </a:r>
+            <a:r>
+              <a:rPr lang="it-IT" sz="1600" dirty="0">
+                <a:solidFill>
+                  <a:schemeClr val="tx1"/>
+                </a:solidFill>
+              </a:rPr>
+              <a:t> of </a:t>
+            </a:r>
+            <a:r>
+              <a:rPr lang="it-IT" sz="1600" dirty="0" err="1">
+                <a:solidFill>
+                  <a:schemeClr val="tx1"/>
+                </a:solidFill>
+              </a:rPr>
+              <a:t>battery</a:t>
+            </a:r>
+            <a:r>
+              <a:rPr lang="it-IT" sz="1600" dirty="0">
+                <a:solidFill>
+                  <a:schemeClr val="tx1"/>
+                </a:solidFill>
+              </a:rPr>
+              <a:t> </a:t>
+            </a:r>
+            <a:r>
+              <a:rPr lang="it-IT" sz="1600" dirty="0" err="1">
+                <a:solidFill>
+                  <a:schemeClr val="tx1"/>
+                </a:solidFill>
+              </a:rPr>
+              <a:t>necessary</a:t>
+            </a:r>
+            <a:r>
+              <a:rPr lang="it-IT" sz="1600" dirty="0">
+                <a:solidFill>
+                  <a:schemeClr val="tx1"/>
+                </a:solidFill>
+              </a:rPr>
+              <a:t> in </a:t>
+            </a:r>
+            <a:r>
+              <a:rPr lang="it-IT" sz="1600" dirty="0" err="1">
+                <a:solidFill>
+                  <a:schemeClr val="tx1"/>
+                </a:solidFill>
+              </a:rPr>
+              <a:t>this</a:t>
+            </a:r>
+            <a:r>
+              <a:rPr lang="it-IT" sz="1600" dirty="0">
+                <a:solidFill>
+                  <a:schemeClr val="tx1"/>
+                </a:solidFill>
+              </a:rPr>
+              <a:t> day </a:t>
+            </a:r>
+            <a:r>
+              <a:rPr lang="it-IT" sz="1600" dirty="0" err="1">
+                <a:solidFill>
+                  <a:schemeClr val="tx1"/>
+                </a:solidFill>
+              </a:rPr>
+              <a:t>according</a:t>
+            </a:r>
+            <a:r>
+              <a:rPr lang="it-IT" sz="1600" dirty="0">
+                <a:solidFill>
+                  <a:schemeClr val="tx1"/>
+                </a:solidFill>
+              </a:rPr>
+              <a:t> to the Agenda of the user.  </a:t>
+            </a:r>
+          </a:p>
+          <a:p>
+            <a:pPr marL="0" indent="0">
+              <a:buNone/>
+            </a:pPr>
+            <a:r>
+              <a:rPr lang="it-IT" sz="1600" b="1" dirty="0" err="1">
+                <a:solidFill>
+                  <a:schemeClr val="tx1"/>
+                </a:solidFill>
+              </a:rPr>
+              <a:t>Main</a:t>
+            </a:r>
+            <a:r>
+              <a:rPr lang="it-IT" sz="1600" b="1" dirty="0">
+                <a:solidFill>
+                  <a:schemeClr val="tx1"/>
+                </a:solidFill>
+              </a:rPr>
+              <a:t> </a:t>
+            </a:r>
+            <a:r>
+              <a:rPr lang="it-IT" sz="1600" b="1" dirty="0" err="1">
+                <a:solidFill>
+                  <a:schemeClr val="tx1"/>
+                </a:solidFill>
+              </a:rPr>
+              <a:t>role</a:t>
+            </a:r>
+            <a:r>
+              <a:rPr lang="it-IT" sz="1600" b="1" dirty="0">
+                <a:solidFill>
+                  <a:schemeClr val="tx1"/>
+                </a:solidFill>
+              </a:rPr>
+              <a:t>:</a:t>
+            </a:r>
+          </a:p>
+          <a:p>
+            <a:pPr marL="0" indent="0">
+              <a:buNone/>
+            </a:pPr>
+            <a:r>
+              <a:rPr lang="it-IT" sz="1600" dirty="0" err="1">
+                <a:solidFill>
+                  <a:schemeClr val="tx1"/>
+                </a:solidFill>
+              </a:rPr>
+              <a:t>Retrieve</a:t>
+            </a:r>
+            <a:r>
+              <a:rPr lang="it-IT" sz="1600" dirty="0">
+                <a:solidFill>
+                  <a:schemeClr val="tx1"/>
+                </a:solidFill>
+              </a:rPr>
+              <a:t> data and </a:t>
+            </a:r>
+            <a:r>
+              <a:rPr lang="it-IT" sz="1600" dirty="0" err="1">
+                <a:solidFill>
+                  <a:schemeClr val="tx1"/>
+                </a:solidFill>
+              </a:rPr>
+              <a:t>choose</a:t>
+            </a:r>
+            <a:r>
+              <a:rPr lang="it-IT" sz="1600" dirty="0">
+                <a:solidFill>
+                  <a:schemeClr val="tx1"/>
+                </a:solidFill>
+              </a:rPr>
+              <a:t> </a:t>
+            </a:r>
+            <a:r>
+              <a:rPr lang="it-IT" sz="1600" dirty="0" err="1">
+                <a:solidFill>
+                  <a:schemeClr val="tx1"/>
+                </a:solidFill>
+              </a:rPr>
+              <a:t>if</a:t>
+            </a:r>
+            <a:r>
+              <a:rPr lang="it-IT" sz="1600" dirty="0">
+                <a:solidFill>
+                  <a:schemeClr val="tx1"/>
+                </a:solidFill>
+              </a:rPr>
+              <a:t> the car must be in </a:t>
+            </a:r>
+            <a:r>
+              <a:rPr lang="it-IT" sz="1600" dirty="0" err="1">
+                <a:solidFill>
+                  <a:schemeClr val="tx1"/>
+                </a:solidFill>
+              </a:rPr>
+              <a:t>charge</a:t>
+            </a:r>
+            <a:r>
+              <a:rPr lang="it-IT" sz="1600" dirty="0">
+                <a:solidFill>
+                  <a:schemeClr val="tx1"/>
+                </a:solidFill>
+              </a:rPr>
+              <a:t> or </a:t>
+            </a:r>
+            <a:r>
+              <a:rPr lang="it-IT" sz="1600" dirty="0" err="1">
+                <a:solidFill>
+                  <a:schemeClr val="tx1"/>
+                </a:solidFill>
+              </a:rPr>
+              <a:t>not</a:t>
+            </a:r>
+            <a:r>
+              <a:rPr lang="it-IT" sz="1600" dirty="0">
+                <a:solidFill>
+                  <a:schemeClr val="tx1"/>
+                </a:solidFill>
+              </a:rPr>
+              <a:t> </a:t>
+            </a:r>
+            <a:r>
+              <a:rPr lang="it-IT" sz="1600" dirty="0" err="1">
+                <a:solidFill>
+                  <a:schemeClr val="tx1"/>
+                </a:solidFill>
+              </a:rPr>
+              <a:t>according</a:t>
+            </a:r>
+            <a:r>
+              <a:rPr lang="it-IT" sz="1600" dirty="0">
+                <a:solidFill>
+                  <a:schemeClr val="tx1"/>
+                </a:solidFill>
+              </a:rPr>
+              <a:t> to the </a:t>
+            </a:r>
+            <a:r>
+              <a:rPr lang="it-IT" sz="1600" dirty="0" err="1">
+                <a:solidFill>
+                  <a:schemeClr val="tx1"/>
+                </a:solidFill>
+              </a:rPr>
+              <a:t>logic</a:t>
+            </a:r>
+            <a:r>
+              <a:rPr lang="it-IT" sz="1600" dirty="0">
+                <a:solidFill>
+                  <a:schemeClr val="tx1"/>
+                </a:solidFill>
+              </a:rPr>
+              <a:t> </a:t>
+            </a:r>
+            <a:r>
+              <a:rPr lang="it-IT" sz="1600" dirty="0" err="1">
+                <a:solidFill>
+                  <a:schemeClr val="tx1"/>
+                </a:solidFill>
+              </a:rPr>
+              <a:t>reported</a:t>
+            </a:r>
+            <a:r>
+              <a:rPr lang="it-IT" sz="1600" dirty="0">
+                <a:solidFill>
+                  <a:schemeClr val="tx1"/>
+                </a:solidFill>
+              </a:rPr>
+              <a:t> on the </a:t>
+            </a:r>
+            <a:r>
+              <a:rPr lang="it-IT" sz="1600" dirty="0" err="1">
+                <a:solidFill>
+                  <a:schemeClr val="tx1"/>
+                </a:solidFill>
+              </a:rPr>
+              <a:t>right</a:t>
+            </a:r>
+            <a:r>
+              <a:rPr lang="it-IT" sz="1600" dirty="0">
+                <a:solidFill>
+                  <a:schemeClr val="tx1"/>
+                </a:solidFill>
+              </a:rPr>
+              <a:t>. </a:t>
+            </a:r>
+          </a:p>
+        </p:txBody>
+      </p:sp>
+      <p:pic>
+        <p:nvPicPr>
+          <p:cNvPr id="6" name="Picture 5">
+            <a:extLst>
+              <a:ext uri="{FF2B5EF4-FFF2-40B4-BE49-F238E27FC236}">
+                <a16:creationId xmlns:a16="http://schemas.microsoft.com/office/drawing/2014/main" id="{4FFF959A-E193-C8AC-906E-32E3540E3647}"/>
+              </a:ext>
+            </a:extLst>
+          </p:cNvPr>
+          <p:cNvPicPr>
+            <a:picLocks noChangeAspect="1"/>
+          </p:cNvPicPr>
+          <p:nvPr/>
+        </p:nvPicPr>
+        <p:blipFill>
+          <a:blip r:embed="rId2"/>
+          <a:stretch>
+            <a:fillRect/>
+          </a:stretch>
+        </p:blipFill>
+        <p:spPr>
+          <a:xfrm>
+            <a:off x="4514850" y="1218293"/>
+            <a:ext cx="7055800" cy="4608926"/>
+          </a:xfrm>
+          <a:prstGeom prst="rect">
+            <a:avLst/>
+          </a:prstGeom>
+          <a:ln>
+            <a:noFill/>
+          </a:ln>
+          <a:effectLst>
+            <a:outerShdw blurRad="292100" dist="139700" dir="2700000" algn="tl" rotWithShape="0">
+              <a:srgbClr val="333333">
+                <a:alpha val="65000"/>
+              </a:srgbClr>
+            </a:outerShdw>
+          </a:effectLst>
+        </p:spPr>
+      </p:pic>
+    </p:spTree>
+    <p:extLst>
+      <p:ext uri="{BB962C8B-B14F-4D97-AF65-F5344CB8AC3E}">
+        <p14:creationId xmlns:p14="http://schemas.microsoft.com/office/powerpoint/2010/main" val="1903414614"/>
+      </p:ext>
+    </p:extLst>
+  </p:cSld>
+  <p:clrMapOvr>
+    <a:masterClrMapping/>
+  </p:clrMapOvr>
+</p:sld>
+</file>
+
+<file path=ppt/slides/slide13.xml><?xml version="1.0" encoding="utf-8"?>
+<p:sld xmlns:a="http://schemas.openxmlformats.org/drawingml/2006/main" xmlns:r="http://schemas.openxmlformats.org/officeDocument/2006/relationships" xmlns:p="http://schemas.openxmlformats.org/presentationml/2006/main">
+  <p:cSld>
+    <p:spTree>
+      <p:nvGrpSpPr>
+        <p:cNvPr id="1" name=""/>
+        <p:cNvGrpSpPr/>
+        <p:nvPr/>
+      </p:nvGrpSpPr>
+      <p:grpSpPr>
+        <a:xfrm>
+          <a:off x="0" y="0"/>
+          <a:ext cx="0" cy="0"/>
+          <a:chOff x="0" y="0"/>
+          <a:chExt cx="0" cy="0"/>
+        </a:xfrm>
+      </p:grpSpPr>
+      <p:sp>
+        <p:nvSpPr>
+          <p:cNvPr id="2" name="Title 1">
+            <a:extLst>
+              <a:ext uri="{FF2B5EF4-FFF2-40B4-BE49-F238E27FC236}">
+                <a16:creationId xmlns:a16="http://schemas.microsoft.com/office/drawing/2014/main" id="{FA91EFE1-63FF-31A8-3D0F-B63E5AE018AF}"/>
+              </a:ext>
+            </a:extLst>
+          </p:cNvPr>
+          <p:cNvSpPr>
+            <a:spLocks noGrp="1"/>
+          </p:cNvSpPr>
+          <p:nvPr>
+            <p:ph type="title"/>
+          </p:nvPr>
+        </p:nvSpPr>
+        <p:spPr>
+          <a:xfrm>
+            <a:off x="1205084" y="120319"/>
+            <a:ext cx="7647904" cy="1320800"/>
+          </a:xfrm>
+        </p:spPr>
+        <p:txBody>
+          <a:bodyPr/>
+          <a:lstStyle/>
+          <a:p>
+            <a:pPr algn="ctr"/>
+            <a:r>
+              <a:rPr lang="it-IT" dirty="0"/>
+              <a:t>Agenda Control Strategy </a:t>
+            </a:r>
+            <a:br>
+              <a:rPr lang="it-IT" dirty="0"/>
+            </a:br>
+            <a:r>
+              <a:rPr lang="it-IT" sz="1600" dirty="0">
+                <a:solidFill>
+                  <a:schemeClr val="accent2"/>
+                </a:solidFill>
+              </a:rPr>
+              <a:t>Compute the </a:t>
+            </a:r>
+            <a:r>
+              <a:rPr lang="it-IT" sz="1600" dirty="0" err="1">
+                <a:solidFill>
+                  <a:schemeClr val="accent2"/>
+                </a:solidFill>
+              </a:rPr>
+              <a:t>percentage</a:t>
+            </a:r>
+            <a:r>
+              <a:rPr lang="it-IT" sz="1600" dirty="0">
+                <a:solidFill>
+                  <a:schemeClr val="accent2"/>
+                </a:solidFill>
+              </a:rPr>
+              <a:t> of </a:t>
+            </a:r>
+            <a:r>
+              <a:rPr lang="it-IT" sz="1600" dirty="0" err="1">
+                <a:solidFill>
+                  <a:schemeClr val="accent2"/>
+                </a:solidFill>
+              </a:rPr>
+              <a:t>battery</a:t>
+            </a:r>
+            <a:r>
+              <a:rPr lang="it-IT" sz="1600" dirty="0">
+                <a:solidFill>
+                  <a:schemeClr val="accent2"/>
+                </a:solidFill>
+              </a:rPr>
+              <a:t> </a:t>
+            </a:r>
+            <a:r>
+              <a:rPr lang="it-IT" sz="1600" dirty="0" err="1">
+                <a:solidFill>
+                  <a:schemeClr val="accent2"/>
+                </a:solidFill>
+              </a:rPr>
+              <a:t>necessary</a:t>
+            </a:r>
+            <a:r>
+              <a:rPr lang="it-IT" sz="1600" dirty="0">
+                <a:solidFill>
+                  <a:schemeClr val="accent2"/>
+                </a:solidFill>
+              </a:rPr>
+              <a:t> to the </a:t>
+            </a:r>
+            <a:r>
+              <a:rPr lang="it-IT" sz="1600" dirty="0" err="1">
+                <a:solidFill>
+                  <a:schemeClr val="accent2"/>
+                </a:solidFill>
+              </a:rPr>
+              <a:t>specific</a:t>
+            </a:r>
+            <a:r>
+              <a:rPr lang="it-IT" sz="1600" dirty="0">
+                <a:solidFill>
+                  <a:schemeClr val="accent2"/>
+                </a:solidFill>
+              </a:rPr>
+              <a:t> user </a:t>
+            </a:r>
+            <a:r>
+              <a:rPr lang="it-IT" sz="1600" dirty="0" err="1">
+                <a:solidFill>
+                  <a:schemeClr val="accent2"/>
+                </a:solidFill>
+              </a:rPr>
+              <a:t>each</a:t>
+            </a:r>
+            <a:r>
+              <a:rPr lang="it-IT" sz="1600" dirty="0">
+                <a:solidFill>
+                  <a:schemeClr val="accent2"/>
+                </a:solidFill>
+              </a:rPr>
+              <a:t> day, </a:t>
+            </a:r>
+            <a:r>
+              <a:rPr lang="it-IT" sz="1600" dirty="0" err="1">
+                <a:solidFill>
+                  <a:schemeClr val="accent2"/>
+                </a:solidFill>
+              </a:rPr>
+              <a:t>according</a:t>
+            </a:r>
+            <a:r>
+              <a:rPr lang="it-IT" sz="1600" dirty="0">
+                <a:solidFill>
+                  <a:schemeClr val="accent2"/>
+                </a:solidFill>
+              </a:rPr>
+              <a:t> to the Agenda information.</a:t>
+            </a:r>
+          </a:p>
+        </p:txBody>
+      </p:sp>
+      <p:sp>
+        <p:nvSpPr>
+          <p:cNvPr id="77" name="Content Placeholder 5">
+            <a:extLst>
+              <a:ext uri="{FF2B5EF4-FFF2-40B4-BE49-F238E27FC236}">
+                <a16:creationId xmlns:a16="http://schemas.microsoft.com/office/drawing/2014/main" id="{7E3D9AC9-CE83-83BA-BE14-9EC0640E220C}"/>
+              </a:ext>
+            </a:extLst>
+          </p:cNvPr>
+          <p:cNvSpPr txBox="1">
+            <a:spLocks/>
+          </p:cNvSpPr>
+          <p:nvPr/>
+        </p:nvSpPr>
+        <p:spPr>
+          <a:xfrm>
+            <a:off x="0" y="1414665"/>
+            <a:ext cx="3854766" cy="5706382"/>
+          </a:xfrm>
+          <a:prstGeom prst="rect">
+            <a:avLst/>
+          </a:prstGeom>
+        </p:spPr>
+        <p:txBody>
+          <a:bodyPr/>
+          <a:lstStyle>
+            <a:lvl1pPr marL="342900" indent="-342900" algn="l" defTabSz="457200" rtl="0" eaLnBrk="1" latinLnBrk="0" hangingPunct="1">
+              <a:spcBef>
+                <a:spcPts val="1000"/>
+              </a:spcBef>
+              <a:spcAft>
+                <a:spcPts val="0"/>
+              </a:spcAft>
+              <a:buClr>
+                <a:schemeClr val="accent1"/>
+              </a:buClr>
+              <a:buSzPct val="80000"/>
+              <a:buFont typeface="Wingdings 3" charset="2"/>
+              <a:buChar char=""/>
+              <a:defRPr sz="1800" kern="1200">
+                <a:solidFill>
+                  <a:schemeClr val="tx1">
+                    <a:lumMod val="75000"/>
+                    <a:lumOff val="25000"/>
+                  </a:schemeClr>
+                </a:solidFill>
+                <a:latin typeface="+mn-lt"/>
+                <a:ea typeface="+mn-ea"/>
+                <a:cs typeface="+mn-cs"/>
+              </a:defRPr>
+            </a:lvl1pPr>
+            <a:lvl2pPr marL="742950" indent="-285750" algn="l" defTabSz="457200" rtl="0" eaLnBrk="1" latinLnBrk="0" hangingPunct="1">
+              <a:spcBef>
+                <a:spcPts val="1000"/>
+              </a:spcBef>
+              <a:spcAft>
+                <a:spcPts val="0"/>
+              </a:spcAft>
+              <a:buClr>
+                <a:schemeClr val="accent1"/>
+              </a:buClr>
+              <a:buSzPct val="80000"/>
+              <a:buFont typeface="Wingdings 3" charset="2"/>
+              <a:buChar char=""/>
+              <a:defRPr sz="1600" kern="1200">
+                <a:solidFill>
+                  <a:schemeClr val="tx1">
+                    <a:lumMod val="75000"/>
+                    <a:lumOff val="25000"/>
+                  </a:schemeClr>
+                </a:solidFill>
+                <a:latin typeface="+mn-lt"/>
+                <a:ea typeface="+mn-ea"/>
+                <a:cs typeface="+mn-cs"/>
+              </a:defRPr>
+            </a:lvl2pPr>
+            <a:lvl3pPr marL="1143000" indent="-228600" algn="l" defTabSz="457200" rtl="0" eaLnBrk="1" latinLnBrk="0" hangingPunct="1">
+              <a:spcBef>
+                <a:spcPts val="1000"/>
+              </a:spcBef>
+              <a:spcAft>
+                <a:spcPts val="0"/>
+              </a:spcAft>
+              <a:buClr>
+                <a:schemeClr val="accent1"/>
+              </a:buClr>
+              <a:buSzPct val="80000"/>
+              <a:buFont typeface="Wingdings 3" charset="2"/>
+              <a:buChar char=""/>
+              <a:defRPr sz="1400" kern="1200">
+                <a:solidFill>
+                  <a:schemeClr val="tx1">
+                    <a:lumMod val="75000"/>
+                    <a:lumOff val="25000"/>
+                  </a:schemeClr>
+                </a:solidFill>
+                <a:latin typeface="+mn-lt"/>
+                <a:ea typeface="+mn-ea"/>
+                <a:cs typeface="+mn-cs"/>
+              </a:defRPr>
+            </a:lvl3pPr>
+            <a:lvl4pPr marL="1600200" indent="-228600" algn="l" defTabSz="457200" rtl="0" eaLnBrk="1" latinLnBrk="0" hangingPunct="1">
+              <a:spcBef>
+                <a:spcPts val="1000"/>
+              </a:spcBef>
+              <a:spcAft>
+                <a:spcPts val="0"/>
+              </a:spcAft>
+              <a:buClr>
+                <a:schemeClr val="accent1"/>
+              </a:buClr>
+              <a:buSzPct val="80000"/>
+              <a:buFont typeface="Wingdings 3" charset="2"/>
+              <a:buChar char=""/>
+              <a:defRPr sz="1200" kern="1200">
+                <a:solidFill>
+                  <a:schemeClr val="tx1">
+                    <a:lumMod val="75000"/>
+                    <a:lumOff val="25000"/>
+                  </a:schemeClr>
+                </a:solidFill>
+                <a:latin typeface="+mn-lt"/>
+                <a:ea typeface="+mn-ea"/>
+                <a:cs typeface="+mn-cs"/>
+              </a:defRPr>
+            </a:lvl4pPr>
+            <a:lvl5pPr marL="2057400" indent="-228600" algn="l" defTabSz="457200" rtl="0" eaLnBrk="1" latinLnBrk="0" hangingPunct="1">
+              <a:spcBef>
+                <a:spcPts val="1000"/>
+              </a:spcBef>
+              <a:spcAft>
+                <a:spcPts val="0"/>
+              </a:spcAft>
+              <a:buClr>
+                <a:schemeClr val="accent1"/>
+              </a:buClr>
+              <a:buSzPct val="80000"/>
+              <a:buFont typeface="Wingdings 3" charset="2"/>
+              <a:buChar char=""/>
+              <a:defRPr sz="1200" kern="1200">
+                <a:solidFill>
+                  <a:schemeClr val="tx1">
+                    <a:lumMod val="75000"/>
+                    <a:lumOff val="25000"/>
+                  </a:schemeClr>
+                </a:solidFill>
+                <a:latin typeface="+mn-lt"/>
+                <a:ea typeface="+mn-ea"/>
+                <a:cs typeface="+mn-cs"/>
+              </a:defRPr>
+            </a:lvl5pPr>
+            <a:lvl6pPr marL="2514600" indent="-228600" algn="l" defTabSz="457200" rtl="0" eaLnBrk="1" latinLnBrk="0" hangingPunct="1">
+              <a:spcBef>
+                <a:spcPts val="1000"/>
+              </a:spcBef>
+              <a:spcAft>
+                <a:spcPts val="0"/>
+              </a:spcAft>
+              <a:buClr>
+                <a:schemeClr val="accent1"/>
+              </a:buClr>
+              <a:buSzPct val="80000"/>
+              <a:buFont typeface="Wingdings 3" charset="2"/>
+              <a:buChar char=""/>
+              <a:defRPr sz="1200" kern="1200">
+                <a:solidFill>
+                  <a:schemeClr val="tx1">
+                    <a:lumMod val="75000"/>
+                    <a:lumOff val="25000"/>
+                  </a:schemeClr>
+                </a:solidFill>
+                <a:latin typeface="+mn-lt"/>
+                <a:ea typeface="+mn-ea"/>
+                <a:cs typeface="+mn-cs"/>
+              </a:defRPr>
+            </a:lvl6pPr>
+            <a:lvl7pPr marL="2971800" indent="-228600" algn="l" defTabSz="457200" rtl="0" eaLnBrk="1" latinLnBrk="0" hangingPunct="1">
+              <a:spcBef>
+                <a:spcPts val="1000"/>
+              </a:spcBef>
+              <a:spcAft>
+                <a:spcPts val="0"/>
+              </a:spcAft>
+              <a:buClr>
+                <a:schemeClr val="accent1"/>
+              </a:buClr>
+              <a:buSzPct val="80000"/>
+              <a:buFont typeface="Wingdings 3" charset="2"/>
+              <a:buChar char=""/>
+              <a:defRPr sz="1200" kern="1200">
+                <a:solidFill>
+                  <a:schemeClr val="tx1">
+                    <a:lumMod val="75000"/>
+                    <a:lumOff val="25000"/>
+                  </a:schemeClr>
+                </a:solidFill>
+                <a:latin typeface="+mn-lt"/>
+                <a:ea typeface="+mn-ea"/>
+                <a:cs typeface="+mn-cs"/>
+              </a:defRPr>
+            </a:lvl7pPr>
+            <a:lvl8pPr marL="3429000" indent="-228600" algn="l" defTabSz="457200" rtl="0" eaLnBrk="1" latinLnBrk="0" hangingPunct="1">
+              <a:spcBef>
+                <a:spcPts val="1000"/>
+              </a:spcBef>
+              <a:spcAft>
+                <a:spcPts val="0"/>
+              </a:spcAft>
+              <a:buClr>
+                <a:schemeClr val="accent1"/>
+              </a:buClr>
+              <a:buSzPct val="80000"/>
+              <a:buFont typeface="Wingdings 3" charset="2"/>
+              <a:buChar char=""/>
+              <a:defRPr sz="1200" kern="1200">
+                <a:solidFill>
+                  <a:schemeClr val="tx1">
+                    <a:lumMod val="75000"/>
+                    <a:lumOff val="25000"/>
+                  </a:schemeClr>
+                </a:solidFill>
+                <a:latin typeface="+mn-lt"/>
+                <a:ea typeface="+mn-ea"/>
+                <a:cs typeface="+mn-cs"/>
+              </a:defRPr>
+            </a:lvl8pPr>
+            <a:lvl9pPr marL="3886200" indent="-228600" algn="l" defTabSz="457200" rtl="0" eaLnBrk="1" latinLnBrk="0" hangingPunct="1">
+              <a:spcBef>
+                <a:spcPts val="1000"/>
+              </a:spcBef>
+              <a:spcAft>
+                <a:spcPts val="0"/>
+              </a:spcAft>
+              <a:buClr>
+                <a:schemeClr val="accent1"/>
+              </a:buClr>
+              <a:buSzPct val="80000"/>
+              <a:buFont typeface="Wingdings 3" charset="2"/>
+              <a:buChar char=""/>
+              <a:defRPr sz="1200" kern="1200">
+                <a:solidFill>
+                  <a:schemeClr val="tx1">
+                    <a:lumMod val="75000"/>
+                    <a:lumOff val="25000"/>
+                  </a:schemeClr>
+                </a:solidFill>
+                <a:latin typeface="+mn-lt"/>
+                <a:ea typeface="+mn-ea"/>
+                <a:cs typeface="+mn-cs"/>
+              </a:defRPr>
+            </a:lvl9pPr>
+          </a:lstStyle>
+          <a:p>
+            <a:pPr marL="0" indent="0">
+              <a:buNone/>
+            </a:pPr>
+            <a:r>
+              <a:rPr lang="it-IT" sz="1600" b="1" dirty="0" err="1">
+                <a:solidFill>
+                  <a:schemeClr val="tx1"/>
+                </a:solidFill>
+              </a:rPr>
+              <a:t>Communication</a:t>
+            </a:r>
+            <a:r>
+              <a:rPr lang="it-IT" sz="1600" b="1" dirty="0">
+                <a:solidFill>
+                  <a:schemeClr val="tx1"/>
+                </a:solidFill>
+              </a:rPr>
+              <a:t> with:</a:t>
+            </a:r>
+          </a:p>
+          <a:p>
+            <a:pPr algn="just"/>
+            <a:r>
+              <a:rPr lang="it-IT" sz="1600" b="1" dirty="0" err="1">
+                <a:solidFill>
+                  <a:schemeClr val="tx1"/>
+                </a:solidFill>
+              </a:rPr>
+              <a:t>Catalog</a:t>
+            </a:r>
+            <a:r>
+              <a:rPr lang="it-IT" sz="1600" b="1" dirty="0">
+                <a:solidFill>
+                  <a:schemeClr val="tx1"/>
+                </a:solidFill>
+              </a:rPr>
+              <a:t>: </a:t>
+            </a:r>
+            <a:r>
+              <a:rPr lang="it-IT" sz="1600" dirty="0">
+                <a:solidFill>
+                  <a:schemeClr val="tx1"/>
+                </a:solidFill>
+              </a:rPr>
+              <a:t>to </a:t>
+            </a:r>
+            <a:r>
+              <a:rPr lang="it-IT" sz="1600" dirty="0" err="1">
+                <a:solidFill>
+                  <a:schemeClr val="tx1"/>
+                </a:solidFill>
+              </a:rPr>
+              <a:t>retrieve</a:t>
+            </a:r>
+            <a:r>
+              <a:rPr lang="it-IT" sz="1600" dirty="0">
+                <a:solidFill>
+                  <a:schemeClr val="tx1"/>
+                </a:solidFill>
+              </a:rPr>
+              <a:t> information </a:t>
+            </a:r>
+            <a:r>
+              <a:rPr lang="it-IT" sz="1600" dirty="0" err="1">
+                <a:solidFill>
+                  <a:schemeClr val="tx1"/>
+                </a:solidFill>
+              </a:rPr>
+              <a:t>about</a:t>
+            </a:r>
+            <a:r>
+              <a:rPr lang="it-IT" sz="1600" dirty="0">
+                <a:solidFill>
+                  <a:schemeClr val="tx1"/>
+                </a:solidFill>
+              </a:rPr>
+              <a:t> </a:t>
+            </a:r>
+            <a:r>
+              <a:rPr lang="it-IT" sz="1600" dirty="0" err="1">
+                <a:solidFill>
+                  <a:schemeClr val="tx1"/>
+                </a:solidFill>
+              </a:rPr>
+              <a:t>user’s</a:t>
+            </a:r>
+            <a:r>
+              <a:rPr lang="it-IT" sz="1600" dirty="0">
+                <a:solidFill>
+                  <a:schemeClr val="tx1"/>
+                </a:solidFill>
+              </a:rPr>
+              <a:t> </a:t>
+            </a:r>
+            <a:r>
+              <a:rPr lang="it-IT" sz="1600" dirty="0" err="1">
+                <a:solidFill>
+                  <a:schemeClr val="tx1"/>
+                </a:solidFill>
+              </a:rPr>
+              <a:t>battery</a:t>
+            </a:r>
+            <a:r>
+              <a:rPr lang="it-IT" sz="1600" dirty="0">
+                <a:solidFill>
+                  <a:schemeClr val="tx1"/>
+                </a:solidFill>
+              </a:rPr>
+              <a:t> </a:t>
+            </a:r>
+            <a:r>
+              <a:rPr lang="it-IT" sz="1600" dirty="0" err="1">
+                <a:solidFill>
+                  <a:schemeClr val="tx1"/>
+                </a:solidFill>
+              </a:rPr>
+              <a:t>characteristics</a:t>
+            </a:r>
+            <a:r>
+              <a:rPr lang="it-IT" sz="1600" dirty="0">
+                <a:solidFill>
+                  <a:schemeClr val="tx1"/>
+                </a:solidFill>
+              </a:rPr>
+              <a:t> and </a:t>
+            </a:r>
+            <a:r>
+              <a:rPr lang="it-IT" sz="1600" dirty="0" err="1">
+                <a:solidFill>
+                  <a:schemeClr val="tx1"/>
+                </a:solidFill>
+              </a:rPr>
+              <a:t>user’s</a:t>
+            </a:r>
+            <a:r>
+              <a:rPr lang="it-IT" sz="1600" dirty="0">
+                <a:solidFill>
+                  <a:schemeClr val="tx1"/>
+                </a:solidFill>
+              </a:rPr>
+              <a:t> Agenda. </a:t>
+            </a:r>
+          </a:p>
+          <a:p>
+            <a:pPr algn="just"/>
+            <a:r>
+              <a:rPr lang="it-IT" sz="1600" b="1" dirty="0" err="1">
+                <a:solidFill>
+                  <a:schemeClr val="tx1"/>
+                </a:solidFill>
+              </a:rPr>
+              <a:t>StateControl</a:t>
+            </a:r>
+            <a:r>
+              <a:rPr lang="it-IT" sz="1600" b="1" dirty="0">
+                <a:solidFill>
+                  <a:schemeClr val="tx1"/>
+                </a:solidFill>
+              </a:rPr>
+              <a:t>: t</a:t>
+            </a:r>
+            <a:r>
+              <a:rPr lang="it-IT" sz="1600" dirty="0">
+                <a:solidFill>
+                  <a:schemeClr val="tx1"/>
+                </a:solidFill>
+              </a:rPr>
+              <a:t>o </a:t>
+            </a:r>
+            <a:r>
+              <a:rPr lang="it-IT" sz="1600" dirty="0" err="1">
+                <a:solidFill>
+                  <a:schemeClr val="tx1"/>
+                </a:solidFill>
+              </a:rPr>
+              <a:t>send</a:t>
+            </a:r>
+            <a:r>
+              <a:rPr lang="it-IT" sz="1600" dirty="0">
+                <a:solidFill>
+                  <a:schemeClr val="tx1"/>
+                </a:solidFill>
+              </a:rPr>
+              <a:t> </a:t>
+            </a:r>
+            <a:r>
+              <a:rPr lang="it-IT" sz="1600" dirty="0" err="1">
+                <a:solidFill>
+                  <a:schemeClr val="tx1"/>
+                </a:solidFill>
+              </a:rPr>
+              <a:t>AlertSMS</a:t>
+            </a:r>
+            <a:r>
+              <a:rPr lang="it-IT" sz="1600" dirty="0">
+                <a:solidFill>
+                  <a:schemeClr val="tx1"/>
+                </a:solidFill>
+              </a:rPr>
+              <a:t>, in case </a:t>
+            </a:r>
+            <a:r>
+              <a:rPr lang="it-IT" sz="1600" dirty="0" err="1">
+                <a:solidFill>
+                  <a:schemeClr val="tx1"/>
+                </a:solidFill>
+              </a:rPr>
+              <a:t>it</a:t>
+            </a:r>
+            <a:r>
+              <a:rPr lang="it-IT" sz="1600" dirty="0">
+                <a:solidFill>
+                  <a:schemeClr val="tx1"/>
+                </a:solidFill>
+              </a:rPr>
+              <a:t> </a:t>
+            </a:r>
+            <a:r>
+              <a:rPr lang="it-IT" sz="1600" dirty="0" err="1">
+                <a:solidFill>
+                  <a:schemeClr val="tx1"/>
+                </a:solidFill>
+              </a:rPr>
+              <a:t>may</a:t>
+            </a:r>
+            <a:r>
+              <a:rPr lang="it-IT" sz="1600" dirty="0">
+                <a:solidFill>
+                  <a:schemeClr val="tx1"/>
+                </a:solidFill>
+              </a:rPr>
+              <a:t> be </a:t>
+            </a:r>
+            <a:r>
+              <a:rPr lang="it-IT" sz="1600" dirty="0" err="1">
+                <a:solidFill>
+                  <a:schemeClr val="tx1"/>
+                </a:solidFill>
+              </a:rPr>
+              <a:t>necessary</a:t>
+            </a:r>
+            <a:r>
+              <a:rPr lang="it-IT" sz="1600" dirty="0">
+                <a:solidFill>
+                  <a:schemeClr val="tx1"/>
+                </a:solidFill>
+              </a:rPr>
+              <a:t>.</a:t>
+            </a:r>
+          </a:p>
+          <a:p>
+            <a:pPr algn="just"/>
+            <a:r>
+              <a:rPr lang="it-IT" sz="1600" b="1" dirty="0" err="1">
+                <a:solidFill>
+                  <a:schemeClr val="tx1"/>
+                </a:solidFill>
+              </a:rPr>
+              <a:t>Actuator</a:t>
+            </a:r>
+            <a:r>
+              <a:rPr lang="it-IT" sz="1600" b="1" dirty="0">
+                <a:solidFill>
+                  <a:schemeClr val="tx1"/>
+                </a:solidFill>
+              </a:rPr>
+              <a:t> Control Strategy: </a:t>
+            </a:r>
+            <a:r>
+              <a:rPr lang="it-IT" sz="1600" dirty="0">
+                <a:solidFill>
+                  <a:schemeClr val="tx1"/>
+                </a:solidFill>
+              </a:rPr>
+              <a:t>to </a:t>
+            </a:r>
+            <a:r>
+              <a:rPr lang="it-IT" sz="1600" dirty="0" err="1">
+                <a:solidFill>
+                  <a:schemeClr val="tx1"/>
+                </a:solidFill>
+              </a:rPr>
+              <a:t>send</a:t>
+            </a:r>
+            <a:r>
+              <a:rPr lang="it-IT" sz="1600" dirty="0">
+                <a:solidFill>
+                  <a:schemeClr val="tx1"/>
+                </a:solidFill>
+              </a:rPr>
+              <a:t> information </a:t>
+            </a:r>
+            <a:r>
+              <a:rPr lang="it-IT" sz="1600" dirty="0" err="1">
+                <a:solidFill>
+                  <a:schemeClr val="tx1"/>
+                </a:solidFill>
+              </a:rPr>
+              <a:t>about</a:t>
+            </a:r>
+            <a:r>
+              <a:rPr lang="it-IT" sz="1600" dirty="0">
+                <a:solidFill>
+                  <a:schemeClr val="tx1"/>
+                </a:solidFill>
+              </a:rPr>
+              <a:t> the </a:t>
+            </a:r>
+            <a:r>
+              <a:rPr lang="it-IT" sz="1600" dirty="0" err="1">
+                <a:solidFill>
+                  <a:schemeClr val="tx1"/>
+                </a:solidFill>
+              </a:rPr>
+              <a:t>percentage</a:t>
+            </a:r>
+            <a:r>
+              <a:rPr lang="it-IT" sz="1600" dirty="0">
+                <a:solidFill>
+                  <a:schemeClr val="tx1"/>
+                </a:solidFill>
+              </a:rPr>
+              <a:t> of </a:t>
+            </a:r>
+            <a:r>
+              <a:rPr lang="it-IT" sz="1600" dirty="0" err="1">
+                <a:solidFill>
+                  <a:schemeClr val="tx1"/>
+                </a:solidFill>
+              </a:rPr>
+              <a:t>battery</a:t>
+            </a:r>
+            <a:r>
+              <a:rPr lang="it-IT" sz="1600" dirty="0">
+                <a:solidFill>
+                  <a:schemeClr val="tx1"/>
+                </a:solidFill>
+              </a:rPr>
+              <a:t> </a:t>
+            </a:r>
+            <a:r>
+              <a:rPr lang="it-IT" sz="1600" dirty="0" err="1">
+                <a:solidFill>
+                  <a:schemeClr val="tx1"/>
+                </a:solidFill>
+              </a:rPr>
+              <a:t>needed</a:t>
+            </a:r>
+            <a:r>
+              <a:rPr lang="it-IT" sz="1600" dirty="0">
+                <a:solidFill>
+                  <a:schemeClr val="tx1"/>
+                </a:solidFill>
+              </a:rPr>
+              <a:t> by the user in </a:t>
+            </a:r>
+            <a:r>
+              <a:rPr lang="it-IT" sz="1600" dirty="0" err="1">
+                <a:solidFill>
+                  <a:schemeClr val="tx1"/>
+                </a:solidFill>
+              </a:rPr>
+              <a:t>this</a:t>
+            </a:r>
+            <a:r>
+              <a:rPr lang="it-IT" sz="1600" dirty="0">
+                <a:solidFill>
+                  <a:schemeClr val="tx1"/>
+                </a:solidFill>
+              </a:rPr>
+              <a:t> </a:t>
+            </a:r>
+            <a:r>
+              <a:rPr lang="it-IT" sz="1600" dirty="0" err="1">
+                <a:solidFill>
+                  <a:schemeClr val="tx1"/>
+                </a:solidFill>
+              </a:rPr>
+              <a:t>specific</a:t>
+            </a:r>
+            <a:r>
+              <a:rPr lang="it-IT" sz="1600" dirty="0">
+                <a:solidFill>
+                  <a:schemeClr val="tx1"/>
+                </a:solidFill>
+              </a:rPr>
+              <a:t> day. </a:t>
+            </a:r>
+          </a:p>
+          <a:p>
+            <a:pPr algn="just"/>
+            <a:endParaRPr lang="it-IT" sz="1600" b="1" dirty="0">
+              <a:solidFill>
+                <a:schemeClr val="tx1"/>
+              </a:solidFill>
+            </a:endParaRPr>
+          </a:p>
+          <a:p>
+            <a:pPr algn="just"/>
+            <a:endParaRPr lang="it-IT" sz="1600" b="1" dirty="0">
+              <a:solidFill>
+                <a:schemeClr val="tx1"/>
+              </a:solidFill>
+            </a:endParaRPr>
+          </a:p>
+          <a:p>
+            <a:pPr marL="0" indent="0" algn="just">
+              <a:buNone/>
+            </a:pPr>
+            <a:r>
+              <a:rPr lang="it-IT" sz="1600" b="1" dirty="0" err="1">
+                <a:solidFill>
+                  <a:schemeClr val="tx1"/>
+                </a:solidFill>
+              </a:rPr>
+              <a:t>Main</a:t>
+            </a:r>
+            <a:r>
+              <a:rPr lang="it-IT" sz="1600" b="1" dirty="0">
+                <a:solidFill>
+                  <a:schemeClr val="tx1"/>
+                </a:solidFill>
+              </a:rPr>
+              <a:t> </a:t>
+            </a:r>
+            <a:r>
+              <a:rPr lang="it-IT" sz="1600" b="1" dirty="0" err="1">
+                <a:solidFill>
+                  <a:schemeClr val="tx1"/>
+                </a:solidFill>
+              </a:rPr>
+              <a:t>role</a:t>
+            </a:r>
+            <a:r>
+              <a:rPr lang="it-IT" sz="1600" b="1" dirty="0">
+                <a:solidFill>
+                  <a:schemeClr val="tx1"/>
+                </a:solidFill>
+              </a:rPr>
+              <a:t>:</a:t>
+            </a:r>
+          </a:p>
+          <a:p>
+            <a:pPr marL="0" indent="0">
+              <a:buNone/>
+            </a:pPr>
+            <a:r>
+              <a:rPr lang="it-IT" sz="1600" dirty="0">
+                <a:solidFill>
+                  <a:schemeClr val="tx1"/>
+                </a:solidFill>
+              </a:rPr>
+              <a:t>Compute the </a:t>
+            </a:r>
+            <a:r>
+              <a:rPr lang="it-IT" sz="1600" dirty="0" err="1">
+                <a:solidFill>
+                  <a:schemeClr val="tx1"/>
+                </a:solidFill>
+              </a:rPr>
+              <a:t>percentage</a:t>
+            </a:r>
+            <a:r>
+              <a:rPr lang="it-IT" sz="1600" dirty="0">
+                <a:solidFill>
+                  <a:schemeClr val="tx1"/>
+                </a:solidFill>
+              </a:rPr>
+              <a:t> of </a:t>
+            </a:r>
+            <a:r>
+              <a:rPr lang="it-IT" sz="1600" dirty="0" err="1">
+                <a:solidFill>
+                  <a:schemeClr val="tx1"/>
+                </a:solidFill>
+              </a:rPr>
+              <a:t>battery</a:t>
+            </a:r>
+            <a:r>
+              <a:rPr lang="it-IT" sz="1600" dirty="0">
+                <a:solidFill>
+                  <a:schemeClr val="tx1"/>
+                </a:solidFill>
+              </a:rPr>
+              <a:t> </a:t>
+            </a:r>
+            <a:r>
+              <a:rPr lang="it-IT" sz="1600" dirty="0" err="1">
+                <a:solidFill>
+                  <a:schemeClr val="tx1"/>
+                </a:solidFill>
+              </a:rPr>
+              <a:t>necessary</a:t>
+            </a:r>
+            <a:r>
+              <a:rPr lang="it-IT" sz="1600" dirty="0">
+                <a:solidFill>
+                  <a:schemeClr val="tx1"/>
+                </a:solidFill>
+              </a:rPr>
+              <a:t> for the users </a:t>
+            </a:r>
+            <a:r>
+              <a:rPr lang="it-IT" sz="1600" dirty="0" err="1">
+                <a:solidFill>
+                  <a:schemeClr val="tx1"/>
+                </a:solidFill>
+              </a:rPr>
+              <a:t>during</a:t>
+            </a:r>
+            <a:r>
+              <a:rPr lang="it-IT" sz="1600" dirty="0">
+                <a:solidFill>
+                  <a:schemeClr val="tx1"/>
+                </a:solidFill>
+              </a:rPr>
+              <a:t> </a:t>
+            </a:r>
+            <a:r>
+              <a:rPr lang="it-IT" sz="1600" dirty="0" err="1">
+                <a:solidFill>
+                  <a:schemeClr val="tx1"/>
+                </a:solidFill>
+              </a:rPr>
+              <a:t>this</a:t>
+            </a:r>
+            <a:r>
+              <a:rPr lang="it-IT" sz="1600" dirty="0">
+                <a:solidFill>
+                  <a:schemeClr val="tx1"/>
+                </a:solidFill>
+              </a:rPr>
+              <a:t> day, </a:t>
+            </a:r>
+            <a:r>
+              <a:rPr lang="it-IT" sz="1600" dirty="0" err="1">
+                <a:solidFill>
+                  <a:schemeClr val="tx1"/>
+                </a:solidFill>
+              </a:rPr>
+              <a:t>according</a:t>
+            </a:r>
+            <a:r>
+              <a:rPr lang="it-IT" sz="1600" dirty="0">
+                <a:solidFill>
+                  <a:schemeClr val="tx1"/>
+                </a:solidFill>
+              </a:rPr>
+              <a:t> to the </a:t>
+            </a:r>
+            <a:r>
+              <a:rPr lang="it-IT" sz="1600" dirty="0" err="1">
+                <a:solidFill>
+                  <a:schemeClr val="tx1"/>
+                </a:solidFill>
+              </a:rPr>
+              <a:t>battery</a:t>
+            </a:r>
+            <a:r>
+              <a:rPr lang="it-IT" sz="1600" dirty="0">
+                <a:solidFill>
+                  <a:schemeClr val="tx1"/>
+                </a:solidFill>
+              </a:rPr>
+              <a:t> </a:t>
+            </a:r>
+            <a:r>
+              <a:rPr lang="it-IT" sz="1600" dirty="0" err="1">
+                <a:solidFill>
+                  <a:schemeClr val="tx1"/>
+                </a:solidFill>
+              </a:rPr>
+              <a:t>characteristics</a:t>
+            </a:r>
+            <a:r>
+              <a:rPr lang="it-IT" sz="1600" dirty="0">
+                <a:solidFill>
+                  <a:schemeClr val="tx1"/>
+                </a:solidFill>
+              </a:rPr>
+              <a:t> and the personal commitments.</a:t>
+            </a:r>
+          </a:p>
+        </p:txBody>
+      </p:sp>
+      <p:pic>
+        <p:nvPicPr>
+          <p:cNvPr id="21" name="Picture 20">
+            <a:extLst>
+              <a:ext uri="{FF2B5EF4-FFF2-40B4-BE49-F238E27FC236}">
+                <a16:creationId xmlns:a16="http://schemas.microsoft.com/office/drawing/2014/main" id="{C4167EED-0728-42D1-9CD4-4402FDF15A9B}"/>
+              </a:ext>
+            </a:extLst>
+          </p:cNvPr>
+          <p:cNvPicPr>
+            <a:picLocks noChangeAspect="1"/>
+          </p:cNvPicPr>
+          <p:nvPr/>
+        </p:nvPicPr>
+        <p:blipFill>
+          <a:blip r:embed="rId2"/>
+          <a:stretch>
+            <a:fillRect/>
+          </a:stretch>
+        </p:blipFill>
+        <p:spPr>
+          <a:xfrm>
+            <a:off x="3898759" y="1441119"/>
+            <a:ext cx="5299071" cy="3598471"/>
+          </a:xfrm>
+          <a:prstGeom prst="rect">
+            <a:avLst/>
+          </a:prstGeom>
+          <a:ln>
+            <a:noFill/>
+          </a:ln>
+          <a:effectLst>
+            <a:outerShdw blurRad="292100" dist="139700" dir="2700000" algn="tl" rotWithShape="0">
+              <a:srgbClr val="333333">
+                <a:alpha val="65000"/>
+              </a:srgbClr>
+            </a:outerShdw>
+          </a:effectLst>
+        </p:spPr>
+      </p:pic>
+      <p:pic>
+        <p:nvPicPr>
+          <p:cNvPr id="23" name="Picture 22">
+            <a:extLst>
+              <a:ext uri="{FF2B5EF4-FFF2-40B4-BE49-F238E27FC236}">
+                <a16:creationId xmlns:a16="http://schemas.microsoft.com/office/drawing/2014/main" id="{81EFD652-A0A3-408B-A985-AAEADA2C04B6}"/>
+              </a:ext>
+            </a:extLst>
+          </p:cNvPr>
+          <p:cNvPicPr>
+            <a:picLocks noChangeAspect="1"/>
+          </p:cNvPicPr>
+          <p:nvPr/>
+        </p:nvPicPr>
+        <p:blipFill rotWithShape="1">
+          <a:blip r:embed="rId3"/>
+          <a:srcRect r="5232" b="13060"/>
+          <a:stretch/>
+        </p:blipFill>
+        <p:spPr>
+          <a:xfrm>
+            <a:off x="6096000" y="5319719"/>
+            <a:ext cx="2949757" cy="749387"/>
+          </a:xfrm>
+          <a:prstGeom prst="rect">
+            <a:avLst/>
+          </a:prstGeom>
+          <a:ln w="28575">
+            <a:solidFill>
+              <a:schemeClr val="accent2"/>
+            </a:solidFill>
+          </a:ln>
+        </p:spPr>
+      </p:pic>
+      <p:cxnSp>
+        <p:nvCxnSpPr>
+          <p:cNvPr id="43" name="Straight Arrow Connector 42">
+            <a:extLst>
+              <a:ext uri="{FF2B5EF4-FFF2-40B4-BE49-F238E27FC236}">
+                <a16:creationId xmlns:a16="http://schemas.microsoft.com/office/drawing/2014/main" id="{5DDCA51A-D956-4E7A-AADC-D3B4E7EFA53E}"/>
+              </a:ext>
+            </a:extLst>
+          </p:cNvPr>
+          <p:cNvCxnSpPr>
+            <a:cxnSpLocks/>
+            <a:endCxn id="23" idx="0"/>
+          </p:cNvCxnSpPr>
+          <p:nvPr/>
+        </p:nvCxnSpPr>
+        <p:spPr>
+          <a:xfrm>
+            <a:off x="7570879" y="4966447"/>
+            <a:ext cx="0" cy="353272"/>
+          </a:xfrm>
+          <a:prstGeom prst="straightConnector1">
+            <a:avLst/>
+          </a:prstGeom>
+          <a:ln w="28575">
+            <a:tailEnd type="triangle"/>
+          </a:ln>
+        </p:spPr>
+        <p:style>
+          <a:lnRef idx="1">
+            <a:schemeClr val="accent2"/>
+          </a:lnRef>
+          <a:fillRef idx="0">
+            <a:schemeClr val="accent2"/>
+          </a:fillRef>
+          <a:effectRef idx="0">
+            <a:schemeClr val="accent2"/>
+          </a:effectRef>
+          <a:fontRef idx="minor">
+            <a:schemeClr val="tx1"/>
+          </a:fontRef>
+        </p:style>
+      </p:cxnSp>
+    </p:spTree>
+    <p:extLst>
+      <p:ext uri="{BB962C8B-B14F-4D97-AF65-F5344CB8AC3E}">
+        <p14:creationId xmlns:p14="http://schemas.microsoft.com/office/powerpoint/2010/main" val="740816539"/>
+      </p:ext>
+    </p:extLst>
+  </p:cSld>
+  <p:clrMapOvr>
+    <a:masterClrMapping/>
+  </p:clrMapOvr>
+</p:sld>
+</file>
+
+<file path=ppt/slides/slide14.xml><?xml version="1.0" encoding="utf-8"?>
 <p:sld xmlns:a="http://schemas.openxmlformats.org/drawingml/2006/main" xmlns:r="http://schemas.openxmlformats.org/officeDocument/2006/relationships" xmlns:p="http://schemas.openxmlformats.org/presentationml/2006/main">
   <p:cSld>
     <p:spTree>
@@ -7824,7 +10200,7 @@
 </p:sld>
 </file>
 
-<file path=ppt/slides/slide11.xml><?xml version="1.0" encoding="utf-8"?>
+<file path=ppt/slides/slide15.xml><?xml version="1.0" encoding="utf-8"?>
 <p:sld xmlns:a="http://schemas.openxmlformats.org/drawingml/2006/main" xmlns:r="http://schemas.openxmlformats.org/officeDocument/2006/relationships" xmlns:p="http://schemas.openxmlformats.org/presentationml/2006/main">
   <p:cSld>
     <p:spTree>
@@ -7896,7 +10272,7 @@
 </p:sld>
 </file>
 
-<file path=ppt/slides/slide12.xml><?xml version="1.0" encoding="utf-8"?>
+<file path=ppt/slides/slide16.xml><?xml version="1.0" encoding="utf-8"?>
 <p:sld xmlns:a="http://schemas.openxmlformats.org/drawingml/2006/main" xmlns:r="http://schemas.openxmlformats.org/officeDocument/2006/relationships" xmlns:p="http://schemas.openxmlformats.org/presentationml/2006/main">
   <p:cSld>
     <p:spTree>
@@ -8775,7 +11151,7 @@
         <p:spPr>
           <a:xfrm>
             <a:off x="5414682" y="3729318"/>
-            <a:ext cx="2626659" cy="923330"/>
+            <a:ext cx="2626659" cy="646331"/>
           </a:xfrm>
           <a:prstGeom prst="rect">
             <a:avLst/>
@@ -8792,9 +11168,6 @@
               <a:rPr lang="it-IT" dirty="0"/>
               <a:t>IMMAGINE DASHBOARD FUNZIONANTE</a:t>
             </a:r>
-          </a:p>
-          <a:p>
-            <a:endParaRPr lang="it-IT" dirty="0"/>
           </a:p>
         </p:txBody>
       </p:sp>
@@ -8811,7 +11184,7 @@
 </p:sld>
 </file>
 
-<file path=ppt/slides/slide13.xml><?xml version="1.0" encoding="utf-8"?>
+<file path=ppt/slides/slide17.xml><?xml version="1.0" encoding="utf-8"?>
 <p:sld xmlns:a="http://schemas.openxmlformats.org/drawingml/2006/main" xmlns:r="http://schemas.openxmlformats.org/officeDocument/2006/relationships" xmlns:p="http://schemas.openxmlformats.org/presentationml/2006/main">
   <p:cSld>
     <p:spTree>
@@ -8882,8 +11255,8 @@
         </p:nvSpPr>
         <p:spPr>
           <a:xfrm>
-            <a:off x="305084" y="1624679"/>
-            <a:ext cx="3854766" cy="6658709"/>
+            <a:off x="313537" y="2759730"/>
+            <a:ext cx="3854766" cy="3833729"/>
           </a:xfrm>
           <a:prstGeom prst="rect">
             <a:avLst/>
@@ -9219,7 +11592,20 @@
                   <a:schemeClr val="tx1"/>
                 </a:solidFill>
               </a:rPr>
-              <a:t>. </a:t>
+              <a:t>.</a:t>
+            </a:r>
+          </a:p>
+          <a:p>
+            <a:pPr marL="0" indent="0" algn="just">
+              <a:buNone/>
+            </a:pPr>
+            <a:r>
+              <a:rPr lang="it-IT" sz="1600" dirty="0">
+                <a:solidFill>
+                  <a:schemeClr val="tx1"/>
+                </a:solidFill>
+              </a:rPr>
+              <a:t> </a:t>
             </a:r>
           </a:p>
           <a:p>
@@ -9350,7 +11736,20 @@
                   <a:schemeClr val="tx1"/>
                 </a:solidFill>
               </a:rPr>
-              <a:t>.  </a:t>
+              <a:t>.</a:t>
+            </a:r>
+          </a:p>
+          <a:p>
+            <a:pPr marL="0" indent="0" algn="just">
+              <a:buNone/>
+            </a:pPr>
+            <a:r>
+              <a:rPr lang="it-IT" sz="1600" dirty="0">
+                <a:solidFill>
+                  <a:schemeClr val="tx1"/>
+                </a:solidFill>
+              </a:rPr>
+              <a:t>  </a:t>
             </a:r>
             <a:endParaRPr lang="it-IT" sz="1600" b="1" dirty="0">
               <a:solidFill>
@@ -9522,17 +11921,497 @@
             <a:pPr marL="0" indent="0" algn="just">
               <a:buNone/>
             </a:pPr>
-            <a:r>
-              <a:rPr lang="it-IT" sz="1600" dirty="0">
-                <a:solidFill>
-                  <a:schemeClr val="tx1"/>
-                </a:solidFill>
-              </a:rPr>
-              <a:t> </a:t>
-            </a:r>
+            <a:endParaRPr lang="it-IT" sz="1600" dirty="0">
+              <a:solidFill>
+                <a:schemeClr val="tx1"/>
+              </a:solidFill>
+            </a:endParaRPr>
           </a:p>
         </p:txBody>
       </p:sp>
+      <p:sp>
+        <p:nvSpPr>
+          <p:cNvPr id="3" name="Right Brace 2">
+            <a:extLst>
+              <a:ext uri="{FF2B5EF4-FFF2-40B4-BE49-F238E27FC236}">
+                <a16:creationId xmlns:a16="http://schemas.microsoft.com/office/drawing/2014/main" id="{13244FF2-2A5D-B951-4B3F-B4D07D37B3F3}"/>
+              </a:ext>
+            </a:extLst>
+          </p:cNvPr>
+          <p:cNvSpPr/>
+          <p:nvPr/>
+        </p:nvSpPr>
+        <p:spPr>
+          <a:xfrm>
+            <a:off x="4304356" y="2913108"/>
+            <a:ext cx="597159" cy="3526971"/>
+          </a:xfrm>
+          <a:prstGeom prst="rightBrace">
+            <a:avLst/>
+          </a:prstGeom>
+          <a:ln w="38100"/>
+        </p:spPr>
+        <p:style>
+          <a:lnRef idx="1">
+            <a:schemeClr val="accent2"/>
+          </a:lnRef>
+          <a:fillRef idx="0">
+            <a:schemeClr val="accent2"/>
+          </a:fillRef>
+          <a:effectRef idx="0">
+            <a:schemeClr val="accent2"/>
+          </a:effectRef>
+          <a:fontRef idx="minor">
+            <a:schemeClr val="tx1"/>
+          </a:fontRef>
+        </p:style>
+        <p:txBody>
+          <a:bodyPr rtlCol="0" anchor="ctr"/>
+          <a:lstStyle/>
+          <a:p>
+            <a:pPr algn="ctr"/>
+            <a:endParaRPr lang="it-IT"/>
+          </a:p>
+        </p:txBody>
+      </p:sp>
+      <p:sp>
+        <p:nvSpPr>
+          <p:cNvPr id="4" name="TextBox 3">
+            <a:extLst>
+              <a:ext uri="{FF2B5EF4-FFF2-40B4-BE49-F238E27FC236}">
+                <a16:creationId xmlns:a16="http://schemas.microsoft.com/office/drawing/2014/main" id="{2768D0E5-3AD3-0CF3-3D37-689736E99F5B}"/>
+              </a:ext>
+            </a:extLst>
+          </p:cNvPr>
+          <p:cNvSpPr txBox="1"/>
+          <p:nvPr/>
+        </p:nvSpPr>
+        <p:spPr>
+          <a:xfrm>
+            <a:off x="5167368" y="4279348"/>
+            <a:ext cx="4634204" cy="923330"/>
+          </a:xfrm>
+          <a:prstGeom prst="rect">
+            <a:avLst/>
+          </a:prstGeom>
+          <a:noFill/>
+        </p:spPr>
+        <p:txBody>
+          <a:bodyPr wrap="square" rtlCol="0">
+            <a:spAutoFit/>
+          </a:bodyPr>
+          <a:lstStyle/>
+          <a:p>
+            <a:r>
+              <a:rPr lang="it-IT" dirty="0" err="1"/>
+              <a:t>All</a:t>
+            </a:r>
+            <a:r>
+              <a:rPr lang="it-IT" dirty="0"/>
+              <a:t> </a:t>
+            </a:r>
+            <a:r>
+              <a:rPr lang="it-IT" dirty="0" err="1"/>
+              <a:t>this</a:t>
+            </a:r>
+            <a:r>
+              <a:rPr lang="it-IT" dirty="0"/>
+              <a:t> </a:t>
+            </a:r>
+            <a:r>
+              <a:rPr lang="it-IT" dirty="0" err="1"/>
+              <a:t>commands</a:t>
+            </a:r>
+            <a:r>
+              <a:rPr lang="it-IT" dirty="0"/>
+              <a:t> shows to the user the information </a:t>
+            </a:r>
+            <a:r>
+              <a:rPr lang="it-IT" dirty="0" err="1"/>
+              <a:t>that</a:t>
+            </a:r>
+            <a:r>
+              <a:rPr lang="it-IT" dirty="0"/>
+              <a:t> he </a:t>
+            </a:r>
+            <a:r>
+              <a:rPr lang="it-IT" dirty="0" err="1"/>
+              <a:t>requests</a:t>
+            </a:r>
+            <a:r>
+              <a:rPr lang="it-IT" dirty="0"/>
+              <a:t>, </a:t>
+            </a:r>
+            <a:r>
+              <a:rPr lang="it-IT" dirty="0" err="1"/>
+              <a:t>through</a:t>
+            </a:r>
+            <a:r>
+              <a:rPr lang="it-IT" dirty="0"/>
+              <a:t> text.</a:t>
+            </a:r>
+          </a:p>
+        </p:txBody>
+      </p:sp>
+      <p:pic>
+        <p:nvPicPr>
+          <p:cNvPr id="7" name="Picture 6">
+            <a:extLst>
+              <a:ext uri="{FF2B5EF4-FFF2-40B4-BE49-F238E27FC236}">
+                <a16:creationId xmlns:a16="http://schemas.microsoft.com/office/drawing/2014/main" id="{6174F8A3-E963-1C01-1D9B-343DAAF2FA77}"/>
+              </a:ext>
+            </a:extLst>
+          </p:cNvPr>
+          <p:cNvPicPr>
+            <a:picLocks noChangeAspect="1"/>
+          </p:cNvPicPr>
+          <p:nvPr/>
+        </p:nvPicPr>
+        <p:blipFill>
+          <a:blip r:embed="rId2"/>
+          <a:stretch>
+            <a:fillRect/>
+          </a:stretch>
+        </p:blipFill>
+        <p:spPr>
+          <a:xfrm>
+            <a:off x="313537" y="659992"/>
+            <a:ext cx="2370025" cy="1798476"/>
+          </a:xfrm>
+          <a:prstGeom prst="rect">
+            <a:avLst/>
+          </a:prstGeom>
+        </p:spPr>
+      </p:pic>
+      <p:sp>
+        <p:nvSpPr>
+          <p:cNvPr id="8" name="TextBox 7">
+            <a:extLst>
+              <a:ext uri="{FF2B5EF4-FFF2-40B4-BE49-F238E27FC236}">
+                <a16:creationId xmlns:a16="http://schemas.microsoft.com/office/drawing/2014/main" id="{7CF4BBEA-DEF4-35BB-4628-2D1E3AF3BACA}"/>
+              </a:ext>
+            </a:extLst>
+          </p:cNvPr>
+          <p:cNvSpPr txBox="1"/>
+          <p:nvPr/>
+        </p:nvSpPr>
+        <p:spPr>
+          <a:xfrm>
+            <a:off x="3194155" y="766974"/>
+            <a:ext cx="3414720" cy="1754326"/>
+          </a:xfrm>
+          <a:prstGeom prst="rect">
+            <a:avLst/>
+          </a:prstGeom>
+          <a:noFill/>
+        </p:spPr>
+        <p:txBody>
+          <a:bodyPr wrap="square" rtlCol="0">
+            <a:spAutoFit/>
+          </a:bodyPr>
+          <a:lstStyle/>
+          <a:p>
+            <a:pPr algn="just"/>
+            <a:r>
+              <a:rPr lang="it-IT" dirty="0" err="1"/>
+              <a:t>Each</a:t>
+            </a:r>
+            <a:r>
+              <a:rPr lang="it-IT" dirty="0"/>
+              <a:t> user </a:t>
+            </a:r>
+            <a:r>
+              <a:rPr lang="it-IT" dirty="0" err="1"/>
+              <a:t>registered</a:t>
+            </a:r>
+            <a:r>
+              <a:rPr lang="it-IT" dirty="0"/>
+              <a:t> </a:t>
+            </a:r>
+            <a:r>
+              <a:rPr lang="it-IT" dirty="0" err="1"/>
+              <a:t>his</a:t>
+            </a:r>
+            <a:r>
+              <a:rPr lang="it-IT" dirty="0"/>
+              <a:t> Telegram </a:t>
+            </a:r>
+            <a:r>
+              <a:rPr lang="it-IT" dirty="0" err="1"/>
+              <a:t>Profile</a:t>
+            </a:r>
+            <a:r>
+              <a:rPr lang="it-IT" dirty="0"/>
+              <a:t> </a:t>
+            </a:r>
+            <a:r>
+              <a:rPr lang="it-IT" dirty="0" err="1"/>
+              <a:t>through</a:t>
+            </a:r>
+            <a:r>
+              <a:rPr lang="it-IT" dirty="0"/>
+              <a:t> the </a:t>
+            </a:r>
+            <a:r>
+              <a:rPr lang="it-IT" dirty="0" err="1"/>
+              <a:t>ChatID</a:t>
+            </a:r>
+            <a:r>
+              <a:rPr lang="it-IT" dirty="0"/>
+              <a:t> in the </a:t>
+            </a:r>
+            <a:r>
+              <a:rPr lang="it-IT" dirty="0" err="1"/>
+              <a:t>Catalog</a:t>
+            </a:r>
+            <a:r>
+              <a:rPr lang="it-IT" dirty="0"/>
+              <a:t>, </a:t>
+            </a:r>
+            <a:r>
+              <a:rPr lang="it-IT" dirty="0" err="1"/>
+              <a:t>if</a:t>
+            </a:r>
+            <a:r>
+              <a:rPr lang="it-IT" dirty="0"/>
+              <a:t> </a:t>
+            </a:r>
+            <a:r>
+              <a:rPr lang="it-IT" dirty="0" err="1"/>
+              <a:t>your</a:t>
+            </a:r>
+            <a:r>
+              <a:rPr lang="it-IT" dirty="0"/>
+              <a:t> </a:t>
+            </a:r>
+            <a:r>
+              <a:rPr lang="it-IT" dirty="0" err="1"/>
+              <a:t>profile</a:t>
+            </a:r>
+            <a:r>
+              <a:rPr lang="it-IT" dirty="0"/>
+              <a:t> </a:t>
+            </a:r>
+            <a:r>
+              <a:rPr lang="it-IT" dirty="0" err="1"/>
+              <a:t>is</a:t>
+            </a:r>
+            <a:r>
+              <a:rPr lang="it-IT" dirty="0"/>
+              <a:t> </a:t>
+            </a:r>
+            <a:r>
+              <a:rPr lang="it-IT" dirty="0" err="1"/>
+              <a:t>not</a:t>
+            </a:r>
+            <a:r>
+              <a:rPr lang="it-IT" dirty="0"/>
+              <a:t> </a:t>
+            </a:r>
+            <a:r>
+              <a:rPr lang="it-IT" dirty="0" err="1"/>
+              <a:t>registered</a:t>
+            </a:r>
+            <a:r>
+              <a:rPr lang="it-IT" dirty="0"/>
+              <a:t> the bot tell </a:t>
+            </a:r>
+            <a:r>
+              <a:rPr lang="it-IT" dirty="0" err="1"/>
+              <a:t>you</a:t>
+            </a:r>
+            <a:r>
+              <a:rPr lang="it-IT" dirty="0"/>
+              <a:t> </a:t>
+            </a:r>
+            <a:r>
+              <a:rPr lang="it-IT" dirty="0" err="1"/>
+              <a:t>that</a:t>
+            </a:r>
+            <a:r>
+              <a:rPr lang="it-IT" dirty="0"/>
+              <a:t> </a:t>
+            </a:r>
+            <a:r>
+              <a:rPr lang="it-IT" dirty="0" err="1"/>
+              <a:t>you</a:t>
+            </a:r>
+            <a:r>
+              <a:rPr lang="it-IT" dirty="0"/>
+              <a:t> do </a:t>
+            </a:r>
+            <a:r>
+              <a:rPr lang="it-IT" dirty="0" err="1"/>
+              <a:t>not</a:t>
+            </a:r>
+            <a:r>
+              <a:rPr lang="it-IT" dirty="0"/>
+              <a:t> </a:t>
+            </a:r>
+            <a:r>
+              <a:rPr lang="it-IT" dirty="0" err="1"/>
+              <a:t>have</a:t>
+            </a:r>
+            <a:r>
+              <a:rPr lang="it-IT" dirty="0"/>
+              <a:t> the </a:t>
+            </a:r>
+            <a:r>
+              <a:rPr lang="it-IT" dirty="0" err="1"/>
+              <a:t>permition</a:t>
+            </a:r>
+            <a:r>
+              <a:rPr lang="it-IT" dirty="0"/>
+              <a:t>.</a:t>
+            </a:r>
+          </a:p>
+        </p:txBody>
+      </p:sp>
+      <p:pic>
+        <p:nvPicPr>
+          <p:cNvPr id="10" name="Picture 9">
+            <a:extLst>
+              <a:ext uri="{FF2B5EF4-FFF2-40B4-BE49-F238E27FC236}">
+                <a16:creationId xmlns:a16="http://schemas.microsoft.com/office/drawing/2014/main" id="{AB78F16C-5083-129D-AA57-A8B5B4699EF3}"/>
+              </a:ext>
+            </a:extLst>
+          </p:cNvPr>
+          <p:cNvPicPr>
+            <a:picLocks noChangeAspect="1"/>
+          </p:cNvPicPr>
+          <p:nvPr/>
+        </p:nvPicPr>
+        <p:blipFill>
+          <a:blip r:embed="rId3"/>
+          <a:stretch>
+            <a:fillRect/>
+          </a:stretch>
+        </p:blipFill>
+        <p:spPr>
+          <a:xfrm>
+            <a:off x="5400135" y="2759730"/>
+            <a:ext cx="2644490" cy="923330"/>
+          </a:xfrm>
+          <a:prstGeom prst="rect">
+            <a:avLst/>
+          </a:prstGeom>
+        </p:spPr>
+      </p:pic>
+      <p:cxnSp>
+        <p:nvCxnSpPr>
+          <p:cNvPr id="24" name="Connector: Elbow 23">
+            <a:extLst>
+              <a:ext uri="{FF2B5EF4-FFF2-40B4-BE49-F238E27FC236}">
+                <a16:creationId xmlns:a16="http://schemas.microsoft.com/office/drawing/2014/main" id="{CB469B96-0E70-C12C-7ACA-61C1D33164BF}"/>
+              </a:ext>
+            </a:extLst>
+          </p:cNvPr>
+          <p:cNvCxnSpPr>
+            <a:cxnSpLocks/>
+            <a:stCxn id="8" idx="2"/>
+            <a:endCxn id="10" idx="1"/>
+          </p:cNvCxnSpPr>
+          <p:nvPr/>
+        </p:nvCxnSpPr>
+        <p:spPr>
+          <a:xfrm rot="16200000" flipH="1">
+            <a:off x="4800778" y="2622037"/>
+            <a:ext cx="700095" cy="498620"/>
+          </a:xfrm>
+          <a:prstGeom prst="bentConnector2">
+            <a:avLst/>
+          </a:prstGeom>
+          <a:ln w="28575">
+            <a:tailEnd type="triangle"/>
+          </a:ln>
+        </p:spPr>
+        <p:style>
+          <a:lnRef idx="1">
+            <a:schemeClr val="accent1"/>
+          </a:lnRef>
+          <a:fillRef idx="0">
+            <a:schemeClr val="accent1"/>
+          </a:fillRef>
+          <a:effectRef idx="0">
+            <a:schemeClr val="accent1"/>
+          </a:effectRef>
+          <a:fontRef idx="minor">
+            <a:schemeClr val="tx1"/>
+          </a:fontRef>
+        </p:style>
+      </p:cxnSp>
+      <p:pic>
+        <p:nvPicPr>
+          <p:cNvPr id="31" name="Picture 30">
+            <a:extLst>
+              <a:ext uri="{FF2B5EF4-FFF2-40B4-BE49-F238E27FC236}">
+                <a16:creationId xmlns:a16="http://schemas.microsoft.com/office/drawing/2014/main" id="{EA7A723D-6CF3-391D-210D-FF00944C24BF}"/>
+              </a:ext>
+            </a:extLst>
+          </p:cNvPr>
+          <p:cNvPicPr>
+            <a:picLocks noChangeAspect="1"/>
+          </p:cNvPicPr>
+          <p:nvPr/>
+        </p:nvPicPr>
+        <p:blipFill>
+          <a:blip r:embed="rId4"/>
+          <a:stretch>
+            <a:fillRect/>
+          </a:stretch>
+        </p:blipFill>
+        <p:spPr>
+          <a:xfrm>
+            <a:off x="8537551" y="344111"/>
+            <a:ext cx="2528041" cy="2622421"/>
+          </a:xfrm>
+          <a:prstGeom prst="rect">
+            <a:avLst/>
+          </a:prstGeom>
+        </p:spPr>
+      </p:pic>
+      <p:cxnSp>
+        <p:nvCxnSpPr>
+          <p:cNvPr id="36" name="Straight Arrow Connector 35">
+            <a:extLst>
+              <a:ext uri="{FF2B5EF4-FFF2-40B4-BE49-F238E27FC236}">
+                <a16:creationId xmlns:a16="http://schemas.microsoft.com/office/drawing/2014/main" id="{EC5BE6A4-B031-61E2-2F84-F00776161E90}"/>
+              </a:ext>
+            </a:extLst>
+          </p:cNvPr>
+          <p:cNvCxnSpPr>
+            <a:stCxn id="8" idx="3"/>
+            <a:endCxn id="31" idx="1"/>
+          </p:cNvCxnSpPr>
+          <p:nvPr/>
+        </p:nvCxnSpPr>
+        <p:spPr>
+          <a:xfrm>
+            <a:off x="6608875" y="1644137"/>
+            <a:ext cx="1928676" cy="11185"/>
+          </a:xfrm>
+          <a:prstGeom prst="straightConnector1">
+            <a:avLst/>
+          </a:prstGeom>
+          <a:ln w="28575">
+            <a:tailEnd type="triangle"/>
+          </a:ln>
+        </p:spPr>
+        <p:style>
+          <a:lnRef idx="1">
+            <a:schemeClr val="accent1"/>
+          </a:lnRef>
+          <a:fillRef idx="0">
+            <a:schemeClr val="accent1"/>
+          </a:fillRef>
+          <a:effectRef idx="0">
+            <a:schemeClr val="accent1"/>
+          </a:effectRef>
+          <a:fontRef idx="minor">
+            <a:schemeClr val="tx1"/>
+          </a:fontRef>
+        </p:style>
+      </p:cxnSp>
     </p:spTree>
     <p:extLst>
       <p:ext uri="{BB962C8B-B14F-4D97-AF65-F5344CB8AC3E}">
@@ -9546,7 +12425,7 @@
 </p:sld>
 </file>
 
-<file path=ppt/slides/slide14.xml><?xml version="1.0" encoding="utf-8"?>
+<file path=ppt/slides/slide18.xml><?xml version="1.0" encoding="utf-8"?>
 <p:sld xmlns:a="http://schemas.openxmlformats.org/drawingml/2006/main" xmlns:r="http://schemas.openxmlformats.org/officeDocument/2006/relationships" xmlns:p="http://schemas.openxmlformats.org/presentationml/2006/main">
   <p:cSld>
     <p:spTree>
@@ -9617,8 +12496,8 @@
         </p:nvSpPr>
         <p:spPr>
           <a:xfrm>
-            <a:off x="425838" y="1884654"/>
-            <a:ext cx="3854766" cy="6658709"/>
+            <a:off x="443918" y="1456808"/>
+            <a:ext cx="3854766" cy="4601870"/>
           </a:xfrm>
           <a:prstGeom prst="rect">
             <a:avLst/>
@@ -9854,7 +12733,113 @@
             </a:lvl9pPr>
           </a:lstStyle>
           <a:p>
-            <a:pPr marL="0" indent="0">
+            <a:pPr algn="just"/>
+            <a:r>
+              <a:rPr lang="it-IT" sz="1600" b="1" dirty="0">
+                <a:solidFill>
+                  <a:schemeClr val="tx1"/>
+                </a:solidFill>
+              </a:rPr>
+              <a:t>/Agenda*day*: </a:t>
+            </a:r>
+            <a:r>
+              <a:rPr lang="it-IT" sz="1600" dirty="0">
+                <a:solidFill>
+                  <a:schemeClr val="tx1"/>
+                </a:solidFill>
+              </a:rPr>
+              <a:t>Show to the user the Agenda </a:t>
+            </a:r>
+            <a:r>
+              <a:rPr lang="it-IT" sz="1600" dirty="0" err="1">
+                <a:solidFill>
+                  <a:schemeClr val="tx1"/>
+                </a:solidFill>
+              </a:rPr>
+              <a:t>saved</a:t>
+            </a:r>
+            <a:r>
+              <a:rPr lang="it-IT" sz="1600" dirty="0">
+                <a:solidFill>
+                  <a:schemeClr val="tx1"/>
+                </a:solidFill>
+              </a:rPr>
+              <a:t> in the </a:t>
+            </a:r>
+            <a:r>
+              <a:rPr lang="it-IT" sz="1600" dirty="0" err="1">
+                <a:solidFill>
+                  <a:schemeClr val="tx1"/>
+                </a:solidFill>
+              </a:rPr>
+              <a:t>catalog</a:t>
+            </a:r>
+            <a:r>
+              <a:rPr lang="it-IT" sz="1600" dirty="0">
+                <a:solidFill>
+                  <a:schemeClr val="tx1"/>
+                </a:solidFill>
+              </a:rPr>
+              <a:t> </a:t>
+            </a:r>
+            <a:r>
+              <a:rPr lang="it-IT" sz="1600" dirty="0" err="1">
+                <a:solidFill>
+                  <a:schemeClr val="tx1"/>
+                </a:solidFill>
+              </a:rPr>
+              <a:t>according</a:t>
+            </a:r>
+            <a:r>
+              <a:rPr lang="it-IT" sz="1600" dirty="0">
+                <a:solidFill>
+                  <a:schemeClr val="tx1"/>
+                </a:solidFill>
+              </a:rPr>
+              <a:t> with the *day* </a:t>
+            </a:r>
+            <a:r>
+              <a:rPr lang="it-IT" sz="1600" dirty="0" err="1">
+                <a:solidFill>
+                  <a:schemeClr val="tx1"/>
+                </a:solidFill>
+              </a:rPr>
+              <a:t>specified</a:t>
+            </a:r>
+            <a:r>
+              <a:rPr lang="it-IT" sz="1600" dirty="0">
+                <a:solidFill>
+                  <a:schemeClr val="tx1"/>
+                </a:solidFill>
+              </a:rPr>
+              <a:t>.</a:t>
+            </a:r>
+          </a:p>
+          <a:p>
+            <a:pPr marL="0" indent="0" algn="just">
+              <a:buNone/>
+            </a:pPr>
+            <a:r>
+              <a:rPr lang="it-IT" sz="1600" dirty="0">
+                <a:solidFill>
+                  <a:schemeClr val="tx1"/>
+                </a:solidFill>
+              </a:rPr>
+              <a:t> </a:t>
+            </a:r>
+          </a:p>
+          <a:p>
+            <a:pPr marL="0" indent="0" algn="just">
+              <a:buNone/>
+            </a:pPr>
+            <a:endParaRPr lang="it-IT" sz="1600" dirty="0">
+              <a:solidFill>
+                <a:schemeClr val="tx1"/>
+              </a:solidFill>
+            </a:endParaRPr>
+          </a:p>
+          <a:p>
+            <a:pPr marL="0" indent="0" algn="just">
               <a:buNone/>
             </a:pPr>
             <a:endParaRPr lang="it-IT" sz="1600" b="1" dirty="0">
@@ -9871,15 +12856,7 @@
                   <a:schemeClr val="tx1"/>
                 </a:solidFill>
               </a:rPr>
-              <a:t>/Agenda*day*: </a:t>
-            </a:r>
-            <a:r>
-              <a:rPr lang="it-IT" sz="1600" dirty="0">
-                <a:solidFill>
-                  <a:schemeClr val="tx1"/>
-                </a:solidFill>
-              </a:rPr>
-              <a:t>Show to the user the Agenda </a:t>
+              <a:t>/Agenda*day*Update: </a:t>
             </a:r>
             <a:r>
               <a:rPr lang="it-IT" sz="1600" dirty="0" err="1">
@@ -9887,15 +12864,15 @@
                   <a:schemeClr val="tx1"/>
                 </a:solidFill>
               </a:rPr>
-              <a:t>saved</a:t>
-            </a:r>
-            <a:r>
-              <a:rPr lang="it-IT" sz="1600" dirty="0">
-                <a:solidFill>
-                  <a:schemeClr val="tx1"/>
-                </a:solidFill>
-              </a:rPr>
-              <a:t> in the </a:t>
+              <a:t>Allow</a:t>
+            </a:r>
+            <a:r>
+              <a:rPr lang="it-IT" sz="1600" dirty="0">
+                <a:solidFill>
+                  <a:schemeClr val="tx1"/>
+                </a:solidFill>
+              </a:rPr>
+              <a:t> the user to </a:t>
             </a:r>
             <a:r>
               <a:rPr lang="it-IT" sz="1600" dirty="0" err="1">
@@ -9903,7 +12880,23 @@
                   <a:schemeClr val="tx1"/>
                 </a:solidFill>
               </a:rPr>
-              <a:t>catalog</a:t>
+              <a:t>add</a:t>
+            </a:r>
+            <a:r>
+              <a:rPr lang="it-IT" sz="1600" dirty="0">
+                <a:solidFill>
+                  <a:schemeClr val="tx1"/>
+                </a:solidFill>
+              </a:rPr>
+              <a:t> to the Agenda a new commitments in </a:t>
+            </a:r>
+            <a:r>
+              <a:rPr lang="it-IT" sz="1600" dirty="0" err="1">
+                <a:solidFill>
+                  <a:schemeClr val="tx1"/>
+                </a:solidFill>
+              </a:rPr>
+              <a:t>this</a:t>
             </a:r>
             <a:r>
               <a:rPr lang="it-IT" sz="1600" dirty="0">
@@ -9919,32 +12912,21 @@
                   <a:schemeClr val="tx1"/>
                 </a:solidFill>
               </a:rPr>
-              <a:t>according</a:t>
-            </a:r>
-            <a:r>
-              <a:rPr lang="it-IT" sz="1600" dirty="0">
-                <a:solidFill>
-                  <a:schemeClr val="tx1"/>
-                </a:solidFill>
-              </a:rPr>
-              <a:t> with the *day* </a:t>
-            </a:r>
-            <a:r>
-              <a:rPr lang="it-IT" sz="1600" dirty="0" err="1">
-                <a:solidFill>
-                  <a:schemeClr val="tx1"/>
-                </a:solidFill>
-              </a:rPr>
-              <a:t>specified</a:t>
-            </a:r>
-            <a:r>
-              <a:rPr lang="it-IT" sz="1600" dirty="0">
-                <a:solidFill>
-                  <a:schemeClr val="tx1"/>
-                </a:solidFill>
-              </a:rPr>
-              <a:t>. </a:t>
-            </a:r>
+              <a:t>specific</a:t>
+            </a:r>
+            <a:r>
+              <a:rPr lang="it-IT" sz="1600" dirty="0">
+                <a:solidFill>
+                  <a:schemeClr val="tx1"/>
+                </a:solidFill>
+              </a:rPr>
+              <a:t> *day*</a:t>
+            </a:r>
+          </a:p>
+          <a:p>
+            <a:pPr marL="0" indent="0" algn="just">
+              <a:buNone/>
+            </a:pPr>
             <a:endParaRPr lang="it-IT" sz="1600" b="1" dirty="0">
               <a:solidFill>
                 <a:schemeClr val="tx1"/>
@@ -9952,79 +12934,9 @@
             </a:endParaRPr>
           </a:p>
           <a:p>
-            <a:pPr algn="just"/>
-            <a:r>
-              <a:rPr lang="it-IT" sz="1600" b="1" dirty="0">
-                <a:solidFill>
-                  <a:schemeClr val="tx1"/>
-                </a:solidFill>
-              </a:rPr>
-              <a:t>/Agenda*day*Update: </a:t>
-            </a:r>
-            <a:r>
-              <a:rPr lang="it-IT" sz="1600" dirty="0" err="1">
-                <a:solidFill>
-                  <a:schemeClr val="tx1"/>
-                </a:solidFill>
-              </a:rPr>
-              <a:t>Allow</a:t>
-            </a:r>
-            <a:r>
-              <a:rPr lang="it-IT" sz="1600" dirty="0">
-                <a:solidFill>
-                  <a:schemeClr val="tx1"/>
-                </a:solidFill>
-              </a:rPr>
-              <a:t> the user to </a:t>
-            </a:r>
-            <a:r>
-              <a:rPr lang="it-IT" sz="1600" dirty="0" err="1">
-                <a:solidFill>
-                  <a:schemeClr val="tx1"/>
-                </a:solidFill>
-              </a:rPr>
-              <a:t>add</a:t>
-            </a:r>
-            <a:r>
-              <a:rPr lang="it-IT" sz="1600" dirty="0">
-                <a:solidFill>
-                  <a:schemeClr val="tx1"/>
-                </a:solidFill>
-              </a:rPr>
-              <a:t> to the Agenda a new commitments in </a:t>
-            </a:r>
-            <a:r>
-              <a:rPr lang="it-IT" sz="1600" dirty="0" err="1">
-                <a:solidFill>
-                  <a:schemeClr val="tx1"/>
-                </a:solidFill>
-              </a:rPr>
-              <a:t>this</a:t>
-            </a:r>
-            <a:r>
-              <a:rPr lang="it-IT" sz="1600" dirty="0">
-                <a:solidFill>
-                  <a:schemeClr val="tx1"/>
-                </a:solidFill>
-              </a:rPr>
-              <a:t> </a:t>
-            </a:r>
-            <a:r>
-              <a:rPr lang="it-IT" sz="1600" dirty="0" err="1">
-                <a:solidFill>
-                  <a:schemeClr val="tx1"/>
-                </a:solidFill>
-              </a:rPr>
-              <a:t>specific</a:t>
-            </a:r>
-            <a:r>
-              <a:rPr lang="it-IT" sz="1600" dirty="0">
-                <a:solidFill>
-                  <a:schemeClr val="tx1"/>
-                </a:solidFill>
-              </a:rPr>
-              <a:t> *day*</a:t>
-            </a:r>
+            <a:pPr marL="0" indent="0" algn="just">
+              <a:buNone/>
+            </a:pPr>
             <a:endParaRPr lang="it-IT" sz="1600" b="1" dirty="0">
               <a:solidFill>
                 <a:schemeClr val="tx1"/>
@@ -10032,127 +12944,370 @@
             </a:endParaRPr>
           </a:p>
           <a:p>
-            <a:pPr algn="just"/>
-            <a:r>
-              <a:rPr lang="it-IT" sz="1600" b="1" dirty="0">
-                <a:solidFill>
-                  <a:schemeClr val="tx1"/>
-                </a:solidFill>
-              </a:rPr>
-              <a:t>/</a:t>
-            </a:r>
-            <a:r>
-              <a:rPr lang="it-IT" sz="1600" b="1" dirty="0" err="1">
-                <a:solidFill>
-                  <a:schemeClr val="tx1"/>
-                </a:solidFill>
-              </a:rPr>
-              <a:t>ViewGraphs</a:t>
-            </a:r>
-            <a:r>
-              <a:rPr lang="it-IT" sz="1600" b="1" dirty="0">
-                <a:solidFill>
-                  <a:schemeClr val="tx1"/>
-                </a:solidFill>
-              </a:rPr>
-              <a:t>: </a:t>
-            </a:r>
-            <a:r>
-              <a:rPr lang="it-IT" sz="1600" dirty="0">
-                <a:solidFill>
-                  <a:schemeClr val="tx1"/>
-                </a:solidFill>
-              </a:rPr>
-              <a:t>Show to the user </a:t>
-            </a:r>
-            <a:r>
-              <a:rPr lang="it-IT" sz="1600" dirty="0" err="1">
-                <a:solidFill>
-                  <a:schemeClr val="tx1"/>
-                </a:solidFill>
-              </a:rPr>
-              <a:t>all</a:t>
-            </a:r>
-            <a:r>
-              <a:rPr lang="it-IT" sz="1600" dirty="0">
-                <a:solidFill>
-                  <a:schemeClr val="tx1"/>
-                </a:solidFill>
-              </a:rPr>
-              <a:t> the </a:t>
-            </a:r>
-            <a:r>
-              <a:rPr lang="it-IT" sz="1600" dirty="0" err="1">
-                <a:solidFill>
-                  <a:schemeClr val="tx1"/>
-                </a:solidFill>
-              </a:rPr>
-              <a:t>graph</a:t>
-            </a:r>
-            <a:r>
-              <a:rPr lang="it-IT" sz="1600" dirty="0">
-                <a:solidFill>
-                  <a:schemeClr val="tx1"/>
-                </a:solidFill>
-              </a:rPr>
-              <a:t> </a:t>
-            </a:r>
-            <a:r>
-              <a:rPr lang="it-IT" sz="1600" dirty="0" err="1">
-                <a:solidFill>
-                  <a:schemeClr val="tx1"/>
-                </a:solidFill>
-              </a:rPr>
-              <a:t>about</a:t>
-            </a:r>
-            <a:r>
-              <a:rPr lang="it-IT" sz="1600" dirty="0">
-                <a:solidFill>
-                  <a:schemeClr val="tx1"/>
-                </a:solidFill>
-              </a:rPr>
-              <a:t> the </a:t>
-            </a:r>
-            <a:r>
-              <a:rPr lang="it-IT" sz="1600" dirty="0" err="1">
-                <a:solidFill>
-                  <a:schemeClr val="tx1"/>
-                </a:solidFill>
-              </a:rPr>
-              <a:t>sensors</a:t>
-            </a:r>
-            <a:r>
-              <a:rPr lang="it-IT" sz="1600" dirty="0">
-                <a:solidFill>
-                  <a:schemeClr val="tx1"/>
-                </a:solidFill>
-              </a:rPr>
-              <a:t> and use of the </a:t>
-            </a:r>
-            <a:r>
-              <a:rPr lang="it-IT" sz="1600" dirty="0" err="1">
-                <a:solidFill>
-                  <a:schemeClr val="tx1"/>
-                </a:solidFill>
-              </a:rPr>
-              <a:t>application</a:t>
-            </a:r>
-            <a:r>
-              <a:rPr lang="it-IT" sz="1600" dirty="0">
-                <a:solidFill>
-                  <a:schemeClr val="tx1"/>
-                </a:solidFill>
-              </a:rPr>
-              <a:t>. </a:t>
-            </a:r>
+            <a:pPr marL="0" indent="0" algn="just">
+              <a:buNone/>
+            </a:pPr>
             <a:endParaRPr lang="it-IT" sz="1600" b="1" dirty="0">
               <a:solidFill>
                 <a:schemeClr val="tx1"/>
               </a:solidFill>
             </a:endParaRPr>
           </a:p>
+          <a:p>
+            <a:pPr algn="just"/>
+            <a:r>
+              <a:rPr lang="it-IT" sz="1600" b="1" dirty="0">
+                <a:solidFill>
+                  <a:schemeClr val="tx1"/>
+                </a:solidFill>
+              </a:rPr>
+              <a:t>/</a:t>
+            </a:r>
+            <a:r>
+              <a:rPr lang="it-IT" sz="1600" b="1" dirty="0" err="1">
+                <a:solidFill>
+                  <a:schemeClr val="tx1"/>
+                </a:solidFill>
+              </a:rPr>
+              <a:t>ViewGraphs</a:t>
+            </a:r>
+            <a:r>
+              <a:rPr lang="it-IT" sz="1600" b="1" dirty="0">
+                <a:solidFill>
+                  <a:schemeClr val="tx1"/>
+                </a:solidFill>
+              </a:rPr>
+              <a:t>: </a:t>
+            </a:r>
+            <a:r>
+              <a:rPr lang="it-IT" sz="1600" dirty="0">
+                <a:solidFill>
+                  <a:schemeClr val="tx1"/>
+                </a:solidFill>
+              </a:rPr>
+              <a:t>Show to the user </a:t>
+            </a:r>
+            <a:r>
+              <a:rPr lang="it-IT" sz="1600" dirty="0" err="1">
+                <a:solidFill>
+                  <a:schemeClr val="tx1"/>
+                </a:solidFill>
+              </a:rPr>
+              <a:t>all</a:t>
+            </a:r>
+            <a:r>
+              <a:rPr lang="it-IT" sz="1600" dirty="0">
+                <a:solidFill>
+                  <a:schemeClr val="tx1"/>
+                </a:solidFill>
+              </a:rPr>
+              <a:t> the </a:t>
+            </a:r>
+            <a:r>
+              <a:rPr lang="it-IT" sz="1600" dirty="0" err="1">
+                <a:solidFill>
+                  <a:schemeClr val="tx1"/>
+                </a:solidFill>
+              </a:rPr>
+              <a:t>graph</a:t>
+            </a:r>
+            <a:r>
+              <a:rPr lang="it-IT" sz="1600" dirty="0">
+                <a:solidFill>
+                  <a:schemeClr val="tx1"/>
+                </a:solidFill>
+              </a:rPr>
+              <a:t> </a:t>
+            </a:r>
+            <a:r>
+              <a:rPr lang="it-IT" sz="1600" dirty="0" err="1">
+                <a:solidFill>
+                  <a:schemeClr val="tx1"/>
+                </a:solidFill>
+              </a:rPr>
+              <a:t>about</a:t>
+            </a:r>
+            <a:r>
+              <a:rPr lang="it-IT" sz="1600" dirty="0">
+                <a:solidFill>
+                  <a:schemeClr val="tx1"/>
+                </a:solidFill>
+              </a:rPr>
+              <a:t> the </a:t>
+            </a:r>
+            <a:r>
+              <a:rPr lang="it-IT" sz="1600" dirty="0" err="1">
+                <a:solidFill>
+                  <a:schemeClr val="tx1"/>
+                </a:solidFill>
+              </a:rPr>
+              <a:t>sensors</a:t>
+            </a:r>
+            <a:r>
+              <a:rPr lang="it-IT" sz="1600" dirty="0">
+                <a:solidFill>
+                  <a:schemeClr val="tx1"/>
+                </a:solidFill>
+              </a:rPr>
+              <a:t> and use of the </a:t>
+            </a:r>
+            <a:r>
+              <a:rPr lang="it-IT" sz="1600" dirty="0" err="1">
+                <a:solidFill>
+                  <a:schemeClr val="tx1"/>
+                </a:solidFill>
+              </a:rPr>
+              <a:t>application</a:t>
+            </a:r>
+            <a:r>
+              <a:rPr lang="it-IT" sz="1600" dirty="0">
+                <a:solidFill>
+                  <a:schemeClr val="tx1"/>
+                </a:solidFill>
+              </a:rPr>
+              <a:t>. </a:t>
+            </a:r>
+            <a:endParaRPr lang="it-IT" sz="1600" b="1" dirty="0">
+              <a:solidFill>
+                <a:schemeClr val="tx1"/>
+              </a:solidFill>
+            </a:endParaRPr>
+          </a:p>
         </p:txBody>
       </p:sp>
+      <p:pic>
+        <p:nvPicPr>
+          <p:cNvPr id="4" name="Picture 3">
+            <a:extLst>
+              <a:ext uri="{FF2B5EF4-FFF2-40B4-BE49-F238E27FC236}">
+                <a16:creationId xmlns:a16="http://schemas.microsoft.com/office/drawing/2014/main" id="{060EDE05-837F-499D-2FF9-F314821DF747}"/>
+              </a:ext>
+            </a:extLst>
+          </p:cNvPr>
+          <p:cNvPicPr>
+            <a:picLocks noChangeAspect="1"/>
+          </p:cNvPicPr>
+          <p:nvPr/>
+        </p:nvPicPr>
+        <p:blipFill>
+          <a:blip r:embed="rId2"/>
+          <a:stretch>
+            <a:fillRect/>
+          </a:stretch>
+        </p:blipFill>
+        <p:spPr>
+          <a:xfrm>
+            <a:off x="5020652" y="1382978"/>
+            <a:ext cx="6530906" cy="1196444"/>
+          </a:xfrm>
+          <a:prstGeom prst="rect">
+            <a:avLst/>
+          </a:prstGeom>
+        </p:spPr>
+      </p:pic>
+      <p:sp>
+        <p:nvSpPr>
+          <p:cNvPr id="5" name="Right Brace 4">
+            <a:extLst>
+              <a:ext uri="{FF2B5EF4-FFF2-40B4-BE49-F238E27FC236}">
+                <a16:creationId xmlns:a16="http://schemas.microsoft.com/office/drawing/2014/main" id="{1DBC6355-BFF9-FBDC-200D-6ABC036DE41F}"/>
+              </a:ext>
+            </a:extLst>
+          </p:cNvPr>
+          <p:cNvSpPr/>
+          <p:nvPr/>
+        </p:nvSpPr>
+        <p:spPr>
+          <a:xfrm>
+            <a:off x="4524375" y="1320800"/>
+            <a:ext cx="171450" cy="1320800"/>
+          </a:xfrm>
+          <a:prstGeom prst="rightBrace">
+            <a:avLst/>
+          </a:prstGeom>
+          <a:ln w="28575">
+            <a:solidFill>
+              <a:schemeClr val="accent1"/>
+            </a:solidFill>
+          </a:ln>
+        </p:spPr>
+        <p:style>
+          <a:lnRef idx="1">
+            <a:schemeClr val="accent1"/>
+          </a:lnRef>
+          <a:fillRef idx="0">
+            <a:schemeClr val="accent1"/>
+          </a:fillRef>
+          <a:effectRef idx="0">
+            <a:schemeClr val="accent1"/>
+          </a:effectRef>
+          <a:fontRef idx="minor">
+            <a:schemeClr val="tx1"/>
+          </a:fontRef>
+        </p:style>
+        <p:txBody>
+          <a:bodyPr rtlCol="0" anchor="ctr"/>
+          <a:lstStyle/>
+          <a:p>
+            <a:pPr algn="ctr"/>
+            <a:endParaRPr lang="it-IT"/>
+          </a:p>
+        </p:txBody>
+      </p:sp>
+      <p:sp>
+        <p:nvSpPr>
+          <p:cNvPr id="7" name="Right Brace 6">
+            <a:extLst>
+              <a:ext uri="{FF2B5EF4-FFF2-40B4-BE49-F238E27FC236}">
+                <a16:creationId xmlns:a16="http://schemas.microsoft.com/office/drawing/2014/main" id="{14453AE9-70C7-2DD3-953A-8D5A54607E35}"/>
+              </a:ext>
+            </a:extLst>
+          </p:cNvPr>
+          <p:cNvSpPr/>
+          <p:nvPr/>
+        </p:nvSpPr>
+        <p:spPr>
+          <a:xfrm>
+            <a:off x="4484407" y="3097343"/>
+            <a:ext cx="171450" cy="1320800"/>
+          </a:xfrm>
+          <a:prstGeom prst="rightBrace">
+            <a:avLst/>
+          </a:prstGeom>
+          <a:ln w="28575">
+            <a:solidFill>
+              <a:schemeClr val="accent1"/>
+            </a:solidFill>
+          </a:ln>
+        </p:spPr>
+        <p:style>
+          <a:lnRef idx="1">
+            <a:schemeClr val="accent1"/>
+          </a:lnRef>
+          <a:fillRef idx="0">
+            <a:schemeClr val="accent1"/>
+          </a:fillRef>
+          <a:effectRef idx="0">
+            <a:schemeClr val="accent1"/>
+          </a:effectRef>
+          <a:fontRef idx="minor">
+            <a:schemeClr val="tx1"/>
+          </a:fontRef>
+        </p:style>
+        <p:txBody>
+          <a:bodyPr rtlCol="0" anchor="ctr"/>
+          <a:lstStyle/>
+          <a:p>
+            <a:pPr algn="ctr"/>
+            <a:endParaRPr lang="it-IT"/>
+          </a:p>
+        </p:txBody>
+      </p:sp>
+      <p:sp>
+        <p:nvSpPr>
+          <p:cNvPr id="8" name="Right Brace 7">
+            <a:extLst>
+              <a:ext uri="{FF2B5EF4-FFF2-40B4-BE49-F238E27FC236}">
+                <a16:creationId xmlns:a16="http://schemas.microsoft.com/office/drawing/2014/main" id="{470C845E-619A-6633-D0A3-7A8E9DECEB24}"/>
+              </a:ext>
+            </a:extLst>
+          </p:cNvPr>
+          <p:cNvSpPr/>
+          <p:nvPr/>
+        </p:nvSpPr>
+        <p:spPr>
+          <a:xfrm>
+            <a:off x="4474882" y="5021942"/>
+            <a:ext cx="171450" cy="1320800"/>
+          </a:xfrm>
+          <a:prstGeom prst="rightBrace">
+            <a:avLst/>
+          </a:prstGeom>
+          <a:ln w="28575"/>
+        </p:spPr>
+        <p:style>
+          <a:lnRef idx="1">
+            <a:schemeClr val="accent1"/>
+          </a:lnRef>
+          <a:fillRef idx="0">
+            <a:schemeClr val="accent1"/>
+          </a:fillRef>
+          <a:effectRef idx="0">
+            <a:schemeClr val="accent1"/>
+          </a:effectRef>
+          <a:fontRef idx="minor">
+            <a:schemeClr val="tx1"/>
+          </a:fontRef>
+        </p:style>
+        <p:txBody>
+          <a:bodyPr rtlCol="0" anchor="ctr"/>
+          <a:lstStyle/>
+          <a:p>
+            <a:pPr algn="ctr"/>
+            <a:endParaRPr lang="it-IT"/>
+          </a:p>
+        </p:txBody>
+      </p:sp>
+      <p:pic>
+        <p:nvPicPr>
+          <p:cNvPr id="10" name="Picture 9">
+            <a:extLst>
+              <a:ext uri="{FF2B5EF4-FFF2-40B4-BE49-F238E27FC236}">
+                <a16:creationId xmlns:a16="http://schemas.microsoft.com/office/drawing/2014/main" id="{AA38D5B2-E7D6-6655-AE18-B436CFB21028}"/>
+              </a:ext>
+            </a:extLst>
+          </p:cNvPr>
+          <p:cNvPicPr>
+            <a:picLocks noChangeAspect="1"/>
+          </p:cNvPicPr>
+          <p:nvPr/>
+        </p:nvPicPr>
+        <p:blipFill>
+          <a:blip r:embed="rId3"/>
+          <a:stretch>
+            <a:fillRect/>
+          </a:stretch>
+        </p:blipFill>
+        <p:spPr>
+          <a:xfrm>
+            <a:off x="5013031" y="2835643"/>
+            <a:ext cx="6538527" cy="1844200"/>
+          </a:xfrm>
+          <a:prstGeom prst="rect">
+            <a:avLst/>
+          </a:prstGeom>
+        </p:spPr>
+      </p:pic>
+      <p:pic>
+        <p:nvPicPr>
+          <p:cNvPr id="12" name="Picture 11">
+            <a:extLst>
+              <a:ext uri="{FF2B5EF4-FFF2-40B4-BE49-F238E27FC236}">
+                <a16:creationId xmlns:a16="http://schemas.microsoft.com/office/drawing/2014/main" id="{D175E59F-8E03-19B3-AE9D-04E54BDCF1BA}"/>
+              </a:ext>
+            </a:extLst>
+          </p:cNvPr>
+          <p:cNvPicPr>
+            <a:picLocks noChangeAspect="1"/>
+          </p:cNvPicPr>
+          <p:nvPr/>
+        </p:nvPicPr>
+        <p:blipFill>
+          <a:blip r:embed="rId4"/>
+          <a:stretch>
+            <a:fillRect/>
+          </a:stretch>
+        </p:blipFill>
+        <p:spPr>
+          <a:xfrm>
+            <a:off x="5013031" y="4779293"/>
+            <a:ext cx="6538526" cy="1806097"/>
+          </a:xfrm>
+          <a:prstGeom prst="rect">
+            <a:avLst/>
+          </a:prstGeom>
+        </p:spPr>
+      </p:pic>
     </p:spTree>
     <p:extLst>
       <p:ext uri="{BB962C8B-B14F-4D97-AF65-F5344CB8AC3E}">
@@ -10166,7 +13321,7 @@
 </p:sld>
 </file>
 
-<file path=ppt/slides/slide15.xml><?xml version="1.0" encoding="utf-8"?>
+<file path=ppt/slides/slide19.xml><?xml version="1.0" encoding="utf-8"?>
 <p:sld xmlns:a="http://schemas.openxmlformats.org/drawingml/2006/main" xmlns:r="http://schemas.openxmlformats.org/officeDocument/2006/relationships" xmlns:p="http://schemas.openxmlformats.org/presentationml/2006/main">
   <p:cSld>
     <p:spTree>
@@ -10237,8 +13392,8 @@
         </p:nvSpPr>
         <p:spPr>
           <a:xfrm>
-            <a:off x="434803" y="1077831"/>
-            <a:ext cx="3854766" cy="6658709"/>
+            <a:off x="514349" y="1320800"/>
+            <a:ext cx="3854766" cy="4475244"/>
           </a:xfrm>
           <a:prstGeom prst="rect">
             <a:avLst/>
@@ -10544,6 +13699,44 @@
           </a:p>
           <a:p>
             <a:pPr algn="just"/>
+            <a:endParaRPr lang="it-IT" sz="1600" dirty="0">
+              <a:solidFill>
+                <a:schemeClr val="tx1"/>
+              </a:solidFill>
+            </a:endParaRPr>
+          </a:p>
+          <a:p>
+            <a:pPr marL="0" indent="0" algn="just">
+              <a:buNone/>
+            </a:pPr>
+            <a:endParaRPr lang="it-IT" sz="1600" dirty="0">
+              <a:solidFill>
+                <a:schemeClr val="tx1"/>
+              </a:solidFill>
+            </a:endParaRPr>
+          </a:p>
+          <a:p>
+            <a:pPr marL="0" indent="0" algn="just">
+              <a:buNone/>
+            </a:pPr>
+            <a:endParaRPr lang="it-IT" sz="1600" dirty="0">
+              <a:solidFill>
+                <a:schemeClr val="tx1"/>
+              </a:solidFill>
+            </a:endParaRPr>
+          </a:p>
+          <a:p>
+            <a:pPr marL="0" indent="0" algn="just">
+              <a:buNone/>
+            </a:pPr>
+            <a:endParaRPr lang="it-IT" sz="1600" dirty="0">
+              <a:solidFill>
+                <a:schemeClr val="tx1"/>
+              </a:solidFill>
+            </a:endParaRPr>
+          </a:p>
+          <a:p>
+            <a:pPr algn="just"/>
             <a:r>
               <a:rPr lang="it-IT" sz="1600" b="1" dirty="0">
                 <a:solidFill>
@@ -10609,6 +13802,252 @@
                 </a:solidFill>
               </a:rPr>
               <a:t> </a:t>
+            </a:r>
+          </a:p>
+        </p:txBody>
+      </p:sp>
+      <p:pic>
+        <p:nvPicPr>
+          <p:cNvPr id="4" name="Picture 3">
+            <a:extLst>
+              <a:ext uri="{FF2B5EF4-FFF2-40B4-BE49-F238E27FC236}">
+                <a16:creationId xmlns:a16="http://schemas.microsoft.com/office/drawing/2014/main" id="{A03A1F2B-0E7F-07F0-0106-ECE721E9610D}"/>
+              </a:ext>
+            </a:extLst>
+          </p:cNvPr>
+          <p:cNvPicPr>
+            <a:picLocks noChangeAspect="1"/>
+          </p:cNvPicPr>
+          <p:nvPr/>
+        </p:nvPicPr>
+        <p:blipFill rotWithShape="1">
+          <a:blip r:embed="rId2"/>
+          <a:srcRect r="1203"/>
+          <a:stretch/>
+        </p:blipFill>
+        <p:spPr>
+          <a:xfrm>
+            <a:off x="5142465" y="1320800"/>
+            <a:ext cx="6535186" cy="1501270"/>
+          </a:xfrm>
+          <a:prstGeom prst="rect">
+            <a:avLst/>
+          </a:prstGeom>
+        </p:spPr>
+      </p:pic>
+      <p:sp>
+        <p:nvSpPr>
+          <p:cNvPr id="5" name="Right Brace 4">
+            <a:extLst>
+              <a:ext uri="{FF2B5EF4-FFF2-40B4-BE49-F238E27FC236}">
+                <a16:creationId xmlns:a16="http://schemas.microsoft.com/office/drawing/2014/main" id="{79E9A070-E039-76D6-59C5-91B38706F6D5}"/>
+              </a:ext>
+            </a:extLst>
+          </p:cNvPr>
+          <p:cNvSpPr/>
+          <p:nvPr/>
+        </p:nvSpPr>
+        <p:spPr>
+          <a:xfrm>
+            <a:off x="4289569" y="1077832"/>
+            <a:ext cx="425306" cy="1979693"/>
+          </a:xfrm>
+          <a:prstGeom prst="rightBrace">
+            <a:avLst/>
+          </a:prstGeom>
+          <a:ln w="28575"/>
+        </p:spPr>
+        <p:style>
+          <a:lnRef idx="1">
+            <a:schemeClr val="accent1"/>
+          </a:lnRef>
+          <a:fillRef idx="0">
+            <a:schemeClr val="accent1"/>
+          </a:fillRef>
+          <a:effectRef idx="0">
+            <a:schemeClr val="accent1"/>
+          </a:effectRef>
+          <a:fontRef idx="minor">
+            <a:schemeClr val="tx1"/>
+          </a:fontRef>
+        </p:style>
+        <p:txBody>
+          <a:bodyPr rtlCol="0" anchor="ctr"/>
+          <a:lstStyle/>
+          <a:p>
+            <a:pPr algn="ctr"/>
+            <a:endParaRPr lang="it-IT"/>
+          </a:p>
+        </p:txBody>
+      </p:sp>
+      <p:sp>
+        <p:nvSpPr>
+          <p:cNvPr id="7" name="Right Brace 6">
+            <a:extLst>
+              <a:ext uri="{FF2B5EF4-FFF2-40B4-BE49-F238E27FC236}">
+                <a16:creationId xmlns:a16="http://schemas.microsoft.com/office/drawing/2014/main" id="{617B6C6E-F965-3207-C552-5162F3FB6773}"/>
+              </a:ext>
+            </a:extLst>
+          </p:cNvPr>
+          <p:cNvSpPr/>
+          <p:nvPr/>
+        </p:nvSpPr>
+        <p:spPr>
+          <a:xfrm>
+            <a:off x="4369115" y="3340359"/>
+            <a:ext cx="345760" cy="1903445"/>
+          </a:xfrm>
+          <a:prstGeom prst="rightBrace">
+            <a:avLst/>
+          </a:prstGeom>
+          <a:ln w="28575"/>
+        </p:spPr>
+        <p:style>
+          <a:lnRef idx="1">
+            <a:schemeClr val="accent1"/>
+          </a:lnRef>
+          <a:fillRef idx="0">
+            <a:schemeClr val="accent1"/>
+          </a:fillRef>
+          <a:effectRef idx="0">
+            <a:schemeClr val="accent1"/>
+          </a:effectRef>
+          <a:fontRef idx="minor">
+            <a:schemeClr val="tx1"/>
+          </a:fontRef>
+        </p:style>
+        <p:txBody>
+          <a:bodyPr rtlCol="0" anchor="ctr"/>
+          <a:lstStyle/>
+          <a:p>
+            <a:pPr algn="ctr"/>
+            <a:endParaRPr lang="it-IT"/>
+          </a:p>
+        </p:txBody>
+      </p:sp>
+      <p:sp>
+        <p:nvSpPr>
+          <p:cNvPr id="9" name="TextBox 8">
+            <a:extLst>
+              <a:ext uri="{FF2B5EF4-FFF2-40B4-BE49-F238E27FC236}">
+                <a16:creationId xmlns:a16="http://schemas.microsoft.com/office/drawing/2014/main" id="{5774C377-B56C-93AB-6351-D7895873E63C}"/>
+              </a:ext>
+            </a:extLst>
+          </p:cNvPr>
+          <p:cNvSpPr txBox="1"/>
+          <p:nvPr/>
+        </p:nvSpPr>
+        <p:spPr>
+          <a:xfrm>
+            <a:off x="4975447" y="3968915"/>
+            <a:ext cx="5624127" cy="646331"/>
+          </a:xfrm>
+          <a:prstGeom prst="rect">
+            <a:avLst/>
+          </a:prstGeom>
+          <a:noFill/>
+        </p:spPr>
+        <p:txBody>
+          <a:bodyPr wrap="square" rtlCol="0">
+            <a:spAutoFit/>
+          </a:bodyPr>
+          <a:lstStyle/>
+          <a:p>
+            <a:r>
+              <a:rPr lang="it-IT" dirty="0" err="1"/>
+              <a:t>You</a:t>
+            </a:r>
+            <a:r>
+              <a:rPr lang="it-IT" dirty="0"/>
+              <a:t> can </a:t>
+            </a:r>
+            <a:r>
+              <a:rPr lang="it-IT" dirty="0" err="1"/>
+              <a:t>continuosly</a:t>
+            </a:r>
+            <a:r>
+              <a:rPr lang="it-IT" dirty="0"/>
+              <a:t> </a:t>
+            </a:r>
+            <a:r>
+              <a:rPr lang="it-IT" dirty="0" err="1"/>
+              <a:t>send</a:t>
+            </a:r>
+            <a:r>
+              <a:rPr lang="it-IT" dirty="0"/>
+              <a:t> a </a:t>
+            </a:r>
+            <a:r>
+              <a:rPr lang="it-IT" dirty="0" err="1"/>
+              <a:t>charger</a:t>
+            </a:r>
+            <a:r>
+              <a:rPr lang="it-IT" dirty="0"/>
+              <a:t> </a:t>
+            </a:r>
+            <a:r>
+              <a:rPr lang="it-IT" dirty="0" err="1"/>
+              <a:t>actuation</a:t>
+            </a:r>
+            <a:r>
+              <a:rPr lang="it-IT" dirty="0"/>
+              <a:t>, </a:t>
+            </a:r>
+            <a:r>
+              <a:rPr lang="it-IT" dirty="0" err="1"/>
+              <a:t>until</a:t>
+            </a:r>
+            <a:r>
+              <a:rPr lang="it-IT" dirty="0"/>
+              <a:t> </a:t>
+            </a:r>
+            <a:r>
+              <a:rPr lang="it-IT" dirty="0" err="1"/>
+              <a:t>you</a:t>
+            </a:r>
+            <a:r>
+              <a:rPr lang="it-IT" dirty="0"/>
+              <a:t> </a:t>
+            </a:r>
+            <a:r>
+              <a:rPr lang="it-IT" dirty="0" err="1"/>
+              <a:t>don’t</a:t>
+            </a:r>
+            <a:r>
+              <a:rPr lang="it-IT" dirty="0"/>
+              <a:t> </a:t>
+            </a:r>
+            <a:r>
+              <a:rPr lang="it-IT" dirty="0" err="1"/>
+              <a:t>send</a:t>
+            </a:r>
+            <a:r>
+              <a:rPr lang="it-IT" dirty="0"/>
+              <a:t> </a:t>
+            </a:r>
+            <a:r>
+              <a:rPr lang="it-IT" dirty="0" err="1"/>
+              <a:t>another</a:t>
+            </a:r>
+            <a:r>
+              <a:rPr lang="it-IT" dirty="0"/>
+              <a:t> </a:t>
+            </a:r>
+            <a:r>
+              <a:rPr lang="it-IT" dirty="0" err="1"/>
+              <a:t>command</a:t>
+            </a:r>
+            <a:r>
+              <a:rPr lang="it-IT" dirty="0"/>
+              <a:t> or </a:t>
+            </a:r>
+            <a:r>
+              <a:rPr lang="it-IT" dirty="0" err="1"/>
+              <a:t>send</a:t>
+            </a:r>
+            <a:r>
+              <a:rPr lang="it-IT" dirty="0"/>
+              <a:t> /exit</a:t>
             </a:r>
           </a:p>
         </p:txBody>
@@ -10725,46 +14164,143 @@
         </p:nvSpPr>
         <p:spPr/>
         <p:txBody>
-          <a:bodyPr/>
+          <a:bodyPr>
+            <a:normAutofit fontScale="85000" lnSpcReduction="20000"/>
+          </a:bodyPr>
           <a:lstStyle/>
           <a:p>
             <a:r>
-              <a:rPr lang="it-IT" dirty="0" err="1"/>
+              <a:rPr lang="it-IT" b="1" dirty="0" err="1"/>
               <a:t>Objective</a:t>
             </a:r>
             <a:r>
+              <a:rPr lang="it-IT" b="1" dirty="0"/>
+              <a:t>: </a:t>
+            </a:r>
+          </a:p>
+          <a:p>
+            <a:pPr marL="0" indent="0">
+              <a:buNone/>
+            </a:pPr>
+            <a:r>
+              <a:rPr lang="fi-FI" sz="1800" dirty="0">
+                <a:effectLst/>
+                <a:ea typeface="Arial" panose="020B0604020202020204" pitchFamily="34" charset="0"/>
+              </a:rPr>
+              <a:t>Electric vehicles are going to dominate the transport sector in the near future, but at the same time, currently, the power used to charge them is mostly produced by burning fossil fuels. This will lead to an unsustainable scenario if actions are not taken to smoothen the transition towards electric vehicles. Under the outlined point of view, this report presents a solution that has the potential to mitigate the inconveniences related to a massive diffusion of electric vehicles, that are overloading the grid power demand, long charging times, etc..</a:t>
+            </a:r>
+          </a:p>
+          <a:p>
+            <a:r>
+              <a:rPr lang="it-IT" b="1" dirty="0" err="1"/>
+              <a:t>Main</a:t>
+            </a:r>
+            <a:r>
+              <a:rPr lang="it-IT" b="1" dirty="0"/>
+              <a:t> </a:t>
+            </a:r>
+            <a:r>
+              <a:rPr lang="it-IT" b="1" dirty="0" err="1"/>
+              <a:t>characteristics</a:t>
+            </a:r>
+            <a:r>
+              <a:rPr lang="it-IT" b="1" dirty="0"/>
+              <a:t>: </a:t>
+            </a:r>
+            <a:r>
+              <a:rPr lang="fi-FI" sz="1800" b="1" dirty="0">
+                <a:effectLst/>
+                <a:ea typeface="Arial" panose="020B0604020202020204" pitchFamily="34" charset="0"/>
+              </a:rPr>
+              <a:t> </a:t>
+            </a:r>
+          </a:p>
+          <a:p>
+            <a:pPr marL="0" indent="0">
+              <a:buNone/>
+            </a:pPr>
+            <a:r>
+              <a:rPr lang="fi-FI" dirty="0"/>
+              <a:t>-  </a:t>
+            </a:r>
+            <a:r>
+              <a:rPr lang="fi-FI" sz="1800" dirty="0">
+                <a:effectLst/>
+                <a:ea typeface="Arial" panose="020B0604020202020204" pitchFamily="34" charset="0"/>
+              </a:rPr>
+              <a:t>remote control of appliances.</a:t>
+            </a:r>
+            <a:endParaRPr lang="fi-FI" dirty="0"/>
+          </a:p>
+          <a:p>
+            <a:pPr marL="0" indent="0">
+              <a:buNone/>
+            </a:pPr>
+            <a:r>
               <a:rPr lang="it-IT" dirty="0"/>
-              <a:t>:</a:t>
-            </a:r>
-          </a:p>
-          <a:p>
+              <a:t>- </a:t>
+            </a:r>
+            <a:r>
+              <a:rPr lang="fi-FI" sz="1800" dirty="0">
+                <a:effectLst/>
+                <a:ea typeface="Arial" panose="020B0604020202020204" pitchFamily="34" charset="0"/>
+              </a:rPr>
+              <a:t>control strategies to minimise energy cost.</a:t>
+            </a:r>
             <a:endParaRPr lang="it-IT" dirty="0"/>
           </a:p>
           <a:p>
+            <a:pPr marL="0" indent="0">
+              <a:buNone/>
+            </a:pPr>
+            <a:r>
+              <a:rPr lang="it-IT" dirty="0"/>
+              <a:t>- </a:t>
+            </a:r>
+            <a:r>
+              <a:rPr lang="fi-FI" sz="1800" dirty="0">
+                <a:effectLst/>
+                <a:ea typeface="Arial" panose="020B0604020202020204" pitchFamily="34" charset="0"/>
+              </a:rPr>
+              <a:t>end-user application for energy-awareness.</a:t>
+            </a:r>
+            <a:endParaRPr lang="it-IT" sz="1800" dirty="0">
+              <a:effectLst/>
+              <a:ea typeface="Arial" panose="020B0604020202020204" pitchFamily="34" charset="0"/>
+            </a:endParaRPr>
+          </a:p>
+          <a:p>
+            <a:pPr marL="0" indent="0">
+              <a:buNone/>
+            </a:pPr>
+            <a:r>
+              <a:rPr lang="it-IT" dirty="0"/>
+              <a:t>- </a:t>
+            </a:r>
+            <a:r>
+              <a:rPr lang="fi-FI" sz="1800" dirty="0">
+                <a:effectLst/>
+                <a:ea typeface="Arial" panose="020B0604020202020204" pitchFamily="34" charset="0"/>
+              </a:rPr>
+              <a:t>end-user application for battery autonomy. </a:t>
+            </a:r>
             <a:endParaRPr lang="it-IT" dirty="0"/>
           </a:p>
           <a:p>
-            <a:r>
-              <a:rPr lang="it-IT" dirty="0" err="1"/>
-              <a:t>Main</a:t>
-            </a:r>
+            <a:pPr marL="0" indent="0">
+              <a:buNone/>
+            </a:pPr>
             <a:r>
               <a:rPr lang="it-IT" dirty="0"/>
-              <a:t> </a:t>
-            </a:r>
-            <a:r>
-              <a:rPr lang="it-IT" dirty="0" err="1"/>
-              <a:t>characteristics</a:t>
-            </a:r>
-            <a:r>
-              <a:rPr lang="it-IT" dirty="0"/>
-              <a:t>:</a:t>
-            </a:r>
-          </a:p>
-          <a:p>
-            <a:endParaRPr lang="it-IT" dirty="0"/>
-          </a:p>
-          <a:p>
+              <a:t>- </a:t>
+            </a:r>
+            <a:r>
+              <a:rPr lang="fi-FI" sz="1800" dirty="0">
+                <a:effectLst/>
+                <a:ea typeface="Arial" panose="020B0604020202020204" pitchFamily="34" charset="0"/>
+              </a:rPr>
+              <a:t>unified interfaces (i.e. REST Web Services and MQTT queues) available to enable Demand/Response.</a:t>
+            </a:r>
             <a:endParaRPr lang="it-IT" dirty="0"/>
           </a:p>
           <a:p>
@@ -10772,6 +14308,22 @@
               <a:rPr lang="it-IT" dirty="0"/>
               <a:t>Stakeholders: </a:t>
             </a:r>
+          </a:p>
+          <a:p>
+            <a:pPr marL="0" indent="0">
+              <a:buNone/>
+            </a:pPr>
+            <a:r>
+              <a:rPr lang="fi-FI" sz="1800" dirty="0">
+                <a:effectLst/>
+                <a:ea typeface="Arial" panose="020B0604020202020204" pitchFamily="34" charset="0"/>
+              </a:rPr>
+              <a:t>Smart Automotive, Smart grid, Smart Building</a:t>
+            </a:r>
+            <a:endParaRPr lang="it-IT" dirty="0"/>
+          </a:p>
+          <a:p>
+            <a:endParaRPr lang="it-IT" dirty="0"/>
           </a:p>
           <a:p>
             <a:endParaRPr lang="it-IT" dirty="0"/>
@@ -11234,7 +14786,12 @@
             <p:ph type="title"/>
           </p:nvPr>
         </p:nvSpPr>
-        <p:spPr/>
+        <p:spPr>
+          <a:xfrm>
+            <a:off x="877078" y="171061"/>
+            <a:ext cx="8596668" cy="1320800"/>
+          </a:xfrm>
+        </p:spPr>
         <p:txBody>
           <a:bodyPr/>
           <a:lstStyle/>
@@ -11245,6 +14802,390 @@
               <a:t>Catalog</a:t>
             </a:r>
             <a:endParaRPr lang="it-IT" dirty="0"/>
+          </a:p>
+        </p:txBody>
+      </p:sp>
+      <p:sp>
+        <p:nvSpPr>
+          <p:cNvPr id="3" name="Content Placeholder 5">
+            <a:extLst>
+              <a:ext uri="{FF2B5EF4-FFF2-40B4-BE49-F238E27FC236}">
+                <a16:creationId xmlns:a16="http://schemas.microsoft.com/office/drawing/2014/main" id="{9B5CBBC1-1553-3470-3B1C-17191E9210CB}"/>
+              </a:ext>
+            </a:extLst>
+          </p:cNvPr>
+          <p:cNvSpPr txBox="1">
+            <a:spLocks/>
+          </p:cNvSpPr>
+          <p:nvPr/>
+        </p:nvSpPr>
+        <p:spPr>
+          <a:xfrm>
+            <a:off x="350789" y="831461"/>
+            <a:ext cx="4320154" cy="4832221"/>
+          </a:xfrm>
+          <a:prstGeom prst="rect">
+            <a:avLst/>
+          </a:prstGeom>
+        </p:spPr>
+        <p:txBody>
+          <a:bodyPr/>
+          <a:lstStyle>
+            <a:lvl1pPr marL="342900" indent="-342900" algn="l" defTabSz="457200" rtl="0" eaLnBrk="1" latinLnBrk="0" hangingPunct="1">
+              <a:spcBef>
+                <a:spcPts val="1000"/>
+              </a:spcBef>
+              <a:spcAft>
+                <a:spcPts val="0"/>
+              </a:spcAft>
+              <a:buClr>
+                <a:schemeClr val="accent1"/>
+              </a:buClr>
+              <a:buSzPct val="80000"/>
+              <a:buFont typeface="Wingdings 3" charset="2"/>
+              <a:buChar char=""/>
+              <a:defRPr sz="1800" kern="1200">
+                <a:solidFill>
+                  <a:schemeClr val="tx1">
+                    <a:lumMod val="75000"/>
+                    <a:lumOff val="25000"/>
+                  </a:schemeClr>
+                </a:solidFill>
+                <a:latin typeface="+mn-lt"/>
+                <a:ea typeface="+mn-ea"/>
+                <a:cs typeface="+mn-cs"/>
+              </a:defRPr>
+            </a:lvl1pPr>
+            <a:lvl2pPr marL="742950" indent="-285750" algn="l" defTabSz="457200" rtl="0" eaLnBrk="1" latinLnBrk="0" hangingPunct="1">
+              <a:spcBef>
+                <a:spcPts val="1000"/>
+              </a:spcBef>
+              <a:spcAft>
+                <a:spcPts val="0"/>
+              </a:spcAft>
+              <a:buClr>
+                <a:schemeClr val="accent1"/>
+              </a:buClr>
+              <a:buSzPct val="80000"/>
+              <a:buFont typeface="Wingdings 3" charset="2"/>
+              <a:buChar char=""/>
+              <a:defRPr sz="1600" kern="1200">
+                <a:solidFill>
+                  <a:schemeClr val="tx1">
+                    <a:lumMod val="75000"/>
+                    <a:lumOff val="25000"/>
+                  </a:schemeClr>
+                </a:solidFill>
+                <a:latin typeface="+mn-lt"/>
+                <a:ea typeface="+mn-ea"/>
+                <a:cs typeface="+mn-cs"/>
+              </a:defRPr>
+            </a:lvl2pPr>
+            <a:lvl3pPr marL="1143000" indent="-228600" algn="l" defTabSz="457200" rtl="0" eaLnBrk="1" latinLnBrk="0" hangingPunct="1">
+              <a:spcBef>
+                <a:spcPts val="1000"/>
+              </a:spcBef>
+              <a:spcAft>
+                <a:spcPts val="0"/>
+              </a:spcAft>
+              <a:buClr>
+                <a:schemeClr val="accent1"/>
+              </a:buClr>
+              <a:buSzPct val="80000"/>
+              <a:buFont typeface="Wingdings 3" charset="2"/>
+              <a:buChar char=""/>
+              <a:defRPr sz="1400" kern="1200">
+                <a:solidFill>
+                  <a:schemeClr val="tx1">
+                    <a:lumMod val="75000"/>
+                    <a:lumOff val="25000"/>
+                  </a:schemeClr>
+                </a:solidFill>
+                <a:latin typeface="+mn-lt"/>
+                <a:ea typeface="+mn-ea"/>
+                <a:cs typeface="+mn-cs"/>
+              </a:defRPr>
+            </a:lvl3pPr>
+            <a:lvl4pPr marL="1600200" indent="-228600" algn="l" defTabSz="457200" rtl="0" eaLnBrk="1" latinLnBrk="0" hangingPunct="1">
+              <a:spcBef>
+                <a:spcPts val="1000"/>
+              </a:spcBef>
+              <a:spcAft>
+                <a:spcPts val="0"/>
+              </a:spcAft>
+              <a:buClr>
+                <a:schemeClr val="accent1"/>
+              </a:buClr>
+              <a:buSzPct val="80000"/>
+              <a:buFont typeface="Wingdings 3" charset="2"/>
+              <a:buChar char=""/>
+              <a:defRPr sz="1200" kern="1200">
+                <a:solidFill>
+                  <a:schemeClr val="tx1">
+                    <a:lumMod val="75000"/>
+                    <a:lumOff val="25000"/>
+                  </a:schemeClr>
+                </a:solidFill>
+                <a:latin typeface="+mn-lt"/>
+                <a:ea typeface="+mn-ea"/>
+                <a:cs typeface="+mn-cs"/>
+              </a:defRPr>
+            </a:lvl4pPr>
+            <a:lvl5pPr marL="2057400" indent="-228600" algn="l" defTabSz="457200" rtl="0" eaLnBrk="1" latinLnBrk="0" hangingPunct="1">
+              <a:spcBef>
+                <a:spcPts val="1000"/>
+              </a:spcBef>
+              <a:spcAft>
+                <a:spcPts val="0"/>
+              </a:spcAft>
+              <a:buClr>
+                <a:schemeClr val="accent1"/>
+              </a:buClr>
+              <a:buSzPct val="80000"/>
+              <a:buFont typeface="Wingdings 3" charset="2"/>
+              <a:buChar char=""/>
+              <a:defRPr sz="1200" kern="1200">
+                <a:solidFill>
+                  <a:schemeClr val="tx1">
+                    <a:lumMod val="75000"/>
+                    <a:lumOff val="25000"/>
+                  </a:schemeClr>
+                </a:solidFill>
+                <a:latin typeface="+mn-lt"/>
+                <a:ea typeface="+mn-ea"/>
+                <a:cs typeface="+mn-cs"/>
+              </a:defRPr>
+            </a:lvl5pPr>
+            <a:lvl6pPr marL="2514600" indent="-228600" algn="l" defTabSz="457200" rtl="0" eaLnBrk="1" latinLnBrk="0" hangingPunct="1">
+              <a:spcBef>
+                <a:spcPts val="1000"/>
+              </a:spcBef>
+              <a:spcAft>
+                <a:spcPts val="0"/>
+              </a:spcAft>
+              <a:buClr>
+                <a:schemeClr val="accent1"/>
+              </a:buClr>
+              <a:buSzPct val="80000"/>
+              <a:buFont typeface="Wingdings 3" charset="2"/>
+              <a:buChar char=""/>
+              <a:defRPr sz="1200" kern="1200">
+                <a:solidFill>
+                  <a:schemeClr val="tx1">
+                    <a:lumMod val="75000"/>
+                    <a:lumOff val="25000"/>
+                  </a:schemeClr>
+                </a:solidFill>
+                <a:latin typeface="+mn-lt"/>
+                <a:ea typeface="+mn-ea"/>
+                <a:cs typeface="+mn-cs"/>
+              </a:defRPr>
+            </a:lvl6pPr>
+            <a:lvl7pPr marL="2971800" indent="-228600" algn="l" defTabSz="457200" rtl="0" eaLnBrk="1" latinLnBrk="0" hangingPunct="1">
+              <a:spcBef>
+                <a:spcPts val="1000"/>
+              </a:spcBef>
+              <a:spcAft>
+                <a:spcPts val="0"/>
+              </a:spcAft>
+              <a:buClr>
+                <a:schemeClr val="accent1"/>
+              </a:buClr>
+              <a:buSzPct val="80000"/>
+              <a:buFont typeface="Wingdings 3" charset="2"/>
+              <a:buChar char=""/>
+              <a:defRPr sz="1200" kern="1200">
+                <a:solidFill>
+                  <a:schemeClr val="tx1">
+                    <a:lumMod val="75000"/>
+                    <a:lumOff val="25000"/>
+                  </a:schemeClr>
+                </a:solidFill>
+                <a:latin typeface="+mn-lt"/>
+                <a:ea typeface="+mn-ea"/>
+                <a:cs typeface="+mn-cs"/>
+              </a:defRPr>
+            </a:lvl7pPr>
+            <a:lvl8pPr marL="3429000" indent="-228600" algn="l" defTabSz="457200" rtl="0" eaLnBrk="1" latinLnBrk="0" hangingPunct="1">
+              <a:spcBef>
+                <a:spcPts val="1000"/>
+              </a:spcBef>
+              <a:spcAft>
+                <a:spcPts val="0"/>
+              </a:spcAft>
+              <a:buClr>
+                <a:schemeClr val="accent1"/>
+              </a:buClr>
+              <a:buSzPct val="80000"/>
+              <a:buFont typeface="Wingdings 3" charset="2"/>
+              <a:buChar char=""/>
+              <a:defRPr sz="1200" kern="1200">
+                <a:solidFill>
+                  <a:schemeClr val="tx1">
+                    <a:lumMod val="75000"/>
+                    <a:lumOff val="25000"/>
+                  </a:schemeClr>
+                </a:solidFill>
+                <a:latin typeface="+mn-lt"/>
+                <a:ea typeface="+mn-ea"/>
+                <a:cs typeface="+mn-cs"/>
+              </a:defRPr>
+            </a:lvl8pPr>
+            <a:lvl9pPr marL="3886200" indent="-228600" algn="l" defTabSz="457200" rtl="0" eaLnBrk="1" latinLnBrk="0" hangingPunct="1">
+              <a:spcBef>
+                <a:spcPts val="1000"/>
+              </a:spcBef>
+              <a:spcAft>
+                <a:spcPts val="0"/>
+              </a:spcAft>
+              <a:buClr>
+                <a:schemeClr val="accent1"/>
+              </a:buClr>
+              <a:buSzPct val="80000"/>
+              <a:buFont typeface="Wingdings 3" charset="2"/>
+              <a:buChar char=""/>
+              <a:defRPr sz="1200" kern="1200">
+                <a:solidFill>
+                  <a:schemeClr val="tx1">
+                    <a:lumMod val="75000"/>
+                    <a:lumOff val="25000"/>
+                  </a:schemeClr>
+                </a:solidFill>
+                <a:latin typeface="+mn-lt"/>
+                <a:ea typeface="+mn-ea"/>
+                <a:cs typeface="+mn-cs"/>
+              </a:defRPr>
+            </a:lvl9pPr>
+          </a:lstStyle>
+          <a:p>
+            <a:pPr marL="0" indent="0">
+              <a:buNone/>
+            </a:pPr>
+            <a:r>
+              <a:rPr lang="it-IT" sz="1600" b="1" dirty="0">
+                <a:solidFill>
+                  <a:schemeClr val="tx1"/>
+                </a:solidFill>
+              </a:rPr>
+              <a:t>The </a:t>
+            </a:r>
+            <a:r>
+              <a:rPr lang="it-IT" sz="1600" b="1" dirty="0" err="1">
+                <a:solidFill>
+                  <a:schemeClr val="tx1"/>
+                </a:solidFill>
+              </a:rPr>
+              <a:t>Catalog</a:t>
+            </a:r>
+            <a:r>
+              <a:rPr lang="it-IT" sz="1600" b="1" dirty="0">
+                <a:solidFill>
+                  <a:schemeClr val="tx1"/>
+                </a:solidFill>
+              </a:rPr>
+              <a:t> </a:t>
+            </a:r>
+            <a:r>
+              <a:rPr lang="it-IT" sz="1600" b="1" dirty="0" err="1">
+                <a:solidFill>
+                  <a:schemeClr val="tx1"/>
+                </a:solidFill>
+              </a:rPr>
+              <a:t>has</a:t>
+            </a:r>
+            <a:r>
+              <a:rPr lang="it-IT" sz="1600" b="1" dirty="0">
+                <a:solidFill>
+                  <a:schemeClr val="tx1"/>
+                </a:solidFill>
+              </a:rPr>
+              <a:t>:</a:t>
+            </a:r>
+          </a:p>
+          <a:p>
+            <a:pPr algn="just"/>
+            <a:r>
+              <a:rPr lang="it-IT" sz="1600" b="1" dirty="0">
+                <a:solidFill>
+                  <a:schemeClr val="tx1"/>
+                </a:solidFill>
+              </a:rPr>
+              <a:t>General Information:</a:t>
+            </a:r>
+          </a:p>
+          <a:p>
+            <a:pPr algn="just"/>
+            <a:endParaRPr lang="it-IT" sz="1600" b="1" dirty="0">
+              <a:solidFill>
+                <a:schemeClr val="tx1"/>
+              </a:solidFill>
+            </a:endParaRPr>
+          </a:p>
+          <a:p>
+            <a:pPr marL="0" indent="0" algn="just">
+              <a:buNone/>
+            </a:pPr>
+            <a:r>
+              <a:rPr lang="it-IT" sz="1600" b="1" dirty="0">
+                <a:solidFill>
+                  <a:schemeClr val="tx1"/>
+                </a:solidFill>
+              </a:rPr>
+              <a:t> </a:t>
+            </a:r>
+            <a:endParaRPr lang="it-IT" sz="1600" dirty="0">
+              <a:solidFill>
+                <a:schemeClr val="tx1"/>
+              </a:solidFill>
+            </a:endParaRPr>
+          </a:p>
+          <a:p>
+            <a:pPr algn="just"/>
+            <a:r>
+              <a:rPr lang="it-IT" sz="1600" b="1" dirty="0">
+                <a:solidFill>
+                  <a:schemeClr val="tx1"/>
+                </a:solidFill>
+              </a:rPr>
+              <a:t>User List:</a:t>
+            </a:r>
+          </a:p>
+          <a:p>
+            <a:pPr algn="just"/>
+            <a:endParaRPr lang="it-IT" sz="1600" b="1" dirty="0">
+              <a:solidFill>
+                <a:schemeClr val="tx1"/>
+              </a:solidFill>
+            </a:endParaRPr>
+          </a:p>
+          <a:p>
+            <a:pPr marL="0" indent="0" algn="just">
+              <a:buNone/>
+            </a:pPr>
+            <a:endParaRPr lang="it-IT" sz="1600" dirty="0">
+              <a:solidFill>
+                <a:schemeClr val="tx1"/>
+              </a:solidFill>
+            </a:endParaRPr>
+          </a:p>
+          <a:p>
+            <a:pPr algn="just"/>
+            <a:r>
+              <a:rPr lang="it-IT" sz="1600" b="1" dirty="0">
+                <a:solidFill>
+                  <a:schemeClr val="tx1"/>
+                </a:solidFill>
+              </a:rPr>
+              <a:t>Device List:</a:t>
+            </a:r>
+            <a:r>
+              <a:rPr lang="it-IT" sz="1600" dirty="0">
+                <a:solidFill>
+                  <a:schemeClr val="tx1"/>
+                </a:solidFill>
+              </a:rPr>
+              <a:t> </a:t>
+            </a:r>
           </a:p>
         </p:txBody>
       </p:sp>
@@ -11283,7 +15224,7 @@
           <p:cNvPr id="2" name="Title 1">
             <a:extLst>
               <a:ext uri="{FF2B5EF4-FFF2-40B4-BE49-F238E27FC236}">
-                <a16:creationId xmlns:a16="http://schemas.microsoft.com/office/drawing/2014/main" id="{4AD76833-9FFF-B3F0-4547-9B5C40CCB86A}"/>
+                <a16:creationId xmlns:a16="http://schemas.microsoft.com/office/drawing/2014/main" id="{6EA38D7D-CC50-65DA-52B6-3A515E298C8B}"/>
               </a:ext>
             </a:extLst>
           </p:cNvPr>
@@ -11299,14 +15240,13 @@
           <a:bodyPr/>
           <a:lstStyle/>
           <a:p>
-            <a:pPr algn="ctr"/>
             <a:r>
               <a:rPr lang="it-IT" dirty="0"/>
-              <a:t>Device </a:t>
+              <a:t>GET </a:t>
             </a:r>
             <a:r>
               <a:rPr lang="it-IT" dirty="0" err="1"/>
-              <a:t>Connectors</a:t>
+              <a:t>method</a:t>
             </a:r>
             <a:endParaRPr lang="it-IT" dirty="0"/>
           </a:p>
@@ -11315,7 +15255,7 @@
     </p:spTree>
     <p:extLst>
       <p:ext uri="{BB962C8B-B14F-4D97-AF65-F5344CB8AC3E}">
-        <p14:creationId xmlns:p14="http://schemas.microsoft.com/office/powerpoint/2010/main" val="505351065"/>
+        <p14:creationId xmlns:p14="http://schemas.microsoft.com/office/powerpoint/2010/main" val="3118411707"/>
       </p:ext>
     </p:extLst>
   </p:cSld>
@@ -11347,7 +15287,7 @@
           <p:cNvPr id="2" name="Title 1">
             <a:extLst>
               <a:ext uri="{FF2B5EF4-FFF2-40B4-BE49-F238E27FC236}">
-                <a16:creationId xmlns:a16="http://schemas.microsoft.com/office/drawing/2014/main" id="{5BB890F9-6811-BCE4-3B1D-F956B98E71D8}"/>
+                <a16:creationId xmlns:a16="http://schemas.microsoft.com/office/drawing/2014/main" id="{84E064C0-3E7D-37D3-FDE0-85CFA9F8D09D}"/>
               </a:ext>
             </a:extLst>
           </p:cNvPr>
@@ -11358,1084 +15298,27 @@
             <p:ph type="title"/>
           </p:nvPr>
         </p:nvSpPr>
-        <p:spPr>
-          <a:xfrm>
-            <a:off x="621350" y="217714"/>
-            <a:ext cx="8596668" cy="1320800"/>
-          </a:xfrm>
-        </p:spPr>
+        <p:spPr/>
         <p:txBody>
           <a:bodyPr/>
           <a:lstStyle/>
           <a:p>
-            <a:pPr algn="ctr"/>
+            <a:r>
+              <a:rPr lang="it-IT" dirty="0"/>
+              <a:t>POST </a:t>
+            </a:r>
             <a:r>
               <a:rPr lang="it-IT" dirty="0" err="1"/>
-              <a:t>Battery</a:t>
-            </a:r>
-            <a:r>
-              <a:rPr lang="it-IT" dirty="0"/>
-              <a:t> </a:t>
-            </a:r>
-            <a:r>
-              <a:rPr lang="it-IT" dirty="0" err="1"/>
-              <a:t>Charger</a:t>
-            </a:r>
-            <a:r>
-              <a:rPr lang="it-IT" dirty="0"/>
-              <a:t> System Control </a:t>
-            </a:r>
+              <a:t>method</a:t>
+            </a:r>
+            <a:endParaRPr lang="it-IT" dirty="0"/>
           </a:p>
         </p:txBody>
       </p:sp>
-      <p:sp>
-        <p:nvSpPr>
-          <p:cNvPr id="4" name="Content Placeholder 5">
-            <a:extLst>
-              <a:ext uri="{FF2B5EF4-FFF2-40B4-BE49-F238E27FC236}">
-                <a16:creationId xmlns:a16="http://schemas.microsoft.com/office/drawing/2014/main" id="{7B81DFB4-4A76-3C93-88C3-C7A4018CE5E8}"/>
-              </a:ext>
-            </a:extLst>
-          </p:cNvPr>
-          <p:cNvSpPr txBox="1">
-            <a:spLocks/>
-          </p:cNvSpPr>
-          <p:nvPr/>
-        </p:nvSpPr>
-        <p:spPr>
-          <a:xfrm>
-            <a:off x="70871" y="913947"/>
-            <a:ext cx="4320154" cy="5706382"/>
-          </a:xfrm>
-          <a:prstGeom prst="rect">
-            <a:avLst/>
-          </a:prstGeom>
-        </p:spPr>
-        <p:txBody>
-          <a:bodyPr/>
-          <a:lstStyle>
-            <a:lvl1pPr marL="342900" indent="-342900" algn="l" defTabSz="457200" rtl="0" eaLnBrk="1" latinLnBrk="0" hangingPunct="1">
-              <a:spcBef>
-                <a:spcPts val="1000"/>
-              </a:spcBef>
-              <a:spcAft>
-                <a:spcPts val="0"/>
-              </a:spcAft>
-              <a:buClr>
-                <a:schemeClr val="accent1"/>
-              </a:buClr>
-              <a:buSzPct val="80000"/>
-              <a:buFont typeface="Wingdings 3" charset="2"/>
-              <a:buChar char=""/>
-              <a:defRPr sz="1800" kern="1200">
-                <a:solidFill>
-                  <a:schemeClr val="tx1">
-                    <a:lumMod val="75000"/>
-                    <a:lumOff val="25000"/>
-                  </a:schemeClr>
-                </a:solidFill>
-                <a:latin typeface="+mn-lt"/>
-                <a:ea typeface="+mn-ea"/>
-                <a:cs typeface="+mn-cs"/>
-              </a:defRPr>
-            </a:lvl1pPr>
-            <a:lvl2pPr marL="742950" indent="-285750" algn="l" defTabSz="457200" rtl="0" eaLnBrk="1" latinLnBrk="0" hangingPunct="1">
-              <a:spcBef>
-                <a:spcPts val="1000"/>
-              </a:spcBef>
-              <a:spcAft>
-                <a:spcPts val="0"/>
-              </a:spcAft>
-              <a:buClr>
-                <a:schemeClr val="accent1"/>
-              </a:buClr>
-              <a:buSzPct val="80000"/>
-              <a:buFont typeface="Wingdings 3" charset="2"/>
-              <a:buChar char=""/>
-              <a:defRPr sz="1600" kern="1200">
-                <a:solidFill>
-                  <a:schemeClr val="tx1">
-                    <a:lumMod val="75000"/>
-                    <a:lumOff val="25000"/>
-                  </a:schemeClr>
-                </a:solidFill>
-                <a:latin typeface="+mn-lt"/>
-                <a:ea typeface="+mn-ea"/>
-                <a:cs typeface="+mn-cs"/>
-              </a:defRPr>
-            </a:lvl2pPr>
-            <a:lvl3pPr marL="1143000" indent="-228600" algn="l" defTabSz="457200" rtl="0" eaLnBrk="1" latinLnBrk="0" hangingPunct="1">
-              <a:spcBef>
-                <a:spcPts val="1000"/>
-              </a:spcBef>
-              <a:spcAft>
-                <a:spcPts val="0"/>
-              </a:spcAft>
-              <a:buClr>
-                <a:schemeClr val="accent1"/>
-              </a:buClr>
-              <a:buSzPct val="80000"/>
-              <a:buFont typeface="Wingdings 3" charset="2"/>
-              <a:buChar char=""/>
-              <a:defRPr sz="1400" kern="1200">
-                <a:solidFill>
-                  <a:schemeClr val="tx1">
-                    <a:lumMod val="75000"/>
-                    <a:lumOff val="25000"/>
-                  </a:schemeClr>
-                </a:solidFill>
-                <a:latin typeface="+mn-lt"/>
-                <a:ea typeface="+mn-ea"/>
-                <a:cs typeface="+mn-cs"/>
-              </a:defRPr>
-            </a:lvl3pPr>
-            <a:lvl4pPr marL="1600200" indent="-228600" algn="l" defTabSz="457200" rtl="0" eaLnBrk="1" latinLnBrk="0" hangingPunct="1">
-              <a:spcBef>
-                <a:spcPts val="1000"/>
-              </a:spcBef>
-              <a:spcAft>
-                <a:spcPts val="0"/>
-              </a:spcAft>
-              <a:buClr>
-                <a:schemeClr val="accent1"/>
-              </a:buClr>
-              <a:buSzPct val="80000"/>
-              <a:buFont typeface="Wingdings 3" charset="2"/>
-              <a:buChar char=""/>
-              <a:defRPr sz="1200" kern="1200">
-                <a:solidFill>
-                  <a:schemeClr val="tx1">
-                    <a:lumMod val="75000"/>
-                    <a:lumOff val="25000"/>
-                  </a:schemeClr>
-                </a:solidFill>
-                <a:latin typeface="+mn-lt"/>
-                <a:ea typeface="+mn-ea"/>
-                <a:cs typeface="+mn-cs"/>
-              </a:defRPr>
-            </a:lvl4pPr>
-            <a:lvl5pPr marL="2057400" indent="-228600" algn="l" defTabSz="457200" rtl="0" eaLnBrk="1" latinLnBrk="0" hangingPunct="1">
-              <a:spcBef>
-                <a:spcPts val="1000"/>
-              </a:spcBef>
-              <a:spcAft>
-                <a:spcPts val="0"/>
-              </a:spcAft>
-              <a:buClr>
-                <a:schemeClr val="accent1"/>
-              </a:buClr>
-              <a:buSzPct val="80000"/>
-              <a:buFont typeface="Wingdings 3" charset="2"/>
-              <a:buChar char=""/>
-              <a:defRPr sz="1200" kern="1200">
-                <a:solidFill>
-                  <a:schemeClr val="tx1">
-                    <a:lumMod val="75000"/>
-                    <a:lumOff val="25000"/>
-                  </a:schemeClr>
-                </a:solidFill>
-                <a:latin typeface="+mn-lt"/>
-                <a:ea typeface="+mn-ea"/>
-                <a:cs typeface="+mn-cs"/>
-              </a:defRPr>
-            </a:lvl5pPr>
-            <a:lvl6pPr marL="2514600" indent="-228600" algn="l" defTabSz="457200" rtl="0" eaLnBrk="1" latinLnBrk="0" hangingPunct="1">
-              <a:spcBef>
-                <a:spcPts val="1000"/>
-              </a:spcBef>
-              <a:spcAft>
-                <a:spcPts val="0"/>
-              </a:spcAft>
-              <a:buClr>
-                <a:schemeClr val="accent1"/>
-              </a:buClr>
-              <a:buSzPct val="80000"/>
-              <a:buFont typeface="Wingdings 3" charset="2"/>
-              <a:buChar char=""/>
-              <a:defRPr sz="1200" kern="1200">
-                <a:solidFill>
-                  <a:schemeClr val="tx1">
-                    <a:lumMod val="75000"/>
-                    <a:lumOff val="25000"/>
-                  </a:schemeClr>
-                </a:solidFill>
-                <a:latin typeface="+mn-lt"/>
-                <a:ea typeface="+mn-ea"/>
-                <a:cs typeface="+mn-cs"/>
-              </a:defRPr>
-            </a:lvl6pPr>
-            <a:lvl7pPr marL="2971800" indent="-228600" algn="l" defTabSz="457200" rtl="0" eaLnBrk="1" latinLnBrk="0" hangingPunct="1">
-              <a:spcBef>
-                <a:spcPts val="1000"/>
-              </a:spcBef>
-              <a:spcAft>
-                <a:spcPts val="0"/>
-              </a:spcAft>
-              <a:buClr>
-                <a:schemeClr val="accent1"/>
-              </a:buClr>
-              <a:buSzPct val="80000"/>
-              <a:buFont typeface="Wingdings 3" charset="2"/>
-              <a:buChar char=""/>
-              <a:defRPr sz="1200" kern="1200">
-                <a:solidFill>
-                  <a:schemeClr val="tx1">
-                    <a:lumMod val="75000"/>
-                    <a:lumOff val="25000"/>
-                  </a:schemeClr>
-                </a:solidFill>
-                <a:latin typeface="+mn-lt"/>
-                <a:ea typeface="+mn-ea"/>
-                <a:cs typeface="+mn-cs"/>
-              </a:defRPr>
-            </a:lvl7pPr>
-            <a:lvl8pPr marL="3429000" indent="-228600" algn="l" defTabSz="457200" rtl="0" eaLnBrk="1" latinLnBrk="0" hangingPunct="1">
-              <a:spcBef>
-                <a:spcPts val="1000"/>
-              </a:spcBef>
-              <a:spcAft>
-                <a:spcPts val="0"/>
-              </a:spcAft>
-              <a:buClr>
-                <a:schemeClr val="accent1"/>
-              </a:buClr>
-              <a:buSzPct val="80000"/>
-              <a:buFont typeface="Wingdings 3" charset="2"/>
-              <a:buChar char=""/>
-              <a:defRPr sz="1200" kern="1200">
-                <a:solidFill>
-                  <a:schemeClr val="tx1">
-                    <a:lumMod val="75000"/>
-                    <a:lumOff val="25000"/>
-                  </a:schemeClr>
-                </a:solidFill>
-                <a:latin typeface="+mn-lt"/>
-                <a:ea typeface="+mn-ea"/>
-                <a:cs typeface="+mn-cs"/>
-              </a:defRPr>
-            </a:lvl8pPr>
-            <a:lvl9pPr marL="3886200" indent="-228600" algn="l" defTabSz="457200" rtl="0" eaLnBrk="1" latinLnBrk="0" hangingPunct="1">
-              <a:spcBef>
-                <a:spcPts val="1000"/>
-              </a:spcBef>
-              <a:spcAft>
-                <a:spcPts val="0"/>
-              </a:spcAft>
-              <a:buClr>
-                <a:schemeClr val="accent1"/>
-              </a:buClr>
-              <a:buSzPct val="80000"/>
-              <a:buFont typeface="Wingdings 3" charset="2"/>
-              <a:buChar char=""/>
-              <a:defRPr sz="1200" kern="1200">
-                <a:solidFill>
-                  <a:schemeClr val="tx1">
-                    <a:lumMod val="75000"/>
-                    <a:lumOff val="25000"/>
-                  </a:schemeClr>
-                </a:solidFill>
-                <a:latin typeface="+mn-lt"/>
-                <a:ea typeface="+mn-ea"/>
-                <a:cs typeface="+mn-cs"/>
-              </a:defRPr>
-            </a:lvl9pPr>
-          </a:lstStyle>
-          <a:p>
-            <a:pPr marL="0" indent="0">
-              <a:buNone/>
-            </a:pPr>
-            <a:r>
-              <a:rPr lang="it-IT" sz="1600" b="1" dirty="0" err="1">
-                <a:solidFill>
-                  <a:schemeClr val="tx1"/>
-                </a:solidFill>
-              </a:rPr>
-              <a:t>Communication</a:t>
-            </a:r>
-            <a:r>
-              <a:rPr lang="it-IT" sz="1600" b="1" dirty="0">
-                <a:solidFill>
-                  <a:schemeClr val="tx1"/>
-                </a:solidFill>
-              </a:rPr>
-              <a:t> with:</a:t>
-            </a:r>
-          </a:p>
-          <a:p>
-            <a:pPr algn="just"/>
-            <a:r>
-              <a:rPr lang="it-IT" sz="1600" b="1" dirty="0" err="1">
-                <a:solidFill>
-                  <a:schemeClr val="tx1"/>
-                </a:solidFill>
-              </a:rPr>
-              <a:t>Sensors</a:t>
-            </a:r>
-            <a:r>
-              <a:rPr lang="it-IT" sz="1600" b="1" dirty="0">
-                <a:solidFill>
-                  <a:schemeClr val="tx1"/>
-                </a:solidFill>
-              </a:rPr>
-              <a:t>: </a:t>
-            </a:r>
-            <a:r>
-              <a:rPr lang="it-IT" sz="1600" dirty="0" err="1">
-                <a:solidFill>
-                  <a:schemeClr val="tx1"/>
-                </a:solidFill>
-              </a:rPr>
-              <a:t>Retrieves</a:t>
-            </a:r>
-            <a:r>
-              <a:rPr lang="it-IT" sz="1600" dirty="0">
-                <a:solidFill>
-                  <a:schemeClr val="tx1"/>
-                </a:solidFill>
-              </a:rPr>
-              <a:t> data from </a:t>
-            </a:r>
-            <a:r>
-              <a:rPr lang="it-IT" sz="1600" dirty="0" err="1">
-                <a:solidFill>
-                  <a:schemeClr val="tx1"/>
-                </a:solidFill>
-              </a:rPr>
-              <a:t>sensors</a:t>
-            </a:r>
-            <a:r>
-              <a:rPr lang="it-IT" sz="1600" dirty="0">
-                <a:solidFill>
-                  <a:schemeClr val="tx1"/>
-                </a:solidFill>
-              </a:rPr>
-              <a:t> and </a:t>
-            </a:r>
-            <a:r>
-              <a:rPr lang="it-IT" sz="1600" dirty="0" err="1">
-                <a:solidFill>
-                  <a:schemeClr val="tx1"/>
-                </a:solidFill>
-              </a:rPr>
-              <a:t>process</a:t>
-            </a:r>
-            <a:r>
-              <a:rPr lang="it-IT" sz="1600" dirty="0">
-                <a:solidFill>
-                  <a:schemeClr val="tx1"/>
-                </a:solidFill>
-              </a:rPr>
-              <a:t> </a:t>
-            </a:r>
-            <a:r>
-              <a:rPr lang="it-IT" sz="1600" dirty="0" err="1">
-                <a:solidFill>
-                  <a:schemeClr val="tx1"/>
-                </a:solidFill>
-              </a:rPr>
-              <a:t>them</a:t>
-            </a:r>
-            <a:r>
-              <a:rPr lang="it-IT" sz="1600" dirty="0">
-                <a:solidFill>
-                  <a:schemeClr val="tx1"/>
-                </a:solidFill>
-              </a:rPr>
-              <a:t>.</a:t>
-            </a:r>
-          </a:p>
-          <a:p>
-            <a:pPr algn="just"/>
-            <a:r>
-              <a:rPr lang="it-IT" sz="1600" b="1" dirty="0" err="1">
-                <a:solidFill>
-                  <a:schemeClr val="tx1"/>
-                </a:solidFill>
-              </a:rPr>
-              <a:t>Actuator</a:t>
-            </a:r>
-            <a:r>
-              <a:rPr lang="it-IT" sz="1600" b="1" dirty="0">
-                <a:solidFill>
-                  <a:schemeClr val="tx1"/>
-                </a:solidFill>
-              </a:rPr>
-              <a:t>: </a:t>
-            </a:r>
-            <a:r>
-              <a:rPr lang="it-IT" sz="1600" dirty="0" err="1">
-                <a:solidFill>
-                  <a:schemeClr val="tx1"/>
-                </a:solidFill>
-              </a:rPr>
-              <a:t>Sends</a:t>
-            </a:r>
-            <a:r>
-              <a:rPr lang="it-IT" sz="1600" dirty="0">
-                <a:solidFill>
-                  <a:schemeClr val="tx1"/>
-                </a:solidFill>
-              </a:rPr>
-              <a:t> </a:t>
-            </a:r>
-            <a:r>
-              <a:rPr lang="it-IT" sz="1600" dirty="0" err="1">
-                <a:solidFill>
-                  <a:schemeClr val="tx1"/>
-                </a:solidFill>
-              </a:rPr>
-              <a:t>command</a:t>
-            </a:r>
-            <a:r>
-              <a:rPr lang="it-IT" sz="1600" dirty="0">
-                <a:solidFill>
-                  <a:schemeClr val="tx1"/>
-                </a:solidFill>
-              </a:rPr>
-              <a:t> to the </a:t>
-            </a:r>
-            <a:r>
-              <a:rPr lang="it-IT" sz="1600" dirty="0" err="1">
-                <a:solidFill>
-                  <a:schemeClr val="tx1"/>
-                </a:solidFill>
-              </a:rPr>
-              <a:t>actuator</a:t>
-            </a:r>
-            <a:r>
-              <a:rPr lang="it-IT" sz="1600" dirty="0">
-                <a:solidFill>
-                  <a:schemeClr val="tx1"/>
-                </a:solidFill>
-              </a:rPr>
-              <a:t> (On/Off).</a:t>
-            </a:r>
-          </a:p>
-          <a:p>
-            <a:pPr algn="just"/>
-            <a:r>
-              <a:rPr lang="it-IT" sz="1600" b="1" dirty="0">
-                <a:solidFill>
-                  <a:schemeClr val="tx1"/>
-                </a:solidFill>
-              </a:rPr>
-              <a:t>User: </a:t>
-            </a:r>
-            <a:r>
-              <a:rPr lang="it-IT" sz="1600" dirty="0" err="1">
-                <a:solidFill>
-                  <a:schemeClr val="tx1"/>
-                </a:solidFill>
-              </a:rPr>
-              <a:t>Retrieves</a:t>
-            </a:r>
-            <a:r>
-              <a:rPr lang="it-IT" sz="1600" dirty="0">
-                <a:solidFill>
-                  <a:schemeClr val="tx1"/>
-                </a:solidFill>
-              </a:rPr>
-              <a:t> data </a:t>
-            </a:r>
-            <a:r>
-              <a:rPr lang="it-IT" sz="1600" dirty="0" err="1">
-                <a:solidFill>
-                  <a:schemeClr val="tx1"/>
-                </a:solidFill>
-              </a:rPr>
-              <a:t>about</a:t>
-            </a:r>
-            <a:r>
-              <a:rPr lang="it-IT" sz="1600" dirty="0">
-                <a:solidFill>
-                  <a:schemeClr val="tx1"/>
-                </a:solidFill>
-              </a:rPr>
-              <a:t> </a:t>
-            </a:r>
-            <a:r>
-              <a:rPr lang="it-IT" sz="1600" dirty="0" err="1">
-                <a:solidFill>
-                  <a:schemeClr val="tx1"/>
-                </a:solidFill>
-              </a:rPr>
-              <a:t>what</a:t>
-            </a:r>
-            <a:r>
-              <a:rPr lang="it-IT" sz="1600" dirty="0">
-                <a:solidFill>
-                  <a:schemeClr val="tx1"/>
-                </a:solidFill>
-              </a:rPr>
-              <a:t> the user </a:t>
-            </a:r>
-            <a:r>
-              <a:rPr lang="it-IT" sz="1600" dirty="0" err="1">
-                <a:solidFill>
-                  <a:schemeClr val="tx1"/>
-                </a:solidFill>
-              </a:rPr>
-              <a:t>want</a:t>
-            </a:r>
-            <a:r>
-              <a:rPr lang="it-IT" sz="1600" dirty="0">
-                <a:solidFill>
-                  <a:schemeClr val="tx1"/>
-                </a:solidFill>
-              </a:rPr>
-              <a:t> </a:t>
-            </a:r>
-            <a:r>
-              <a:rPr lang="it-IT" sz="1600" dirty="0" err="1">
-                <a:solidFill>
-                  <a:schemeClr val="tx1"/>
-                </a:solidFill>
-              </a:rPr>
-              <a:t>through</a:t>
-            </a:r>
-            <a:r>
-              <a:rPr lang="it-IT" sz="1600" dirty="0">
-                <a:solidFill>
-                  <a:schemeClr val="tx1"/>
-                </a:solidFill>
-              </a:rPr>
-              <a:t> User </a:t>
-            </a:r>
-            <a:r>
-              <a:rPr lang="it-IT" sz="1600" dirty="0" err="1">
-                <a:solidFill>
-                  <a:schemeClr val="tx1"/>
-                </a:solidFill>
-              </a:rPr>
-              <a:t>Awareness</a:t>
-            </a:r>
-            <a:r>
-              <a:rPr lang="it-IT" sz="1600" dirty="0">
-                <a:solidFill>
-                  <a:schemeClr val="tx1"/>
-                </a:solidFill>
-              </a:rPr>
-              <a:t> </a:t>
-            </a:r>
-            <a:r>
-              <a:rPr lang="it-IT" sz="1600" dirty="0" err="1">
-                <a:solidFill>
-                  <a:schemeClr val="tx1"/>
-                </a:solidFill>
-              </a:rPr>
-              <a:t>interface</a:t>
-            </a:r>
-            <a:r>
-              <a:rPr lang="it-IT" sz="1600" dirty="0">
-                <a:solidFill>
-                  <a:schemeClr val="tx1"/>
-                </a:solidFill>
-              </a:rPr>
-              <a:t> (</a:t>
-            </a:r>
-            <a:r>
-              <a:rPr lang="it-IT" sz="1600" dirty="0" err="1">
-                <a:solidFill>
-                  <a:schemeClr val="tx1"/>
-                </a:solidFill>
-              </a:rPr>
-              <a:t>Node</a:t>
-            </a:r>
-            <a:r>
-              <a:rPr lang="it-IT" sz="1600" dirty="0">
-                <a:solidFill>
-                  <a:schemeClr val="tx1"/>
-                </a:solidFill>
-              </a:rPr>
-              <a:t>-red and Telegram - </a:t>
-            </a:r>
-            <a:r>
-              <a:rPr lang="it-IT" sz="1600" dirty="0" err="1">
-                <a:solidFill>
-                  <a:schemeClr val="tx1"/>
-                </a:solidFill>
-              </a:rPr>
-              <a:t>ManualFlag</a:t>
-            </a:r>
-            <a:r>
-              <a:rPr lang="it-IT" sz="1600" dirty="0">
-                <a:solidFill>
-                  <a:schemeClr val="tx1"/>
-                </a:solidFill>
-              </a:rPr>
-              <a:t>). </a:t>
-            </a:r>
-          </a:p>
-          <a:p>
-            <a:pPr algn="just"/>
-            <a:r>
-              <a:rPr lang="it-IT" sz="1600" b="1" dirty="0" err="1">
-                <a:solidFill>
-                  <a:schemeClr val="tx1"/>
-                </a:solidFill>
-              </a:rPr>
-              <a:t>Catalog</a:t>
-            </a:r>
-            <a:r>
-              <a:rPr lang="it-IT" sz="1600" dirty="0">
-                <a:solidFill>
-                  <a:schemeClr val="tx1"/>
-                </a:solidFill>
-              </a:rPr>
-              <a:t>: </a:t>
-            </a:r>
-            <a:r>
-              <a:rPr lang="it-IT" sz="1600" dirty="0" err="1">
-                <a:solidFill>
-                  <a:schemeClr val="tx1"/>
-                </a:solidFill>
-              </a:rPr>
-              <a:t>Retrieves</a:t>
-            </a:r>
-            <a:r>
-              <a:rPr lang="it-IT" sz="1600" dirty="0">
-                <a:solidFill>
-                  <a:schemeClr val="tx1"/>
-                </a:solidFill>
-              </a:rPr>
-              <a:t> data of the user and general data of the </a:t>
-            </a:r>
-            <a:r>
-              <a:rPr lang="it-IT" sz="1600" dirty="0" err="1">
-                <a:solidFill>
-                  <a:schemeClr val="tx1"/>
-                </a:solidFill>
-              </a:rPr>
-              <a:t>application</a:t>
-            </a:r>
-            <a:r>
-              <a:rPr lang="it-IT" sz="1600" dirty="0">
-                <a:solidFill>
-                  <a:schemeClr val="tx1"/>
-                </a:solidFill>
-              </a:rPr>
-              <a:t>; and </a:t>
-            </a:r>
-            <a:r>
-              <a:rPr lang="it-IT" sz="1600" dirty="0" err="1">
-                <a:solidFill>
-                  <a:schemeClr val="tx1"/>
-                </a:solidFill>
-              </a:rPr>
-              <a:t>publish</a:t>
-            </a:r>
-            <a:r>
-              <a:rPr lang="it-IT" sz="1600" dirty="0">
-                <a:solidFill>
-                  <a:schemeClr val="tx1"/>
-                </a:solidFill>
-              </a:rPr>
-              <a:t> the </a:t>
-            </a:r>
-            <a:r>
-              <a:rPr lang="it-IT" sz="1600" dirty="0" err="1">
-                <a:solidFill>
-                  <a:schemeClr val="tx1"/>
-                </a:solidFill>
-              </a:rPr>
-              <a:t>value</a:t>
-            </a:r>
-            <a:r>
-              <a:rPr lang="it-IT" sz="1600" dirty="0">
-                <a:solidFill>
-                  <a:schemeClr val="tx1"/>
-                </a:solidFill>
-              </a:rPr>
-              <a:t> of the </a:t>
-            </a:r>
-            <a:r>
-              <a:rPr lang="it-IT" sz="1600" dirty="0" err="1">
-                <a:solidFill>
-                  <a:schemeClr val="tx1"/>
-                </a:solidFill>
-              </a:rPr>
-              <a:t>actuator</a:t>
-            </a:r>
-            <a:r>
-              <a:rPr lang="it-IT" sz="1600" dirty="0">
-                <a:solidFill>
-                  <a:schemeClr val="tx1"/>
-                </a:solidFill>
-              </a:rPr>
-              <a:t> </a:t>
-            </a:r>
-            <a:r>
-              <a:rPr lang="it-IT" sz="1600" dirty="0" err="1">
-                <a:solidFill>
-                  <a:schemeClr val="tx1"/>
-                </a:solidFill>
-              </a:rPr>
-              <a:t>computed</a:t>
-            </a:r>
-            <a:r>
-              <a:rPr lang="it-IT" sz="1600" dirty="0">
-                <a:solidFill>
-                  <a:schemeClr val="tx1"/>
-                </a:solidFill>
-              </a:rPr>
-              <a:t>.</a:t>
-            </a:r>
-          </a:p>
-          <a:p>
-            <a:pPr algn="just"/>
-            <a:r>
-              <a:rPr lang="it-IT" sz="1600" b="1" dirty="0">
-                <a:solidFill>
-                  <a:schemeClr val="tx1"/>
-                </a:solidFill>
-              </a:rPr>
-              <a:t>Control Strategy Agenda: </a:t>
-            </a:r>
-            <a:r>
-              <a:rPr lang="it-IT" sz="1600" dirty="0" err="1">
-                <a:solidFill>
-                  <a:schemeClr val="tx1"/>
-                </a:solidFill>
-              </a:rPr>
-              <a:t>Retrieves</a:t>
-            </a:r>
-            <a:r>
-              <a:rPr lang="it-IT" sz="1600" dirty="0">
-                <a:solidFill>
-                  <a:schemeClr val="tx1"/>
-                </a:solidFill>
-              </a:rPr>
-              <a:t> the </a:t>
-            </a:r>
-            <a:r>
-              <a:rPr lang="it-IT" sz="1600" dirty="0" err="1">
-                <a:solidFill>
-                  <a:schemeClr val="tx1"/>
-                </a:solidFill>
-              </a:rPr>
-              <a:t>value</a:t>
-            </a:r>
-            <a:r>
-              <a:rPr lang="it-IT" sz="1600" dirty="0">
-                <a:solidFill>
-                  <a:schemeClr val="tx1"/>
-                </a:solidFill>
-              </a:rPr>
-              <a:t> of the </a:t>
-            </a:r>
-            <a:r>
-              <a:rPr lang="it-IT" sz="1600" dirty="0" err="1">
-                <a:solidFill>
-                  <a:schemeClr val="tx1"/>
-                </a:solidFill>
-              </a:rPr>
-              <a:t>percentage</a:t>
-            </a:r>
-            <a:r>
-              <a:rPr lang="it-IT" sz="1600" dirty="0">
-                <a:solidFill>
-                  <a:schemeClr val="tx1"/>
-                </a:solidFill>
-              </a:rPr>
-              <a:t> of </a:t>
-            </a:r>
-            <a:r>
-              <a:rPr lang="it-IT" sz="1600" dirty="0" err="1">
-                <a:solidFill>
-                  <a:schemeClr val="tx1"/>
-                </a:solidFill>
-              </a:rPr>
-              <a:t>battery</a:t>
-            </a:r>
-            <a:r>
-              <a:rPr lang="it-IT" sz="1600" dirty="0">
-                <a:solidFill>
-                  <a:schemeClr val="tx1"/>
-                </a:solidFill>
-              </a:rPr>
-              <a:t> </a:t>
-            </a:r>
-            <a:r>
-              <a:rPr lang="it-IT" sz="1600" dirty="0" err="1">
-                <a:solidFill>
-                  <a:schemeClr val="tx1"/>
-                </a:solidFill>
-              </a:rPr>
-              <a:t>necessary</a:t>
-            </a:r>
-            <a:r>
-              <a:rPr lang="it-IT" sz="1600" dirty="0">
-                <a:solidFill>
-                  <a:schemeClr val="tx1"/>
-                </a:solidFill>
-              </a:rPr>
-              <a:t> in </a:t>
-            </a:r>
-            <a:r>
-              <a:rPr lang="it-IT" sz="1600" dirty="0" err="1">
-                <a:solidFill>
-                  <a:schemeClr val="tx1"/>
-                </a:solidFill>
-              </a:rPr>
-              <a:t>this</a:t>
-            </a:r>
-            <a:r>
-              <a:rPr lang="it-IT" sz="1600" dirty="0">
-                <a:solidFill>
-                  <a:schemeClr val="tx1"/>
-                </a:solidFill>
-              </a:rPr>
-              <a:t> day </a:t>
-            </a:r>
-            <a:r>
-              <a:rPr lang="it-IT" sz="1600" dirty="0" err="1">
-                <a:solidFill>
-                  <a:schemeClr val="tx1"/>
-                </a:solidFill>
-              </a:rPr>
-              <a:t>according</a:t>
-            </a:r>
-            <a:r>
-              <a:rPr lang="it-IT" sz="1600" dirty="0">
-                <a:solidFill>
-                  <a:schemeClr val="tx1"/>
-                </a:solidFill>
-              </a:rPr>
-              <a:t> to the Agenda of the user.  </a:t>
-            </a:r>
-          </a:p>
-          <a:p>
-            <a:pPr marL="0" indent="0">
-              <a:buNone/>
-            </a:pPr>
-            <a:r>
-              <a:rPr lang="it-IT" sz="1600" b="1" dirty="0" err="1">
-                <a:solidFill>
-                  <a:schemeClr val="tx1"/>
-                </a:solidFill>
-              </a:rPr>
-              <a:t>Main</a:t>
-            </a:r>
-            <a:r>
-              <a:rPr lang="it-IT" sz="1600" b="1" dirty="0">
-                <a:solidFill>
-                  <a:schemeClr val="tx1"/>
-                </a:solidFill>
-              </a:rPr>
-              <a:t> </a:t>
-            </a:r>
-            <a:r>
-              <a:rPr lang="it-IT" sz="1600" b="1" dirty="0" err="1">
-                <a:solidFill>
-                  <a:schemeClr val="tx1"/>
-                </a:solidFill>
-              </a:rPr>
-              <a:t>role</a:t>
-            </a:r>
-            <a:r>
-              <a:rPr lang="it-IT" sz="1600" b="1" dirty="0">
-                <a:solidFill>
-                  <a:schemeClr val="tx1"/>
-                </a:solidFill>
-              </a:rPr>
-              <a:t>:</a:t>
-            </a:r>
-          </a:p>
-          <a:p>
-            <a:pPr marL="0" indent="0">
-              <a:buNone/>
-            </a:pPr>
-            <a:r>
-              <a:rPr lang="it-IT" sz="1600" dirty="0" err="1">
-                <a:solidFill>
-                  <a:schemeClr val="tx1"/>
-                </a:solidFill>
-              </a:rPr>
-              <a:t>Retrieve</a:t>
-            </a:r>
-            <a:r>
-              <a:rPr lang="it-IT" sz="1600" dirty="0">
-                <a:solidFill>
-                  <a:schemeClr val="tx1"/>
-                </a:solidFill>
-              </a:rPr>
-              <a:t> data and </a:t>
-            </a:r>
-            <a:r>
-              <a:rPr lang="it-IT" sz="1600" dirty="0" err="1">
-                <a:solidFill>
-                  <a:schemeClr val="tx1"/>
-                </a:solidFill>
-              </a:rPr>
-              <a:t>choose</a:t>
-            </a:r>
-            <a:r>
-              <a:rPr lang="it-IT" sz="1600" dirty="0">
-                <a:solidFill>
-                  <a:schemeClr val="tx1"/>
-                </a:solidFill>
-              </a:rPr>
-              <a:t> </a:t>
-            </a:r>
-            <a:r>
-              <a:rPr lang="it-IT" sz="1600" dirty="0" err="1">
-                <a:solidFill>
-                  <a:schemeClr val="tx1"/>
-                </a:solidFill>
-              </a:rPr>
-              <a:t>if</a:t>
-            </a:r>
-            <a:r>
-              <a:rPr lang="it-IT" sz="1600" dirty="0">
-                <a:solidFill>
-                  <a:schemeClr val="tx1"/>
-                </a:solidFill>
-              </a:rPr>
-              <a:t> the car must be in </a:t>
-            </a:r>
-            <a:r>
-              <a:rPr lang="it-IT" sz="1600" dirty="0" err="1">
-                <a:solidFill>
-                  <a:schemeClr val="tx1"/>
-                </a:solidFill>
-              </a:rPr>
-              <a:t>charge</a:t>
-            </a:r>
-            <a:r>
-              <a:rPr lang="it-IT" sz="1600" dirty="0">
-                <a:solidFill>
-                  <a:schemeClr val="tx1"/>
-                </a:solidFill>
-              </a:rPr>
-              <a:t> or </a:t>
-            </a:r>
-            <a:r>
-              <a:rPr lang="it-IT" sz="1600" dirty="0" err="1">
-                <a:solidFill>
-                  <a:schemeClr val="tx1"/>
-                </a:solidFill>
-              </a:rPr>
-              <a:t>not</a:t>
-            </a:r>
-            <a:r>
-              <a:rPr lang="it-IT" sz="1600" dirty="0">
-                <a:solidFill>
-                  <a:schemeClr val="tx1"/>
-                </a:solidFill>
-              </a:rPr>
-              <a:t> </a:t>
-            </a:r>
-            <a:r>
-              <a:rPr lang="it-IT" sz="1600" dirty="0" err="1">
-                <a:solidFill>
-                  <a:schemeClr val="tx1"/>
-                </a:solidFill>
-              </a:rPr>
-              <a:t>according</a:t>
-            </a:r>
-            <a:r>
-              <a:rPr lang="it-IT" sz="1600" dirty="0">
-                <a:solidFill>
-                  <a:schemeClr val="tx1"/>
-                </a:solidFill>
-              </a:rPr>
-              <a:t> to the </a:t>
-            </a:r>
-            <a:r>
-              <a:rPr lang="it-IT" sz="1600" dirty="0" err="1">
-                <a:solidFill>
-                  <a:schemeClr val="tx1"/>
-                </a:solidFill>
-              </a:rPr>
-              <a:t>logic</a:t>
-            </a:r>
-            <a:r>
-              <a:rPr lang="it-IT" sz="1600" dirty="0">
-                <a:solidFill>
-                  <a:schemeClr val="tx1"/>
-                </a:solidFill>
-              </a:rPr>
-              <a:t> </a:t>
-            </a:r>
-            <a:r>
-              <a:rPr lang="it-IT" sz="1600" dirty="0" err="1">
-                <a:solidFill>
-                  <a:schemeClr val="tx1"/>
-                </a:solidFill>
-              </a:rPr>
-              <a:t>reported</a:t>
-            </a:r>
-            <a:r>
-              <a:rPr lang="it-IT" sz="1600" dirty="0">
-                <a:solidFill>
-                  <a:schemeClr val="tx1"/>
-                </a:solidFill>
-              </a:rPr>
-              <a:t> on the </a:t>
-            </a:r>
-            <a:r>
-              <a:rPr lang="it-IT" sz="1600" dirty="0" err="1">
-                <a:solidFill>
-                  <a:schemeClr val="tx1"/>
-                </a:solidFill>
-              </a:rPr>
-              <a:t>right</a:t>
-            </a:r>
-            <a:r>
-              <a:rPr lang="it-IT" sz="1600" dirty="0">
-                <a:solidFill>
-                  <a:schemeClr val="tx1"/>
-                </a:solidFill>
-              </a:rPr>
-              <a:t>. </a:t>
-            </a:r>
-          </a:p>
-        </p:txBody>
-      </p:sp>
-      <p:pic>
-        <p:nvPicPr>
-          <p:cNvPr id="6" name="Picture 5">
-            <a:extLst>
-              <a:ext uri="{FF2B5EF4-FFF2-40B4-BE49-F238E27FC236}">
-                <a16:creationId xmlns:a16="http://schemas.microsoft.com/office/drawing/2014/main" id="{4FFF959A-E193-C8AC-906E-32E3540E3647}"/>
-              </a:ext>
-            </a:extLst>
-          </p:cNvPr>
-          <p:cNvPicPr>
-            <a:picLocks noChangeAspect="1"/>
-          </p:cNvPicPr>
-          <p:nvPr/>
-        </p:nvPicPr>
-        <p:blipFill>
-          <a:blip r:embed="rId2"/>
-          <a:stretch>
-            <a:fillRect/>
-          </a:stretch>
-        </p:blipFill>
-        <p:spPr>
-          <a:xfrm>
-            <a:off x="4514850" y="1218293"/>
-            <a:ext cx="7055800" cy="4608926"/>
-          </a:xfrm>
-          <a:prstGeom prst="rect">
-            <a:avLst/>
-          </a:prstGeom>
-          <a:ln>
-            <a:noFill/>
-          </a:ln>
-          <a:effectLst>
-            <a:outerShdw blurRad="292100" dist="139700" dir="2700000" algn="tl" rotWithShape="0">
-              <a:srgbClr val="333333">
-                <a:alpha val="65000"/>
-              </a:srgbClr>
-            </a:outerShdw>
-          </a:effectLst>
-        </p:spPr>
-      </p:pic>
     </p:spTree>
     <p:extLst>
       <p:ext uri="{BB962C8B-B14F-4D97-AF65-F5344CB8AC3E}">
-        <p14:creationId xmlns:p14="http://schemas.microsoft.com/office/powerpoint/2010/main" val="1903414614"/>
+        <p14:creationId xmlns:p14="http://schemas.microsoft.com/office/powerpoint/2010/main" val="4057401926"/>
       </p:ext>
     </p:extLst>
   </p:cSld>
@@ -12467,7 +15350,7 @@
           <p:cNvPr id="2" name="Title 1">
             <a:extLst>
               <a:ext uri="{FF2B5EF4-FFF2-40B4-BE49-F238E27FC236}">
-                <a16:creationId xmlns:a16="http://schemas.microsoft.com/office/drawing/2014/main" id="{FA91EFE1-63FF-31A8-3D0F-B63E5AE018AF}"/>
+                <a16:creationId xmlns:a16="http://schemas.microsoft.com/office/drawing/2014/main" id="{B2EAAEB9-7221-5286-E856-A9E8DBF9F57C}"/>
               </a:ext>
             </a:extLst>
           </p:cNvPr>
@@ -12478,1198 +15361,27 @@
             <p:ph type="title"/>
           </p:nvPr>
         </p:nvSpPr>
-        <p:spPr>
-          <a:xfrm>
-            <a:off x="1205084" y="120319"/>
-            <a:ext cx="7647904" cy="1320800"/>
-          </a:xfrm>
-        </p:spPr>
+        <p:spPr/>
         <p:txBody>
           <a:bodyPr/>
           <a:lstStyle/>
           <a:p>
-            <a:pPr algn="ctr"/>
             <a:r>
               <a:rPr lang="it-IT" dirty="0"/>
-              <a:t>Agenda Control Strategy </a:t>
-            </a:r>
-            <a:br>
-              <a:rPr lang="it-IT" dirty="0"/>
-            </a:br>
-            <a:r>
-              <a:rPr lang="it-IT" sz="1600" dirty="0">
-                <a:solidFill>
-                  <a:schemeClr val="accent2"/>
-                </a:solidFill>
-              </a:rPr>
-              <a:t>Compute the </a:t>
-            </a:r>
-            <a:r>
-              <a:rPr lang="it-IT" sz="1600" dirty="0" err="1">
-                <a:solidFill>
-                  <a:schemeClr val="accent2"/>
-                </a:solidFill>
-              </a:rPr>
-              <a:t>percentage</a:t>
-            </a:r>
-            <a:r>
-              <a:rPr lang="it-IT" sz="1600" dirty="0">
-                <a:solidFill>
-                  <a:schemeClr val="accent2"/>
-                </a:solidFill>
-              </a:rPr>
-              <a:t> of </a:t>
-            </a:r>
-            <a:r>
-              <a:rPr lang="it-IT" sz="1600" dirty="0" err="1">
-                <a:solidFill>
-                  <a:schemeClr val="accent2"/>
-                </a:solidFill>
-              </a:rPr>
-              <a:t>battery</a:t>
-            </a:r>
-            <a:r>
-              <a:rPr lang="it-IT" sz="1600" dirty="0">
-                <a:solidFill>
-                  <a:schemeClr val="accent2"/>
-                </a:solidFill>
-              </a:rPr>
-              <a:t> </a:t>
-            </a:r>
-            <a:r>
-              <a:rPr lang="it-IT" sz="1600" dirty="0" err="1">
-                <a:solidFill>
-                  <a:schemeClr val="accent2"/>
-                </a:solidFill>
-              </a:rPr>
-              <a:t>necessary</a:t>
-            </a:r>
-            <a:r>
-              <a:rPr lang="it-IT" sz="1600" dirty="0">
-                <a:solidFill>
-                  <a:schemeClr val="accent2"/>
-                </a:solidFill>
-              </a:rPr>
-              <a:t> to the </a:t>
-            </a:r>
-            <a:r>
-              <a:rPr lang="it-IT" sz="1600" dirty="0" err="1">
-                <a:solidFill>
-                  <a:schemeClr val="accent2"/>
-                </a:solidFill>
-              </a:rPr>
-              <a:t>specific</a:t>
-            </a:r>
-            <a:r>
-              <a:rPr lang="it-IT" sz="1600" dirty="0">
-                <a:solidFill>
-                  <a:schemeClr val="accent2"/>
-                </a:solidFill>
-              </a:rPr>
-              <a:t> user </a:t>
-            </a:r>
-            <a:r>
-              <a:rPr lang="it-IT" sz="1600" dirty="0" err="1">
-                <a:solidFill>
-                  <a:schemeClr val="accent2"/>
-                </a:solidFill>
-              </a:rPr>
-              <a:t>each</a:t>
-            </a:r>
-            <a:r>
-              <a:rPr lang="it-IT" sz="1600" dirty="0">
-                <a:solidFill>
-                  <a:schemeClr val="accent2"/>
-                </a:solidFill>
-              </a:rPr>
-              <a:t> day, </a:t>
-            </a:r>
-            <a:r>
-              <a:rPr lang="it-IT" sz="1600" dirty="0" err="1">
-                <a:solidFill>
-                  <a:schemeClr val="accent2"/>
-                </a:solidFill>
-              </a:rPr>
-              <a:t>according</a:t>
-            </a:r>
-            <a:r>
-              <a:rPr lang="it-IT" sz="1600" dirty="0">
-                <a:solidFill>
-                  <a:schemeClr val="accent2"/>
-                </a:solidFill>
-              </a:rPr>
-              <a:t> to the Agenda information.</a:t>
-            </a:r>
+              <a:t>PUT </a:t>
+            </a:r>
+            <a:r>
+              <a:rPr lang="it-IT" dirty="0" err="1"/>
+              <a:t>method</a:t>
+            </a:r>
+            <a:endParaRPr lang="it-IT" dirty="0"/>
           </a:p>
         </p:txBody>
       </p:sp>
-      <p:pic>
-        <p:nvPicPr>
-          <p:cNvPr id="40" name="Picture 39">
-            <a:extLst>
-              <a:ext uri="{FF2B5EF4-FFF2-40B4-BE49-F238E27FC236}">
-                <a16:creationId xmlns:a16="http://schemas.microsoft.com/office/drawing/2014/main" id="{8A86C7EE-6AE5-F2C5-1C8C-A6EA912595CA}"/>
-              </a:ext>
-            </a:extLst>
-          </p:cNvPr>
-          <p:cNvPicPr>
-            <a:picLocks noChangeAspect="1"/>
-          </p:cNvPicPr>
-          <p:nvPr/>
-        </p:nvPicPr>
-        <p:blipFill rotWithShape="1">
-          <a:blip r:embed="rId2"/>
-          <a:srcRect l="2915" r="1"/>
-          <a:stretch/>
-        </p:blipFill>
-        <p:spPr>
-          <a:xfrm>
-            <a:off x="9336759" y="1515594"/>
-            <a:ext cx="2271400" cy="1510992"/>
-          </a:xfrm>
-          <a:prstGeom prst="rect">
-            <a:avLst/>
-          </a:prstGeom>
-        </p:spPr>
-      </p:pic>
-      <p:pic>
-        <p:nvPicPr>
-          <p:cNvPr id="41" name="Picture 40">
-            <a:extLst>
-              <a:ext uri="{FF2B5EF4-FFF2-40B4-BE49-F238E27FC236}">
-                <a16:creationId xmlns:a16="http://schemas.microsoft.com/office/drawing/2014/main" id="{E000FC84-C5DC-1330-6F88-368F119AE9DD}"/>
-              </a:ext>
-            </a:extLst>
-          </p:cNvPr>
-          <p:cNvPicPr>
-            <a:picLocks noChangeAspect="1"/>
-          </p:cNvPicPr>
-          <p:nvPr/>
-        </p:nvPicPr>
-        <p:blipFill rotWithShape="1">
-          <a:blip r:embed="rId3"/>
-          <a:srcRect l="1" r="22712"/>
-          <a:stretch/>
-        </p:blipFill>
-        <p:spPr>
-          <a:xfrm>
-            <a:off x="9336759" y="3093853"/>
-            <a:ext cx="2271401" cy="3054997"/>
-          </a:xfrm>
-          <a:prstGeom prst="rect">
-            <a:avLst/>
-          </a:prstGeom>
-        </p:spPr>
-      </p:pic>
-      <p:sp>
-        <p:nvSpPr>
-          <p:cNvPr id="64" name="TextBox 63">
-            <a:extLst>
-              <a:ext uri="{FF2B5EF4-FFF2-40B4-BE49-F238E27FC236}">
-                <a16:creationId xmlns:a16="http://schemas.microsoft.com/office/drawing/2014/main" id="{7643C3F9-970D-B9F8-6017-A8CDCF6C5AC9}"/>
-              </a:ext>
-            </a:extLst>
-          </p:cNvPr>
-          <p:cNvSpPr txBox="1"/>
-          <p:nvPr/>
-        </p:nvSpPr>
-        <p:spPr>
-          <a:xfrm>
-            <a:off x="9336759" y="768334"/>
-            <a:ext cx="2271400" cy="646331"/>
-          </a:xfrm>
-          <a:prstGeom prst="rect">
-            <a:avLst/>
-          </a:prstGeom>
-          <a:solidFill>
-            <a:schemeClr val="accent1"/>
-          </a:solidFill>
-          <a:ln w="38100">
-            <a:solidFill>
-              <a:schemeClr val="tx1"/>
-            </a:solidFill>
-          </a:ln>
-        </p:spPr>
-        <p:txBody>
-          <a:bodyPr wrap="square" rtlCol="0">
-            <a:spAutoFit/>
-          </a:bodyPr>
-          <a:lstStyle/>
-          <a:p>
-            <a:r>
-              <a:rPr lang="it-IT" b="1" dirty="0" err="1"/>
-              <a:t>Catalog</a:t>
-            </a:r>
-            <a:r>
-              <a:rPr lang="it-IT" b="1" dirty="0"/>
-              <a:t> Format in User </a:t>
-            </a:r>
-            <a:r>
-              <a:rPr lang="it-IT" b="1" dirty="0" err="1"/>
-              <a:t>section</a:t>
-            </a:r>
-            <a:endParaRPr lang="it-IT" b="1" dirty="0"/>
-          </a:p>
-        </p:txBody>
-      </p:sp>
-      <p:sp>
-        <p:nvSpPr>
-          <p:cNvPr id="77" name="Content Placeholder 5">
-            <a:extLst>
-              <a:ext uri="{FF2B5EF4-FFF2-40B4-BE49-F238E27FC236}">
-                <a16:creationId xmlns:a16="http://schemas.microsoft.com/office/drawing/2014/main" id="{7E3D9AC9-CE83-83BA-BE14-9EC0640E220C}"/>
-              </a:ext>
-            </a:extLst>
-          </p:cNvPr>
-          <p:cNvSpPr txBox="1">
-            <a:spLocks/>
-          </p:cNvSpPr>
-          <p:nvPr/>
-        </p:nvSpPr>
-        <p:spPr>
-          <a:xfrm>
-            <a:off x="0" y="1414665"/>
-            <a:ext cx="3854766" cy="5706382"/>
-          </a:xfrm>
-          <a:prstGeom prst="rect">
-            <a:avLst/>
-          </a:prstGeom>
-        </p:spPr>
-        <p:txBody>
-          <a:bodyPr/>
-          <a:lstStyle>
-            <a:lvl1pPr marL="342900" indent="-342900" algn="l" defTabSz="457200" rtl="0" eaLnBrk="1" latinLnBrk="0" hangingPunct="1">
-              <a:spcBef>
-                <a:spcPts val="1000"/>
-              </a:spcBef>
-              <a:spcAft>
-                <a:spcPts val="0"/>
-              </a:spcAft>
-              <a:buClr>
-                <a:schemeClr val="accent1"/>
-              </a:buClr>
-              <a:buSzPct val="80000"/>
-              <a:buFont typeface="Wingdings 3" charset="2"/>
-              <a:buChar char=""/>
-              <a:defRPr sz="1800" kern="1200">
-                <a:solidFill>
-                  <a:schemeClr val="tx1">
-                    <a:lumMod val="75000"/>
-                    <a:lumOff val="25000"/>
-                  </a:schemeClr>
-                </a:solidFill>
-                <a:latin typeface="+mn-lt"/>
-                <a:ea typeface="+mn-ea"/>
-                <a:cs typeface="+mn-cs"/>
-              </a:defRPr>
-            </a:lvl1pPr>
-            <a:lvl2pPr marL="742950" indent="-285750" algn="l" defTabSz="457200" rtl="0" eaLnBrk="1" latinLnBrk="0" hangingPunct="1">
-              <a:spcBef>
-                <a:spcPts val="1000"/>
-              </a:spcBef>
-              <a:spcAft>
-                <a:spcPts val="0"/>
-              </a:spcAft>
-              <a:buClr>
-                <a:schemeClr val="accent1"/>
-              </a:buClr>
-              <a:buSzPct val="80000"/>
-              <a:buFont typeface="Wingdings 3" charset="2"/>
-              <a:buChar char=""/>
-              <a:defRPr sz="1600" kern="1200">
-                <a:solidFill>
-                  <a:schemeClr val="tx1">
-                    <a:lumMod val="75000"/>
-                    <a:lumOff val="25000"/>
-                  </a:schemeClr>
-                </a:solidFill>
-                <a:latin typeface="+mn-lt"/>
-                <a:ea typeface="+mn-ea"/>
-                <a:cs typeface="+mn-cs"/>
-              </a:defRPr>
-            </a:lvl2pPr>
-            <a:lvl3pPr marL="1143000" indent="-228600" algn="l" defTabSz="457200" rtl="0" eaLnBrk="1" latinLnBrk="0" hangingPunct="1">
-              <a:spcBef>
-                <a:spcPts val="1000"/>
-              </a:spcBef>
-              <a:spcAft>
-                <a:spcPts val="0"/>
-              </a:spcAft>
-              <a:buClr>
-                <a:schemeClr val="accent1"/>
-              </a:buClr>
-              <a:buSzPct val="80000"/>
-              <a:buFont typeface="Wingdings 3" charset="2"/>
-              <a:buChar char=""/>
-              <a:defRPr sz="1400" kern="1200">
-                <a:solidFill>
-                  <a:schemeClr val="tx1">
-                    <a:lumMod val="75000"/>
-                    <a:lumOff val="25000"/>
-                  </a:schemeClr>
-                </a:solidFill>
-                <a:latin typeface="+mn-lt"/>
-                <a:ea typeface="+mn-ea"/>
-                <a:cs typeface="+mn-cs"/>
-              </a:defRPr>
-            </a:lvl3pPr>
-            <a:lvl4pPr marL="1600200" indent="-228600" algn="l" defTabSz="457200" rtl="0" eaLnBrk="1" latinLnBrk="0" hangingPunct="1">
-              <a:spcBef>
-                <a:spcPts val="1000"/>
-              </a:spcBef>
-              <a:spcAft>
-                <a:spcPts val="0"/>
-              </a:spcAft>
-              <a:buClr>
-                <a:schemeClr val="accent1"/>
-              </a:buClr>
-              <a:buSzPct val="80000"/>
-              <a:buFont typeface="Wingdings 3" charset="2"/>
-              <a:buChar char=""/>
-              <a:defRPr sz="1200" kern="1200">
-                <a:solidFill>
-                  <a:schemeClr val="tx1">
-                    <a:lumMod val="75000"/>
-                    <a:lumOff val="25000"/>
-                  </a:schemeClr>
-                </a:solidFill>
-                <a:latin typeface="+mn-lt"/>
-                <a:ea typeface="+mn-ea"/>
-                <a:cs typeface="+mn-cs"/>
-              </a:defRPr>
-            </a:lvl4pPr>
-            <a:lvl5pPr marL="2057400" indent="-228600" algn="l" defTabSz="457200" rtl="0" eaLnBrk="1" latinLnBrk="0" hangingPunct="1">
-              <a:spcBef>
-                <a:spcPts val="1000"/>
-              </a:spcBef>
-              <a:spcAft>
-                <a:spcPts val="0"/>
-              </a:spcAft>
-              <a:buClr>
-                <a:schemeClr val="accent1"/>
-              </a:buClr>
-              <a:buSzPct val="80000"/>
-              <a:buFont typeface="Wingdings 3" charset="2"/>
-              <a:buChar char=""/>
-              <a:defRPr sz="1200" kern="1200">
-                <a:solidFill>
-                  <a:schemeClr val="tx1">
-                    <a:lumMod val="75000"/>
-                    <a:lumOff val="25000"/>
-                  </a:schemeClr>
-                </a:solidFill>
-                <a:latin typeface="+mn-lt"/>
-                <a:ea typeface="+mn-ea"/>
-                <a:cs typeface="+mn-cs"/>
-              </a:defRPr>
-            </a:lvl5pPr>
-            <a:lvl6pPr marL="2514600" indent="-228600" algn="l" defTabSz="457200" rtl="0" eaLnBrk="1" latinLnBrk="0" hangingPunct="1">
-              <a:spcBef>
-                <a:spcPts val="1000"/>
-              </a:spcBef>
-              <a:spcAft>
-                <a:spcPts val="0"/>
-              </a:spcAft>
-              <a:buClr>
-                <a:schemeClr val="accent1"/>
-              </a:buClr>
-              <a:buSzPct val="80000"/>
-              <a:buFont typeface="Wingdings 3" charset="2"/>
-              <a:buChar char=""/>
-              <a:defRPr sz="1200" kern="1200">
-                <a:solidFill>
-                  <a:schemeClr val="tx1">
-                    <a:lumMod val="75000"/>
-                    <a:lumOff val="25000"/>
-                  </a:schemeClr>
-                </a:solidFill>
-                <a:latin typeface="+mn-lt"/>
-                <a:ea typeface="+mn-ea"/>
-                <a:cs typeface="+mn-cs"/>
-              </a:defRPr>
-            </a:lvl6pPr>
-            <a:lvl7pPr marL="2971800" indent="-228600" algn="l" defTabSz="457200" rtl="0" eaLnBrk="1" latinLnBrk="0" hangingPunct="1">
-              <a:spcBef>
-                <a:spcPts val="1000"/>
-              </a:spcBef>
-              <a:spcAft>
-                <a:spcPts val="0"/>
-              </a:spcAft>
-              <a:buClr>
-                <a:schemeClr val="accent1"/>
-              </a:buClr>
-              <a:buSzPct val="80000"/>
-              <a:buFont typeface="Wingdings 3" charset="2"/>
-              <a:buChar char=""/>
-              <a:defRPr sz="1200" kern="1200">
-                <a:solidFill>
-                  <a:schemeClr val="tx1">
-                    <a:lumMod val="75000"/>
-                    <a:lumOff val="25000"/>
-                  </a:schemeClr>
-                </a:solidFill>
-                <a:latin typeface="+mn-lt"/>
-                <a:ea typeface="+mn-ea"/>
-                <a:cs typeface="+mn-cs"/>
-              </a:defRPr>
-            </a:lvl7pPr>
-            <a:lvl8pPr marL="3429000" indent="-228600" algn="l" defTabSz="457200" rtl="0" eaLnBrk="1" latinLnBrk="0" hangingPunct="1">
-              <a:spcBef>
-                <a:spcPts val="1000"/>
-              </a:spcBef>
-              <a:spcAft>
-                <a:spcPts val="0"/>
-              </a:spcAft>
-              <a:buClr>
-                <a:schemeClr val="accent1"/>
-              </a:buClr>
-              <a:buSzPct val="80000"/>
-              <a:buFont typeface="Wingdings 3" charset="2"/>
-              <a:buChar char=""/>
-              <a:defRPr sz="1200" kern="1200">
-                <a:solidFill>
-                  <a:schemeClr val="tx1">
-                    <a:lumMod val="75000"/>
-                    <a:lumOff val="25000"/>
-                  </a:schemeClr>
-                </a:solidFill>
-                <a:latin typeface="+mn-lt"/>
-                <a:ea typeface="+mn-ea"/>
-                <a:cs typeface="+mn-cs"/>
-              </a:defRPr>
-            </a:lvl8pPr>
-            <a:lvl9pPr marL="3886200" indent="-228600" algn="l" defTabSz="457200" rtl="0" eaLnBrk="1" latinLnBrk="0" hangingPunct="1">
-              <a:spcBef>
-                <a:spcPts val="1000"/>
-              </a:spcBef>
-              <a:spcAft>
-                <a:spcPts val="0"/>
-              </a:spcAft>
-              <a:buClr>
-                <a:schemeClr val="accent1"/>
-              </a:buClr>
-              <a:buSzPct val="80000"/>
-              <a:buFont typeface="Wingdings 3" charset="2"/>
-              <a:buChar char=""/>
-              <a:defRPr sz="1200" kern="1200">
-                <a:solidFill>
-                  <a:schemeClr val="tx1">
-                    <a:lumMod val="75000"/>
-                    <a:lumOff val="25000"/>
-                  </a:schemeClr>
-                </a:solidFill>
-                <a:latin typeface="+mn-lt"/>
-                <a:ea typeface="+mn-ea"/>
-                <a:cs typeface="+mn-cs"/>
-              </a:defRPr>
-            </a:lvl9pPr>
-          </a:lstStyle>
-          <a:p>
-            <a:pPr marL="0" indent="0">
-              <a:buNone/>
-            </a:pPr>
-            <a:r>
-              <a:rPr lang="it-IT" sz="1600" b="1" dirty="0" err="1">
-                <a:solidFill>
-                  <a:schemeClr val="tx1"/>
-                </a:solidFill>
-              </a:rPr>
-              <a:t>Communication</a:t>
-            </a:r>
-            <a:r>
-              <a:rPr lang="it-IT" sz="1600" b="1" dirty="0">
-                <a:solidFill>
-                  <a:schemeClr val="tx1"/>
-                </a:solidFill>
-              </a:rPr>
-              <a:t> with:</a:t>
-            </a:r>
-          </a:p>
-          <a:p>
-            <a:pPr algn="just"/>
-            <a:r>
-              <a:rPr lang="it-IT" sz="1600" b="1" dirty="0" err="1">
-                <a:solidFill>
-                  <a:schemeClr val="tx1"/>
-                </a:solidFill>
-              </a:rPr>
-              <a:t>Catalog</a:t>
-            </a:r>
-            <a:r>
-              <a:rPr lang="it-IT" sz="1600" b="1" dirty="0">
-                <a:solidFill>
-                  <a:schemeClr val="tx1"/>
-                </a:solidFill>
-              </a:rPr>
-              <a:t>: </a:t>
-            </a:r>
-            <a:r>
-              <a:rPr lang="it-IT" sz="1600" dirty="0">
-                <a:solidFill>
-                  <a:schemeClr val="tx1"/>
-                </a:solidFill>
-              </a:rPr>
-              <a:t>to </a:t>
-            </a:r>
-            <a:r>
-              <a:rPr lang="it-IT" sz="1600" dirty="0" err="1">
-                <a:solidFill>
-                  <a:schemeClr val="tx1"/>
-                </a:solidFill>
-              </a:rPr>
-              <a:t>retrieve</a:t>
-            </a:r>
-            <a:r>
-              <a:rPr lang="it-IT" sz="1600" dirty="0">
-                <a:solidFill>
-                  <a:schemeClr val="tx1"/>
-                </a:solidFill>
-              </a:rPr>
-              <a:t> information </a:t>
-            </a:r>
-            <a:r>
-              <a:rPr lang="it-IT" sz="1600" dirty="0" err="1">
-                <a:solidFill>
-                  <a:schemeClr val="tx1"/>
-                </a:solidFill>
-              </a:rPr>
-              <a:t>about</a:t>
-            </a:r>
-            <a:r>
-              <a:rPr lang="it-IT" sz="1600" dirty="0">
-                <a:solidFill>
-                  <a:schemeClr val="tx1"/>
-                </a:solidFill>
-              </a:rPr>
-              <a:t> </a:t>
-            </a:r>
-            <a:r>
-              <a:rPr lang="it-IT" sz="1600" dirty="0" err="1">
-                <a:solidFill>
-                  <a:schemeClr val="tx1"/>
-                </a:solidFill>
-              </a:rPr>
-              <a:t>user’s</a:t>
-            </a:r>
-            <a:r>
-              <a:rPr lang="it-IT" sz="1600" dirty="0">
-                <a:solidFill>
-                  <a:schemeClr val="tx1"/>
-                </a:solidFill>
-              </a:rPr>
-              <a:t> </a:t>
-            </a:r>
-            <a:r>
-              <a:rPr lang="it-IT" sz="1600" dirty="0" err="1">
-                <a:solidFill>
-                  <a:schemeClr val="tx1"/>
-                </a:solidFill>
-              </a:rPr>
-              <a:t>battery</a:t>
-            </a:r>
-            <a:r>
-              <a:rPr lang="it-IT" sz="1600" dirty="0">
-                <a:solidFill>
-                  <a:schemeClr val="tx1"/>
-                </a:solidFill>
-              </a:rPr>
-              <a:t> </a:t>
-            </a:r>
-            <a:r>
-              <a:rPr lang="it-IT" sz="1600" dirty="0" err="1">
-                <a:solidFill>
-                  <a:schemeClr val="tx1"/>
-                </a:solidFill>
-              </a:rPr>
-              <a:t>characteristics</a:t>
-            </a:r>
-            <a:r>
-              <a:rPr lang="it-IT" sz="1600" dirty="0">
-                <a:solidFill>
-                  <a:schemeClr val="tx1"/>
-                </a:solidFill>
-              </a:rPr>
-              <a:t> and </a:t>
-            </a:r>
-            <a:r>
-              <a:rPr lang="it-IT" sz="1600" dirty="0" err="1">
-                <a:solidFill>
-                  <a:schemeClr val="tx1"/>
-                </a:solidFill>
-              </a:rPr>
-              <a:t>user’s</a:t>
-            </a:r>
-            <a:r>
-              <a:rPr lang="it-IT" sz="1600" dirty="0">
-                <a:solidFill>
-                  <a:schemeClr val="tx1"/>
-                </a:solidFill>
-              </a:rPr>
-              <a:t> Agenda. </a:t>
-            </a:r>
-          </a:p>
-          <a:p>
-            <a:pPr algn="just"/>
-            <a:r>
-              <a:rPr lang="it-IT" sz="1600" b="1" dirty="0" err="1">
-                <a:solidFill>
-                  <a:schemeClr val="tx1"/>
-                </a:solidFill>
-              </a:rPr>
-              <a:t>StateControl</a:t>
-            </a:r>
-            <a:r>
-              <a:rPr lang="it-IT" sz="1600" b="1" dirty="0">
-                <a:solidFill>
-                  <a:schemeClr val="tx1"/>
-                </a:solidFill>
-              </a:rPr>
-              <a:t>: t</a:t>
-            </a:r>
-            <a:r>
-              <a:rPr lang="it-IT" sz="1600" dirty="0">
-                <a:solidFill>
-                  <a:schemeClr val="tx1"/>
-                </a:solidFill>
-              </a:rPr>
-              <a:t>o </a:t>
-            </a:r>
-            <a:r>
-              <a:rPr lang="it-IT" sz="1600" dirty="0" err="1">
-                <a:solidFill>
-                  <a:schemeClr val="tx1"/>
-                </a:solidFill>
-              </a:rPr>
-              <a:t>send</a:t>
-            </a:r>
-            <a:r>
-              <a:rPr lang="it-IT" sz="1600" dirty="0">
-                <a:solidFill>
-                  <a:schemeClr val="tx1"/>
-                </a:solidFill>
-              </a:rPr>
-              <a:t> </a:t>
-            </a:r>
-            <a:r>
-              <a:rPr lang="it-IT" sz="1600" dirty="0" err="1">
-                <a:solidFill>
-                  <a:schemeClr val="tx1"/>
-                </a:solidFill>
-              </a:rPr>
-              <a:t>AlertSMS</a:t>
-            </a:r>
-            <a:r>
-              <a:rPr lang="it-IT" sz="1600" dirty="0">
-                <a:solidFill>
-                  <a:schemeClr val="tx1"/>
-                </a:solidFill>
-              </a:rPr>
-              <a:t>, in case </a:t>
-            </a:r>
-            <a:r>
-              <a:rPr lang="it-IT" sz="1600" dirty="0" err="1">
-                <a:solidFill>
-                  <a:schemeClr val="tx1"/>
-                </a:solidFill>
-              </a:rPr>
-              <a:t>it</a:t>
-            </a:r>
-            <a:r>
-              <a:rPr lang="it-IT" sz="1600" dirty="0">
-                <a:solidFill>
-                  <a:schemeClr val="tx1"/>
-                </a:solidFill>
-              </a:rPr>
-              <a:t> </a:t>
-            </a:r>
-            <a:r>
-              <a:rPr lang="it-IT" sz="1600" dirty="0" err="1">
-                <a:solidFill>
-                  <a:schemeClr val="tx1"/>
-                </a:solidFill>
-              </a:rPr>
-              <a:t>may</a:t>
-            </a:r>
-            <a:r>
-              <a:rPr lang="it-IT" sz="1600" dirty="0">
-                <a:solidFill>
-                  <a:schemeClr val="tx1"/>
-                </a:solidFill>
-              </a:rPr>
-              <a:t> be </a:t>
-            </a:r>
-            <a:r>
-              <a:rPr lang="it-IT" sz="1600" dirty="0" err="1">
-                <a:solidFill>
-                  <a:schemeClr val="tx1"/>
-                </a:solidFill>
-              </a:rPr>
-              <a:t>necessary</a:t>
-            </a:r>
-            <a:r>
-              <a:rPr lang="it-IT" sz="1600" dirty="0">
-                <a:solidFill>
-                  <a:schemeClr val="tx1"/>
-                </a:solidFill>
-              </a:rPr>
-              <a:t>.</a:t>
-            </a:r>
-          </a:p>
-          <a:p>
-            <a:pPr algn="just"/>
-            <a:r>
-              <a:rPr lang="it-IT" sz="1600" b="1" dirty="0" err="1">
-                <a:solidFill>
-                  <a:schemeClr val="tx1"/>
-                </a:solidFill>
-              </a:rPr>
-              <a:t>Actuator</a:t>
-            </a:r>
-            <a:r>
-              <a:rPr lang="it-IT" sz="1600" b="1" dirty="0">
-                <a:solidFill>
-                  <a:schemeClr val="tx1"/>
-                </a:solidFill>
-              </a:rPr>
-              <a:t> Control Strategy: </a:t>
-            </a:r>
-            <a:r>
-              <a:rPr lang="it-IT" sz="1600" dirty="0">
-                <a:solidFill>
-                  <a:schemeClr val="tx1"/>
-                </a:solidFill>
-              </a:rPr>
-              <a:t>to </a:t>
-            </a:r>
-            <a:r>
-              <a:rPr lang="it-IT" sz="1600" dirty="0" err="1">
-                <a:solidFill>
-                  <a:schemeClr val="tx1"/>
-                </a:solidFill>
-              </a:rPr>
-              <a:t>send</a:t>
-            </a:r>
-            <a:r>
-              <a:rPr lang="it-IT" sz="1600" dirty="0">
-                <a:solidFill>
-                  <a:schemeClr val="tx1"/>
-                </a:solidFill>
-              </a:rPr>
-              <a:t> information </a:t>
-            </a:r>
-            <a:r>
-              <a:rPr lang="it-IT" sz="1600" dirty="0" err="1">
-                <a:solidFill>
-                  <a:schemeClr val="tx1"/>
-                </a:solidFill>
-              </a:rPr>
-              <a:t>about</a:t>
-            </a:r>
-            <a:r>
-              <a:rPr lang="it-IT" sz="1600" dirty="0">
-                <a:solidFill>
-                  <a:schemeClr val="tx1"/>
-                </a:solidFill>
-              </a:rPr>
-              <a:t> the </a:t>
-            </a:r>
-            <a:r>
-              <a:rPr lang="it-IT" sz="1600" dirty="0" err="1">
-                <a:solidFill>
-                  <a:schemeClr val="tx1"/>
-                </a:solidFill>
-              </a:rPr>
-              <a:t>percentage</a:t>
-            </a:r>
-            <a:r>
-              <a:rPr lang="it-IT" sz="1600" dirty="0">
-                <a:solidFill>
-                  <a:schemeClr val="tx1"/>
-                </a:solidFill>
-              </a:rPr>
-              <a:t> of </a:t>
-            </a:r>
-            <a:r>
-              <a:rPr lang="it-IT" sz="1600" dirty="0" err="1">
-                <a:solidFill>
-                  <a:schemeClr val="tx1"/>
-                </a:solidFill>
-              </a:rPr>
-              <a:t>battery</a:t>
-            </a:r>
-            <a:r>
-              <a:rPr lang="it-IT" sz="1600" dirty="0">
-                <a:solidFill>
-                  <a:schemeClr val="tx1"/>
-                </a:solidFill>
-              </a:rPr>
-              <a:t> </a:t>
-            </a:r>
-            <a:r>
-              <a:rPr lang="it-IT" sz="1600" dirty="0" err="1">
-                <a:solidFill>
-                  <a:schemeClr val="tx1"/>
-                </a:solidFill>
-              </a:rPr>
-              <a:t>needed</a:t>
-            </a:r>
-            <a:r>
-              <a:rPr lang="it-IT" sz="1600" dirty="0">
-                <a:solidFill>
-                  <a:schemeClr val="tx1"/>
-                </a:solidFill>
-              </a:rPr>
-              <a:t> by the user in </a:t>
-            </a:r>
-            <a:r>
-              <a:rPr lang="it-IT" sz="1600" dirty="0" err="1">
-                <a:solidFill>
-                  <a:schemeClr val="tx1"/>
-                </a:solidFill>
-              </a:rPr>
-              <a:t>this</a:t>
-            </a:r>
-            <a:r>
-              <a:rPr lang="it-IT" sz="1600" dirty="0">
-                <a:solidFill>
-                  <a:schemeClr val="tx1"/>
-                </a:solidFill>
-              </a:rPr>
-              <a:t> </a:t>
-            </a:r>
-            <a:r>
-              <a:rPr lang="it-IT" sz="1600" dirty="0" err="1">
-                <a:solidFill>
-                  <a:schemeClr val="tx1"/>
-                </a:solidFill>
-              </a:rPr>
-              <a:t>specific</a:t>
-            </a:r>
-            <a:r>
-              <a:rPr lang="it-IT" sz="1600" dirty="0">
-                <a:solidFill>
-                  <a:schemeClr val="tx1"/>
-                </a:solidFill>
-              </a:rPr>
-              <a:t> day. </a:t>
-            </a:r>
-          </a:p>
-          <a:p>
-            <a:pPr algn="just"/>
-            <a:endParaRPr lang="it-IT" sz="1600" b="1" dirty="0">
-              <a:solidFill>
-                <a:schemeClr val="tx1"/>
-              </a:solidFill>
-            </a:endParaRPr>
-          </a:p>
-          <a:p>
-            <a:pPr algn="just"/>
-            <a:endParaRPr lang="it-IT" sz="1600" b="1" dirty="0">
-              <a:solidFill>
-                <a:schemeClr val="tx1"/>
-              </a:solidFill>
-            </a:endParaRPr>
-          </a:p>
-          <a:p>
-            <a:pPr marL="0" indent="0" algn="just">
-              <a:buNone/>
-            </a:pPr>
-            <a:r>
-              <a:rPr lang="it-IT" sz="1600" b="1" dirty="0" err="1">
-                <a:solidFill>
-                  <a:schemeClr val="tx1"/>
-                </a:solidFill>
-              </a:rPr>
-              <a:t>Main</a:t>
-            </a:r>
-            <a:r>
-              <a:rPr lang="it-IT" sz="1600" b="1" dirty="0">
-                <a:solidFill>
-                  <a:schemeClr val="tx1"/>
-                </a:solidFill>
-              </a:rPr>
-              <a:t> </a:t>
-            </a:r>
-            <a:r>
-              <a:rPr lang="it-IT" sz="1600" b="1" dirty="0" err="1">
-                <a:solidFill>
-                  <a:schemeClr val="tx1"/>
-                </a:solidFill>
-              </a:rPr>
-              <a:t>role</a:t>
-            </a:r>
-            <a:r>
-              <a:rPr lang="it-IT" sz="1600" b="1" dirty="0">
-                <a:solidFill>
-                  <a:schemeClr val="tx1"/>
-                </a:solidFill>
-              </a:rPr>
-              <a:t>:</a:t>
-            </a:r>
-          </a:p>
-          <a:p>
-            <a:pPr marL="0" indent="0">
-              <a:buNone/>
-            </a:pPr>
-            <a:r>
-              <a:rPr lang="it-IT" sz="1600" dirty="0">
-                <a:solidFill>
-                  <a:schemeClr val="tx1"/>
-                </a:solidFill>
-              </a:rPr>
-              <a:t>Compute the </a:t>
-            </a:r>
-            <a:r>
-              <a:rPr lang="it-IT" sz="1600" dirty="0" err="1">
-                <a:solidFill>
-                  <a:schemeClr val="tx1"/>
-                </a:solidFill>
-              </a:rPr>
-              <a:t>percentage</a:t>
-            </a:r>
-            <a:r>
-              <a:rPr lang="it-IT" sz="1600" dirty="0">
-                <a:solidFill>
-                  <a:schemeClr val="tx1"/>
-                </a:solidFill>
-              </a:rPr>
-              <a:t> of </a:t>
-            </a:r>
-            <a:r>
-              <a:rPr lang="it-IT" sz="1600" dirty="0" err="1">
-                <a:solidFill>
-                  <a:schemeClr val="tx1"/>
-                </a:solidFill>
-              </a:rPr>
-              <a:t>battery</a:t>
-            </a:r>
-            <a:r>
-              <a:rPr lang="it-IT" sz="1600" dirty="0">
-                <a:solidFill>
-                  <a:schemeClr val="tx1"/>
-                </a:solidFill>
-              </a:rPr>
-              <a:t> </a:t>
-            </a:r>
-            <a:r>
-              <a:rPr lang="it-IT" sz="1600" dirty="0" err="1">
-                <a:solidFill>
-                  <a:schemeClr val="tx1"/>
-                </a:solidFill>
-              </a:rPr>
-              <a:t>necessary</a:t>
-            </a:r>
-            <a:r>
-              <a:rPr lang="it-IT" sz="1600" dirty="0">
-                <a:solidFill>
-                  <a:schemeClr val="tx1"/>
-                </a:solidFill>
-              </a:rPr>
-              <a:t> for the users </a:t>
-            </a:r>
-            <a:r>
-              <a:rPr lang="it-IT" sz="1600" dirty="0" err="1">
-                <a:solidFill>
-                  <a:schemeClr val="tx1"/>
-                </a:solidFill>
-              </a:rPr>
-              <a:t>during</a:t>
-            </a:r>
-            <a:r>
-              <a:rPr lang="it-IT" sz="1600" dirty="0">
-                <a:solidFill>
-                  <a:schemeClr val="tx1"/>
-                </a:solidFill>
-              </a:rPr>
-              <a:t> </a:t>
-            </a:r>
-            <a:r>
-              <a:rPr lang="it-IT" sz="1600" dirty="0" err="1">
-                <a:solidFill>
-                  <a:schemeClr val="tx1"/>
-                </a:solidFill>
-              </a:rPr>
-              <a:t>this</a:t>
-            </a:r>
-            <a:r>
-              <a:rPr lang="it-IT" sz="1600" dirty="0">
-                <a:solidFill>
-                  <a:schemeClr val="tx1"/>
-                </a:solidFill>
-              </a:rPr>
-              <a:t> day, </a:t>
-            </a:r>
-            <a:r>
-              <a:rPr lang="it-IT" sz="1600" dirty="0" err="1">
-                <a:solidFill>
-                  <a:schemeClr val="tx1"/>
-                </a:solidFill>
-              </a:rPr>
-              <a:t>according</a:t>
-            </a:r>
-            <a:r>
-              <a:rPr lang="it-IT" sz="1600" dirty="0">
-                <a:solidFill>
-                  <a:schemeClr val="tx1"/>
-                </a:solidFill>
-              </a:rPr>
-              <a:t> to the </a:t>
-            </a:r>
-            <a:r>
-              <a:rPr lang="it-IT" sz="1600" dirty="0" err="1">
-                <a:solidFill>
-                  <a:schemeClr val="tx1"/>
-                </a:solidFill>
-              </a:rPr>
-              <a:t>battery</a:t>
-            </a:r>
-            <a:r>
-              <a:rPr lang="it-IT" sz="1600" dirty="0">
-                <a:solidFill>
-                  <a:schemeClr val="tx1"/>
-                </a:solidFill>
-              </a:rPr>
-              <a:t> </a:t>
-            </a:r>
-            <a:r>
-              <a:rPr lang="it-IT" sz="1600" dirty="0" err="1">
-                <a:solidFill>
-                  <a:schemeClr val="tx1"/>
-                </a:solidFill>
-              </a:rPr>
-              <a:t>characteristics</a:t>
-            </a:r>
-            <a:r>
-              <a:rPr lang="it-IT" sz="1600" dirty="0">
-                <a:solidFill>
-                  <a:schemeClr val="tx1"/>
-                </a:solidFill>
-              </a:rPr>
-              <a:t> and the personal commitments.</a:t>
-            </a:r>
-          </a:p>
-        </p:txBody>
-      </p:sp>
-      <p:pic>
-        <p:nvPicPr>
-          <p:cNvPr id="21" name="Picture 20">
-            <a:extLst>
-              <a:ext uri="{FF2B5EF4-FFF2-40B4-BE49-F238E27FC236}">
-                <a16:creationId xmlns:a16="http://schemas.microsoft.com/office/drawing/2014/main" id="{C4167EED-0728-42D1-9CD4-4402FDF15A9B}"/>
-              </a:ext>
-            </a:extLst>
-          </p:cNvPr>
-          <p:cNvPicPr>
-            <a:picLocks noChangeAspect="1"/>
-          </p:cNvPicPr>
-          <p:nvPr/>
-        </p:nvPicPr>
-        <p:blipFill>
-          <a:blip r:embed="rId4"/>
-          <a:stretch>
-            <a:fillRect/>
-          </a:stretch>
-        </p:blipFill>
-        <p:spPr>
-          <a:xfrm>
-            <a:off x="3898759" y="1441119"/>
-            <a:ext cx="5299071" cy="3598471"/>
-          </a:xfrm>
-          <a:prstGeom prst="rect">
-            <a:avLst/>
-          </a:prstGeom>
-          <a:ln>
-            <a:noFill/>
-          </a:ln>
-          <a:effectLst>
-            <a:outerShdw blurRad="292100" dist="139700" dir="2700000" algn="tl" rotWithShape="0">
-              <a:srgbClr val="333333">
-                <a:alpha val="65000"/>
-              </a:srgbClr>
-            </a:outerShdw>
-          </a:effectLst>
-        </p:spPr>
-      </p:pic>
-      <p:pic>
-        <p:nvPicPr>
-          <p:cNvPr id="23" name="Picture 22">
-            <a:extLst>
-              <a:ext uri="{FF2B5EF4-FFF2-40B4-BE49-F238E27FC236}">
-                <a16:creationId xmlns:a16="http://schemas.microsoft.com/office/drawing/2014/main" id="{81EFD652-A0A3-408B-A985-AAEADA2C04B6}"/>
-              </a:ext>
-            </a:extLst>
-          </p:cNvPr>
-          <p:cNvPicPr>
-            <a:picLocks noChangeAspect="1"/>
-          </p:cNvPicPr>
-          <p:nvPr/>
-        </p:nvPicPr>
-        <p:blipFill rotWithShape="1">
-          <a:blip r:embed="rId5"/>
-          <a:srcRect r="5232" b="13060"/>
-          <a:stretch/>
-        </p:blipFill>
-        <p:spPr>
-          <a:xfrm>
-            <a:off x="6096000" y="5319719"/>
-            <a:ext cx="2949757" cy="749387"/>
-          </a:xfrm>
-          <a:prstGeom prst="rect">
-            <a:avLst/>
-          </a:prstGeom>
-          <a:ln w="28575">
-            <a:solidFill>
-              <a:schemeClr val="accent2"/>
-            </a:solidFill>
-          </a:ln>
-        </p:spPr>
-      </p:pic>
-      <p:cxnSp>
-        <p:nvCxnSpPr>
-          <p:cNvPr id="43" name="Straight Arrow Connector 42">
-            <a:extLst>
-              <a:ext uri="{FF2B5EF4-FFF2-40B4-BE49-F238E27FC236}">
-                <a16:creationId xmlns:a16="http://schemas.microsoft.com/office/drawing/2014/main" id="{5DDCA51A-D956-4E7A-AADC-D3B4E7EFA53E}"/>
-              </a:ext>
-            </a:extLst>
-          </p:cNvPr>
-          <p:cNvCxnSpPr>
-            <a:cxnSpLocks/>
-            <a:endCxn id="23" idx="0"/>
-          </p:cNvCxnSpPr>
-          <p:nvPr/>
-        </p:nvCxnSpPr>
-        <p:spPr>
-          <a:xfrm>
-            <a:off x="7570879" y="4966447"/>
-            <a:ext cx="0" cy="353272"/>
-          </a:xfrm>
-          <a:prstGeom prst="straightConnector1">
-            <a:avLst/>
-          </a:prstGeom>
-          <a:ln w="28575">
-            <a:tailEnd type="triangle"/>
-          </a:ln>
-        </p:spPr>
-        <p:style>
-          <a:lnRef idx="1">
-            <a:schemeClr val="accent2"/>
-          </a:lnRef>
-          <a:fillRef idx="0">
-            <a:schemeClr val="accent2"/>
-          </a:fillRef>
-          <a:effectRef idx="0">
-            <a:schemeClr val="accent2"/>
-          </a:effectRef>
-          <a:fontRef idx="minor">
-            <a:schemeClr val="tx1"/>
-          </a:fontRef>
-        </p:style>
-      </p:cxnSp>
     </p:spTree>
     <p:extLst>
       <p:ext uri="{BB962C8B-B14F-4D97-AF65-F5344CB8AC3E}">
-        <p14:creationId xmlns:p14="http://schemas.microsoft.com/office/powerpoint/2010/main" val="740816539"/>
+        <p14:creationId xmlns:p14="http://schemas.microsoft.com/office/powerpoint/2010/main" val="4283805300"/>
       </p:ext>
     </p:extLst>
   </p:cSld>

--- a/Materiale Extra/Presentazione del progetto .pptx
+++ b/Materiale Extra/Presentazione del progetto .pptx
@@ -11,19 +11,21 @@
     <p:sldId id="259" r:id="rId5"/>
     <p:sldId id="260" r:id="rId6"/>
     <p:sldId id="261" r:id="rId7"/>
-    <p:sldId id="271" r:id="rId8"/>
-    <p:sldId id="272" r:id="rId9"/>
-    <p:sldId id="273" r:id="rId10"/>
-    <p:sldId id="274" r:id="rId11"/>
-    <p:sldId id="262" r:id="rId12"/>
-    <p:sldId id="263" r:id="rId13"/>
-    <p:sldId id="268" r:id="rId14"/>
-    <p:sldId id="264" r:id="rId15"/>
-    <p:sldId id="265" r:id="rId16"/>
-    <p:sldId id="266" r:id="rId17"/>
-    <p:sldId id="267" r:id="rId18"/>
-    <p:sldId id="269" r:id="rId19"/>
-    <p:sldId id="270" r:id="rId20"/>
+    <p:sldId id="275" r:id="rId8"/>
+    <p:sldId id="276" r:id="rId9"/>
+    <p:sldId id="271" r:id="rId10"/>
+    <p:sldId id="277" r:id="rId11"/>
+    <p:sldId id="278" r:id="rId12"/>
+    <p:sldId id="274" r:id="rId13"/>
+    <p:sldId id="262" r:id="rId14"/>
+    <p:sldId id="263" r:id="rId15"/>
+    <p:sldId id="268" r:id="rId16"/>
+    <p:sldId id="264" r:id="rId17"/>
+    <p:sldId id="265" r:id="rId18"/>
+    <p:sldId id="266" r:id="rId19"/>
+    <p:sldId id="267" r:id="rId20"/>
+    <p:sldId id="269" r:id="rId21"/>
+    <p:sldId id="270" r:id="rId22"/>
   </p:sldIdLst>
   <p:sldSz cx="12192000" cy="6858000"/>
   <p:notesSz cx="6858000" cy="9144000"/>
@@ -5942,7 +5944,7 @@
         <p:spPr>
           <a:xfrm>
             <a:off x="712983" y="4645625"/>
-            <a:ext cx="2030217" cy="2148406"/>
+            <a:ext cx="4181746" cy="2148406"/>
           </a:xfrm>
           <a:prstGeom prst="rect">
             <a:avLst/>
@@ -6206,7 +6208,7 @@
                   <a:schemeClr val="tx1"/>
                 </a:solidFill>
               </a:rPr>
-              <a:t>Anna Geraci</a:t>
+              <a:t>Anna Geraci s296018</a:t>
             </a:r>
           </a:p>
           <a:p>
@@ -6292,6 +6294,2351 @@
           <p:cNvPr id="2" name="Title 1">
             <a:extLst>
               <a:ext uri="{FF2B5EF4-FFF2-40B4-BE49-F238E27FC236}">
+                <a16:creationId xmlns:a16="http://schemas.microsoft.com/office/drawing/2014/main" id="{6EA38D7D-CC50-65DA-52B6-3A515E298C8B}"/>
+              </a:ext>
+            </a:extLst>
+          </p:cNvPr>
+          <p:cNvSpPr>
+            <a:spLocks noGrp="1"/>
+          </p:cNvSpPr>
+          <p:nvPr>
+            <p:ph type="title"/>
+          </p:nvPr>
+        </p:nvSpPr>
+        <p:spPr>
+          <a:xfrm>
+            <a:off x="462181" y="397435"/>
+            <a:ext cx="8596668" cy="1320800"/>
+          </a:xfrm>
+        </p:spPr>
+        <p:txBody>
+          <a:bodyPr/>
+          <a:lstStyle/>
+          <a:p>
+            <a:r>
+              <a:rPr lang="it-IT" dirty="0"/>
+              <a:t>PUT </a:t>
+            </a:r>
+            <a:r>
+              <a:rPr lang="it-IT" dirty="0" err="1"/>
+              <a:t>method</a:t>
+            </a:r>
+            <a:endParaRPr lang="it-IT" dirty="0"/>
+          </a:p>
+        </p:txBody>
+      </p:sp>
+      <p:sp>
+        <p:nvSpPr>
+          <p:cNvPr id="3" name="TextBox 2">
+            <a:extLst>
+              <a:ext uri="{FF2B5EF4-FFF2-40B4-BE49-F238E27FC236}">
+                <a16:creationId xmlns:a16="http://schemas.microsoft.com/office/drawing/2014/main" id="{65A4F1AD-6B4E-43CA-84EB-6BC8163ACBB4}"/>
+              </a:ext>
+            </a:extLst>
+          </p:cNvPr>
+          <p:cNvSpPr txBox="1"/>
+          <p:nvPr/>
+        </p:nvSpPr>
+        <p:spPr>
+          <a:xfrm>
+            <a:off x="677334" y="1544917"/>
+            <a:ext cx="3845859" cy="1754326"/>
+          </a:xfrm>
+          <a:prstGeom prst="rect">
+            <a:avLst/>
+          </a:prstGeom>
+          <a:noFill/>
+        </p:spPr>
+        <p:txBody>
+          <a:bodyPr wrap="square" rtlCol="0">
+            <a:spAutoFit/>
+          </a:bodyPr>
+          <a:lstStyle/>
+          <a:p>
+            <a:r>
+              <a:rPr lang="en-US" dirty="0"/>
+              <a:t>It communicates with all the other actors in the platform exploiting REST communication. </a:t>
+            </a:r>
+          </a:p>
+          <a:p>
+            <a:pPr marL="285750" indent="-285750">
+              <a:buFont typeface="Arial" panose="020B0604020202020204" pitchFamily="34" charset="0"/>
+              <a:buChar char="•"/>
+            </a:pPr>
+            <a:r>
+              <a:rPr lang="en-US" dirty="0"/>
+              <a:t>GET: Retrieve information</a:t>
+            </a:r>
+          </a:p>
+          <a:p>
+            <a:pPr marL="285750" indent="-285750">
+              <a:buFont typeface="Arial" panose="020B0604020202020204" pitchFamily="34" charset="0"/>
+              <a:buChar char="•"/>
+            </a:pPr>
+            <a:r>
+              <a:rPr lang="en-US" dirty="0"/>
+              <a:t>PUT: Update information</a:t>
+            </a:r>
+          </a:p>
+          <a:p>
+            <a:pPr marL="285750" indent="-285750">
+              <a:buFont typeface="Arial" panose="020B0604020202020204" pitchFamily="34" charset="0"/>
+              <a:buChar char="•"/>
+            </a:pPr>
+            <a:r>
+              <a:rPr lang="en-US" dirty="0"/>
+              <a:t>POST: Add information</a:t>
+            </a:r>
+          </a:p>
+        </p:txBody>
+      </p:sp>
+      <p:sp>
+        <p:nvSpPr>
+          <p:cNvPr id="4" name="Rectangle 3">
+            <a:extLst>
+              <a:ext uri="{FF2B5EF4-FFF2-40B4-BE49-F238E27FC236}">
+                <a16:creationId xmlns:a16="http://schemas.microsoft.com/office/drawing/2014/main" id="{36BEA4F5-6FAD-481B-AFFE-05102E1B3351}"/>
+              </a:ext>
+            </a:extLst>
+          </p:cNvPr>
+          <p:cNvSpPr/>
+          <p:nvPr/>
+        </p:nvSpPr>
+        <p:spPr>
+          <a:xfrm>
+            <a:off x="3048001" y="3429000"/>
+            <a:ext cx="1398494" cy="739588"/>
+          </a:xfrm>
+          <a:prstGeom prst="rect">
+            <a:avLst/>
+          </a:prstGeom>
+        </p:spPr>
+        <p:style>
+          <a:lnRef idx="2">
+            <a:schemeClr val="accent1">
+              <a:shade val="50000"/>
+            </a:schemeClr>
+          </a:lnRef>
+          <a:fillRef idx="1">
+            <a:schemeClr val="accent1"/>
+          </a:fillRef>
+          <a:effectRef idx="0">
+            <a:schemeClr val="accent1"/>
+          </a:effectRef>
+          <a:fontRef idx="minor">
+            <a:schemeClr val="lt1"/>
+          </a:fontRef>
+        </p:style>
+        <p:txBody>
+          <a:bodyPr rtlCol="0" anchor="ctr"/>
+          <a:lstStyle/>
+          <a:p>
+            <a:pPr algn="ctr"/>
+            <a:r>
+              <a:rPr lang="it-IT" dirty="0"/>
+              <a:t>PUT</a:t>
+            </a:r>
+          </a:p>
+        </p:txBody>
+      </p:sp>
+      <p:cxnSp>
+        <p:nvCxnSpPr>
+          <p:cNvPr id="6" name="Straight Arrow Connector 5">
+            <a:extLst>
+              <a:ext uri="{FF2B5EF4-FFF2-40B4-BE49-F238E27FC236}">
+                <a16:creationId xmlns:a16="http://schemas.microsoft.com/office/drawing/2014/main" id="{8B6BB627-E08A-41D5-A371-02E3C9DB30AA}"/>
+              </a:ext>
+            </a:extLst>
+          </p:cNvPr>
+          <p:cNvCxnSpPr>
+            <a:cxnSpLocks/>
+            <a:stCxn id="4" idx="3"/>
+            <a:endCxn id="7" idx="1"/>
+          </p:cNvCxnSpPr>
+          <p:nvPr/>
+        </p:nvCxnSpPr>
+        <p:spPr>
+          <a:xfrm>
+            <a:off x="4446495" y="3798794"/>
+            <a:ext cx="2119102" cy="1040665"/>
+          </a:xfrm>
+          <a:prstGeom prst="straightConnector1">
+            <a:avLst/>
+          </a:prstGeom>
+          <a:ln>
+            <a:tailEnd type="triangle"/>
+          </a:ln>
+        </p:spPr>
+        <p:style>
+          <a:lnRef idx="1">
+            <a:schemeClr val="accent1"/>
+          </a:lnRef>
+          <a:fillRef idx="0">
+            <a:schemeClr val="accent1"/>
+          </a:fillRef>
+          <a:effectRef idx="0">
+            <a:schemeClr val="accent1"/>
+          </a:effectRef>
+          <a:fontRef idx="minor">
+            <a:schemeClr val="tx1"/>
+          </a:fontRef>
+        </p:style>
+      </p:cxnSp>
+      <p:sp>
+        <p:nvSpPr>
+          <p:cNvPr id="7" name="TextBox 6">
+            <a:extLst>
+              <a:ext uri="{FF2B5EF4-FFF2-40B4-BE49-F238E27FC236}">
+                <a16:creationId xmlns:a16="http://schemas.microsoft.com/office/drawing/2014/main" id="{9160F1FE-ECF7-44CB-BC6D-83FB97206994}"/>
+              </a:ext>
+            </a:extLst>
+          </p:cNvPr>
+          <p:cNvSpPr txBox="1"/>
+          <p:nvPr/>
+        </p:nvSpPr>
+        <p:spPr>
+          <a:xfrm>
+            <a:off x="6565597" y="4654793"/>
+            <a:ext cx="1211233" cy="369332"/>
+          </a:xfrm>
+          <a:prstGeom prst="rect">
+            <a:avLst/>
+          </a:prstGeom>
+          <a:noFill/>
+          <a:ln w="19050">
+            <a:solidFill>
+              <a:schemeClr val="tx1"/>
+            </a:solidFill>
+          </a:ln>
+        </p:spPr>
+        <p:txBody>
+          <a:bodyPr wrap="square" rtlCol="0">
+            <a:spAutoFit/>
+          </a:bodyPr>
+          <a:lstStyle/>
+          <a:p>
+            <a:r>
+              <a:rPr lang="it-IT" dirty="0"/>
+              <a:t>IP/User</a:t>
+            </a:r>
+          </a:p>
+        </p:txBody>
+      </p:sp>
+      <p:cxnSp>
+        <p:nvCxnSpPr>
+          <p:cNvPr id="11" name="Straight Arrow Connector 10">
+            <a:extLst>
+              <a:ext uri="{FF2B5EF4-FFF2-40B4-BE49-F238E27FC236}">
+                <a16:creationId xmlns:a16="http://schemas.microsoft.com/office/drawing/2014/main" id="{97AB31B7-0F30-41A5-B8AA-6D3627F328A5}"/>
+              </a:ext>
+            </a:extLst>
+          </p:cNvPr>
+          <p:cNvCxnSpPr>
+            <a:cxnSpLocks/>
+            <a:stCxn id="4" idx="3"/>
+            <a:endCxn id="14" idx="1"/>
+          </p:cNvCxnSpPr>
+          <p:nvPr/>
+        </p:nvCxnSpPr>
+        <p:spPr>
+          <a:xfrm flipV="1">
+            <a:off x="4446495" y="795244"/>
+            <a:ext cx="2119103" cy="3003550"/>
+          </a:xfrm>
+          <a:prstGeom prst="straightConnector1">
+            <a:avLst/>
+          </a:prstGeom>
+          <a:ln>
+            <a:tailEnd type="triangle"/>
+          </a:ln>
+        </p:spPr>
+        <p:style>
+          <a:lnRef idx="1">
+            <a:schemeClr val="accent1"/>
+          </a:lnRef>
+          <a:fillRef idx="0">
+            <a:schemeClr val="accent1"/>
+          </a:fillRef>
+          <a:effectRef idx="0">
+            <a:schemeClr val="accent1"/>
+          </a:effectRef>
+          <a:fontRef idx="minor">
+            <a:schemeClr val="tx1"/>
+          </a:fontRef>
+        </p:style>
+      </p:cxnSp>
+      <p:sp>
+        <p:nvSpPr>
+          <p:cNvPr id="14" name="TextBox 13">
+            <a:extLst>
+              <a:ext uri="{FF2B5EF4-FFF2-40B4-BE49-F238E27FC236}">
+                <a16:creationId xmlns:a16="http://schemas.microsoft.com/office/drawing/2014/main" id="{65AC1259-1DAB-4C77-9833-13421BD4289C}"/>
+              </a:ext>
+            </a:extLst>
+          </p:cNvPr>
+          <p:cNvSpPr txBox="1"/>
+          <p:nvPr/>
+        </p:nvSpPr>
+        <p:spPr>
+          <a:xfrm>
+            <a:off x="6565598" y="610578"/>
+            <a:ext cx="1211233" cy="369332"/>
+          </a:xfrm>
+          <a:prstGeom prst="rect">
+            <a:avLst/>
+          </a:prstGeom>
+          <a:noFill/>
+          <a:ln w="19050">
+            <a:solidFill>
+              <a:schemeClr val="tx1"/>
+            </a:solidFill>
+          </a:ln>
+        </p:spPr>
+        <p:txBody>
+          <a:bodyPr wrap="square" rtlCol="0">
+            <a:spAutoFit/>
+          </a:bodyPr>
+          <a:lstStyle/>
+          <a:p>
+            <a:r>
+              <a:rPr lang="it-IT" dirty="0"/>
+              <a:t>IP/Device</a:t>
+            </a:r>
+          </a:p>
+        </p:txBody>
+      </p:sp>
+      <p:sp>
+        <p:nvSpPr>
+          <p:cNvPr id="15" name="TextBox 14">
+            <a:extLst>
+              <a:ext uri="{FF2B5EF4-FFF2-40B4-BE49-F238E27FC236}">
+                <a16:creationId xmlns:a16="http://schemas.microsoft.com/office/drawing/2014/main" id="{64CA5A8E-C3C5-4FAF-B89F-6680B729FAC6}"/>
+              </a:ext>
+            </a:extLst>
+          </p:cNvPr>
+          <p:cNvSpPr txBox="1"/>
+          <p:nvPr/>
+        </p:nvSpPr>
+        <p:spPr>
+          <a:xfrm>
+            <a:off x="6565598" y="1286096"/>
+            <a:ext cx="2688418" cy="369332"/>
+          </a:xfrm>
+          <a:prstGeom prst="rect">
+            <a:avLst/>
+          </a:prstGeom>
+          <a:noFill/>
+          <a:ln w="19050">
+            <a:solidFill>
+              <a:schemeClr val="tx1"/>
+            </a:solidFill>
+          </a:ln>
+        </p:spPr>
+        <p:txBody>
+          <a:bodyPr wrap="square" rtlCol="0">
+            <a:spAutoFit/>
+          </a:bodyPr>
+          <a:lstStyle/>
+          <a:p>
+            <a:r>
+              <a:rPr lang="it-IT" dirty="0"/>
+              <a:t>IP/</a:t>
+            </a:r>
+            <a:r>
+              <a:rPr lang="it-IT" dirty="0" err="1"/>
+              <a:t>Actuator</a:t>
+            </a:r>
+            <a:endParaRPr lang="it-IT" dirty="0"/>
+          </a:p>
+        </p:txBody>
+      </p:sp>
+      <p:sp>
+        <p:nvSpPr>
+          <p:cNvPr id="16" name="TextBox 15">
+            <a:extLst>
+              <a:ext uri="{FF2B5EF4-FFF2-40B4-BE49-F238E27FC236}">
+                <a16:creationId xmlns:a16="http://schemas.microsoft.com/office/drawing/2014/main" id="{8BFF5D09-0A22-4F93-BCFD-427CB1379BC8}"/>
+              </a:ext>
+            </a:extLst>
+          </p:cNvPr>
+          <p:cNvSpPr txBox="1"/>
+          <p:nvPr/>
+        </p:nvSpPr>
+        <p:spPr>
+          <a:xfrm>
+            <a:off x="6554018" y="1888618"/>
+            <a:ext cx="2688418" cy="369332"/>
+          </a:xfrm>
+          <a:prstGeom prst="rect">
+            <a:avLst/>
+          </a:prstGeom>
+          <a:noFill/>
+          <a:ln w="19050">
+            <a:solidFill>
+              <a:schemeClr val="tx1"/>
+            </a:solidFill>
+          </a:ln>
+        </p:spPr>
+        <p:txBody>
+          <a:bodyPr wrap="square" rtlCol="0">
+            <a:spAutoFit/>
+          </a:bodyPr>
+          <a:lstStyle/>
+          <a:p>
+            <a:r>
+              <a:rPr lang="it-IT" dirty="0"/>
+              <a:t>IP/</a:t>
+            </a:r>
+            <a:r>
+              <a:rPr lang="it-IT" dirty="0" err="1"/>
+              <a:t>Digital_Button</a:t>
+            </a:r>
+            <a:endParaRPr lang="it-IT" dirty="0"/>
+          </a:p>
+        </p:txBody>
+      </p:sp>
+      <p:sp>
+        <p:nvSpPr>
+          <p:cNvPr id="17" name="TextBox 16">
+            <a:extLst>
+              <a:ext uri="{FF2B5EF4-FFF2-40B4-BE49-F238E27FC236}">
+                <a16:creationId xmlns:a16="http://schemas.microsoft.com/office/drawing/2014/main" id="{48CC320A-A6F5-4A9F-9AC0-0845242FDAE3}"/>
+              </a:ext>
+            </a:extLst>
+          </p:cNvPr>
+          <p:cNvSpPr txBox="1"/>
+          <p:nvPr/>
+        </p:nvSpPr>
+        <p:spPr>
+          <a:xfrm>
+            <a:off x="6565598" y="2558764"/>
+            <a:ext cx="2688419" cy="369332"/>
+          </a:xfrm>
+          <a:prstGeom prst="rect">
+            <a:avLst/>
+          </a:prstGeom>
+          <a:noFill/>
+          <a:ln w="19050">
+            <a:solidFill>
+              <a:schemeClr val="tx1"/>
+            </a:solidFill>
+          </a:ln>
+        </p:spPr>
+        <p:txBody>
+          <a:bodyPr wrap="square" rtlCol="0">
+            <a:spAutoFit/>
+          </a:bodyPr>
+          <a:lstStyle/>
+          <a:p>
+            <a:r>
+              <a:rPr lang="it-IT" dirty="0"/>
+              <a:t>IP/</a:t>
+            </a:r>
+            <a:r>
+              <a:rPr lang="it-IT" dirty="0" err="1"/>
+              <a:t>Battery</a:t>
+            </a:r>
+            <a:endParaRPr lang="it-IT" dirty="0"/>
+          </a:p>
+        </p:txBody>
+      </p:sp>
+      <p:sp>
+        <p:nvSpPr>
+          <p:cNvPr id="18" name="TextBox 17">
+            <a:extLst>
+              <a:ext uri="{FF2B5EF4-FFF2-40B4-BE49-F238E27FC236}">
+                <a16:creationId xmlns:a16="http://schemas.microsoft.com/office/drawing/2014/main" id="{DF27795C-AE8B-4280-B4D0-4464121E51BE}"/>
+              </a:ext>
+            </a:extLst>
+          </p:cNvPr>
+          <p:cNvSpPr txBox="1"/>
+          <p:nvPr/>
+        </p:nvSpPr>
+        <p:spPr>
+          <a:xfrm>
+            <a:off x="6565598" y="3301644"/>
+            <a:ext cx="2688420" cy="369332"/>
+          </a:xfrm>
+          <a:prstGeom prst="rect">
+            <a:avLst/>
+          </a:prstGeom>
+          <a:noFill/>
+          <a:ln w="19050">
+            <a:solidFill>
+              <a:schemeClr val="tx1"/>
+            </a:solidFill>
+          </a:ln>
+        </p:spPr>
+        <p:txBody>
+          <a:bodyPr wrap="square" rtlCol="0">
+            <a:spAutoFit/>
+          </a:bodyPr>
+          <a:lstStyle/>
+          <a:p>
+            <a:r>
+              <a:rPr lang="it-IT" dirty="0"/>
+              <a:t>IP/</a:t>
+            </a:r>
+            <a:r>
+              <a:rPr lang="it-IT" dirty="0" err="1"/>
+              <a:t>Temperature_Sensor</a:t>
+            </a:r>
+            <a:endParaRPr lang="it-IT" dirty="0"/>
+          </a:p>
+        </p:txBody>
+      </p:sp>
+      <p:sp>
+        <p:nvSpPr>
+          <p:cNvPr id="19" name="TextBox 18">
+            <a:extLst>
+              <a:ext uri="{FF2B5EF4-FFF2-40B4-BE49-F238E27FC236}">
+                <a16:creationId xmlns:a16="http://schemas.microsoft.com/office/drawing/2014/main" id="{91D846CD-1027-4CC5-8E81-2B242EA056B6}"/>
+              </a:ext>
+            </a:extLst>
+          </p:cNvPr>
+          <p:cNvSpPr txBox="1"/>
+          <p:nvPr/>
+        </p:nvSpPr>
+        <p:spPr>
+          <a:xfrm>
+            <a:off x="6565598" y="3894523"/>
+            <a:ext cx="2662021" cy="369332"/>
+          </a:xfrm>
+          <a:prstGeom prst="rect">
+            <a:avLst/>
+          </a:prstGeom>
+          <a:noFill/>
+          <a:ln w="19050">
+            <a:solidFill>
+              <a:schemeClr val="tx1"/>
+            </a:solidFill>
+          </a:ln>
+        </p:spPr>
+        <p:txBody>
+          <a:bodyPr wrap="square" rtlCol="0">
+            <a:spAutoFit/>
+          </a:bodyPr>
+          <a:lstStyle/>
+          <a:p>
+            <a:r>
+              <a:rPr lang="it-IT" dirty="0"/>
+              <a:t>IP/</a:t>
+            </a:r>
+            <a:r>
+              <a:rPr lang="it-IT" dirty="0" err="1"/>
+              <a:t>Photon_Sensor</a:t>
+            </a:r>
+            <a:endParaRPr lang="it-IT" dirty="0"/>
+          </a:p>
+        </p:txBody>
+      </p:sp>
+      <p:sp>
+        <p:nvSpPr>
+          <p:cNvPr id="20" name="TextBox 19">
+            <a:extLst>
+              <a:ext uri="{FF2B5EF4-FFF2-40B4-BE49-F238E27FC236}">
+                <a16:creationId xmlns:a16="http://schemas.microsoft.com/office/drawing/2014/main" id="{5127204C-2252-4E68-B42C-69F39BF3BEF9}"/>
+              </a:ext>
+            </a:extLst>
+          </p:cNvPr>
+          <p:cNvSpPr txBox="1"/>
+          <p:nvPr/>
+        </p:nvSpPr>
+        <p:spPr>
+          <a:xfrm>
+            <a:off x="6565597" y="5336609"/>
+            <a:ext cx="2215027" cy="369332"/>
+          </a:xfrm>
+          <a:prstGeom prst="rect">
+            <a:avLst/>
+          </a:prstGeom>
+          <a:noFill/>
+          <a:ln w="19050">
+            <a:solidFill>
+              <a:schemeClr val="tx1"/>
+            </a:solidFill>
+          </a:ln>
+        </p:spPr>
+        <p:txBody>
+          <a:bodyPr wrap="square" rtlCol="0">
+            <a:spAutoFit/>
+          </a:bodyPr>
+          <a:lstStyle/>
+          <a:p>
+            <a:r>
+              <a:rPr lang="it-IT" dirty="0"/>
+              <a:t>IP/</a:t>
+            </a:r>
+            <a:r>
+              <a:rPr lang="it-IT" dirty="0" err="1"/>
+              <a:t>AgendaUpdate</a:t>
+            </a:r>
+            <a:endParaRPr lang="it-IT" dirty="0"/>
+          </a:p>
+        </p:txBody>
+      </p:sp>
+      <p:cxnSp>
+        <p:nvCxnSpPr>
+          <p:cNvPr id="23" name="Straight Arrow Connector 22">
+            <a:extLst>
+              <a:ext uri="{FF2B5EF4-FFF2-40B4-BE49-F238E27FC236}">
+                <a16:creationId xmlns:a16="http://schemas.microsoft.com/office/drawing/2014/main" id="{C63F379F-F465-4E46-8660-457BC090AC2B}"/>
+              </a:ext>
+            </a:extLst>
+          </p:cNvPr>
+          <p:cNvCxnSpPr>
+            <a:cxnSpLocks/>
+            <a:stCxn id="4" idx="3"/>
+            <a:endCxn id="15" idx="1"/>
+          </p:cNvCxnSpPr>
+          <p:nvPr/>
+        </p:nvCxnSpPr>
+        <p:spPr>
+          <a:xfrm flipV="1">
+            <a:off x="4446495" y="1470762"/>
+            <a:ext cx="2119103" cy="2328032"/>
+          </a:xfrm>
+          <a:prstGeom prst="straightConnector1">
+            <a:avLst/>
+          </a:prstGeom>
+          <a:ln>
+            <a:tailEnd type="triangle"/>
+          </a:ln>
+        </p:spPr>
+        <p:style>
+          <a:lnRef idx="1">
+            <a:schemeClr val="accent1"/>
+          </a:lnRef>
+          <a:fillRef idx="0">
+            <a:schemeClr val="accent1"/>
+          </a:fillRef>
+          <a:effectRef idx="0">
+            <a:schemeClr val="accent1"/>
+          </a:effectRef>
+          <a:fontRef idx="minor">
+            <a:schemeClr val="tx1"/>
+          </a:fontRef>
+        </p:style>
+      </p:cxnSp>
+      <p:cxnSp>
+        <p:nvCxnSpPr>
+          <p:cNvPr id="25" name="Straight Arrow Connector 24">
+            <a:extLst>
+              <a:ext uri="{FF2B5EF4-FFF2-40B4-BE49-F238E27FC236}">
+                <a16:creationId xmlns:a16="http://schemas.microsoft.com/office/drawing/2014/main" id="{E04667FF-0234-4842-9A33-7BB2A39FF0E5}"/>
+              </a:ext>
+            </a:extLst>
+          </p:cNvPr>
+          <p:cNvCxnSpPr>
+            <a:cxnSpLocks/>
+            <a:stCxn id="4" idx="3"/>
+            <a:endCxn id="16" idx="1"/>
+          </p:cNvCxnSpPr>
+          <p:nvPr/>
+        </p:nvCxnSpPr>
+        <p:spPr>
+          <a:xfrm flipV="1">
+            <a:off x="4446495" y="2073284"/>
+            <a:ext cx="2107523" cy="1725510"/>
+          </a:xfrm>
+          <a:prstGeom prst="straightConnector1">
+            <a:avLst/>
+          </a:prstGeom>
+          <a:ln>
+            <a:tailEnd type="triangle"/>
+          </a:ln>
+        </p:spPr>
+        <p:style>
+          <a:lnRef idx="1">
+            <a:schemeClr val="accent1"/>
+          </a:lnRef>
+          <a:fillRef idx="0">
+            <a:schemeClr val="accent1"/>
+          </a:fillRef>
+          <a:effectRef idx="0">
+            <a:schemeClr val="accent1"/>
+          </a:effectRef>
+          <a:fontRef idx="minor">
+            <a:schemeClr val="tx1"/>
+          </a:fontRef>
+        </p:style>
+      </p:cxnSp>
+      <p:cxnSp>
+        <p:nvCxnSpPr>
+          <p:cNvPr id="27" name="Straight Arrow Connector 26">
+            <a:extLst>
+              <a:ext uri="{FF2B5EF4-FFF2-40B4-BE49-F238E27FC236}">
+                <a16:creationId xmlns:a16="http://schemas.microsoft.com/office/drawing/2014/main" id="{66074F90-EF3E-4BDF-9C13-ED59D4FC5983}"/>
+              </a:ext>
+            </a:extLst>
+          </p:cNvPr>
+          <p:cNvCxnSpPr>
+            <a:cxnSpLocks/>
+            <a:stCxn id="4" idx="3"/>
+            <a:endCxn id="17" idx="1"/>
+          </p:cNvCxnSpPr>
+          <p:nvPr/>
+        </p:nvCxnSpPr>
+        <p:spPr>
+          <a:xfrm flipV="1">
+            <a:off x="4446495" y="2743430"/>
+            <a:ext cx="2119103" cy="1055364"/>
+          </a:xfrm>
+          <a:prstGeom prst="straightConnector1">
+            <a:avLst/>
+          </a:prstGeom>
+          <a:ln>
+            <a:tailEnd type="triangle"/>
+          </a:ln>
+        </p:spPr>
+        <p:style>
+          <a:lnRef idx="1">
+            <a:schemeClr val="accent1"/>
+          </a:lnRef>
+          <a:fillRef idx="0">
+            <a:schemeClr val="accent1"/>
+          </a:fillRef>
+          <a:effectRef idx="0">
+            <a:schemeClr val="accent1"/>
+          </a:effectRef>
+          <a:fontRef idx="minor">
+            <a:schemeClr val="tx1"/>
+          </a:fontRef>
+        </p:style>
+      </p:cxnSp>
+      <p:cxnSp>
+        <p:nvCxnSpPr>
+          <p:cNvPr id="29" name="Straight Arrow Connector 28">
+            <a:extLst>
+              <a:ext uri="{FF2B5EF4-FFF2-40B4-BE49-F238E27FC236}">
+                <a16:creationId xmlns:a16="http://schemas.microsoft.com/office/drawing/2014/main" id="{48BDD961-2F67-432D-9399-65FE0B14153F}"/>
+              </a:ext>
+            </a:extLst>
+          </p:cNvPr>
+          <p:cNvCxnSpPr>
+            <a:cxnSpLocks/>
+            <a:stCxn id="4" idx="3"/>
+            <a:endCxn id="18" idx="1"/>
+          </p:cNvCxnSpPr>
+          <p:nvPr/>
+        </p:nvCxnSpPr>
+        <p:spPr>
+          <a:xfrm flipV="1">
+            <a:off x="4446495" y="3486310"/>
+            <a:ext cx="2119103" cy="312484"/>
+          </a:xfrm>
+          <a:prstGeom prst="straightConnector1">
+            <a:avLst/>
+          </a:prstGeom>
+          <a:ln>
+            <a:tailEnd type="triangle"/>
+          </a:ln>
+        </p:spPr>
+        <p:style>
+          <a:lnRef idx="1">
+            <a:schemeClr val="accent1"/>
+          </a:lnRef>
+          <a:fillRef idx="0">
+            <a:schemeClr val="accent1"/>
+          </a:fillRef>
+          <a:effectRef idx="0">
+            <a:schemeClr val="accent1"/>
+          </a:effectRef>
+          <a:fontRef idx="minor">
+            <a:schemeClr val="tx1"/>
+          </a:fontRef>
+        </p:style>
+      </p:cxnSp>
+      <p:cxnSp>
+        <p:nvCxnSpPr>
+          <p:cNvPr id="31" name="Straight Arrow Connector 30">
+            <a:extLst>
+              <a:ext uri="{FF2B5EF4-FFF2-40B4-BE49-F238E27FC236}">
+                <a16:creationId xmlns:a16="http://schemas.microsoft.com/office/drawing/2014/main" id="{0FC9D472-E75C-4EA7-8102-59F65194B913}"/>
+              </a:ext>
+            </a:extLst>
+          </p:cNvPr>
+          <p:cNvCxnSpPr>
+            <a:cxnSpLocks/>
+            <a:stCxn id="4" idx="3"/>
+            <a:endCxn id="19" idx="1"/>
+          </p:cNvCxnSpPr>
+          <p:nvPr/>
+        </p:nvCxnSpPr>
+        <p:spPr>
+          <a:xfrm>
+            <a:off x="4446495" y="3798794"/>
+            <a:ext cx="2119103" cy="280395"/>
+          </a:xfrm>
+          <a:prstGeom prst="straightConnector1">
+            <a:avLst/>
+          </a:prstGeom>
+          <a:ln>
+            <a:tailEnd type="triangle"/>
+          </a:ln>
+        </p:spPr>
+        <p:style>
+          <a:lnRef idx="1">
+            <a:schemeClr val="accent1"/>
+          </a:lnRef>
+          <a:fillRef idx="0">
+            <a:schemeClr val="accent1"/>
+          </a:fillRef>
+          <a:effectRef idx="0">
+            <a:schemeClr val="accent1"/>
+          </a:effectRef>
+          <a:fontRef idx="minor">
+            <a:schemeClr val="tx1"/>
+          </a:fontRef>
+        </p:style>
+      </p:cxnSp>
+      <p:cxnSp>
+        <p:nvCxnSpPr>
+          <p:cNvPr id="35" name="Straight Arrow Connector 34">
+            <a:extLst>
+              <a:ext uri="{FF2B5EF4-FFF2-40B4-BE49-F238E27FC236}">
+                <a16:creationId xmlns:a16="http://schemas.microsoft.com/office/drawing/2014/main" id="{F8B64B66-1024-438E-8AAC-BAF24C7C6185}"/>
+              </a:ext>
+            </a:extLst>
+          </p:cNvPr>
+          <p:cNvCxnSpPr>
+            <a:cxnSpLocks/>
+            <a:stCxn id="4" idx="3"/>
+            <a:endCxn id="20" idx="1"/>
+          </p:cNvCxnSpPr>
+          <p:nvPr/>
+        </p:nvCxnSpPr>
+        <p:spPr>
+          <a:xfrm>
+            <a:off x="4446495" y="3798794"/>
+            <a:ext cx="2119102" cy="1722481"/>
+          </a:xfrm>
+          <a:prstGeom prst="straightConnector1">
+            <a:avLst/>
+          </a:prstGeom>
+          <a:ln>
+            <a:tailEnd type="triangle"/>
+          </a:ln>
+        </p:spPr>
+        <p:style>
+          <a:lnRef idx="1">
+            <a:schemeClr val="accent1"/>
+          </a:lnRef>
+          <a:fillRef idx="0">
+            <a:schemeClr val="accent1"/>
+          </a:fillRef>
+          <a:effectRef idx="0">
+            <a:schemeClr val="accent1"/>
+          </a:effectRef>
+          <a:fontRef idx="minor">
+            <a:schemeClr val="tx1"/>
+          </a:fontRef>
+        </p:style>
+      </p:cxnSp>
+      <p:sp>
+        <p:nvSpPr>
+          <p:cNvPr id="53" name="Rectangle 52">
+            <a:extLst>
+              <a:ext uri="{FF2B5EF4-FFF2-40B4-BE49-F238E27FC236}">
+                <a16:creationId xmlns:a16="http://schemas.microsoft.com/office/drawing/2014/main" id="{B8365639-F56A-4DD3-BA29-A6E26D39FF19}"/>
+              </a:ext>
+            </a:extLst>
+          </p:cNvPr>
+          <p:cNvSpPr/>
+          <p:nvPr/>
+        </p:nvSpPr>
+        <p:spPr>
+          <a:xfrm>
+            <a:off x="1004046" y="2672521"/>
+            <a:ext cx="555812" cy="300230"/>
+          </a:xfrm>
+          <a:prstGeom prst="rect">
+            <a:avLst/>
+          </a:prstGeom>
+          <a:noFill/>
+        </p:spPr>
+        <p:style>
+          <a:lnRef idx="2">
+            <a:schemeClr val="accent1">
+              <a:shade val="50000"/>
+            </a:schemeClr>
+          </a:lnRef>
+          <a:fillRef idx="1">
+            <a:schemeClr val="accent1"/>
+          </a:fillRef>
+          <a:effectRef idx="0">
+            <a:schemeClr val="accent1"/>
+          </a:effectRef>
+          <a:fontRef idx="minor">
+            <a:schemeClr val="lt1"/>
+          </a:fontRef>
+        </p:style>
+        <p:txBody>
+          <a:bodyPr rtlCol="0" anchor="ctr"/>
+          <a:lstStyle/>
+          <a:p>
+            <a:pPr algn="ctr"/>
+            <a:endParaRPr lang="it-IT" dirty="0"/>
+          </a:p>
+        </p:txBody>
+      </p:sp>
+      <p:sp>
+        <p:nvSpPr>
+          <p:cNvPr id="32" name="TextBox 31">
+            <a:extLst>
+              <a:ext uri="{FF2B5EF4-FFF2-40B4-BE49-F238E27FC236}">
+                <a16:creationId xmlns:a16="http://schemas.microsoft.com/office/drawing/2014/main" id="{0F1121BF-87AD-4731-B419-4FFE5637C887}"/>
+              </a:ext>
+            </a:extLst>
+          </p:cNvPr>
+          <p:cNvSpPr txBox="1"/>
+          <p:nvPr/>
+        </p:nvSpPr>
+        <p:spPr>
+          <a:xfrm>
+            <a:off x="6554018" y="6039753"/>
+            <a:ext cx="2164475" cy="369332"/>
+          </a:xfrm>
+          <a:prstGeom prst="rect">
+            <a:avLst/>
+          </a:prstGeom>
+          <a:noFill/>
+          <a:ln w="19050">
+            <a:solidFill>
+              <a:schemeClr val="tx1"/>
+            </a:solidFill>
+          </a:ln>
+        </p:spPr>
+        <p:txBody>
+          <a:bodyPr wrap="square" rtlCol="0">
+            <a:spAutoFit/>
+          </a:bodyPr>
+          <a:lstStyle/>
+          <a:p>
+            <a:r>
+              <a:rPr lang="it-IT" dirty="0"/>
+              <a:t>IP/</a:t>
+            </a:r>
+            <a:r>
+              <a:rPr lang="it-IT" dirty="0" err="1"/>
+              <a:t>AgendaRemove</a:t>
+            </a:r>
+            <a:endParaRPr lang="it-IT" dirty="0"/>
+          </a:p>
+        </p:txBody>
+      </p:sp>
+      <p:cxnSp>
+        <p:nvCxnSpPr>
+          <p:cNvPr id="34" name="Straight Arrow Connector 33">
+            <a:extLst>
+              <a:ext uri="{FF2B5EF4-FFF2-40B4-BE49-F238E27FC236}">
+                <a16:creationId xmlns:a16="http://schemas.microsoft.com/office/drawing/2014/main" id="{62BDA9D8-751A-4E91-8E02-2F5D73F91C48}"/>
+              </a:ext>
+            </a:extLst>
+          </p:cNvPr>
+          <p:cNvCxnSpPr>
+            <a:cxnSpLocks/>
+            <a:stCxn id="4" idx="3"/>
+            <a:endCxn id="32" idx="1"/>
+          </p:cNvCxnSpPr>
+          <p:nvPr/>
+        </p:nvCxnSpPr>
+        <p:spPr>
+          <a:xfrm>
+            <a:off x="4446495" y="3798794"/>
+            <a:ext cx="2107523" cy="2425625"/>
+          </a:xfrm>
+          <a:prstGeom prst="straightConnector1">
+            <a:avLst/>
+          </a:prstGeom>
+          <a:ln>
+            <a:tailEnd type="triangle"/>
+          </a:ln>
+        </p:spPr>
+        <p:style>
+          <a:lnRef idx="1">
+            <a:schemeClr val="accent1"/>
+          </a:lnRef>
+          <a:fillRef idx="0">
+            <a:schemeClr val="accent1"/>
+          </a:fillRef>
+          <a:effectRef idx="0">
+            <a:schemeClr val="accent1"/>
+          </a:effectRef>
+          <a:fontRef idx="minor">
+            <a:schemeClr val="tx1"/>
+          </a:fontRef>
+        </p:style>
+      </p:cxnSp>
+      <p:sp>
+        <p:nvSpPr>
+          <p:cNvPr id="45" name="Right Brace 44">
+            <a:extLst>
+              <a:ext uri="{FF2B5EF4-FFF2-40B4-BE49-F238E27FC236}">
+                <a16:creationId xmlns:a16="http://schemas.microsoft.com/office/drawing/2014/main" id="{A033926D-379E-4159-AF2E-2BD10A812BDB}"/>
+              </a:ext>
+            </a:extLst>
+          </p:cNvPr>
+          <p:cNvSpPr/>
+          <p:nvPr/>
+        </p:nvSpPr>
+        <p:spPr>
+          <a:xfrm>
+            <a:off x="10062366" y="456257"/>
+            <a:ext cx="506644" cy="3926541"/>
+          </a:xfrm>
+          <a:prstGeom prst="rightBrace">
+            <a:avLst>
+              <a:gd name="adj1" fmla="val 8333"/>
+              <a:gd name="adj2" fmla="val 50392"/>
+            </a:avLst>
+          </a:prstGeom>
+          <a:ln w="28575"/>
+        </p:spPr>
+        <p:style>
+          <a:lnRef idx="1">
+            <a:schemeClr val="accent1"/>
+          </a:lnRef>
+          <a:fillRef idx="0">
+            <a:schemeClr val="accent1"/>
+          </a:fillRef>
+          <a:effectRef idx="0">
+            <a:schemeClr val="accent1"/>
+          </a:effectRef>
+          <a:fontRef idx="minor">
+            <a:schemeClr val="tx1"/>
+          </a:fontRef>
+        </p:style>
+        <p:txBody>
+          <a:bodyPr rtlCol="0" anchor="ctr"/>
+          <a:lstStyle/>
+          <a:p>
+            <a:pPr algn="ctr"/>
+            <a:endParaRPr lang="it-IT" dirty="0"/>
+          </a:p>
+        </p:txBody>
+      </p:sp>
+      <p:sp>
+        <p:nvSpPr>
+          <p:cNvPr id="46" name="Rectangle: Rounded Corners 45">
+            <a:extLst>
+              <a:ext uri="{FF2B5EF4-FFF2-40B4-BE49-F238E27FC236}">
+                <a16:creationId xmlns:a16="http://schemas.microsoft.com/office/drawing/2014/main" id="{AFC47225-4362-4EC1-B5B6-2C16A03E5890}"/>
+              </a:ext>
+            </a:extLst>
+          </p:cNvPr>
+          <p:cNvSpPr/>
+          <p:nvPr/>
+        </p:nvSpPr>
+        <p:spPr>
+          <a:xfrm>
+            <a:off x="10617387" y="1888618"/>
+            <a:ext cx="1476001" cy="935264"/>
+          </a:xfrm>
+          <a:prstGeom prst="roundRect">
+            <a:avLst/>
+          </a:prstGeom>
+        </p:spPr>
+        <p:style>
+          <a:lnRef idx="2">
+            <a:schemeClr val="accent1">
+              <a:shade val="50000"/>
+            </a:schemeClr>
+          </a:lnRef>
+          <a:fillRef idx="1">
+            <a:schemeClr val="accent1"/>
+          </a:fillRef>
+          <a:effectRef idx="0">
+            <a:schemeClr val="accent1"/>
+          </a:effectRef>
+          <a:fontRef idx="minor">
+            <a:schemeClr val="lt1"/>
+          </a:fontRef>
+        </p:style>
+        <p:txBody>
+          <a:bodyPr rtlCol="0" anchor="ctr"/>
+          <a:lstStyle/>
+          <a:p>
+            <a:pPr algn="ctr"/>
+            <a:r>
+              <a:rPr lang="it-IT" dirty="0"/>
+              <a:t>Method </a:t>
+            </a:r>
+            <a:r>
+              <a:rPr lang="it-IT" dirty="0" err="1"/>
+              <a:t>used</a:t>
+            </a:r>
+            <a:r>
+              <a:rPr lang="it-IT" dirty="0"/>
+              <a:t> by </a:t>
+            </a:r>
+            <a:r>
+              <a:rPr lang="it-IT" dirty="0" err="1"/>
+              <a:t>sensors</a:t>
+            </a:r>
+            <a:endParaRPr lang="it-IT" dirty="0"/>
+          </a:p>
+        </p:txBody>
+      </p:sp>
+      <p:sp>
+        <p:nvSpPr>
+          <p:cNvPr id="48" name="TextBox 47">
+            <a:extLst>
+              <a:ext uri="{FF2B5EF4-FFF2-40B4-BE49-F238E27FC236}">
+                <a16:creationId xmlns:a16="http://schemas.microsoft.com/office/drawing/2014/main" id="{841877EB-96F4-4E14-8269-E51EA3C085E9}"/>
+              </a:ext>
+            </a:extLst>
+          </p:cNvPr>
+          <p:cNvSpPr txBox="1"/>
+          <p:nvPr/>
+        </p:nvSpPr>
+        <p:spPr>
+          <a:xfrm>
+            <a:off x="7977775" y="542290"/>
+            <a:ext cx="1124311" cy="523220"/>
+          </a:xfrm>
+          <a:prstGeom prst="rect">
+            <a:avLst/>
+          </a:prstGeom>
+          <a:noFill/>
+          <a:ln>
+            <a:solidFill>
+              <a:schemeClr val="tx1"/>
+            </a:solidFill>
+            <a:prstDash val="lgDash"/>
+          </a:ln>
+        </p:spPr>
+        <p:txBody>
+          <a:bodyPr wrap="square" rtlCol="0">
+            <a:spAutoFit/>
+          </a:bodyPr>
+          <a:lstStyle/>
+          <a:p>
+            <a:r>
+              <a:rPr lang="it-IT" sz="1400" dirty="0" err="1"/>
+              <a:t>lastUpdate</a:t>
+            </a:r>
+            <a:r>
+              <a:rPr lang="it-IT" sz="1400" dirty="0"/>
+              <a:t> </a:t>
+            </a:r>
+            <a:r>
+              <a:rPr lang="it-IT" sz="1400" dirty="0" err="1"/>
+              <a:t>section</a:t>
+            </a:r>
+            <a:endParaRPr lang="it-IT" sz="1400" dirty="0"/>
+          </a:p>
+        </p:txBody>
+      </p:sp>
+      <p:sp>
+        <p:nvSpPr>
+          <p:cNvPr id="50" name="TextBox 49">
+            <a:extLst>
+              <a:ext uri="{FF2B5EF4-FFF2-40B4-BE49-F238E27FC236}">
+                <a16:creationId xmlns:a16="http://schemas.microsoft.com/office/drawing/2014/main" id="{D3819882-B3C3-4F20-B3EA-37B64D5BA205}"/>
+              </a:ext>
+            </a:extLst>
+          </p:cNvPr>
+          <p:cNvSpPr txBox="1"/>
+          <p:nvPr/>
+        </p:nvSpPr>
+        <p:spPr>
+          <a:xfrm>
+            <a:off x="7989355" y="4685570"/>
+            <a:ext cx="1264661" cy="307777"/>
+          </a:xfrm>
+          <a:prstGeom prst="rect">
+            <a:avLst/>
+          </a:prstGeom>
+          <a:noFill/>
+          <a:ln>
+            <a:solidFill>
+              <a:schemeClr val="tx1"/>
+            </a:solidFill>
+            <a:prstDash val="lgDash"/>
+          </a:ln>
+        </p:spPr>
+        <p:txBody>
+          <a:bodyPr wrap="square" rtlCol="0">
+            <a:spAutoFit/>
+          </a:bodyPr>
+          <a:lstStyle/>
+          <a:p>
+            <a:r>
+              <a:rPr lang="it-IT" sz="1400" dirty="0" err="1"/>
+              <a:t>Battery</a:t>
+            </a:r>
+            <a:r>
+              <a:rPr lang="it-IT" sz="1400" dirty="0"/>
+              <a:t> info</a:t>
+            </a:r>
+          </a:p>
+        </p:txBody>
+      </p:sp>
+      <p:sp>
+        <p:nvSpPr>
+          <p:cNvPr id="51" name="TextBox 50">
+            <a:extLst>
+              <a:ext uri="{FF2B5EF4-FFF2-40B4-BE49-F238E27FC236}">
+                <a16:creationId xmlns:a16="http://schemas.microsoft.com/office/drawing/2014/main" id="{32F1CD30-651D-459E-91D2-766B8E749917}"/>
+              </a:ext>
+            </a:extLst>
+          </p:cNvPr>
+          <p:cNvSpPr txBox="1"/>
+          <p:nvPr/>
+        </p:nvSpPr>
+        <p:spPr>
+          <a:xfrm>
+            <a:off x="9307678" y="1316873"/>
+            <a:ext cx="718674" cy="307777"/>
+          </a:xfrm>
+          <a:prstGeom prst="rect">
+            <a:avLst/>
+          </a:prstGeom>
+          <a:noFill/>
+          <a:ln>
+            <a:solidFill>
+              <a:schemeClr val="tx1"/>
+            </a:solidFill>
+            <a:prstDash val="lgDash"/>
+          </a:ln>
+        </p:spPr>
+        <p:txBody>
+          <a:bodyPr wrap="square" rtlCol="0">
+            <a:spAutoFit/>
+          </a:bodyPr>
+          <a:lstStyle/>
+          <a:p>
+            <a:r>
+              <a:rPr lang="it-IT" sz="1400" dirty="0" err="1"/>
+              <a:t>value</a:t>
+            </a:r>
+            <a:r>
+              <a:rPr lang="it-IT" sz="1400" dirty="0"/>
+              <a:t> </a:t>
+            </a:r>
+          </a:p>
+        </p:txBody>
+      </p:sp>
+      <p:sp>
+        <p:nvSpPr>
+          <p:cNvPr id="54" name="TextBox 53">
+            <a:extLst>
+              <a:ext uri="{FF2B5EF4-FFF2-40B4-BE49-F238E27FC236}">
+                <a16:creationId xmlns:a16="http://schemas.microsoft.com/office/drawing/2014/main" id="{2A493E21-1C71-4170-A1CD-11163AF34794}"/>
+              </a:ext>
+            </a:extLst>
+          </p:cNvPr>
+          <p:cNvSpPr txBox="1"/>
+          <p:nvPr/>
+        </p:nvSpPr>
+        <p:spPr>
+          <a:xfrm>
+            <a:off x="9316895" y="1899075"/>
+            <a:ext cx="718674" cy="307777"/>
+          </a:xfrm>
+          <a:prstGeom prst="rect">
+            <a:avLst/>
+          </a:prstGeom>
+          <a:noFill/>
+          <a:ln>
+            <a:solidFill>
+              <a:schemeClr val="tx1"/>
+            </a:solidFill>
+            <a:prstDash val="lgDash"/>
+          </a:ln>
+        </p:spPr>
+        <p:txBody>
+          <a:bodyPr wrap="square" rtlCol="0">
+            <a:spAutoFit/>
+          </a:bodyPr>
+          <a:lstStyle/>
+          <a:p>
+            <a:r>
+              <a:rPr lang="it-IT" sz="1400" dirty="0" err="1"/>
+              <a:t>value</a:t>
+            </a:r>
+            <a:r>
+              <a:rPr lang="it-IT" sz="1400" dirty="0"/>
+              <a:t> </a:t>
+            </a:r>
+          </a:p>
+        </p:txBody>
+      </p:sp>
+      <p:sp>
+        <p:nvSpPr>
+          <p:cNvPr id="55" name="TextBox 54">
+            <a:extLst>
+              <a:ext uri="{FF2B5EF4-FFF2-40B4-BE49-F238E27FC236}">
+                <a16:creationId xmlns:a16="http://schemas.microsoft.com/office/drawing/2014/main" id="{C0273167-077A-480A-A3D2-25F9364B40EA}"/>
+              </a:ext>
+            </a:extLst>
+          </p:cNvPr>
+          <p:cNvSpPr txBox="1"/>
+          <p:nvPr/>
+        </p:nvSpPr>
+        <p:spPr>
+          <a:xfrm>
+            <a:off x="9343692" y="2589541"/>
+            <a:ext cx="718674" cy="307777"/>
+          </a:xfrm>
+          <a:prstGeom prst="rect">
+            <a:avLst/>
+          </a:prstGeom>
+          <a:noFill/>
+          <a:ln>
+            <a:solidFill>
+              <a:schemeClr val="tx1"/>
+            </a:solidFill>
+            <a:prstDash val="lgDash"/>
+          </a:ln>
+        </p:spPr>
+        <p:txBody>
+          <a:bodyPr wrap="square" rtlCol="0">
+            <a:spAutoFit/>
+          </a:bodyPr>
+          <a:lstStyle/>
+          <a:p>
+            <a:r>
+              <a:rPr lang="it-IT" sz="1400" dirty="0" err="1"/>
+              <a:t>value</a:t>
+            </a:r>
+            <a:r>
+              <a:rPr lang="it-IT" sz="1400" dirty="0"/>
+              <a:t> </a:t>
+            </a:r>
+          </a:p>
+        </p:txBody>
+      </p:sp>
+      <p:sp>
+        <p:nvSpPr>
+          <p:cNvPr id="56" name="TextBox 55">
+            <a:extLst>
+              <a:ext uri="{FF2B5EF4-FFF2-40B4-BE49-F238E27FC236}">
+                <a16:creationId xmlns:a16="http://schemas.microsoft.com/office/drawing/2014/main" id="{28E71DD3-3DEC-4D2D-BB87-D9E66180E7DA}"/>
+              </a:ext>
+            </a:extLst>
+          </p:cNvPr>
+          <p:cNvSpPr txBox="1"/>
+          <p:nvPr/>
+        </p:nvSpPr>
+        <p:spPr>
+          <a:xfrm>
+            <a:off x="9343692" y="3345540"/>
+            <a:ext cx="718674" cy="307777"/>
+          </a:xfrm>
+          <a:prstGeom prst="rect">
+            <a:avLst/>
+          </a:prstGeom>
+          <a:noFill/>
+          <a:ln>
+            <a:solidFill>
+              <a:schemeClr val="tx1"/>
+            </a:solidFill>
+            <a:prstDash val="lgDash"/>
+          </a:ln>
+        </p:spPr>
+        <p:txBody>
+          <a:bodyPr wrap="square" rtlCol="0">
+            <a:spAutoFit/>
+          </a:bodyPr>
+          <a:lstStyle/>
+          <a:p>
+            <a:r>
+              <a:rPr lang="it-IT" sz="1400" dirty="0" err="1"/>
+              <a:t>value</a:t>
+            </a:r>
+            <a:r>
+              <a:rPr lang="it-IT" sz="1400" dirty="0"/>
+              <a:t> </a:t>
+            </a:r>
+          </a:p>
+        </p:txBody>
+      </p:sp>
+      <p:sp>
+        <p:nvSpPr>
+          <p:cNvPr id="57" name="TextBox 56">
+            <a:extLst>
+              <a:ext uri="{FF2B5EF4-FFF2-40B4-BE49-F238E27FC236}">
+                <a16:creationId xmlns:a16="http://schemas.microsoft.com/office/drawing/2014/main" id="{1AF5129A-C72D-4509-9D83-A21DB4850E2F}"/>
+              </a:ext>
+            </a:extLst>
+          </p:cNvPr>
+          <p:cNvSpPr txBox="1"/>
+          <p:nvPr/>
+        </p:nvSpPr>
+        <p:spPr>
+          <a:xfrm>
+            <a:off x="9307678" y="3925300"/>
+            <a:ext cx="718674" cy="307777"/>
+          </a:xfrm>
+          <a:prstGeom prst="rect">
+            <a:avLst/>
+          </a:prstGeom>
+          <a:noFill/>
+          <a:ln>
+            <a:solidFill>
+              <a:schemeClr val="tx1"/>
+            </a:solidFill>
+            <a:prstDash val="lgDash"/>
+          </a:ln>
+        </p:spPr>
+        <p:txBody>
+          <a:bodyPr wrap="square" rtlCol="0">
+            <a:spAutoFit/>
+          </a:bodyPr>
+          <a:lstStyle/>
+          <a:p>
+            <a:r>
+              <a:rPr lang="it-IT" sz="1400" dirty="0" err="1"/>
+              <a:t>value</a:t>
+            </a:r>
+            <a:r>
+              <a:rPr lang="it-IT" sz="1400" dirty="0"/>
+              <a:t> </a:t>
+            </a:r>
+          </a:p>
+        </p:txBody>
+      </p:sp>
+      <p:sp>
+        <p:nvSpPr>
+          <p:cNvPr id="69" name="Right Brace 68">
+            <a:extLst>
+              <a:ext uri="{FF2B5EF4-FFF2-40B4-BE49-F238E27FC236}">
+                <a16:creationId xmlns:a16="http://schemas.microsoft.com/office/drawing/2014/main" id="{D28F1892-C35E-457E-BCC9-667F5363CABF}"/>
+              </a:ext>
+            </a:extLst>
+          </p:cNvPr>
+          <p:cNvSpPr/>
+          <p:nvPr/>
+        </p:nvSpPr>
+        <p:spPr>
+          <a:xfrm>
+            <a:off x="9343692" y="4538622"/>
+            <a:ext cx="329226" cy="2095260"/>
+          </a:xfrm>
+          <a:prstGeom prst="rightBrace">
+            <a:avLst/>
+          </a:prstGeom>
+          <a:ln w="28575"/>
+        </p:spPr>
+        <p:style>
+          <a:lnRef idx="1">
+            <a:schemeClr val="accent1"/>
+          </a:lnRef>
+          <a:fillRef idx="0">
+            <a:schemeClr val="accent1"/>
+          </a:fillRef>
+          <a:effectRef idx="0">
+            <a:schemeClr val="accent1"/>
+          </a:effectRef>
+          <a:fontRef idx="minor">
+            <a:schemeClr val="tx1"/>
+          </a:fontRef>
+        </p:style>
+        <p:txBody>
+          <a:bodyPr rtlCol="0" anchor="ctr"/>
+          <a:lstStyle/>
+          <a:p>
+            <a:pPr algn="ctr"/>
+            <a:endParaRPr lang="it-IT"/>
+          </a:p>
+        </p:txBody>
+      </p:sp>
+      <p:sp>
+        <p:nvSpPr>
+          <p:cNvPr id="73" name="Rectangle: Rounded Corners 72">
+            <a:extLst>
+              <a:ext uri="{FF2B5EF4-FFF2-40B4-BE49-F238E27FC236}">
+                <a16:creationId xmlns:a16="http://schemas.microsoft.com/office/drawing/2014/main" id="{9EF1A81D-8865-43A0-999D-546DC923A85D}"/>
+              </a:ext>
+            </a:extLst>
+          </p:cNvPr>
+          <p:cNvSpPr/>
+          <p:nvPr/>
+        </p:nvSpPr>
+        <p:spPr>
+          <a:xfrm>
+            <a:off x="9879215" y="4937625"/>
+            <a:ext cx="1834599" cy="1297254"/>
+          </a:xfrm>
+          <a:prstGeom prst="roundRect">
+            <a:avLst/>
+          </a:prstGeom>
+        </p:spPr>
+        <p:style>
+          <a:lnRef idx="2">
+            <a:schemeClr val="accent1">
+              <a:shade val="50000"/>
+            </a:schemeClr>
+          </a:lnRef>
+          <a:fillRef idx="1">
+            <a:schemeClr val="accent1"/>
+          </a:fillRef>
+          <a:effectRef idx="0">
+            <a:schemeClr val="accent1"/>
+          </a:effectRef>
+          <a:fontRef idx="minor">
+            <a:schemeClr val="lt1"/>
+          </a:fontRef>
+        </p:style>
+        <p:txBody>
+          <a:bodyPr rtlCol="0" anchor="ctr"/>
+          <a:lstStyle/>
+          <a:p>
+            <a:pPr algn="ctr"/>
+            <a:r>
+              <a:rPr lang="it-IT" dirty="0"/>
+              <a:t>Method </a:t>
+            </a:r>
+            <a:r>
+              <a:rPr lang="it-IT" dirty="0" err="1"/>
+              <a:t>used</a:t>
+            </a:r>
+            <a:r>
+              <a:rPr lang="it-IT" dirty="0"/>
+              <a:t> by user </a:t>
+            </a:r>
+            <a:r>
+              <a:rPr lang="it-IT" dirty="0" err="1"/>
+              <a:t>only</a:t>
+            </a:r>
+            <a:r>
+              <a:rPr lang="it-IT" dirty="0"/>
+              <a:t> </a:t>
+            </a:r>
+            <a:r>
+              <a:rPr lang="it-IT" dirty="0" err="1"/>
+              <a:t>through</a:t>
+            </a:r>
+            <a:r>
+              <a:rPr lang="it-IT" dirty="0"/>
+              <a:t> </a:t>
+            </a:r>
+            <a:r>
+              <a:rPr lang="it-IT" dirty="0" err="1"/>
+              <a:t>PostMan</a:t>
+            </a:r>
+            <a:endParaRPr lang="it-IT" dirty="0"/>
+          </a:p>
+        </p:txBody>
+      </p:sp>
+    </p:spTree>
+    <p:extLst>
+      <p:ext uri="{BB962C8B-B14F-4D97-AF65-F5344CB8AC3E}">
+        <p14:creationId xmlns:p14="http://schemas.microsoft.com/office/powerpoint/2010/main" val="2839582268"/>
+      </p:ext>
+    </p:extLst>
+  </p:cSld>
+  <p:clrMapOvr>
+    <a:masterClrMapping/>
+  </p:clrMapOvr>
+</p:sld>
+</file>
+
+<file path=ppt/slides/slide11.xml><?xml version="1.0" encoding="utf-8"?>
+<p:sld xmlns:a="http://schemas.openxmlformats.org/drawingml/2006/main" xmlns:r="http://schemas.openxmlformats.org/officeDocument/2006/relationships" xmlns:p="http://schemas.openxmlformats.org/presentationml/2006/main">
+  <p:cSld>
+    <p:spTree>
+      <p:nvGrpSpPr>
+        <p:cNvPr id="1" name=""/>
+        <p:cNvGrpSpPr/>
+        <p:nvPr/>
+      </p:nvGrpSpPr>
+      <p:grpSpPr>
+        <a:xfrm>
+          <a:off x="0" y="0"/>
+          <a:ext cx="0" cy="0"/>
+          <a:chOff x="0" y="0"/>
+          <a:chExt cx="0" cy="0"/>
+        </a:xfrm>
+      </p:grpSpPr>
+      <p:sp>
+        <p:nvSpPr>
+          <p:cNvPr id="2" name="Title 1">
+            <a:extLst>
+              <a:ext uri="{FF2B5EF4-FFF2-40B4-BE49-F238E27FC236}">
+                <a16:creationId xmlns:a16="http://schemas.microsoft.com/office/drawing/2014/main" id="{6EA38D7D-CC50-65DA-52B6-3A515E298C8B}"/>
+              </a:ext>
+            </a:extLst>
+          </p:cNvPr>
+          <p:cNvSpPr>
+            <a:spLocks noGrp="1"/>
+          </p:cNvSpPr>
+          <p:nvPr>
+            <p:ph type="title"/>
+          </p:nvPr>
+        </p:nvSpPr>
+        <p:spPr>
+          <a:xfrm>
+            <a:off x="300816" y="252933"/>
+            <a:ext cx="8596668" cy="1320800"/>
+          </a:xfrm>
+        </p:spPr>
+        <p:txBody>
+          <a:bodyPr/>
+          <a:lstStyle/>
+          <a:p>
+            <a:r>
+              <a:rPr lang="it-IT" dirty="0"/>
+              <a:t>POST </a:t>
+            </a:r>
+            <a:r>
+              <a:rPr lang="it-IT" dirty="0" err="1"/>
+              <a:t>method</a:t>
+            </a:r>
+            <a:endParaRPr lang="it-IT" dirty="0"/>
+          </a:p>
+        </p:txBody>
+      </p:sp>
+      <p:sp>
+        <p:nvSpPr>
+          <p:cNvPr id="3" name="TextBox 2">
+            <a:extLst>
+              <a:ext uri="{FF2B5EF4-FFF2-40B4-BE49-F238E27FC236}">
+                <a16:creationId xmlns:a16="http://schemas.microsoft.com/office/drawing/2014/main" id="{65A4F1AD-6B4E-43CA-84EB-6BC8163ACBB4}"/>
+              </a:ext>
+            </a:extLst>
+          </p:cNvPr>
+          <p:cNvSpPr txBox="1"/>
+          <p:nvPr/>
+        </p:nvSpPr>
+        <p:spPr>
+          <a:xfrm>
+            <a:off x="677334" y="1544917"/>
+            <a:ext cx="3845859" cy="1754326"/>
+          </a:xfrm>
+          <a:prstGeom prst="rect">
+            <a:avLst/>
+          </a:prstGeom>
+          <a:noFill/>
+        </p:spPr>
+        <p:txBody>
+          <a:bodyPr wrap="square" rtlCol="0">
+            <a:spAutoFit/>
+          </a:bodyPr>
+          <a:lstStyle/>
+          <a:p>
+            <a:r>
+              <a:rPr lang="en-US" dirty="0"/>
+              <a:t>It communicates with all the other actors in the platform exploiting REST communication. </a:t>
+            </a:r>
+          </a:p>
+          <a:p>
+            <a:pPr marL="285750" indent="-285750">
+              <a:buFont typeface="Arial" panose="020B0604020202020204" pitchFamily="34" charset="0"/>
+              <a:buChar char="•"/>
+            </a:pPr>
+            <a:r>
+              <a:rPr lang="en-US" dirty="0"/>
+              <a:t>GET: Retrieve information</a:t>
+            </a:r>
+          </a:p>
+          <a:p>
+            <a:pPr marL="285750" indent="-285750">
+              <a:buFont typeface="Arial" panose="020B0604020202020204" pitchFamily="34" charset="0"/>
+              <a:buChar char="•"/>
+            </a:pPr>
+            <a:r>
+              <a:rPr lang="en-US" dirty="0"/>
+              <a:t>PUT: Update information</a:t>
+            </a:r>
+          </a:p>
+          <a:p>
+            <a:pPr marL="285750" indent="-285750">
+              <a:buFont typeface="Arial" panose="020B0604020202020204" pitchFamily="34" charset="0"/>
+              <a:buChar char="•"/>
+            </a:pPr>
+            <a:r>
+              <a:rPr lang="en-US" dirty="0"/>
+              <a:t>POST: Add information</a:t>
+            </a:r>
+          </a:p>
+        </p:txBody>
+      </p:sp>
+      <p:sp>
+        <p:nvSpPr>
+          <p:cNvPr id="4" name="Rectangle 3">
+            <a:extLst>
+              <a:ext uri="{FF2B5EF4-FFF2-40B4-BE49-F238E27FC236}">
+                <a16:creationId xmlns:a16="http://schemas.microsoft.com/office/drawing/2014/main" id="{36BEA4F5-6FAD-481B-AFFE-05102E1B3351}"/>
+              </a:ext>
+            </a:extLst>
+          </p:cNvPr>
+          <p:cNvSpPr/>
+          <p:nvPr/>
+        </p:nvSpPr>
+        <p:spPr>
+          <a:xfrm>
+            <a:off x="3048001" y="3429000"/>
+            <a:ext cx="1398494" cy="739588"/>
+          </a:xfrm>
+          <a:prstGeom prst="rect">
+            <a:avLst/>
+          </a:prstGeom>
+        </p:spPr>
+        <p:style>
+          <a:lnRef idx="2">
+            <a:schemeClr val="accent1">
+              <a:shade val="50000"/>
+            </a:schemeClr>
+          </a:lnRef>
+          <a:fillRef idx="1">
+            <a:schemeClr val="accent1"/>
+          </a:fillRef>
+          <a:effectRef idx="0">
+            <a:schemeClr val="accent1"/>
+          </a:effectRef>
+          <a:fontRef idx="minor">
+            <a:schemeClr val="lt1"/>
+          </a:fontRef>
+        </p:style>
+        <p:txBody>
+          <a:bodyPr rtlCol="0" anchor="ctr"/>
+          <a:lstStyle/>
+          <a:p>
+            <a:pPr algn="ctr"/>
+            <a:r>
+              <a:rPr lang="it-IT" dirty="0"/>
+              <a:t>POST</a:t>
+            </a:r>
+          </a:p>
+        </p:txBody>
+      </p:sp>
+      <p:cxnSp>
+        <p:nvCxnSpPr>
+          <p:cNvPr id="11" name="Straight Arrow Connector 10">
+            <a:extLst>
+              <a:ext uri="{FF2B5EF4-FFF2-40B4-BE49-F238E27FC236}">
+                <a16:creationId xmlns:a16="http://schemas.microsoft.com/office/drawing/2014/main" id="{97AB31B7-0F30-41A5-B8AA-6D3627F328A5}"/>
+              </a:ext>
+            </a:extLst>
+          </p:cNvPr>
+          <p:cNvCxnSpPr>
+            <a:cxnSpLocks/>
+            <a:stCxn id="4" idx="3"/>
+            <a:endCxn id="14" idx="1"/>
+          </p:cNvCxnSpPr>
+          <p:nvPr/>
+        </p:nvCxnSpPr>
+        <p:spPr>
+          <a:xfrm flipV="1">
+            <a:off x="4446495" y="2685401"/>
+            <a:ext cx="2388045" cy="1113393"/>
+          </a:xfrm>
+          <a:prstGeom prst="straightConnector1">
+            <a:avLst/>
+          </a:prstGeom>
+          <a:ln>
+            <a:tailEnd type="triangle"/>
+          </a:ln>
+        </p:spPr>
+        <p:style>
+          <a:lnRef idx="1">
+            <a:schemeClr val="accent1"/>
+          </a:lnRef>
+          <a:fillRef idx="0">
+            <a:schemeClr val="accent1"/>
+          </a:fillRef>
+          <a:effectRef idx="0">
+            <a:schemeClr val="accent1"/>
+          </a:effectRef>
+          <a:fontRef idx="minor">
+            <a:schemeClr val="tx1"/>
+          </a:fontRef>
+        </p:style>
+      </p:cxnSp>
+      <p:sp>
+        <p:nvSpPr>
+          <p:cNvPr id="14" name="TextBox 13">
+            <a:extLst>
+              <a:ext uri="{FF2B5EF4-FFF2-40B4-BE49-F238E27FC236}">
+                <a16:creationId xmlns:a16="http://schemas.microsoft.com/office/drawing/2014/main" id="{65AC1259-1DAB-4C77-9833-13421BD4289C}"/>
+              </a:ext>
+            </a:extLst>
+          </p:cNvPr>
+          <p:cNvSpPr txBox="1"/>
+          <p:nvPr/>
+        </p:nvSpPr>
+        <p:spPr>
+          <a:xfrm>
+            <a:off x="6834540" y="2500735"/>
+            <a:ext cx="1211233" cy="369332"/>
+          </a:xfrm>
+          <a:prstGeom prst="rect">
+            <a:avLst/>
+          </a:prstGeom>
+          <a:noFill/>
+          <a:ln w="19050">
+            <a:solidFill>
+              <a:schemeClr val="tx1"/>
+            </a:solidFill>
+          </a:ln>
+        </p:spPr>
+        <p:txBody>
+          <a:bodyPr wrap="square" rtlCol="0">
+            <a:spAutoFit/>
+          </a:bodyPr>
+          <a:lstStyle/>
+          <a:p>
+            <a:r>
+              <a:rPr lang="it-IT" dirty="0"/>
+              <a:t>IP/Device</a:t>
+            </a:r>
+          </a:p>
+        </p:txBody>
+      </p:sp>
+      <p:sp>
+        <p:nvSpPr>
+          <p:cNvPr id="15" name="TextBox 14">
+            <a:extLst>
+              <a:ext uri="{FF2B5EF4-FFF2-40B4-BE49-F238E27FC236}">
+                <a16:creationId xmlns:a16="http://schemas.microsoft.com/office/drawing/2014/main" id="{64CA5A8E-C3C5-4FAF-B89F-6680B729FAC6}"/>
+              </a:ext>
+            </a:extLst>
+          </p:cNvPr>
+          <p:cNvSpPr txBox="1"/>
+          <p:nvPr/>
+        </p:nvSpPr>
+        <p:spPr>
+          <a:xfrm>
+            <a:off x="6834540" y="3174427"/>
+            <a:ext cx="1211233" cy="369332"/>
+          </a:xfrm>
+          <a:prstGeom prst="rect">
+            <a:avLst/>
+          </a:prstGeom>
+          <a:noFill/>
+          <a:ln w="19050">
+            <a:solidFill>
+              <a:schemeClr val="tx1"/>
+            </a:solidFill>
+          </a:ln>
+        </p:spPr>
+        <p:txBody>
+          <a:bodyPr wrap="square" rtlCol="0">
+            <a:spAutoFit/>
+          </a:bodyPr>
+          <a:lstStyle/>
+          <a:p>
+            <a:r>
+              <a:rPr lang="it-IT" dirty="0"/>
+              <a:t>IP/User</a:t>
+            </a:r>
+          </a:p>
+        </p:txBody>
+      </p:sp>
+      <p:sp>
+        <p:nvSpPr>
+          <p:cNvPr id="16" name="TextBox 15">
+            <a:extLst>
+              <a:ext uri="{FF2B5EF4-FFF2-40B4-BE49-F238E27FC236}">
+                <a16:creationId xmlns:a16="http://schemas.microsoft.com/office/drawing/2014/main" id="{8BFF5D09-0A22-4F93-BCFD-427CB1379BC8}"/>
+              </a:ext>
+            </a:extLst>
+          </p:cNvPr>
+          <p:cNvSpPr txBox="1"/>
+          <p:nvPr/>
+        </p:nvSpPr>
+        <p:spPr>
+          <a:xfrm>
+            <a:off x="6822960" y="3778775"/>
+            <a:ext cx="1222813" cy="369332"/>
+          </a:xfrm>
+          <a:prstGeom prst="rect">
+            <a:avLst/>
+          </a:prstGeom>
+          <a:noFill/>
+          <a:ln w="19050">
+            <a:solidFill>
+              <a:schemeClr val="tx1"/>
+            </a:solidFill>
+          </a:ln>
+        </p:spPr>
+        <p:txBody>
+          <a:bodyPr wrap="square" rtlCol="0">
+            <a:spAutoFit/>
+          </a:bodyPr>
+          <a:lstStyle/>
+          <a:p>
+            <a:r>
+              <a:rPr lang="it-IT" dirty="0"/>
+              <a:t>IP/</a:t>
+            </a:r>
+            <a:r>
+              <a:rPr lang="it-IT" dirty="0" err="1"/>
+              <a:t>ChatID</a:t>
+            </a:r>
+            <a:endParaRPr lang="it-IT" dirty="0"/>
+          </a:p>
+        </p:txBody>
+      </p:sp>
+      <p:sp>
+        <p:nvSpPr>
+          <p:cNvPr id="17" name="TextBox 16">
+            <a:extLst>
+              <a:ext uri="{FF2B5EF4-FFF2-40B4-BE49-F238E27FC236}">
+                <a16:creationId xmlns:a16="http://schemas.microsoft.com/office/drawing/2014/main" id="{48CC320A-A6F5-4A9F-9AC0-0845242FDAE3}"/>
+              </a:ext>
+            </a:extLst>
+          </p:cNvPr>
+          <p:cNvSpPr txBox="1"/>
+          <p:nvPr/>
+        </p:nvSpPr>
+        <p:spPr>
+          <a:xfrm>
+            <a:off x="6834540" y="4909295"/>
+            <a:ext cx="1395059" cy="369332"/>
+          </a:xfrm>
+          <a:prstGeom prst="rect">
+            <a:avLst/>
+          </a:prstGeom>
+          <a:noFill/>
+          <a:ln w="19050">
+            <a:solidFill>
+              <a:schemeClr val="tx1"/>
+            </a:solidFill>
+          </a:ln>
+        </p:spPr>
+        <p:txBody>
+          <a:bodyPr wrap="square" rtlCol="0">
+            <a:spAutoFit/>
+          </a:bodyPr>
+          <a:lstStyle/>
+          <a:p>
+            <a:r>
+              <a:rPr lang="it-IT" dirty="0"/>
+              <a:t>IP/Agenda</a:t>
+            </a:r>
+          </a:p>
+        </p:txBody>
+      </p:sp>
+      <p:cxnSp>
+        <p:nvCxnSpPr>
+          <p:cNvPr id="23" name="Straight Arrow Connector 22">
+            <a:extLst>
+              <a:ext uri="{FF2B5EF4-FFF2-40B4-BE49-F238E27FC236}">
+                <a16:creationId xmlns:a16="http://schemas.microsoft.com/office/drawing/2014/main" id="{C63F379F-F465-4E46-8660-457BC090AC2B}"/>
+              </a:ext>
+            </a:extLst>
+          </p:cNvPr>
+          <p:cNvCxnSpPr>
+            <a:cxnSpLocks/>
+            <a:stCxn id="4" idx="3"/>
+            <a:endCxn id="15" idx="1"/>
+          </p:cNvCxnSpPr>
+          <p:nvPr/>
+        </p:nvCxnSpPr>
+        <p:spPr>
+          <a:xfrm flipV="1">
+            <a:off x="4446495" y="3359093"/>
+            <a:ext cx="2388045" cy="439701"/>
+          </a:xfrm>
+          <a:prstGeom prst="straightConnector1">
+            <a:avLst/>
+          </a:prstGeom>
+          <a:ln>
+            <a:tailEnd type="triangle"/>
+          </a:ln>
+        </p:spPr>
+        <p:style>
+          <a:lnRef idx="1">
+            <a:schemeClr val="accent1"/>
+          </a:lnRef>
+          <a:fillRef idx="0">
+            <a:schemeClr val="accent1"/>
+          </a:fillRef>
+          <a:effectRef idx="0">
+            <a:schemeClr val="accent1"/>
+          </a:effectRef>
+          <a:fontRef idx="minor">
+            <a:schemeClr val="tx1"/>
+          </a:fontRef>
+        </p:style>
+      </p:cxnSp>
+      <p:cxnSp>
+        <p:nvCxnSpPr>
+          <p:cNvPr id="25" name="Straight Arrow Connector 24">
+            <a:extLst>
+              <a:ext uri="{FF2B5EF4-FFF2-40B4-BE49-F238E27FC236}">
+                <a16:creationId xmlns:a16="http://schemas.microsoft.com/office/drawing/2014/main" id="{E04667FF-0234-4842-9A33-7BB2A39FF0E5}"/>
+              </a:ext>
+            </a:extLst>
+          </p:cNvPr>
+          <p:cNvCxnSpPr>
+            <a:cxnSpLocks/>
+            <a:stCxn id="4" idx="3"/>
+            <a:endCxn id="16" idx="1"/>
+          </p:cNvCxnSpPr>
+          <p:nvPr/>
+        </p:nvCxnSpPr>
+        <p:spPr>
+          <a:xfrm>
+            <a:off x="4446495" y="3798794"/>
+            <a:ext cx="2376465" cy="164647"/>
+          </a:xfrm>
+          <a:prstGeom prst="straightConnector1">
+            <a:avLst/>
+          </a:prstGeom>
+          <a:ln>
+            <a:tailEnd type="triangle"/>
+          </a:ln>
+        </p:spPr>
+        <p:style>
+          <a:lnRef idx="1">
+            <a:schemeClr val="accent1"/>
+          </a:lnRef>
+          <a:fillRef idx="0">
+            <a:schemeClr val="accent1"/>
+          </a:fillRef>
+          <a:effectRef idx="0">
+            <a:schemeClr val="accent1"/>
+          </a:effectRef>
+          <a:fontRef idx="minor">
+            <a:schemeClr val="tx1"/>
+          </a:fontRef>
+        </p:style>
+      </p:cxnSp>
+      <p:cxnSp>
+        <p:nvCxnSpPr>
+          <p:cNvPr id="27" name="Straight Arrow Connector 26">
+            <a:extLst>
+              <a:ext uri="{FF2B5EF4-FFF2-40B4-BE49-F238E27FC236}">
+                <a16:creationId xmlns:a16="http://schemas.microsoft.com/office/drawing/2014/main" id="{66074F90-EF3E-4BDF-9C13-ED59D4FC5983}"/>
+              </a:ext>
+            </a:extLst>
+          </p:cNvPr>
+          <p:cNvCxnSpPr>
+            <a:cxnSpLocks/>
+            <a:stCxn id="4" idx="3"/>
+            <a:endCxn id="17" idx="1"/>
+          </p:cNvCxnSpPr>
+          <p:nvPr/>
+        </p:nvCxnSpPr>
+        <p:spPr>
+          <a:xfrm>
+            <a:off x="4446495" y="3798794"/>
+            <a:ext cx="2388045" cy="1295167"/>
+          </a:xfrm>
+          <a:prstGeom prst="straightConnector1">
+            <a:avLst/>
+          </a:prstGeom>
+          <a:ln>
+            <a:tailEnd type="triangle"/>
+          </a:ln>
+        </p:spPr>
+        <p:style>
+          <a:lnRef idx="1">
+            <a:schemeClr val="accent1"/>
+          </a:lnRef>
+          <a:fillRef idx="0">
+            <a:schemeClr val="accent1"/>
+          </a:fillRef>
+          <a:effectRef idx="0">
+            <a:schemeClr val="accent1"/>
+          </a:effectRef>
+          <a:fontRef idx="minor">
+            <a:schemeClr val="tx1"/>
+          </a:fontRef>
+        </p:style>
+      </p:cxnSp>
+      <p:sp>
+        <p:nvSpPr>
+          <p:cNvPr id="53" name="Rectangle 52">
+            <a:extLst>
+              <a:ext uri="{FF2B5EF4-FFF2-40B4-BE49-F238E27FC236}">
+                <a16:creationId xmlns:a16="http://schemas.microsoft.com/office/drawing/2014/main" id="{B8365639-F56A-4DD3-BA29-A6E26D39FF19}"/>
+              </a:ext>
+            </a:extLst>
+          </p:cNvPr>
+          <p:cNvSpPr/>
+          <p:nvPr/>
+        </p:nvSpPr>
+        <p:spPr>
+          <a:xfrm>
+            <a:off x="1031318" y="2942432"/>
+            <a:ext cx="555812" cy="300230"/>
+          </a:xfrm>
+          <a:prstGeom prst="rect">
+            <a:avLst/>
+          </a:prstGeom>
+          <a:noFill/>
+        </p:spPr>
+        <p:style>
+          <a:lnRef idx="2">
+            <a:schemeClr val="accent1">
+              <a:shade val="50000"/>
+            </a:schemeClr>
+          </a:lnRef>
+          <a:fillRef idx="1">
+            <a:schemeClr val="accent1"/>
+          </a:fillRef>
+          <a:effectRef idx="0">
+            <a:schemeClr val="accent1"/>
+          </a:effectRef>
+          <a:fontRef idx="minor">
+            <a:schemeClr val="lt1"/>
+          </a:fontRef>
+        </p:style>
+        <p:txBody>
+          <a:bodyPr rtlCol="0" anchor="ctr"/>
+          <a:lstStyle/>
+          <a:p>
+            <a:pPr algn="ctr"/>
+            <a:endParaRPr lang="it-IT" dirty="0"/>
+          </a:p>
+        </p:txBody>
+      </p:sp>
+      <p:sp>
+        <p:nvSpPr>
+          <p:cNvPr id="45" name="Right Brace 44">
+            <a:extLst>
+              <a:ext uri="{FF2B5EF4-FFF2-40B4-BE49-F238E27FC236}">
+                <a16:creationId xmlns:a16="http://schemas.microsoft.com/office/drawing/2014/main" id="{A033926D-379E-4159-AF2E-2BD10A812BDB}"/>
+              </a:ext>
+            </a:extLst>
+          </p:cNvPr>
+          <p:cNvSpPr/>
+          <p:nvPr/>
+        </p:nvSpPr>
+        <p:spPr>
+          <a:xfrm>
+            <a:off x="8412995" y="2398396"/>
+            <a:ext cx="506644" cy="1801693"/>
+          </a:xfrm>
+          <a:prstGeom prst="rightBrace">
+            <a:avLst>
+              <a:gd name="adj1" fmla="val 8333"/>
+              <a:gd name="adj2" fmla="val 50392"/>
+            </a:avLst>
+          </a:prstGeom>
+          <a:ln w="28575"/>
+        </p:spPr>
+        <p:style>
+          <a:lnRef idx="1">
+            <a:schemeClr val="accent1"/>
+          </a:lnRef>
+          <a:fillRef idx="0">
+            <a:schemeClr val="accent1"/>
+          </a:fillRef>
+          <a:effectRef idx="0">
+            <a:schemeClr val="accent1"/>
+          </a:effectRef>
+          <a:fontRef idx="minor">
+            <a:schemeClr val="tx1"/>
+          </a:fontRef>
+        </p:style>
+        <p:txBody>
+          <a:bodyPr rtlCol="0" anchor="ctr"/>
+          <a:lstStyle/>
+          <a:p>
+            <a:pPr algn="ctr"/>
+            <a:endParaRPr lang="it-IT" dirty="0"/>
+          </a:p>
+        </p:txBody>
+      </p:sp>
+      <p:sp>
+        <p:nvSpPr>
+          <p:cNvPr id="46" name="Rectangle: Rounded Corners 45">
+            <a:extLst>
+              <a:ext uri="{FF2B5EF4-FFF2-40B4-BE49-F238E27FC236}">
+                <a16:creationId xmlns:a16="http://schemas.microsoft.com/office/drawing/2014/main" id="{AFC47225-4362-4EC1-B5B6-2C16A03E5890}"/>
+              </a:ext>
+            </a:extLst>
+          </p:cNvPr>
+          <p:cNvSpPr/>
+          <p:nvPr/>
+        </p:nvSpPr>
+        <p:spPr>
+          <a:xfrm>
+            <a:off x="9134307" y="2757852"/>
+            <a:ext cx="1834078" cy="1131830"/>
+          </a:xfrm>
+          <a:prstGeom prst="roundRect">
+            <a:avLst/>
+          </a:prstGeom>
+        </p:spPr>
+        <p:style>
+          <a:lnRef idx="2">
+            <a:schemeClr val="accent1">
+              <a:shade val="50000"/>
+            </a:schemeClr>
+          </a:lnRef>
+          <a:fillRef idx="1">
+            <a:schemeClr val="accent1"/>
+          </a:fillRef>
+          <a:effectRef idx="0">
+            <a:schemeClr val="accent1"/>
+          </a:effectRef>
+          <a:fontRef idx="minor">
+            <a:schemeClr val="lt1"/>
+          </a:fontRef>
+        </p:style>
+        <p:txBody>
+          <a:bodyPr rtlCol="0" anchor="ctr"/>
+          <a:lstStyle/>
+          <a:p>
+            <a:pPr algn="ctr"/>
+            <a:r>
+              <a:rPr lang="it-IT" sz="1400" dirty="0"/>
+              <a:t>Method </a:t>
+            </a:r>
+            <a:r>
+              <a:rPr lang="it-IT" sz="1400" dirty="0" err="1"/>
+              <a:t>used</a:t>
+            </a:r>
+            <a:r>
+              <a:rPr lang="it-IT" sz="1400" dirty="0"/>
+              <a:t> by the user </a:t>
+            </a:r>
+            <a:r>
+              <a:rPr lang="it-IT" sz="1400" dirty="0" err="1"/>
+              <a:t>only</a:t>
+            </a:r>
+            <a:r>
+              <a:rPr lang="it-IT" sz="1400" dirty="0"/>
+              <a:t> </a:t>
+            </a:r>
+            <a:r>
+              <a:rPr lang="it-IT" sz="1400" dirty="0" err="1"/>
+              <a:t>through</a:t>
+            </a:r>
+            <a:r>
+              <a:rPr lang="it-IT" sz="1400" dirty="0"/>
+              <a:t> </a:t>
+            </a:r>
+            <a:r>
+              <a:rPr lang="it-IT" sz="1400" dirty="0" err="1"/>
+              <a:t>postman</a:t>
+            </a:r>
+            <a:r>
+              <a:rPr lang="it-IT" sz="1400" dirty="0"/>
+              <a:t> </a:t>
+            </a:r>
+            <a:r>
+              <a:rPr lang="it-IT" sz="1400" dirty="0" err="1"/>
+              <a:t>sensors</a:t>
+            </a:r>
+            <a:endParaRPr lang="it-IT" sz="1400" dirty="0"/>
+          </a:p>
+        </p:txBody>
+      </p:sp>
+      <p:sp>
+        <p:nvSpPr>
+          <p:cNvPr id="39" name="Rectangle: Rounded Corners 38">
+            <a:extLst>
+              <a:ext uri="{FF2B5EF4-FFF2-40B4-BE49-F238E27FC236}">
+                <a16:creationId xmlns:a16="http://schemas.microsoft.com/office/drawing/2014/main" id="{D3773C16-0167-4031-91B8-9EB06C6C2BF4}"/>
+              </a:ext>
+            </a:extLst>
+          </p:cNvPr>
+          <p:cNvSpPr/>
+          <p:nvPr/>
+        </p:nvSpPr>
+        <p:spPr>
+          <a:xfrm>
+            <a:off x="9134307" y="4676564"/>
+            <a:ext cx="1870533" cy="834793"/>
+          </a:xfrm>
+          <a:prstGeom prst="roundRect">
+            <a:avLst/>
+          </a:prstGeom>
+        </p:spPr>
+        <p:style>
+          <a:lnRef idx="2">
+            <a:schemeClr val="accent1">
+              <a:shade val="50000"/>
+            </a:schemeClr>
+          </a:lnRef>
+          <a:fillRef idx="1">
+            <a:schemeClr val="accent1"/>
+          </a:fillRef>
+          <a:effectRef idx="0">
+            <a:schemeClr val="accent1"/>
+          </a:effectRef>
+          <a:fontRef idx="minor">
+            <a:schemeClr val="lt1"/>
+          </a:fontRef>
+        </p:style>
+        <p:txBody>
+          <a:bodyPr rtlCol="0" anchor="ctr"/>
+          <a:lstStyle/>
+          <a:p>
+            <a:pPr algn="ctr"/>
+            <a:r>
+              <a:rPr lang="it-IT" sz="1400" dirty="0"/>
+              <a:t>Method </a:t>
+            </a:r>
+            <a:r>
+              <a:rPr lang="it-IT" sz="1400" dirty="0" err="1"/>
+              <a:t>that</a:t>
+            </a:r>
+            <a:r>
+              <a:rPr lang="it-IT" sz="1400" dirty="0"/>
+              <a:t> </a:t>
+            </a:r>
+            <a:r>
+              <a:rPr lang="it-IT" sz="1400" dirty="0" err="1"/>
+              <a:t>could</a:t>
+            </a:r>
+            <a:r>
+              <a:rPr lang="it-IT" sz="1400" dirty="0"/>
+              <a:t> be </a:t>
+            </a:r>
+            <a:r>
+              <a:rPr lang="it-IT" sz="1400" dirty="0" err="1"/>
+              <a:t>used</a:t>
+            </a:r>
+            <a:r>
+              <a:rPr lang="it-IT" sz="1400" dirty="0"/>
+              <a:t> </a:t>
+            </a:r>
+            <a:r>
+              <a:rPr lang="it-IT" sz="1400" dirty="0" err="1"/>
+              <a:t>through</a:t>
+            </a:r>
+            <a:r>
+              <a:rPr lang="it-IT" sz="1400" dirty="0"/>
+              <a:t> Telegram Bot</a:t>
+            </a:r>
+          </a:p>
+        </p:txBody>
+      </p:sp>
+    </p:spTree>
+    <p:extLst>
+      <p:ext uri="{BB962C8B-B14F-4D97-AF65-F5344CB8AC3E}">
+        <p14:creationId xmlns:p14="http://schemas.microsoft.com/office/powerpoint/2010/main" val="718134404"/>
+      </p:ext>
+    </p:extLst>
+  </p:cSld>
+  <p:clrMapOvr>
+    <a:masterClrMapping/>
+  </p:clrMapOvr>
+</p:sld>
+</file>
+
+<file path=ppt/slides/slide12.xml><?xml version="1.0" encoding="utf-8"?>
+<p:sld xmlns:a="http://schemas.openxmlformats.org/drawingml/2006/main" xmlns:r="http://schemas.openxmlformats.org/officeDocument/2006/relationships" xmlns:p="http://schemas.openxmlformats.org/presentationml/2006/main">
+  <p:cSld>
+    <p:spTree>
+      <p:nvGrpSpPr>
+        <p:cNvPr id="1" name=""/>
+        <p:cNvGrpSpPr/>
+        <p:nvPr/>
+      </p:nvGrpSpPr>
+      <p:grpSpPr>
+        <a:xfrm>
+          <a:off x="0" y="0"/>
+          <a:ext cx="0" cy="0"/>
+          <a:chOff x="0" y="0"/>
+          <a:chExt cx="0" cy="0"/>
+        </a:xfrm>
+      </p:grpSpPr>
+      <p:sp>
+        <p:nvSpPr>
+          <p:cNvPr id="2" name="Title 1">
+            <a:extLst>
+              <a:ext uri="{FF2B5EF4-FFF2-40B4-BE49-F238E27FC236}">
                 <a16:creationId xmlns:a16="http://schemas.microsoft.com/office/drawing/2014/main" id="{9204F6EB-7476-5E9B-CC6F-A313418182DC}"/>
               </a:ext>
             </a:extLst>
@@ -6333,7 +8680,7 @@
 </p:sld>
 </file>
 
-<file path=ppt/slides/slide11.xml><?xml version="1.0" encoding="utf-8"?>
+<file path=ppt/slides/slide13.xml><?xml version="1.0" encoding="utf-8"?>
 <p:sld xmlns:a="http://schemas.openxmlformats.org/drawingml/2006/main" xmlns:r="http://schemas.openxmlformats.org/officeDocument/2006/relationships" xmlns:p="http://schemas.openxmlformats.org/presentationml/2006/main">
   <p:cSld>
     <p:spTree>
@@ -6397,7 +8744,7 @@
 </p:sld>
 </file>
 
-<file path=ppt/slides/slide12.xml><?xml version="1.0" encoding="utf-8"?>
+<file path=ppt/slides/slide14.xml><?xml version="1.0" encoding="utf-8"?>
 <p:sld xmlns:a="http://schemas.openxmlformats.org/drawingml/2006/main" xmlns:r="http://schemas.openxmlformats.org/officeDocument/2006/relationships" xmlns:p="http://schemas.openxmlformats.org/presentationml/2006/main">
   <p:cSld>
     <p:spTree>
@@ -7517,7 +9864,7 @@
 </p:sld>
 </file>
 
-<file path=ppt/slides/slide13.xml><?xml version="1.0" encoding="utf-8"?>
+<file path=ppt/slides/slide15.xml><?xml version="1.0" encoding="utf-8"?>
 <p:sld xmlns:a="http://schemas.openxmlformats.org/drawingml/2006/main" xmlns:r="http://schemas.openxmlformats.org/officeDocument/2006/relationships" xmlns:p="http://schemas.openxmlformats.org/presentationml/2006/main">
   <p:cSld>
     <p:spTree>
@@ -8642,7 +10989,7 @@
 </p:sld>
 </file>
 
-<file path=ppt/slides/slide14.xml><?xml version="1.0" encoding="utf-8"?>
+<file path=ppt/slides/slide16.xml><?xml version="1.0" encoding="utf-8"?>
 <p:sld xmlns:a="http://schemas.openxmlformats.org/drawingml/2006/main" xmlns:r="http://schemas.openxmlformats.org/officeDocument/2006/relationships" xmlns:p="http://schemas.openxmlformats.org/presentationml/2006/main">
   <p:cSld>
     <p:spTree>
@@ -10200,7 +12547,7 @@
 </p:sld>
 </file>
 
-<file path=ppt/slides/slide15.xml><?xml version="1.0" encoding="utf-8"?>
+<file path=ppt/slides/slide17.xml><?xml version="1.0" encoding="utf-8"?>
 <p:sld xmlns:a="http://schemas.openxmlformats.org/drawingml/2006/main" xmlns:r="http://schemas.openxmlformats.org/officeDocument/2006/relationships" xmlns:p="http://schemas.openxmlformats.org/presentationml/2006/main">
   <p:cSld>
     <p:spTree>
@@ -10272,7 +12619,7 @@
 </p:sld>
 </file>
 
-<file path=ppt/slides/slide16.xml><?xml version="1.0" encoding="utf-8"?>
+<file path=ppt/slides/slide18.xml><?xml version="1.0" encoding="utf-8"?>
 <p:sld xmlns:a="http://schemas.openxmlformats.org/drawingml/2006/main" xmlns:r="http://schemas.openxmlformats.org/officeDocument/2006/relationships" xmlns:p="http://schemas.openxmlformats.org/presentationml/2006/main">
   <p:cSld>
     <p:spTree>
@@ -11184,7 +13531,7 @@
 </p:sld>
 </file>
 
-<file path=ppt/slides/slide17.xml><?xml version="1.0" encoding="utf-8"?>
+<file path=ppt/slides/slide19.xml><?xml version="1.0" encoding="utf-8"?>
 <p:sld xmlns:a="http://schemas.openxmlformats.org/drawingml/2006/main" xmlns:r="http://schemas.openxmlformats.org/officeDocument/2006/relationships" xmlns:p="http://schemas.openxmlformats.org/presentationml/2006/main">
   <p:cSld>
     <p:spTree>
@@ -12425,7 +14772,320 @@
 </p:sld>
 </file>
 
-<file path=ppt/slides/slide18.xml><?xml version="1.0" encoding="utf-8"?>
+<file path=ppt/slides/slide2.xml><?xml version="1.0" encoding="utf-8"?>
+<p:sld xmlns:a="http://schemas.openxmlformats.org/drawingml/2006/main" xmlns:r="http://schemas.openxmlformats.org/officeDocument/2006/relationships" xmlns:p="http://schemas.openxmlformats.org/presentationml/2006/main">
+  <p:cSld>
+    <p:spTree>
+      <p:nvGrpSpPr>
+        <p:cNvPr id="1" name=""/>
+        <p:cNvGrpSpPr/>
+        <p:nvPr/>
+      </p:nvGrpSpPr>
+      <p:grpSpPr>
+        <a:xfrm>
+          <a:off x="0" y="0"/>
+          <a:ext cx="0" cy="0"/>
+          <a:chOff x="0" y="0"/>
+          <a:chExt cx="0" cy="0"/>
+        </a:xfrm>
+      </p:grpSpPr>
+      <p:sp>
+        <p:nvSpPr>
+          <p:cNvPr id="5" name="Title 4">
+            <a:extLst>
+              <a:ext uri="{FF2B5EF4-FFF2-40B4-BE49-F238E27FC236}">
+                <a16:creationId xmlns:a16="http://schemas.microsoft.com/office/drawing/2014/main" id="{AA2E1C82-D738-324F-25F4-B2479E30D30F}"/>
+              </a:ext>
+            </a:extLst>
+          </p:cNvPr>
+          <p:cNvSpPr>
+            <a:spLocks noGrp="1"/>
+          </p:cNvSpPr>
+          <p:nvPr>
+            <p:ph type="title"/>
+          </p:nvPr>
+        </p:nvSpPr>
+        <p:spPr>
+          <a:xfrm>
+            <a:off x="602689" y="857249"/>
+            <a:ext cx="3854528" cy="1278466"/>
+          </a:xfrm>
+        </p:spPr>
+        <p:txBody>
+          <a:bodyPr>
+            <a:normAutofit/>
+          </a:bodyPr>
+          <a:lstStyle/>
+          <a:p>
+            <a:r>
+              <a:rPr lang="it-IT" sz="2400" dirty="0"/>
+              <a:t>General information </a:t>
+            </a:r>
+            <a:r>
+              <a:rPr lang="it-IT" sz="2400" dirty="0" err="1"/>
+              <a:t>about</a:t>
+            </a:r>
+            <a:r>
+              <a:rPr lang="it-IT" sz="2400" dirty="0"/>
+              <a:t> Smart </a:t>
+            </a:r>
+            <a:r>
+              <a:rPr lang="it-IT" sz="2400" dirty="0" err="1"/>
+              <a:t>Battery</a:t>
+            </a:r>
+            <a:r>
+              <a:rPr lang="it-IT" sz="2400" dirty="0"/>
+              <a:t> </a:t>
+            </a:r>
+            <a:r>
+              <a:rPr lang="it-IT" sz="2400" dirty="0" err="1"/>
+              <a:t>Charger</a:t>
+            </a:r>
+            <a:r>
+              <a:rPr lang="it-IT" sz="2400" dirty="0"/>
+              <a:t> </a:t>
+            </a:r>
+            <a:r>
+              <a:rPr lang="it-IT" sz="2400" dirty="0" err="1"/>
+              <a:t>application</a:t>
+            </a:r>
+            <a:endParaRPr lang="it-IT" sz="2400" dirty="0"/>
+          </a:p>
+        </p:txBody>
+      </p:sp>
+      <p:sp>
+        <p:nvSpPr>
+          <p:cNvPr id="6" name="Content Placeholder 5">
+            <a:extLst>
+              <a:ext uri="{FF2B5EF4-FFF2-40B4-BE49-F238E27FC236}">
+                <a16:creationId xmlns:a16="http://schemas.microsoft.com/office/drawing/2014/main" id="{7EFB8637-4CE8-38AB-A43C-5B5D9BCEF858}"/>
+              </a:ext>
+            </a:extLst>
+          </p:cNvPr>
+          <p:cNvSpPr>
+            <a:spLocks noGrp="1"/>
+          </p:cNvSpPr>
+          <p:nvPr>
+            <p:ph idx="1"/>
+          </p:nvPr>
+        </p:nvSpPr>
+        <p:spPr/>
+        <p:txBody>
+          <a:bodyPr>
+            <a:normAutofit fontScale="85000" lnSpcReduction="20000"/>
+          </a:bodyPr>
+          <a:lstStyle/>
+          <a:p>
+            <a:r>
+              <a:rPr lang="it-IT" b="1" dirty="0" err="1"/>
+              <a:t>Objective</a:t>
+            </a:r>
+            <a:r>
+              <a:rPr lang="it-IT" b="1" dirty="0"/>
+              <a:t>: </a:t>
+            </a:r>
+          </a:p>
+          <a:p>
+            <a:pPr marL="0" indent="0">
+              <a:buNone/>
+            </a:pPr>
+            <a:r>
+              <a:rPr lang="fi-FI" sz="1800" dirty="0">
+                <a:effectLst/>
+                <a:ea typeface="Arial" panose="020B0604020202020204" pitchFamily="34" charset="0"/>
+              </a:rPr>
+              <a:t>Electric vehicles are going to dominate the transport sector in the near future, but at the same time, currently, the power used to charge them is mostly produced by burning fossil fuels. This will lead to an unsustainable scenario if actions are not taken to smoothen the transition towards electric vehicles. Under the outlined point of view, this report presents a solution that has the potential to mitigate the inconveniences related to a massive diffusion of electric vehicles, that are overloading the grid power demand, long charging times, etc..</a:t>
+            </a:r>
+          </a:p>
+          <a:p>
+            <a:r>
+              <a:rPr lang="it-IT" b="1" dirty="0" err="1"/>
+              <a:t>Main</a:t>
+            </a:r>
+            <a:r>
+              <a:rPr lang="it-IT" b="1" dirty="0"/>
+              <a:t> </a:t>
+            </a:r>
+            <a:r>
+              <a:rPr lang="it-IT" b="1" dirty="0" err="1"/>
+              <a:t>characteristics</a:t>
+            </a:r>
+            <a:r>
+              <a:rPr lang="it-IT" b="1" dirty="0"/>
+              <a:t>: </a:t>
+            </a:r>
+            <a:r>
+              <a:rPr lang="fi-FI" sz="1800" b="1" dirty="0">
+                <a:effectLst/>
+                <a:ea typeface="Arial" panose="020B0604020202020204" pitchFamily="34" charset="0"/>
+              </a:rPr>
+              <a:t> </a:t>
+            </a:r>
+          </a:p>
+          <a:p>
+            <a:pPr marL="0" indent="0">
+              <a:buNone/>
+            </a:pPr>
+            <a:r>
+              <a:rPr lang="fi-FI" dirty="0"/>
+              <a:t>-  </a:t>
+            </a:r>
+            <a:r>
+              <a:rPr lang="fi-FI" sz="1800" dirty="0">
+                <a:effectLst/>
+                <a:ea typeface="Arial" panose="020B0604020202020204" pitchFamily="34" charset="0"/>
+              </a:rPr>
+              <a:t>remote control of appliances.</a:t>
+            </a:r>
+            <a:endParaRPr lang="fi-FI" dirty="0"/>
+          </a:p>
+          <a:p>
+            <a:pPr marL="0" indent="0">
+              <a:buNone/>
+            </a:pPr>
+            <a:r>
+              <a:rPr lang="it-IT" dirty="0"/>
+              <a:t>- </a:t>
+            </a:r>
+            <a:r>
+              <a:rPr lang="fi-FI" sz="1800" dirty="0">
+                <a:effectLst/>
+                <a:ea typeface="Arial" panose="020B0604020202020204" pitchFamily="34" charset="0"/>
+              </a:rPr>
+              <a:t>control strategies to minimise energy cost.</a:t>
+            </a:r>
+            <a:endParaRPr lang="it-IT" dirty="0"/>
+          </a:p>
+          <a:p>
+            <a:pPr marL="0" indent="0">
+              <a:buNone/>
+            </a:pPr>
+            <a:r>
+              <a:rPr lang="it-IT" dirty="0"/>
+              <a:t>- </a:t>
+            </a:r>
+            <a:r>
+              <a:rPr lang="fi-FI" sz="1800" dirty="0">
+                <a:effectLst/>
+                <a:ea typeface="Arial" panose="020B0604020202020204" pitchFamily="34" charset="0"/>
+              </a:rPr>
+              <a:t>end-user application for energy-awareness.</a:t>
+            </a:r>
+            <a:endParaRPr lang="it-IT" sz="1800" dirty="0">
+              <a:effectLst/>
+              <a:ea typeface="Arial" panose="020B0604020202020204" pitchFamily="34" charset="0"/>
+            </a:endParaRPr>
+          </a:p>
+          <a:p>
+            <a:pPr marL="0" indent="0">
+              <a:buNone/>
+            </a:pPr>
+            <a:r>
+              <a:rPr lang="it-IT" dirty="0"/>
+              <a:t>- </a:t>
+            </a:r>
+            <a:r>
+              <a:rPr lang="fi-FI" sz="1800" dirty="0">
+                <a:effectLst/>
+                <a:ea typeface="Arial" panose="020B0604020202020204" pitchFamily="34" charset="0"/>
+              </a:rPr>
+              <a:t>end-user application for battery autonomy. </a:t>
+            </a:r>
+            <a:endParaRPr lang="it-IT" dirty="0"/>
+          </a:p>
+          <a:p>
+            <a:pPr marL="0" indent="0">
+              <a:buNone/>
+            </a:pPr>
+            <a:r>
+              <a:rPr lang="it-IT" dirty="0"/>
+              <a:t>- </a:t>
+            </a:r>
+            <a:r>
+              <a:rPr lang="fi-FI" sz="1800" dirty="0">
+                <a:effectLst/>
+                <a:ea typeface="Arial" panose="020B0604020202020204" pitchFamily="34" charset="0"/>
+              </a:rPr>
+              <a:t>unified interfaces (i.e. REST Web Services and MQTT queues) available to enable Demand/Response.</a:t>
+            </a:r>
+            <a:endParaRPr lang="it-IT" dirty="0"/>
+          </a:p>
+          <a:p>
+            <a:r>
+              <a:rPr lang="it-IT" dirty="0"/>
+              <a:t>Stakeholders: </a:t>
+            </a:r>
+          </a:p>
+          <a:p>
+            <a:pPr marL="0" indent="0">
+              <a:buNone/>
+            </a:pPr>
+            <a:r>
+              <a:rPr lang="fi-FI" sz="1800" dirty="0">
+                <a:effectLst/>
+                <a:ea typeface="Arial" panose="020B0604020202020204" pitchFamily="34" charset="0"/>
+              </a:rPr>
+              <a:t>Smart Automotive, Smart grid, Smart Building</a:t>
+            </a:r>
+            <a:endParaRPr lang="it-IT" dirty="0"/>
+          </a:p>
+          <a:p>
+            <a:endParaRPr lang="it-IT" dirty="0"/>
+          </a:p>
+          <a:p>
+            <a:endParaRPr lang="it-IT" dirty="0"/>
+          </a:p>
+        </p:txBody>
+      </p:sp>
+      <p:sp>
+        <p:nvSpPr>
+          <p:cNvPr id="8" name="TextBox 7">
+            <a:extLst>
+              <a:ext uri="{FF2B5EF4-FFF2-40B4-BE49-F238E27FC236}">
+                <a16:creationId xmlns:a16="http://schemas.microsoft.com/office/drawing/2014/main" id="{FF6F90C4-DF46-6B15-5599-55987A57E2D2}"/>
+              </a:ext>
+            </a:extLst>
+          </p:cNvPr>
+          <p:cNvSpPr txBox="1"/>
+          <p:nvPr/>
+        </p:nvSpPr>
+        <p:spPr>
+          <a:xfrm flipH="1">
+            <a:off x="1428006" y="3620277"/>
+            <a:ext cx="2203893" cy="369332"/>
+          </a:xfrm>
+          <a:prstGeom prst="rect">
+            <a:avLst/>
+          </a:prstGeom>
+          <a:noFill/>
+        </p:spPr>
+        <p:txBody>
+          <a:bodyPr wrap="square" rtlCol="0">
+            <a:spAutoFit/>
+          </a:bodyPr>
+          <a:lstStyle/>
+          <a:p>
+            <a:r>
+              <a:rPr lang="it-IT" dirty="0"/>
+              <a:t>IMMAGINE</a:t>
+            </a:r>
+          </a:p>
+        </p:txBody>
+      </p:sp>
+    </p:spTree>
+    <p:extLst>
+      <p:ext uri="{BB962C8B-B14F-4D97-AF65-F5344CB8AC3E}">
+        <p14:creationId xmlns:p14="http://schemas.microsoft.com/office/powerpoint/2010/main" val="785049809"/>
+      </p:ext>
+    </p:extLst>
+  </p:cSld>
+  <p:clrMapOvr>
+    <a:masterClrMapping/>
+  </p:clrMapOvr>
+</p:sld>
+</file>
+
+<file path=ppt/slides/slide20.xml><?xml version="1.0" encoding="utf-8"?>
 <p:sld xmlns:a="http://schemas.openxmlformats.org/drawingml/2006/main" xmlns:r="http://schemas.openxmlformats.org/officeDocument/2006/relationships" xmlns:p="http://schemas.openxmlformats.org/presentationml/2006/main">
   <p:cSld>
     <p:spTree>
@@ -13321,7 +15981,7 @@
 </p:sld>
 </file>
 
-<file path=ppt/slides/slide19.xml><?xml version="1.0" encoding="utf-8"?>
+<file path=ppt/slides/slide21.xml><?xml version="1.0" encoding="utf-8"?>
 <p:sld xmlns:a="http://schemas.openxmlformats.org/drawingml/2006/main" xmlns:r="http://schemas.openxmlformats.org/officeDocument/2006/relationships" xmlns:p="http://schemas.openxmlformats.org/presentationml/2006/main">
   <p:cSld>
     <p:spTree>
@@ -14056,319 +16716,6 @@
     <p:extLst>
       <p:ext uri="{BB962C8B-B14F-4D97-AF65-F5344CB8AC3E}">
         <p14:creationId xmlns:p14="http://schemas.microsoft.com/office/powerpoint/2010/main" val="3990482239"/>
-      </p:ext>
-    </p:extLst>
-  </p:cSld>
-  <p:clrMapOvr>
-    <a:masterClrMapping/>
-  </p:clrMapOvr>
-</p:sld>
-</file>
-
-<file path=ppt/slides/slide2.xml><?xml version="1.0" encoding="utf-8"?>
-<p:sld xmlns:a="http://schemas.openxmlformats.org/drawingml/2006/main" xmlns:r="http://schemas.openxmlformats.org/officeDocument/2006/relationships" xmlns:p="http://schemas.openxmlformats.org/presentationml/2006/main">
-  <p:cSld>
-    <p:spTree>
-      <p:nvGrpSpPr>
-        <p:cNvPr id="1" name=""/>
-        <p:cNvGrpSpPr/>
-        <p:nvPr/>
-      </p:nvGrpSpPr>
-      <p:grpSpPr>
-        <a:xfrm>
-          <a:off x="0" y="0"/>
-          <a:ext cx="0" cy="0"/>
-          <a:chOff x="0" y="0"/>
-          <a:chExt cx="0" cy="0"/>
-        </a:xfrm>
-      </p:grpSpPr>
-      <p:sp>
-        <p:nvSpPr>
-          <p:cNvPr id="5" name="Title 4">
-            <a:extLst>
-              <a:ext uri="{FF2B5EF4-FFF2-40B4-BE49-F238E27FC236}">
-                <a16:creationId xmlns:a16="http://schemas.microsoft.com/office/drawing/2014/main" id="{AA2E1C82-D738-324F-25F4-B2479E30D30F}"/>
-              </a:ext>
-            </a:extLst>
-          </p:cNvPr>
-          <p:cNvSpPr>
-            <a:spLocks noGrp="1"/>
-          </p:cNvSpPr>
-          <p:nvPr>
-            <p:ph type="title"/>
-          </p:nvPr>
-        </p:nvSpPr>
-        <p:spPr>
-          <a:xfrm>
-            <a:off x="602689" y="857249"/>
-            <a:ext cx="3854528" cy="1278466"/>
-          </a:xfrm>
-        </p:spPr>
-        <p:txBody>
-          <a:bodyPr>
-            <a:normAutofit/>
-          </a:bodyPr>
-          <a:lstStyle/>
-          <a:p>
-            <a:r>
-              <a:rPr lang="it-IT" sz="2400" dirty="0"/>
-              <a:t>General information </a:t>
-            </a:r>
-            <a:r>
-              <a:rPr lang="it-IT" sz="2400" dirty="0" err="1"/>
-              <a:t>about</a:t>
-            </a:r>
-            <a:r>
-              <a:rPr lang="it-IT" sz="2400" dirty="0"/>
-              <a:t> Smart </a:t>
-            </a:r>
-            <a:r>
-              <a:rPr lang="it-IT" sz="2400" dirty="0" err="1"/>
-              <a:t>Battery</a:t>
-            </a:r>
-            <a:r>
-              <a:rPr lang="it-IT" sz="2400" dirty="0"/>
-              <a:t> </a:t>
-            </a:r>
-            <a:r>
-              <a:rPr lang="it-IT" sz="2400" dirty="0" err="1"/>
-              <a:t>Charger</a:t>
-            </a:r>
-            <a:r>
-              <a:rPr lang="it-IT" sz="2400" dirty="0"/>
-              <a:t> </a:t>
-            </a:r>
-            <a:r>
-              <a:rPr lang="it-IT" sz="2400" dirty="0" err="1"/>
-              <a:t>application</a:t>
-            </a:r>
-            <a:endParaRPr lang="it-IT" sz="2400" dirty="0"/>
-          </a:p>
-        </p:txBody>
-      </p:sp>
-      <p:sp>
-        <p:nvSpPr>
-          <p:cNvPr id="6" name="Content Placeholder 5">
-            <a:extLst>
-              <a:ext uri="{FF2B5EF4-FFF2-40B4-BE49-F238E27FC236}">
-                <a16:creationId xmlns:a16="http://schemas.microsoft.com/office/drawing/2014/main" id="{7EFB8637-4CE8-38AB-A43C-5B5D9BCEF858}"/>
-              </a:ext>
-            </a:extLst>
-          </p:cNvPr>
-          <p:cNvSpPr>
-            <a:spLocks noGrp="1"/>
-          </p:cNvSpPr>
-          <p:nvPr>
-            <p:ph idx="1"/>
-          </p:nvPr>
-        </p:nvSpPr>
-        <p:spPr/>
-        <p:txBody>
-          <a:bodyPr>
-            <a:normAutofit fontScale="85000" lnSpcReduction="20000"/>
-          </a:bodyPr>
-          <a:lstStyle/>
-          <a:p>
-            <a:r>
-              <a:rPr lang="it-IT" b="1" dirty="0" err="1"/>
-              <a:t>Objective</a:t>
-            </a:r>
-            <a:r>
-              <a:rPr lang="it-IT" b="1" dirty="0"/>
-              <a:t>: </a:t>
-            </a:r>
-          </a:p>
-          <a:p>
-            <a:pPr marL="0" indent="0">
-              <a:buNone/>
-            </a:pPr>
-            <a:r>
-              <a:rPr lang="fi-FI" sz="1800" dirty="0">
-                <a:effectLst/>
-                <a:ea typeface="Arial" panose="020B0604020202020204" pitchFamily="34" charset="0"/>
-              </a:rPr>
-              <a:t>Electric vehicles are going to dominate the transport sector in the near future, but at the same time, currently, the power used to charge them is mostly produced by burning fossil fuels. This will lead to an unsustainable scenario if actions are not taken to smoothen the transition towards electric vehicles. Under the outlined point of view, this report presents a solution that has the potential to mitigate the inconveniences related to a massive diffusion of electric vehicles, that are overloading the grid power demand, long charging times, etc..</a:t>
-            </a:r>
-          </a:p>
-          <a:p>
-            <a:r>
-              <a:rPr lang="it-IT" b="1" dirty="0" err="1"/>
-              <a:t>Main</a:t>
-            </a:r>
-            <a:r>
-              <a:rPr lang="it-IT" b="1" dirty="0"/>
-              <a:t> </a:t>
-            </a:r>
-            <a:r>
-              <a:rPr lang="it-IT" b="1" dirty="0" err="1"/>
-              <a:t>characteristics</a:t>
-            </a:r>
-            <a:r>
-              <a:rPr lang="it-IT" b="1" dirty="0"/>
-              <a:t>: </a:t>
-            </a:r>
-            <a:r>
-              <a:rPr lang="fi-FI" sz="1800" b="1" dirty="0">
-                <a:effectLst/>
-                <a:ea typeface="Arial" panose="020B0604020202020204" pitchFamily="34" charset="0"/>
-              </a:rPr>
-              <a:t> </a:t>
-            </a:r>
-          </a:p>
-          <a:p>
-            <a:pPr marL="0" indent="0">
-              <a:buNone/>
-            </a:pPr>
-            <a:r>
-              <a:rPr lang="fi-FI" dirty="0"/>
-              <a:t>-  </a:t>
-            </a:r>
-            <a:r>
-              <a:rPr lang="fi-FI" sz="1800" dirty="0">
-                <a:effectLst/>
-                <a:ea typeface="Arial" panose="020B0604020202020204" pitchFamily="34" charset="0"/>
-              </a:rPr>
-              <a:t>remote control of appliances.</a:t>
-            </a:r>
-            <a:endParaRPr lang="fi-FI" dirty="0"/>
-          </a:p>
-          <a:p>
-            <a:pPr marL="0" indent="0">
-              <a:buNone/>
-            </a:pPr>
-            <a:r>
-              <a:rPr lang="it-IT" dirty="0"/>
-              <a:t>- </a:t>
-            </a:r>
-            <a:r>
-              <a:rPr lang="fi-FI" sz="1800" dirty="0">
-                <a:effectLst/>
-                <a:ea typeface="Arial" panose="020B0604020202020204" pitchFamily="34" charset="0"/>
-              </a:rPr>
-              <a:t>control strategies to minimise energy cost.</a:t>
-            </a:r>
-            <a:endParaRPr lang="it-IT" dirty="0"/>
-          </a:p>
-          <a:p>
-            <a:pPr marL="0" indent="0">
-              <a:buNone/>
-            </a:pPr>
-            <a:r>
-              <a:rPr lang="it-IT" dirty="0"/>
-              <a:t>- </a:t>
-            </a:r>
-            <a:r>
-              <a:rPr lang="fi-FI" sz="1800" dirty="0">
-                <a:effectLst/>
-                <a:ea typeface="Arial" panose="020B0604020202020204" pitchFamily="34" charset="0"/>
-              </a:rPr>
-              <a:t>end-user application for energy-awareness.</a:t>
-            </a:r>
-            <a:endParaRPr lang="it-IT" sz="1800" dirty="0">
-              <a:effectLst/>
-              <a:ea typeface="Arial" panose="020B0604020202020204" pitchFamily="34" charset="0"/>
-            </a:endParaRPr>
-          </a:p>
-          <a:p>
-            <a:pPr marL="0" indent="0">
-              <a:buNone/>
-            </a:pPr>
-            <a:r>
-              <a:rPr lang="it-IT" dirty="0"/>
-              <a:t>- </a:t>
-            </a:r>
-            <a:r>
-              <a:rPr lang="fi-FI" sz="1800" dirty="0">
-                <a:effectLst/>
-                <a:ea typeface="Arial" panose="020B0604020202020204" pitchFamily="34" charset="0"/>
-              </a:rPr>
-              <a:t>end-user application for battery autonomy. </a:t>
-            </a:r>
-            <a:endParaRPr lang="it-IT" dirty="0"/>
-          </a:p>
-          <a:p>
-            <a:pPr marL="0" indent="0">
-              <a:buNone/>
-            </a:pPr>
-            <a:r>
-              <a:rPr lang="it-IT" dirty="0"/>
-              <a:t>- </a:t>
-            </a:r>
-            <a:r>
-              <a:rPr lang="fi-FI" sz="1800" dirty="0">
-                <a:effectLst/>
-                <a:ea typeface="Arial" panose="020B0604020202020204" pitchFamily="34" charset="0"/>
-              </a:rPr>
-              <a:t>unified interfaces (i.e. REST Web Services and MQTT queues) available to enable Demand/Response.</a:t>
-            </a:r>
-            <a:endParaRPr lang="it-IT" dirty="0"/>
-          </a:p>
-          <a:p>
-            <a:r>
-              <a:rPr lang="it-IT" dirty="0"/>
-              <a:t>Stakeholders: </a:t>
-            </a:r>
-          </a:p>
-          <a:p>
-            <a:pPr marL="0" indent="0">
-              <a:buNone/>
-            </a:pPr>
-            <a:r>
-              <a:rPr lang="fi-FI" sz="1800" dirty="0">
-                <a:effectLst/>
-                <a:ea typeface="Arial" panose="020B0604020202020204" pitchFamily="34" charset="0"/>
-              </a:rPr>
-              <a:t>Smart Automotive, Smart grid, Smart Building</a:t>
-            </a:r>
-            <a:endParaRPr lang="it-IT" dirty="0"/>
-          </a:p>
-          <a:p>
-            <a:endParaRPr lang="it-IT" dirty="0"/>
-          </a:p>
-          <a:p>
-            <a:endParaRPr lang="it-IT" dirty="0"/>
-          </a:p>
-        </p:txBody>
-      </p:sp>
-      <p:sp>
-        <p:nvSpPr>
-          <p:cNvPr id="8" name="TextBox 7">
-            <a:extLst>
-              <a:ext uri="{FF2B5EF4-FFF2-40B4-BE49-F238E27FC236}">
-                <a16:creationId xmlns:a16="http://schemas.microsoft.com/office/drawing/2014/main" id="{FF6F90C4-DF46-6B15-5599-55987A57E2D2}"/>
-              </a:ext>
-            </a:extLst>
-          </p:cNvPr>
-          <p:cNvSpPr txBox="1"/>
-          <p:nvPr/>
-        </p:nvSpPr>
-        <p:spPr>
-          <a:xfrm flipH="1">
-            <a:off x="1428006" y="3620277"/>
-            <a:ext cx="2203893" cy="369332"/>
-          </a:xfrm>
-          <a:prstGeom prst="rect">
-            <a:avLst/>
-          </a:prstGeom>
-          <a:noFill/>
-        </p:spPr>
-        <p:txBody>
-          <a:bodyPr wrap="square" rtlCol="0">
-            <a:spAutoFit/>
-          </a:bodyPr>
-          <a:lstStyle/>
-          <a:p>
-            <a:r>
-              <a:rPr lang="it-IT" dirty="0"/>
-              <a:t>IMMAGINE</a:t>
-            </a:r>
-          </a:p>
-        </p:txBody>
-      </p:sp>
-    </p:spTree>
-    <p:extLst>
-      <p:ext uri="{BB962C8B-B14F-4D97-AF65-F5344CB8AC3E}">
-        <p14:creationId xmlns:p14="http://schemas.microsoft.com/office/powerpoint/2010/main" val="785049809"/>
       </p:ext>
     </p:extLst>
   </p:cSld>
@@ -14821,8 +17168,8 @@
         </p:nvSpPr>
         <p:spPr>
           <a:xfrm>
-            <a:off x="350789" y="831461"/>
-            <a:ext cx="4320154" cy="4832221"/>
+            <a:off x="350788" y="831461"/>
+            <a:ext cx="5453599" cy="4832221"/>
           </a:xfrm>
           <a:prstGeom prst="rect">
             <a:avLst/>
@@ -15075,7 +17422,7 @@
                   <a:schemeClr val="tx1"/>
                 </a:solidFill>
               </a:rPr>
-              <a:t>Catalog</a:t>
+              <a:t>Catalog.json</a:t>
             </a:r>
             <a:r>
               <a:rPr lang="it-IT" sz="1600" b="1" dirty="0">
@@ -15091,7 +17438,7 @@
                   <a:schemeClr val="tx1"/>
                 </a:solidFill>
               </a:rPr>
-              <a:t>has</a:t>
+              <a:t>contain</a:t>
             </a:r>
             <a:r>
               <a:rPr lang="it-IT" sz="1600" b="1" dirty="0">
@@ -15099,6 +17446,38 @@
                   <a:schemeClr val="tx1"/>
                 </a:solidFill>
               </a:rPr>
+              <a:t> </a:t>
+            </a:r>
+            <a:r>
+              <a:rPr lang="it-IT" sz="1600" b="1" dirty="0" err="1">
+                <a:solidFill>
+                  <a:schemeClr val="tx1"/>
+                </a:solidFill>
+              </a:rPr>
+              <a:t>all</a:t>
+            </a:r>
+            <a:r>
+              <a:rPr lang="it-IT" sz="1600" b="1" dirty="0">
+                <a:solidFill>
+                  <a:schemeClr val="tx1"/>
+                </a:solidFill>
+              </a:rPr>
+              <a:t> the information </a:t>
+            </a:r>
+            <a:r>
+              <a:rPr lang="it-IT" sz="1600" b="1" dirty="0" err="1">
+                <a:solidFill>
+                  <a:schemeClr val="tx1"/>
+                </a:solidFill>
+              </a:rPr>
+              <a:t>about</a:t>
+            </a:r>
+            <a:r>
+              <a:rPr lang="it-IT" sz="1600" b="1" dirty="0">
+                <a:solidFill>
+                  <a:schemeClr val="tx1"/>
+                </a:solidFill>
+              </a:rPr>
               <a:t>:</a:t>
             </a:r>
           </a:p>
@@ -15110,53 +17489,410 @@
                   <a:schemeClr val="tx1"/>
                 </a:solidFill>
               </a:rPr>
-              <a:t>General Information:</a:t>
-            </a:r>
-          </a:p>
-          <a:p>
-            <a:pPr algn="just"/>
-            <a:endParaRPr lang="it-IT" sz="1600" b="1" dirty="0">
-              <a:solidFill>
-                <a:schemeClr val="tx1"/>
-              </a:solidFill>
-            </a:endParaRPr>
+              <a:t>General </a:t>
+            </a:r>
+            <a:r>
+              <a:rPr lang="it-IT" sz="1600" b="1" dirty="0" err="1">
+                <a:solidFill>
+                  <a:schemeClr val="tx1"/>
+                </a:solidFill>
+              </a:rPr>
+              <a:t>Configuration</a:t>
+            </a:r>
+            <a:r>
+              <a:rPr lang="it-IT" sz="1600" b="1" dirty="0">
+                <a:solidFill>
+                  <a:schemeClr val="tx1"/>
+                </a:solidFill>
+              </a:rPr>
+              <a:t>:</a:t>
+            </a:r>
           </a:p>
           <a:p>
             <a:pPr marL="0" indent="0" algn="just">
               <a:buNone/>
             </a:pPr>
             <a:r>
+              <a:rPr lang="it-IT" sz="1600" dirty="0" err="1">
+                <a:solidFill>
+                  <a:schemeClr val="tx1"/>
+                </a:solidFill>
+              </a:rPr>
+              <a:t>Contain</a:t>
+            </a:r>
+            <a:r>
+              <a:rPr lang="it-IT" sz="1600" dirty="0">
+                <a:solidFill>
+                  <a:schemeClr val="tx1"/>
+                </a:solidFill>
+              </a:rPr>
+              <a:t> information common to the </a:t>
+            </a:r>
+            <a:r>
+              <a:rPr lang="it-IT" sz="1600" dirty="0" err="1">
+                <a:solidFill>
+                  <a:schemeClr val="tx1"/>
+                </a:solidFill>
+              </a:rPr>
+              <a:t>whole</a:t>
+            </a:r>
+            <a:r>
+              <a:rPr lang="it-IT" sz="1600" dirty="0">
+                <a:solidFill>
+                  <a:schemeClr val="tx1"/>
+                </a:solidFill>
+              </a:rPr>
+              <a:t> </a:t>
+            </a:r>
+            <a:r>
+              <a:rPr lang="it-IT" sz="1600" dirty="0" err="1">
+                <a:solidFill>
+                  <a:schemeClr val="tx1"/>
+                </a:solidFill>
+              </a:rPr>
+              <a:t>application</a:t>
+            </a:r>
+            <a:r>
+              <a:rPr lang="it-IT" sz="1600" dirty="0">
+                <a:solidFill>
+                  <a:schemeClr val="tx1"/>
+                </a:solidFill>
+              </a:rPr>
+              <a:t>:</a:t>
+            </a:r>
+          </a:p>
+          <a:p>
+            <a:pPr algn="just">
+              <a:buFont typeface="+mj-lt"/>
+              <a:buAutoNum type="arabicPeriod"/>
+            </a:pPr>
+            <a:r>
+              <a:rPr lang="it-IT" sz="1600" dirty="0">
+                <a:solidFill>
+                  <a:schemeClr val="tx1"/>
+                </a:solidFill>
+              </a:rPr>
+              <a:t>IP </a:t>
+            </a:r>
+            <a:r>
+              <a:rPr lang="it-IT" sz="1600" dirty="0" err="1">
+                <a:solidFill>
+                  <a:schemeClr val="tx1"/>
+                </a:solidFill>
+              </a:rPr>
+              <a:t>address</a:t>
+            </a:r>
+            <a:r>
+              <a:rPr lang="it-IT" sz="1600" dirty="0">
+                <a:solidFill>
+                  <a:schemeClr val="tx1"/>
+                </a:solidFill>
+              </a:rPr>
+              <a:t> of the </a:t>
+            </a:r>
+            <a:r>
+              <a:rPr lang="it-IT" sz="1600" dirty="0" err="1">
+                <a:solidFill>
+                  <a:schemeClr val="tx1"/>
+                </a:solidFill>
+              </a:rPr>
+              <a:t>Catalog</a:t>
+            </a:r>
+            <a:r>
+              <a:rPr lang="it-IT" sz="1600" dirty="0">
+                <a:solidFill>
+                  <a:schemeClr val="tx1"/>
+                </a:solidFill>
+              </a:rPr>
+              <a:t>, </a:t>
+            </a:r>
+            <a:r>
+              <a:rPr lang="it-IT" sz="1600" dirty="0" err="1">
+                <a:solidFill>
+                  <a:schemeClr val="tx1"/>
+                </a:solidFill>
+              </a:rPr>
+              <a:t>indeed</a:t>
+            </a:r>
+            <a:r>
+              <a:rPr lang="it-IT" sz="1600" dirty="0">
+                <a:solidFill>
+                  <a:schemeClr val="tx1"/>
+                </a:solidFill>
+              </a:rPr>
+              <a:t> </a:t>
+            </a:r>
+            <a:r>
+              <a:rPr lang="it-IT" sz="1600" dirty="0" err="1">
+                <a:solidFill>
+                  <a:schemeClr val="tx1"/>
+                </a:solidFill>
+              </a:rPr>
+              <a:t>it</a:t>
+            </a:r>
+            <a:r>
+              <a:rPr lang="it-IT" sz="1600" dirty="0">
+                <a:solidFill>
+                  <a:schemeClr val="tx1"/>
+                </a:solidFill>
+              </a:rPr>
+              <a:t> </a:t>
+            </a:r>
+            <a:r>
+              <a:rPr lang="it-IT" sz="1600" dirty="0" err="1">
+                <a:solidFill>
+                  <a:schemeClr val="tx1"/>
+                </a:solidFill>
+              </a:rPr>
+              <a:t>communicates</a:t>
+            </a:r>
+            <a:r>
+              <a:rPr lang="it-IT" sz="1600" dirty="0">
+                <a:solidFill>
+                  <a:schemeClr val="tx1"/>
+                </a:solidFill>
+              </a:rPr>
+              <a:t> with the </a:t>
+            </a:r>
+            <a:r>
+              <a:rPr lang="it-IT" sz="1600" dirty="0" err="1">
+                <a:solidFill>
+                  <a:schemeClr val="tx1"/>
+                </a:solidFill>
+              </a:rPr>
+              <a:t>other</a:t>
+            </a:r>
+            <a:r>
+              <a:rPr lang="it-IT" sz="1600" dirty="0">
+                <a:solidFill>
+                  <a:schemeClr val="tx1"/>
+                </a:solidFill>
+              </a:rPr>
+              <a:t> component with REST.</a:t>
+            </a:r>
+          </a:p>
+          <a:p>
+            <a:pPr algn="just">
+              <a:buFont typeface="+mj-lt"/>
+              <a:buAutoNum type="arabicPeriod"/>
+            </a:pPr>
+            <a:r>
+              <a:rPr lang="it-IT" sz="1600" dirty="0">
+                <a:solidFill>
+                  <a:schemeClr val="tx1"/>
+                </a:solidFill>
+              </a:rPr>
+              <a:t>Information for the MQTT </a:t>
+            </a:r>
+            <a:r>
+              <a:rPr lang="it-IT" sz="1600" dirty="0" err="1">
+                <a:solidFill>
+                  <a:schemeClr val="tx1"/>
+                </a:solidFill>
+              </a:rPr>
+              <a:t>communication</a:t>
+            </a:r>
+            <a:r>
+              <a:rPr lang="it-IT" sz="1600" dirty="0">
+                <a:solidFill>
+                  <a:schemeClr val="tx1"/>
+                </a:solidFill>
+              </a:rPr>
+              <a:t> exploit by the </a:t>
+            </a:r>
+            <a:r>
+              <a:rPr lang="it-IT" sz="1600" dirty="0" err="1">
+                <a:solidFill>
+                  <a:schemeClr val="tx1"/>
+                </a:solidFill>
+              </a:rPr>
+              <a:t>sensors</a:t>
+            </a:r>
+            <a:r>
+              <a:rPr lang="it-IT" sz="1600" dirty="0">
+                <a:solidFill>
+                  <a:schemeClr val="tx1"/>
+                </a:solidFill>
+              </a:rPr>
+              <a:t>: base </a:t>
+            </a:r>
+            <a:r>
+              <a:rPr lang="it-IT" sz="1600" dirty="0" err="1">
+                <a:solidFill>
+                  <a:schemeClr val="tx1"/>
+                </a:solidFill>
+              </a:rPr>
+              <a:t>topic</a:t>
+            </a:r>
+            <a:r>
+              <a:rPr lang="it-IT" sz="1600" dirty="0">
+                <a:solidFill>
+                  <a:schemeClr val="tx1"/>
+                </a:solidFill>
+              </a:rPr>
+              <a:t>, IP and port of the broker.</a:t>
+            </a:r>
+          </a:p>
+          <a:p>
+            <a:pPr algn="just">
+              <a:buFont typeface="+mj-lt"/>
+              <a:buAutoNum type="arabicPeriod"/>
+            </a:pPr>
+            <a:r>
+              <a:rPr lang="it-IT" sz="1600" dirty="0">
+                <a:solidFill>
+                  <a:schemeClr val="tx1"/>
+                </a:solidFill>
+              </a:rPr>
+              <a:t>Telegram token of the bot.</a:t>
+            </a:r>
+          </a:p>
+          <a:p>
+            <a:pPr algn="just">
+              <a:buFont typeface="+mj-lt"/>
+              <a:buAutoNum type="arabicPeriod"/>
+            </a:pPr>
+            <a:r>
+              <a:rPr lang="it-IT" sz="1600" dirty="0">
+                <a:solidFill>
+                  <a:schemeClr val="tx1"/>
+                </a:solidFill>
+              </a:rPr>
+              <a:t>API keys of </a:t>
+            </a:r>
+            <a:r>
+              <a:rPr lang="it-IT" sz="1600" dirty="0" err="1">
+                <a:solidFill>
+                  <a:schemeClr val="tx1"/>
+                </a:solidFill>
+              </a:rPr>
+              <a:t>ThingSpeak</a:t>
+            </a:r>
+            <a:r>
+              <a:rPr lang="it-IT" sz="1600" dirty="0">
+                <a:solidFill>
+                  <a:schemeClr val="tx1"/>
+                </a:solidFill>
+              </a:rPr>
+              <a:t>.</a:t>
+            </a:r>
+          </a:p>
+          <a:p>
+            <a:pPr marL="0" indent="0" algn="just">
+              <a:buNone/>
+            </a:pPr>
+            <a:r>
+              <a:rPr lang="it-IT" sz="1600" b="1" dirty="0" err="1">
+                <a:solidFill>
+                  <a:schemeClr val="tx1"/>
+                </a:solidFill>
+              </a:rPr>
+              <a:t>This</a:t>
+            </a:r>
+            <a:r>
               <a:rPr lang="it-IT" sz="1600" b="1" dirty="0">
                 <a:solidFill>
                   <a:schemeClr val="tx1"/>
                 </a:solidFill>
               </a:rPr>
+              <a:t> part </a:t>
+            </a:r>
+            <a:r>
+              <a:rPr lang="it-IT" sz="1600" b="1" dirty="0" err="1">
+                <a:solidFill>
+                  <a:schemeClr val="tx1"/>
+                </a:solidFill>
+              </a:rPr>
+              <a:t>is</a:t>
+            </a:r>
+            <a:r>
+              <a:rPr lang="it-IT" sz="1600" b="1" dirty="0">
+                <a:solidFill>
+                  <a:schemeClr val="tx1"/>
+                </a:solidFill>
+              </a:rPr>
               <a:t> </a:t>
             </a:r>
-            <a:endParaRPr lang="it-IT" sz="1600" dirty="0">
-              <a:solidFill>
-                <a:schemeClr val="tx1"/>
-              </a:solidFill>
-            </a:endParaRPr>
-          </a:p>
-          <a:p>
-            <a:pPr algn="just"/>
+            <a:r>
+              <a:rPr lang="it-IT" sz="1600" b="1" dirty="0" err="1">
+                <a:solidFill>
+                  <a:schemeClr val="tx1"/>
+                </a:solidFill>
+              </a:rPr>
+              <a:t>contained</a:t>
+            </a:r>
             <a:r>
               <a:rPr lang="it-IT" sz="1600" b="1" dirty="0">
                 <a:solidFill>
                   <a:schemeClr val="tx1"/>
                 </a:solidFill>
               </a:rPr>
-              <a:t>User List:</a:t>
-            </a:r>
-          </a:p>
-          <a:p>
-            <a:pPr algn="just"/>
-            <a:endParaRPr lang="it-IT" sz="1600" b="1" dirty="0">
-              <a:solidFill>
-                <a:schemeClr val="tx1"/>
-              </a:solidFill>
-            </a:endParaRPr>
+              <a:t> </a:t>
+            </a:r>
+            <a:r>
+              <a:rPr lang="it-IT" sz="1600" b="1" dirty="0" err="1">
+                <a:solidFill>
+                  <a:schemeClr val="tx1"/>
+                </a:solidFill>
+              </a:rPr>
+              <a:t>also</a:t>
+            </a:r>
+            <a:r>
+              <a:rPr lang="it-IT" sz="1600" b="1" dirty="0">
+                <a:solidFill>
+                  <a:schemeClr val="tx1"/>
+                </a:solidFill>
+              </a:rPr>
+              <a:t> in the file </a:t>
+            </a:r>
+            <a:r>
+              <a:rPr lang="it-IT" sz="1600" b="1" dirty="0" err="1">
+                <a:solidFill>
+                  <a:schemeClr val="tx1"/>
+                </a:solidFill>
+              </a:rPr>
+              <a:t>settings.json</a:t>
+            </a:r>
+            <a:r>
+              <a:rPr lang="it-IT" sz="1600" b="1" dirty="0">
+                <a:solidFill>
+                  <a:schemeClr val="tx1"/>
+                </a:solidFill>
+              </a:rPr>
+              <a:t> common to </a:t>
+            </a:r>
+            <a:r>
+              <a:rPr lang="it-IT" sz="1600" b="1" dirty="0" err="1">
+                <a:solidFill>
+                  <a:schemeClr val="tx1"/>
+                </a:solidFill>
+              </a:rPr>
+              <a:t>all</a:t>
+            </a:r>
+            <a:r>
+              <a:rPr lang="it-IT" sz="1600" b="1" dirty="0">
+                <a:solidFill>
+                  <a:schemeClr val="tx1"/>
+                </a:solidFill>
+              </a:rPr>
+              <a:t> the </a:t>
+            </a:r>
+            <a:r>
+              <a:rPr lang="it-IT" sz="1600" b="1" dirty="0" err="1">
+                <a:solidFill>
+                  <a:schemeClr val="tx1"/>
+                </a:solidFill>
+              </a:rPr>
+              <a:t>actor</a:t>
+            </a:r>
+            <a:r>
+              <a:rPr lang="it-IT" sz="1600" b="1" dirty="0">
+                <a:solidFill>
+                  <a:schemeClr val="tx1"/>
+                </a:solidFill>
+              </a:rPr>
+              <a:t>. </a:t>
+            </a:r>
           </a:p>
           <a:p>
             <a:pPr marL="0" indent="0" algn="just">
@@ -15168,27 +17904,47 @@
               </a:solidFill>
             </a:endParaRPr>
           </a:p>
-          <a:p>
-            <a:pPr algn="just"/>
-            <a:r>
-              <a:rPr lang="it-IT" sz="1600" b="1" dirty="0">
-                <a:solidFill>
-                  <a:schemeClr val="tx1"/>
-                </a:solidFill>
-              </a:rPr>
-              <a:t>Device List:</a:t>
-            </a:r>
-            <a:r>
-              <a:rPr lang="it-IT" sz="1600" dirty="0">
-                <a:solidFill>
-                  <a:schemeClr val="tx1"/>
-                </a:solidFill>
-              </a:rPr>
-              <a:t> </a:t>
-            </a:r>
-          </a:p>
         </p:txBody>
       </p:sp>
+      <p:pic>
+        <p:nvPicPr>
+          <p:cNvPr id="9" name="Picture 8">
+            <a:extLst>
+              <a:ext uri="{FF2B5EF4-FFF2-40B4-BE49-F238E27FC236}">
+                <a16:creationId xmlns:a16="http://schemas.microsoft.com/office/drawing/2014/main" id="{1CDACBA9-FF53-4DE7-9CCA-E29FC14CD7CE}"/>
+              </a:ext>
+            </a:extLst>
+          </p:cNvPr>
+          <p:cNvPicPr>
+            <a:picLocks noChangeAspect="1"/>
+          </p:cNvPicPr>
+          <p:nvPr/>
+        </p:nvPicPr>
+        <p:blipFill rotWithShape="1">
+          <a:blip r:embed="rId2"/>
+          <a:srcRect b="-3238"/>
+          <a:stretch/>
+        </p:blipFill>
+        <p:spPr>
+          <a:xfrm>
+            <a:off x="6387615" y="1684709"/>
+            <a:ext cx="5014395" cy="2116325"/>
+          </a:xfrm>
+          <a:prstGeom prst="rect">
+            <a:avLst/>
+          </a:prstGeom>
+          <a:ln>
+            <a:noFill/>
+          </a:ln>
+          <a:effectLst>
+            <a:outerShdw blurRad="292100" dist="139700" dir="2700000" algn="tl" rotWithShape="0">
+              <a:srgbClr val="333333">
+                <a:alpha val="65000"/>
+              </a:srgbClr>
+            </a:outerShdw>
+          </a:effectLst>
+        </p:spPr>
+      </p:pic>
     </p:spTree>
     <p:extLst>
       <p:ext uri="{BB962C8B-B14F-4D97-AF65-F5344CB8AC3E}">
@@ -15224,7 +17980,7 @@
           <p:cNvPr id="2" name="Title 1">
             <a:extLst>
               <a:ext uri="{FF2B5EF4-FFF2-40B4-BE49-F238E27FC236}">
-                <a16:creationId xmlns:a16="http://schemas.microsoft.com/office/drawing/2014/main" id="{6EA38D7D-CC50-65DA-52B6-3A515E298C8B}"/>
+                <a16:creationId xmlns:a16="http://schemas.microsoft.com/office/drawing/2014/main" id="{C7521164-D611-468D-BEF1-08B09379C3FA}"/>
               </a:ext>
             </a:extLst>
           </p:cNvPr>
@@ -15241,21 +17997,892 @@
           <a:lstStyle/>
           <a:p>
             <a:r>
+              <a:rPr lang="it-IT" dirty="0" err="1"/>
+              <a:t>Catalog</a:t>
+            </a:r>
+            <a:r>
               <a:rPr lang="it-IT" dirty="0"/>
-              <a:t>GET </a:t>
-            </a:r>
-            <a:r>
-              <a:rPr lang="it-IT" dirty="0" err="1"/>
-              <a:t>method</a:t>
-            </a:r>
-            <a:endParaRPr lang="it-IT" dirty="0"/>
+              <a:t> USER list </a:t>
+            </a:r>
           </a:p>
         </p:txBody>
       </p:sp>
+      <p:sp>
+        <p:nvSpPr>
+          <p:cNvPr id="3" name="Content Placeholder 5">
+            <a:extLst>
+              <a:ext uri="{FF2B5EF4-FFF2-40B4-BE49-F238E27FC236}">
+                <a16:creationId xmlns:a16="http://schemas.microsoft.com/office/drawing/2014/main" id="{B41B6591-0748-4B09-BEC1-372021D4827E}"/>
+              </a:ext>
+            </a:extLst>
+          </p:cNvPr>
+          <p:cNvSpPr txBox="1">
+            <a:spLocks/>
+          </p:cNvSpPr>
+          <p:nvPr/>
+        </p:nvSpPr>
+        <p:spPr>
+          <a:xfrm>
+            <a:off x="521117" y="1930400"/>
+            <a:ext cx="5453599" cy="4832221"/>
+          </a:xfrm>
+          <a:prstGeom prst="rect">
+            <a:avLst/>
+          </a:prstGeom>
+        </p:spPr>
+        <p:txBody>
+          <a:bodyPr/>
+          <a:lstStyle>
+            <a:lvl1pPr marL="342900" indent="-342900" algn="l" defTabSz="457200" rtl="0" eaLnBrk="1" latinLnBrk="0" hangingPunct="1">
+              <a:spcBef>
+                <a:spcPts val="1000"/>
+              </a:spcBef>
+              <a:spcAft>
+                <a:spcPts val="0"/>
+              </a:spcAft>
+              <a:buClr>
+                <a:schemeClr val="accent1"/>
+              </a:buClr>
+              <a:buSzPct val="80000"/>
+              <a:buFont typeface="Wingdings 3" charset="2"/>
+              <a:buChar char=""/>
+              <a:defRPr sz="1800" kern="1200">
+                <a:solidFill>
+                  <a:schemeClr val="tx1">
+                    <a:lumMod val="75000"/>
+                    <a:lumOff val="25000"/>
+                  </a:schemeClr>
+                </a:solidFill>
+                <a:latin typeface="+mn-lt"/>
+                <a:ea typeface="+mn-ea"/>
+                <a:cs typeface="+mn-cs"/>
+              </a:defRPr>
+            </a:lvl1pPr>
+            <a:lvl2pPr marL="742950" indent="-285750" algn="l" defTabSz="457200" rtl="0" eaLnBrk="1" latinLnBrk="0" hangingPunct="1">
+              <a:spcBef>
+                <a:spcPts val="1000"/>
+              </a:spcBef>
+              <a:spcAft>
+                <a:spcPts val="0"/>
+              </a:spcAft>
+              <a:buClr>
+                <a:schemeClr val="accent1"/>
+              </a:buClr>
+              <a:buSzPct val="80000"/>
+              <a:buFont typeface="Wingdings 3" charset="2"/>
+              <a:buChar char=""/>
+              <a:defRPr sz="1600" kern="1200">
+                <a:solidFill>
+                  <a:schemeClr val="tx1">
+                    <a:lumMod val="75000"/>
+                    <a:lumOff val="25000"/>
+                  </a:schemeClr>
+                </a:solidFill>
+                <a:latin typeface="+mn-lt"/>
+                <a:ea typeface="+mn-ea"/>
+                <a:cs typeface="+mn-cs"/>
+              </a:defRPr>
+            </a:lvl2pPr>
+            <a:lvl3pPr marL="1143000" indent="-228600" algn="l" defTabSz="457200" rtl="0" eaLnBrk="1" latinLnBrk="0" hangingPunct="1">
+              <a:spcBef>
+                <a:spcPts val="1000"/>
+              </a:spcBef>
+              <a:spcAft>
+                <a:spcPts val="0"/>
+              </a:spcAft>
+              <a:buClr>
+                <a:schemeClr val="accent1"/>
+              </a:buClr>
+              <a:buSzPct val="80000"/>
+              <a:buFont typeface="Wingdings 3" charset="2"/>
+              <a:buChar char=""/>
+              <a:defRPr sz="1400" kern="1200">
+                <a:solidFill>
+                  <a:schemeClr val="tx1">
+                    <a:lumMod val="75000"/>
+                    <a:lumOff val="25000"/>
+                  </a:schemeClr>
+                </a:solidFill>
+                <a:latin typeface="+mn-lt"/>
+                <a:ea typeface="+mn-ea"/>
+                <a:cs typeface="+mn-cs"/>
+              </a:defRPr>
+            </a:lvl3pPr>
+            <a:lvl4pPr marL="1600200" indent="-228600" algn="l" defTabSz="457200" rtl="0" eaLnBrk="1" latinLnBrk="0" hangingPunct="1">
+              <a:spcBef>
+                <a:spcPts val="1000"/>
+              </a:spcBef>
+              <a:spcAft>
+                <a:spcPts val="0"/>
+              </a:spcAft>
+              <a:buClr>
+                <a:schemeClr val="accent1"/>
+              </a:buClr>
+              <a:buSzPct val="80000"/>
+              <a:buFont typeface="Wingdings 3" charset="2"/>
+              <a:buChar char=""/>
+              <a:defRPr sz="1200" kern="1200">
+                <a:solidFill>
+                  <a:schemeClr val="tx1">
+                    <a:lumMod val="75000"/>
+                    <a:lumOff val="25000"/>
+                  </a:schemeClr>
+                </a:solidFill>
+                <a:latin typeface="+mn-lt"/>
+                <a:ea typeface="+mn-ea"/>
+                <a:cs typeface="+mn-cs"/>
+              </a:defRPr>
+            </a:lvl4pPr>
+            <a:lvl5pPr marL="2057400" indent="-228600" algn="l" defTabSz="457200" rtl="0" eaLnBrk="1" latinLnBrk="0" hangingPunct="1">
+              <a:spcBef>
+                <a:spcPts val="1000"/>
+              </a:spcBef>
+              <a:spcAft>
+                <a:spcPts val="0"/>
+              </a:spcAft>
+              <a:buClr>
+                <a:schemeClr val="accent1"/>
+              </a:buClr>
+              <a:buSzPct val="80000"/>
+              <a:buFont typeface="Wingdings 3" charset="2"/>
+              <a:buChar char=""/>
+              <a:defRPr sz="1200" kern="1200">
+                <a:solidFill>
+                  <a:schemeClr val="tx1">
+                    <a:lumMod val="75000"/>
+                    <a:lumOff val="25000"/>
+                  </a:schemeClr>
+                </a:solidFill>
+                <a:latin typeface="+mn-lt"/>
+                <a:ea typeface="+mn-ea"/>
+                <a:cs typeface="+mn-cs"/>
+              </a:defRPr>
+            </a:lvl5pPr>
+            <a:lvl6pPr marL="2514600" indent="-228600" algn="l" defTabSz="457200" rtl="0" eaLnBrk="1" latinLnBrk="0" hangingPunct="1">
+              <a:spcBef>
+                <a:spcPts val="1000"/>
+              </a:spcBef>
+              <a:spcAft>
+                <a:spcPts val="0"/>
+              </a:spcAft>
+              <a:buClr>
+                <a:schemeClr val="accent1"/>
+              </a:buClr>
+              <a:buSzPct val="80000"/>
+              <a:buFont typeface="Wingdings 3" charset="2"/>
+              <a:buChar char=""/>
+              <a:defRPr sz="1200" kern="1200">
+                <a:solidFill>
+                  <a:schemeClr val="tx1">
+                    <a:lumMod val="75000"/>
+                    <a:lumOff val="25000"/>
+                  </a:schemeClr>
+                </a:solidFill>
+                <a:latin typeface="+mn-lt"/>
+                <a:ea typeface="+mn-ea"/>
+                <a:cs typeface="+mn-cs"/>
+              </a:defRPr>
+            </a:lvl6pPr>
+            <a:lvl7pPr marL="2971800" indent="-228600" algn="l" defTabSz="457200" rtl="0" eaLnBrk="1" latinLnBrk="0" hangingPunct="1">
+              <a:spcBef>
+                <a:spcPts val="1000"/>
+              </a:spcBef>
+              <a:spcAft>
+                <a:spcPts val="0"/>
+              </a:spcAft>
+              <a:buClr>
+                <a:schemeClr val="accent1"/>
+              </a:buClr>
+              <a:buSzPct val="80000"/>
+              <a:buFont typeface="Wingdings 3" charset="2"/>
+              <a:buChar char=""/>
+              <a:defRPr sz="1200" kern="1200">
+                <a:solidFill>
+                  <a:schemeClr val="tx1">
+                    <a:lumMod val="75000"/>
+                    <a:lumOff val="25000"/>
+                  </a:schemeClr>
+                </a:solidFill>
+                <a:latin typeface="+mn-lt"/>
+                <a:ea typeface="+mn-ea"/>
+                <a:cs typeface="+mn-cs"/>
+              </a:defRPr>
+            </a:lvl7pPr>
+            <a:lvl8pPr marL="3429000" indent="-228600" algn="l" defTabSz="457200" rtl="0" eaLnBrk="1" latinLnBrk="0" hangingPunct="1">
+              <a:spcBef>
+                <a:spcPts val="1000"/>
+              </a:spcBef>
+              <a:spcAft>
+                <a:spcPts val="0"/>
+              </a:spcAft>
+              <a:buClr>
+                <a:schemeClr val="accent1"/>
+              </a:buClr>
+              <a:buSzPct val="80000"/>
+              <a:buFont typeface="Wingdings 3" charset="2"/>
+              <a:buChar char=""/>
+              <a:defRPr sz="1200" kern="1200">
+                <a:solidFill>
+                  <a:schemeClr val="tx1">
+                    <a:lumMod val="75000"/>
+                    <a:lumOff val="25000"/>
+                  </a:schemeClr>
+                </a:solidFill>
+                <a:latin typeface="+mn-lt"/>
+                <a:ea typeface="+mn-ea"/>
+                <a:cs typeface="+mn-cs"/>
+              </a:defRPr>
+            </a:lvl8pPr>
+            <a:lvl9pPr marL="3886200" indent="-228600" algn="l" defTabSz="457200" rtl="0" eaLnBrk="1" latinLnBrk="0" hangingPunct="1">
+              <a:spcBef>
+                <a:spcPts val="1000"/>
+              </a:spcBef>
+              <a:spcAft>
+                <a:spcPts val="0"/>
+              </a:spcAft>
+              <a:buClr>
+                <a:schemeClr val="accent1"/>
+              </a:buClr>
+              <a:buSzPct val="80000"/>
+              <a:buFont typeface="Wingdings 3" charset="2"/>
+              <a:buChar char=""/>
+              <a:defRPr sz="1200" kern="1200">
+                <a:solidFill>
+                  <a:schemeClr val="tx1">
+                    <a:lumMod val="75000"/>
+                    <a:lumOff val="25000"/>
+                  </a:schemeClr>
+                </a:solidFill>
+                <a:latin typeface="+mn-lt"/>
+                <a:ea typeface="+mn-ea"/>
+                <a:cs typeface="+mn-cs"/>
+              </a:defRPr>
+            </a:lvl9pPr>
+          </a:lstStyle>
+          <a:p>
+            <a:pPr algn="just"/>
+            <a:r>
+              <a:rPr lang="it-IT" sz="1600" b="1" dirty="0">
+                <a:solidFill>
+                  <a:schemeClr val="tx1"/>
+                </a:solidFill>
+              </a:rPr>
+              <a:t>User List: </a:t>
+            </a:r>
+          </a:p>
+          <a:p>
+            <a:pPr marL="0" indent="0" algn="just">
+              <a:buNone/>
+            </a:pPr>
+            <a:r>
+              <a:rPr lang="it-IT" sz="1600" dirty="0" err="1">
+                <a:solidFill>
+                  <a:schemeClr val="tx1"/>
+                </a:solidFill>
+              </a:rPr>
+              <a:t>Contain</a:t>
+            </a:r>
+            <a:r>
+              <a:rPr lang="it-IT" sz="1600" dirty="0">
+                <a:solidFill>
+                  <a:schemeClr val="tx1"/>
+                </a:solidFill>
+              </a:rPr>
+              <a:t> information </a:t>
+            </a:r>
+            <a:r>
+              <a:rPr lang="it-IT" sz="1600" dirty="0" err="1">
+                <a:solidFill>
+                  <a:schemeClr val="tx1"/>
+                </a:solidFill>
+              </a:rPr>
+              <a:t>about</a:t>
+            </a:r>
+            <a:r>
+              <a:rPr lang="it-IT" sz="1600" dirty="0">
+                <a:solidFill>
+                  <a:schemeClr val="tx1"/>
+                </a:solidFill>
+              </a:rPr>
+              <a:t> </a:t>
+            </a:r>
+            <a:r>
+              <a:rPr lang="it-IT" sz="1600" dirty="0" err="1">
+                <a:solidFill>
+                  <a:schemeClr val="tx1"/>
+                </a:solidFill>
+              </a:rPr>
+              <a:t>all</a:t>
+            </a:r>
+            <a:r>
+              <a:rPr lang="it-IT" sz="1600" dirty="0">
+                <a:solidFill>
+                  <a:schemeClr val="tx1"/>
+                </a:solidFill>
+              </a:rPr>
+              <a:t> the USER, </a:t>
+            </a:r>
+            <a:r>
+              <a:rPr lang="it-IT" sz="1600" dirty="0" err="1">
+                <a:solidFill>
+                  <a:schemeClr val="tx1"/>
+                </a:solidFill>
+              </a:rPr>
+              <a:t>each</a:t>
+            </a:r>
+            <a:r>
+              <a:rPr lang="it-IT" sz="1600" dirty="0">
+                <a:solidFill>
+                  <a:schemeClr val="tx1"/>
+                </a:solidFill>
+              </a:rPr>
+              <a:t> USER </a:t>
+            </a:r>
+            <a:r>
+              <a:rPr lang="it-IT" sz="1600" dirty="0" err="1">
+                <a:solidFill>
+                  <a:schemeClr val="tx1"/>
+                </a:solidFill>
+              </a:rPr>
+              <a:t>has</a:t>
+            </a:r>
+            <a:r>
+              <a:rPr lang="it-IT" sz="1600" dirty="0">
+                <a:solidFill>
+                  <a:schemeClr val="tx1"/>
+                </a:solidFill>
+              </a:rPr>
+              <a:t>:</a:t>
+            </a:r>
+          </a:p>
+          <a:p>
+            <a:pPr algn="just">
+              <a:buFont typeface="+mj-lt"/>
+              <a:buAutoNum type="arabicPeriod"/>
+            </a:pPr>
+            <a:r>
+              <a:rPr lang="it-IT" sz="1600" dirty="0" err="1">
+                <a:solidFill>
+                  <a:schemeClr val="tx1"/>
+                </a:solidFill>
+              </a:rPr>
+              <a:t>UserID</a:t>
+            </a:r>
+            <a:r>
+              <a:rPr lang="it-IT" sz="1600" dirty="0">
+                <a:solidFill>
+                  <a:schemeClr val="tx1"/>
+                </a:solidFill>
+              </a:rPr>
+              <a:t> </a:t>
+            </a:r>
+            <a:r>
+              <a:rPr lang="it-IT" sz="1600" dirty="0" err="1">
+                <a:solidFill>
+                  <a:schemeClr val="tx1"/>
+                </a:solidFill>
+              </a:rPr>
+              <a:t>associated</a:t>
+            </a:r>
+            <a:r>
+              <a:rPr lang="it-IT" sz="1600" dirty="0">
+                <a:solidFill>
+                  <a:schemeClr val="tx1"/>
+                </a:solidFill>
+              </a:rPr>
+              <a:t>.</a:t>
+            </a:r>
+          </a:p>
+          <a:p>
+            <a:pPr algn="just">
+              <a:buFont typeface="+mj-lt"/>
+              <a:buAutoNum type="arabicPeriod"/>
+            </a:pPr>
+            <a:r>
+              <a:rPr lang="it-IT" sz="1600" dirty="0" err="1">
+                <a:solidFill>
+                  <a:schemeClr val="tx1"/>
+                </a:solidFill>
+              </a:rPr>
+              <a:t>Capacity</a:t>
+            </a:r>
+            <a:r>
+              <a:rPr lang="it-IT" sz="1600" dirty="0">
+                <a:solidFill>
+                  <a:schemeClr val="tx1"/>
+                </a:solidFill>
+              </a:rPr>
+              <a:t> and </a:t>
+            </a:r>
+            <a:r>
+              <a:rPr lang="it-IT" sz="1600" dirty="0" err="1">
+                <a:solidFill>
+                  <a:schemeClr val="tx1"/>
+                </a:solidFill>
+              </a:rPr>
+              <a:t>consumption</a:t>
+            </a:r>
+            <a:r>
+              <a:rPr lang="it-IT" sz="1600" dirty="0">
+                <a:solidFill>
+                  <a:schemeClr val="tx1"/>
+                </a:solidFill>
+              </a:rPr>
+              <a:t> of the </a:t>
+            </a:r>
+            <a:r>
+              <a:rPr lang="it-IT" sz="1600" dirty="0" err="1">
+                <a:solidFill>
+                  <a:schemeClr val="tx1"/>
+                </a:solidFill>
+              </a:rPr>
+              <a:t>USER’s</a:t>
+            </a:r>
+            <a:r>
+              <a:rPr lang="it-IT" sz="1600" dirty="0">
+                <a:solidFill>
+                  <a:schemeClr val="tx1"/>
+                </a:solidFill>
+              </a:rPr>
+              <a:t> </a:t>
+            </a:r>
+            <a:r>
+              <a:rPr lang="it-IT" sz="1600" dirty="0" err="1">
+                <a:solidFill>
+                  <a:schemeClr val="tx1"/>
+                </a:solidFill>
+              </a:rPr>
+              <a:t>battery</a:t>
+            </a:r>
+            <a:r>
+              <a:rPr lang="it-IT" sz="1600" dirty="0">
+                <a:solidFill>
+                  <a:schemeClr val="tx1"/>
+                </a:solidFill>
+              </a:rPr>
+              <a:t>, </a:t>
+            </a:r>
+            <a:r>
+              <a:rPr lang="it-IT" sz="1600" dirty="0" err="1">
+                <a:solidFill>
+                  <a:schemeClr val="tx1"/>
+                </a:solidFill>
+              </a:rPr>
+              <a:t>specific</a:t>
+            </a:r>
+            <a:r>
+              <a:rPr lang="it-IT" sz="1600" dirty="0">
+                <a:solidFill>
+                  <a:schemeClr val="tx1"/>
+                </a:solidFill>
+              </a:rPr>
+              <a:t> for </a:t>
+            </a:r>
+            <a:r>
+              <a:rPr lang="it-IT" sz="1600" dirty="0" err="1">
+                <a:solidFill>
+                  <a:schemeClr val="tx1"/>
+                </a:solidFill>
+              </a:rPr>
+              <a:t>each</a:t>
+            </a:r>
+            <a:r>
+              <a:rPr lang="it-IT" sz="1600" dirty="0">
+                <a:solidFill>
+                  <a:schemeClr val="tx1"/>
+                </a:solidFill>
+              </a:rPr>
+              <a:t> </a:t>
+            </a:r>
+            <a:r>
+              <a:rPr lang="it-IT" sz="1600" dirty="0" err="1">
+                <a:solidFill>
+                  <a:schemeClr val="tx1"/>
+                </a:solidFill>
+              </a:rPr>
+              <a:t>battery</a:t>
+            </a:r>
+            <a:r>
+              <a:rPr lang="it-IT" sz="1600" dirty="0">
+                <a:solidFill>
+                  <a:schemeClr val="tx1"/>
+                </a:solidFill>
+              </a:rPr>
+              <a:t>.</a:t>
+            </a:r>
+          </a:p>
+          <a:p>
+            <a:pPr algn="just">
+              <a:buFont typeface="+mj-lt"/>
+              <a:buAutoNum type="arabicPeriod"/>
+            </a:pPr>
+            <a:r>
+              <a:rPr lang="it-IT" sz="1600" dirty="0" err="1">
+                <a:solidFill>
+                  <a:schemeClr val="tx1"/>
+                </a:solidFill>
+              </a:rPr>
+              <a:t>ChatID</a:t>
+            </a:r>
+            <a:r>
+              <a:rPr lang="it-IT" sz="1600" dirty="0">
+                <a:solidFill>
+                  <a:schemeClr val="tx1"/>
+                </a:solidFill>
+              </a:rPr>
+              <a:t> of Telegram, to associate the Telegram </a:t>
+            </a:r>
+            <a:r>
+              <a:rPr lang="it-IT" sz="1600" dirty="0" err="1">
+                <a:solidFill>
+                  <a:schemeClr val="tx1"/>
+                </a:solidFill>
+              </a:rPr>
+              <a:t>profile</a:t>
+            </a:r>
+            <a:r>
+              <a:rPr lang="it-IT" sz="1600" dirty="0">
+                <a:solidFill>
+                  <a:schemeClr val="tx1"/>
+                </a:solidFill>
+              </a:rPr>
+              <a:t> of the USER to the Bot of the </a:t>
+            </a:r>
+            <a:r>
+              <a:rPr lang="it-IT" sz="1600" dirty="0" err="1">
+                <a:solidFill>
+                  <a:schemeClr val="tx1"/>
+                </a:solidFill>
+              </a:rPr>
+              <a:t>application</a:t>
+            </a:r>
+            <a:r>
+              <a:rPr lang="it-IT" sz="1600" dirty="0">
+                <a:solidFill>
+                  <a:schemeClr val="tx1"/>
+                </a:solidFill>
+              </a:rPr>
+              <a:t>. </a:t>
+            </a:r>
+          </a:p>
+          <a:p>
+            <a:pPr algn="just">
+              <a:buFont typeface="+mj-lt"/>
+              <a:buAutoNum type="arabicPeriod"/>
+            </a:pPr>
+            <a:r>
+              <a:rPr lang="it-IT" sz="1600" dirty="0" err="1">
+                <a:solidFill>
+                  <a:schemeClr val="tx1"/>
+                </a:solidFill>
+              </a:rPr>
+              <a:t>ThingSpeak</a:t>
+            </a:r>
+            <a:r>
+              <a:rPr lang="it-IT" sz="1600" dirty="0">
+                <a:solidFill>
+                  <a:schemeClr val="tx1"/>
+                </a:solidFill>
+              </a:rPr>
+              <a:t> </a:t>
+            </a:r>
+            <a:r>
+              <a:rPr lang="it-IT" sz="1600" dirty="0" err="1">
+                <a:solidFill>
+                  <a:schemeClr val="tx1"/>
+                </a:solidFill>
+              </a:rPr>
+              <a:t>channel</a:t>
+            </a:r>
+            <a:r>
+              <a:rPr lang="it-IT" sz="1600" dirty="0">
+                <a:solidFill>
+                  <a:schemeClr val="tx1"/>
+                </a:solidFill>
+              </a:rPr>
+              <a:t> ID, </a:t>
+            </a:r>
+            <a:r>
+              <a:rPr lang="it-IT" sz="1600" dirty="0" err="1">
+                <a:solidFill>
+                  <a:schemeClr val="tx1"/>
+                </a:solidFill>
+              </a:rPr>
+              <a:t>associated</a:t>
+            </a:r>
+            <a:r>
+              <a:rPr lang="it-IT" sz="1600" dirty="0">
+                <a:solidFill>
+                  <a:schemeClr val="tx1"/>
+                </a:solidFill>
+              </a:rPr>
+              <a:t> to the USER.</a:t>
+            </a:r>
+          </a:p>
+          <a:p>
+            <a:pPr algn="just">
+              <a:buFont typeface="+mj-lt"/>
+              <a:buAutoNum type="arabicPeriod"/>
+            </a:pPr>
+            <a:r>
+              <a:rPr lang="it-IT" sz="1600" dirty="0">
+                <a:solidFill>
+                  <a:schemeClr val="tx1"/>
+                </a:solidFill>
+              </a:rPr>
+              <a:t>List of </a:t>
+            </a:r>
+            <a:r>
+              <a:rPr lang="it-IT" sz="1600" dirty="0" err="1">
+                <a:solidFill>
+                  <a:schemeClr val="tx1"/>
+                </a:solidFill>
+              </a:rPr>
+              <a:t>connected</a:t>
+            </a:r>
+            <a:r>
+              <a:rPr lang="it-IT" sz="1600" dirty="0">
+                <a:solidFill>
+                  <a:schemeClr val="tx1"/>
+                </a:solidFill>
+              </a:rPr>
+              <a:t> devices. </a:t>
+            </a:r>
+          </a:p>
+          <a:p>
+            <a:pPr algn="just">
+              <a:buFont typeface="+mj-lt"/>
+              <a:buAutoNum type="arabicPeriod"/>
+            </a:pPr>
+            <a:r>
+              <a:rPr lang="it-IT" sz="1600" dirty="0">
+                <a:solidFill>
+                  <a:schemeClr val="tx1"/>
+                </a:solidFill>
+              </a:rPr>
+              <a:t>Agenda of the USR.</a:t>
+            </a:r>
+          </a:p>
+        </p:txBody>
+      </p:sp>
+      <p:pic>
+        <p:nvPicPr>
+          <p:cNvPr id="4" name="Picture 3">
+            <a:extLst>
+              <a:ext uri="{FF2B5EF4-FFF2-40B4-BE49-F238E27FC236}">
+                <a16:creationId xmlns:a16="http://schemas.microsoft.com/office/drawing/2014/main" id="{8B83FAF8-FA7F-4CAB-A946-970604CE2971}"/>
+              </a:ext>
+            </a:extLst>
+          </p:cNvPr>
+          <p:cNvPicPr>
+            <a:picLocks noChangeAspect="1"/>
+          </p:cNvPicPr>
+          <p:nvPr/>
+        </p:nvPicPr>
+        <p:blipFill rotWithShape="1">
+          <a:blip r:embed="rId2"/>
+          <a:srcRect r="28210"/>
+          <a:stretch/>
+        </p:blipFill>
+        <p:spPr>
+          <a:xfrm>
+            <a:off x="5849999" y="95379"/>
+            <a:ext cx="3053326" cy="2253594"/>
+          </a:xfrm>
+          <a:prstGeom prst="rect">
+            <a:avLst/>
+          </a:prstGeom>
+          <a:ln>
+            <a:noFill/>
+          </a:ln>
+          <a:effectLst>
+            <a:outerShdw blurRad="292100" dist="139700" dir="2700000" algn="tl" rotWithShape="0">
+              <a:srgbClr val="333333">
+                <a:alpha val="65000"/>
+              </a:srgbClr>
+            </a:outerShdw>
+          </a:effectLst>
+        </p:spPr>
+      </p:pic>
+      <p:pic>
+        <p:nvPicPr>
+          <p:cNvPr id="6" name="Picture 5">
+            <a:extLst>
+              <a:ext uri="{FF2B5EF4-FFF2-40B4-BE49-F238E27FC236}">
+                <a16:creationId xmlns:a16="http://schemas.microsoft.com/office/drawing/2014/main" id="{FAF20379-6305-4EFD-866F-637DC7E14562}"/>
+              </a:ext>
+            </a:extLst>
+          </p:cNvPr>
+          <p:cNvPicPr>
+            <a:picLocks noChangeAspect="1"/>
+          </p:cNvPicPr>
+          <p:nvPr/>
+        </p:nvPicPr>
+        <p:blipFill rotWithShape="1">
+          <a:blip r:embed="rId3"/>
+          <a:srcRect l="742" t="1589" r="-742" b="861"/>
+          <a:stretch/>
+        </p:blipFill>
+        <p:spPr>
+          <a:xfrm>
+            <a:off x="9288963" y="1222057"/>
+            <a:ext cx="2903037" cy="4110647"/>
+          </a:xfrm>
+          <a:prstGeom prst="rect">
+            <a:avLst/>
+          </a:prstGeom>
+          <a:ln w="38100" cap="sq">
+            <a:solidFill>
+              <a:srgbClr val="000000"/>
+            </a:solidFill>
+            <a:prstDash val="solid"/>
+            <a:miter lim="800000"/>
+          </a:ln>
+          <a:effectLst>
+            <a:outerShdw blurRad="50800" dist="38100" dir="2700000" algn="tl" rotWithShape="0">
+              <a:srgbClr val="000000">
+                <a:alpha val="43000"/>
+              </a:srgbClr>
+            </a:outerShdw>
+          </a:effectLst>
+        </p:spPr>
+      </p:pic>
+      <p:pic>
+        <p:nvPicPr>
+          <p:cNvPr id="8" name="Picture 7">
+            <a:extLst>
+              <a:ext uri="{FF2B5EF4-FFF2-40B4-BE49-F238E27FC236}">
+                <a16:creationId xmlns:a16="http://schemas.microsoft.com/office/drawing/2014/main" id="{282D0907-6EE1-4B1A-B4D1-DB367D48EBD2}"/>
+              </a:ext>
+            </a:extLst>
+          </p:cNvPr>
+          <p:cNvPicPr>
+            <a:picLocks noChangeAspect="1"/>
+          </p:cNvPicPr>
+          <p:nvPr/>
+        </p:nvPicPr>
+        <p:blipFill>
+          <a:blip r:embed="rId4"/>
+          <a:stretch>
+            <a:fillRect/>
+          </a:stretch>
+        </p:blipFill>
+        <p:spPr>
+          <a:xfrm>
+            <a:off x="6224698" y="2500473"/>
+            <a:ext cx="2950159" cy="4110647"/>
+          </a:xfrm>
+          <a:prstGeom prst="rect">
+            <a:avLst/>
+          </a:prstGeom>
+          <a:ln w="38100" cap="sq">
+            <a:solidFill>
+              <a:srgbClr val="000000"/>
+            </a:solidFill>
+            <a:prstDash val="solid"/>
+            <a:miter lim="800000"/>
+          </a:ln>
+          <a:effectLst>
+            <a:outerShdw blurRad="50800" dist="38100" dir="2700000" algn="tl" rotWithShape="0">
+              <a:srgbClr val="000000">
+                <a:alpha val="43000"/>
+              </a:srgbClr>
+            </a:outerShdw>
+          </a:effectLst>
+        </p:spPr>
+      </p:pic>
+      <p:cxnSp>
+        <p:nvCxnSpPr>
+          <p:cNvPr id="10" name="Straight Arrow Connector 9">
+            <a:extLst>
+              <a:ext uri="{FF2B5EF4-FFF2-40B4-BE49-F238E27FC236}">
+                <a16:creationId xmlns:a16="http://schemas.microsoft.com/office/drawing/2014/main" id="{805D129B-7DEE-42C2-9315-D429FF95ED2A}"/>
+              </a:ext>
+            </a:extLst>
+          </p:cNvPr>
+          <p:cNvCxnSpPr>
+            <a:cxnSpLocks/>
+          </p:cNvCxnSpPr>
+          <p:nvPr/>
+        </p:nvCxnSpPr>
+        <p:spPr>
+          <a:xfrm>
+            <a:off x="6669741" y="2124635"/>
+            <a:ext cx="0" cy="304800"/>
+          </a:xfrm>
+          <a:prstGeom prst="straightConnector1">
+            <a:avLst/>
+          </a:prstGeom>
+          <a:ln w="28575">
+            <a:solidFill>
+              <a:schemeClr val="tx1"/>
+            </a:solidFill>
+            <a:tailEnd type="triangle"/>
+          </a:ln>
+        </p:spPr>
+        <p:style>
+          <a:lnRef idx="1">
+            <a:schemeClr val="accent1"/>
+          </a:lnRef>
+          <a:fillRef idx="0">
+            <a:schemeClr val="accent1"/>
+          </a:fillRef>
+          <a:effectRef idx="0">
+            <a:schemeClr val="accent1"/>
+          </a:effectRef>
+          <a:fontRef idx="minor">
+            <a:schemeClr val="tx1"/>
+          </a:fontRef>
+        </p:style>
+      </p:cxnSp>
+      <p:cxnSp>
+        <p:nvCxnSpPr>
+          <p:cNvPr id="12" name="Straight Arrow Connector 11">
+            <a:extLst>
+              <a:ext uri="{FF2B5EF4-FFF2-40B4-BE49-F238E27FC236}">
+                <a16:creationId xmlns:a16="http://schemas.microsoft.com/office/drawing/2014/main" id="{D09DBFED-633C-4CB3-894B-A90B323C4D03}"/>
+              </a:ext>
+            </a:extLst>
+          </p:cNvPr>
+          <p:cNvCxnSpPr>
+            <a:cxnSpLocks/>
+          </p:cNvCxnSpPr>
+          <p:nvPr/>
+        </p:nvCxnSpPr>
+        <p:spPr>
+          <a:xfrm flipV="1">
+            <a:off x="8587312" y="1316317"/>
+            <a:ext cx="587545" cy="532504"/>
+          </a:xfrm>
+          <a:prstGeom prst="straightConnector1">
+            <a:avLst/>
+          </a:prstGeom>
+          <a:ln w="28575">
+            <a:solidFill>
+              <a:schemeClr val="tx1"/>
+            </a:solidFill>
+            <a:tailEnd type="triangle"/>
+          </a:ln>
+        </p:spPr>
+        <p:style>
+          <a:lnRef idx="1">
+            <a:schemeClr val="accent1"/>
+          </a:lnRef>
+          <a:fillRef idx="0">
+            <a:schemeClr val="accent1"/>
+          </a:fillRef>
+          <a:effectRef idx="0">
+            <a:schemeClr val="accent1"/>
+          </a:effectRef>
+          <a:fontRef idx="minor">
+            <a:schemeClr val="tx1"/>
+          </a:fontRef>
+        </p:style>
+      </p:cxnSp>
     </p:spTree>
     <p:extLst>
       <p:ext uri="{BB962C8B-B14F-4D97-AF65-F5344CB8AC3E}">
-        <p14:creationId xmlns:p14="http://schemas.microsoft.com/office/powerpoint/2010/main" val="3118411707"/>
+        <p14:creationId xmlns:p14="http://schemas.microsoft.com/office/powerpoint/2010/main" val="51535476"/>
       </p:ext>
     </p:extLst>
   </p:cSld>
@@ -15287,7 +18914,7 @@
           <p:cNvPr id="2" name="Title 1">
             <a:extLst>
               <a:ext uri="{FF2B5EF4-FFF2-40B4-BE49-F238E27FC236}">
-                <a16:creationId xmlns:a16="http://schemas.microsoft.com/office/drawing/2014/main" id="{84E064C0-3E7D-37D3-FDE0-85CFA9F8D09D}"/>
+                <a16:creationId xmlns:a16="http://schemas.microsoft.com/office/drawing/2014/main" id="{C7521164-D611-468D-BEF1-08B09379C3FA}"/>
               </a:ext>
             </a:extLst>
           </p:cNvPr>
@@ -15304,21 +18931,826 @@
           <a:lstStyle/>
           <a:p>
             <a:r>
+              <a:rPr lang="it-IT" dirty="0" err="1"/>
+              <a:t>Catalog</a:t>
+            </a:r>
+            <a:r>
               <a:rPr lang="it-IT" dirty="0"/>
-              <a:t>POST </a:t>
-            </a:r>
-            <a:r>
-              <a:rPr lang="it-IT" dirty="0" err="1"/>
-              <a:t>method</a:t>
-            </a:r>
-            <a:endParaRPr lang="it-IT" dirty="0"/>
+              <a:t> DEVICE list </a:t>
+            </a:r>
           </a:p>
         </p:txBody>
       </p:sp>
+      <p:sp>
+        <p:nvSpPr>
+          <p:cNvPr id="3" name="Content Placeholder 5">
+            <a:extLst>
+              <a:ext uri="{FF2B5EF4-FFF2-40B4-BE49-F238E27FC236}">
+                <a16:creationId xmlns:a16="http://schemas.microsoft.com/office/drawing/2014/main" id="{B41B6591-0748-4B09-BEC1-372021D4827E}"/>
+              </a:ext>
+            </a:extLst>
+          </p:cNvPr>
+          <p:cNvSpPr txBox="1">
+            <a:spLocks/>
+          </p:cNvSpPr>
+          <p:nvPr/>
+        </p:nvSpPr>
+        <p:spPr>
+          <a:xfrm>
+            <a:off x="521117" y="1930400"/>
+            <a:ext cx="5453599" cy="4832221"/>
+          </a:xfrm>
+          <a:prstGeom prst="rect">
+            <a:avLst/>
+          </a:prstGeom>
+        </p:spPr>
+        <p:txBody>
+          <a:bodyPr/>
+          <a:lstStyle>
+            <a:lvl1pPr marL="342900" indent="-342900" algn="l" defTabSz="457200" rtl="0" eaLnBrk="1" latinLnBrk="0" hangingPunct="1">
+              <a:spcBef>
+                <a:spcPts val="1000"/>
+              </a:spcBef>
+              <a:spcAft>
+                <a:spcPts val="0"/>
+              </a:spcAft>
+              <a:buClr>
+                <a:schemeClr val="accent1"/>
+              </a:buClr>
+              <a:buSzPct val="80000"/>
+              <a:buFont typeface="Wingdings 3" charset="2"/>
+              <a:buChar char=""/>
+              <a:defRPr sz="1800" kern="1200">
+                <a:solidFill>
+                  <a:schemeClr val="tx1">
+                    <a:lumMod val="75000"/>
+                    <a:lumOff val="25000"/>
+                  </a:schemeClr>
+                </a:solidFill>
+                <a:latin typeface="+mn-lt"/>
+                <a:ea typeface="+mn-ea"/>
+                <a:cs typeface="+mn-cs"/>
+              </a:defRPr>
+            </a:lvl1pPr>
+            <a:lvl2pPr marL="742950" indent="-285750" algn="l" defTabSz="457200" rtl="0" eaLnBrk="1" latinLnBrk="0" hangingPunct="1">
+              <a:spcBef>
+                <a:spcPts val="1000"/>
+              </a:spcBef>
+              <a:spcAft>
+                <a:spcPts val="0"/>
+              </a:spcAft>
+              <a:buClr>
+                <a:schemeClr val="accent1"/>
+              </a:buClr>
+              <a:buSzPct val="80000"/>
+              <a:buFont typeface="Wingdings 3" charset="2"/>
+              <a:buChar char=""/>
+              <a:defRPr sz="1600" kern="1200">
+                <a:solidFill>
+                  <a:schemeClr val="tx1">
+                    <a:lumMod val="75000"/>
+                    <a:lumOff val="25000"/>
+                  </a:schemeClr>
+                </a:solidFill>
+                <a:latin typeface="+mn-lt"/>
+                <a:ea typeface="+mn-ea"/>
+                <a:cs typeface="+mn-cs"/>
+              </a:defRPr>
+            </a:lvl2pPr>
+            <a:lvl3pPr marL="1143000" indent="-228600" algn="l" defTabSz="457200" rtl="0" eaLnBrk="1" latinLnBrk="0" hangingPunct="1">
+              <a:spcBef>
+                <a:spcPts val="1000"/>
+              </a:spcBef>
+              <a:spcAft>
+                <a:spcPts val="0"/>
+              </a:spcAft>
+              <a:buClr>
+                <a:schemeClr val="accent1"/>
+              </a:buClr>
+              <a:buSzPct val="80000"/>
+              <a:buFont typeface="Wingdings 3" charset="2"/>
+              <a:buChar char=""/>
+              <a:defRPr sz="1400" kern="1200">
+                <a:solidFill>
+                  <a:schemeClr val="tx1">
+                    <a:lumMod val="75000"/>
+                    <a:lumOff val="25000"/>
+                  </a:schemeClr>
+                </a:solidFill>
+                <a:latin typeface="+mn-lt"/>
+                <a:ea typeface="+mn-ea"/>
+                <a:cs typeface="+mn-cs"/>
+              </a:defRPr>
+            </a:lvl3pPr>
+            <a:lvl4pPr marL="1600200" indent="-228600" algn="l" defTabSz="457200" rtl="0" eaLnBrk="1" latinLnBrk="0" hangingPunct="1">
+              <a:spcBef>
+                <a:spcPts val="1000"/>
+              </a:spcBef>
+              <a:spcAft>
+                <a:spcPts val="0"/>
+              </a:spcAft>
+              <a:buClr>
+                <a:schemeClr val="accent1"/>
+              </a:buClr>
+              <a:buSzPct val="80000"/>
+              <a:buFont typeface="Wingdings 3" charset="2"/>
+              <a:buChar char=""/>
+              <a:defRPr sz="1200" kern="1200">
+                <a:solidFill>
+                  <a:schemeClr val="tx1">
+                    <a:lumMod val="75000"/>
+                    <a:lumOff val="25000"/>
+                  </a:schemeClr>
+                </a:solidFill>
+                <a:latin typeface="+mn-lt"/>
+                <a:ea typeface="+mn-ea"/>
+                <a:cs typeface="+mn-cs"/>
+              </a:defRPr>
+            </a:lvl4pPr>
+            <a:lvl5pPr marL="2057400" indent="-228600" algn="l" defTabSz="457200" rtl="0" eaLnBrk="1" latinLnBrk="0" hangingPunct="1">
+              <a:spcBef>
+                <a:spcPts val="1000"/>
+              </a:spcBef>
+              <a:spcAft>
+                <a:spcPts val="0"/>
+              </a:spcAft>
+              <a:buClr>
+                <a:schemeClr val="accent1"/>
+              </a:buClr>
+              <a:buSzPct val="80000"/>
+              <a:buFont typeface="Wingdings 3" charset="2"/>
+              <a:buChar char=""/>
+              <a:defRPr sz="1200" kern="1200">
+                <a:solidFill>
+                  <a:schemeClr val="tx1">
+                    <a:lumMod val="75000"/>
+                    <a:lumOff val="25000"/>
+                  </a:schemeClr>
+                </a:solidFill>
+                <a:latin typeface="+mn-lt"/>
+                <a:ea typeface="+mn-ea"/>
+                <a:cs typeface="+mn-cs"/>
+              </a:defRPr>
+            </a:lvl5pPr>
+            <a:lvl6pPr marL="2514600" indent="-228600" algn="l" defTabSz="457200" rtl="0" eaLnBrk="1" latinLnBrk="0" hangingPunct="1">
+              <a:spcBef>
+                <a:spcPts val="1000"/>
+              </a:spcBef>
+              <a:spcAft>
+                <a:spcPts val="0"/>
+              </a:spcAft>
+              <a:buClr>
+                <a:schemeClr val="accent1"/>
+              </a:buClr>
+              <a:buSzPct val="80000"/>
+              <a:buFont typeface="Wingdings 3" charset="2"/>
+              <a:buChar char=""/>
+              <a:defRPr sz="1200" kern="1200">
+                <a:solidFill>
+                  <a:schemeClr val="tx1">
+                    <a:lumMod val="75000"/>
+                    <a:lumOff val="25000"/>
+                  </a:schemeClr>
+                </a:solidFill>
+                <a:latin typeface="+mn-lt"/>
+                <a:ea typeface="+mn-ea"/>
+                <a:cs typeface="+mn-cs"/>
+              </a:defRPr>
+            </a:lvl6pPr>
+            <a:lvl7pPr marL="2971800" indent="-228600" algn="l" defTabSz="457200" rtl="0" eaLnBrk="1" latinLnBrk="0" hangingPunct="1">
+              <a:spcBef>
+                <a:spcPts val="1000"/>
+              </a:spcBef>
+              <a:spcAft>
+                <a:spcPts val="0"/>
+              </a:spcAft>
+              <a:buClr>
+                <a:schemeClr val="accent1"/>
+              </a:buClr>
+              <a:buSzPct val="80000"/>
+              <a:buFont typeface="Wingdings 3" charset="2"/>
+              <a:buChar char=""/>
+              <a:defRPr sz="1200" kern="1200">
+                <a:solidFill>
+                  <a:schemeClr val="tx1">
+                    <a:lumMod val="75000"/>
+                    <a:lumOff val="25000"/>
+                  </a:schemeClr>
+                </a:solidFill>
+                <a:latin typeface="+mn-lt"/>
+                <a:ea typeface="+mn-ea"/>
+                <a:cs typeface="+mn-cs"/>
+              </a:defRPr>
+            </a:lvl7pPr>
+            <a:lvl8pPr marL="3429000" indent="-228600" algn="l" defTabSz="457200" rtl="0" eaLnBrk="1" latinLnBrk="0" hangingPunct="1">
+              <a:spcBef>
+                <a:spcPts val="1000"/>
+              </a:spcBef>
+              <a:spcAft>
+                <a:spcPts val="0"/>
+              </a:spcAft>
+              <a:buClr>
+                <a:schemeClr val="accent1"/>
+              </a:buClr>
+              <a:buSzPct val="80000"/>
+              <a:buFont typeface="Wingdings 3" charset="2"/>
+              <a:buChar char=""/>
+              <a:defRPr sz="1200" kern="1200">
+                <a:solidFill>
+                  <a:schemeClr val="tx1">
+                    <a:lumMod val="75000"/>
+                    <a:lumOff val="25000"/>
+                  </a:schemeClr>
+                </a:solidFill>
+                <a:latin typeface="+mn-lt"/>
+                <a:ea typeface="+mn-ea"/>
+                <a:cs typeface="+mn-cs"/>
+              </a:defRPr>
+            </a:lvl8pPr>
+            <a:lvl9pPr marL="3886200" indent="-228600" algn="l" defTabSz="457200" rtl="0" eaLnBrk="1" latinLnBrk="0" hangingPunct="1">
+              <a:spcBef>
+                <a:spcPts val="1000"/>
+              </a:spcBef>
+              <a:spcAft>
+                <a:spcPts val="0"/>
+              </a:spcAft>
+              <a:buClr>
+                <a:schemeClr val="accent1"/>
+              </a:buClr>
+              <a:buSzPct val="80000"/>
+              <a:buFont typeface="Wingdings 3" charset="2"/>
+              <a:buChar char=""/>
+              <a:defRPr sz="1200" kern="1200">
+                <a:solidFill>
+                  <a:schemeClr val="tx1">
+                    <a:lumMod val="75000"/>
+                    <a:lumOff val="25000"/>
+                  </a:schemeClr>
+                </a:solidFill>
+                <a:latin typeface="+mn-lt"/>
+                <a:ea typeface="+mn-ea"/>
+                <a:cs typeface="+mn-cs"/>
+              </a:defRPr>
+            </a:lvl9pPr>
+          </a:lstStyle>
+          <a:p>
+            <a:pPr algn="just"/>
+            <a:r>
+              <a:rPr lang="it-IT" sz="1600" b="1" dirty="0">
+                <a:solidFill>
+                  <a:schemeClr val="tx1"/>
+                </a:solidFill>
+              </a:rPr>
+              <a:t>Device List: </a:t>
+            </a:r>
+          </a:p>
+          <a:p>
+            <a:pPr marL="0" indent="0" algn="just">
+              <a:buNone/>
+            </a:pPr>
+            <a:r>
+              <a:rPr lang="it-IT" sz="1600" dirty="0" err="1">
+                <a:solidFill>
+                  <a:schemeClr val="tx1"/>
+                </a:solidFill>
+              </a:rPr>
+              <a:t>Contain</a:t>
+            </a:r>
+            <a:r>
+              <a:rPr lang="it-IT" sz="1600" dirty="0">
+                <a:solidFill>
+                  <a:schemeClr val="tx1"/>
+                </a:solidFill>
+              </a:rPr>
+              <a:t> information </a:t>
+            </a:r>
+            <a:r>
+              <a:rPr lang="it-IT" sz="1600" dirty="0" err="1">
+                <a:solidFill>
+                  <a:schemeClr val="tx1"/>
+                </a:solidFill>
+              </a:rPr>
+              <a:t>about</a:t>
+            </a:r>
+            <a:r>
+              <a:rPr lang="it-IT" sz="1600" dirty="0">
+                <a:solidFill>
+                  <a:schemeClr val="tx1"/>
+                </a:solidFill>
+              </a:rPr>
+              <a:t> </a:t>
+            </a:r>
+            <a:r>
+              <a:rPr lang="it-IT" sz="1600" dirty="0" err="1">
+                <a:solidFill>
+                  <a:schemeClr val="tx1"/>
+                </a:solidFill>
+              </a:rPr>
+              <a:t>all</a:t>
+            </a:r>
+            <a:r>
+              <a:rPr lang="it-IT" sz="1600" dirty="0">
+                <a:solidFill>
+                  <a:schemeClr val="tx1"/>
+                </a:solidFill>
+              </a:rPr>
+              <a:t> the Devices </a:t>
+            </a:r>
+            <a:r>
+              <a:rPr lang="it-IT" sz="1600" dirty="0" err="1">
+                <a:solidFill>
+                  <a:schemeClr val="tx1"/>
+                </a:solidFill>
+              </a:rPr>
+              <a:t>that</a:t>
+            </a:r>
+            <a:r>
+              <a:rPr lang="it-IT" sz="1600" dirty="0">
+                <a:solidFill>
+                  <a:schemeClr val="tx1"/>
+                </a:solidFill>
+              </a:rPr>
+              <a:t> the </a:t>
+            </a:r>
+            <a:r>
+              <a:rPr lang="it-IT" sz="1600" dirty="0" err="1">
+                <a:solidFill>
+                  <a:schemeClr val="tx1"/>
+                </a:solidFill>
+              </a:rPr>
+              <a:t>application</a:t>
+            </a:r>
+            <a:r>
+              <a:rPr lang="it-IT" sz="1600" dirty="0">
+                <a:solidFill>
+                  <a:schemeClr val="tx1"/>
+                </a:solidFill>
+              </a:rPr>
+              <a:t> </a:t>
+            </a:r>
+            <a:r>
+              <a:rPr lang="it-IT" sz="1600" dirty="0" err="1">
+                <a:solidFill>
+                  <a:schemeClr val="tx1"/>
+                </a:solidFill>
+              </a:rPr>
+              <a:t>should</a:t>
+            </a:r>
+            <a:r>
+              <a:rPr lang="it-IT" sz="1600" dirty="0">
+                <a:solidFill>
+                  <a:schemeClr val="tx1"/>
+                </a:solidFill>
+              </a:rPr>
+              <a:t> </a:t>
+            </a:r>
+            <a:r>
+              <a:rPr lang="it-IT" sz="1600" dirty="0" err="1">
+                <a:solidFill>
+                  <a:schemeClr val="tx1"/>
+                </a:solidFill>
+              </a:rPr>
+              <a:t>manage</a:t>
+            </a:r>
+            <a:r>
+              <a:rPr lang="it-IT" sz="1600" dirty="0">
+                <a:solidFill>
+                  <a:schemeClr val="tx1"/>
+                </a:solidFill>
+              </a:rPr>
+              <a:t>:</a:t>
+            </a:r>
+          </a:p>
+          <a:p>
+            <a:pPr algn="just">
+              <a:buFont typeface="+mj-lt"/>
+              <a:buAutoNum type="arabicPeriod"/>
+            </a:pPr>
+            <a:r>
+              <a:rPr lang="it-IT" sz="1600" dirty="0">
+                <a:solidFill>
+                  <a:schemeClr val="tx1"/>
+                </a:solidFill>
+              </a:rPr>
+              <a:t>Device ID </a:t>
+            </a:r>
+            <a:r>
+              <a:rPr lang="it-IT" sz="1600" dirty="0" err="1">
+                <a:solidFill>
+                  <a:schemeClr val="tx1"/>
+                </a:solidFill>
+              </a:rPr>
+              <a:t>associated</a:t>
+            </a:r>
+            <a:r>
+              <a:rPr lang="it-IT" sz="1600" dirty="0">
+                <a:solidFill>
+                  <a:schemeClr val="tx1"/>
+                </a:solidFill>
+              </a:rPr>
+              <a:t> to the </a:t>
+            </a:r>
+            <a:r>
+              <a:rPr lang="it-IT" sz="1600" dirty="0" err="1">
+                <a:solidFill>
+                  <a:schemeClr val="tx1"/>
+                </a:solidFill>
+              </a:rPr>
+              <a:t>sensor</a:t>
+            </a:r>
+            <a:r>
+              <a:rPr lang="it-IT" sz="1600" dirty="0">
+                <a:solidFill>
+                  <a:schemeClr val="tx1"/>
+                </a:solidFill>
+              </a:rPr>
+              <a:t>.</a:t>
+            </a:r>
+          </a:p>
+          <a:p>
+            <a:pPr algn="just">
+              <a:buFont typeface="+mj-lt"/>
+              <a:buAutoNum type="arabicPeriod"/>
+            </a:pPr>
+            <a:r>
+              <a:rPr lang="it-IT" sz="1600" dirty="0">
+                <a:solidFill>
+                  <a:schemeClr val="tx1"/>
+                </a:solidFill>
+              </a:rPr>
+              <a:t>USER ID of the USER </a:t>
+            </a:r>
+            <a:r>
+              <a:rPr lang="it-IT" sz="1600" dirty="0" err="1">
+                <a:solidFill>
+                  <a:schemeClr val="tx1"/>
+                </a:solidFill>
+              </a:rPr>
+              <a:t>associated</a:t>
+            </a:r>
+            <a:r>
+              <a:rPr lang="it-IT" sz="1600" dirty="0">
+                <a:solidFill>
+                  <a:schemeClr val="tx1"/>
+                </a:solidFill>
+              </a:rPr>
+              <a:t> with </a:t>
+            </a:r>
+            <a:r>
+              <a:rPr lang="it-IT" sz="1600" dirty="0" err="1">
+                <a:solidFill>
+                  <a:schemeClr val="tx1"/>
+                </a:solidFill>
+              </a:rPr>
+              <a:t>this</a:t>
+            </a:r>
+            <a:r>
+              <a:rPr lang="it-IT" sz="1600" dirty="0">
+                <a:solidFill>
+                  <a:schemeClr val="tx1"/>
+                </a:solidFill>
+              </a:rPr>
+              <a:t> device.</a:t>
+            </a:r>
+          </a:p>
+          <a:p>
+            <a:pPr algn="just">
+              <a:buFont typeface="+mj-lt"/>
+              <a:buAutoNum type="arabicPeriod"/>
+            </a:pPr>
+            <a:r>
+              <a:rPr lang="it-IT" sz="1600" dirty="0" err="1">
+                <a:solidFill>
+                  <a:schemeClr val="tx1"/>
+                </a:solidFill>
+              </a:rPr>
+              <a:t>Communication</a:t>
+            </a:r>
+            <a:r>
+              <a:rPr lang="it-IT" sz="1600" dirty="0">
+                <a:solidFill>
+                  <a:schemeClr val="tx1"/>
+                </a:solidFill>
+              </a:rPr>
+              <a:t> </a:t>
+            </a:r>
+            <a:r>
+              <a:rPr lang="it-IT" sz="1600" dirty="0" err="1">
+                <a:solidFill>
+                  <a:schemeClr val="tx1"/>
+                </a:solidFill>
+              </a:rPr>
+              <a:t>paradigm</a:t>
+            </a:r>
+            <a:r>
+              <a:rPr lang="it-IT" sz="1600" dirty="0">
+                <a:solidFill>
+                  <a:schemeClr val="tx1"/>
+                </a:solidFill>
+              </a:rPr>
+              <a:t> </a:t>
+            </a:r>
+            <a:r>
+              <a:rPr lang="it-IT" sz="1600" dirty="0" err="1">
+                <a:solidFill>
+                  <a:schemeClr val="tx1"/>
+                </a:solidFill>
+              </a:rPr>
+              <a:t>used</a:t>
+            </a:r>
+            <a:r>
+              <a:rPr lang="it-IT" sz="1600" dirty="0">
+                <a:solidFill>
+                  <a:schemeClr val="tx1"/>
+                </a:solidFill>
+              </a:rPr>
+              <a:t> by the </a:t>
+            </a:r>
+            <a:r>
+              <a:rPr lang="it-IT" sz="1600" dirty="0" err="1">
+                <a:solidFill>
+                  <a:schemeClr val="tx1"/>
+                </a:solidFill>
+              </a:rPr>
+              <a:t>sensor</a:t>
+            </a:r>
+            <a:r>
+              <a:rPr lang="it-IT" sz="1600" dirty="0">
+                <a:solidFill>
+                  <a:schemeClr val="tx1"/>
+                </a:solidFill>
+              </a:rPr>
+              <a:t> and in case of MQTT the </a:t>
+            </a:r>
+            <a:r>
+              <a:rPr lang="it-IT" sz="1600" dirty="0" err="1">
+                <a:solidFill>
+                  <a:schemeClr val="tx1"/>
+                </a:solidFill>
+              </a:rPr>
+              <a:t>topic</a:t>
+            </a:r>
+            <a:r>
+              <a:rPr lang="it-IT" sz="1600" dirty="0">
+                <a:solidFill>
+                  <a:schemeClr val="tx1"/>
+                </a:solidFill>
+              </a:rPr>
+              <a:t> </a:t>
+            </a:r>
+            <a:r>
+              <a:rPr lang="it-IT" sz="1600" dirty="0" err="1">
+                <a:solidFill>
+                  <a:schemeClr val="tx1"/>
+                </a:solidFill>
+              </a:rPr>
+              <a:t>associated</a:t>
+            </a:r>
+            <a:r>
+              <a:rPr lang="it-IT" sz="1600" dirty="0">
+                <a:solidFill>
+                  <a:schemeClr val="tx1"/>
+                </a:solidFill>
+              </a:rPr>
+              <a:t> with </a:t>
+            </a:r>
+            <a:r>
+              <a:rPr lang="it-IT" sz="1600" dirty="0" err="1">
+                <a:solidFill>
+                  <a:schemeClr val="tx1"/>
+                </a:solidFill>
+              </a:rPr>
+              <a:t>its</a:t>
+            </a:r>
+            <a:r>
+              <a:rPr lang="it-IT" sz="1600" dirty="0">
+                <a:solidFill>
+                  <a:schemeClr val="tx1"/>
+                </a:solidFill>
+              </a:rPr>
+              <a:t>.</a:t>
+            </a:r>
+          </a:p>
+          <a:p>
+            <a:pPr algn="just">
+              <a:buFont typeface="+mj-lt"/>
+              <a:buAutoNum type="arabicPeriod"/>
+            </a:pPr>
+            <a:r>
+              <a:rPr lang="it-IT" sz="1600" dirty="0">
+                <a:solidFill>
+                  <a:schemeClr val="tx1"/>
+                </a:solidFill>
+              </a:rPr>
+              <a:t>Value </a:t>
+            </a:r>
+            <a:r>
+              <a:rPr lang="it-IT" sz="1600" dirty="0" err="1">
+                <a:solidFill>
+                  <a:schemeClr val="tx1"/>
+                </a:solidFill>
+              </a:rPr>
+              <a:t>sampled</a:t>
+            </a:r>
+            <a:r>
+              <a:rPr lang="it-IT" sz="1600" dirty="0">
+                <a:solidFill>
+                  <a:schemeClr val="tx1"/>
+                </a:solidFill>
+              </a:rPr>
+              <a:t> from the </a:t>
+            </a:r>
+            <a:r>
+              <a:rPr lang="it-IT" sz="1600" dirty="0" err="1">
+                <a:solidFill>
+                  <a:schemeClr val="tx1"/>
+                </a:solidFill>
+              </a:rPr>
+              <a:t>sensor</a:t>
+            </a:r>
+            <a:r>
+              <a:rPr lang="it-IT" sz="1600" dirty="0">
+                <a:solidFill>
+                  <a:schemeClr val="tx1"/>
+                </a:solidFill>
+              </a:rPr>
+              <a:t>. </a:t>
+            </a:r>
+          </a:p>
+          <a:p>
+            <a:pPr algn="just">
+              <a:buFont typeface="+mj-lt"/>
+              <a:buAutoNum type="arabicPeriod"/>
+            </a:pPr>
+            <a:r>
+              <a:rPr lang="it-IT" sz="1600" dirty="0" err="1">
+                <a:solidFill>
+                  <a:schemeClr val="tx1"/>
+                </a:solidFill>
+              </a:rPr>
+              <a:t>Timestamp</a:t>
+            </a:r>
+            <a:r>
+              <a:rPr lang="it-IT" sz="1600" dirty="0">
+                <a:solidFill>
+                  <a:schemeClr val="tx1"/>
+                </a:solidFill>
+              </a:rPr>
+              <a:t> </a:t>
+            </a:r>
+            <a:r>
+              <a:rPr lang="it-IT" sz="1600" dirty="0" err="1">
+                <a:solidFill>
+                  <a:schemeClr val="tx1"/>
+                </a:solidFill>
+              </a:rPr>
+              <a:t>correspondent</a:t>
+            </a:r>
+            <a:r>
+              <a:rPr lang="it-IT" sz="1600" dirty="0">
+                <a:solidFill>
+                  <a:schemeClr val="tx1"/>
+                </a:solidFill>
+              </a:rPr>
+              <a:t> to the last time in </a:t>
+            </a:r>
+            <a:r>
+              <a:rPr lang="it-IT" sz="1600" dirty="0" err="1">
+                <a:solidFill>
+                  <a:schemeClr val="tx1"/>
+                </a:solidFill>
+              </a:rPr>
+              <a:t>which</a:t>
+            </a:r>
+            <a:r>
+              <a:rPr lang="it-IT" sz="1600" dirty="0">
+                <a:solidFill>
+                  <a:schemeClr val="tx1"/>
+                </a:solidFill>
+              </a:rPr>
+              <a:t> the </a:t>
+            </a:r>
+            <a:r>
+              <a:rPr lang="it-IT" sz="1600" dirty="0" err="1">
+                <a:solidFill>
+                  <a:schemeClr val="tx1"/>
+                </a:solidFill>
+              </a:rPr>
+              <a:t>sensor</a:t>
+            </a:r>
+            <a:r>
+              <a:rPr lang="it-IT" sz="1600" dirty="0">
+                <a:solidFill>
+                  <a:schemeClr val="tx1"/>
+                </a:solidFill>
+              </a:rPr>
+              <a:t> </a:t>
+            </a:r>
+            <a:r>
+              <a:rPr lang="it-IT" sz="1600" dirty="0" err="1">
+                <a:solidFill>
+                  <a:schemeClr val="tx1"/>
+                </a:solidFill>
+              </a:rPr>
+              <a:t>sampled</a:t>
+            </a:r>
+            <a:r>
+              <a:rPr lang="it-IT" sz="1600" dirty="0">
+                <a:solidFill>
+                  <a:schemeClr val="tx1"/>
+                </a:solidFill>
+              </a:rPr>
+              <a:t> </a:t>
+            </a:r>
+            <a:r>
+              <a:rPr lang="it-IT" sz="1600" dirty="0" err="1">
+                <a:solidFill>
+                  <a:schemeClr val="tx1"/>
+                </a:solidFill>
+              </a:rPr>
+              <a:t>something</a:t>
+            </a:r>
+            <a:endParaRPr lang="it-IT" sz="1600" dirty="0">
+              <a:solidFill>
+                <a:schemeClr val="tx1"/>
+              </a:solidFill>
+            </a:endParaRPr>
+          </a:p>
+          <a:p>
+            <a:pPr marL="0" indent="0" algn="just">
+              <a:buNone/>
+            </a:pPr>
+            <a:endParaRPr lang="it-IT" sz="1600" dirty="0">
+              <a:solidFill>
+                <a:schemeClr val="tx1"/>
+              </a:solidFill>
+            </a:endParaRPr>
+          </a:p>
+        </p:txBody>
+      </p:sp>
+      <p:pic>
+        <p:nvPicPr>
+          <p:cNvPr id="5" name="Picture 4">
+            <a:extLst>
+              <a:ext uri="{FF2B5EF4-FFF2-40B4-BE49-F238E27FC236}">
+                <a16:creationId xmlns:a16="http://schemas.microsoft.com/office/drawing/2014/main" id="{D5165C93-C977-47C3-9C59-4E1450D6DD30}"/>
+              </a:ext>
+            </a:extLst>
+          </p:cNvPr>
+          <p:cNvPicPr>
+            <a:picLocks noChangeAspect="1"/>
+          </p:cNvPicPr>
+          <p:nvPr/>
+        </p:nvPicPr>
+        <p:blipFill rotWithShape="1">
+          <a:blip r:embed="rId2"/>
+          <a:srcRect t="1346" b="969"/>
+          <a:stretch/>
+        </p:blipFill>
+        <p:spPr>
+          <a:xfrm>
+            <a:off x="6217286" y="1488140"/>
+            <a:ext cx="5044877" cy="4652683"/>
+          </a:xfrm>
+          <a:prstGeom prst="rect">
+            <a:avLst/>
+          </a:prstGeom>
+          <a:solidFill>
+            <a:srgbClr val="FFFFFF">
+              <a:shade val="85000"/>
+            </a:srgbClr>
+          </a:solidFill>
+          <a:ln w="88900" cap="sq">
+            <a:solidFill>
+              <a:srgbClr val="FFFFFF"/>
+            </a:solidFill>
+            <a:miter lim="800000"/>
+          </a:ln>
+          <a:effectLst>
+            <a:outerShdw blurRad="55000" dist="18000" dir="5400000" algn="tl" rotWithShape="0">
+              <a:srgbClr val="000000">
+                <a:alpha val="40000"/>
+              </a:srgbClr>
+            </a:outerShdw>
+          </a:effectLst>
+          <a:scene3d>
+            <a:camera prst="orthographicFront"/>
+            <a:lightRig rig="twoPt" dir="t">
+              <a:rot lat="0" lon="0" rev="7200000"/>
+            </a:lightRig>
+          </a:scene3d>
+          <a:sp3d>
+            <a:bevelT w="25400" h="19050"/>
+            <a:contourClr>
+              <a:srgbClr val="FFFFFF"/>
+            </a:contourClr>
+          </a:sp3d>
+        </p:spPr>
+      </p:pic>
     </p:spTree>
     <p:extLst>
       <p:ext uri="{BB962C8B-B14F-4D97-AF65-F5344CB8AC3E}">
-        <p14:creationId xmlns:p14="http://schemas.microsoft.com/office/powerpoint/2010/main" val="4057401926"/>
+        <p14:creationId xmlns:p14="http://schemas.microsoft.com/office/powerpoint/2010/main" val="1974036837"/>
       </p:ext>
     </p:extLst>
   </p:cSld>
@@ -15350,7 +19782,7 @@
           <p:cNvPr id="2" name="Title 1">
             <a:extLst>
               <a:ext uri="{FF2B5EF4-FFF2-40B4-BE49-F238E27FC236}">
-                <a16:creationId xmlns:a16="http://schemas.microsoft.com/office/drawing/2014/main" id="{B2EAAEB9-7221-5286-E856-A9E8DBF9F57C}"/>
+                <a16:creationId xmlns:a16="http://schemas.microsoft.com/office/drawing/2014/main" id="{6EA38D7D-CC50-65DA-52B6-3A515E298C8B}"/>
               </a:ext>
             </a:extLst>
           </p:cNvPr>
@@ -15361,19 +19793,898 @@
             <p:ph type="title"/>
           </p:nvPr>
         </p:nvSpPr>
-        <p:spPr/>
+        <p:spPr>
+          <a:xfrm>
+            <a:off x="462181" y="397435"/>
+            <a:ext cx="8596668" cy="1320800"/>
+          </a:xfrm>
+        </p:spPr>
         <p:txBody>
           <a:bodyPr/>
           <a:lstStyle/>
           <a:p>
             <a:r>
               <a:rPr lang="it-IT" dirty="0"/>
-              <a:t>PUT </a:t>
+              <a:t>GET </a:t>
             </a:r>
             <a:r>
               <a:rPr lang="it-IT" dirty="0" err="1"/>
               <a:t>method</a:t>
             </a:r>
+            <a:endParaRPr lang="it-IT" dirty="0"/>
+          </a:p>
+        </p:txBody>
+      </p:sp>
+      <p:sp>
+        <p:nvSpPr>
+          <p:cNvPr id="3" name="TextBox 2">
+            <a:extLst>
+              <a:ext uri="{FF2B5EF4-FFF2-40B4-BE49-F238E27FC236}">
+                <a16:creationId xmlns:a16="http://schemas.microsoft.com/office/drawing/2014/main" id="{65A4F1AD-6B4E-43CA-84EB-6BC8163ACBB4}"/>
+              </a:ext>
+            </a:extLst>
+          </p:cNvPr>
+          <p:cNvSpPr txBox="1"/>
+          <p:nvPr/>
+        </p:nvSpPr>
+        <p:spPr>
+          <a:xfrm>
+            <a:off x="677334" y="1544917"/>
+            <a:ext cx="3845859" cy="1754326"/>
+          </a:xfrm>
+          <a:prstGeom prst="rect">
+            <a:avLst/>
+          </a:prstGeom>
+          <a:noFill/>
+        </p:spPr>
+        <p:txBody>
+          <a:bodyPr wrap="square" rtlCol="0">
+            <a:spAutoFit/>
+          </a:bodyPr>
+          <a:lstStyle/>
+          <a:p>
+            <a:r>
+              <a:rPr lang="en-US" dirty="0"/>
+              <a:t>It communicates with all the other actors in the platform exploiting REST communication. </a:t>
+            </a:r>
+          </a:p>
+          <a:p>
+            <a:pPr marL="285750" indent="-285750">
+              <a:buFont typeface="Arial" panose="020B0604020202020204" pitchFamily="34" charset="0"/>
+              <a:buChar char="•"/>
+            </a:pPr>
+            <a:r>
+              <a:rPr lang="en-US" dirty="0"/>
+              <a:t>GET: Retrieve information</a:t>
+            </a:r>
+          </a:p>
+          <a:p>
+            <a:pPr marL="285750" indent="-285750">
+              <a:buFont typeface="Arial" panose="020B0604020202020204" pitchFamily="34" charset="0"/>
+              <a:buChar char="•"/>
+            </a:pPr>
+            <a:r>
+              <a:rPr lang="en-US" dirty="0"/>
+              <a:t>PUT: Update information</a:t>
+            </a:r>
+          </a:p>
+          <a:p>
+            <a:pPr marL="285750" indent="-285750">
+              <a:buFont typeface="Arial" panose="020B0604020202020204" pitchFamily="34" charset="0"/>
+              <a:buChar char="•"/>
+            </a:pPr>
+            <a:r>
+              <a:rPr lang="en-US" dirty="0"/>
+              <a:t>POST: Add information</a:t>
+            </a:r>
+          </a:p>
+        </p:txBody>
+      </p:sp>
+      <p:sp>
+        <p:nvSpPr>
+          <p:cNvPr id="4" name="Rectangle 3">
+            <a:extLst>
+              <a:ext uri="{FF2B5EF4-FFF2-40B4-BE49-F238E27FC236}">
+                <a16:creationId xmlns:a16="http://schemas.microsoft.com/office/drawing/2014/main" id="{36BEA4F5-6FAD-481B-AFFE-05102E1B3351}"/>
+              </a:ext>
+            </a:extLst>
+          </p:cNvPr>
+          <p:cNvSpPr/>
+          <p:nvPr/>
+        </p:nvSpPr>
+        <p:spPr>
+          <a:xfrm>
+            <a:off x="3048001" y="3429000"/>
+            <a:ext cx="1398494" cy="739588"/>
+          </a:xfrm>
+          <a:prstGeom prst="rect">
+            <a:avLst/>
+          </a:prstGeom>
+        </p:spPr>
+        <p:style>
+          <a:lnRef idx="2">
+            <a:schemeClr val="accent1">
+              <a:shade val="50000"/>
+            </a:schemeClr>
+          </a:lnRef>
+          <a:fillRef idx="1">
+            <a:schemeClr val="accent1"/>
+          </a:fillRef>
+          <a:effectRef idx="0">
+            <a:schemeClr val="accent1"/>
+          </a:effectRef>
+          <a:fontRef idx="minor">
+            <a:schemeClr val="lt1"/>
+          </a:fontRef>
+        </p:style>
+        <p:txBody>
+          <a:bodyPr rtlCol="0" anchor="ctr"/>
+          <a:lstStyle/>
+          <a:p>
+            <a:pPr algn="ctr"/>
+            <a:r>
+              <a:rPr lang="it-IT" dirty="0"/>
+              <a:t>GET</a:t>
+            </a:r>
+          </a:p>
+        </p:txBody>
+      </p:sp>
+      <p:cxnSp>
+        <p:nvCxnSpPr>
+          <p:cNvPr id="6" name="Straight Arrow Connector 5">
+            <a:extLst>
+              <a:ext uri="{FF2B5EF4-FFF2-40B4-BE49-F238E27FC236}">
+                <a16:creationId xmlns:a16="http://schemas.microsoft.com/office/drawing/2014/main" id="{8B6BB627-E08A-41D5-A371-02E3C9DB30AA}"/>
+              </a:ext>
+            </a:extLst>
+          </p:cNvPr>
+          <p:cNvCxnSpPr>
+            <a:cxnSpLocks/>
+            <a:stCxn id="4" idx="3"/>
+            <a:endCxn id="7" idx="1"/>
+          </p:cNvCxnSpPr>
+          <p:nvPr/>
+        </p:nvCxnSpPr>
+        <p:spPr>
+          <a:xfrm flipV="1">
+            <a:off x="4446495" y="1057835"/>
+            <a:ext cx="2132601" cy="2740959"/>
+          </a:xfrm>
+          <a:prstGeom prst="straightConnector1">
+            <a:avLst/>
+          </a:prstGeom>
+          <a:ln>
+            <a:tailEnd type="triangle"/>
+          </a:ln>
+        </p:spPr>
+        <p:style>
+          <a:lnRef idx="1">
+            <a:schemeClr val="accent1"/>
+          </a:lnRef>
+          <a:fillRef idx="0">
+            <a:schemeClr val="accent1"/>
+          </a:fillRef>
+          <a:effectRef idx="0">
+            <a:schemeClr val="accent1"/>
+          </a:effectRef>
+          <a:fontRef idx="minor">
+            <a:schemeClr val="tx1"/>
+          </a:fontRef>
+        </p:style>
+      </p:cxnSp>
+      <p:sp>
+        <p:nvSpPr>
+          <p:cNvPr id="7" name="TextBox 6">
+            <a:extLst>
+              <a:ext uri="{FF2B5EF4-FFF2-40B4-BE49-F238E27FC236}">
+                <a16:creationId xmlns:a16="http://schemas.microsoft.com/office/drawing/2014/main" id="{9160F1FE-ECF7-44CB-BC6D-83FB97206994}"/>
+              </a:ext>
+            </a:extLst>
+          </p:cNvPr>
+          <p:cNvSpPr txBox="1"/>
+          <p:nvPr/>
+        </p:nvSpPr>
+        <p:spPr>
+          <a:xfrm>
+            <a:off x="6579096" y="873169"/>
+            <a:ext cx="1507069" cy="369332"/>
+          </a:xfrm>
+          <a:prstGeom prst="rect">
+            <a:avLst/>
+          </a:prstGeom>
+          <a:noFill/>
+          <a:ln w="19050">
+            <a:solidFill>
+              <a:schemeClr val="tx1"/>
+            </a:solidFill>
+          </a:ln>
+        </p:spPr>
+        <p:txBody>
+          <a:bodyPr wrap="square" rtlCol="0">
+            <a:spAutoFit/>
+          </a:bodyPr>
+          <a:lstStyle/>
+          <a:p>
+            <a:r>
+              <a:rPr lang="it-IT" dirty="0"/>
+              <a:t>IP/</a:t>
+            </a:r>
+            <a:r>
+              <a:rPr lang="it-IT" dirty="0" err="1"/>
+              <a:t>AllUsers</a:t>
+            </a:r>
+            <a:endParaRPr lang="it-IT" dirty="0"/>
+          </a:p>
+        </p:txBody>
+      </p:sp>
+      <p:cxnSp>
+        <p:nvCxnSpPr>
+          <p:cNvPr id="11" name="Straight Arrow Connector 10">
+            <a:extLst>
+              <a:ext uri="{FF2B5EF4-FFF2-40B4-BE49-F238E27FC236}">
+                <a16:creationId xmlns:a16="http://schemas.microsoft.com/office/drawing/2014/main" id="{97AB31B7-0F30-41A5-B8AA-6D3627F328A5}"/>
+              </a:ext>
+            </a:extLst>
+          </p:cNvPr>
+          <p:cNvCxnSpPr>
+            <a:cxnSpLocks/>
+            <a:stCxn id="4" idx="3"/>
+            <a:endCxn id="14" idx="1"/>
+          </p:cNvCxnSpPr>
+          <p:nvPr/>
+        </p:nvCxnSpPr>
+        <p:spPr>
+          <a:xfrm flipV="1">
+            <a:off x="4446495" y="1791447"/>
+            <a:ext cx="2143557" cy="2007347"/>
+          </a:xfrm>
+          <a:prstGeom prst="straightConnector1">
+            <a:avLst/>
+          </a:prstGeom>
+          <a:ln>
+            <a:tailEnd type="triangle"/>
+          </a:ln>
+        </p:spPr>
+        <p:style>
+          <a:lnRef idx="1">
+            <a:schemeClr val="accent1"/>
+          </a:lnRef>
+          <a:fillRef idx="0">
+            <a:schemeClr val="accent1"/>
+          </a:fillRef>
+          <a:effectRef idx="0">
+            <a:schemeClr val="accent1"/>
+          </a:effectRef>
+          <a:fontRef idx="minor">
+            <a:schemeClr val="tx1"/>
+          </a:fontRef>
+        </p:style>
+      </p:cxnSp>
+      <p:sp>
+        <p:nvSpPr>
+          <p:cNvPr id="14" name="TextBox 13">
+            <a:extLst>
+              <a:ext uri="{FF2B5EF4-FFF2-40B4-BE49-F238E27FC236}">
+                <a16:creationId xmlns:a16="http://schemas.microsoft.com/office/drawing/2014/main" id="{65AC1259-1DAB-4C77-9833-13421BD4289C}"/>
+              </a:ext>
+            </a:extLst>
+          </p:cNvPr>
+          <p:cNvSpPr txBox="1"/>
+          <p:nvPr/>
+        </p:nvSpPr>
+        <p:spPr>
+          <a:xfrm>
+            <a:off x="6590052" y="1606781"/>
+            <a:ext cx="1496113" cy="369332"/>
+          </a:xfrm>
+          <a:prstGeom prst="rect">
+            <a:avLst/>
+          </a:prstGeom>
+          <a:noFill/>
+          <a:ln w="19050">
+            <a:solidFill>
+              <a:schemeClr val="tx1"/>
+            </a:solidFill>
+          </a:ln>
+        </p:spPr>
+        <p:txBody>
+          <a:bodyPr wrap="square" rtlCol="0">
+            <a:spAutoFit/>
+          </a:bodyPr>
+          <a:lstStyle/>
+          <a:p>
+            <a:r>
+              <a:rPr lang="it-IT" dirty="0"/>
+              <a:t>IP/</a:t>
+            </a:r>
+            <a:r>
+              <a:rPr lang="it-IT" dirty="0" err="1"/>
+              <a:t>UserID</a:t>
+            </a:r>
+            <a:r>
+              <a:rPr lang="it-IT" dirty="0"/>
+              <a:t>/1</a:t>
+            </a:r>
+          </a:p>
+        </p:txBody>
+      </p:sp>
+      <p:sp>
+        <p:nvSpPr>
+          <p:cNvPr id="15" name="TextBox 14">
+            <a:extLst>
+              <a:ext uri="{FF2B5EF4-FFF2-40B4-BE49-F238E27FC236}">
+                <a16:creationId xmlns:a16="http://schemas.microsoft.com/office/drawing/2014/main" id="{64CA5A8E-C3C5-4FAF-B89F-6680B729FAC6}"/>
+              </a:ext>
+            </a:extLst>
+          </p:cNvPr>
+          <p:cNvSpPr txBox="1"/>
+          <p:nvPr/>
+        </p:nvSpPr>
+        <p:spPr>
+          <a:xfrm>
+            <a:off x="6590052" y="2389182"/>
+            <a:ext cx="1496113" cy="369332"/>
+          </a:xfrm>
+          <a:prstGeom prst="rect">
+            <a:avLst/>
+          </a:prstGeom>
+          <a:noFill/>
+          <a:ln w="19050">
+            <a:solidFill>
+              <a:schemeClr val="tx1"/>
+            </a:solidFill>
+          </a:ln>
+        </p:spPr>
+        <p:txBody>
+          <a:bodyPr wrap="square" rtlCol="0">
+            <a:spAutoFit/>
+          </a:bodyPr>
+          <a:lstStyle/>
+          <a:p>
+            <a:r>
+              <a:rPr lang="it-IT" dirty="0"/>
+              <a:t>IP/</a:t>
+            </a:r>
+            <a:r>
+              <a:rPr lang="it-IT" dirty="0" err="1"/>
+              <a:t>catalog</a:t>
+            </a:r>
+            <a:endParaRPr lang="it-IT" dirty="0"/>
+          </a:p>
+        </p:txBody>
+      </p:sp>
+      <p:sp>
+        <p:nvSpPr>
+          <p:cNvPr id="16" name="TextBox 15">
+            <a:extLst>
+              <a:ext uri="{FF2B5EF4-FFF2-40B4-BE49-F238E27FC236}">
+                <a16:creationId xmlns:a16="http://schemas.microsoft.com/office/drawing/2014/main" id="{8BFF5D09-0A22-4F93-BCFD-427CB1379BC8}"/>
+              </a:ext>
+            </a:extLst>
+          </p:cNvPr>
+          <p:cNvSpPr txBox="1"/>
+          <p:nvPr/>
+        </p:nvSpPr>
+        <p:spPr>
+          <a:xfrm>
+            <a:off x="6590052" y="3067139"/>
+            <a:ext cx="2258112" cy="369332"/>
+          </a:xfrm>
+          <a:prstGeom prst="rect">
+            <a:avLst/>
+          </a:prstGeom>
+          <a:noFill/>
+          <a:ln w="19050">
+            <a:solidFill>
+              <a:schemeClr val="tx1"/>
+            </a:solidFill>
+          </a:ln>
+        </p:spPr>
+        <p:txBody>
+          <a:bodyPr wrap="square" rtlCol="0">
+            <a:spAutoFit/>
+          </a:bodyPr>
+          <a:lstStyle/>
+          <a:p>
+            <a:r>
+              <a:rPr lang="it-IT" dirty="0"/>
+              <a:t>IP/</a:t>
+            </a:r>
+            <a:r>
+              <a:rPr lang="it-IT" dirty="0" err="1"/>
+              <a:t>MessageBroker</a:t>
+            </a:r>
+            <a:endParaRPr lang="it-IT" dirty="0"/>
+          </a:p>
+        </p:txBody>
+      </p:sp>
+      <p:sp>
+        <p:nvSpPr>
+          <p:cNvPr id="17" name="TextBox 16">
+            <a:extLst>
+              <a:ext uri="{FF2B5EF4-FFF2-40B4-BE49-F238E27FC236}">
+                <a16:creationId xmlns:a16="http://schemas.microsoft.com/office/drawing/2014/main" id="{48CC320A-A6F5-4A9F-9AC0-0845242FDAE3}"/>
+              </a:ext>
+            </a:extLst>
+          </p:cNvPr>
+          <p:cNvSpPr txBox="1"/>
+          <p:nvPr/>
+        </p:nvSpPr>
+        <p:spPr>
+          <a:xfrm>
+            <a:off x="6590052" y="3738086"/>
+            <a:ext cx="2258112" cy="369332"/>
+          </a:xfrm>
+          <a:prstGeom prst="rect">
+            <a:avLst/>
+          </a:prstGeom>
+          <a:noFill/>
+          <a:ln w="19050">
+            <a:solidFill>
+              <a:schemeClr val="tx1"/>
+            </a:solidFill>
+          </a:ln>
+        </p:spPr>
+        <p:txBody>
+          <a:bodyPr wrap="square" rtlCol="0">
+            <a:spAutoFit/>
+          </a:bodyPr>
+          <a:lstStyle/>
+          <a:p>
+            <a:r>
+              <a:rPr lang="it-IT" dirty="0"/>
+              <a:t>IP/</a:t>
+            </a:r>
+            <a:r>
+              <a:rPr lang="it-IT" dirty="0" err="1"/>
+              <a:t>TelegramToken</a:t>
+            </a:r>
+            <a:endParaRPr lang="it-IT" dirty="0"/>
+          </a:p>
+        </p:txBody>
+      </p:sp>
+      <p:sp>
+        <p:nvSpPr>
+          <p:cNvPr id="18" name="TextBox 17">
+            <a:extLst>
+              <a:ext uri="{FF2B5EF4-FFF2-40B4-BE49-F238E27FC236}">
+                <a16:creationId xmlns:a16="http://schemas.microsoft.com/office/drawing/2014/main" id="{DF27795C-AE8B-4280-B4D0-4464121E51BE}"/>
+              </a:ext>
+            </a:extLst>
+          </p:cNvPr>
+          <p:cNvSpPr txBox="1"/>
+          <p:nvPr/>
+        </p:nvSpPr>
+        <p:spPr>
+          <a:xfrm>
+            <a:off x="6590051" y="4527497"/>
+            <a:ext cx="2258113" cy="369332"/>
+          </a:xfrm>
+          <a:prstGeom prst="rect">
+            <a:avLst/>
+          </a:prstGeom>
+          <a:noFill/>
+          <a:ln w="19050">
+            <a:solidFill>
+              <a:schemeClr val="tx1"/>
+            </a:solidFill>
+          </a:ln>
+        </p:spPr>
+        <p:txBody>
+          <a:bodyPr wrap="square" rtlCol="0">
+            <a:spAutoFit/>
+          </a:bodyPr>
+          <a:lstStyle/>
+          <a:p>
+            <a:r>
+              <a:rPr lang="it-IT" dirty="0"/>
+              <a:t>IP/</a:t>
+            </a:r>
+            <a:r>
+              <a:rPr lang="it-IT" dirty="0" err="1"/>
+              <a:t>AllDevices</a:t>
+            </a:r>
+            <a:endParaRPr lang="it-IT" dirty="0"/>
+          </a:p>
+        </p:txBody>
+      </p:sp>
+      <p:sp>
+        <p:nvSpPr>
+          <p:cNvPr id="19" name="TextBox 18">
+            <a:extLst>
+              <a:ext uri="{FF2B5EF4-FFF2-40B4-BE49-F238E27FC236}">
+                <a16:creationId xmlns:a16="http://schemas.microsoft.com/office/drawing/2014/main" id="{91D846CD-1027-4CC5-8E81-2B242EA056B6}"/>
+              </a:ext>
+            </a:extLst>
+          </p:cNvPr>
+          <p:cNvSpPr txBox="1"/>
+          <p:nvPr/>
+        </p:nvSpPr>
+        <p:spPr>
+          <a:xfrm>
+            <a:off x="6590051" y="5327082"/>
+            <a:ext cx="2258114" cy="369332"/>
+          </a:xfrm>
+          <a:prstGeom prst="rect">
+            <a:avLst/>
+          </a:prstGeom>
+          <a:noFill/>
+          <a:ln w="19050">
+            <a:solidFill>
+              <a:schemeClr val="tx1"/>
+            </a:solidFill>
+          </a:ln>
+        </p:spPr>
+        <p:txBody>
+          <a:bodyPr wrap="square" rtlCol="0">
+            <a:spAutoFit/>
+          </a:bodyPr>
+          <a:lstStyle/>
+          <a:p>
+            <a:r>
+              <a:rPr lang="it-IT" dirty="0"/>
+              <a:t>IP/</a:t>
+            </a:r>
+            <a:r>
+              <a:rPr lang="it-IT" dirty="0" err="1"/>
+              <a:t>DeviceID</a:t>
+            </a:r>
+            <a:r>
+              <a:rPr lang="it-IT" dirty="0"/>
+              <a:t>/12</a:t>
+            </a:r>
+          </a:p>
+        </p:txBody>
+      </p:sp>
+      <p:sp>
+        <p:nvSpPr>
+          <p:cNvPr id="20" name="TextBox 19">
+            <a:extLst>
+              <a:ext uri="{FF2B5EF4-FFF2-40B4-BE49-F238E27FC236}">
+                <a16:creationId xmlns:a16="http://schemas.microsoft.com/office/drawing/2014/main" id="{5127204C-2252-4E68-B42C-69F39BF3BEF9}"/>
+              </a:ext>
+            </a:extLst>
+          </p:cNvPr>
+          <p:cNvSpPr txBox="1"/>
+          <p:nvPr/>
+        </p:nvSpPr>
+        <p:spPr>
+          <a:xfrm>
+            <a:off x="6616449" y="6129231"/>
+            <a:ext cx="2231716" cy="369332"/>
+          </a:xfrm>
+          <a:prstGeom prst="rect">
+            <a:avLst/>
+          </a:prstGeom>
+          <a:noFill/>
+          <a:ln w="19050">
+            <a:solidFill>
+              <a:schemeClr val="tx1"/>
+            </a:solidFill>
+          </a:ln>
+        </p:spPr>
+        <p:txBody>
+          <a:bodyPr wrap="square" rtlCol="0">
+            <a:spAutoFit/>
+          </a:bodyPr>
+          <a:lstStyle/>
+          <a:p>
+            <a:r>
+              <a:rPr lang="it-IT" dirty="0"/>
+              <a:t>IP/Agenda/*</a:t>
+            </a:r>
+            <a:r>
+              <a:rPr lang="it-IT" dirty="0" err="1"/>
+              <a:t>userID</a:t>
+            </a:r>
+            <a:r>
+              <a:rPr lang="it-IT" dirty="0"/>
+              <a:t>*</a:t>
+            </a:r>
+          </a:p>
+        </p:txBody>
+      </p:sp>
+      <p:cxnSp>
+        <p:nvCxnSpPr>
+          <p:cNvPr id="23" name="Straight Arrow Connector 22">
+            <a:extLst>
+              <a:ext uri="{FF2B5EF4-FFF2-40B4-BE49-F238E27FC236}">
+                <a16:creationId xmlns:a16="http://schemas.microsoft.com/office/drawing/2014/main" id="{C63F379F-F465-4E46-8660-457BC090AC2B}"/>
+              </a:ext>
+            </a:extLst>
+          </p:cNvPr>
+          <p:cNvCxnSpPr>
+            <a:cxnSpLocks/>
+            <a:stCxn id="4" idx="3"/>
+            <a:endCxn id="15" idx="1"/>
+          </p:cNvCxnSpPr>
+          <p:nvPr/>
+        </p:nvCxnSpPr>
+        <p:spPr>
+          <a:xfrm flipV="1">
+            <a:off x="4446495" y="2573848"/>
+            <a:ext cx="2143557" cy="1224946"/>
+          </a:xfrm>
+          <a:prstGeom prst="straightConnector1">
+            <a:avLst/>
+          </a:prstGeom>
+          <a:ln>
+            <a:tailEnd type="triangle"/>
+          </a:ln>
+        </p:spPr>
+        <p:style>
+          <a:lnRef idx="1">
+            <a:schemeClr val="accent1"/>
+          </a:lnRef>
+          <a:fillRef idx="0">
+            <a:schemeClr val="accent1"/>
+          </a:fillRef>
+          <a:effectRef idx="0">
+            <a:schemeClr val="accent1"/>
+          </a:effectRef>
+          <a:fontRef idx="minor">
+            <a:schemeClr val="tx1"/>
+          </a:fontRef>
+        </p:style>
+      </p:cxnSp>
+      <p:cxnSp>
+        <p:nvCxnSpPr>
+          <p:cNvPr id="25" name="Straight Arrow Connector 24">
+            <a:extLst>
+              <a:ext uri="{FF2B5EF4-FFF2-40B4-BE49-F238E27FC236}">
+                <a16:creationId xmlns:a16="http://schemas.microsoft.com/office/drawing/2014/main" id="{E04667FF-0234-4842-9A33-7BB2A39FF0E5}"/>
+              </a:ext>
+            </a:extLst>
+          </p:cNvPr>
+          <p:cNvCxnSpPr>
+            <a:cxnSpLocks/>
+            <a:stCxn id="4" idx="3"/>
+            <a:endCxn id="16" idx="1"/>
+          </p:cNvCxnSpPr>
+          <p:nvPr/>
+        </p:nvCxnSpPr>
+        <p:spPr>
+          <a:xfrm flipV="1">
+            <a:off x="4446495" y="3251805"/>
+            <a:ext cx="2143557" cy="546989"/>
+          </a:xfrm>
+          <a:prstGeom prst="straightConnector1">
+            <a:avLst/>
+          </a:prstGeom>
+          <a:ln>
+            <a:tailEnd type="triangle"/>
+          </a:ln>
+        </p:spPr>
+        <p:style>
+          <a:lnRef idx="1">
+            <a:schemeClr val="accent1"/>
+          </a:lnRef>
+          <a:fillRef idx="0">
+            <a:schemeClr val="accent1"/>
+          </a:fillRef>
+          <a:effectRef idx="0">
+            <a:schemeClr val="accent1"/>
+          </a:effectRef>
+          <a:fontRef idx="minor">
+            <a:schemeClr val="tx1"/>
+          </a:fontRef>
+        </p:style>
+      </p:cxnSp>
+      <p:cxnSp>
+        <p:nvCxnSpPr>
+          <p:cNvPr id="27" name="Straight Arrow Connector 26">
+            <a:extLst>
+              <a:ext uri="{FF2B5EF4-FFF2-40B4-BE49-F238E27FC236}">
+                <a16:creationId xmlns:a16="http://schemas.microsoft.com/office/drawing/2014/main" id="{66074F90-EF3E-4BDF-9C13-ED59D4FC5983}"/>
+              </a:ext>
+            </a:extLst>
+          </p:cNvPr>
+          <p:cNvCxnSpPr>
+            <a:cxnSpLocks/>
+            <a:stCxn id="4" idx="3"/>
+            <a:endCxn id="17" idx="1"/>
+          </p:cNvCxnSpPr>
+          <p:nvPr/>
+        </p:nvCxnSpPr>
+        <p:spPr>
+          <a:xfrm>
+            <a:off x="4446495" y="3798794"/>
+            <a:ext cx="2143557" cy="123958"/>
+          </a:xfrm>
+          <a:prstGeom prst="straightConnector1">
+            <a:avLst/>
+          </a:prstGeom>
+          <a:ln>
+            <a:tailEnd type="triangle"/>
+          </a:ln>
+        </p:spPr>
+        <p:style>
+          <a:lnRef idx="1">
+            <a:schemeClr val="accent1"/>
+          </a:lnRef>
+          <a:fillRef idx="0">
+            <a:schemeClr val="accent1"/>
+          </a:fillRef>
+          <a:effectRef idx="0">
+            <a:schemeClr val="accent1"/>
+          </a:effectRef>
+          <a:fontRef idx="minor">
+            <a:schemeClr val="tx1"/>
+          </a:fontRef>
+        </p:style>
+      </p:cxnSp>
+      <p:cxnSp>
+        <p:nvCxnSpPr>
+          <p:cNvPr id="29" name="Straight Arrow Connector 28">
+            <a:extLst>
+              <a:ext uri="{FF2B5EF4-FFF2-40B4-BE49-F238E27FC236}">
+                <a16:creationId xmlns:a16="http://schemas.microsoft.com/office/drawing/2014/main" id="{48BDD961-2F67-432D-9399-65FE0B14153F}"/>
+              </a:ext>
+            </a:extLst>
+          </p:cNvPr>
+          <p:cNvCxnSpPr>
+            <a:cxnSpLocks/>
+            <a:stCxn id="4" idx="3"/>
+            <a:endCxn id="18" idx="1"/>
+          </p:cNvCxnSpPr>
+          <p:nvPr/>
+        </p:nvCxnSpPr>
+        <p:spPr>
+          <a:xfrm>
+            <a:off x="4446495" y="3798794"/>
+            <a:ext cx="2143556" cy="913369"/>
+          </a:xfrm>
+          <a:prstGeom prst="straightConnector1">
+            <a:avLst/>
+          </a:prstGeom>
+          <a:ln>
+            <a:tailEnd type="triangle"/>
+          </a:ln>
+        </p:spPr>
+        <p:style>
+          <a:lnRef idx="1">
+            <a:schemeClr val="accent1"/>
+          </a:lnRef>
+          <a:fillRef idx="0">
+            <a:schemeClr val="accent1"/>
+          </a:fillRef>
+          <a:effectRef idx="0">
+            <a:schemeClr val="accent1"/>
+          </a:effectRef>
+          <a:fontRef idx="minor">
+            <a:schemeClr val="tx1"/>
+          </a:fontRef>
+        </p:style>
+      </p:cxnSp>
+      <p:cxnSp>
+        <p:nvCxnSpPr>
+          <p:cNvPr id="31" name="Straight Arrow Connector 30">
+            <a:extLst>
+              <a:ext uri="{FF2B5EF4-FFF2-40B4-BE49-F238E27FC236}">
+                <a16:creationId xmlns:a16="http://schemas.microsoft.com/office/drawing/2014/main" id="{0FC9D472-E75C-4EA7-8102-59F65194B913}"/>
+              </a:ext>
+            </a:extLst>
+          </p:cNvPr>
+          <p:cNvCxnSpPr>
+            <a:cxnSpLocks/>
+            <a:stCxn id="4" idx="3"/>
+            <a:endCxn id="19" idx="1"/>
+          </p:cNvCxnSpPr>
+          <p:nvPr/>
+        </p:nvCxnSpPr>
+        <p:spPr>
+          <a:xfrm>
+            <a:off x="4446495" y="3798794"/>
+            <a:ext cx="2143556" cy="1712954"/>
+          </a:xfrm>
+          <a:prstGeom prst="straightConnector1">
+            <a:avLst/>
+          </a:prstGeom>
+          <a:ln>
+            <a:tailEnd type="triangle"/>
+          </a:ln>
+        </p:spPr>
+        <p:style>
+          <a:lnRef idx="1">
+            <a:schemeClr val="accent1"/>
+          </a:lnRef>
+          <a:fillRef idx="0">
+            <a:schemeClr val="accent1"/>
+          </a:fillRef>
+          <a:effectRef idx="0">
+            <a:schemeClr val="accent1"/>
+          </a:effectRef>
+          <a:fontRef idx="minor">
+            <a:schemeClr val="tx1"/>
+          </a:fontRef>
+        </p:style>
+      </p:cxnSp>
+      <p:cxnSp>
+        <p:nvCxnSpPr>
+          <p:cNvPr id="35" name="Straight Arrow Connector 34">
+            <a:extLst>
+              <a:ext uri="{FF2B5EF4-FFF2-40B4-BE49-F238E27FC236}">
+                <a16:creationId xmlns:a16="http://schemas.microsoft.com/office/drawing/2014/main" id="{F8B64B66-1024-438E-8AAC-BAF24C7C6185}"/>
+              </a:ext>
+            </a:extLst>
+          </p:cNvPr>
+          <p:cNvCxnSpPr>
+            <a:cxnSpLocks/>
+            <a:stCxn id="4" idx="3"/>
+            <a:endCxn id="20" idx="1"/>
+          </p:cNvCxnSpPr>
+          <p:nvPr/>
+        </p:nvCxnSpPr>
+        <p:spPr>
+          <a:xfrm>
+            <a:off x="4446495" y="3798794"/>
+            <a:ext cx="2169954" cy="2515103"/>
+          </a:xfrm>
+          <a:prstGeom prst="straightConnector1">
+            <a:avLst/>
+          </a:prstGeom>
+          <a:ln>
+            <a:tailEnd type="triangle"/>
+          </a:ln>
+        </p:spPr>
+        <p:style>
+          <a:lnRef idx="1">
+            <a:schemeClr val="accent1"/>
+          </a:lnRef>
+          <a:fillRef idx="0">
+            <a:schemeClr val="accent1"/>
+          </a:fillRef>
+          <a:effectRef idx="0">
+            <a:schemeClr val="accent1"/>
+          </a:effectRef>
+          <a:fontRef idx="minor">
+            <a:schemeClr val="tx1"/>
+          </a:fontRef>
+        </p:style>
+      </p:cxnSp>
+      <p:sp>
+        <p:nvSpPr>
+          <p:cNvPr id="53" name="Rectangle 52">
+            <a:extLst>
+              <a:ext uri="{FF2B5EF4-FFF2-40B4-BE49-F238E27FC236}">
+                <a16:creationId xmlns:a16="http://schemas.microsoft.com/office/drawing/2014/main" id="{B8365639-F56A-4DD3-BA29-A6E26D39FF19}"/>
+              </a:ext>
+            </a:extLst>
+          </p:cNvPr>
+          <p:cNvSpPr/>
+          <p:nvPr/>
+        </p:nvSpPr>
+        <p:spPr>
+          <a:xfrm>
+            <a:off x="1004047" y="2389182"/>
+            <a:ext cx="555812" cy="300230"/>
+          </a:xfrm>
+          <a:prstGeom prst="rect">
+            <a:avLst/>
+          </a:prstGeom>
+          <a:noFill/>
+        </p:spPr>
+        <p:style>
+          <a:lnRef idx="2">
+            <a:schemeClr val="accent1">
+              <a:shade val="50000"/>
+            </a:schemeClr>
+          </a:lnRef>
+          <a:fillRef idx="1">
+            <a:schemeClr val="accent1"/>
+          </a:fillRef>
+          <a:effectRef idx="0">
+            <a:schemeClr val="accent1"/>
+          </a:effectRef>
+          <a:fontRef idx="minor">
+            <a:schemeClr val="lt1"/>
+          </a:fontRef>
+        </p:style>
+        <p:txBody>
+          <a:bodyPr rtlCol="0" anchor="ctr"/>
+          <a:lstStyle/>
+          <a:p>
+            <a:pPr algn="ctr"/>
             <a:endParaRPr lang="it-IT" dirty="0"/>
           </a:p>
         </p:txBody>
@@ -15381,7 +20692,7 @@
     </p:spTree>
     <p:extLst>
       <p:ext uri="{BB962C8B-B14F-4D97-AF65-F5344CB8AC3E}">
-        <p14:creationId xmlns:p14="http://schemas.microsoft.com/office/powerpoint/2010/main" val="4283805300"/>
+        <p14:creationId xmlns:p14="http://schemas.microsoft.com/office/powerpoint/2010/main" val="3118411707"/>
       </p:ext>
     </p:extLst>
   </p:cSld>

--- a/Materiale Extra/Presentazione del progetto .pptx
+++ b/Materiale Extra/Presentazione del progetto .pptx
@@ -854,7 +854,7 @@
           <a:p>
             <a:fld id="{C1775FA8-FEF5-4078-A009-D10F19796D95}" type="datetimeFigureOut">
               <a:rPr lang="it-IT" smtClean="0"/>
-              <a:t>18/05/2023</a:t>
+              <a:t>20/05/2023</a:t>
             </a:fld>
             <a:endParaRPr lang="it-IT"/>
           </a:p>
@@ -1105,7 +1105,7 @@
           <a:p>
             <a:fld id="{C1775FA8-FEF5-4078-A009-D10F19796D95}" type="datetimeFigureOut">
               <a:rPr lang="it-IT" smtClean="0"/>
-              <a:t>18/05/2023</a:t>
+              <a:t>20/05/2023</a:t>
             </a:fld>
             <a:endParaRPr lang="it-IT"/>
           </a:p>
@@ -1419,7 +1419,7 @@
           <a:p>
             <a:fld id="{C1775FA8-FEF5-4078-A009-D10F19796D95}" type="datetimeFigureOut">
               <a:rPr lang="it-IT" smtClean="0"/>
-              <a:t>18/05/2023</a:t>
+              <a:t>20/05/2023</a:t>
             </a:fld>
             <a:endParaRPr lang="it-IT"/>
           </a:p>
@@ -1760,7 +1760,7 @@
           <a:p>
             <a:fld id="{C1775FA8-FEF5-4078-A009-D10F19796D95}" type="datetimeFigureOut">
               <a:rPr lang="it-IT" smtClean="0"/>
-              <a:t>18/05/2023</a:t>
+              <a:t>20/05/2023</a:t>
             </a:fld>
             <a:endParaRPr lang="it-IT"/>
           </a:p>
@@ -2074,7 +2074,7 @@
           <a:p>
             <a:fld id="{C1775FA8-FEF5-4078-A009-D10F19796D95}" type="datetimeFigureOut">
               <a:rPr lang="it-IT" smtClean="0"/>
-              <a:t>18/05/2023</a:t>
+              <a:t>20/05/2023</a:t>
             </a:fld>
             <a:endParaRPr lang="it-IT"/>
           </a:p>
@@ -2467,7 +2467,7 @@
           <a:p>
             <a:fld id="{C1775FA8-FEF5-4078-A009-D10F19796D95}" type="datetimeFigureOut">
               <a:rPr lang="it-IT" smtClean="0"/>
-              <a:t>18/05/2023</a:t>
+              <a:t>20/05/2023</a:t>
             </a:fld>
             <a:endParaRPr lang="it-IT"/>
           </a:p>
@@ -2637,7 +2637,7 @@
           <a:p>
             <a:fld id="{C1775FA8-FEF5-4078-A009-D10F19796D95}" type="datetimeFigureOut">
               <a:rPr lang="it-IT" smtClean="0"/>
-              <a:t>18/05/2023</a:t>
+              <a:t>20/05/2023</a:t>
             </a:fld>
             <a:endParaRPr lang="it-IT"/>
           </a:p>
@@ -2817,7 +2817,7 @@
           <a:p>
             <a:fld id="{C1775FA8-FEF5-4078-A009-D10F19796D95}" type="datetimeFigureOut">
               <a:rPr lang="it-IT" smtClean="0"/>
-              <a:t>18/05/2023</a:t>
+              <a:t>20/05/2023</a:t>
             </a:fld>
             <a:endParaRPr lang="it-IT"/>
           </a:p>
@@ -2993,7 +2993,7 @@
           <a:p>
             <a:fld id="{C1775FA8-FEF5-4078-A009-D10F19796D95}" type="datetimeFigureOut">
               <a:rPr lang="it-IT" smtClean="0"/>
-              <a:t>18/05/2023</a:t>
+              <a:t>20/05/2023</a:t>
             </a:fld>
             <a:endParaRPr lang="it-IT"/>
           </a:p>
@@ -3240,7 +3240,7 @@
           <a:p>
             <a:fld id="{C1775FA8-FEF5-4078-A009-D10F19796D95}" type="datetimeFigureOut">
               <a:rPr lang="it-IT" smtClean="0"/>
-              <a:t>18/05/2023</a:t>
+              <a:t>20/05/2023</a:t>
             </a:fld>
             <a:endParaRPr lang="it-IT"/>
           </a:p>
@@ -3472,7 +3472,7 @@
           <a:p>
             <a:fld id="{C1775FA8-FEF5-4078-A009-D10F19796D95}" type="datetimeFigureOut">
               <a:rPr lang="it-IT" smtClean="0"/>
-              <a:t>18/05/2023</a:t>
+              <a:t>20/05/2023</a:t>
             </a:fld>
             <a:endParaRPr lang="it-IT"/>
           </a:p>
@@ -3846,7 +3846,7 @@
           <a:p>
             <a:fld id="{C1775FA8-FEF5-4078-A009-D10F19796D95}" type="datetimeFigureOut">
               <a:rPr lang="it-IT" smtClean="0"/>
-              <a:t>18/05/2023</a:t>
+              <a:t>20/05/2023</a:t>
             </a:fld>
             <a:endParaRPr lang="it-IT"/>
           </a:p>
@@ -3969,7 +3969,7 @@
           <a:p>
             <a:fld id="{C1775FA8-FEF5-4078-A009-D10F19796D95}" type="datetimeFigureOut">
               <a:rPr lang="it-IT" smtClean="0"/>
-              <a:t>18/05/2023</a:t>
+              <a:t>20/05/2023</a:t>
             </a:fld>
             <a:endParaRPr lang="it-IT"/>
           </a:p>
@@ -4064,7 +4064,7 @@
           <a:p>
             <a:fld id="{C1775FA8-FEF5-4078-A009-D10F19796D95}" type="datetimeFigureOut">
               <a:rPr lang="it-IT" smtClean="0"/>
-              <a:t>18/05/2023</a:t>
+              <a:t>20/05/2023</a:t>
             </a:fld>
             <a:endParaRPr lang="it-IT"/>
           </a:p>
@@ -4319,7 +4319,7 @@
           <a:p>
             <a:fld id="{C1775FA8-FEF5-4078-A009-D10F19796D95}" type="datetimeFigureOut">
               <a:rPr lang="it-IT" smtClean="0"/>
-              <a:t>18/05/2023</a:t>
+              <a:t>20/05/2023</a:t>
             </a:fld>
             <a:endParaRPr lang="it-IT"/>
           </a:p>
@@ -4582,7 +4582,7 @@
           <a:p>
             <a:fld id="{C1775FA8-FEF5-4078-A009-D10F19796D95}" type="datetimeFigureOut">
               <a:rPr lang="it-IT" smtClean="0"/>
-              <a:t>18/05/2023</a:t>
+              <a:t>20/05/2023</a:t>
             </a:fld>
             <a:endParaRPr lang="it-IT"/>
           </a:p>
@@ -5325,7 +5325,7 @@
           <a:p>
             <a:fld id="{C1775FA8-FEF5-4078-A009-D10F19796D95}" type="datetimeFigureOut">
               <a:rPr lang="it-IT" smtClean="0"/>
-              <a:t>18/05/2023</a:t>
+              <a:t>20/05/2023</a:t>
             </a:fld>
             <a:endParaRPr lang="it-IT"/>
           </a:p>
@@ -6307,8 +6307,8 @@
         </p:nvSpPr>
         <p:spPr>
           <a:xfrm>
-            <a:off x="462181" y="397435"/>
-            <a:ext cx="8596668" cy="1320800"/>
+            <a:off x="430644" y="176282"/>
+            <a:ext cx="4339237" cy="1320800"/>
           </a:xfrm>
         </p:spPr>
         <p:txBody>
@@ -6458,9 +6458,9 @@
           <p:nvPr/>
         </p:nvCxnSpPr>
         <p:spPr>
-          <a:xfrm>
-            <a:off x="4446495" y="3798794"/>
-            <a:ext cx="2119102" cy="1040665"/>
+          <a:xfrm flipV="1">
+            <a:off x="4446495" y="3600080"/>
+            <a:ext cx="2141830" cy="198714"/>
           </a:xfrm>
           <a:prstGeom prst="straightConnector1">
             <a:avLst/>
@@ -6498,7 +6498,7 @@
         </p:nvSpPr>
         <p:spPr>
           <a:xfrm>
-            <a:off x="6565597" y="4654793"/>
+            <a:off x="6588325" y="3415414"/>
             <a:ext cx="1211233" cy="369332"/>
           </a:xfrm>
           <a:prstGeom prst="rect">
@@ -6542,8 +6542,8 @@
         </p:nvCxnSpPr>
         <p:spPr>
           <a:xfrm flipV="1">
-            <a:off x="4446495" y="795244"/>
-            <a:ext cx="2119103" cy="3003550"/>
+            <a:off x="4446495" y="2387873"/>
+            <a:ext cx="2130251" cy="1410921"/>
           </a:xfrm>
           <a:prstGeom prst="straightConnector1">
             <a:avLst/>
@@ -6581,7 +6581,7 @@
         </p:nvSpPr>
         <p:spPr>
           <a:xfrm>
-            <a:off x="6565598" y="610578"/>
+            <a:off x="6576746" y="2203207"/>
             <a:ext cx="1211233" cy="369332"/>
           </a:xfrm>
           <a:prstGeom prst="rect">
@@ -6609,231 +6609,6 @@
       </p:sp>
       <p:sp>
         <p:nvSpPr>
-          <p:cNvPr id="15" name="TextBox 14">
-            <a:extLst>
-              <a:ext uri="{FF2B5EF4-FFF2-40B4-BE49-F238E27FC236}">
-                <a16:creationId xmlns:a16="http://schemas.microsoft.com/office/drawing/2014/main" id="{64CA5A8E-C3C5-4FAF-B89F-6680B729FAC6}"/>
-              </a:ext>
-            </a:extLst>
-          </p:cNvPr>
-          <p:cNvSpPr txBox="1"/>
-          <p:nvPr/>
-        </p:nvSpPr>
-        <p:spPr>
-          <a:xfrm>
-            <a:off x="6565598" y="1286096"/>
-            <a:ext cx="2688418" cy="369332"/>
-          </a:xfrm>
-          <a:prstGeom prst="rect">
-            <a:avLst/>
-          </a:prstGeom>
-          <a:noFill/>
-          <a:ln w="19050">
-            <a:solidFill>
-              <a:schemeClr val="tx1"/>
-            </a:solidFill>
-          </a:ln>
-        </p:spPr>
-        <p:txBody>
-          <a:bodyPr wrap="square" rtlCol="0">
-            <a:spAutoFit/>
-          </a:bodyPr>
-          <a:lstStyle/>
-          <a:p>
-            <a:r>
-              <a:rPr lang="it-IT" dirty="0"/>
-              <a:t>IP/</a:t>
-            </a:r>
-            <a:r>
-              <a:rPr lang="it-IT" dirty="0" err="1"/>
-              <a:t>Actuator</a:t>
-            </a:r>
-            <a:endParaRPr lang="it-IT" dirty="0"/>
-          </a:p>
-        </p:txBody>
-      </p:sp>
-      <p:sp>
-        <p:nvSpPr>
-          <p:cNvPr id="16" name="TextBox 15">
-            <a:extLst>
-              <a:ext uri="{FF2B5EF4-FFF2-40B4-BE49-F238E27FC236}">
-                <a16:creationId xmlns:a16="http://schemas.microsoft.com/office/drawing/2014/main" id="{8BFF5D09-0A22-4F93-BCFD-427CB1379BC8}"/>
-              </a:ext>
-            </a:extLst>
-          </p:cNvPr>
-          <p:cNvSpPr txBox="1"/>
-          <p:nvPr/>
-        </p:nvSpPr>
-        <p:spPr>
-          <a:xfrm>
-            <a:off x="6554018" y="1888618"/>
-            <a:ext cx="2688418" cy="369332"/>
-          </a:xfrm>
-          <a:prstGeom prst="rect">
-            <a:avLst/>
-          </a:prstGeom>
-          <a:noFill/>
-          <a:ln w="19050">
-            <a:solidFill>
-              <a:schemeClr val="tx1"/>
-            </a:solidFill>
-          </a:ln>
-        </p:spPr>
-        <p:txBody>
-          <a:bodyPr wrap="square" rtlCol="0">
-            <a:spAutoFit/>
-          </a:bodyPr>
-          <a:lstStyle/>
-          <a:p>
-            <a:r>
-              <a:rPr lang="it-IT" dirty="0"/>
-              <a:t>IP/</a:t>
-            </a:r>
-            <a:r>
-              <a:rPr lang="it-IT" dirty="0" err="1"/>
-              <a:t>Digital_Button</a:t>
-            </a:r>
-            <a:endParaRPr lang="it-IT" dirty="0"/>
-          </a:p>
-        </p:txBody>
-      </p:sp>
-      <p:sp>
-        <p:nvSpPr>
-          <p:cNvPr id="17" name="TextBox 16">
-            <a:extLst>
-              <a:ext uri="{FF2B5EF4-FFF2-40B4-BE49-F238E27FC236}">
-                <a16:creationId xmlns:a16="http://schemas.microsoft.com/office/drawing/2014/main" id="{48CC320A-A6F5-4A9F-9AC0-0845242FDAE3}"/>
-              </a:ext>
-            </a:extLst>
-          </p:cNvPr>
-          <p:cNvSpPr txBox="1"/>
-          <p:nvPr/>
-        </p:nvSpPr>
-        <p:spPr>
-          <a:xfrm>
-            <a:off x="6565598" y="2558764"/>
-            <a:ext cx="2688419" cy="369332"/>
-          </a:xfrm>
-          <a:prstGeom prst="rect">
-            <a:avLst/>
-          </a:prstGeom>
-          <a:noFill/>
-          <a:ln w="19050">
-            <a:solidFill>
-              <a:schemeClr val="tx1"/>
-            </a:solidFill>
-          </a:ln>
-        </p:spPr>
-        <p:txBody>
-          <a:bodyPr wrap="square" rtlCol="0">
-            <a:spAutoFit/>
-          </a:bodyPr>
-          <a:lstStyle/>
-          <a:p>
-            <a:r>
-              <a:rPr lang="it-IT" dirty="0"/>
-              <a:t>IP/</a:t>
-            </a:r>
-            <a:r>
-              <a:rPr lang="it-IT" dirty="0" err="1"/>
-              <a:t>Battery</a:t>
-            </a:r>
-            <a:endParaRPr lang="it-IT" dirty="0"/>
-          </a:p>
-        </p:txBody>
-      </p:sp>
-      <p:sp>
-        <p:nvSpPr>
-          <p:cNvPr id="18" name="TextBox 17">
-            <a:extLst>
-              <a:ext uri="{FF2B5EF4-FFF2-40B4-BE49-F238E27FC236}">
-                <a16:creationId xmlns:a16="http://schemas.microsoft.com/office/drawing/2014/main" id="{DF27795C-AE8B-4280-B4D0-4464121E51BE}"/>
-              </a:ext>
-            </a:extLst>
-          </p:cNvPr>
-          <p:cNvSpPr txBox="1"/>
-          <p:nvPr/>
-        </p:nvSpPr>
-        <p:spPr>
-          <a:xfrm>
-            <a:off x="6565598" y="3301644"/>
-            <a:ext cx="2688420" cy="369332"/>
-          </a:xfrm>
-          <a:prstGeom prst="rect">
-            <a:avLst/>
-          </a:prstGeom>
-          <a:noFill/>
-          <a:ln w="19050">
-            <a:solidFill>
-              <a:schemeClr val="tx1"/>
-            </a:solidFill>
-          </a:ln>
-        </p:spPr>
-        <p:txBody>
-          <a:bodyPr wrap="square" rtlCol="0">
-            <a:spAutoFit/>
-          </a:bodyPr>
-          <a:lstStyle/>
-          <a:p>
-            <a:r>
-              <a:rPr lang="it-IT" dirty="0"/>
-              <a:t>IP/</a:t>
-            </a:r>
-            <a:r>
-              <a:rPr lang="it-IT" dirty="0" err="1"/>
-              <a:t>Temperature_Sensor</a:t>
-            </a:r>
-            <a:endParaRPr lang="it-IT" dirty="0"/>
-          </a:p>
-        </p:txBody>
-      </p:sp>
-      <p:sp>
-        <p:nvSpPr>
-          <p:cNvPr id="19" name="TextBox 18">
-            <a:extLst>
-              <a:ext uri="{FF2B5EF4-FFF2-40B4-BE49-F238E27FC236}">
-                <a16:creationId xmlns:a16="http://schemas.microsoft.com/office/drawing/2014/main" id="{91D846CD-1027-4CC5-8E81-2B242EA056B6}"/>
-              </a:ext>
-            </a:extLst>
-          </p:cNvPr>
-          <p:cNvSpPr txBox="1"/>
-          <p:nvPr/>
-        </p:nvSpPr>
-        <p:spPr>
-          <a:xfrm>
-            <a:off x="6565598" y="3894523"/>
-            <a:ext cx="2662021" cy="369332"/>
-          </a:xfrm>
-          <a:prstGeom prst="rect">
-            <a:avLst/>
-          </a:prstGeom>
-          <a:noFill/>
-          <a:ln w="19050">
-            <a:solidFill>
-              <a:schemeClr val="tx1"/>
-            </a:solidFill>
-          </a:ln>
-        </p:spPr>
-        <p:txBody>
-          <a:bodyPr wrap="square" rtlCol="0">
-            <a:spAutoFit/>
-          </a:bodyPr>
-          <a:lstStyle/>
-          <a:p>
-            <a:r>
-              <a:rPr lang="it-IT" dirty="0"/>
-              <a:t>IP/</a:t>
-            </a:r>
-            <a:r>
-              <a:rPr lang="it-IT" dirty="0" err="1"/>
-              <a:t>Photon_Sensor</a:t>
-            </a:r>
-            <a:endParaRPr lang="it-IT" dirty="0"/>
-          </a:p>
-        </p:txBody>
-      </p:sp>
-      <p:sp>
-        <p:nvSpPr>
           <p:cNvPr id="20" name="TextBox 19">
             <a:extLst>
               <a:ext uri="{FF2B5EF4-FFF2-40B4-BE49-F238E27FC236}">
@@ -6846,7 +6621,7 @@
         </p:nvSpPr>
         <p:spPr>
           <a:xfrm>
-            <a:off x="6565597" y="5336609"/>
+            <a:off x="6588325" y="4097230"/>
             <a:ext cx="2215027" cy="369332"/>
           </a:xfrm>
           <a:prstGeom prst="rect">
@@ -6877,221 +6652,6 @@
           </a:p>
         </p:txBody>
       </p:sp>
-      <p:cxnSp>
-        <p:nvCxnSpPr>
-          <p:cNvPr id="23" name="Straight Arrow Connector 22">
-            <a:extLst>
-              <a:ext uri="{FF2B5EF4-FFF2-40B4-BE49-F238E27FC236}">
-                <a16:creationId xmlns:a16="http://schemas.microsoft.com/office/drawing/2014/main" id="{C63F379F-F465-4E46-8660-457BC090AC2B}"/>
-              </a:ext>
-            </a:extLst>
-          </p:cNvPr>
-          <p:cNvCxnSpPr>
-            <a:cxnSpLocks/>
-            <a:stCxn id="4" idx="3"/>
-            <a:endCxn id="15" idx="1"/>
-          </p:cNvCxnSpPr>
-          <p:nvPr/>
-        </p:nvCxnSpPr>
-        <p:spPr>
-          <a:xfrm flipV="1">
-            <a:off x="4446495" y="1470762"/>
-            <a:ext cx="2119103" cy="2328032"/>
-          </a:xfrm>
-          <a:prstGeom prst="straightConnector1">
-            <a:avLst/>
-          </a:prstGeom>
-          <a:ln>
-            <a:tailEnd type="triangle"/>
-          </a:ln>
-        </p:spPr>
-        <p:style>
-          <a:lnRef idx="1">
-            <a:schemeClr val="accent1"/>
-          </a:lnRef>
-          <a:fillRef idx="0">
-            <a:schemeClr val="accent1"/>
-          </a:fillRef>
-          <a:effectRef idx="0">
-            <a:schemeClr val="accent1"/>
-          </a:effectRef>
-          <a:fontRef idx="minor">
-            <a:schemeClr val="tx1"/>
-          </a:fontRef>
-        </p:style>
-      </p:cxnSp>
-      <p:cxnSp>
-        <p:nvCxnSpPr>
-          <p:cNvPr id="25" name="Straight Arrow Connector 24">
-            <a:extLst>
-              <a:ext uri="{FF2B5EF4-FFF2-40B4-BE49-F238E27FC236}">
-                <a16:creationId xmlns:a16="http://schemas.microsoft.com/office/drawing/2014/main" id="{E04667FF-0234-4842-9A33-7BB2A39FF0E5}"/>
-              </a:ext>
-            </a:extLst>
-          </p:cNvPr>
-          <p:cNvCxnSpPr>
-            <a:cxnSpLocks/>
-            <a:stCxn id="4" idx="3"/>
-            <a:endCxn id="16" idx="1"/>
-          </p:cNvCxnSpPr>
-          <p:nvPr/>
-        </p:nvCxnSpPr>
-        <p:spPr>
-          <a:xfrm flipV="1">
-            <a:off x="4446495" y="2073284"/>
-            <a:ext cx="2107523" cy="1725510"/>
-          </a:xfrm>
-          <a:prstGeom prst="straightConnector1">
-            <a:avLst/>
-          </a:prstGeom>
-          <a:ln>
-            <a:tailEnd type="triangle"/>
-          </a:ln>
-        </p:spPr>
-        <p:style>
-          <a:lnRef idx="1">
-            <a:schemeClr val="accent1"/>
-          </a:lnRef>
-          <a:fillRef idx="0">
-            <a:schemeClr val="accent1"/>
-          </a:fillRef>
-          <a:effectRef idx="0">
-            <a:schemeClr val="accent1"/>
-          </a:effectRef>
-          <a:fontRef idx="minor">
-            <a:schemeClr val="tx1"/>
-          </a:fontRef>
-        </p:style>
-      </p:cxnSp>
-      <p:cxnSp>
-        <p:nvCxnSpPr>
-          <p:cNvPr id="27" name="Straight Arrow Connector 26">
-            <a:extLst>
-              <a:ext uri="{FF2B5EF4-FFF2-40B4-BE49-F238E27FC236}">
-                <a16:creationId xmlns:a16="http://schemas.microsoft.com/office/drawing/2014/main" id="{66074F90-EF3E-4BDF-9C13-ED59D4FC5983}"/>
-              </a:ext>
-            </a:extLst>
-          </p:cNvPr>
-          <p:cNvCxnSpPr>
-            <a:cxnSpLocks/>
-            <a:stCxn id="4" idx="3"/>
-            <a:endCxn id="17" idx="1"/>
-          </p:cNvCxnSpPr>
-          <p:nvPr/>
-        </p:nvCxnSpPr>
-        <p:spPr>
-          <a:xfrm flipV="1">
-            <a:off x="4446495" y="2743430"/>
-            <a:ext cx="2119103" cy="1055364"/>
-          </a:xfrm>
-          <a:prstGeom prst="straightConnector1">
-            <a:avLst/>
-          </a:prstGeom>
-          <a:ln>
-            <a:tailEnd type="triangle"/>
-          </a:ln>
-        </p:spPr>
-        <p:style>
-          <a:lnRef idx="1">
-            <a:schemeClr val="accent1"/>
-          </a:lnRef>
-          <a:fillRef idx="0">
-            <a:schemeClr val="accent1"/>
-          </a:fillRef>
-          <a:effectRef idx="0">
-            <a:schemeClr val="accent1"/>
-          </a:effectRef>
-          <a:fontRef idx="minor">
-            <a:schemeClr val="tx1"/>
-          </a:fontRef>
-        </p:style>
-      </p:cxnSp>
-      <p:cxnSp>
-        <p:nvCxnSpPr>
-          <p:cNvPr id="29" name="Straight Arrow Connector 28">
-            <a:extLst>
-              <a:ext uri="{FF2B5EF4-FFF2-40B4-BE49-F238E27FC236}">
-                <a16:creationId xmlns:a16="http://schemas.microsoft.com/office/drawing/2014/main" id="{48BDD961-2F67-432D-9399-65FE0B14153F}"/>
-              </a:ext>
-            </a:extLst>
-          </p:cNvPr>
-          <p:cNvCxnSpPr>
-            <a:cxnSpLocks/>
-            <a:stCxn id="4" idx="3"/>
-            <a:endCxn id="18" idx="1"/>
-          </p:cNvCxnSpPr>
-          <p:nvPr/>
-        </p:nvCxnSpPr>
-        <p:spPr>
-          <a:xfrm flipV="1">
-            <a:off x="4446495" y="3486310"/>
-            <a:ext cx="2119103" cy="312484"/>
-          </a:xfrm>
-          <a:prstGeom prst="straightConnector1">
-            <a:avLst/>
-          </a:prstGeom>
-          <a:ln>
-            <a:tailEnd type="triangle"/>
-          </a:ln>
-        </p:spPr>
-        <p:style>
-          <a:lnRef idx="1">
-            <a:schemeClr val="accent1"/>
-          </a:lnRef>
-          <a:fillRef idx="0">
-            <a:schemeClr val="accent1"/>
-          </a:fillRef>
-          <a:effectRef idx="0">
-            <a:schemeClr val="accent1"/>
-          </a:effectRef>
-          <a:fontRef idx="minor">
-            <a:schemeClr val="tx1"/>
-          </a:fontRef>
-        </p:style>
-      </p:cxnSp>
-      <p:cxnSp>
-        <p:nvCxnSpPr>
-          <p:cNvPr id="31" name="Straight Arrow Connector 30">
-            <a:extLst>
-              <a:ext uri="{FF2B5EF4-FFF2-40B4-BE49-F238E27FC236}">
-                <a16:creationId xmlns:a16="http://schemas.microsoft.com/office/drawing/2014/main" id="{0FC9D472-E75C-4EA7-8102-59F65194B913}"/>
-              </a:ext>
-            </a:extLst>
-          </p:cNvPr>
-          <p:cNvCxnSpPr>
-            <a:cxnSpLocks/>
-            <a:stCxn id="4" idx="3"/>
-            <a:endCxn id="19" idx="1"/>
-          </p:cNvCxnSpPr>
-          <p:nvPr/>
-        </p:nvCxnSpPr>
-        <p:spPr>
-          <a:xfrm>
-            <a:off x="4446495" y="3798794"/>
-            <a:ext cx="2119103" cy="280395"/>
-          </a:xfrm>
-          <a:prstGeom prst="straightConnector1">
-            <a:avLst/>
-          </a:prstGeom>
-          <a:ln>
-            <a:tailEnd type="triangle"/>
-          </a:ln>
-        </p:spPr>
-        <p:style>
-          <a:lnRef idx="1">
-            <a:schemeClr val="accent1"/>
-          </a:lnRef>
-          <a:fillRef idx="0">
-            <a:schemeClr val="accent1"/>
-          </a:fillRef>
-          <a:effectRef idx="0">
-            <a:schemeClr val="accent1"/>
-          </a:effectRef>
-          <a:fontRef idx="minor">
-            <a:schemeClr val="tx1"/>
-          </a:fontRef>
-        </p:style>
-      </p:cxnSp>
       <p:cxnSp>
         <p:nvCxnSpPr>
           <p:cNvPr id="35" name="Straight Arrow Connector 34">
@@ -7111,7 +6671,7 @@
         <p:spPr>
           <a:xfrm>
             <a:off x="4446495" y="3798794"/>
-            <a:ext cx="2119102" cy="1722481"/>
+            <a:ext cx="2141830" cy="483102"/>
           </a:xfrm>
           <a:prstGeom prst="straightConnector1">
             <a:avLst/>
@@ -7196,7 +6756,7 @@
         </p:nvSpPr>
         <p:spPr>
           <a:xfrm>
-            <a:off x="6554018" y="6039753"/>
+            <a:off x="6576746" y="4800374"/>
             <a:ext cx="2164475" cy="369332"/>
           </a:xfrm>
           <a:prstGeom prst="rect">
@@ -7246,7 +6806,7 @@
         <p:spPr>
           <a:xfrm>
             <a:off x="4446495" y="3798794"/>
-            <a:ext cx="2107523" cy="2425625"/>
+            <a:ext cx="2130251" cy="1186246"/>
           </a:xfrm>
           <a:prstGeom prst="straightConnector1">
             <a:avLst/>
@@ -7272,54 +6832,6 @@
       </p:cxnSp>
       <p:sp>
         <p:nvSpPr>
-          <p:cNvPr id="45" name="Right Brace 44">
-            <a:extLst>
-              <a:ext uri="{FF2B5EF4-FFF2-40B4-BE49-F238E27FC236}">
-                <a16:creationId xmlns:a16="http://schemas.microsoft.com/office/drawing/2014/main" id="{A033926D-379E-4159-AF2E-2BD10A812BDB}"/>
-              </a:ext>
-            </a:extLst>
-          </p:cNvPr>
-          <p:cNvSpPr/>
-          <p:nvPr/>
-        </p:nvSpPr>
-        <p:spPr>
-          <a:xfrm>
-            <a:off x="10062366" y="456257"/>
-            <a:ext cx="506644" cy="3926541"/>
-          </a:xfrm>
-          <a:prstGeom prst="rightBrace">
-            <a:avLst>
-              <a:gd name="adj1" fmla="val 8333"/>
-              <a:gd name="adj2" fmla="val 50392"/>
-            </a:avLst>
-          </a:prstGeom>
-          <a:ln w="28575"/>
-        </p:spPr>
-        <p:style>
-          <a:lnRef idx="1">
-            <a:schemeClr val="accent1"/>
-          </a:lnRef>
-          <a:fillRef idx="0">
-            <a:schemeClr val="accent1"/>
-          </a:fillRef>
-          <a:effectRef idx="0">
-            <a:schemeClr val="accent1"/>
-          </a:effectRef>
-          <a:fontRef idx="minor">
-            <a:schemeClr val="tx1"/>
-          </a:fontRef>
-        </p:style>
-        <p:txBody>
-          <a:bodyPr rtlCol="0" anchor="ctr"/>
-          <a:lstStyle/>
-          <a:p>
-            <a:pPr algn="ctr"/>
-            <a:endParaRPr lang="it-IT" dirty="0"/>
-          </a:p>
-        </p:txBody>
-      </p:sp>
-      <p:sp>
-        <p:nvSpPr>
           <p:cNvPr id="46" name="Rectangle: Rounded Corners 45">
             <a:extLst>
               <a:ext uri="{FF2B5EF4-FFF2-40B4-BE49-F238E27FC236}">
@@ -7332,7 +6844,7 @@
         </p:nvSpPr>
         <p:spPr>
           <a:xfrm>
-            <a:off x="10617387" y="1888618"/>
+            <a:off x="9499243" y="2203207"/>
             <a:ext cx="1476001" cy="935264"/>
           </a:xfrm>
           <a:prstGeom prst="roundRect">
@@ -7361,8 +6873,12 @@
           <a:p>
             <a:pPr algn="ctr"/>
             <a:r>
+              <a:rPr lang="it-IT" dirty="0" err="1"/>
+              <a:t>Methods</a:t>
+            </a:r>
+            <a:r>
               <a:rPr lang="it-IT" dirty="0"/>
-              <a:t>Method </a:t>
+              <a:t> </a:t>
             </a:r>
             <a:r>
               <a:rPr lang="it-IT" dirty="0" err="1"/>
@@ -7394,8 +6910,8 @@
         </p:nvSpPr>
         <p:spPr>
           <a:xfrm>
-            <a:off x="7977775" y="542290"/>
-            <a:ext cx="1124311" cy="523220"/>
+            <a:off x="8152433" y="2233984"/>
+            <a:ext cx="1124311" cy="307777"/>
           </a:xfrm>
           <a:prstGeom prst="rect">
             <a:avLst/>
@@ -7422,11 +6938,6 @@
               <a:rPr lang="it-IT" sz="1400" dirty="0"/>
               <a:t> </a:t>
             </a:r>
-            <a:r>
-              <a:rPr lang="it-IT" sz="1400" dirty="0" err="1"/>
-              <a:t>section</a:t>
-            </a:r>
-            <a:endParaRPr lang="it-IT" sz="1400" dirty="0"/>
           </a:p>
         </p:txBody>
       </p:sp>
@@ -7444,7 +6955,7 @@
         </p:nvSpPr>
         <p:spPr>
           <a:xfrm>
-            <a:off x="7989355" y="4685570"/>
+            <a:off x="8012083" y="3446191"/>
             <a:ext cx="1264661" cy="307777"/>
           </a:xfrm>
           <a:prstGeom prst="rect">
@@ -7489,7 +7000,7 @@
         </p:nvSpPr>
         <p:spPr>
           <a:xfrm>
-            <a:off x="9307678" y="1316873"/>
+            <a:off x="8355251" y="2686198"/>
             <a:ext cx="718674" cy="307777"/>
           </a:xfrm>
           <a:prstGeom prst="rect">
@@ -7522,186 +7033,6 @@
       </p:sp>
       <p:sp>
         <p:nvSpPr>
-          <p:cNvPr id="54" name="TextBox 53">
-            <a:extLst>
-              <a:ext uri="{FF2B5EF4-FFF2-40B4-BE49-F238E27FC236}">
-                <a16:creationId xmlns:a16="http://schemas.microsoft.com/office/drawing/2014/main" id="{2A493E21-1C71-4170-A1CD-11163AF34794}"/>
-              </a:ext>
-            </a:extLst>
-          </p:cNvPr>
-          <p:cNvSpPr txBox="1"/>
-          <p:nvPr/>
-        </p:nvSpPr>
-        <p:spPr>
-          <a:xfrm>
-            <a:off x="9316895" y="1899075"/>
-            <a:ext cx="718674" cy="307777"/>
-          </a:xfrm>
-          <a:prstGeom prst="rect">
-            <a:avLst/>
-          </a:prstGeom>
-          <a:noFill/>
-          <a:ln>
-            <a:solidFill>
-              <a:schemeClr val="tx1"/>
-            </a:solidFill>
-            <a:prstDash val="lgDash"/>
-          </a:ln>
-        </p:spPr>
-        <p:txBody>
-          <a:bodyPr wrap="square" rtlCol="0">
-            <a:spAutoFit/>
-          </a:bodyPr>
-          <a:lstStyle/>
-          <a:p>
-            <a:r>
-              <a:rPr lang="it-IT" sz="1400" dirty="0" err="1"/>
-              <a:t>value</a:t>
-            </a:r>
-            <a:r>
-              <a:rPr lang="it-IT" sz="1400" dirty="0"/>
-              <a:t> </a:t>
-            </a:r>
-          </a:p>
-        </p:txBody>
-      </p:sp>
-      <p:sp>
-        <p:nvSpPr>
-          <p:cNvPr id="55" name="TextBox 54">
-            <a:extLst>
-              <a:ext uri="{FF2B5EF4-FFF2-40B4-BE49-F238E27FC236}">
-                <a16:creationId xmlns:a16="http://schemas.microsoft.com/office/drawing/2014/main" id="{C0273167-077A-480A-A3D2-25F9364B40EA}"/>
-              </a:ext>
-            </a:extLst>
-          </p:cNvPr>
-          <p:cNvSpPr txBox="1"/>
-          <p:nvPr/>
-        </p:nvSpPr>
-        <p:spPr>
-          <a:xfrm>
-            <a:off x="9343692" y="2589541"/>
-            <a:ext cx="718674" cy="307777"/>
-          </a:xfrm>
-          <a:prstGeom prst="rect">
-            <a:avLst/>
-          </a:prstGeom>
-          <a:noFill/>
-          <a:ln>
-            <a:solidFill>
-              <a:schemeClr val="tx1"/>
-            </a:solidFill>
-            <a:prstDash val="lgDash"/>
-          </a:ln>
-        </p:spPr>
-        <p:txBody>
-          <a:bodyPr wrap="square" rtlCol="0">
-            <a:spAutoFit/>
-          </a:bodyPr>
-          <a:lstStyle/>
-          <a:p>
-            <a:r>
-              <a:rPr lang="it-IT" sz="1400" dirty="0" err="1"/>
-              <a:t>value</a:t>
-            </a:r>
-            <a:r>
-              <a:rPr lang="it-IT" sz="1400" dirty="0"/>
-              <a:t> </a:t>
-            </a:r>
-          </a:p>
-        </p:txBody>
-      </p:sp>
-      <p:sp>
-        <p:nvSpPr>
-          <p:cNvPr id="56" name="TextBox 55">
-            <a:extLst>
-              <a:ext uri="{FF2B5EF4-FFF2-40B4-BE49-F238E27FC236}">
-                <a16:creationId xmlns:a16="http://schemas.microsoft.com/office/drawing/2014/main" id="{28E71DD3-3DEC-4D2D-BB87-D9E66180E7DA}"/>
-              </a:ext>
-            </a:extLst>
-          </p:cNvPr>
-          <p:cNvSpPr txBox="1"/>
-          <p:nvPr/>
-        </p:nvSpPr>
-        <p:spPr>
-          <a:xfrm>
-            <a:off x="9343692" y="3345540"/>
-            <a:ext cx="718674" cy="307777"/>
-          </a:xfrm>
-          <a:prstGeom prst="rect">
-            <a:avLst/>
-          </a:prstGeom>
-          <a:noFill/>
-          <a:ln>
-            <a:solidFill>
-              <a:schemeClr val="tx1"/>
-            </a:solidFill>
-            <a:prstDash val="lgDash"/>
-          </a:ln>
-        </p:spPr>
-        <p:txBody>
-          <a:bodyPr wrap="square" rtlCol="0">
-            <a:spAutoFit/>
-          </a:bodyPr>
-          <a:lstStyle/>
-          <a:p>
-            <a:r>
-              <a:rPr lang="it-IT" sz="1400" dirty="0" err="1"/>
-              <a:t>value</a:t>
-            </a:r>
-            <a:r>
-              <a:rPr lang="it-IT" sz="1400" dirty="0"/>
-              <a:t> </a:t>
-            </a:r>
-          </a:p>
-        </p:txBody>
-      </p:sp>
-      <p:sp>
-        <p:nvSpPr>
-          <p:cNvPr id="57" name="TextBox 56">
-            <a:extLst>
-              <a:ext uri="{FF2B5EF4-FFF2-40B4-BE49-F238E27FC236}">
-                <a16:creationId xmlns:a16="http://schemas.microsoft.com/office/drawing/2014/main" id="{1AF5129A-C72D-4509-9D83-A21DB4850E2F}"/>
-              </a:ext>
-            </a:extLst>
-          </p:cNvPr>
-          <p:cNvSpPr txBox="1"/>
-          <p:nvPr/>
-        </p:nvSpPr>
-        <p:spPr>
-          <a:xfrm>
-            <a:off x="9307678" y="3925300"/>
-            <a:ext cx="718674" cy="307777"/>
-          </a:xfrm>
-          <a:prstGeom prst="rect">
-            <a:avLst/>
-          </a:prstGeom>
-          <a:noFill/>
-          <a:ln>
-            <a:solidFill>
-              <a:schemeClr val="tx1"/>
-            </a:solidFill>
-            <a:prstDash val="lgDash"/>
-          </a:ln>
-        </p:spPr>
-        <p:txBody>
-          <a:bodyPr wrap="square" rtlCol="0">
-            <a:spAutoFit/>
-          </a:bodyPr>
-          <a:lstStyle/>
-          <a:p>
-            <a:r>
-              <a:rPr lang="it-IT" sz="1400" dirty="0" err="1"/>
-              <a:t>value</a:t>
-            </a:r>
-            <a:r>
-              <a:rPr lang="it-IT" sz="1400" dirty="0"/>
-              <a:t> </a:t>
-            </a:r>
-          </a:p>
-        </p:txBody>
-      </p:sp>
-      <p:sp>
-        <p:nvSpPr>
           <p:cNvPr id="69" name="Right Brace 68">
             <a:extLst>
               <a:ext uri="{FF2B5EF4-FFF2-40B4-BE49-F238E27FC236}">
@@ -7714,7 +7045,7 @@
         </p:nvSpPr>
         <p:spPr>
           <a:xfrm>
-            <a:off x="9343692" y="4538622"/>
+            <a:off x="9366420" y="3299243"/>
             <a:ext cx="329226" cy="2095260"/>
           </a:xfrm>
           <a:prstGeom prst="rightBrace">
@@ -7759,7 +7090,7 @@
         </p:nvSpPr>
         <p:spPr>
           <a:xfrm>
-            <a:off x="9879215" y="4937625"/>
+            <a:off x="9901943" y="3698246"/>
             <a:ext cx="1834599" cy="1297254"/>
           </a:xfrm>
           <a:prstGeom prst="roundRect">
@@ -7788,8 +7119,8 @@
           <a:p>
             <a:pPr algn="ctr"/>
             <a:r>
-              <a:rPr lang="it-IT" dirty="0"/>
-              <a:t>Method </a:t>
+              <a:rPr lang="it-IT"/>
+              <a:t>Methods </a:t>
             </a:r>
             <a:r>
               <a:rPr lang="it-IT" dirty="0" err="1"/>
@@ -7818,6 +7149,93 @@
             <a:r>
               <a:rPr lang="it-IT" dirty="0" err="1"/>
               <a:t>PostMan</a:t>
+            </a:r>
+            <a:endParaRPr lang="it-IT" dirty="0"/>
+          </a:p>
+        </p:txBody>
+      </p:sp>
+      <p:cxnSp>
+        <p:nvCxnSpPr>
+          <p:cNvPr id="47" name="Straight Arrow Connector 46">
+            <a:extLst>
+              <a:ext uri="{FF2B5EF4-FFF2-40B4-BE49-F238E27FC236}">
+                <a16:creationId xmlns:a16="http://schemas.microsoft.com/office/drawing/2014/main" id="{A86EDE2E-5B75-4373-A6BD-8D9F7763B775}"/>
+              </a:ext>
+            </a:extLst>
+          </p:cNvPr>
+          <p:cNvCxnSpPr>
+            <a:cxnSpLocks/>
+            <a:endCxn id="49" idx="1"/>
+          </p:cNvCxnSpPr>
+          <p:nvPr/>
+        </p:nvCxnSpPr>
+        <p:spPr>
+          <a:xfrm flipV="1">
+            <a:off x="4446495" y="2924111"/>
+            <a:ext cx="2130251" cy="874684"/>
+          </a:xfrm>
+          <a:prstGeom prst="straightConnector1">
+            <a:avLst/>
+          </a:prstGeom>
+          <a:ln>
+            <a:tailEnd type="triangle"/>
+          </a:ln>
+        </p:spPr>
+        <p:style>
+          <a:lnRef idx="1">
+            <a:schemeClr val="accent1"/>
+          </a:lnRef>
+          <a:fillRef idx="0">
+            <a:schemeClr val="accent1"/>
+          </a:fillRef>
+          <a:effectRef idx="0">
+            <a:schemeClr val="accent1"/>
+          </a:effectRef>
+          <a:fontRef idx="minor">
+            <a:schemeClr val="tx1"/>
+          </a:fontRef>
+        </p:style>
+      </p:cxnSp>
+      <p:sp>
+        <p:nvSpPr>
+          <p:cNvPr id="49" name="TextBox 48">
+            <a:extLst>
+              <a:ext uri="{FF2B5EF4-FFF2-40B4-BE49-F238E27FC236}">
+                <a16:creationId xmlns:a16="http://schemas.microsoft.com/office/drawing/2014/main" id="{71CE29D2-99EF-4B9D-9B19-95829412C858}"/>
+              </a:ext>
+            </a:extLst>
+          </p:cNvPr>
+          <p:cNvSpPr txBox="1"/>
+          <p:nvPr/>
+        </p:nvSpPr>
+        <p:spPr>
+          <a:xfrm>
+            <a:off x="6576746" y="2739445"/>
+            <a:ext cx="1476001" cy="369332"/>
+          </a:xfrm>
+          <a:prstGeom prst="rect">
+            <a:avLst/>
+          </a:prstGeom>
+          <a:noFill/>
+          <a:ln w="19050">
+            <a:solidFill>
+              <a:schemeClr val="tx1"/>
+            </a:solidFill>
+          </a:ln>
+        </p:spPr>
+        <p:txBody>
+          <a:bodyPr wrap="square" rtlCol="0">
+            <a:spAutoFit/>
+          </a:bodyPr>
+          <a:lstStyle/>
+          <a:p>
+            <a:r>
+              <a:rPr lang="it-IT" dirty="0"/>
+              <a:t>IP/</a:t>
+            </a:r>
+            <a:r>
+              <a:rPr lang="it-IT" dirty="0" err="1"/>
+              <a:t>Actuator</a:t>
             </a:r>
             <a:endParaRPr lang="it-IT" dirty="0"/>
           </a:p>

--- a/Materiale Extra/Presentazione del progetto .pptx
+++ b/Materiale Extra/Presentazione del progetto .pptx
@@ -8085,6 +8085,479 @@
           </a:p>
         </p:txBody>
       </p:sp>
+      <p:sp>
+        <p:nvSpPr>
+          <p:cNvPr id="6" name="TextBox 5">
+            <a:extLst>
+              <a:ext uri="{FF2B5EF4-FFF2-40B4-BE49-F238E27FC236}">
+                <a16:creationId xmlns:a16="http://schemas.microsoft.com/office/drawing/2014/main" id="{ACF9D6C3-35CA-4F3A-AB45-A680C596E315}"/>
+              </a:ext>
+            </a:extLst>
+          </p:cNvPr>
+          <p:cNvSpPr txBox="1"/>
+          <p:nvPr/>
+        </p:nvSpPr>
+        <p:spPr>
+          <a:xfrm>
+            <a:off x="569757" y="2441388"/>
+            <a:ext cx="3845859" cy="1477328"/>
+          </a:xfrm>
+          <a:prstGeom prst="rect">
+            <a:avLst/>
+          </a:prstGeom>
+          <a:noFill/>
+        </p:spPr>
+        <p:txBody>
+          <a:bodyPr wrap="square" rtlCol="0">
+            <a:spAutoFit/>
+          </a:bodyPr>
+          <a:lstStyle/>
+          <a:p>
+            <a:r>
+              <a:rPr lang="en-US" dirty="0"/>
+              <a:t>The </a:t>
+            </a:r>
+            <a:r>
+              <a:rPr lang="en-US" dirty="0" err="1"/>
+              <a:t>catalog.json</a:t>
+            </a:r>
+            <a:r>
+              <a:rPr lang="en-US" dirty="0"/>
+              <a:t> file has a logic of maintenance that remove all the device that has a ‘</a:t>
+            </a:r>
+            <a:r>
+              <a:rPr lang="en-US" dirty="0" err="1"/>
+              <a:t>lastUpdate</a:t>
+            </a:r>
+            <a:r>
+              <a:rPr lang="en-US" dirty="0"/>
+              <a:t>’ section with a timestamp older than 120 seconds. </a:t>
+            </a:r>
+          </a:p>
+        </p:txBody>
+      </p:sp>
+      <p:sp>
+        <p:nvSpPr>
+          <p:cNvPr id="7" name="TextBox 6">
+            <a:extLst>
+              <a:ext uri="{FF2B5EF4-FFF2-40B4-BE49-F238E27FC236}">
+                <a16:creationId xmlns:a16="http://schemas.microsoft.com/office/drawing/2014/main" id="{5F6CBCE6-5827-4356-89CE-E8C6B93CEA02}"/>
+              </a:ext>
+            </a:extLst>
+          </p:cNvPr>
+          <p:cNvSpPr txBox="1"/>
+          <p:nvPr/>
+        </p:nvSpPr>
+        <p:spPr>
+          <a:xfrm>
+            <a:off x="6221504" y="1116565"/>
+            <a:ext cx="2725271" cy="3108543"/>
+          </a:xfrm>
+          <a:prstGeom prst="rect">
+            <a:avLst/>
+          </a:prstGeom>
+          <a:noFill/>
+          <a:ln w="19050">
+            <a:solidFill>
+              <a:schemeClr val="tx1"/>
+            </a:solidFill>
+          </a:ln>
+        </p:spPr>
+        <p:txBody>
+          <a:bodyPr wrap="square" rtlCol="0">
+            <a:spAutoFit/>
+          </a:bodyPr>
+          <a:lstStyle/>
+          <a:p>
+            <a:r>
+              <a:rPr lang="it-IT" sz="1400" dirty="0" err="1"/>
+              <a:t>Each</a:t>
+            </a:r>
+            <a:r>
+              <a:rPr lang="it-IT" sz="1400" dirty="0"/>
+              <a:t> </a:t>
+            </a:r>
+            <a:r>
+              <a:rPr lang="it-IT" sz="1400" dirty="0" err="1"/>
+              <a:t>sensor</a:t>
+            </a:r>
+            <a:r>
+              <a:rPr lang="it-IT" sz="1400" dirty="0"/>
+              <a:t> sample with a </a:t>
+            </a:r>
+            <a:r>
+              <a:rPr lang="it-IT" sz="1400" dirty="0" err="1"/>
+              <a:t>period</a:t>
+            </a:r>
+            <a:r>
+              <a:rPr lang="it-IT" sz="1400" dirty="0"/>
+              <a:t> of 5 seconds and </a:t>
+            </a:r>
+            <a:r>
+              <a:rPr lang="it-IT" sz="1400" dirty="0" err="1"/>
+              <a:t>through</a:t>
+            </a:r>
+            <a:r>
+              <a:rPr lang="it-IT" sz="1400" dirty="0"/>
+              <a:t>:</a:t>
+            </a:r>
+          </a:p>
+          <a:p>
+            <a:pPr marL="285750" indent="-285750">
+              <a:buFont typeface="Arial" panose="020B0604020202020204" pitchFamily="34" charset="0"/>
+              <a:buChar char="•"/>
+            </a:pPr>
+            <a:r>
+              <a:rPr lang="it-IT" sz="1400" dirty="0"/>
+              <a:t>The PUT </a:t>
+            </a:r>
+            <a:r>
+              <a:rPr lang="it-IT" sz="1400" dirty="0" err="1"/>
+              <a:t>method</a:t>
+            </a:r>
+            <a:r>
+              <a:rPr lang="it-IT" sz="1400" dirty="0"/>
+              <a:t> Update the Device List with the </a:t>
+            </a:r>
+            <a:r>
+              <a:rPr lang="it-IT" sz="1400" dirty="0" err="1"/>
+              <a:t>value</a:t>
+            </a:r>
+            <a:r>
+              <a:rPr lang="it-IT" sz="1400" dirty="0"/>
+              <a:t> </a:t>
+            </a:r>
+            <a:r>
+              <a:rPr lang="it-IT" sz="1400" dirty="0" err="1"/>
+              <a:t>sampled</a:t>
+            </a:r>
+            <a:r>
+              <a:rPr lang="it-IT" sz="1400" dirty="0"/>
+              <a:t> and the </a:t>
+            </a:r>
+            <a:r>
+              <a:rPr lang="it-IT" sz="1400" dirty="0" err="1"/>
+              <a:t>timestamp</a:t>
+            </a:r>
+            <a:r>
+              <a:rPr lang="it-IT" sz="1400" dirty="0"/>
+              <a:t>.</a:t>
+            </a:r>
+          </a:p>
+          <a:p>
+            <a:pPr marL="285750" indent="-285750">
+              <a:buFont typeface="Arial" panose="020B0604020202020204" pitchFamily="34" charset="0"/>
+              <a:buChar char="•"/>
+            </a:pPr>
+            <a:r>
+              <a:rPr lang="it-IT" sz="1400" dirty="0"/>
+              <a:t>The POST </a:t>
+            </a:r>
+            <a:r>
+              <a:rPr lang="it-IT" sz="1400" dirty="0" err="1"/>
+              <a:t>publish</a:t>
+            </a:r>
+            <a:r>
+              <a:rPr lang="it-IT" sz="1400" dirty="0"/>
+              <a:t> the </a:t>
+            </a:r>
+            <a:r>
+              <a:rPr lang="it-IT" sz="1400" dirty="0" err="1"/>
+              <a:t>json</a:t>
+            </a:r>
+            <a:r>
+              <a:rPr lang="it-IT" sz="1400" dirty="0"/>
+              <a:t> with </a:t>
+            </a:r>
+            <a:r>
+              <a:rPr lang="it-IT" sz="1400" dirty="0" err="1"/>
+              <a:t>all</a:t>
+            </a:r>
+            <a:r>
+              <a:rPr lang="it-IT" sz="1400" dirty="0"/>
+              <a:t> the </a:t>
+            </a:r>
+            <a:r>
+              <a:rPr lang="it-IT" sz="1400" dirty="0" err="1"/>
+              <a:t>useful</a:t>
+            </a:r>
+            <a:r>
+              <a:rPr lang="it-IT" sz="1400" dirty="0"/>
+              <a:t> information </a:t>
+            </a:r>
+            <a:r>
+              <a:rPr lang="it-IT" sz="1400" dirty="0" err="1"/>
+              <a:t>about</a:t>
+            </a:r>
+            <a:r>
+              <a:rPr lang="it-IT" sz="1400" dirty="0"/>
+              <a:t> </a:t>
+            </a:r>
+            <a:r>
+              <a:rPr lang="it-IT" sz="1400" dirty="0" err="1"/>
+              <a:t>it</a:t>
+            </a:r>
+            <a:r>
+              <a:rPr lang="it-IT" sz="1400" dirty="0"/>
+              <a:t>. The </a:t>
+            </a:r>
+            <a:r>
+              <a:rPr lang="it-IT" sz="1400" dirty="0" err="1"/>
+              <a:t>application</a:t>
+            </a:r>
+            <a:r>
+              <a:rPr lang="it-IT" sz="1400" dirty="0"/>
+              <a:t> check </a:t>
+            </a:r>
+            <a:r>
+              <a:rPr lang="it-IT" sz="1400" dirty="0" err="1"/>
+              <a:t>if</a:t>
+            </a:r>
+            <a:r>
+              <a:rPr lang="it-IT" sz="1400" dirty="0"/>
+              <a:t> </a:t>
+            </a:r>
+            <a:r>
+              <a:rPr lang="it-IT" sz="1400" dirty="0" err="1"/>
+              <a:t>it</a:t>
+            </a:r>
+            <a:r>
+              <a:rPr lang="it-IT" sz="1400" dirty="0"/>
+              <a:t> </a:t>
+            </a:r>
+            <a:r>
+              <a:rPr lang="it-IT" sz="1400" dirty="0" err="1"/>
+              <a:t>is</a:t>
+            </a:r>
+            <a:r>
+              <a:rPr lang="it-IT" sz="1400" dirty="0"/>
+              <a:t> </a:t>
+            </a:r>
+            <a:r>
+              <a:rPr lang="it-IT" sz="1400" dirty="0" err="1"/>
+              <a:t>already</a:t>
+            </a:r>
+            <a:r>
+              <a:rPr lang="it-IT" sz="1400" dirty="0"/>
+              <a:t> </a:t>
+            </a:r>
+            <a:r>
+              <a:rPr lang="it-IT" sz="1400" dirty="0" err="1"/>
+              <a:t>present</a:t>
+            </a:r>
+            <a:r>
+              <a:rPr lang="it-IT" sz="1400" dirty="0"/>
+              <a:t> in the list or </a:t>
+            </a:r>
+            <a:r>
+              <a:rPr lang="it-IT" sz="1400" dirty="0" err="1"/>
+              <a:t>not</a:t>
+            </a:r>
+            <a:r>
+              <a:rPr lang="it-IT" sz="1400" dirty="0"/>
+              <a:t> </a:t>
+            </a:r>
+            <a:r>
+              <a:rPr lang="it-IT" sz="1400" dirty="0" err="1"/>
+              <a:t>through</a:t>
+            </a:r>
+            <a:r>
+              <a:rPr lang="it-IT" sz="1400" dirty="0"/>
+              <a:t> </a:t>
+            </a:r>
+            <a:r>
+              <a:rPr lang="it-IT" sz="1400" dirty="0" err="1"/>
+              <a:t>thte</a:t>
+            </a:r>
+            <a:r>
+              <a:rPr lang="it-IT" sz="1400" dirty="0"/>
+              <a:t> Device ID.</a:t>
+            </a:r>
+          </a:p>
+        </p:txBody>
+      </p:sp>
+      <p:sp>
+        <p:nvSpPr>
+          <p:cNvPr id="8" name="TextBox 7">
+            <a:extLst>
+              <a:ext uri="{FF2B5EF4-FFF2-40B4-BE49-F238E27FC236}">
+                <a16:creationId xmlns:a16="http://schemas.microsoft.com/office/drawing/2014/main" id="{1E43F8C3-5BC2-4326-A89B-20EC4C45D80E}"/>
+              </a:ext>
+            </a:extLst>
+          </p:cNvPr>
+          <p:cNvSpPr txBox="1"/>
+          <p:nvPr/>
+        </p:nvSpPr>
+        <p:spPr>
+          <a:xfrm>
+            <a:off x="6221504" y="5226307"/>
+            <a:ext cx="2725271" cy="1169551"/>
+          </a:xfrm>
+          <a:prstGeom prst="rect">
+            <a:avLst/>
+          </a:prstGeom>
+          <a:noFill/>
+          <a:ln w="19050">
+            <a:solidFill>
+              <a:schemeClr val="tx1"/>
+            </a:solidFill>
+          </a:ln>
+        </p:spPr>
+        <p:txBody>
+          <a:bodyPr wrap="square" rtlCol="0">
+            <a:spAutoFit/>
+          </a:bodyPr>
+          <a:lstStyle/>
+          <a:p>
+            <a:r>
+              <a:rPr lang="it-IT" sz="1400" dirty="0" err="1"/>
+              <a:t>If</a:t>
+            </a:r>
+            <a:r>
+              <a:rPr lang="it-IT" sz="1400" dirty="0"/>
+              <a:t> a </a:t>
+            </a:r>
+            <a:r>
+              <a:rPr lang="it-IT" sz="1400" dirty="0" err="1"/>
+              <a:t>sensor</a:t>
+            </a:r>
+            <a:r>
+              <a:rPr lang="it-IT" sz="1400" dirty="0"/>
+              <a:t> </a:t>
+            </a:r>
+            <a:r>
+              <a:rPr lang="it-IT" sz="1400" dirty="0" err="1"/>
+              <a:t>does</a:t>
+            </a:r>
+            <a:r>
+              <a:rPr lang="it-IT" sz="1400" dirty="0"/>
+              <a:t> </a:t>
+            </a:r>
+            <a:r>
+              <a:rPr lang="it-IT" sz="1400" dirty="0" err="1"/>
+              <a:t>not</a:t>
+            </a:r>
+            <a:r>
+              <a:rPr lang="it-IT" sz="1400" dirty="0"/>
+              <a:t> work for more </a:t>
+            </a:r>
+            <a:r>
+              <a:rPr lang="it-IT" sz="1400" dirty="0" err="1"/>
+              <a:t>than</a:t>
+            </a:r>
+            <a:r>
+              <a:rPr lang="it-IT" sz="1400" dirty="0"/>
+              <a:t> 120 seconds, </a:t>
+            </a:r>
+            <a:r>
+              <a:rPr lang="it-IT" sz="1400" dirty="0" err="1"/>
+              <a:t>was</a:t>
+            </a:r>
+            <a:r>
+              <a:rPr lang="it-IT" sz="1400" dirty="0"/>
+              <a:t> </a:t>
+            </a:r>
+            <a:r>
+              <a:rPr lang="it-IT" sz="1400" dirty="0" err="1"/>
+              <a:t>deleted</a:t>
+            </a:r>
+            <a:r>
+              <a:rPr lang="it-IT" sz="1400" dirty="0"/>
+              <a:t> from the Device List </a:t>
+            </a:r>
+            <a:r>
+              <a:rPr lang="it-IT" sz="1400" dirty="0" err="1"/>
+              <a:t>because</a:t>
+            </a:r>
+            <a:r>
+              <a:rPr lang="it-IT" sz="1400" dirty="0"/>
+              <a:t> </a:t>
+            </a:r>
+            <a:r>
+              <a:rPr lang="it-IT" sz="1400" dirty="0" err="1"/>
+              <a:t>it</a:t>
+            </a:r>
+            <a:r>
+              <a:rPr lang="it-IT" sz="1400" dirty="0"/>
+              <a:t> </a:t>
+            </a:r>
+            <a:r>
+              <a:rPr lang="it-IT" sz="1400" dirty="0" err="1"/>
+              <a:t>was</a:t>
+            </a:r>
+            <a:r>
+              <a:rPr lang="it-IT" sz="1400" dirty="0"/>
+              <a:t> </a:t>
+            </a:r>
+            <a:r>
+              <a:rPr lang="it-IT" sz="1400" dirty="0" err="1"/>
+              <a:t>useless</a:t>
+            </a:r>
+            <a:r>
+              <a:rPr lang="it-IT" sz="1400" dirty="0"/>
+              <a:t>, to the </a:t>
+            </a:r>
+            <a:r>
+              <a:rPr lang="it-IT" sz="1400" dirty="0" err="1"/>
+              <a:t>objective</a:t>
+            </a:r>
+            <a:r>
+              <a:rPr lang="it-IT" sz="1400" dirty="0"/>
+              <a:t> of the </a:t>
+            </a:r>
+            <a:r>
+              <a:rPr lang="it-IT" sz="1400" dirty="0" err="1"/>
+              <a:t>application</a:t>
+            </a:r>
+            <a:r>
+              <a:rPr lang="it-IT" sz="1400" dirty="0"/>
+              <a:t>. </a:t>
+            </a:r>
+          </a:p>
+        </p:txBody>
+      </p:sp>
+      <p:cxnSp>
+        <p:nvCxnSpPr>
+          <p:cNvPr id="10" name="Straight Arrow Connector 9">
+            <a:extLst>
+              <a:ext uri="{FF2B5EF4-FFF2-40B4-BE49-F238E27FC236}">
+                <a16:creationId xmlns:a16="http://schemas.microsoft.com/office/drawing/2014/main" id="{3DB990D5-9597-49CA-BE3A-B83CFF9ABED3}"/>
+              </a:ext>
+            </a:extLst>
+          </p:cNvPr>
+          <p:cNvCxnSpPr>
+            <a:stCxn id="7" idx="2"/>
+            <a:endCxn id="8" idx="0"/>
+          </p:cNvCxnSpPr>
+          <p:nvPr/>
+        </p:nvCxnSpPr>
+        <p:spPr>
+          <a:xfrm>
+            <a:off x="7584140" y="4225108"/>
+            <a:ext cx="0" cy="1001199"/>
+          </a:xfrm>
+          <a:prstGeom prst="straightConnector1">
+            <a:avLst/>
+          </a:prstGeom>
+          <a:ln>
+            <a:tailEnd type="triangle"/>
+          </a:ln>
+        </p:spPr>
+        <p:style>
+          <a:lnRef idx="1">
+            <a:schemeClr val="accent1"/>
+          </a:lnRef>
+          <a:fillRef idx="0">
+            <a:schemeClr val="accent1"/>
+          </a:fillRef>
+          <a:effectRef idx="0">
+            <a:schemeClr val="accent1"/>
+          </a:effectRef>
+          <a:fontRef idx="minor">
+            <a:schemeClr val="tx1"/>
+          </a:fontRef>
+        </p:style>
+      </p:cxnSp>
     </p:spTree>
     <p:extLst>
       <p:ext uri="{BB962C8B-B14F-4D97-AF65-F5344CB8AC3E}">

--- a/Materiale Extra/Presentazione del progetto .pptx
+++ b/Materiale Extra/Presentazione del progetto .pptx
@@ -21,8 +21,8 @@
     <p:sldId id="263" r:id="rId15"/>
     <p:sldId id="268" r:id="rId16"/>
     <p:sldId id="264" r:id="rId17"/>
-    <p:sldId id="265" r:id="rId18"/>
-    <p:sldId id="266" r:id="rId19"/>
+    <p:sldId id="266" r:id="rId18"/>
+    <p:sldId id="265" r:id="rId19"/>
     <p:sldId id="267" r:id="rId20"/>
     <p:sldId id="269" r:id="rId21"/>
     <p:sldId id="270" r:id="rId22"/>
@@ -854,7 +854,7 @@
           <a:p>
             <a:fld id="{C1775FA8-FEF5-4078-A009-D10F19796D95}" type="datetimeFigureOut">
               <a:rPr lang="it-IT" smtClean="0"/>
-              <a:t>20/05/2023</a:t>
+              <a:t>30/05/2023</a:t>
             </a:fld>
             <a:endParaRPr lang="it-IT"/>
           </a:p>
@@ -1105,7 +1105,7 @@
           <a:p>
             <a:fld id="{C1775FA8-FEF5-4078-A009-D10F19796D95}" type="datetimeFigureOut">
               <a:rPr lang="it-IT" smtClean="0"/>
-              <a:t>20/05/2023</a:t>
+              <a:t>30/05/2023</a:t>
             </a:fld>
             <a:endParaRPr lang="it-IT"/>
           </a:p>
@@ -1419,7 +1419,7 @@
           <a:p>
             <a:fld id="{C1775FA8-FEF5-4078-A009-D10F19796D95}" type="datetimeFigureOut">
               <a:rPr lang="it-IT" smtClean="0"/>
-              <a:t>20/05/2023</a:t>
+              <a:t>30/05/2023</a:t>
             </a:fld>
             <a:endParaRPr lang="it-IT"/>
           </a:p>
@@ -1760,7 +1760,7 @@
           <a:p>
             <a:fld id="{C1775FA8-FEF5-4078-A009-D10F19796D95}" type="datetimeFigureOut">
               <a:rPr lang="it-IT" smtClean="0"/>
-              <a:t>20/05/2023</a:t>
+              <a:t>30/05/2023</a:t>
             </a:fld>
             <a:endParaRPr lang="it-IT"/>
           </a:p>
@@ -2074,7 +2074,7 @@
           <a:p>
             <a:fld id="{C1775FA8-FEF5-4078-A009-D10F19796D95}" type="datetimeFigureOut">
               <a:rPr lang="it-IT" smtClean="0"/>
-              <a:t>20/05/2023</a:t>
+              <a:t>30/05/2023</a:t>
             </a:fld>
             <a:endParaRPr lang="it-IT"/>
           </a:p>
@@ -2467,7 +2467,7 @@
           <a:p>
             <a:fld id="{C1775FA8-FEF5-4078-A009-D10F19796D95}" type="datetimeFigureOut">
               <a:rPr lang="it-IT" smtClean="0"/>
-              <a:t>20/05/2023</a:t>
+              <a:t>30/05/2023</a:t>
             </a:fld>
             <a:endParaRPr lang="it-IT"/>
           </a:p>
@@ -2637,7 +2637,7 @@
           <a:p>
             <a:fld id="{C1775FA8-FEF5-4078-A009-D10F19796D95}" type="datetimeFigureOut">
               <a:rPr lang="it-IT" smtClean="0"/>
-              <a:t>20/05/2023</a:t>
+              <a:t>30/05/2023</a:t>
             </a:fld>
             <a:endParaRPr lang="it-IT"/>
           </a:p>
@@ -2817,7 +2817,7 @@
           <a:p>
             <a:fld id="{C1775FA8-FEF5-4078-A009-D10F19796D95}" type="datetimeFigureOut">
               <a:rPr lang="it-IT" smtClean="0"/>
-              <a:t>20/05/2023</a:t>
+              <a:t>30/05/2023</a:t>
             </a:fld>
             <a:endParaRPr lang="it-IT"/>
           </a:p>
@@ -2993,7 +2993,7 @@
           <a:p>
             <a:fld id="{C1775FA8-FEF5-4078-A009-D10F19796D95}" type="datetimeFigureOut">
               <a:rPr lang="it-IT" smtClean="0"/>
-              <a:t>20/05/2023</a:t>
+              <a:t>30/05/2023</a:t>
             </a:fld>
             <a:endParaRPr lang="it-IT"/>
           </a:p>
@@ -3240,7 +3240,7 @@
           <a:p>
             <a:fld id="{C1775FA8-FEF5-4078-A009-D10F19796D95}" type="datetimeFigureOut">
               <a:rPr lang="it-IT" smtClean="0"/>
-              <a:t>20/05/2023</a:t>
+              <a:t>30/05/2023</a:t>
             </a:fld>
             <a:endParaRPr lang="it-IT"/>
           </a:p>
@@ -3472,7 +3472,7 @@
           <a:p>
             <a:fld id="{C1775FA8-FEF5-4078-A009-D10F19796D95}" type="datetimeFigureOut">
               <a:rPr lang="it-IT" smtClean="0"/>
-              <a:t>20/05/2023</a:t>
+              <a:t>30/05/2023</a:t>
             </a:fld>
             <a:endParaRPr lang="it-IT"/>
           </a:p>
@@ -3846,7 +3846,7 @@
           <a:p>
             <a:fld id="{C1775FA8-FEF5-4078-A009-D10F19796D95}" type="datetimeFigureOut">
               <a:rPr lang="it-IT" smtClean="0"/>
-              <a:t>20/05/2023</a:t>
+              <a:t>30/05/2023</a:t>
             </a:fld>
             <a:endParaRPr lang="it-IT"/>
           </a:p>
@@ -3969,7 +3969,7 @@
           <a:p>
             <a:fld id="{C1775FA8-FEF5-4078-A009-D10F19796D95}" type="datetimeFigureOut">
               <a:rPr lang="it-IT" smtClean="0"/>
-              <a:t>20/05/2023</a:t>
+              <a:t>30/05/2023</a:t>
             </a:fld>
             <a:endParaRPr lang="it-IT"/>
           </a:p>
@@ -4064,7 +4064,7 @@
           <a:p>
             <a:fld id="{C1775FA8-FEF5-4078-A009-D10F19796D95}" type="datetimeFigureOut">
               <a:rPr lang="it-IT" smtClean="0"/>
-              <a:t>20/05/2023</a:t>
+              <a:t>30/05/2023</a:t>
             </a:fld>
             <a:endParaRPr lang="it-IT"/>
           </a:p>
@@ -4319,7 +4319,7 @@
           <a:p>
             <a:fld id="{C1775FA8-FEF5-4078-A009-D10F19796D95}" type="datetimeFigureOut">
               <a:rPr lang="it-IT" smtClean="0"/>
-              <a:t>20/05/2023</a:t>
+              <a:t>30/05/2023</a:t>
             </a:fld>
             <a:endParaRPr lang="it-IT"/>
           </a:p>
@@ -4582,7 +4582,7 @@
           <a:p>
             <a:fld id="{C1775FA8-FEF5-4078-A009-D10F19796D95}" type="datetimeFigureOut">
               <a:rPr lang="it-IT" smtClean="0"/>
-              <a:t>20/05/2023</a:t>
+              <a:t>30/05/2023</a:t>
             </a:fld>
             <a:endParaRPr lang="it-IT"/>
           </a:p>
@@ -5325,7 +5325,7 @@
           <a:p>
             <a:fld id="{C1775FA8-FEF5-4078-A009-D10F19796D95}" type="datetimeFigureOut">
               <a:rPr lang="it-IT" smtClean="0"/>
-              <a:t>20/05/2023</a:t>
+              <a:t>30/05/2023</a:t>
             </a:fld>
             <a:endParaRPr lang="it-IT"/>
           </a:p>
@@ -11567,28 +11567,52 @@
               <a:buNone/>
             </a:pPr>
             <a:r>
-              <a:rPr lang="it-IT" sz="1600" dirty="0">
-                <a:solidFill>
-                  <a:schemeClr val="tx1"/>
-                </a:solidFill>
-              </a:rPr>
-              <a:t>Compute the </a:t>
-            </a:r>
-            <a:r>
-              <a:rPr lang="it-IT" sz="1600" dirty="0" err="1">
-                <a:solidFill>
-                  <a:schemeClr val="tx1"/>
-                </a:solidFill>
-              </a:rPr>
-              <a:t>percentage</a:t>
-            </a:r>
-            <a:r>
-              <a:rPr lang="it-IT" sz="1600" dirty="0">
-                <a:solidFill>
-                  <a:schemeClr val="tx1"/>
-                </a:solidFill>
-              </a:rPr>
-              <a:t> of </a:t>
+              <a:rPr lang="it-IT" sz="1600" dirty="0" err="1">
+                <a:solidFill>
+                  <a:schemeClr val="tx1"/>
+                </a:solidFill>
+              </a:rPr>
+              <a:t>Send</a:t>
+            </a:r>
+            <a:r>
+              <a:rPr lang="it-IT" sz="1600" dirty="0">
+                <a:solidFill>
+                  <a:schemeClr val="tx1"/>
+                </a:solidFill>
+              </a:rPr>
+              <a:t> </a:t>
+            </a:r>
+            <a:r>
+              <a:rPr lang="it-IT" sz="1600" dirty="0" err="1">
+                <a:solidFill>
+                  <a:schemeClr val="tx1"/>
+                </a:solidFill>
+              </a:rPr>
+              <a:t>Alert</a:t>
+            </a:r>
+            <a:r>
+              <a:rPr lang="it-IT" sz="1600" dirty="0">
+                <a:solidFill>
+                  <a:schemeClr val="tx1"/>
+                </a:solidFill>
+              </a:rPr>
+              <a:t> SMS to the user, </a:t>
+            </a:r>
+            <a:r>
+              <a:rPr lang="it-IT" sz="1600" dirty="0" err="1">
+                <a:solidFill>
+                  <a:schemeClr val="tx1"/>
+                </a:solidFill>
+              </a:rPr>
+              <a:t>about</a:t>
+            </a:r>
+            <a:r>
+              <a:rPr lang="it-IT" sz="1600" dirty="0">
+                <a:solidFill>
+                  <a:schemeClr val="tx1"/>
+                </a:solidFill>
+              </a:rPr>
+              <a:t> the status of the </a:t>
             </a:r>
             <a:r>
               <a:rPr lang="it-IT" sz="1600" dirty="0" err="1">
@@ -11604,103 +11628,7 @@
                   <a:schemeClr val="tx1"/>
                 </a:solidFill>
               </a:rPr>
-              <a:t> </a:t>
-            </a:r>
-            <a:r>
-              <a:rPr lang="it-IT" sz="1600" dirty="0" err="1">
-                <a:solidFill>
-                  <a:schemeClr val="tx1"/>
-                </a:solidFill>
-              </a:rPr>
-              <a:t>necessary</a:t>
-            </a:r>
-            <a:r>
-              <a:rPr lang="it-IT" sz="1600" dirty="0">
-                <a:solidFill>
-                  <a:schemeClr val="tx1"/>
-                </a:solidFill>
-              </a:rPr>
-              <a:t> for the users </a:t>
-            </a:r>
-            <a:r>
-              <a:rPr lang="it-IT" sz="1600" dirty="0" err="1">
-                <a:solidFill>
-                  <a:schemeClr val="tx1"/>
-                </a:solidFill>
-              </a:rPr>
-              <a:t>during</a:t>
-            </a:r>
-            <a:r>
-              <a:rPr lang="it-IT" sz="1600" dirty="0">
-                <a:solidFill>
-                  <a:schemeClr val="tx1"/>
-                </a:solidFill>
-              </a:rPr>
-              <a:t> </a:t>
-            </a:r>
-            <a:r>
-              <a:rPr lang="it-IT" sz="1600" dirty="0" err="1">
-                <a:solidFill>
-                  <a:schemeClr val="tx1"/>
-                </a:solidFill>
-              </a:rPr>
-              <a:t>this</a:t>
-            </a:r>
-            <a:r>
-              <a:rPr lang="it-IT" sz="1600" dirty="0">
-                <a:solidFill>
-                  <a:schemeClr val="tx1"/>
-                </a:solidFill>
-              </a:rPr>
-              <a:t> day, </a:t>
-            </a:r>
-            <a:r>
-              <a:rPr lang="it-IT" sz="1600" dirty="0" err="1">
-                <a:solidFill>
-                  <a:schemeClr val="tx1"/>
-                </a:solidFill>
-              </a:rPr>
-              <a:t>according</a:t>
-            </a:r>
-            <a:r>
-              <a:rPr lang="it-IT" sz="1600" dirty="0">
-                <a:solidFill>
-                  <a:schemeClr val="tx1"/>
-                </a:solidFill>
-              </a:rPr>
-              <a:t> to the </a:t>
-            </a:r>
-            <a:r>
-              <a:rPr lang="it-IT" sz="1600" dirty="0" err="1">
-                <a:solidFill>
-                  <a:schemeClr val="tx1"/>
-                </a:solidFill>
-              </a:rPr>
-              <a:t>battery</a:t>
-            </a:r>
-            <a:r>
-              <a:rPr lang="it-IT" sz="1600" dirty="0">
-                <a:solidFill>
-                  <a:schemeClr val="tx1"/>
-                </a:solidFill>
-              </a:rPr>
-              <a:t> </a:t>
-            </a:r>
-            <a:r>
-              <a:rPr lang="it-IT" sz="1600" dirty="0" err="1">
-                <a:solidFill>
-                  <a:schemeClr val="tx1"/>
-                </a:solidFill>
-              </a:rPr>
-              <a:t>characteristics</a:t>
-            </a:r>
-            <a:r>
-              <a:rPr lang="it-IT" sz="1600" dirty="0">
-                <a:solidFill>
-                  <a:schemeClr val="tx1"/>
-                </a:solidFill>
-              </a:rPr>
-              <a:t> and the personal commitments.</a:t>
+              <a:t>.</a:t>
             </a:r>
           </a:p>
         </p:txBody>
@@ -12460,78 +12388,6 @@
           <p:cNvPr id="2" name="Title 1">
             <a:extLst>
               <a:ext uri="{FF2B5EF4-FFF2-40B4-BE49-F238E27FC236}">
-                <a16:creationId xmlns:a16="http://schemas.microsoft.com/office/drawing/2014/main" id="{77BC3930-B11C-B4C8-CFAC-0FB08E550117}"/>
-              </a:ext>
-            </a:extLst>
-          </p:cNvPr>
-          <p:cNvSpPr>
-            <a:spLocks noGrp="1"/>
-          </p:cNvSpPr>
-          <p:nvPr>
-            <p:ph type="title"/>
-          </p:nvPr>
-        </p:nvSpPr>
-        <p:spPr/>
-        <p:txBody>
-          <a:bodyPr/>
-          <a:lstStyle/>
-          <a:p>
-            <a:pPr algn="ctr"/>
-            <a:r>
-              <a:rPr lang="it-IT" dirty="0"/>
-              <a:t>Data </a:t>
-            </a:r>
-            <a:r>
-              <a:rPr lang="it-IT" dirty="0" err="1"/>
-              <a:t>Analisys</a:t>
-            </a:r>
-            <a:r>
-              <a:rPr lang="it-IT" dirty="0"/>
-              <a:t> &amp; </a:t>
-            </a:r>
-            <a:r>
-              <a:rPr lang="it-IT" dirty="0" err="1"/>
-              <a:t>ThingSpeak</a:t>
-            </a:r>
-            <a:endParaRPr lang="it-IT" dirty="0"/>
-          </a:p>
-        </p:txBody>
-      </p:sp>
-    </p:spTree>
-    <p:extLst>
-      <p:ext uri="{BB962C8B-B14F-4D97-AF65-F5344CB8AC3E}">
-        <p14:creationId xmlns:p14="http://schemas.microsoft.com/office/powerpoint/2010/main" val="2452805005"/>
-      </p:ext>
-    </p:extLst>
-  </p:cSld>
-  <p:clrMapOvr>
-    <a:masterClrMapping/>
-  </p:clrMapOvr>
-</p:sld>
-</file>
-
-<file path=ppt/slides/slide18.xml><?xml version="1.0" encoding="utf-8"?>
-<p:sld xmlns:a="http://schemas.openxmlformats.org/drawingml/2006/main" xmlns:r="http://schemas.openxmlformats.org/officeDocument/2006/relationships" xmlns:p="http://schemas.openxmlformats.org/presentationml/2006/main">
-  <p:cSld>
-    <p:spTree>
-      <p:nvGrpSpPr>
-        <p:cNvPr id="1" name=""/>
-        <p:cNvGrpSpPr/>
-        <p:nvPr/>
-      </p:nvGrpSpPr>
-      <p:grpSpPr>
-        <a:xfrm>
-          <a:off x="0" y="0"/>
-          <a:ext cx="0" cy="0"/>
-          <a:chOff x="0" y="0"/>
-          <a:chExt cx="0" cy="0"/>
-        </a:xfrm>
-      </p:grpSpPr>
-      <p:sp>
-        <p:nvSpPr>
-          <p:cNvPr id="2" name="Title 1">
-            <a:extLst>
-              <a:ext uri="{FF2B5EF4-FFF2-40B4-BE49-F238E27FC236}">
                 <a16:creationId xmlns:a16="http://schemas.microsoft.com/office/drawing/2014/main" id="{10DD3155-2DEF-DCFE-ADCC-0E413E96D207}"/>
               </a:ext>
             </a:extLst>
@@ -13413,6 +13269,78 @@
     <p:extLst>
       <p:ext uri="{BB962C8B-B14F-4D97-AF65-F5344CB8AC3E}">
         <p14:creationId xmlns:p14="http://schemas.microsoft.com/office/powerpoint/2010/main" val="553765630"/>
+      </p:ext>
+    </p:extLst>
+  </p:cSld>
+  <p:clrMapOvr>
+    <a:masterClrMapping/>
+  </p:clrMapOvr>
+</p:sld>
+</file>
+
+<file path=ppt/slides/slide18.xml><?xml version="1.0" encoding="utf-8"?>
+<p:sld xmlns:a="http://schemas.openxmlformats.org/drawingml/2006/main" xmlns:r="http://schemas.openxmlformats.org/officeDocument/2006/relationships" xmlns:p="http://schemas.openxmlformats.org/presentationml/2006/main">
+  <p:cSld>
+    <p:spTree>
+      <p:nvGrpSpPr>
+        <p:cNvPr id="1" name=""/>
+        <p:cNvGrpSpPr/>
+        <p:nvPr/>
+      </p:nvGrpSpPr>
+      <p:grpSpPr>
+        <a:xfrm>
+          <a:off x="0" y="0"/>
+          <a:ext cx="0" cy="0"/>
+          <a:chOff x="0" y="0"/>
+          <a:chExt cx="0" cy="0"/>
+        </a:xfrm>
+      </p:grpSpPr>
+      <p:sp>
+        <p:nvSpPr>
+          <p:cNvPr id="2" name="Title 1">
+            <a:extLst>
+              <a:ext uri="{FF2B5EF4-FFF2-40B4-BE49-F238E27FC236}">
+                <a16:creationId xmlns:a16="http://schemas.microsoft.com/office/drawing/2014/main" id="{77BC3930-B11C-B4C8-CFAC-0FB08E550117}"/>
+              </a:ext>
+            </a:extLst>
+          </p:cNvPr>
+          <p:cNvSpPr>
+            <a:spLocks noGrp="1"/>
+          </p:cNvSpPr>
+          <p:nvPr>
+            <p:ph type="title"/>
+          </p:nvPr>
+        </p:nvSpPr>
+        <p:spPr/>
+        <p:txBody>
+          <a:bodyPr/>
+          <a:lstStyle/>
+          <a:p>
+            <a:pPr algn="ctr"/>
+            <a:r>
+              <a:rPr lang="it-IT" dirty="0"/>
+              <a:t>Data </a:t>
+            </a:r>
+            <a:r>
+              <a:rPr lang="it-IT" dirty="0" err="1"/>
+              <a:t>Analisys</a:t>
+            </a:r>
+            <a:r>
+              <a:rPr lang="it-IT" dirty="0"/>
+              <a:t> &amp; </a:t>
+            </a:r>
+            <a:r>
+              <a:rPr lang="it-IT" dirty="0" err="1"/>
+              <a:t>ThingSpeak</a:t>
+            </a:r>
+            <a:endParaRPr lang="it-IT" dirty="0"/>
+          </a:p>
+        </p:txBody>
+      </p:sp>
+    </p:spTree>
+    <p:extLst>
+      <p:ext uri="{BB962C8B-B14F-4D97-AF65-F5344CB8AC3E}">
+        <p14:creationId xmlns:p14="http://schemas.microsoft.com/office/powerpoint/2010/main" val="2452805005"/>
       </p:ext>
     </p:extLst>
   </p:cSld>

--- a/Materiale Extra/Presentazione del progetto .pptx
+++ b/Materiale Extra/Presentazione del progetto .pptx
@@ -17,15 +17,22 @@
     <p:sldId id="277" r:id="rId11"/>
     <p:sldId id="278" r:id="rId12"/>
     <p:sldId id="274" r:id="rId13"/>
-    <p:sldId id="262" r:id="rId14"/>
-    <p:sldId id="263" r:id="rId15"/>
-    <p:sldId id="268" r:id="rId16"/>
-    <p:sldId id="264" r:id="rId17"/>
-    <p:sldId id="266" r:id="rId18"/>
-    <p:sldId id="265" r:id="rId19"/>
-    <p:sldId id="267" r:id="rId20"/>
-    <p:sldId id="269" r:id="rId21"/>
-    <p:sldId id="270" r:id="rId22"/>
+    <p:sldId id="279" r:id="rId14"/>
+    <p:sldId id="283" r:id="rId15"/>
+    <p:sldId id="281" r:id="rId16"/>
+    <p:sldId id="284" r:id="rId17"/>
+    <p:sldId id="280" r:id="rId18"/>
+    <p:sldId id="282" r:id="rId19"/>
+    <p:sldId id="285" r:id="rId20"/>
+    <p:sldId id="286" r:id="rId21"/>
+    <p:sldId id="263" r:id="rId22"/>
+    <p:sldId id="268" r:id="rId23"/>
+    <p:sldId id="264" r:id="rId24"/>
+    <p:sldId id="266" r:id="rId25"/>
+    <p:sldId id="265" r:id="rId26"/>
+    <p:sldId id="267" r:id="rId27"/>
+    <p:sldId id="269" r:id="rId28"/>
+    <p:sldId id="270" r:id="rId29"/>
   </p:sldIdLst>
   <p:sldSz cx="12192000" cy="6858000"/>
   <p:notesSz cx="6858000" cy="9144000"/>
@@ -6219,7 +6226,7 @@
                   <a:schemeClr val="tx1"/>
                 </a:solidFill>
               </a:rPr>
-              <a:t>Carlo Simone</a:t>
+              <a:t>Carlo Simone s297278</a:t>
             </a:r>
           </a:p>
           <a:p>
@@ -8618,14 +8625,237 @@
               <a:rPr lang="it-IT" dirty="0" err="1"/>
               <a:t>Connectors</a:t>
             </a:r>
+            <a:r>
+              <a:rPr lang="it-IT" dirty="0"/>
+              <a:t>: </a:t>
+            </a:r>
+            <a:r>
+              <a:rPr lang="it-IT" dirty="0" err="1"/>
+              <a:t>sensors</a:t>
+            </a:r>
             <a:endParaRPr lang="it-IT" dirty="0"/>
+          </a:p>
+        </p:txBody>
+      </p:sp>
+      <p:sp>
+        <p:nvSpPr>
+          <p:cNvPr id="3" name="Segnaposto contenuto 2">
+            <a:extLst>
+              <a:ext uri="{FF2B5EF4-FFF2-40B4-BE49-F238E27FC236}">
+                <a16:creationId xmlns:a16="http://schemas.microsoft.com/office/drawing/2014/main" id="{2BAF9DBD-089A-2408-D363-8C46A70A6D86}"/>
+              </a:ext>
+            </a:extLst>
+          </p:cNvPr>
+          <p:cNvSpPr>
+            <a:spLocks noGrp="1"/>
+          </p:cNvSpPr>
+          <p:nvPr>
+            <p:ph idx="1"/>
+          </p:nvPr>
+        </p:nvSpPr>
+        <p:spPr>
+          <a:xfrm>
+            <a:off x="998176" y="1488613"/>
+            <a:ext cx="8596668" cy="3880773"/>
+          </a:xfrm>
+        </p:spPr>
+        <p:txBody>
+          <a:bodyPr>
+            <a:normAutofit fontScale="92500"/>
+          </a:bodyPr>
+          <a:lstStyle/>
+          <a:p>
+            <a:pPr marL="0" indent="0">
+              <a:buNone/>
+            </a:pPr>
+            <a:r>
+              <a:rPr lang="it-IT" sz="2800" dirty="0" err="1"/>
+              <a:t>Each</a:t>
+            </a:r>
+            <a:r>
+              <a:rPr lang="it-IT" sz="2800" dirty="0"/>
+              <a:t> </a:t>
+            </a:r>
+            <a:r>
+              <a:rPr lang="it-IT" sz="2800" dirty="0" err="1"/>
+              <a:t>sensor</a:t>
+            </a:r>
+            <a:r>
+              <a:rPr lang="it-IT" sz="2800" dirty="0"/>
+              <a:t> </a:t>
+            </a:r>
+            <a:r>
+              <a:rPr lang="it-IT" sz="2800" dirty="0" err="1"/>
+              <a:t>uses</a:t>
+            </a:r>
+            <a:r>
+              <a:rPr lang="it-IT" sz="2800" dirty="0"/>
+              <a:t>:</a:t>
+            </a:r>
+          </a:p>
+          <a:p>
+            <a:r>
+              <a:rPr lang="it-IT" sz="2800" dirty="0"/>
+              <a:t>REST: to </a:t>
+            </a:r>
+            <a:r>
+              <a:rPr lang="it-IT" sz="2800" dirty="0" err="1"/>
+              <a:t>communicate</a:t>
+            </a:r>
+            <a:r>
+              <a:rPr lang="it-IT" sz="2800" dirty="0"/>
+              <a:t> with the server and update the </a:t>
+            </a:r>
+            <a:r>
+              <a:rPr lang="it-IT" sz="2800" dirty="0" err="1"/>
+              <a:t>catalog</a:t>
+            </a:r>
+            <a:r>
+              <a:rPr lang="it-IT" sz="2800" dirty="0"/>
+              <a:t> </a:t>
+            </a:r>
+            <a:r>
+              <a:rPr lang="it-IT" sz="2800" dirty="0" err="1"/>
+              <a:t>at</a:t>
+            </a:r>
+            <a:r>
+              <a:rPr lang="it-IT" sz="2800" dirty="0"/>
+              <a:t> </a:t>
+            </a:r>
+            <a:r>
+              <a:rPr lang="it-IT" sz="2800" dirty="0" err="1"/>
+              <a:t>each</a:t>
+            </a:r>
+            <a:r>
+              <a:rPr lang="it-IT" sz="2800" dirty="0"/>
+              <a:t> new </a:t>
+            </a:r>
+            <a:r>
+              <a:rPr lang="it-IT" sz="2800" dirty="0" err="1"/>
+              <a:t>occurrence</a:t>
+            </a:r>
+            <a:r>
+              <a:rPr lang="it-IT" sz="2800" dirty="0"/>
+              <a:t> of a </a:t>
+            </a:r>
+            <a:r>
+              <a:rPr lang="it-IT" sz="2800" dirty="0" err="1"/>
+              <a:t>measurement</a:t>
+            </a:r>
+            <a:endParaRPr lang="it-IT" sz="2800" dirty="0"/>
+          </a:p>
+          <a:p>
+            <a:r>
+              <a:rPr lang="it-IT" sz="2800" dirty="0"/>
+              <a:t>MQTT: to </a:t>
+            </a:r>
+            <a:r>
+              <a:rPr lang="it-IT" sz="2800" dirty="0" err="1"/>
+              <a:t>transmit</a:t>
+            </a:r>
+            <a:r>
+              <a:rPr lang="it-IT" sz="2800" dirty="0"/>
+              <a:t> the </a:t>
+            </a:r>
+            <a:r>
+              <a:rPr lang="it-IT" sz="2800" dirty="0" err="1"/>
+              <a:t>values</a:t>
+            </a:r>
+            <a:r>
+              <a:rPr lang="it-IT" sz="2800" dirty="0"/>
+              <a:t> </a:t>
+            </a:r>
+            <a:r>
+              <a:rPr lang="it-IT" sz="2800" dirty="0" err="1"/>
+              <a:t>detected</a:t>
+            </a:r>
+            <a:r>
+              <a:rPr lang="it-IT" sz="2800" dirty="0"/>
+              <a:t> to the </a:t>
+            </a:r>
+            <a:r>
+              <a:rPr lang="it-IT" sz="2800" dirty="0" err="1"/>
+              <a:t>actors</a:t>
+            </a:r>
+            <a:r>
+              <a:rPr lang="it-IT" sz="2800" dirty="0"/>
+              <a:t> </a:t>
+            </a:r>
+            <a:r>
+              <a:rPr lang="it-IT" sz="2800" dirty="0" err="1"/>
+              <a:t>that</a:t>
+            </a:r>
+            <a:r>
+              <a:rPr lang="it-IT" sz="2800" dirty="0"/>
+              <a:t> use </a:t>
+            </a:r>
+            <a:r>
+              <a:rPr lang="it-IT" sz="2800" dirty="0" err="1"/>
+              <a:t>them</a:t>
+            </a:r>
+            <a:r>
+              <a:rPr lang="it-IT" sz="2800" dirty="0"/>
+              <a:t> (control strategy, </a:t>
+            </a:r>
+            <a:r>
+              <a:rPr lang="it-IT" sz="2800" dirty="0" err="1"/>
+              <a:t>ThingSpeak</a:t>
+            </a:r>
+            <a:r>
+              <a:rPr lang="it-IT" sz="2800" dirty="0"/>
+              <a:t>)</a:t>
+            </a:r>
+          </a:p>
+          <a:p>
+            <a:endParaRPr lang="it-IT" sz="2800" dirty="0"/>
+          </a:p>
+          <a:p>
+            <a:pPr marL="0" indent="0">
+              <a:buNone/>
+            </a:pPr>
+            <a:r>
+              <a:rPr lang="it-IT" sz="2800" dirty="0"/>
+              <a:t>In </a:t>
+            </a:r>
+            <a:r>
+              <a:rPr lang="it-IT" sz="2800" dirty="0" err="1"/>
+              <a:t>order</a:t>
+            </a:r>
+            <a:r>
+              <a:rPr lang="it-IT" sz="2800" dirty="0"/>
+              <a:t> to do </a:t>
+            </a:r>
+            <a:r>
+              <a:rPr lang="it-IT" sz="2800" dirty="0" err="1"/>
+              <a:t>this</a:t>
+            </a:r>
+            <a:r>
+              <a:rPr lang="it-IT" sz="2800" dirty="0"/>
+              <a:t>, some </a:t>
+            </a:r>
+            <a:r>
+              <a:rPr lang="it-IT" sz="2800" dirty="0" err="1"/>
+              <a:t>different</a:t>
+            </a:r>
+            <a:r>
+              <a:rPr lang="it-IT" sz="2800" dirty="0"/>
+              <a:t> Python classes are </a:t>
+            </a:r>
+            <a:r>
+              <a:rPr lang="it-IT" sz="2800" dirty="0" err="1"/>
+              <a:t>used</a:t>
+            </a:r>
+            <a:r>
+              <a:rPr lang="it-IT" sz="2800" dirty="0"/>
+              <a:t>.</a:t>
+            </a:r>
           </a:p>
         </p:txBody>
       </p:sp>
     </p:spTree>
     <p:extLst>
       <p:ext uri="{BB962C8B-B14F-4D97-AF65-F5344CB8AC3E}">
-        <p14:creationId xmlns:p14="http://schemas.microsoft.com/office/powerpoint/2010/main" val="505351065"/>
+        <p14:creationId xmlns:p14="http://schemas.microsoft.com/office/powerpoint/2010/main" val="1767613482"/>
       </p:ext>
     </p:extLst>
   </p:cSld>
@@ -8636,6 +8866,5481 @@
 </file>
 
 <file path=ppt/slides/slide14.xml><?xml version="1.0" encoding="utf-8"?>
+<p:sld xmlns:a="http://schemas.openxmlformats.org/drawingml/2006/main" xmlns:r="http://schemas.openxmlformats.org/officeDocument/2006/relationships" xmlns:p="http://schemas.openxmlformats.org/presentationml/2006/main">
+  <p:cSld>
+    <p:spTree>
+      <p:nvGrpSpPr>
+        <p:cNvPr id="1" name=""/>
+        <p:cNvGrpSpPr/>
+        <p:nvPr/>
+      </p:nvGrpSpPr>
+      <p:grpSpPr>
+        <a:xfrm>
+          <a:off x="0" y="0"/>
+          <a:ext cx="0" cy="0"/>
+          <a:chOff x="0" y="0"/>
+          <a:chExt cx="0" cy="0"/>
+        </a:xfrm>
+      </p:grpSpPr>
+      <p:sp>
+        <p:nvSpPr>
+          <p:cNvPr id="2" name="Titolo 1">
+            <a:extLst>
+              <a:ext uri="{FF2B5EF4-FFF2-40B4-BE49-F238E27FC236}">
+                <a16:creationId xmlns:a16="http://schemas.microsoft.com/office/drawing/2014/main" id="{CB78F2BA-9AC1-8F8D-EC3F-C640325510FD}"/>
+              </a:ext>
+            </a:extLst>
+          </p:cNvPr>
+          <p:cNvSpPr>
+            <a:spLocks noGrp="1"/>
+          </p:cNvSpPr>
+          <p:nvPr>
+            <p:ph type="title"/>
+          </p:nvPr>
+        </p:nvSpPr>
+        <p:spPr/>
+        <p:txBody>
+          <a:bodyPr/>
+          <a:lstStyle/>
+          <a:p>
+            <a:r>
+              <a:rPr lang="it-IT" dirty="0" err="1"/>
+              <a:t>Sensors</a:t>
+            </a:r>
+            <a:r>
+              <a:rPr lang="it-IT" dirty="0"/>
+              <a:t> </a:t>
+            </a:r>
+            <a:r>
+              <a:rPr lang="it-IT" dirty="0" err="1"/>
+              <a:t>taxonomy</a:t>
+            </a:r>
+            <a:endParaRPr lang="it-IT" dirty="0"/>
+          </a:p>
+        </p:txBody>
+      </p:sp>
+      <p:graphicFrame>
+        <p:nvGraphicFramePr>
+          <p:cNvPr id="3" name="Tabella 4">
+            <a:extLst>
+              <a:ext uri="{FF2B5EF4-FFF2-40B4-BE49-F238E27FC236}">
+                <a16:creationId xmlns:a16="http://schemas.microsoft.com/office/drawing/2014/main" id="{D947C8A7-4FA6-6C2E-693E-7FC59A660AF1}"/>
+              </a:ext>
+            </a:extLst>
+          </p:cNvPr>
+          <p:cNvGraphicFramePr>
+            <a:graphicFrameLocks/>
+          </p:cNvGraphicFramePr>
+          <p:nvPr/>
+        </p:nvGraphicFramePr>
+        <p:xfrm>
+          <a:off x="713572" y="1519645"/>
+          <a:ext cx="10801093" cy="3322320"/>
+        </p:xfrm>
+        <a:graphic>
+          <a:graphicData uri="http://schemas.openxmlformats.org/drawingml/2006/table">
+            <a:tbl>
+              <a:tblPr firstRow="1" bandRow="1">
+                <a:tableStyleId>{5C22544A-7EE6-4342-B048-85BDC9FD1C3A}</a:tableStyleId>
+              </a:tblPr>
+              <a:tblGrid>
+                <a:gridCol w="1232674">
+                  <a:extLst>
+                    <a:ext uri="{9D8B030D-6E8A-4147-A177-3AD203B41FA5}">
+                      <a16:colId xmlns:a16="http://schemas.microsoft.com/office/drawing/2014/main" val="4291415236"/>
+                    </a:ext>
+                  </a:extLst>
+                </a:gridCol>
+                <a:gridCol w="1501629">
+                  <a:extLst>
+                    <a:ext uri="{9D8B030D-6E8A-4147-A177-3AD203B41FA5}">
+                      <a16:colId xmlns:a16="http://schemas.microsoft.com/office/drawing/2014/main" val="3855231606"/>
+                    </a:ext>
+                  </a:extLst>
+                </a:gridCol>
+                <a:gridCol w="1149292">
+                  <a:extLst>
+                    <a:ext uri="{9D8B030D-6E8A-4147-A177-3AD203B41FA5}">
+                      <a16:colId xmlns:a16="http://schemas.microsoft.com/office/drawing/2014/main" val="3519135861"/>
+                    </a:ext>
+                  </a:extLst>
+                </a:gridCol>
+                <a:gridCol w="2939761">
+                  <a:extLst>
+                    <a:ext uri="{9D8B030D-6E8A-4147-A177-3AD203B41FA5}">
+                      <a16:colId xmlns:a16="http://schemas.microsoft.com/office/drawing/2014/main" val="2899806718"/>
+                    </a:ext>
+                  </a:extLst>
+                </a:gridCol>
+                <a:gridCol w="3977737">
+                  <a:extLst>
+                    <a:ext uri="{9D8B030D-6E8A-4147-A177-3AD203B41FA5}">
+                      <a16:colId xmlns:a16="http://schemas.microsoft.com/office/drawing/2014/main" val="2616642421"/>
+                    </a:ext>
+                  </a:extLst>
+                </a:gridCol>
+              </a:tblGrid>
+              <a:tr h="370840">
+                <a:tc>
+                  <a:txBody>
+                    <a:bodyPr/>
+                    <a:lstStyle/>
+                    <a:p>
+                      <a:r>
+                        <a:rPr lang="it-IT" sz="1400" dirty="0"/>
+                        <a:t>MEASURED QUANTITY</a:t>
+                      </a:r>
+                    </a:p>
+                  </a:txBody>
+                  <a:tcPr/>
+                </a:tc>
+                <a:tc>
+                  <a:txBody>
+                    <a:bodyPr/>
+                    <a:lstStyle/>
+                    <a:p>
+                      <a:r>
+                        <a:rPr lang="it-IT" sz="1400" dirty="0"/>
+                        <a:t>MEASUREMENT UNIT</a:t>
+                      </a:r>
+                    </a:p>
+                  </a:txBody>
+                  <a:tcPr/>
+                </a:tc>
+                <a:tc>
+                  <a:txBody>
+                    <a:bodyPr/>
+                    <a:lstStyle/>
+                    <a:p>
+                      <a:r>
+                        <a:rPr lang="it-IT" sz="1400" dirty="0"/>
+                        <a:t>SIMULATED</a:t>
+                      </a:r>
+                    </a:p>
+                  </a:txBody>
+                  <a:tcPr/>
+                </a:tc>
+                <a:tc>
+                  <a:txBody>
+                    <a:bodyPr/>
+                    <a:lstStyle/>
+                    <a:p>
+                      <a:r>
+                        <a:rPr lang="it-IT" sz="1400" dirty="0"/>
+                        <a:t>MQTT </a:t>
+                      </a:r>
+                      <a:r>
+                        <a:rPr lang="it-IT" sz="1400" dirty="0" err="1"/>
+                        <a:t>topic</a:t>
+                      </a:r>
+                      <a:r>
+                        <a:rPr lang="it-IT" sz="1400" dirty="0"/>
+                        <a:t> (after …/</a:t>
+                      </a:r>
+                      <a:r>
+                        <a:rPr lang="it-IT" sz="1400" dirty="0" err="1">
+                          <a:latin typeface="Courier New" panose="02070309020205020404" pitchFamily="49" charset="0"/>
+                          <a:cs typeface="Courier New" panose="02070309020205020404" pitchFamily="49" charset="0"/>
+                        </a:rPr>
+                        <a:t>sensor</a:t>
+                      </a:r>
+                      <a:r>
+                        <a:rPr lang="it-IT" sz="1400" dirty="0"/>
+                        <a:t>)</a:t>
+                      </a:r>
+                    </a:p>
+                  </a:txBody>
+                  <a:tcPr/>
+                </a:tc>
+                <a:tc>
+                  <a:txBody>
+                    <a:bodyPr/>
+                    <a:lstStyle/>
+                    <a:p>
+                      <a:r>
+                        <a:rPr lang="it-IT" sz="1400" dirty="0" err="1"/>
+                        <a:t>Usage</a:t>
+                      </a:r>
+                      <a:endParaRPr lang="it-IT" sz="1400" dirty="0"/>
+                    </a:p>
+                  </a:txBody>
+                  <a:tcPr/>
+                </a:tc>
+                <a:extLst>
+                  <a:ext uri="{0D108BD9-81ED-4DB2-BD59-A6C34878D82A}">
+                    <a16:rowId xmlns:a16="http://schemas.microsoft.com/office/drawing/2014/main" val="3059068130"/>
+                  </a:ext>
+                </a:extLst>
+              </a:tr>
+              <a:tr h="370840">
+                <a:tc>
+                  <a:txBody>
+                    <a:bodyPr/>
+                    <a:lstStyle/>
+                    <a:p>
+                      <a:r>
+                        <a:rPr lang="it-IT" sz="1400" dirty="0"/>
+                        <a:t>Temperature</a:t>
+                      </a:r>
+                    </a:p>
+                  </a:txBody>
+                  <a:tcPr/>
+                </a:tc>
+                <a:tc>
+                  <a:txBody>
+                    <a:bodyPr/>
+                    <a:lstStyle/>
+                    <a:p>
+                      <a:r>
+                        <a:rPr lang="it-IT" sz="1400" dirty="0"/>
+                        <a:t>Celsius degrees (°C)</a:t>
+                      </a:r>
+                    </a:p>
+                  </a:txBody>
+                  <a:tcPr/>
+                </a:tc>
+                <a:tc>
+                  <a:txBody>
+                    <a:bodyPr/>
+                    <a:lstStyle/>
+                    <a:p>
+                      <a:r>
+                        <a:rPr lang="it-IT" sz="1400" dirty="0"/>
+                        <a:t>Yes or no</a:t>
+                      </a:r>
+                    </a:p>
+                  </a:txBody>
+                  <a:tcPr/>
+                </a:tc>
+                <a:tc>
+                  <a:txBody>
+                    <a:bodyPr/>
+                    <a:lstStyle/>
+                    <a:p>
+                      <a:r>
+                        <a:rPr lang="it-IT" sz="1400" dirty="0">
+                          <a:latin typeface="Courier New" panose="02070309020205020404" pitchFamily="49" charset="0"/>
+                          <a:cs typeface="Courier New" panose="02070309020205020404" pitchFamily="49" charset="0"/>
+                        </a:rPr>
+                        <a:t>/temperature </a:t>
+                      </a:r>
+                      <a:r>
+                        <a:rPr lang="it-IT" sz="1400" dirty="0"/>
+                        <a:t>(</a:t>
+                      </a:r>
+                      <a:r>
+                        <a:rPr lang="it-IT" sz="1400" dirty="0" err="1"/>
+                        <a:t>environment</a:t>
+                      </a:r>
+                      <a:r>
+                        <a:rPr lang="it-IT" sz="1400" dirty="0"/>
+                        <a:t>)</a:t>
+                      </a:r>
+                    </a:p>
+                    <a:p>
+                      <a:r>
+                        <a:rPr lang="it-IT" sz="1400" dirty="0">
+                          <a:latin typeface="Courier New" panose="02070309020205020404" pitchFamily="49" charset="0"/>
+                          <a:cs typeface="Courier New" panose="02070309020205020404" pitchFamily="49" charset="0"/>
+                        </a:rPr>
+                        <a:t>/</a:t>
+                      </a:r>
+                      <a:r>
+                        <a:rPr lang="it-IT" sz="1400" dirty="0" err="1">
+                          <a:latin typeface="Courier New" panose="02070309020205020404" pitchFamily="49" charset="0"/>
+                          <a:cs typeface="Courier New" panose="02070309020205020404" pitchFamily="49" charset="0"/>
+                        </a:rPr>
+                        <a:t>temperatureB</a:t>
+                      </a:r>
+                      <a:r>
+                        <a:rPr lang="it-IT" sz="1400" dirty="0">
+                          <a:latin typeface="Courier New" panose="02070309020205020404" pitchFamily="49" charset="0"/>
+                          <a:cs typeface="Courier New" panose="02070309020205020404" pitchFamily="49" charset="0"/>
+                        </a:rPr>
+                        <a:t> </a:t>
+                      </a:r>
+                      <a:r>
+                        <a:rPr lang="it-IT" sz="1400" dirty="0"/>
+                        <a:t>(</a:t>
+                      </a:r>
+                      <a:r>
+                        <a:rPr lang="it-IT" sz="1400" dirty="0" err="1"/>
+                        <a:t>battery</a:t>
+                      </a:r>
+                      <a:r>
+                        <a:rPr lang="it-IT" sz="1400" dirty="0"/>
+                        <a:t>)</a:t>
+                      </a:r>
+                    </a:p>
+                  </a:txBody>
+                  <a:tcPr/>
+                </a:tc>
+                <a:tc>
+                  <a:txBody>
+                    <a:bodyPr/>
+                    <a:lstStyle/>
+                    <a:p>
+                      <a:r>
+                        <a:rPr lang="it-IT" sz="1400" dirty="0"/>
+                        <a:t>Air </a:t>
+                      </a:r>
+                      <a:r>
+                        <a:rPr lang="it-IT" sz="1400" dirty="0" err="1"/>
+                        <a:t>conditioning</a:t>
+                      </a:r>
+                      <a:r>
+                        <a:rPr lang="it-IT" sz="1400" dirty="0"/>
+                        <a:t> control (</a:t>
+                      </a:r>
+                      <a:r>
+                        <a:rPr lang="it-IT" sz="1400" dirty="0" err="1"/>
+                        <a:t>environment</a:t>
+                      </a:r>
+                      <a:r>
+                        <a:rPr lang="it-IT" sz="1400" dirty="0"/>
+                        <a:t> T </a:t>
+                      </a:r>
+                      <a:r>
+                        <a:rPr lang="it-IT" sz="1400" dirty="0" err="1"/>
+                        <a:t>sensor</a:t>
+                      </a:r>
+                      <a:r>
+                        <a:rPr lang="it-IT" sz="1400" dirty="0"/>
+                        <a:t>)</a:t>
+                      </a:r>
+                    </a:p>
+                    <a:p>
+                      <a:r>
+                        <a:rPr lang="it-IT" sz="1400" dirty="0" err="1"/>
+                        <a:t>Battery</a:t>
+                      </a:r>
+                      <a:r>
+                        <a:rPr lang="it-IT" sz="1400" dirty="0"/>
+                        <a:t> </a:t>
+                      </a:r>
+                      <a:r>
+                        <a:rPr lang="it-IT" sz="1400" dirty="0" err="1"/>
+                        <a:t>charger</a:t>
+                      </a:r>
+                      <a:r>
+                        <a:rPr lang="it-IT" sz="1400" dirty="0"/>
+                        <a:t> control (</a:t>
+                      </a:r>
+                      <a:r>
+                        <a:rPr lang="it-IT" sz="1400" dirty="0" err="1"/>
+                        <a:t>battery</a:t>
+                      </a:r>
+                      <a:r>
+                        <a:rPr lang="it-IT" sz="1400" dirty="0"/>
+                        <a:t> T </a:t>
+                      </a:r>
+                      <a:r>
+                        <a:rPr lang="it-IT" sz="1400" dirty="0" err="1"/>
+                        <a:t>sensor</a:t>
+                      </a:r>
+                      <a:r>
+                        <a:rPr lang="it-IT" sz="1400" dirty="0"/>
+                        <a:t>)</a:t>
+                      </a:r>
+                    </a:p>
+                  </a:txBody>
+                  <a:tcPr/>
+                </a:tc>
+                <a:extLst>
+                  <a:ext uri="{0D108BD9-81ED-4DB2-BD59-A6C34878D82A}">
+                    <a16:rowId xmlns:a16="http://schemas.microsoft.com/office/drawing/2014/main" val="42709734"/>
+                  </a:ext>
+                </a:extLst>
+              </a:tr>
+              <a:tr h="370840">
+                <a:tc>
+                  <a:txBody>
+                    <a:bodyPr/>
+                    <a:lstStyle/>
+                    <a:p>
+                      <a:r>
+                        <a:rPr lang="it-IT" sz="1400" dirty="0" err="1"/>
+                        <a:t>Presence</a:t>
+                      </a:r>
+                      <a:endParaRPr lang="it-IT" sz="1400" dirty="0"/>
+                    </a:p>
+                  </a:txBody>
+                  <a:tcPr/>
+                </a:tc>
+                <a:tc>
+                  <a:txBody>
+                    <a:bodyPr/>
+                    <a:lstStyle/>
+                    <a:p>
+                      <a:r>
+                        <a:rPr lang="it-IT" sz="1400" dirty="0" err="1"/>
+                        <a:t>Adimensional</a:t>
+                      </a:r>
+                      <a:r>
+                        <a:rPr lang="it-IT" sz="1400" dirty="0"/>
+                        <a:t> (</a:t>
+                      </a:r>
+                      <a:r>
+                        <a:rPr lang="it-IT" sz="1400" dirty="0" err="1"/>
+                        <a:t>binary</a:t>
+                      </a:r>
+                      <a:r>
+                        <a:rPr lang="it-IT" sz="1400" dirty="0"/>
+                        <a:t>)</a:t>
+                      </a:r>
+                    </a:p>
+                  </a:txBody>
+                  <a:tcPr/>
+                </a:tc>
+                <a:tc>
+                  <a:txBody>
+                    <a:bodyPr/>
+                    <a:lstStyle/>
+                    <a:p>
+                      <a:r>
+                        <a:rPr lang="it-IT" sz="1400" dirty="0"/>
+                        <a:t>Yes</a:t>
+                      </a:r>
+                    </a:p>
+                  </a:txBody>
+                  <a:tcPr/>
+                </a:tc>
+                <a:tc>
+                  <a:txBody>
+                    <a:bodyPr/>
+                    <a:lstStyle/>
+                    <a:p>
+                      <a:r>
+                        <a:rPr lang="it-IT" sz="1400" dirty="0">
+                          <a:latin typeface="Courier New" panose="02070309020205020404" pitchFamily="49" charset="0"/>
+                          <a:cs typeface="Courier New" panose="02070309020205020404" pitchFamily="49" charset="0"/>
+                        </a:rPr>
+                        <a:t>/</a:t>
+                      </a:r>
+                      <a:r>
+                        <a:rPr lang="it-IT" sz="1400" dirty="0" err="1">
+                          <a:latin typeface="Courier New" panose="02070309020205020404" pitchFamily="49" charset="0"/>
+                          <a:cs typeface="Courier New" panose="02070309020205020404" pitchFamily="49" charset="0"/>
+                        </a:rPr>
+                        <a:t>presence</a:t>
+                      </a:r>
+                      <a:endParaRPr lang="it-IT" sz="1400" dirty="0">
+                        <a:latin typeface="Courier New" panose="02070309020205020404" pitchFamily="49" charset="0"/>
+                        <a:cs typeface="Courier New" panose="02070309020205020404" pitchFamily="49" charset="0"/>
+                      </a:endParaRPr>
+                    </a:p>
+                  </a:txBody>
+                  <a:tcPr/>
+                </a:tc>
+                <a:tc>
+                  <a:txBody>
+                    <a:bodyPr/>
+                    <a:lstStyle/>
+                    <a:p>
+                      <a:r>
+                        <a:rPr lang="it-IT" sz="1400" dirty="0" err="1"/>
+                        <a:t>Presence</a:t>
+                      </a:r>
+                      <a:r>
+                        <a:rPr lang="it-IT" sz="1400" dirty="0"/>
+                        <a:t> of the car in the garage (</a:t>
+                      </a:r>
+                      <a:r>
+                        <a:rPr lang="it-IT" sz="1400" dirty="0" err="1"/>
+                        <a:t>battery</a:t>
+                      </a:r>
+                      <a:r>
+                        <a:rPr lang="it-IT" sz="1400" dirty="0"/>
+                        <a:t> </a:t>
+                      </a:r>
+                      <a:r>
+                        <a:rPr lang="it-IT" sz="1400" dirty="0" err="1"/>
+                        <a:t>charger</a:t>
+                      </a:r>
+                      <a:r>
+                        <a:rPr lang="it-IT" sz="1400" dirty="0"/>
+                        <a:t> control)</a:t>
+                      </a:r>
+                    </a:p>
+                  </a:txBody>
+                  <a:tcPr/>
+                </a:tc>
+                <a:extLst>
+                  <a:ext uri="{0D108BD9-81ED-4DB2-BD59-A6C34878D82A}">
+                    <a16:rowId xmlns:a16="http://schemas.microsoft.com/office/drawing/2014/main" val="1886307998"/>
+                  </a:ext>
+                </a:extLst>
+              </a:tr>
+              <a:tr h="370840">
+                <a:tc>
+                  <a:txBody>
+                    <a:bodyPr/>
+                    <a:lstStyle/>
+                    <a:p>
+                      <a:r>
+                        <a:rPr lang="it-IT" sz="1400" dirty="0" err="1"/>
+                        <a:t>Battery</a:t>
+                      </a:r>
+                      <a:r>
+                        <a:rPr lang="it-IT" sz="1400" dirty="0"/>
+                        <a:t> </a:t>
+                      </a:r>
+                      <a:r>
+                        <a:rPr lang="it-IT" sz="1400" dirty="0" err="1"/>
+                        <a:t>percentage</a:t>
+                      </a:r>
+                      <a:endParaRPr lang="it-IT" sz="1400" dirty="0"/>
+                    </a:p>
+                  </a:txBody>
+                  <a:tcPr/>
+                </a:tc>
+                <a:tc>
+                  <a:txBody>
+                    <a:bodyPr/>
+                    <a:lstStyle/>
+                    <a:p>
+                      <a:r>
+                        <a:rPr lang="it-IT" sz="1400" dirty="0" err="1"/>
+                        <a:t>Percent</a:t>
+                      </a:r>
+                      <a:r>
+                        <a:rPr lang="it-IT" sz="1400" dirty="0"/>
+                        <a:t> (%)</a:t>
+                      </a:r>
+                    </a:p>
+                  </a:txBody>
+                  <a:tcPr/>
+                </a:tc>
+                <a:tc>
+                  <a:txBody>
+                    <a:bodyPr/>
+                    <a:lstStyle/>
+                    <a:p>
+                      <a:r>
+                        <a:rPr lang="it-IT" sz="1400" dirty="0"/>
+                        <a:t>Yes</a:t>
+                      </a:r>
+                    </a:p>
+                  </a:txBody>
+                  <a:tcPr/>
+                </a:tc>
+                <a:tc>
+                  <a:txBody>
+                    <a:bodyPr/>
+                    <a:lstStyle/>
+                    <a:p>
+                      <a:r>
+                        <a:rPr lang="it-IT" sz="1400" dirty="0">
+                          <a:latin typeface="Courier New" panose="02070309020205020404" pitchFamily="49" charset="0"/>
+                          <a:cs typeface="Courier New" panose="02070309020205020404" pitchFamily="49" charset="0"/>
+                        </a:rPr>
+                        <a:t>/</a:t>
+                      </a:r>
+                      <a:r>
+                        <a:rPr lang="it-IT" sz="1400" dirty="0" err="1">
+                          <a:latin typeface="Courier New" panose="02070309020205020404" pitchFamily="49" charset="0"/>
+                          <a:cs typeface="Courier New" panose="02070309020205020404" pitchFamily="49" charset="0"/>
+                        </a:rPr>
+                        <a:t>battery</a:t>
+                      </a:r>
+                      <a:endParaRPr lang="it-IT" sz="1400" dirty="0">
+                        <a:latin typeface="Courier New" panose="02070309020205020404" pitchFamily="49" charset="0"/>
+                        <a:cs typeface="Courier New" panose="02070309020205020404" pitchFamily="49" charset="0"/>
+                      </a:endParaRPr>
+                    </a:p>
+                  </a:txBody>
+                  <a:tcPr/>
+                </a:tc>
+                <a:tc>
+                  <a:txBody>
+                    <a:bodyPr/>
+                    <a:lstStyle/>
+                    <a:p>
+                      <a:r>
+                        <a:rPr lang="it-IT" sz="1400" dirty="0" err="1"/>
+                        <a:t>Battery</a:t>
+                      </a:r>
+                      <a:r>
+                        <a:rPr lang="it-IT" sz="1400" dirty="0"/>
+                        <a:t> </a:t>
+                      </a:r>
+                      <a:r>
+                        <a:rPr lang="it-IT" sz="1400" dirty="0" err="1"/>
+                        <a:t>charger</a:t>
+                      </a:r>
+                      <a:r>
+                        <a:rPr lang="it-IT" sz="1400" dirty="0"/>
+                        <a:t> control</a:t>
+                      </a:r>
+                    </a:p>
+                  </a:txBody>
+                  <a:tcPr/>
+                </a:tc>
+                <a:extLst>
+                  <a:ext uri="{0D108BD9-81ED-4DB2-BD59-A6C34878D82A}">
+                    <a16:rowId xmlns:a16="http://schemas.microsoft.com/office/drawing/2014/main" val="960121331"/>
+                  </a:ext>
+                </a:extLst>
+              </a:tr>
+              <a:tr h="370840">
+                <a:tc>
+                  <a:txBody>
+                    <a:bodyPr/>
+                    <a:lstStyle/>
+                    <a:p>
+                      <a:r>
+                        <a:rPr lang="it-IT" sz="1400" dirty="0"/>
+                        <a:t>Light (</a:t>
+                      </a:r>
+                      <a:r>
+                        <a:rPr lang="it-IT" sz="1400" dirty="0" err="1"/>
+                        <a:t>photons</a:t>
+                      </a:r>
+                      <a:r>
+                        <a:rPr lang="it-IT" sz="1400" dirty="0"/>
+                        <a:t>)</a:t>
+                      </a:r>
+                    </a:p>
+                  </a:txBody>
+                  <a:tcPr/>
+                </a:tc>
+                <a:tc>
+                  <a:txBody>
+                    <a:bodyPr/>
+                    <a:lstStyle/>
+                    <a:p>
+                      <a:r>
+                        <a:rPr lang="it-IT" sz="1400" dirty="0" err="1"/>
+                        <a:t>Adimensional</a:t>
+                      </a:r>
+                      <a:r>
+                        <a:rPr lang="it-IT" sz="1400" dirty="0"/>
+                        <a:t>*</a:t>
+                      </a:r>
+                    </a:p>
+                  </a:txBody>
+                  <a:tcPr/>
+                </a:tc>
+                <a:tc>
+                  <a:txBody>
+                    <a:bodyPr/>
+                    <a:lstStyle/>
+                    <a:p>
+                      <a:r>
+                        <a:rPr lang="it-IT" sz="1400" dirty="0"/>
+                        <a:t>Yes</a:t>
+                      </a:r>
+                    </a:p>
+                  </a:txBody>
+                  <a:tcPr/>
+                </a:tc>
+                <a:tc>
+                  <a:txBody>
+                    <a:bodyPr/>
+                    <a:lstStyle/>
+                    <a:p>
+                      <a:r>
+                        <a:rPr lang="it-IT" sz="1400" dirty="0">
+                          <a:latin typeface="Courier New" panose="02070309020205020404" pitchFamily="49" charset="0"/>
+                          <a:cs typeface="Courier New" panose="02070309020205020404" pitchFamily="49" charset="0"/>
+                        </a:rPr>
+                        <a:t>/</a:t>
+                      </a:r>
+                      <a:r>
+                        <a:rPr lang="it-IT" sz="1400" dirty="0" err="1">
+                          <a:latin typeface="Courier New" panose="02070309020205020404" pitchFamily="49" charset="0"/>
+                          <a:cs typeface="Courier New" panose="02070309020205020404" pitchFamily="49" charset="0"/>
+                        </a:rPr>
+                        <a:t>photon</a:t>
+                      </a:r>
+                      <a:endParaRPr lang="it-IT" sz="1400" dirty="0">
+                        <a:latin typeface="Courier New" panose="02070309020205020404" pitchFamily="49" charset="0"/>
+                        <a:cs typeface="Courier New" panose="02070309020205020404" pitchFamily="49" charset="0"/>
+                      </a:endParaRPr>
+                    </a:p>
+                  </a:txBody>
+                  <a:tcPr/>
+                </a:tc>
+                <a:tc>
+                  <a:txBody>
+                    <a:bodyPr/>
+                    <a:lstStyle/>
+                    <a:p>
+                      <a:r>
+                        <a:rPr lang="it-IT" sz="1400" dirty="0"/>
+                        <a:t>Checks </a:t>
+                      </a:r>
+                      <a:r>
+                        <a:rPr lang="it-IT" sz="1400" dirty="0" err="1"/>
+                        <a:t>whether</a:t>
+                      </a:r>
+                      <a:r>
+                        <a:rPr lang="it-IT" sz="1400" dirty="0"/>
+                        <a:t> the </a:t>
+                      </a:r>
+                      <a:r>
+                        <a:rPr lang="it-IT" sz="1400" dirty="0" err="1"/>
+                        <a:t>sunlight</a:t>
+                      </a:r>
+                      <a:r>
+                        <a:rPr lang="it-IT" sz="1400" dirty="0"/>
+                        <a:t> </a:t>
+                      </a:r>
+                      <a:r>
+                        <a:rPr lang="it-IT" sz="1400" dirty="0" err="1"/>
+                        <a:t>radiation</a:t>
+                      </a:r>
+                      <a:r>
+                        <a:rPr lang="it-IT" sz="1400" dirty="0"/>
+                        <a:t> </a:t>
+                      </a:r>
+                      <a:r>
+                        <a:rPr lang="it-IT" sz="1400" dirty="0" err="1"/>
+                        <a:t>is</a:t>
+                      </a:r>
+                      <a:r>
+                        <a:rPr lang="it-IT" sz="1400" dirty="0"/>
+                        <a:t> </a:t>
+                      </a:r>
+                      <a:r>
+                        <a:rPr lang="it-IT" sz="1400" dirty="0" err="1"/>
+                        <a:t>sufficient</a:t>
+                      </a:r>
+                      <a:r>
+                        <a:rPr lang="it-IT" sz="1400" dirty="0"/>
+                        <a:t> to </a:t>
+                      </a:r>
+                      <a:r>
+                        <a:rPr lang="it-IT" sz="1400" dirty="0" err="1"/>
+                        <a:t>allow</a:t>
+                      </a:r>
+                      <a:r>
+                        <a:rPr lang="it-IT" sz="1400" dirty="0"/>
+                        <a:t> low-cost </a:t>
+                      </a:r>
+                      <a:r>
+                        <a:rPr lang="it-IT" sz="1400" dirty="0" err="1"/>
+                        <a:t>battery</a:t>
+                      </a:r>
+                      <a:r>
+                        <a:rPr lang="it-IT" sz="1400" dirty="0"/>
+                        <a:t> </a:t>
+                      </a:r>
+                      <a:r>
+                        <a:rPr lang="it-IT" sz="1400" dirty="0" err="1"/>
+                        <a:t>charging</a:t>
+                      </a:r>
+                      <a:r>
+                        <a:rPr lang="it-IT" sz="1400" dirty="0"/>
+                        <a:t> in non-</a:t>
+                      </a:r>
+                      <a:r>
+                        <a:rPr lang="it-IT" sz="1400" dirty="0" err="1"/>
+                        <a:t>urgent</a:t>
+                      </a:r>
+                      <a:r>
+                        <a:rPr lang="it-IT" sz="1400" dirty="0"/>
+                        <a:t> situations</a:t>
+                      </a:r>
+                    </a:p>
+                  </a:txBody>
+                  <a:tcPr/>
+                </a:tc>
+                <a:extLst>
+                  <a:ext uri="{0D108BD9-81ED-4DB2-BD59-A6C34878D82A}">
+                    <a16:rowId xmlns:a16="http://schemas.microsoft.com/office/drawing/2014/main" val="1104870406"/>
+                  </a:ext>
+                </a:extLst>
+              </a:tr>
+              <a:tr h="370840">
+                <a:tc>
+                  <a:txBody>
+                    <a:bodyPr/>
+                    <a:lstStyle/>
+                    <a:p>
+                      <a:r>
+                        <a:rPr lang="it-IT" sz="1400" dirty="0"/>
+                        <a:t>Switch state</a:t>
+                      </a:r>
+                    </a:p>
+                  </a:txBody>
+                  <a:tcPr/>
+                </a:tc>
+                <a:tc>
+                  <a:txBody>
+                    <a:bodyPr/>
+                    <a:lstStyle/>
+                    <a:p>
+                      <a:r>
+                        <a:rPr lang="it-IT" sz="1400" dirty="0" err="1"/>
+                        <a:t>Adimensional</a:t>
+                      </a:r>
+                      <a:r>
+                        <a:rPr lang="it-IT" sz="1400" dirty="0"/>
+                        <a:t> (</a:t>
+                      </a:r>
+                      <a:r>
+                        <a:rPr lang="it-IT" sz="1400" dirty="0" err="1"/>
+                        <a:t>binary</a:t>
+                      </a:r>
+                      <a:r>
+                        <a:rPr lang="it-IT" sz="1400" dirty="0"/>
+                        <a:t>)</a:t>
+                      </a:r>
+                    </a:p>
+                  </a:txBody>
+                  <a:tcPr/>
+                </a:tc>
+                <a:tc>
+                  <a:txBody>
+                    <a:bodyPr/>
+                    <a:lstStyle/>
+                    <a:p>
+                      <a:r>
+                        <a:rPr lang="it-IT" sz="1400" dirty="0"/>
+                        <a:t>Yes</a:t>
+                      </a:r>
+                    </a:p>
+                  </a:txBody>
+                  <a:tcPr/>
+                </a:tc>
+                <a:tc>
+                  <a:txBody>
+                    <a:bodyPr/>
+                    <a:lstStyle/>
+                    <a:p>
+                      <a:r>
+                        <a:rPr lang="it-IT" sz="1400" dirty="0" err="1"/>
+                        <a:t>This</a:t>
+                      </a:r>
+                      <a:r>
+                        <a:rPr lang="it-IT" sz="1400" dirty="0"/>
+                        <a:t> </a:t>
+                      </a:r>
+                      <a:r>
+                        <a:rPr lang="it-IT" sz="1400" dirty="0" err="1"/>
+                        <a:t>is</a:t>
+                      </a:r>
+                      <a:r>
+                        <a:rPr lang="it-IT" sz="1400" dirty="0"/>
+                        <a:t> </a:t>
+                      </a:r>
+                      <a:r>
+                        <a:rPr lang="it-IT" sz="1400" dirty="0" err="1"/>
+                        <a:t>not</a:t>
+                      </a:r>
+                      <a:r>
+                        <a:rPr lang="it-IT" sz="1400" dirty="0"/>
+                        <a:t> </a:t>
+                      </a:r>
+                      <a:r>
+                        <a:rPr lang="it-IT" sz="1400" dirty="0" err="1"/>
+                        <a:t>really</a:t>
+                      </a:r>
+                      <a:r>
+                        <a:rPr lang="it-IT" sz="1400" dirty="0"/>
+                        <a:t> a </a:t>
+                      </a:r>
+                      <a:r>
+                        <a:rPr lang="it-IT" sz="1400" dirty="0" err="1"/>
+                        <a:t>sensor</a:t>
+                      </a:r>
+                      <a:r>
+                        <a:rPr lang="it-IT" sz="1400" dirty="0"/>
+                        <a:t>, </a:t>
+                      </a:r>
+                      <a:r>
+                        <a:rPr lang="it-IT" sz="1400" dirty="0" err="1"/>
+                        <a:t>it</a:t>
+                      </a:r>
+                      <a:r>
+                        <a:rPr lang="it-IT" sz="1400" dirty="0"/>
+                        <a:t> </a:t>
+                      </a:r>
+                      <a:r>
+                        <a:rPr lang="it-IT" sz="1400" dirty="0" err="1"/>
+                        <a:t>only</a:t>
+                      </a:r>
+                      <a:r>
+                        <a:rPr lang="it-IT" sz="1400" dirty="0"/>
+                        <a:t> acts </a:t>
+                      </a:r>
+                      <a:r>
+                        <a:rPr lang="it-IT" sz="1400" dirty="0" err="1"/>
+                        <a:t>as</a:t>
+                      </a:r>
+                      <a:r>
+                        <a:rPr lang="it-IT" sz="1400" dirty="0"/>
+                        <a:t> one for some </a:t>
+                      </a:r>
+                      <a:r>
+                        <a:rPr lang="it-IT" sz="1400" dirty="0" err="1"/>
+                        <a:t>aspects</a:t>
+                      </a:r>
+                      <a:endParaRPr lang="it-IT" sz="1400" dirty="0"/>
+                    </a:p>
+                  </a:txBody>
+                  <a:tcPr/>
+                </a:tc>
+                <a:tc>
+                  <a:txBody>
+                    <a:bodyPr/>
+                    <a:lstStyle/>
+                    <a:p>
+                      <a:r>
+                        <a:rPr lang="it-IT" sz="1400" dirty="0"/>
+                        <a:t>Checks </a:t>
+                      </a:r>
+                      <a:r>
+                        <a:rPr lang="it-IT" sz="1400" dirty="0" err="1"/>
+                        <a:t>whether</a:t>
+                      </a:r>
+                      <a:r>
+                        <a:rPr lang="it-IT" sz="1400" dirty="0"/>
+                        <a:t> </a:t>
+                      </a:r>
+                      <a:r>
+                        <a:rPr lang="it-IT" sz="1400" dirty="0" err="1"/>
+                        <a:t>manual</a:t>
+                      </a:r>
+                      <a:r>
+                        <a:rPr lang="it-IT" sz="1400" dirty="0"/>
+                        <a:t> </a:t>
+                      </a:r>
+                      <a:r>
+                        <a:rPr lang="it-IT" sz="1400" dirty="0" err="1"/>
+                        <a:t>charge</a:t>
+                      </a:r>
+                      <a:r>
+                        <a:rPr lang="it-IT" sz="1400" dirty="0"/>
+                        <a:t> switch </a:t>
+                      </a:r>
+                      <a:r>
+                        <a:rPr lang="it-IT" sz="1400" dirty="0" err="1"/>
+                        <a:t>is</a:t>
+                      </a:r>
+                      <a:r>
+                        <a:rPr lang="it-IT" sz="1400" dirty="0"/>
+                        <a:t> on or off (</a:t>
+                      </a:r>
+                      <a:r>
+                        <a:rPr lang="it-IT" sz="1400" dirty="0" err="1"/>
+                        <a:t>relevant</a:t>
+                      </a:r>
+                      <a:r>
+                        <a:rPr lang="it-IT" sz="1400" dirty="0"/>
+                        <a:t> </a:t>
+                      </a:r>
+                      <a:r>
+                        <a:rPr lang="it-IT" sz="1400" dirty="0" err="1"/>
+                        <a:t>when</a:t>
+                      </a:r>
+                      <a:r>
+                        <a:rPr lang="it-IT" sz="1400" dirty="0"/>
+                        <a:t> </a:t>
+                      </a:r>
+                      <a:r>
+                        <a:rPr lang="it-IT" sz="1400" dirty="0" err="1"/>
+                        <a:t>actuator</a:t>
+                      </a:r>
+                      <a:r>
+                        <a:rPr lang="it-IT" sz="1400" dirty="0"/>
+                        <a:t> state flag == 2)</a:t>
+                      </a:r>
+                    </a:p>
+                  </a:txBody>
+                  <a:tcPr/>
+                </a:tc>
+                <a:extLst>
+                  <a:ext uri="{0D108BD9-81ED-4DB2-BD59-A6C34878D82A}">
+                    <a16:rowId xmlns:a16="http://schemas.microsoft.com/office/drawing/2014/main" val="3264300495"/>
+                  </a:ext>
+                </a:extLst>
+              </a:tr>
+            </a:tbl>
+          </a:graphicData>
+        </a:graphic>
+      </p:graphicFrame>
+      <p:sp>
+        <p:nvSpPr>
+          <p:cNvPr id="4" name="Segnaposto piè di pagina 4">
+            <a:extLst>
+              <a:ext uri="{FF2B5EF4-FFF2-40B4-BE49-F238E27FC236}">
+                <a16:creationId xmlns:a16="http://schemas.microsoft.com/office/drawing/2014/main" id="{522A9791-E033-F474-9B9A-6A3AF7A72098}"/>
+              </a:ext>
+            </a:extLst>
+          </p:cNvPr>
+          <p:cNvSpPr>
+            <a:spLocks noGrp="1"/>
+          </p:cNvSpPr>
+          <p:nvPr>
+            <p:ph type="ftr" sz="quarter" idx="11"/>
+          </p:nvPr>
+        </p:nvSpPr>
+        <p:spPr>
+          <a:xfrm>
+            <a:off x="677334" y="5069542"/>
+            <a:ext cx="8757600" cy="365125"/>
+          </a:xfrm>
+        </p:spPr>
+        <p:txBody>
+          <a:bodyPr/>
+          <a:lstStyle/>
+          <a:p>
+            <a:r>
+              <a:rPr lang="en-US" sz="1200" dirty="0"/>
+              <a:t>* Light sensor is a photoresistor, whose resistance value is higher when there is less light. Thus the Arduino or Raspberry Pi ADC detects higher values for dimmer light conditions. The detected value is proportional </a:t>
+            </a:r>
+          </a:p>
+        </p:txBody>
+      </p:sp>
+    </p:spTree>
+    <p:extLst>
+      <p:ext uri="{BB962C8B-B14F-4D97-AF65-F5344CB8AC3E}">
+        <p14:creationId xmlns:p14="http://schemas.microsoft.com/office/powerpoint/2010/main" val="13527771"/>
+      </p:ext>
+    </p:extLst>
+  </p:cSld>
+  <p:clrMapOvr>
+    <a:masterClrMapping/>
+  </p:clrMapOvr>
+</p:sld>
+</file>
+
+<file path=ppt/slides/slide15.xml><?xml version="1.0" encoding="utf-8"?>
+<p:sld xmlns:a="http://schemas.openxmlformats.org/drawingml/2006/main" xmlns:r="http://schemas.openxmlformats.org/officeDocument/2006/relationships" xmlns:p="http://schemas.openxmlformats.org/presentationml/2006/main">
+  <p:cSld>
+    <p:spTree>
+      <p:nvGrpSpPr>
+        <p:cNvPr id="1" name=""/>
+        <p:cNvGrpSpPr/>
+        <p:nvPr/>
+      </p:nvGrpSpPr>
+      <p:grpSpPr>
+        <a:xfrm>
+          <a:off x="0" y="0"/>
+          <a:ext cx="0" cy="0"/>
+          <a:chOff x="0" y="0"/>
+          <a:chExt cx="0" cy="0"/>
+        </a:xfrm>
+      </p:grpSpPr>
+      <p:sp>
+        <p:nvSpPr>
+          <p:cNvPr id="17" name="Rettangolo 16">
+            <a:extLst>
+              <a:ext uri="{FF2B5EF4-FFF2-40B4-BE49-F238E27FC236}">
+                <a16:creationId xmlns:a16="http://schemas.microsoft.com/office/drawing/2014/main" id="{2406F9B2-E3C7-82BC-612C-AE4B5B741DAB}"/>
+              </a:ext>
+            </a:extLst>
+          </p:cNvPr>
+          <p:cNvSpPr/>
+          <p:nvPr/>
+        </p:nvSpPr>
+        <p:spPr>
+          <a:xfrm>
+            <a:off x="7432646" y="1686188"/>
+            <a:ext cx="2790185" cy="2181138"/>
+          </a:xfrm>
+          <a:prstGeom prst="rect">
+            <a:avLst/>
+          </a:prstGeom>
+          <a:solidFill>
+            <a:srgbClr val="E76618">
+              <a:alpha val="50196"/>
+            </a:srgbClr>
+          </a:solidFill>
+          <a:ln>
+            <a:noFill/>
+          </a:ln>
+        </p:spPr>
+        <p:style>
+          <a:lnRef idx="2">
+            <a:schemeClr val="accent4">
+              <a:shade val="50000"/>
+            </a:schemeClr>
+          </a:lnRef>
+          <a:fillRef idx="1">
+            <a:schemeClr val="accent4"/>
+          </a:fillRef>
+          <a:effectRef idx="0">
+            <a:schemeClr val="accent4"/>
+          </a:effectRef>
+          <a:fontRef idx="minor">
+            <a:schemeClr val="lt1"/>
+          </a:fontRef>
+        </p:style>
+        <p:txBody>
+          <a:bodyPr rtlCol="0" anchor="ctr"/>
+          <a:lstStyle/>
+          <a:p>
+            <a:pPr algn="ctr"/>
+            <a:endParaRPr lang="it-IT" dirty="0"/>
+          </a:p>
+        </p:txBody>
+      </p:sp>
+      <p:sp>
+        <p:nvSpPr>
+          <p:cNvPr id="13" name="Rettangolo 12">
+            <a:extLst>
+              <a:ext uri="{FF2B5EF4-FFF2-40B4-BE49-F238E27FC236}">
+                <a16:creationId xmlns:a16="http://schemas.microsoft.com/office/drawing/2014/main" id="{D411A7F9-85EC-85B4-0A98-A61DE6A4F5BA}"/>
+              </a:ext>
+            </a:extLst>
+          </p:cNvPr>
+          <p:cNvSpPr/>
+          <p:nvPr/>
+        </p:nvSpPr>
+        <p:spPr>
+          <a:xfrm>
+            <a:off x="1233182" y="1442906"/>
+            <a:ext cx="4618200" cy="4890782"/>
+          </a:xfrm>
+          <a:prstGeom prst="rect">
+            <a:avLst/>
+          </a:prstGeom>
+          <a:solidFill>
+            <a:srgbClr val="90C226">
+              <a:alpha val="50196"/>
+            </a:srgbClr>
+          </a:solidFill>
+          <a:ln>
+            <a:noFill/>
+          </a:ln>
+        </p:spPr>
+        <p:style>
+          <a:lnRef idx="2">
+            <a:schemeClr val="accent1">
+              <a:shade val="50000"/>
+            </a:schemeClr>
+          </a:lnRef>
+          <a:fillRef idx="1">
+            <a:schemeClr val="accent1"/>
+          </a:fillRef>
+          <a:effectRef idx="0">
+            <a:schemeClr val="accent1"/>
+          </a:effectRef>
+          <a:fontRef idx="minor">
+            <a:schemeClr val="lt1"/>
+          </a:fontRef>
+        </p:style>
+        <p:txBody>
+          <a:bodyPr rtlCol="0" anchor="ctr"/>
+          <a:lstStyle/>
+          <a:p>
+            <a:pPr algn="ctr"/>
+            <a:endParaRPr lang="it-IT"/>
+          </a:p>
+        </p:txBody>
+      </p:sp>
+      <p:sp>
+        <p:nvSpPr>
+          <p:cNvPr id="2" name="Titolo 1">
+            <a:extLst>
+              <a:ext uri="{FF2B5EF4-FFF2-40B4-BE49-F238E27FC236}">
+                <a16:creationId xmlns:a16="http://schemas.microsoft.com/office/drawing/2014/main" id="{301D6B4B-4183-5E0C-45B2-B48A27652B9E}"/>
+              </a:ext>
+            </a:extLst>
+          </p:cNvPr>
+          <p:cNvSpPr>
+            <a:spLocks noGrp="1"/>
+          </p:cNvSpPr>
+          <p:nvPr>
+            <p:ph type="title"/>
+          </p:nvPr>
+        </p:nvSpPr>
+        <p:spPr/>
+        <p:txBody>
+          <a:bodyPr/>
+          <a:lstStyle/>
+          <a:p>
+            <a:r>
+              <a:rPr lang="it-IT" dirty="0" err="1"/>
+              <a:t>Sensors</a:t>
+            </a:r>
+            <a:r>
+              <a:rPr lang="it-IT" dirty="0"/>
+              <a:t> </a:t>
+            </a:r>
+            <a:r>
+              <a:rPr lang="it-IT" dirty="0" err="1"/>
+              <a:t>overview</a:t>
+            </a:r>
+            <a:endParaRPr lang="it-IT" dirty="0"/>
+          </a:p>
+        </p:txBody>
+      </p:sp>
+      <p:sp>
+        <p:nvSpPr>
+          <p:cNvPr id="3" name="Rettangolo 2">
+            <a:extLst>
+              <a:ext uri="{FF2B5EF4-FFF2-40B4-BE49-F238E27FC236}">
+                <a16:creationId xmlns:a16="http://schemas.microsoft.com/office/drawing/2014/main" id="{3F4B1A21-474C-7082-7D13-A9995EC1F704}"/>
+              </a:ext>
+            </a:extLst>
+          </p:cNvPr>
+          <p:cNvSpPr/>
+          <p:nvPr/>
+        </p:nvSpPr>
+        <p:spPr>
+          <a:xfrm>
+            <a:off x="1695450" y="1790700"/>
+            <a:ext cx="3530891" cy="1638300"/>
+          </a:xfrm>
+          <a:prstGeom prst="rect">
+            <a:avLst/>
+          </a:prstGeom>
+        </p:spPr>
+        <p:style>
+          <a:lnRef idx="2">
+            <a:schemeClr val="accent1">
+              <a:shade val="50000"/>
+            </a:schemeClr>
+          </a:lnRef>
+          <a:fillRef idx="1">
+            <a:schemeClr val="accent1"/>
+          </a:fillRef>
+          <a:effectRef idx="0">
+            <a:schemeClr val="accent1"/>
+          </a:effectRef>
+          <a:fontRef idx="minor">
+            <a:schemeClr val="lt1"/>
+          </a:fontRef>
+        </p:style>
+        <p:txBody>
+          <a:bodyPr rtlCol="0" anchor="ctr"/>
+          <a:lstStyle/>
+          <a:p>
+            <a:pPr algn="ctr"/>
+            <a:endParaRPr lang="it-IT"/>
+          </a:p>
+        </p:txBody>
+      </p:sp>
+      <p:sp>
+        <p:nvSpPr>
+          <p:cNvPr id="4" name="CasellaDiTesto 3">
+            <a:extLst>
+              <a:ext uri="{FF2B5EF4-FFF2-40B4-BE49-F238E27FC236}">
+                <a16:creationId xmlns:a16="http://schemas.microsoft.com/office/drawing/2014/main" id="{50AD625B-5EA3-C21E-D88A-BE82646E6585}"/>
+              </a:ext>
+            </a:extLst>
+          </p:cNvPr>
+          <p:cNvSpPr txBox="1"/>
+          <p:nvPr/>
+        </p:nvSpPr>
+        <p:spPr>
+          <a:xfrm>
+            <a:off x="1695449" y="1790700"/>
+            <a:ext cx="2306099" cy="369332"/>
+          </a:xfrm>
+          <a:prstGeom prst="rect">
+            <a:avLst/>
+          </a:prstGeom>
+          <a:noFill/>
+        </p:spPr>
+        <p:txBody>
+          <a:bodyPr wrap="square" rtlCol="0">
+            <a:spAutoFit/>
+          </a:bodyPr>
+          <a:lstStyle/>
+          <a:p>
+            <a:r>
+              <a:rPr lang="it-IT" dirty="0" err="1">
+                <a:latin typeface="Consolas" panose="020B0609020204030204" pitchFamily="49" charset="0"/>
+                <a:cs typeface="Courier New" panose="02070309020205020404" pitchFamily="49" charset="0"/>
+              </a:rPr>
+              <a:t>SensorPublisher</a:t>
+            </a:r>
+            <a:endParaRPr lang="it-IT" sz="2000" dirty="0">
+              <a:latin typeface="Consolas" panose="020B0609020204030204" pitchFamily="49" charset="0"/>
+              <a:cs typeface="Courier New" panose="02070309020205020404" pitchFamily="49" charset="0"/>
+            </a:endParaRPr>
+          </a:p>
+        </p:txBody>
+      </p:sp>
+      <p:sp>
+        <p:nvSpPr>
+          <p:cNvPr id="5" name="CasellaDiTesto 4">
+            <a:extLst>
+              <a:ext uri="{FF2B5EF4-FFF2-40B4-BE49-F238E27FC236}">
+                <a16:creationId xmlns:a16="http://schemas.microsoft.com/office/drawing/2014/main" id="{D3F9870C-EA2D-91D2-454E-52D10E81DBF6}"/>
+              </a:ext>
+            </a:extLst>
+          </p:cNvPr>
+          <p:cNvSpPr txBox="1"/>
+          <p:nvPr/>
+        </p:nvSpPr>
+        <p:spPr>
+          <a:xfrm>
+            <a:off x="3003695" y="2198698"/>
+            <a:ext cx="1971973" cy="648000"/>
+          </a:xfrm>
+          <a:prstGeom prst="rect">
+            <a:avLst/>
+          </a:prstGeom>
+        </p:spPr>
+        <p:style>
+          <a:lnRef idx="2">
+            <a:schemeClr val="accent3">
+              <a:shade val="50000"/>
+            </a:schemeClr>
+          </a:lnRef>
+          <a:fillRef idx="1">
+            <a:schemeClr val="accent3"/>
+          </a:fillRef>
+          <a:effectRef idx="0">
+            <a:schemeClr val="accent3"/>
+          </a:effectRef>
+          <a:fontRef idx="minor">
+            <a:schemeClr val="lt1"/>
+          </a:fontRef>
+        </p:style>
+        <p:txBody>
+          <a:bodyPr wrap="square" rtlCol="0" anchor="ctr">
+            <a:spAutoFit/>
+          </a:bodyPr>
+          <a:lstStyle/>
+          <a:p>
+            <a:r>
+              <a:rPr lang="it-IT" dirty="0" err="1">
+                <a:solidFill>
+                  <a:sysClr val="windowText" lastClr="000000"/>
+                </a:solidFill>
+                <a:latin typeface="Consolas" panose="020B0609020204030204" pitchFamily="49" charset="0"/>
+              </a:rPr>
+              <a:t>CatalogUpdater</a:t>
+            </a:r>
+            <a:endParaRPr lang="it-IT" dirty="0">
+              <a:solidFill>
+                <a:sysClr val="windowText" lastClr="000000"/>
+              </a:solidFill>
+              <a:latin typeface="Consolas" panose="020B0609020204030204" pitchFamily="49" charset="0"/>
+            </a:endParaRPr>
+          </a:p>
+        </p:txBody>
+      </p:sp>
+      <p:sp>
+        <p:nvSpPr>
+          <p:cNvPr id="6" name="CasellaDiTesto 5">
+            <a:extLst>
+              <a:ext uri="{FF2B5EF4-FFF2-40B4-BE49-F238E27FC236}">
+                <a16:creationId xmlns:a16="http://schemas.microsoft.com/office/drawing/2014/main" id="{CDCEAD7E-A67D-F515-0956-8620874D4F3D}"/>
+              </a:ext>
+            </a:extLst>
+          </p:cNvPr>
+          <p:cNvSpPr txBox="1"/>
+          <p:nvPr/>
+        </p:nvSpPr>
+        <p:spPr>
+          <a:xfrm>
+            <a:off x="7876115" y="2139975"/>
+            <a:ext cx="1853967" cy="720000"/>
+          </a:xfrm>
+          <a:prstGeom prst="rect">
+            <a:avLst/>
+          </a:prstGeom>
+        </p:spPr>
+        <p:style>
+          <a:lnRef idx="2">
+            <a:schemeClr val="accent4">
+              <a:shade val="50000"/>
+            </a:schemeClr>
+          </a:lnRef>
+          <a:fillRef idx="1">
+            <a:schemeClr val="accent4"/>
+          </a:fillRef>
+          <a:effectRef idx="0">
+            <a:schemeClr val="accent4"/>
+          </a:effectRef>
+          <a:fontRef idx="minor">
+            <a:schemeClr val="lt1"/>
+          </a:fontRef>
+        </p:style>
+        <p:txBody>
+          <a:bodyPr wrap="square" rtlCol="0" anchor="ctr">
+            <a:spAutoFit/>
+          </a:bodyPr>
+          <a:lstStyle/>
+          <a:p>
+            <a:pPr algn="ctr"/>
+            <a:r>
+              <a:rPr lang="it-IT" dirty="0" err="1">
+                <a:solidFill>
+                  <a:schemeClr val="bg1"/>
+                </a:solidFill>
+                <a:latin typeface="Consolas" panose="020B0609020204030204" pitchFamily="49" charset="0"/>
+              </a:rPr>
+              <a:t>CatalogServer</a:t>
+            </a:r>
+            <a:endParaRPr lang="it-IT" dirty="0">
+              <a:solidFill>
+                <a:schemeClr val="bg1"/>
+              </a:solidFill>
+              <a:latin typeface="Consolas" panose="020B0609020204030204" pitchFamily="49" charset="0"/>
+            </a:endParaRPr>
+          </a:p>
+        </p:txBody>
+      </p:sp>
+      <p:cxnSp>
+        <p:nvCxnSpPr>
+          <p:cNvPr id="8" name="Connettore 2 7">
+            <a:extLst>
+              <a:ext uri="{FF2B5EF4-FFF2-40B4-BE49-F238E27FC236}">
+                <a16:creationId xmlns:a16="http://schemas.microsoft.com/office/drawing/2014/main" id="{73B6CBE8-BA84-9024-7C68-CB8B94C77D45}"/>
+              </a:ext>
+            </a:extLst>
+          </p:cNvPr>
+          <p:cNvCxnSpPr/>
+          <p:nvPr/>
+        </p:nvCxnSpPr>
+        <p:spPr>
+          <a:xfrm>
+            <a:off x="4975668" y="2298583"/>
+            <a:ext cx="2900447" cy="0"/>
+          </a:xfrm>
+          <a:prstGeom prst="straightConnector1">
+            <a:avLst/>
+          </a:prstGeom>
+          <a:ln>
+            <a:solidFill>
+              <a:schemeClr val="accent3">
+                <a:lumMod val="75000"/>
+              </a:schemeClr>
+            </a:solidFill>
+            <a:tailEnd type="triangle"/>
+          </a:ln>
+        </p:spPr>
+        <p:style>
+          <a:lnRef idx="1">
+            <a:schemeClr val="accent3"/>
+          </a:lnRef>
+          <a:fillRef idx="0">
+            <a:schemeClr val="accent3"/>
+          </a:fillRef>
+          <a:effectRef idx="0">
+            <a:schemeClr val="accent3"/>
+          </a:effectRef>
+          <a:fontRef idx="minor">
+            <a:schemeClr val="tx1"/>
+          </a:fontRef>
+        </p:style>
+      </p:cxnSp>
+      <p:cxnSp>
+        <p:nvCxnSpPr>
+          <p:cNvPr id="10" name="Connettore 2 9">
+            <a:extLst>
+              <a:ext uri="{FF2B5EF4-FFF2-40B4-BE49-F238E27FC236}">
+                <a16:creationId xmlns:a16="http://schemas.microsoft.com/office/drawing/2014/main" id="{081AD662-0E6F-0752-95CF-028C91148932}"/>
+              </a:ext>
+            </a:extLst>
+          </p:cNvPr>
+          <p:cNvCxnSpPr/>
+          <p:nvPr/>
+        </p:nvCxnSpPr>
+        <p:spPr>
+          <a:xfrm flipH="1">
+            <a:off x="4975668" y="2709644"/>
+            <a:ext cx="2900447" cy="0"/>
+          </a:xfrm>
+          <a:prstGeom prst="straightConnector1">
+            <a:avLst/>
+          </a:prstGeom>
+          <a:ln>
+            <a:tailEnd type="triangle"/>
+          </a:ln>
+        </p:spPr>
+        <p:style>
+          <a:lnRef idx="1">
+            <a:schemeClr val="accent4"/>
+          </a:lnRef>
+          <a:fillRef idx="0">
+            <a:schemeClr val="accent4"/>
+          </a:fillRef>
+          <a:effectRef idx="0">
+            <a:schemeClr val="accent4"/>
+          </a:effectRef>
+          <a:fontRef idx="minor">
+            <a:schemeClr val="tx1"/>
+          </a:fontRef>
+        </p:style>
+      </p:cxnSp>
+      <p:sp>
+        <p:nvSpPr>
+          <p:cNvPr id="11" name="CasellaDiTesto 10">
+            <a:extLst>
+              <a:ext uri="{FF2B5EF4-FFF2-40B4-BE49-F238E27FC236}">
+                <a16:creationId xmlns:a16="http://schemas.microsoft.com/office/drawing/2014/main" id="{CC60D26D-9131-4829-9163-D1501C298509}"/>
+              </a:ext>
+            </a:extLst>
+          </p:cNvPr>
+          <p:cNvSpPr txBox="1"/>
+          <p:nvPr/>
+        </p:nvSpPr>
+        <p:spPr>
+          <a:xfrm>
+            <a:off x="5880683" y="1996283"/>
+            <a:ext cx="1442906" cy="338554"/>
+          </a:xfrm>
+          <a:prstGeom prst="rect">
+            <a:avLst/>
+          </a:prstGeom>
+          <a:noFill/>
+        </p:spPr>
+        <p:txBody>
+          <a:bodyPr wrap="square" rtlCol="0">
+            <a:spAutoFit/>
+          </a:bodyPr>
+          <a:lstStyle/>
+          <a:p>
+            <a:r>
+              <a:rPr lang="it-IT" sz="1600" dirty="0"/>
+              <a:t>REST </a:t>
+            </a:r>
+            <a:r>
+              <a:rPr lang="it-IT" sz="1600" dirty="0" err="1"/>
+              <a:t>request</a:t>
+            </a:r>
+            <a:endParaRPr lang="it-IT" dirty="0"/>
+          </a:p>
+        </p:txBody>
+      </p:sp>
+      <p:sp>
+        <p:nvSpPr>
+          <p:cNvPr id="12" name="CasellaDiTesto 11">
+            <a:extLst>
+              <a:ext uri="{FF2B5EF4-FFF2-40B4-BE49-F238E27FC236}">
+                <a16:creationId xmlns:a16="http://schemas.microsoft.com/office/drawing/2014/main" id="{B38E1BF0-272A-344E-220B-72430725989D}"/>
+              </a:ext>
+            </a:extLst>
+          </p:cNvPr>
+          <p:cNvSpPr txBox="1"/>
+          <p:nvPr/>
+        </p:nvSpPr>
+        <p:spPr>
+          <a:xfrm>
+            <a:off x="5851382" y="2679914"/>
+            <a:ext cx="1501507" cy="338554"/>
+          </a:xfrm>
+          <a:prstGeom prst="rect">
+            <a:avLst/>
+          </a:prstGeom>
+          <a:noFill/>
+        </p:spPr>
+        <p:txBody>
+          <a:bodyPr wrap="square" rtlCol="0">
+            <a:spAutoFit/>
+          </a:bodyPr>
+          <a:lstStyle/>
+          <a:p>
+            <a:r>
+              <a:rPr lang="it-IT" sz="1600" dirty="0"/>
+              <a:t>REST </a:t>
+            </a:r>
+            <a:r>
+              <a:rPr lang="it-IT" sz="1600" dirty="0" err="1"/>
+              <a:t>response</a:t>
+            </a:r>
+            <a:endParaRPr lang="it-IT" dirty="0"/>
+          </a:p>
+        </p:txBody>
+      </p:sp>
+      <p:sp>
+        <p:nvSpPr>
+          <p:cNvPr id="14" name="CasellaDiTesto 13">
+            <a:extLst>
+              <a:ext uri="{FF2B5EF4-FFF2-40B4-BE49-F238E27FC236}">
+                <a16:creationId xmlns:a16="http://schemas.microsoft.com/office/drawing/2014/main" id="{6A0E760A-7DD5-6B07-719C-3CAA49E5C30E}"/>
+              </a:ext>
+            </a:extLst>
+          </p:cNvPr>
+          <p:cNvSpPr txBox="1"/>
+          <p:nvPr/>
+        </p:nvSpPr>
+        <p:spPr>
+          <a:xfrm>
+            <a:off x="3003695" y="5964356"/>
+            <a:ext cx="914400" cy="369332"/>
+          </a:xfrm>
+          <a:prstGeom prst="rect">
+            <a:avLst/>
+          </a:prstGeom>
+          <a:noFill/>
+        </p:spPr>
+        <p:txBody>
+          <a:bodyPr wrap="square" rtlCol="0">
+            <a:spAutoFit/>
+          </a:bodyPr>
+          <a:lstStyle/>
+          <a:p>
+            <a:pPr algn="ctr"/>
+            <a:r>
+              <a:rPr lang="it-IT" dirty="0"/>
+              <a:t>Device</a:t>
+            </a:r>
+          </a:p>
+        </p:txBody>
+      </p:sp>
+      <p:sp>
+        <p:nvSpPr>
+          <p:cNvPr id="15" name="Rettangolo 14">
+            <a:extLst>
+              <a:ext uri="{FF2B5EF4-FFF2-40B4-BE49-F238E27FC236}">
+                <a16:creationId xmlns:a16="http://schemas.microsoft.com/office/drawing/2014/main" id="{8E6FCDA6-593C-2B9F-903D-5933CCEBED67}"/>
+              </a:ext>
+            </a:extLst>
+          </p:cNvPr>
+          <p:cNvSpPr/>
+          <p:nvPr/>
+        </p:nvSpPr>
+        <p:spPr>
+          <a:xfrm>
+            <a:off x="2182011" y="4534251"/>
+            <a:ext cx="2306098" cy="1266737"/>
+          </a:xfrm>
+          <a:prstGeom prst="rect">
+            <a:avLst/>
+          </a:prstGeom>
+          <a:solidFill>
+            <a:srgbClr val="00B0F0"/>
+          </a:solidFill>
+          <a:ln>
+            <a:solidFill>
+              <a:srgbClr val="0070C0"/>
+            </a:solidFill>
+          </a:ln>
+        </p:spPr>
+        <p:style>
+          <a:lnRef idx="2">
+            <a:schemeClr val="accent1">
+              <a:shade val="50000"/>
+            </a:schemeClr>
+          </a:lnRef>
+          <a:fillRef idx="1">
+            <a:schemeClr val="accent1"/>
+          </a:fillRef>
+          <a:effectRef idx="0">
+            <a:schemeClr val="accent1"/>
+          </a:effectRef>
+          <a:fontRef idx="minor">
+            <a:schemeClr val="lt1"/>
+          </a:fontRef>
+        </p:style>
+        <p:txBody>
+          <a:bodyPr rtlCol="0" anchor="ctr"/>
+          <a:lstStyle/>
+          <a:p>
+            <a:pPr algn="ctr"/>
+            <a:endParaRPr lang="it-IT"/>
+          </a:p>
+        </p:txBody>
+      </p:sp>
+      <p:sp>
+        <p:nvSpPr>
+          <p:cNvPr id="16" name="CasellaDiTesto 15">
+            <a:extLst>
+              <a:ext uri="{FF2B5EF4-FFF2-40B4-BE49-F238E27FC236}">
+                <a16:creationId xmlns:a16="http://schemas.microsoft.com/office/drawing/2014/main" id="{EA1F6D8B-FCCB-4467-4AFB-88156F249627}"/>
+              </a:ext>
+            </a:extLst>
+          </p:cNvPr>
+          <p:cNvSpPr txBox="1"/>
+          <p:nvPr/>
+        </p:nvSpPr>
+        <p:spPr>
+          <a:xfrm>
+            <a:off x="2659746" y="4967564"/>
+            <a:ext cx="1350628" cy="400110"/>
+          </a:xfrm>
+          <a:prstGeom prst="rect">
+            <a:avLst/>
+          </a:prstGeom>
+          <a:noFill/>
+        </p:spPr>
+        <p:txBody>
+          <a:bodyPr wrap="square" rtlCol="0">
+            <a:spAutoFit/>
+          </a:bodyPr>
+          <a:lstStyle/>
+          <a:p>
+            <a:pPr algn="ctr"/>
+            <a:r>
+              <a:rPr lang="it-IT" sz="2000" dirty="0">
+                <a:latin typeface="Consolas" panose="020B0609020204030204" pitchFamily="49" charset="0"/>
+              </a:rPr>
+              <a:t>Sensor</a:t>
+            </a:r>
+            <a:endParaRPr lang="it-IT" dirty="0">
+              <a:latin typeface="Consolas" panose="020B0609020204030204" pitchFamily="49" charset="0"/>
+            </a:endParaRPr>
+          </a:p>
+        </p:txBody>
+      </p:sp>
+      <p:sp>
+        <p:nvSpPr>
+          <p:cNvPr id="18" name="CasellaDiTesto 17">
+            <a:extLst>
+              <a:ext uri="{FF2B5EF4-FFF2-40B4-BE49-F238E27FC236}">
+                <a16:creationId xmlns:a16="http://schemas.microsoft.com/office/drawing/2014/main" id="{B9575213-3F23-0AC0-F5A9-CDAB1E621CE8}"/>
+              </a:ext>
+            </a:extLst>
+          </p:cNvPr>
+          <p:cNvSpPr txBox="1"/>
+          <p:nvPr/>
+        </p:nvSpPr>
+        <p:spPr>
+          <a:xfrm>
+            <a:off x="8271545" y="3528772"/>
+            <a:ext cx="1157681" cy="369332"/>
+          </a:xfrm>
+          <a:prstGeom prst="rect">
+            <a:avLst/>
+          </a:prstGeom>
+          <a:noFill/>
+        </p:spPr>
+        <p:txBody>
+          <a:bodyPr wrap="square" rtlCol="0">
+            <a:spAutoFit/>
+          </a:bodyPr>
+          <a:lstStyle/>
+          <a:p>
+            <a:pPr algn="ctr"/>
+            <a:r>
+              <a:rPr lang="it-IT" dirty="0"/>
+              <a:t>Server</a:t>
+            </a:r>
+          </a:p>
+        </p:txBody>
+      </p:sp>
+      <p:cxnSp>
+        <p:nvCxnSpPr>
+          <p:cNvPr id="20" name="Connettore 2 19">
+            <a:extLst>
+              <a:ext uri="{FF2B5EF4-FFF2-40B4-BE49-F238E27FC236}">
+                <a16:creationId xmlns:a16="http://schemas.microsoft.com/office/drawing/2014/main" id="{404FFF83-EA3A-ECAE-2572-617173CED586}"/>
+              </a:ext>
+            </a:extLst>
+          </p:cNvPr>
+          <p:cNvCxnSpPr/>
+          <p:nvPr/>
+        </p:nvCxnSpPr>
+        <p:spPr>
+          <a:xfrm>
+            <a:off x="5004969" y="3429000"/>
+            <a:ext cx="2318620" cy="1498601"/>
+          </a:xfrm>
+          <a:prstGeom prst="straightConnector1">
+            <a:avLst/>
+          </a:prstGeom>
+          <a:ln>
+            <a:solidFill>
+              <a:srgbClr val="7030A0"/>
+            </a:solidFill>
+            <a:tailEnd type="triangle"/>
+          </a:ln>
+        </p:spPr>
+        <p:style>
+          <a:lnRef idx="1">
+            <a:schemeClr val="accent1"/>
+          </a:lnRef>
+          <a:fillRef idx="0">
+            <a:schemeClr val="accent1"/>
+          </a:fillRef>
+          <a:effectRef idx="0">
+            <a:schemeClr val="accent1"/>
+          </a:effectRef>
+          <a:fontRef idx="minor">
+            <a:schemeClr val="tx1"/>
+          </a:fontRef>
+        </p:style>
+      </p:cxnSp>
+      <p:sp>
+        <p:nvSpPr>
+          <p:cNvPr id="21" name="CasellaDiTesto 20">
+            <a:extLst>
+              <a:ext uri="{FF2B5EF4-FFF2-40B4-BE49-F238E27FC236}">
+                <a16:creationId xmlns:a16="http://schemas.microsoft.com/office/drawing/2014/main" id="{6FBDE64E-25FD-DA79-3E03-4CCF3C83E9AF}"/>
+              </a:ext>
+            </a:extLst>
+          </p:cNvPr>
+          <p:cNvSpPr txBox="1"/>
+          <p:nvPr/>
+        </p:nvSpPr>
+        <p:spPr>
+          <a:xfrm rot="2025689">
+            <a:off x="5499044" y="3948148"/>
+            <a:ext cx="1660145" cy="338554"/>
+          </a:xfrm>
+          <a:prstGeom prst="rect">
+            <a:avLst/>
+          </a:prstGeom>
+          <a:noFill/>
+        </p:spPr>
+        <p:txBody>
+          <a:bodyPr wrap="square" rtlCol="0">
+            <a:spAutoFit/>
+          </a:bodyPr>
+          <a:lstStyle/>
+          <a:p>
+            <a:r>
+              <a:rPr lang="it-IT" sz="1600" dirty="0"/>
+              <a:t>MQTT </a:t>
+            </a:r>
+            <a:r>
+              <a:rPr lang="it-IT" sz="1600" dirty="0" err="1"/>
+              <a:t>publish</a:t>
+            </a:r>
+            <a:endParaRPr lang="it-IT" sz="1600" dirty="0"/>
+          </a:p>
+        </p:txBody>
+      </p:sp>
+      <p:sp>
+        <p:nvSpPr>
+          <p:cNvPr id="22" name="Rettangolo 21">
+            <a:extLst>
+              <a:ext uri="{FF2B5EF4-FFF2-40B4-BE49-F238E27FC236}">
+                <a16:creationId xmlns:a16="http://schemas.microsoft.com/office/drawing/2014/main" id="{EEA8B468-0DEB-362D-2E9B-2519E3A75C05}"/>
+              </a:ext>
+            </a:extLst>
+          </p:cNvPr>
+          <p:cNvSpPr/>
+          <p:nvPr/>
+        </p:nvSpPr>
+        <p:spPr>
+          <a:xfrm>
+            <a:off x="7319893" y="4386437"/>
+            <a:ext cx="2390862" cy="1114953"/>
+          </a:xfrm>
+          <a:prstGeom prst="rect">
+            <a:avLst/>
+          </a:prstGeom>
+          <a:solidFill>
+            <a:srgbClr val="9933FF">
+              <a:alpha val="50196"/>
+            </a:srgbClr>
+          </a:solidFill>
+          <a:ln>
+            <a:noFill/>
+          </a:ln>
+        </p:spPr>
+        <p:style>
+          <a:lnRef idx="2">
+            <a:schemeClr val="accent1">
+              <a:shade val="50000"/>
+            </a:schemeClr>
+          </a:lnRef>
+          <a:fillRef idx="1">
+            <a:schemeClr val="accent1"/>
+          </a:fillRef>
+          <a:effectRef idx="0">
+            <a:schemeClr val="accent1"/>
+          </a:effectRef>
+          <a:fontRef idx="minor">
+            <a:schemeClr val="lt1"/>
+          </a:fontRef>
+        </p:style>
+        <p:txBody>
+          <a:bodyPr rtlCol="0" anchor="ctr"/>
+          <a:lstStyle/>
+          <a:p>
+            <a:pPr algn="ctr"/>
+            <a:endParaRPr lang="it-IT"/>
+          </a:p>
+        </p:txBody>
+      </p:sp>
+      <p:sp>
+        <p:nvSpPr>
+          <p:cNvPr id="23" name="CasellaDiTesto 22">
+            <a:extLst>
+              <a:ext uri="{FF2B5EF4-FFF2-40B4-BE49-F238E27FC236}">
+                <a16:creationId xmlns:a16="http://schemas.microsoft.com/office/drawing/2014/main" id="{A2CA449C-8CE2-2D8E-ACCD-1313270B9E60}"/>
+              </a:ext>
+            </a:extLst>
+          </p:cNvPr>
+          <p:cNvSpPr txBox="1"/>
+          <p:nvPr/>
+        </p:nvSpPr>
+        <p:spPr>
+          <a:xfrm>
+            <a:off x="7627343" y="4759247"/>
+            <a:ext cx="1775962" cy="369332"/>
+          </a:xfrm>
+          <a:prstGeom prst="rect">
+            <a:avLst/>
+          </a:prstGeom>
+          <a:noFill/>
+        </p:spPr>
+        <p:txBody>
+          <a:bodyPr wrap="square" rtlCol="0">
+            <a:spAutoFit/>
+          </a:bodyPr>
+          <a:lstStyle/>
+          <a:p>
+            <a:pPr algn="ctr"/>
+            <a:r>
+              <a:rPr lang="it-IT" dirty="0"/>
+              <a:t>Message broker</a:t>
+            </a:r>
+          </a:p>
+        </p:txBody>
+      </p:sp>
+      <p:cxnSp>
+        <p:nvCxnSpPr>
+          <p:cNvPr id="25" name="Connettore 2 24">
+            <a:extLst>
+              <a:ext uri="{FF2B5EF4-FFF2-40B4-BE49-F238E27FC236}">
+                <a16:creationId xmlns:a16="http://schemas.microsoft.com/office/drawing/2014/main" id="{2AE13806-C452-E479-09CF-DAE1436CC33E}"/>
+              </a:ext>
+            </a:extLst>
+          </p:cNvPr>
+          <p:cNvCxnSpPr/>
+          <p:nvPr/>
+        </p:nvCxnSpPr>
+        <p:spPr>
+          <a:xfrm flipV="1">
+            <a:off x="3349849" y="3429000"/>
+            <a:ext cx="0" cy="1105251"/>
+          </a:xfrm>
+          <a:prstGeom prst="straightConnector1">
+            <a:avLst/>
+          </a:prstGeom>
+          <a:ln>
+            <a:solidFill>
+              <a:srgbClr val="0070C0"/>
+            </a:solidFill>
+            <a:tailEnd type="triangle"/>
+          </a:ln>
+        </p:spPr>
+        <p:style>
+          <a:lnRef idx="1">
+            <a:schemeClr val="accent1"/>
+          </a:lnRef>
+          <a:fillRef idx="0">
+            <a:schemeClr val="accent1"/>
+          </a:fillRef>
+          <a:effectRef idx="0">
+            <a:schemeClr val="accent1"/>
+          </a:effectRef>
+          <a:fontRef idx="minor">
+            <a:schemeClr val="tx1"/>
+          </a:fontRef>
+        </p:style>
+      </p:cxnSp>
+      <p:sp>
+        <p:nvSpPr>
+          <p:cNvPr id="26" name="CasellaDiTesto 25">
+            <a:extLst>
+              <a:ext uri="{FF2B5EF4-FFF2-40B4-BE49-F238E27FC236}">
+                <a16:creationId xmlns:a16="http://schemas.microsoft.com/office/drawing/2014/main" id="{D3008F74-B3F0-18AC-2DB0-9B54ABB73585}"/>
+              </a:ext>
+            </a:extLst>
+          </p:cNvPr>
+          <p:cNvSpPr txBox="1"/>
+          <p:nvPr/>
+        </p:nvSpPr>
+        <p:spPr>
+          <a:xfrm>
+            <a:off x="2385116" y="3647985"/>
+            <a:ext cx="1929465" cy="830997"/>
+          </a:xfrm>
+          <a:prstGeom prst="rect">
+            <a:avLst/>
+          </a:prstGeom>
+          <a:noFill/>
+        </p:spPr>
+        <p:txBody>
+          <a:bodyPr wrap="square" rtlCol="0">
+            <a:spAutoFit/>
+          </a:bodyPr>
+          <a:lstStyle/>
+          <a:p>
+            <a:pPr algn="ctr"/>
+            <a:r>
+              <a:rPr lang="it-IT" sz="1600" dirty="0" err="1"/>
+              <a:t>DeviceID</a:t>
+            </a:r>
+            <a:endParaRPr lang="it-IT" sz="1600" dirty="0"/>
+          </a:p>
+          <a:p>
+            <a:pPr algn="ctr"/>
+            <a:r>
+              <a:rPr lang="it-IT" sz="1600" dirty="0" err="1"/>
+              <a:t>SenML</a:t>
+            </a:r>
+            <a:r>
+              <a:rPr lang="it-IT" sz="1600" dirty="0"/>
+              <a:t> </a:t>
+            </a:r>
+            <a:r>
+              <a:rPr lang="it-IT" sz="1600" dirty="0" err="1"/>
+              <a:t>messages</a:t>
+            </a:r>
+            <a:endParaRPr lang="it-IT" sz="1600" dirty="0"/>
+          </a:p>
+          <a:p>
+            <a:pPr algn="ctr"/>
+            <a:r>
+              <a:rPr lang="it-IT" sz="1600" dirty="0"/>
+              <a:t>MQTT </a:t>
+            </a:r>
+            <a:r>
+              <a:rPr lang="it-IT" sz="1600" dirty="0" err="1"/>
+              <a:t>topic</a:t>
+            </a:r>
+            <a:endParaRPr lang="it-IT" sz="1600" dirty="0"/>
+          </a:p>
+        </p:txBody>
+      </p:sp>
+    </p:spTree>
+    <p:extLst>
+      <p:ext uri="{BB962C8B-B14F-4D97-AF65-F5344CB8AC3E}">
+        <p14:creationId xmlns:p14="http://schemas.microsoft.com/office/powerpoint/2010/main" val="1647735381"/>
+      </p:ext>
+    </p:extLst>
+  </p:cSld>
+  <p:clrMapOvr>
+    <a:masterClrMapping/>
+  </p:clrMapOvr>
+</p:sld>
+</file>
+
+<file path=ppt/slides/slide16.xml><?xml version="1.0" encoding="utf-8"?>
+<p:sld xmlns:a="http://schemas.openxmlformats.org/drawingml/2006/main" xmlns:r="http://schemas.openxmlformats.org/officeDocument/2006/relationships" xmlns:p="http://schemas.openxmlformats.org/presentationml/2006/main">
+  <p:cSld>
+    <p:spTree>
+      <p:nvGrpSpPr>
+        <p:cNvPr id="1" name=""/>
+        <p:cNvGrpSpPr/>
+        <p:nvPr/>
+      </p:nvGrpSpPr>
+      <p:grpSpPr>
+        <a:xfrm>
+          <a:off x="0" y="0"/>
+          <a:ext cx="0" cy="0"/>
+          <a:chOff x="0" y="0"/>
+          <a:chExt cx="0" cy="0"/>
+        </a:xfrm>
+      </p:grpSpPr>
+      <p:sp>
+        <p:nvSpPr>
+          <p:cNvPr id="2" name="Titolo 1">
+            <a:extLst>
+              <a:ext uri="{FF2B5EF4-FFF2-40B4-BE49-F238E27FC236}">
+                <a16:creationId xmlns:a16="http://schemas.microsoft.com/office/drawing/2014/main" id="{96D0376D-9BDA-D172-7E53-EFB9BEC691E9}"/>
+              </a:ext>
+            </a:extLst>
+          </p:cNvPr>
+          <p:cNvSpPr>
+            <a:spLocks noGrp="1"/>
+          </p:cNvSpPr>
+          <p:nvPr>
+            <p:ph type="title"/>
+          </p:nvPr>
+        </p:nvSpPr>
+        <p:spPr/>
+        <p:txBody>
+          <a:bodyPr/>
+          <a:lstStyle/>
+          <a:p>
+            <a:r>
+              <a:rPr lang="it-IT" dirty="0"/>
+              <a:t>Device </a:t>
+            </a:r>
+            <a:r>
+              <a:rPr lang="it-IT" dirty="0" err="1"/>
+              <a:t>connectors</a:t>
+            </a:r>
+            <a:r>
+              <a:rPr lang="it-IT" dirty="0"/>
+              <a:t>: «</a:t>
+            </a:r>
+            <a:r>
+              <a:rPr lang="it-IT" dirty="0" err="1"/>
+              <a:t>Sensors</a:t>
+            </a:r>
+            <a:r>
+              <a:rPr lang="it-IT" dirty="0"/>
+              <a:t>» classes</a:t>
+            </a:r>
+          </a:p>
+        </p:txBody>
+      </p:sp>
+      <p:sp>
+        <p:nvSpPr>
+          <p:cNvPr id="3" name="Segnaposto contenuto 2">
+            <a:extLst>
+              <a:ext uri="{FF2B5EF4-FFF2-40B4-BE49-F238E27FC236}">
+                <a16:creationId xmlns:a16="http://schemas.microsoft.com/office/drawing/2014/main" id="{0BCCADAB-69D7-7A9D-87BA-F43C3D03D969}"/>
+              </a:ext>
+            </a:extLst>
+          </p:cNvPr>
+          <p:cNvSpPr>
+            <a:spLocks noGrp="1"/>
+          </p:cNvSpPr>
+          <p:nvPr>
+            <p:ph idx="1"/>
+          </p:nvPr>
+        </p:nvSpPr>
+        <p:spPr/>
+        <p:txBody>
+          <a:bodyPr>
+            <a:normAutofit/>
+          </a:bodyPr>
+          <a:lstStyle/>
+          <a:p>
+            <a:r>
+              <a:rPr lang="it-IT" sz="2400" dirty="0"/>
+              <a:t>The </a:t>
+            </a:r>
+            <a:r>
+              <a:rPr lang="it-IT" sz="2400" dirty="0" err="1"/>
+              <a:t>various</a:t>
+            </a:r>
+            <a:r>
+              <a:rPr lang="it-IT" sz="2400" dirty="0"/>
+              <a:t> </a:t>
+            </a:r>
+            <a:r>
+              <a:rPr lang="it-IT" sz="2400" dirty="0" err="1"/>
+              <a:t>individual</a:t>
+            </a:r>
+            <a:r>
+              <a:rPr lang="it-IT" sz="2400" dirty="0"/>
+              <a:t> </a:t>
+            </a:r>
+            <a:r>
+              <a:rPr lang="it-IT" sz="2400" dirty="0" err="1"/>
+              <a:t>sensor</a:t>
+            </a:r>
+            <a:r>
+              <a:rPr lang="it-IT" sz="2400" dirty="0"/>
+              <a:t> classes </a:t>
+            </a:r>
+            <a:r>
+              <a:rPr lang="it-IT" sz="2400" dirty="0" err="1"/>
+              <a:t>all</a:t>
+            </a:r>
+            <a:r>
+              <a:rPr lang="it-IT" sz="2400" dirty="0"/>
+              <a:t> </a:t>
+            </a:r>
+            <a:r>
+              <a:rPr lang="it-IT" sz="2400" dirty="0" err="1"/>
+              <a:t>inherit</a:t>
+            </a:r>
+            <a:r>
+              <a:rPr lang="it-IT" sz="2400" dirty="0"/>
+              <a:t> </a:t>
+            </a:r>
+            <a:r>
+              <a:rPr lang="it-IT" sz="2400" dirty="0" err="1"/>
+              <a:t>most</a:t>
+            </a:r>
+            <a:r>
+              <a:rPr lang="it-IT" sz="2400" dirty="0"/>
+              <a:t> of </a:t>
+            </a:r>
+            <a:r>
+              <a:rPr lang="it-IT" sz="2400" dirty="0" err="1"/>
+              <a:t>their</a:t>
+            </a:r>
+            <a:r>
+              <a:rPr lang="it-IT" sz="2400" dirty="0"/>
+              <a:t> </a:t>
+            </a:r>
+            <a:r>
+              <a:rPr lang="it-IT" sz="2400" dirty="0" err="1"/>
+              <a:t>basic</a:t>
+            </a:r>
+            <a:r>
+              <a:rPr lang="it-IT" sz="2400" dirty="0"/>
+              <a:t> </a:t>
+            </a:r>
+            <a:r>
+              <a:rPr lang="it-IT" sz="2400" dirty="0" err="1"/>
+              <a:t>structure</a:t>
+            </a:r>
+            <a:r>
+              <a:rPr lang="it-IT" sz="2400" dirty="0"/>
+              <a:t> from a </a:t>
+            </a:r>
+            <a:r>
+              <a:rPr lang="it-IT" sz="2400" dirty="0" err="1"/>
+              <a:t>parent</a:t>
+            </a:r>
+            <a:r>
+              <a:rPr lang="it-IT" sz="2400" dirty="0"/>
+              <a:t> </a:t>
+            </a:r>
+            <a:r>
+              <a:rPr lang="it-IT" sz="2400" dirty="0">
+                <a:latin typeface="Courier New" panose="02070309020205020404" pitchFamily="49" charset="0"/>
+                <a:cs typeface="Courier New" panose="02070309020205020404" pitchFamily="49" charset="0"/>
+              </a:rPr>
+              <a:t>Sensor</a:t>
+            </a:r>
+            <a:r>
+              <a:rPr lang="it-IT" sz="2400" dirty="0">
+                <a:cs typeface="Courier New" panose="02070309020205020404" pitchFamily="49" charset="0"/>
+              </a:rPr>
+              <a:t> class.</a:t>
+            </a:r>
+          </a:p>
+          <a:p>
+            <a:pPr lvl="1"/>
+            <a:r>
+              <a:rPr lang="it-IT" sz="2000" dirty="0">
+                <a:cs typeface="Courier New" panose="02070309020205020404" pitchFamily="49" charset="0"/>
+              </a:rPr>
+              <a:t>High </a:t>
+            </a:r>
+            <a:r>
+              <a:rPr lang="it-IT" sz="2000" dirty="0" err="1">
+                <a:cs typeface="Courier New" panose="02070309020205020404" pitchFamily="49" charset="0"/>
+              </a:rPr>
+              <a:t>level</a:t>
+            </a:r>
+            <a:r>
+              <a:rPr lang="it-IT" sz="2000" dirty="0">
+                <a:cs typeface="Courier New" panose="02070309020205020404" pitchFamily="49" charset="0"/>
+              </a:rPr>
+              <a:t> of </a:t>
+            </a:r>
+            <a:r>
+              <a:rPr lang="it-IT" sz="2000" dirty="0" err="1">
+                <a:cs typeface="Courier New" panose="02070309020205020404" pitchFamily="49" charset="0"/>
+              </a:rPr>
+              <a:t>intercompatibility</a:t>
+            </a:r>
+            <a:endParaRPr lang="it-IT" sz="2000" dirty="0">
+              <a:cs typeface="Courier New" panose="02070309020205020404" pitchFamily="49" charset="0"/>
+            </a:endParaRPr>
+          </a:p>
+          <a:p>
+            <a:pPr lvl="1"/>
+            <a:r>
+              <a:rPr lang="it-IT" sz="2000" dirty="0">
+                <a:cs typeface="Courier New" panose="02070309020205020404" pitchFamily="49" charset="0"/>
+              </a:rPr>
+              <a:t>No </a:t>
+            </a:r>
+            <a:r>
+              <a:rPr lang="it-IT" sz="2000" dirty="0" err="1">
+                <a:cs typeface="Courier New" panose="02070309020205020404" pitchFamily="49" charset="0"/>
+              </a:rPr>
+              <a:t>need</a:t>
+            </a:r>
+            <a:r>
+              <a:rPr lang="it-IT" sz="2000" dirty="0">
+                <a:cs typeface="Courier New" panose="02070309020205020404" pitchFamily="49" charset="0"/>
+              </a:rPr>
+              <a:t> for </a:t>
+            </a:r>
+            <a:r>
+              <a:rPr lang="it-IT" sz="2000" dirty="0" err="1">
+                <a:cs typeface="Courier New" panose="02070309020205020404" pitchFamily="49" charset="0"/>
+              </a:rPr>
+              <a:t>higher</a:t>
+            </a:r>
+            <a:r>
+              <a:rPr lang="it-IT" sz="2000" dirty="0">
+                <a:cs typeface="Courier New" panose="02070309020205020404" pitchFamily="49" charset="0"/>
+              </a:rPr>
+              <a:t> </a:t>
+            </a:r>
+            <a:r>
+              <a:rPr lang="it-IT" sz="2000" dirty="0" err="1">
+                <a:cs typeface="Courier New" panose="02070309020205020404" pitchFamily="49" charset="0"/>
+              </a:rPr>
+              <a:t>level</a:t>
+            </a:r>
+            <a:r>
+              <a:rPr lang="it-IT" sz="2000" dirty="0">
+                <a:cs typeface="Courier New" panose="02070309020205020404" pitchFamily="49" charset="0"/>
+              </a:rPr>
+              <a:t> </a:t>
+            </a:r>
+            <a:r>
+              <a:rPr lang="it-IT" sz="2000" dirty="0" err="1">
+                <a:cs typeface="Courier New" panose="02070309020205020404" pitchFamily="49" charset="0"/>
+              </a:rPr>
+              <a:t>customization</a:t>
+            </a:r>
+            <a:endParaRPr lang="it-IT" sz="2000" dirty="0">
+              <a:cs typeface="Courier New" panose="02070309020205020404" pitchFamily="49" charset="0"/>
+            </a:endParaRPr>
+          </a:p>
+          <a:p>
+            <a:r>
+              <a:rPr lang="it-IT" sz="2400" dirty="0" err="1">
+                <a:cs typeface="Courier New" panose="02070309020205020404" pitchFamily="49" charset="0"/>
+              </a:rPr>
+              <a:t>Most</a:t>
+            </a:r>
+            <a:r>
+              <a:rPr lang="it-IT" sz="2400" dirty="0">
+                <a:cs typeface="Courier New" panose="02070309020205020404" pitchFamily="49" charset="0"/>
+              </a:rPr>
+              <a:t> </a:t>
+            </a:r>
+            <a:r>
+              <a:rPr lang="it-IT" sz="2400" dirty="0" err="1">
+                <a:cs typeface="Courier New" panose="02070309020205020404" pitchFamily="49" charset="0"/>
+              </a:rPr>
+              <a:t>sensor</a:t>
+            </a:r>
+            <a:r>
+              <a:rPr lang="it-IT" sz="2400" dirty="0">
+                <a:cs typeface="Courier New" panose="02070309020205020404" pitchFamily="49" charset="0"/>
+              </a:rPr>
+              <a:t> classes generate </a:t>
+            </a:r>
+            <a:r>
+              <a:rPr lang="it-IT" sz="2400" dirty="0" err="1">
+                <a:cs typeface="Courier New" panose="02070309020205020404" pitchFamily="49" charset="0"/>
+              </a:rPr>
+              <a:t>values</a:t>
+            </a:r>
+            <a:r>
+              <a:rPr lang="it-IT" sz="2400" dirty="0">
+                <a:cs typeface="Courier New" panose="02070309020205020404" pitchFamily="49" charset="0"/>
+              </a:rPr>
+              <a:t> </a:t>
+            </a:r>
+            <a:r>
+              <a:rPr lang="it-IT" sz="2400" dirty="0" err="1">
+                <a:cs typeface="Courier New" panose="02070309020205020404" pitchFamily="49" charset="0"/>
+              </a:rPr>
+              <a:t>using</a:t>
+            </a:r>
+            <a:r>
+              <a:rPr lang="it-IT" sz="2400" dirty="0">
+                <a:cs typeface="Courier New" panose="02070309020205020404" pitchFamily="49" charset="0"/>
+              </a:rPr>
+              <a:t> </a:t>
+            </a:r>
+            <a:r>
+              <a:rPr lang="it-IT" sz="2400" dirty="0" err="1">
+                <a:cs typeface="Courier New" panose="02070309020205020404" pitchFamily="49" charset="0"/>
+              </a:rPr>
+              <a:t>instances</a:t>
+            </a:r>
+            <a:r>
+              <a:rPr lang="it-IT" sz="2400" dirty="0">
+                <a:cs typeface="Courier New" panose="02070309020205020404" pitchFamily="49" charset="0"/>
+              </a:rPr>
+              <a:t> of appropriate «simulator» classes.</a:t>
+            </a:r>
+          </a:p>
+          <a:p>
+            <a:r>
+              <a:rPr lang="it-IT" sz="2400" dirty="0" err="1"/>
+              <a:t>Built</a:t>
+            </a:r>
+            <a:r>
+              <a:rPr lang="it-IT" sz="2400" dirty="0"/>
+              <a:t>-in </a:t>
+            </a:r>
+            <a:r>
+              <a:rPr lang="it-IT" sz="2400" dirty="0" err="1"/>
+              <a:t>timeout</a:t>
+            </a:r>
+            <a:r>
+              <a:rPr lang="it-IT" sz="2400" dirty="0"/>
+              <a:t> </a:t>
+            </a:r>
+            <a:r>
+              <a:rPr lang="it-IT" sz="2400" dirty="0" err="1"/>
+              <a:t>error</a:t>
+            </a:r>
+            <a:r>
+              <a:rPr lang="it-IT" sz="2400" dirty="0"/>
+              <a:t> check</a:t>
+            </a:r>
+          </a:p>
+          <a:p>
+            <a:r>
+              <a:rPr lang="it-IT" sz="2400" dirty="0"/>
+              <a:t>Generation of </a:t>
+            </a:r>
+            <a:r>
+              <a:rPr lang="it-IT" sz="2400" dirty="0" err="1"/>
+              <a:t>SenML-compliant</a:t>
+            </a:r>
+            <a:r>
+              <a:rPr lang="it-IT" sz="2400" dirty="0"/>
+              <a:t> outputs</a:t>
+            </a:r>
+          </a:p>
+        </p:txBody>
+      </p:sp>
+    </p:spTree>
+    <p:extLst>
+      <p:ext uri="{BB962C8B-B14F-4D97-AF65-F5344CB8AC3E}">
+        <p14:creationId xmlns:p14="http://schemas.microsoft.com/office/powerpoint/2010/main" val="1593645647"/>
+      </p:ext>
+    </p:extLst>
+  </p:cSld>
+  <p:clrMapOvr>
+    <a:masterClrMapping/>
+  </p:clrMapOvr>
+</p:sld>
+</file>
+
+<file path=ppt/slides/slide17.xml><?xml version="1.0" encoding="utf-8"?>
+<p:sld xmlns:a="http://schemas.openxmlformats.org/drawingml/2006/main" xmlns:r="http://schemas.openxmlformats.org/officeDocument/2006/relationships" xmlns:p="http://schemas.openxmlformats.org/presentationml/2006/main">
+  <p:cSld>
+    <p:spTree>
+      <p:nvGrpSpPr>
+        <p:cNvPr id="1" name=""/>
+        <p:cNvGrpSpPr/>
+        <p:nvPr/>
+      </p:nvGrpSpPr>
+      <p:grpSpPr>
+        <a:xfrm>
+          <a:off x="0" y="0"/>
+          <a:ext cx="0" cy="0"/>
+          <a:chOff x="0" y="0"/>
+          <a:chExt cx="0" cy="0"/>
+        </a:xfrm>
+      </p:grpSpPr>
+      <p:sp>
+        <p:nvSpPr>
+          <p:cNvPr id="2" name="Titolo 1">
+            <a:extLst>
+              <a:ext uri="{FF2B5EF4-FFF2-40B4-BE49-F238E27FC236}">
+                <a16:creationId xmlns:a16="http://schemas.microsoft.com/office/drawing/2014/main" id="{9ADA3DEC-9ED5-E6C1-49A0-4F9119CDFE35}"/>
+              </a:ext>
+            </a:extLst>
+          </p:cNvPr>
+          <p:cNvSpPr>
+            <a:spLocks noGrp="1"/>
+          </p:cNvSpPr>
+          <p:nvPr>
+            <p:ph type="title"/>
+          </p:nvPr>
+        </p:nvSpPr>
+        <p:spPr/>
+        <p:txBody>
+          <a:bodyPr/>
+          <a:lstStyle/>
+          <a:p>
+            <a:r>
+              <a:rPr lang="it-IT" dirty="0"/>
+              <a:t>Device </a:t>
+            </a:r>
+            <a:r>
+              <a:rPr lang="it-IT" dirty="0" err="1"/>
+              <a:t>connector</a:t>
+            </a:r>
+            <a:r>
+              <a:rPr lang="it-IT" dirty="0"/>
+              <a:t>: </a:t>
+            </a:r>
+            <a:r>
+              <a:rPr lang="it-IT" dirty="0" err="1">
+                <a:latin typeface="Courier New" panose="02070309020205020404" pitchFamily="49" charset="0"/>
+                <a:cs typeface="Courier New" panose="02070309020205020404" pitchFamily="49" charset="0"/>
+              </a:rPr>
+              <a:t>CatalogUpdater</a:t>
+            </a:r>
+            <a:endParaRPr lang="it-IT" dirty="0"/>
+          </a:p>
+        </p:txBody>
+      </p:sp>
+      <p:sp>
+        <p:nvSpPr>
+          <p:cNvPr id="3" name="Segnaposto contenuto 2">
+            <a:extLst>
+              <a:ext uri="{FF2B5EF4-FFF2-40B4-BE49-F238E27FC236}">
+                <a16:creationId xmlns:a16="http://schemas.microsoft.com/office/drawing/2014/main" id="{1B2D2077-5CE0-D029-6FDA-A8B6B784D6D4}"/>
+              </a:ext>
+            </a:extLst>
+          </p:cNvPr>
+          <p:cNvSpPr>
+            <a:spLocks noGrp="1"/>
+          </p:cNvSpPr>
+          <p:nvPr>
+            <p:ph idx="1"/>
+          </p:nvPr>
+        </p:nvSpPr>
+        <p:spPr>
+          <a:xfrm>
+            <a:off x="677335" y="2160589"/>
+            <a:ext cx="6574576" cy="3880773"/>
+          </a:xfrm>
+        </p:spPr>
+        <p:txBody>
+          <a:bodyPr/>
+          <a:lstStyle/>
+          <a:p>
+            <a:pPr marL="0" indent="0">
+              <a:buNone/>
+            </a:pPr>
+            <a:r>
+              <a:rPr lang="it-IT" dirty="0"/>
+              <a:t>The </a:t>
+            </a:r>
+            <a:r>
+              <a:rPr lang="it-IT" dirty="0" err="1">
+                <a:latin typeface="Courier New" panose="02070309020205020404" pitchFamily="49" charset="0"/>
+                <a:cs typeface="Courier New" panose="02070309020205020404" pitchFamily="49" charset="0"/>
+              </a:rPr>
+              <a:t>CatalogUpdater</a:t>
+            </a:r>
+            <a:r>
+              <a:rPr lang="it-IT" dirty="0">
+                <a:cs typeface="Courier New" panose="02070309020205020404" pitchFamily="49" charset="0"/>
+              </a:rPr>
+              <a:t> class </a:t>
+            </a:r>
+            <a:r>
+              <a:rPr lang="it-IT" dirty="0" err="1">
+                <a:cs typeface="Courier New" panose="02070309020205020404" pitchFamily="49" charset="0"/>
+              </a:rPr>
+              <a:t>performs</a:t>
+            </a:r>
+            <a:r>
+              <a:rPr lang="it-IT" dirty="0">
+                <a:cs typeface="Courier New" panose="02070309020205020404" pitchFamily="49" charset="0"/>
+              </a:rPr>
+              <a:t> </a:t>
+            </a:r>
+            <a:r>
+              <a:rPr lang="it-IT" dirty="0" err="1">
+                <a:cs typeface="Courier New" panose="02070309020205020404" pitchFamily="49" charset="0"/>
+              </a:rPr>
+              <a:t>all</a:t>
+            </a:r>
+            <a:r>
+              <a:rPr lang="it-IT" dirty="0">
+                <a:cs typeface="Courier New" panose="02070309020205020404" pitchFamily="49" charset="0"/>
+              </a:rPr>
+              <a:t> the </a:t>
+            </a:r>
+            <a:r>
+              <a:rPr lang="it-IT" dirty="0" err="1">
+                <a:cs typeface="Courier New" panose="02070309020205020404" pitchFamily="49" charset="0"/>
+              </a:rPr>
+              <a:t>operations</a:t>
+            </a:r>
+            <a:r>
+              <a:rPr lang="it-IT" dirty="0">
+                <a:cs typeface="Courier New" panose="02070309020205020404" pitchFamily="49" charset="0"/>
+              </a:rPr>
+              <a:t> </a:t>
+            </a:r>
+            <a:r>
+              <a:rPr lang="it-IT" dirty="0" err="1">
+                <a:cs typeface="Courier New" panose="02070309020205020404" pitchFamily="49" charset="0"/>
+              </a:rPr>
+              <a:t>involving</a:t>
+            </a:r>
+            <a:r>
+              <a:rPr lang="it-IT" dirty="0">
+                <a:cs typeface="Courier New" panose="02070309020205020404" pitchFamily="49" charset="0"/>
+              </a:rPr>
+              <a:t> the </a:t>
+            </a:r>
+            <a:r>
+              <a:rPr lang="it-IT" dirty="0" err="1">
+                <a:cs typeface="Courier New" panose="02070309020205020404" pitchFamily="49" charset="0"/>
+              </a:rPr>
+              <a:t>sensors</a:t>
+            </a:r>
+            <a:r>
+              <a:rPr lang="it-IT" dirty="0">
+                <a:cs typeface="Courier New" panose="02070309020205020404" pitchFamily="49" charset="0"/>
+              </a:rPr>
+              <a:t>’ entries in the device </a:t>
+            </a:r>
+            <a:r>
+              <a:rPr lang="it-IT" dirty="0" err="1">
+                <a:cs typeface="Courier New" panose="02070309020205020404" pitchFamily="49" charset="0"/>
+              </a:rPr>
+              <a:t>catalog</a:t>
+            </a:r>
+            <a:r>
+              <a:rPr lang="it-IT" dirty="0">
+                <a:cs typeface="Courier New" panose="02070309020205020404" pitchFamily="49" charset="0"/>
+              </a:rPr>
+              <a:t> </a:t>
+            </a:r>
+            <a:r>
+              <a:rPr lang="it-IT" dirty="0" err="1">
+                <a:cs typeface="Courier New" panose="02070309020205020404" pitchFamily="49" charset="0"/>
+              </a:rPr>
+              <a:t>using</a:t>
+            </a:r>
+            <a:r>
+              <a:rPr lang="it-IT" dirty="0">
+                <a:cs typeface="Courier New" panose="02070309020205020404" pitchFamily="49" charset="0"/>
+              </a:rPr>
+              <a:t> REST-</a:t>
+            </a:r>
+            <a:r>
+              <a:rPr lang="it-IT" dirty="0" err="1">
+                <a:cs typeface="Courier New" panose="02070309020205020404" pitchFamily="49" charset="0"/>
+              </a:rPr>
+              <a:t>compliant</a:t>
+            </a:r>
+            <a:r>
+              <a:rPr lang="it-IT" dirty="0">
+                <a:cs typeface="Courier New" panose="02070309020205020404" pitchFamily="49" charset="0"/>
+              </a:rPr>
+              <a:t> </a:t>
+            </a:r>
+            <a:r>
+              <a:rPr lang="it-IT" dirty="0" err="1">
+                <a:cs typeface="Courier New" panose="02070309020205020404" pitchFamily="49" charset="0"/>
+              </a:rPr>
+              <a:t>requests</a:t>
+            </a:r>
+            <a:r>
+              <a:rPr lang="it-IT" dirty="0">
+                <a:cs typeface="Courier New" panose="02070309020205020404" pitchFamily="49" charset="0"/>
+              </a:rPr>
+              <a:t> </a:t>
+            </a:r>
+            <a:r>
+              <a:rPr lang="it-IT" dirty="0" err="1">
+                <a:cs typeface="Courier New" panose="02070309020205020404" pitchFamily="49" charset="0"/>
+              </a:rPr>
+              <a:t>handled</a:t>
+            </a:r>
+            <a:r>
+              <a:rPr lang="it-IT" dirty="0">
+                <a:cs typeface="Courier New" panose="02070309020205020404" pitchFamily="49" charset="0"/>
+              </a:rPr>
+              <a:t> by </a:t>
+            </a:r>
+            <a:r>
+              <a:rPr lang="it-IT" dirty="0" err="1">
+                <a:cs typeface="Courier New" panose="02070309020205020404" pitchFamily="49" charset="0"/>
+              </a:rPr>
+              <a:t>CatalogServer</a:t>
+            </a:r>
+            <a:endParaRPr lang="it-IT" dirty="0">
+              <a:cs typeface="Courier New" panose="02070309020205020404" pitchFamily="49" charset="0"/>
+            </a:endParaRPr>
+          </a:p>
+          <a:p>
+            <a:r>
+              <a:rPr lang="it-IT" dirty="0" err="1">
+                <a:cs typeface="Courier New" panose="02070309020205020404" pitchFamily="49" charset="0"/>
+              </a:rPr>
+              <a:t>Presence</a:t>
+            </a:r>
+            <a:r>
+              <a:rPr lang="it-IT" dirty="0">
+                <a:cs typeface="Courier New" panose="02070309020205020404" pitchFamily="49" charset="0"/>
+              </a:rPr>
+              <a:t> check (GET </a:t>
+            </a:r>
+            <a:r>
+              <a:rPr lang="it-IT" dirty="0" err="1">
+                <a:cs typeface="Courier New" panose="02070309020205020404" pitchFamily="49" charset="0"/>
+              </a:rPr>
+              <a:t>request</a:t>
+            </a:r>
+            <a:r>
+              <a:rPr lang="it-IT" dirty="0">
+                <a:cs typeface="Courier New" panose="02070309020205020404" pitchFamily="49" charset="0"/>
+              </a:rPr>
+              <a:t>)</a:t>
+            </a:r>
+          </a:p>
+          <a:p>
+            <a:pPr lvl="1"/>
+            <a:r>
+              <a:rPr lang="it-IT" dirty="0" err="1">
+                <a:cs typeface="Courier New" panose="02070309020205020404" pitchFamily="49" charset="0"/>
+              </a:rPr>
+              <a:t>Primary</a:t>
+            </a:r>
+            <a:r>
+              <a:rPr lang="it-IT" dirty="0">
+                <a:cs typeface="Courier New" panose="02070309020205020404" pitchFamily="49" charset="0"/>
+              </a:rPr>
+              <a:t> key: device ID (must be </a:t>
+            </a:r>
+            <a:r>
+              <a:rPr lang="it-IT" dirty="0" err="1">
+                <a:cs typeface="Courier New" panose="02070309020205020404" pitchFamily="49" charset="0"/>
+              </a:rPr>
+              <a:t>unique</a:t>
+            </a:r>
+            <a:r>
+              <a:rPr lang="it-IT" dirty="0">
+                <a:cs typeface="Courier New" panose="02070309020205020404" pitchFamily="49" charset="0"/>
+              </a:rPr>
+              <a:t> for </a:t>
+            </a:r>
+            <a:r>
+              <a:rPr lang="it-IT" dirty="0" err="1">
+                <a:cs typeface="Courier New" panose="02070309020205020404" pitchFamily="49" charset="0"/>
+              </a:rPr>
+              <a:t>each</a:t>
+            </a:r>
+            <a:r>
+              <a:rPr lang="it-IT" dirty="0">
+                <a:cs typeface="Courier New" panose="02070309020205020404" pitchFamily="49" charset="0"/>
+              </a:rPr>
+              <a:t> device in the </a:t>
+            </a:r>
+            <a:r>
+              <a:rPr lang="it-IT" dirty="0" err="1">
+                <a:cs typeface="Courier New" panose="02070309020205020404" pitchFamily="49" charset="0"/>
+              </a:rPr>
+              <a:t>whole</a:t>
+            </a:r>
+            <a:r>
+              <a:rPr lang="it-IT" dirty="0">
+                <a:cs typeface="Courier New" panose="02070309020205020404" pitchFamily="49" charset="0"/>
+              </a:rPr>
+              <a:t> system)</a:t>
+            </a:r>
+          </a:p>
+          <a:p>
+            <a:r>
+              <a:rPr lang="it-IT" dirty="0">
+                <a:cs typeface="Courier New" panose="02070309020205020404" pitchFamily="49" charset="0"/>
+              </a:rPr>
+              <a:t>Sensor </a:t>
+            </a:r>
+            <a:r>
+              <a:rPr lang="it-IT" dirty="0" err="1">
+                <a:cs typeface="Courier New" panose="02070309020205020404" pitchFamily="49" charset="0"/>
+              </a:rPr>
+              <a:t>insertion</a:t>
+            </a:r>
+            <a:r>
+              <a:rPr lang="it-IT" dirty="0">
+                <a:cs typeface="Courier New" panose="02070309020205020404" pitchFamily="49" charset="0"/>
+              </a:rPr>
+              <a:t> (POST </a:t>
+            </a:r>
+            <a:r>
+              <a:rPr lang="it-IT" dirty="0" err="1">
+                <a:cs typeface="Courier New" panose="02070309020205020404" pitchFamily="49" charset="0"/>
+              </a:rPr>
+              <a:t>request</a:t>
+            </a:r>
+            <a:r>
+              <a:rPr lang="it-IT" dirty="0">
+                <a:cs typeface="Courier New" panose="02070309020205020404" pitchFamily="49" charset="0"/>
+              </a:rPr>
+              <a:t>)</a:t>
+            </a:r>
+          </a:p>
+          <a:p>
+            <a:r>
+              <a:rPr lang="it-IT" dirty="0">
+                <a:cs typeface="Courier New" panose="02070309020205020404" pitchFamily="49" charset="0"/>
+              </a:rPr>
+              <a:t>Sensor update (PUT </a:t>
+            </a:r>
+            <a:r>
+              <a:rPr lang="it-IT" dirty="0" err="1">
+                <a:cs typeface="Courier New" panose="02070309020205020404" pitchFamily="49" charset="0"/>
+              </a:rPr>
+              <a:t>request</a:t>
+            </a:r>
+            <a:r>
+              <a:rPr lang="it-IT" dirty="0">
+                <a:cs typeface="Courier New" panose="02070309020205020404" pitchFamily="49" charset="0"/>
+              </a:rPr>
+              <a:t>)</a:t>
+            </a:r>
+            <a:endParaRPr lang="it-IT" dirty="0"/>
+          </a:p>
+        </p:txBody>
+      </p:sp>
+      <p:sp>
+        <p:nvSpPr>
+          <p:cNvPr id="4" name="CasellaDiTesto 3">
+            <a:extLst>
+              <a:ext uri="{FF2B5EF4-FFF2-40B4-BE49-F238E27FC236}">
+                <a16:creationId xmlns:a16="http://schemas.microsoft.com/office/drawing/2014/main" id="{2AE4221E-139D-1D96-FFF0-3AC7B356A5BA}"/>
+              </a:ext>
+            </a:extLst>
+          </p:cNvPr>
+          <p:cNvSpPr txBox="1"/>
+          <p:nvPr/>
+        </p:nvSpPr>
+        <p:spPr>
+          <a:xfrm>
+            <a:off x="7614993" y="2700234"/>
+            <a:ext cx="2229853" cy="369332"/>
+          </a:xfrm>
+          <a:prstGeom prst="rect">
+            <a:avLst/>
+          </a:prstGeom>
+        </p:spPr>
+        <p:style>
+          <a:lnRef idx="2">
+            <a:schemeClr val="accent3">
+              <a:shade val="50000"/>
+            </a:schemeClr>
+          </a:lnRef>
+          <a:fillRef idx="1">
+            <a:schemeClr val="accent3"/>
+          </a:fillRef>
+          <a:effectRef idx="0">
+            <a:schemeClr val="accent3"/>
+          </a:effectRef>
+          <a:fontRef idx="minor">
+            <a:schemeClr val="lt1"/>
+          </a:fontRef>
+        </p:style>
+        <p:txBody>
+          <a:bodyPr wrap="square" rtlCol="0">
+            <a:spAutoFit/>
+          </a:bodyPr>
+          <a:lstStyle/>
+          <a:p>
+            <a:pPr algn="ctr"/>
+            <a:r>
+              <a:rPr lang="it-IT" dirty="0" err="1">
+                <a:solidFill>
+                  <a:schemeClr val="tx1"/>
+                </a:solidFill>
+                <a:latin typeface="Consolas" panose="020B0609020204030204" pitchFamily="49" charset="0"/>
+              </a:rPr>
+              <a:t>CatalogServer</a:t>
+            </a:r>
+            <a:endParaRPr lang="it-IT" dirty="0">
+              <a:solidFill>
+                <a:schemeClr val="tx1"/>
+              </a:solidFill>
+              <a:latin typeface="Consolas" panose="020B0609020204030204" pitchFamily="49" charset="0"/>
+            </a:endParaRPr>
+          </a:p>
+        </p:txBody>
+      </p:sp>
+      <p:sp>
+        <p:nvSpPr>
+          <p:cNvPr id="5" name="CasellaDiTesto 4">
+            <a:extLst>
+              <a:ext uri="{FF2B5EF4-FFF2-40B4-BE49-F238E27FC236}">
+                <a16:creationId xmlns:a16="http://schemas.microsoft.com/office/drawing/2014/main" id="{09957D25-C157-EDE0-3D12-E34401EE94AF}"/>
+              </a:ext>
+            </a:extLst>
+          </p:cNvPr>
+          <p:cNvSpPr txBox="1"/>
+          <p:nvPr/>
+        </p:nvSpPr>
+        <p:spPr>
+          <a:xfrm>
+            <a:off x="7614992" y="4499546"/>
+            <a:ext cx="2229853" cy="369332"/>
+          </a:xfrm>
+          <a:prstGeom prst="rect">
+            <a:avLst/>
+          </a:prstGeom>
+        </p:spPr>
+        <p:style>
+          <a:lnRef idx="2">
+            <a:schemeClr val="accent3">
+              <a:shade val="50000"/>
+            </a:schemeClr>
+          </a:lnRef>
+          <a:fillRef idx="1">
+            <a:schemeClr val="accent3"/>
+          </a:fillRef>
+          <a:effectRef idx="0">
+            <a:schemeClr val="accent3"/>
+          </a:effectRef>
+          <a:fontRef idx="minor">
+            <a:schemeClr val="lt1"/>
+          </a:fontRef>
+        </p:style>
+        <p:txBody>
+          <a:bodyPr wrap="square" rtlCol="0">
+            <a:spAutoFit/>
+          </a:bodyPr>
+          <a:lstStyle/>
+          <a:p>
+            <a:pPr algn="ctr"/>
+            <a:r>
+              <a:rPr lang="it-IT" dirty="0" err="1">
+                <a:solidFill>
+                  <a:schemeClr val="tx1"/>
+                </a:solidFill>
+                <a:latin typeface="Consolas" panose="020B0609020204030204" pitchFamily="49" charset="0"/>
+              </a:rPr>
+              <a:t>CatalogUpdater</a:t>
+            </a:r>
+            <a:endParaRPr lang="it-IT" dirty="0">
+              <a:solidFill>
+                <a:schemeClr val="tx1"/>
+              </a:solidFill>
+              <a:latin typeface="Consolas" panose="020B0609020204030204" pitchFamily="49" charset="0"/>
+            </a:endParaRPr>
+          </a:p>
+        </p:txBody>
+      </p:sp>
+      <p:cxnSp>
+        <p:nvCxnSpPr>
+          <p:cNvPr id="7" name="Connettore 2 6">
+            <a:extLst>
+              <a:ext uri="{FF2B5EF4-FFF2-40B4-BE49-F238E27FC236}">
+                <a16:creationId xmlns:a16="http://schemas.microsoft.com/office/drawing/2014/main" id="{C3DA8CC8-23DA-93B0-DCA0-1B9D1C591116}"/>
+              </a:ext>
+            </a:extLst>
+          </p:cNvPr>
+          <p:cNvCxnSpPr/>
+          <p:nvPr/>
+        </p:nvCxnSpPr>
+        <p:spPr>
+          <a:xfrm flipV="1">
+            <a:off x="8040477" y="3069566"/>
+            <a:ext cx="0" cy="1429980"/>
+          </a:xfrm>
+          <a:prstGeom prst="straightConnector1">
+            <a:avLst/>
+          </a:prstGeom>
+          <a:ln>
+            <a:tailEnd type="triangle"/>
+          </a:ln>
+        </p:spPr>
+        <p:style>
+          <a:lnRef idx="1">
+            <a:schemeClr val="accent1"/>
+          </a:lnRef>
+          <a:fillRef idx="0">
+            <a:schemeClr val="accent1"/>
+          </a:fillRef>
+          <a:effectRef idx="0">
+            <a:schemeClr val="accent1"/>
+          </a:effectRef>
+          <a:fontRef idx="minor">
+            <a:schemeClr val="tx1"/>
+          </a:fontRef>
+        </p:style>
+      </p:cxnSp>
+      <p:cxnSp>
+        <p:nvCxnSpPr>
+          <p:cNvPr id="12" name="Connettore 2 11">
+            <a:extLst>
+              <a:ext uri="{FF2B5EF4-FFF2-40B4-BE49-F238E27FC236}">
+                <a16:creationId xmlns:a16="http://schemas.microsoft.com/office/drawing/2014/main" id="{4AB90B21-92FB-A6F4-9958-8474719561B4}"/>
+              </a:ext>
+            </a:extLst>
+          </p:cNvPr>
+          <p:cNvCxnSpPr/>
+          <p:nvPr/>
+        </p:nvCxnSpPr>
+        <p:spPr>
+          <a:xfrm>
+            <a:off x="9474994" y="3069566"/>
+            <a:ext cx="0" cy="1429980"/>
+          </a:xfrm>
+          <a:prstGeom prst="straightConnector1">
+            <a:avLst/>
+          </a:prstGeom>
+          <a:ln>
+            <a:tailEnd type="triangle"/>
+          </a:ln>
+        </p:spPr>
+        <p:style>
+          <a:lnRef idx="1">
+            <a:schemeClr val="accent1"/>
+          </a:lnRef>
+          <a:fillRef idx="0">
+            <a:schemeClr val="accent1"/>
+          </a:fillRef>
+          <a:effectRef idx="0">
+            <a:schemeClr val="accent1"/>
+          </a:effectRef>
+          <a:fontRef idx="minor">
+            <a:schemeClr val="tx1"/>
+          </a:fontRef>
+        </p:style>
+      </p:cxnSp>
+      <p:sp>
+        <p:nvSpPr>
+          <p:cNvPr id="13" name="CasellaDiTesto 12">
+            <a:extLst>
+              <a:ext uri="{FF2B5EF4-FFF2-40B4-BE49-F238E27FC236}">
+                <a16:creationId xmlns:a16="http://schemas.microsoft.com/office/drawing/2014/main" id="{552937CB-24B4-0633-F23C-01AB26B9A279}"/>
+              </a:ext>
+            </a:extLst>
+          </p:cNvPr>
+          <p:cNvSpPr txBox="1"/>
+          <p:nvPr/>
+        </p:nvSpPr>
+        <p:spPr>
+          <a:xfrm>
+            <a:off x="7508145" y="3506640"/>
+            <a:ext cx="1064663" cy="523220"/>
+          </a:xfrm>
+          <a:prstGeom prst="rect">
+            <a:avLst/>
+          </a:prstGeom>
+          <a:noFill/>
+        </p:spPr>
+        <p:txBody>
+          <a:bodyPr wrap="square" rtlCol="0">
+            <a:spAutoFit/>
+          </a:bodyPr>
+          <a:lstStyle/>
+          <a:p>
+            <a:pPr algn="ctr"/>
+            <a:r>
+              <a:rPr lang="it-IT" sz="1400" dirty="0"/>
+              <a:t>(1)</a:t>
+            </a:r>
+          </a:p>
+          <a:p>
+            <a:pPr algn="ctr"/>
+            <a:r>
+              <a:rPr lang="it-IT" sz="1400" dirty="0" err="1"/>
+              <a:t>Request</a:t>
+            </a:r>
+            <a:endParaRPr lang="it-IT" sz="1400" dirty="0"/>
+          </a:p>
+        </p:txBody>
+      </p:sp>
+      <p:sp>
+        <p:nvSpPr>
+          <p:cNvPr id="14" name="CasellaDiTesto 13">
+            <a:extLst>
+              <a:ext uri="{FF2B5EF4-FFF2-40B4-BE49-F238E27FC236}">
+                <a16:creationId xmlns:a16="http://schemas.microsoft.com/office/drawing/2014/main" id="{06345ED3-8DE5-6EAE-B069-053B542DD7F0}"/>
+              </a:ext>
+            </a:extLst>
+          </p:cNvPr>
+          <p:cNvSpPr txBox="1"/>
+          <p:nvPr/>
+        </p:nvSpPr>
+        <p:spPr>
+          <a:xfrm>
+            <a:off x="8942662" y="3522946"/>
+            <a:ext cx="1064663" cy="523220"/>
+          </a:xfrm>
+          <a:prstGeom prst="rect">
+            <a:avLst/>
+          </a:prstGeom>
+          <a:noFill/>
+        </p:spPr>
+        <p:txBody>
+          <a:bodyPr wrap="square" rtlCol="0">
+            <a:spAutoFit/>
+          </a:bodyPr>
+          <a:lstStyle/>
+          <a:p>
+            <a:pPr algn="ctr"/>
+            <a:r>
+              <a:rPr lang="it-IT" sz="1400" dirty="0"/>
+              <a:t>(2)</a:t>
+            </a:r>
+          </a:p>
+          <a:p>
+            <a:pPr algn="ctr"/>
+            <a:r>
+              <a:rPr lang="it-IT" sz="1400" dirty="0" err="1"/>
+              <a:t>Response</a:t>
+            </a:r>
+            <a:endParaRPr lang="it-IT" sz="1400" dirty="0"/>
+          </a:p>
+        </p:txBody>
+      </p:sp>
+    </p:spTree>
+    <p:extLst>
+      <p:ext uri="{BB962C8B-B14F-4D97-AF65-F5344CB8AC3E}">
+        <p14:creationId xmlns:p14="http://schemas.microsoft.com/office/powerpoint/2010/main" val="89531226"/>
+      </p:ext>
+    </p:extLst>
+  </p:cSld>
+  <p:clrMapOvr>
+    <a:masterClrMapping/>
+  </p:clrMapOvr>
+</p:sld>
+</file>
+
+<file path=ppt/slides/slide18.xml><?xml version="1.0" encoding="utf-8"?>
+<p:sld xmlns:a="http://schemas.openxmlformats.org/drawingml/2006/main" xmlns:r="http://schemas.openxmlformats.org/officeDocument/2006/relationships" xmlns:p="http://schemas.openxmlformats.org/presentationml/2006/main">
+  <p:cSld>
+    <p:spTree>
+      <p:nvGrpSpPr>
+        <p:cNvPr id="1" name=""/>
+        <p:cNvGrpSpPr/>
+        <p:nvPr/>
+      </p:nvGrpSpPr>
+      <p:grpSpPr>
+        <a:xfrm>
+          <a:off x="0" y="0"/>
+          <a:ext cx="0" cy="0"/>
+          <a:chOff x="0" y="0"/>
+          <a:chExt cx="0" cy="0"/>
+        </a:xfrm>
+      </p:grpSpPr>
+      <p:sp>
+        <p:nvSpPr>
+          <p:cNvPr id="2" name="Titolo 1">
+            <a:extLst>
+              <a:ext uri="{FF2B5EF4-FFF2-40B4-BE49-F238E27FC236}">
+                <a16:creationId xmlns:a16="http://schemas.microsoft.com/office/drawing/2014/main" id="{762A7691-64ED-8E39-55D4-B222E18CA5F1}"/>
+              </a:ext>
+            </a:extLst>
+          </p:cNvPr>
+          <p:cNvSpPr>
+            <a:spLocks noGrp="1"/>
+          </p:cNvSpPr>
+          <p:nvPr>
+            <p:ph type="title"/>
+          </p:nvPr>
+        </p:nvSpPr>
+        <p:spPr>
+          <a:xfrm>
+            <a:off x="677333" y="609600"/>
+            <a:ext cx="9862329" cy="1320800"/>
+          </a:xfrm>
+        </p:spPr>
+        <p:txBody>
+          <a:bodyPr>
+            <a:normAutofit/>
+          </a:bodyPr>
+          <a:lstStyle/>
+          <a:p>
+            <a:r>
+              <a:rPr lang="it-IT" sz="4000" dirty="0"/>
+              <a:t>Device </a:t>
+            </a:r>
+            <a:r>
+              <a:rPr lang="it-IT" sz="3900" dirty="0" err="1"/>
+              <a:t>connector</a:t>
+            </a:r>
+            <a:r>
+              <a:rPr lang="it-IT" sz="4000" dirty="0"/>
+              <a:t>: </a:t>
+            </a:r>
+            <a:r>
+              <a:rPr lang="it-IT" sz="4000" dirty="0" err="1">
+                <a:latin typeface="Courier New" panose="02070309020205020404" pitchFamily="49" charset="0"/>
+                <a:cs typeface="Courier New" panose="02070309020205020404" pitchFamily="49" charset="0"/>
+              </a:rPr>
+              <a:t>SensorPublisher</a:t>
+            </a:r>
+            <a:endParaRPr lang="it-IT" sz="4000" dirty="0"/>
+          </a:p>
+        </p:txBody>
+      </p:sp>
+      <p:sp>
+        <p:nvSpPr>
+          <p:cNvPr id="3" name="Segnaposto contenuto 2">
+            <a:extLst>
+              <a:ext uri="{FF2B5EF4-FFF2-40B4-BE49-F238E27FC236}">
+                <a16:creationId xmlns:a16="http://schemas.microsoft.com/office/drawing/2014/main" id="{3758799E-F97B-48AE-E9E3-118D4A095465}"/>
+              </a:ext>
+            </a:extLst>
+          </p:cNvPr>
+          <p:cNvSpPr>
+            <a:spLocks noGrp="1"/>
+          </p:cNvSpPr>
+          <p:nvPr>
+            <p:ph idx="1"/>
+          </p:nvPr>
+        </p:nvSpPr>
+        <p:spPr/>
+        <p:txBody>
+          <a:bodyPr>
+            <a:normAutofit/>
+          </a:bodyPr>
+          <a:lstStyle/>
+          <a:p>
+            <a:r>
+              <a:rPr lang="it-IT" sz="2800" dirty="0" err="1"/>
+              <a:t>Initializes</a:t>
+            </a:r>
+            <a:r>
+              <a:rPr lang="it-IT" sz="2800" dirty="0"/>
+              <a:t> MQTT client</a:t>
+            </a:r>
+          </a:p>
+          <a:p>
+            <a:r>
+              <a:rPr lang="it-IT" sz="2800" dirty="0" err="1"/>
+              <a:t>Includes</a:t>
+            </a:r>
+            <a:r>
+              <a:rPr lang="it-IT" sz="2800" dirty="0"/>
+              <a:t> an </a:t>
+            </a:r>
+            <a:r>
+              <a:rPr lang="it-IT" sz="2800" dirty="0" err="1"/>
+              <a:t>instance</a:t>
+            </a:r>
+            <a:r>
+              <a:rPr lang="it-IT" sz="2800" dirty="0"/>
+              <a:t> of </a:t>
+            </a:r>
+            <a:r>
+              <a:rPr lang="it-IT" sz="2800" dirty="0" err="1">
+                <a:latin typeface="Courier New" panose="02070309020205020404" pitchFamily="49" charset="0"/>
+                <a:cs typeface="Courier New" panose="02070309020205020404" pitchFamily="49" charset="0"/>
+              </a:rPr>
+              <a:t>CatalogUpdater</a:t>
+            </a:r>
+            <a:endParaRPr lang="it-IT" sz="2800" dirty="0">
+              <a:latin typeface="Courier New" panose="02070309020205020404" pitchFamily="49" charset="0"/>
+              <a:cs typeface="Courier New" panose="02070309020205020404" pitchFamily="49" charset="0"/>
+            </a:endParaRPr>
+          </a:p>
+          <a:p>
+            <a:r>
+              <a:rPr lang="it-IT" sz="2800" dirty="0">
+                <a:cs typeface="Courier New" panose="02070309020205020404" pitchFamily="49" charset="0"/>
+              </a:rPr>
+              <a:t>Deals with MQTT (</a:t>
+            </a:r>
+            <a:r>
+              <a:rPr lang="it-IT" sz="2800" dirty="0" err="1">
+                <a:cs typeface="Courier New" panose="02070309020205020404" pitchFamily="49" charset="0"/>
+              </a:rPr>
+              <a:t>directly</a:t>
+            </a:r>
+            <a:r>
+              <a:rPr lang="it-IT" sz="2800" dirty="0">
+                <a:cs typeface="Courier New" panose="02070309020205020404" pitchFamily="49" charset="0"/>
+              </a:rPr>
+              <a:t>) and REST (via </a:t>
+            </a:r>
+            <a:r>
+              <a:rPr lang="it-IT" sz="2800" dirty="0" err="1">
+                <a:latin typeface="Courier New" panose="02070309020205020404" pitchFamily="49" charset="0"/>
+                <a:cs typeface="Courier New" panose="02070309020205020404" pitchFamily="49" charset="0"/>
+              </a:rPr>
+              <a:t>CatalogUpdater</a:t>
+            </a:r>
+            <a:r>
+              <a:rPr lang="it-IT" sz="2800" dirty="0">
+                <a:cs typeface="Courier New" panose="02070309020205020404" pitchFamily="49" charset="0"/>
+              </a:rPr>
+              <a:t> </a:t>
+            </a:r>
+            <a:r>
+              <a:rPr lang="it-IT" sz="2800" dirty="0" err="1">
+                <a:cs typeface="Courier New" panose="02070309020205020404" pitchFamily="49" charset="0"/>
+              </a:rPr>
+              <a:t>methods</a:t>
+            </a:r>
+            <a:r>
+              <a:rPr lang="it-IT" sz="2800" dirty="0">
+                <a:cs typeface="Courier New" panose="02070309020205020404" pitchFamily="49" charset="0"/>
+              </a:rPr>
+              <a:t>) transmissions</a:t>
+            </a:r>
+          </a:p>
+          <a:p>
+            <a:pPr lvl="1"/>
+            <a:r>
+              <a:rPr lang="it-IT" sz="2800" dirty="0">
+                <a:cs typeface="Courier New" panose="02070309020205020404" pitchFamily="49" charset="0"/>
+              </a:rPr>
+              <a:t>MQTT: </a:t>
+            </a:r>
+            <a:r>
+              <a:rPr lang="it-IT" sz="2800" dirty="0" err="1">
+                <a:cs typeface="Courier New" panose="02070309020205020404" pitchFamily="49" charset="0"/>
+              </a:rPr>
+              <a:t>publishes</a:t>
+            </a:r>
+            <a:r>
+              <a:rPr lang="it-IT" sz="2800" dirty="0">
+                <a:cs typeface="Courier New" panose="02070309020205020404" pitchFamily="49" charset="0"/>
+              </a:rPr>
+              <a:t> </a:t>
+            </a:r>
+            <a:r>
+              <a:rPr lang="it-IT" sz="2800" dirty="0" err="1">
+                <a:cs typeface="Courier New" panose="02070309020205020404" pitchFamily="49" charset="0"/>
+              </a:rPr>
+              <a:t>sensor</a:t>
+            </a:r>
+            <a:r>
+              <a:rPr lang="it-IT" sz="2800" dirty="0">
+                <a:cs typeface="Courier New" panose="02070309020205020404" pitchFamily="49" charset="0"/>
+              </a:rPr>
+              <a:t> updates</a:t>
+            </a:r>
+          </a:p>
+          <a:p>
+            <a:pPr lvl="1"/>
+            <a:r>
+              <a:rPr lang="it-IT" sz="2800" dirty="0">
+                <a:cs typeface="Courier New" panose="02070309020205020404" pitchFamily="49" charset="0"/>
+              </a:rPr>
+              <a:t>REST: </a:t>
+            </a:r>
+            <a:r>
+              <a:rPr lang="it-IT" sz="2800" dirty="0" err="1">
+                <a:cs typeface="Courier New" panose="02070309020205020404" pitchFamily="49" charset="0"/>
+              </a:rPr>
+              <a:t>keeps</a:t>
+            </a:r>
+            <a:r>
+              <a:rPr lang="it-IT" sz="2800" dirty="0">
+                <a:cs typeface="Courier New" panose="02070309020205020404" pitchFamily="49" charset="0"/>
+              </a:rPr>
+              <a:t> </a:t>
+            </a:r>
+            <a:r>
+              <a:rPr lang="it-IT" sz="2800" dirty="0" err="1">
+                <a:cs typeface="Courier New" panose="02070309020205020404" pitchFamily="49" charset="0"/>
+              </a:rPr>
+              <a:t>catalog</a:t>
+            </a:r>
+            <a:r>
+              <a:rPr lang="it-IT" sz="2800" dirty="0">
+                <a:cs typeface="Courier New" panose="02070309020205020404" pitchFamily="49" charset="0"/>
+              </a:rPr>
+              <a:t> up-to-date</a:t>
+            </a:r>
+          </a:p>
+        </p:txBody>
+      </p:sp>
+    </p:spTree>
+    <p:extLst>
+      <p:ext uri="{BB962C8B-B14F-4D97-AF65-F5344CB8AC3E}">
+        <p14:creationId xmlns:p14="http://schemas.microsoft.com/office/powerpoint/2010/main" val="1490559978"/>
+      </p:ext>
+    </p:extLst>
+  </p:cSld>
+  <p:clrMapOvr>
+    <a:masterClrMapping/>
+  </p:clrMapOvr>
+</p:sld>
+</file>
+
+<file path=ppt/slides/slide19.xml><?xml version="1.0" encoding="utf-8"?>
+<p:sld xmlns:a="http://schemas.openxmlformats.org/drawingml/2006/main" xmlns:r="http://schemas.openxmlformats.org/officeDocument/2006/relationships" xmlns:p="http://schemas.openxmlformats.org/presentationml/2006/main">
+  <p:cSld>
+    <p:spTree>
+      <p:nvGrpSpPr>
+        <p:cNvPr id="1" name=""/>
+        <p:cNvGrpSpPr/>
+        <p:nvPr/>
+      </p:nvGrpSpPr>
+      <p:grpSpPr>
+        <a:xfrm>
+          <a:off x="0" y="0"/>
+          <a:ext cx="0" cy="0"/>
+          <a:chOff x="0" y="0"/>
+          <a:chExt cx="0" cy="0"/>
+        </a:xfrm>
+      </p:grpSpPr>
+      <p:sp>
+        <p:nvSpPr>
+          <p:cNvPr id="2" name="Titolo 1">
+            <a:extLst>
+              <a:ext uri="{FF2B5EF4-FFF2-40B4-BE49-F238E27FC236}">
+                <a16:creationId xmlns:a16="http://schemas.microsoft.com/office/drawing/2014/main" id="{F4A56E93-1F78-822D-0D2B-776F25436945}"/>
+              </a:ext>
+            </a:extLst>
+          </p:cNvPr>
+          <p:cNvSpPr>
+            <a:spLocks noGrp="1"/>
+          </p:cNvSpPr>
+          <p:nvPr>
+            <p:ph type="title"/>
+          </p:nvPr>
+        </p:nvSpPr>
+        <p:spPr/>
+        <p:txBody>
+          <a:bodyPr/>
+          <a:lstStyle/>
+          <a:p>
+            <a:r>
+              <a:rPr lang="it-IT" dirty="0"/>
+              <a:t>Device </a:t>
+            </a:r>
+            <a:r>
+              <a:rPr lang="it-IT" dirty="0" err="1"/>
+              <a:t>connector</a:t>
+            </a:r>
+            <a:r>
+              <a:rPr lang="it-IT" dirty="0"/>
+              <a:t>: </a:t>
+            </a:r>
+            <a:r>
+              <a:rPr lang="it-IT" dirty="0" err="1"/>
+              <a:t>actuator</a:t>
+            </a:r>
+            <a:r>
+              <a:rPr lang="it-IT" dirty="0"/>
+              <a:t> </a:t>
+            </a:r>
+            <a:r>
+              <a:rPr lang="it-IT" dirty="0" err="1"/>
+              <a:t>overview</a:t>
+            </a:r>
+            <a:endParaRPr lang="it-IT" dirty="0"/>
+          </a:p>
+        </p:txBody>
+      </p:sp>
+      <p:sp>
+        <p:nvSpPr>
+          <p:cNvPr id="6" name="Rettangolo 5">
+            <a:extLst>
+              <a:ext uri="{FF2B5EF4-FFF2-40B4-BE49-F238E27FC236}">
+                <a16:creationId xmlns:a16="http://schemas.microsoft.com/office/drawing/2014/main" id="{FB4C92C9-9880-9892-2E4D-7BA6896F0559}"/>
+              </a:ext>
+            </a:extLst>
+          </p:cNvPr>
+          <p:cNvSpPr/>
+          <p:nvPr/>
+        </p:nvSpPr>
+        <p:spPr>
+          <a:xfrm>
+            <a:off x="677334" y="1887524"/>
+            <a:ext cx="2790185" cy="2181138"/>
+          </a:xfrm>
+          <a:prstGeom prst="rect">
+            <a:avLst/>
+          </a:prstGeom>
+          <a:solidFill>
+            <a:srgbClr val="E76618">
+              <a:alpha val="50196"/>
+            </a:srgbClr>
+          </a:solidFill>
+          <a:ln>
+            <a:noFill/>
+          </a:ln>
+        </p:spPr>
+        <p:style>
+          <a:lnRef idx="2">
+            <a:schemeClr val="accent4">
+              <a:shade val="50000"/>
+            </a:schemeClr>
+          </a:lnRef>
+          <a:fillRef idx="1">
+            <a:schemeClr val="accent4"/>
+          </a:fillRef>
+          <a:effectRef idx="0">
+            <a:schemeClr val="accent4"/>
+          </a:effectRef>
+          <a:fontRef idx="minor">
+            <a:schemeClr val="lt1"/>
+          </a:fontRef>
+        </p:style>
+        <p:txBody>
+          <a:bodyPr rtlCol="0" anchor="ctr"/>
+          <a:lstStyle/>
+          <a:p>
+            <a:pPr algn="ctr"/>
+            <a:endParaRPr lang="it-IT" dirty="0"/>
+          </a:p>
+        </p:txBody>
+      </p:sp>
+      <p:sp>
+        <p:nvSpPr>
+          <p:cNvPr id="7" name="CasellaDiTesto 6">
+            <a:extLst>
+              <a:ext uri="{FF2B5EF4-FFF2-40B4-BE49-F238E27FC236}">
+                <a16:creationId xmlns:a16="http://schemas.microsoft.com/office/drawing/2014/main" id="{87880188-B9B8-5952-F22C-11162C23562F}"/>
+              </a:ext>
+            </a:extLst>
+          </p:cNvPr>
+          <p:cNvSpPr txBox="1"/>
+          <p:nvPr/>
+        </p:nvSpPr>
+        <p:spPr>
+          <a:xfrm>
+            <a:off x="1516233" y="3730108"/>
+            <a:ext cx="1157681" cy="369332"/>
+          </a:xfrm>
+          <a:prstGeom prst="rect">
+            <a:avLst/>
+          </a:prstGeom>
+          <a:noFill/>
+        </p:spPr>
+        <p:txBody>
+          <a:bodyPr wrap="square" rtlCol="0">
+            <a:spAutoFit/>
+          </a:bodyPr>
+          <a:lstStyle/>
+          <a:p>
+            <a:pPr algn="ctr"/>
+            <a:r>
+              <a:rPr lang="it-IT" dirty="0"/>
+              <a:t>Server</a:t>
+            </a:r>
+          </a:p>
+        </p:txBody>
+      </p:sp>
+      <p:sp>
+        <p:nvSpPr>
+          <p:cNvPr id="8" name="Rettangolo 7">
+            <a:extLst>
+              <a:ext uri="{FF2B5EF4-FFF2-40B4-BE49-F238E27FC236}">
+                <a16:creationId xmlns:a16="http://schemas.microsoft.com/office/drawing/2014/main" id="{039DBC32-93D4-5EF6-302E-46BBF0DC9A41}"/>
+              </a:ext>
+            </a:extLst>
+          </p:cNvPr>
+          <p:cNvSpPr/>
+          <p:nvPr/>
+        </p:nvSpPr>
+        <p:spPr>
+          <a:xfrm>
+            <a:off x="897622" y="2189526"/>
+            <a:ext cx="2206305" cy="1048624"/>
+          </a:xfrm>
+          <a:prstGeom prst="rect">
+            <a:avLst/>
+          </a:prstGeom>
+        </p:spPr>
+        <p:style>
+          <a:lnRef idx="2">
+            <a:schemeClr val="accent4">
+              <a:shade val="50000"/>
+            </a:schemeClr>
+          </a:lnRef>
+          <a:fillRef idx="1">
+            <a:schemeClr val="accent4"/>
+          </a:fillRef>
+          <a:effectRef idx="0">
+            <a:schemeClr val="accent4"/>
+          </a:effectRef>
+          <a:fontRef idx="minor">
+            <a:schemeClr val="lt1"/>
+          </a:fontRef>
+        </p:style>
+        <p:txBody>
+          <a:bodyPr rtlCol="0" anchor="ctr"/>
+          <a:lstStyle/>
+          <a:p>
+            <a:pPr algn="ctr"/>
+            <a:endParaRPr lang="it-IT"/>
+          </a:p>
+        </p:txBody>
+      </p:sp>
+      <p:sp>
+        <p:nvSpPr>
+          <p:cNvPr id="9" name="CasellaDiTesto 8">
+            <a:extLst>
+              <a:ext uri="{FF2B5EF4-FFF2-40B4-BE49-F238E27FC236}">
+                <a16:creationId xmlns:a16="http://schemas.microsoft.com/office/drawing/2014/main" id="{A03410CF-5637-CAE0-3D09-4B1AFDEE1EBD}"/>
+              </a:ext>
+            </a:extLst>
+          </p:cNvPr>
+          <p:cNvSpPr txBox="1"/>
+          <p:nvPr/>
+        </p:nvSpPr>
+        <p:spPr>
+          <a:xfrm>
+            <a:off x="897622" y="2382689"/>
+            <a:ext cx="2206305" cy="646331"/>
+          </a:xfrm>
+          <a:prstGeom prst="rect">
+            <a:avLst/>
+          </a:prstGeom>
+          <a:noFill/>
+        </p:spPr>
+        <p:txBody>
+          <a:bodyPr wrap="square" rtlCol="0">
+            <a:spAutoFit/>
+          </a:bodyPr>
+          <a:lstStyle/>
+          <a:p>
+            <a:pPr algn="ctr"/>
+            <a:r>
+              <a:rPr lang="it-IT" dirty="0" err="1">
+                <a:solidFill>
+                  <a:schemeClr val="bg1"/>
+                </a:solidFill>
+                <a:latin typeface="Consolas" panose="020B0609020204030204" pitchFamily="49" charset="0"/>
+              </a:rPr>
+              <a:t>Battery_charger</a:t>
+            </a:r>
+            <a:r>
+              <a:rPr lang="it-IT" dirty="0">
+                <a:solidFill>
+                  <a:schemeClr val="bg1"/>
+                </a:solidFill>
+                <a:latin typeface="Consolas" panose="020B0609020204030204" pitchFamily="49" charset="0"/>
+              </a:rPr>
+              <a:t>_</a:t>
+            </a:r>
+          </a:p>
+          <a:p>
+            <a:pPr algn="ctr"/>
+            <a:r>
+              <a:rPr lang="it-IT" dirty="0">
+                <a:solidFill>
+                  <a:schemeClr val="bg1"/>
+                </a:solidFill>
+                <a:latin typeface="Consolas" panose="020B0609020204030204" pitchFamily="49" charset="0"/>
+              </a:rPr>
+              <a:t>state_control.py</a:t>
+            </a:r>
+          </a:p>
+        </p:txBody>
+      </p:sp>
+      <p:sp>
+        <p:nvSpPr>
+          <p:cNvPr id="11" name="Rettangolo 10">
+            <a:extLst>
+              <a:ext uri="{FF2B5EF4-FFF2-40B4-BE49-F238E27FC236}">
+                <a16:creationId xmlns:a16="http://schemas.microsoft.com/office/drawing/2014/main" id="{2A34FBB2-C0B3-2520-8E4F-59D9EC79250D}"/>
+              </a:ext>
+            </a:extLst>
+          </p:cNvPr>
+          <p:cNvSpPr/>
+          <p:nvPr/>
+        </p:nvSpPr>
+        <p:spPr>
+          <a:xfrm>
+            <a:off x="4744473" y="2144452"/>
+            <a:ext cx="2390862" cy="1114953"/>
+          </a:xfrm>
+          <a:prstGeom prst="rect">
+            <a:avLst/>
+          </a:prstGeom>
+          <a:solidFill>
+            <a:srgbClr val="9933FF">
+              <a:alpha val="50196"/>
+            </a:srgbClr>
+          </a:solidFill>
+          <a:ln>
+            <a:noFill/>
+          </a:ln>
+        </p:spPr>
+        <p:style>
+          <a:lnRef idx="2">
+            <a:schemeClr val="accent1">
+              <a:shade val="50000"/>
+            </a:schemeClr>
+          </a:lnRef>
+          <a:fillRef idx="1">
+            <a:schemeClr val="accent1"/>
+          </a:fillRef>
+          <a:effectRef idx="0">
+            <a:schemeClr val="accent1"/>
+          </a:effectRef>
+          <a:fontRef idx="minor">
+            <a:schemeClr val="lt1"/>
+          </a:fontRef>
+        </p:style>
+        <p:txBody>
+          <a:bodyPr rtlCol="0" anchor="ctr"/>
+          <a:lstStyle/>
+          <a:p>
+            <a:pPr algn="ctr"/>
+            <a:endParaRPr lang="it-IT"/>
+          </a:p>
+        </p:txBody>
+      </p:sp>
+      <p:sp>
+        <p:nvSpPr>
+          <p:cNvPr id="12" name="CasellaDiTesto 11">
+            <a:extLst>
+              <a:ext uri="{FF2B5EF4-FFF2-40B4-BE49-F238E27FC236}">
+                <a16:creationId xmlns:a16="http://schemas.microsoft.com/office/drawing/2014/main" id="{9A147877-1DB0-438A-6AA8-7DC8B9D348DF}"/>
+              </a:ext>
+            </a:extLst>
+          </p:cNvPr>
+          <p:cNvSpPr txBox="1"/>
+          <p:nvPr/>
+        </p:nvSpPr>
+        <p:spPr>
+          <a:xfrm>
+            <a:off x="5051923" y="2496007"/>
+            <a:ext cx="1775962" cy="369332"/>
+          </a:xfrm>
+          <a:prstGeom prst="rect">
+            <a:avLst/>
+          </a:prstGeom>
+          <a:noFill/>
+        </p:spPr>
+        <p:txBody>
+          <a:bodyPr wrap="square" rtlCol="0">
+            <a:spAutoFit/>
+          </a:bodyPr>
+          <a:lstStyle/>
+          <a:p>
+            <a:pPr algn="ctr"/>
+            <a:r>
+              <a:rPr lang="it-IT" dirty="0"/>
+              <a:t>Message broker</a:t>
+            </a:r>
+          </a:p>
+        </p:txBody>
+      </p:sp>
+      <p:cxnSp>
+        <p:nvCxnSpPr>
+          <p:cNvPr id="14" name="Connettore 2 13">
+            <a:extLst>
+              <a:ext uri="{FF2B5EF4-FFF2-40B4-BE49-F238E27FC236}">
+                <a16:creationId xmlns:a16="http://schemas.microsoft.com/office/drawing/2014/main" id="{0514515D-5255-D2B0-F251-DAAC7CC67C08}"/>
+              </a:ext>
+            </a:extLst>
+          </p:cNvPr>
+          <p:cNvCxnSpPr>
+            <a:cxnSpLocks/>
+            <a:stCxn id="9" idx="3"/>
+            <a:endCxn id="11" idx="1"/>
+          </p:cNvCxnSpPr>
+          <p:nvPr/>
+        </p:nvCxnSpPr>
+        <p:spPr>
+          <a:xfrm flipV="1">
+            <a:off x="3103927" y="2701929"/>
+            <a:ext cx="1640546" cy="3926"/>
+          </a:xfrm>
+          <a:prstGeom prst="straightConnector1">
+            <a:avLst/>
+          </a:prstGeom>
+          <a:ln>
+            <a:solidFill>
+              <a:srgbClr val="7030A0"/>
+            </a:solidFill>
+            <a:tailEnd type="triangle"/>
+          </a:ln>
+        </p:spPr>
+        <p:style>
+          <a:lnRef idx="1">
+            <a:schemeClr val="accent1"/>
+          </a:lnRef>
+          <a:fillRef idx="0">
+            <a:schemeClr val="accent1"/>
+          </a:fillRef>
+          <a:effectRef idx="0">
+            <a:schemeClr val="accent1"/>
+          </a:effectRef>
+          <a:fontRef idx="minor">
+            <a:schemeClr val="tx1"/>
+          </a:fontRef>
+        </p:style>
+      </p:cxnSp>
+      <p:sp>
+        <p:nvSpPr>
+          <p:cNvPr id="16" name="CasellaDiTesto 15">
+            <a:extLst>
+              <a:ext uri="{FF2B5EF4-FFF2-40B4-BE49-F238E27FC236}">
+                <a16:creationId xmlns:a16="http://schemas.microsoft.com/office/drawing/2014/main" id="{C98A454B-C9A1-72C6-4240-BBF99ED9811C}"/>
+              </a:ext>
+            </a:extLst>
+          </p:cNvPr>
+          <p:cNvSpPr txBox="1"/>
+          <p:nvPr/>
+        </p:nvSpPr>
+        <p:spPr>
+          <a:xfrm>
+            <a:off x="3661379" y="2409540"/>
+            <a:ext cx="889233" cy="584775"/>
+          </a:xfrm>
+          <a:prstGeom prst="rect">
+            <a:avLst/>
+          </a:prstGeom>
+          <a:noFill/>
+        </p:spPr>
+        <p:txBody>
+          <a:bodyPr wrap="square" rtlCol="0">
+            <a:spAutoFit/>
+          </a:bodyPr>
+          <a:lstStyle/>
+          <a:p>
+            <a:pPr algn="ctr"/>
+            <a:r>
+              <a:rPr lang="it-IT" sz="1600" dirty="0"/>
+              <a:t>MQTT</a:t>
+            </a:r>
+          </a:p>
+          <a:p>
+            <a:pPr algn="ctr"/>
+            <a:r>
+              <a:rPr lang="it-IT" sz="1600" dirty="0" err="1"/>
+              <a:t>publish</a:t>
+            </a:r>
+            <a:endParaRPr lang="it-IT" sz="1600" dirty="0"/>
+          </a:p>
+        </p:txBody>
+      </p:sp>
+      <p:sp>
+        <p:nvSpPr>
+          <p:cNvPr id="17" name="Rettangolo 16">
+            <a:extLst>
+              <a:ext uri="{FF2B5EF4-FFF2-40B4-BE49-F238E27FC236}">
+                <a16:creationId xmlns:a16="http://schemas.microsoft.com/office/drawing/2014/main" id="{1CB23FAF-C9E7-A158-1581-B3185EC8EFF9}"/>
+              </a:ext>
+            </a:extLst>
+          </p:cNvPr>
+          <p:cNvSpPr/>
+          <p:nvPr/>
+        </p:nvSpPr>
+        <p:spPr>
+          <a:xfrm>
+            <a:off x="4177717" y="3980292"/>
+            <a:ext cx="3582100" cy="2677715"/>
+          </a:xfrm>
+          <a:prstGeom prst="rect">
+            <a:avLst/>
+          </a:prstGeom>
+          <a:solidFill>
+            <a:srgbClr val="002060">
+              <a:alpha val="50196"/>
+            </a:srgbClr>
+          </a:solidFill>
+          <a:ln>
+            <a:noFill/>
+          </a:ln>
+        </p:spPr>
+        <p:style>
+          <a:lnRef idx="2">
+            <a:schemeClr val="accent1">
+              <a:shade val="50000"/>
+            </a:schemeClr>
+          </a:lnRef>
+          <a:fillRef idx="1">
+            <a:schemeClr val="accent1"/>
+          </a:fillRef>
+          <a:effectRef idx="0">
+            <a:schemeClr val="accent1"/>
+          </a:effectRef>
+          <a:fontRef idx="minor">
+            <a:schemeClr val="lt1"/>
+          </a:fontRef>
+        </p:style>
+        <p:txBody>
+          <a:bodyPr rtlCol="0" anchor="ctr"/>
+          <a:lstStyle/>
+          <a:p>
+            <a:pPr algn="ctr"/>
+            <a:endParaRPr lang="it-IT"/>
+          </a:p>
+        </p:txBody>
+      </p:sp>
+      <p:sp>
+        <p:nvSpPr>
+          <p:cNvPr id="18" name="CasellaDiTesto 17">
+            <a:extLst>
+              <a:ext uri="{FF2B5EF4-FFF2-40B4-BE49-F238E27FC236}">
+                <a16:creationId xmlns:a16="http://schemas.microsoft.com/office/drawing/2014/main" id="{08BF834F-13C2-C2BB-451F-2ACD7AA88A20}"/>
+              </a:ext>
+            </a:extLst>
+          </p:cNvPr>
+          <p:cNvSpPr txBox="1"/>
+          <p:nvPr/>
+        </p:nvSpPr>
+        <p:spPr>
+          <a:xfrm>
+            <a:off x="4177717" y="6288675"/>
+            <a:ext cx="3582100" cy="369332"/>
+          </a:xfrm>
+          <a:prstGeom prst="rect">
+            <a:avLst/>
+          </a:prstGeom>
+          <a:noFill/>
+        </p:spPr>
+        <p:txBody>
+          <a:bodyPr wrap="square" rtlCol="0">
+            <a:spAutoFit/>
+          </a:bodyPr>
+          <a:lstStyle/>
+          <a:p>
+            <a:pPr algn="ctr"/>
+            <a:r>
+              <a:rPr lang="it-IT" dirty="0" err="1">
+                <a:solidFill>
+                  <a:schemeClr val="bg1"/>
+                </a:solidFill>
+              </a:rPr>
+              <a:t>Raspberry</a:t>
+            </a:r>
+            <a:r>
+              <a:rPr lang="it-IT" dirty="0">
+                <a:solidFill>
+                  <a:schemeClr val="bg1"/>
+                </a:solidFill>
+              </a:rPr>
+              <a:t> Pi</a:t>
+            </a:r>
+          </a:p>
+        </p:txBody>
+      </p:sp>
+      <p:sp>
+        <p:nvSpPr>
+          <p:cNvPr id="20" name="Rettangolo 19">
+            <a:extLst>
+              <a:ext uri="{FF2B5EF4-FFF2-40B4-BE49-F238E27FC236}">
+                <a16:creationId xmlns:a16="http://schemas.microsoft.com/office/drawing/2014/main" id="{9B9EDCE4-A46C-6E90-CCC2-A9A8AEEFAF22}"/>
+              </a:ext>
+            </a:extLst>
+          </p:cNvPr>
+          <p:cNvSpPr/>
+          <p:nvPr/>
+        </p:nvSpPr>
+        <p:spPr>
+          <a:xfrm>
+            <a:off x="4471332" y="4238783"/>
+            <a:ext cx="2969703" cy="1945547"/>
+          </a:xfrm>
+          <a:prstGeom prst="rect">
+            <a:avLst/>
+          </a:prstGeom>
+          <a:solidFill>
+            <a:srgbClr val="002060"/>
+          </a:solidFill>
+          <a:ln>
+            <a:solidFill>
+              <a:srgbClr val="001030"/>
+            </a:solidFill>
+          </a:ln>
+        </p:spPr>
+        <p:style>
+          <a:lnRef idx="2">
+            <a:schemeClr val="accent1">
+              <a:shade val="50000"/>
+            </a:schemeClr>
+          </a:lnRef>
+          <a:fillRef idx="1">
+            <a:schemeClr val="accent1"/>
+          </a:fillRef>
+          <a:effectRef idx="0">
+            <a:schemeClr val="accent1"/>
+          </a:effectRef>
+          <a:fontRef idx="minor">
+            <a:schemeClr val="lt1"/>
+          </a:fontRef>
+        </p:style>
+        <p:txBody>
+          <a:bodyPr rtlCol="0" anchor="ctr"/>
+          <a:lstStyle/>
+          <a:p>
+            <a:pPr algn="ctr"/>
+            <a:endParaRPr lang="it-IT"/>
+          </a:p>
+        </p:txBody>
+      </p:sp>
+      <p:sp>
+        <p:nvSpPr>
+          <p:cNvPr id="21" name="CasellaDiTesto 20">
+            <a:extLst>
+              <a:ext uri="{FF2B5EF4-FFF2-40B4-BE49-F238E27FC236}">
+                <a16:creationId xmlns:a16="http://schemas.microsoft.com/office/drawing/2014/main" id="{42167204-B863-19CE-EF34-F8058BFA2F33}"/>
+              </a:ext>
+            </a:extLst>
+          </p:cNvPr>
+          <p:cNvSpPr txBox="1"/>
+          <p:nvPr/>
+        </p:nvSpPr>
+        <p:spPr>
+          <a:xfrm>
+            <a:off x="4471332" y="5822179"/>
+            <a:ext cx="2969703" cy="369332"/>
+          </a:xfrm>
+          <a:prstGeom prst="rect">
+            <a:avLst/>
+          </a:prstGeom>
+          <a:noFill/>
+        </p:spPr>
+        <p:txBody>
+          <a:bodyPr wrap="square" rtlCol="0">
+            <a:spAutoFit/>
+          </a:bodyPr>
+          <a:lstStyle/>
+          <a:p>
+            <a:pPr algn="ctr"/>
+            <a:r>
+              <a:rPr lang="it-IT" dirty="0" err="1">
+                <a:solidFill>
+                  <a:schemeClr val="bg1"/>
+                </a:solidFill>
+                <a:latin typeface="Consolas" panose="020B0609020204030204" pitchFamily="49" charset="0"/>
+              </a:rPr>
+              <a:t>ActuatorSubscriber</a:t>
+            </a:r>
+            <a:endParaRPr lang="it-IT" dirty="0">
+              <a:solidFill>
+                <a:schemeClr val="bg1"/>
+              </a:solidFill>
+              <a:latin typeface="Consolas" panose="020B0609020204030204" pitchFamily="49" charset="0"/>
+            </a:endParaRPr>
+          </a:p>
+        </p:txBody>
+      </p:sp>
+      <p:cxnSp>
+        <p:nvCxnSpPr>
+          <p:cNvPr id="27" name="Connettore 2 26">
+            <a:extLst>
+              <a:ext uri="{FF2B5EF4-FFF2-40B4-BE49-F238E27FC236}">
+                <a16:creationId xmlns:a16="http://schemas.microsoft.com/office/drawing/2014/main" id="{B94904ED-D4DC-82CE-2DDE-6955B63131AC}"/>
+              </a:ext>
+            </a:extLst>
+          </p:cNvPr>
+          <p:cNvCxnSpPr>
+            <a:cxnSpLocks/>
+          </p:cNvCxnSpPr>
+          <p:nvPr/>
+        </p:nvCxnSpPr>
+        <p:spPr>
+          <a:xfrm flipV="1">
+            <a:off x="5051923" y="3259405"/>
+            <a:ext cx="0" cy="979378"/>
+          </a:xfrm>
+          <a:prstGeom prst="straightConnector1">
+            <a:avLst/>
+          </a:prstGeom>
+          <a:ln>
+            <a:solidFill>
+              <a:srgbClr val="7030A0"/>
+            </a:solidFill>
+            <a:tailEnd type="triangle"/>
+          </a:ln>
+        </p:spPr>
+        <p:style>
+          <a:lnRef idx="1">
+            <a:schemeClr val="accent1"/>
+          </a:lnRef>
+          <a:fillRef idx="0">
+            <a:schemeClr val="accent1"/>
+          </a:fillRef>
+          <a:effectRef idx="0">
+            <a:schemeClr val="accent1"/>
+          </a:effectRef>
+          <a:fontRef idx="minor">
+            <a:schemeClr val="tx1"/>
+          </a:fontRef>
+        </p:style>
+      </p:cxnSp>
+      <p:cxnSp>
+        <p:nvCxnSpPr>
+          <p:cNvPr id="28" name="Connettore 2 27">
+            <a:extLst>
+              <a:ext uri="{FF2B5EF4-FFF2-40B4-BE49-F238E27FC236}">
+                <a16:creationId xmlns:a16="http://schemas.microsoft.com/office/drawing/2014/main" id="{80089252-8413-B607-887D-C37115A78077}"/>
+              </a:ext>
+            </a:extLst>
+          </p:cNvPr>
+          <p:cNvCxnSpPr>
+            <a:cxnSpLocks/>
+          </p:cNvCxnSpPr>
+          <p:nvPr/>
+        </p:nvCxnSpPr>
+        <p:spPr>
+          <a:xfrm flipV="1">
+            <a:off x="6918825" y="3259405"/>
+            <a:ext cx="0" cy="979378"/>
+          </a:xfrm>
+          <a:prstGeom prst="straightConnector1">
+            <a:avLst/>
+          </a:prstGeom>
+          <a:ln>
+            <a:solidFill>
+              <a:srgbClr val="7030A0"/>
+            </a:solidFill>
+            <a:headEnd type="triangle" w="med" len="med"/>
+            <a:tailEnd type="none" w="med" len="med"/>
+          </a:ln>
+        </p:spPr>
+        <p:style>
+          <a:lnRef idx="1">
+            <a:schemeClr val="accent1"/>
+          </a:lnRef>
+          <a:fillRef idx="0">
+            <a:schemeClr val="accent1"/>
+          </a:fillRef>
+          <a:effectRef idx="0">
+            <a:schemeClr val="accent1"/>
+          </a:effectRef>
+          <a:fontRef idx="minor">
+            <a:schemeClr val="tx1"/>
+          </a:fontRef>
+        </p:style>
+      </p:cxnSp>
+      <p:sp>
+        <p:nvSpPr>
+          <p:cNvPr id="32" name="CasellaDiTesto 31">
+            <a:extLst>
+              <a:ext uri="{FF2B5EF4-FFF2-40B4-BE49-F238E27FC236}">
+                <a16:creationId xmlns:a16="http://schemas.microsoft.com/office/drawing/2014/main" id="{1569CD07-94D2-48C7-0351-56844906F633}"/>
+              </a:ext>
+            </a:extLst>
+          </p:cNvPr>
+          <p:cNvSpPr txBox="1"/>
+          <p:nvPr/>
+        </p:nvSpPr>
+        <p:spPr>
+          <a:xfrm>
+            <a:off x="3741712" y="3345870"/>
+            <a:ext cx="1310211" cy="584775"/>
+          </a:xfrm>
+          <a:prstGeom prst="rect">
+            <a:avLst/>
+          </a:prstGeom>
+          <a:noFill/>
+        </p:spPr>
+        <p:txBody>
+          <a:bodyPr wrap="square" rtlCol="0">
+            <a:spAutoFit/>
+          </a:bodyPr>
+          <a:lstStyle/>
+          <a:p>
+            <a:pPr algn="r"/>
+            <a:r>
+              <a:rPr lang="it-IT" sz="1600" dirty="0"/>
+              <a:t>MQTT </a:t>
+            </a:r>
+            <a:r>
+              <a:rPr lang="it-IT" sz="1600" dirty="0" err="1"/>
+              <a:t>subscribe</a:t>
+            </a:r>
+            <a:endParaRPr lang="it-IT" sz="1600" dirty="0"/>
+          </a:p>
+        </p:txBody>
+      </p:sp>
+      <p:sp>
+        <p:nvSpPr>
+          <p:cNvPr id="34" name="CasellaDiTesto 33">
+            <a:extLst>
+              <a:ext uri="{FF2B5EF4-FFF2-40B4-BE49-F238E27FC236}">
+                <a16:creationId xmlns:a16="http://schemas.microsoft.com/office/drawing/2014/main" id="{74766FA8-1290-56E7-F637-605E64B1FE3F}"/>
+              </a:ext>
+            </a:extLst>
+          </p:cNvPr>
+          <p:cNvSpPr txBox="1"/>
+          <p:nvPr/>
+        </p:nvSpPr>
+        <p:spPr>
+          <a:xfrm>
+            <a:off x="6890509" y="3312842"/>
+            <a:ext cx="1359417" cy="584775"/>
+          </a:xfrm>
+          <a:prstGeom prst="rect">
+            <a:avLst/>
+          </a:prstGeom>
+          <a:noFill/>
+        </p:spPr>
+        <p:txBody>
+          <a:bodyPr wrap="square" rtlCol="0">
+            <a:spAutoFit/>
+          </a:bodyPr>
+          <a:lstStyle/>
+          <a:p>
+            <a:pPr algn="just"/>
+            <a:r>
+              <a:rPr lang="it-IT" sz="1600" dirty="0"/>
+              <a:t>MQTT</a:t>
+            </a:r>
+          </a:p>
+          <a:p>
+            <a:pPr algn="just"/>
+            <a:r>
+              <a:rPr lang="it-IT" sz="1600" dirty="0" err="1"/>
+              <a:t>onMsgRec</a:t>
+            </a:r>
+            <a:endParaRPr lang="it-IT" sz="1600" dirty="0"/>
+          </a:p>
+        </p:txBody>
+      </p:sp>
+      <p:sp>
+        <p:nvSpPr>
+          <p:cNvPr id="35" name="Rettangolo 34">
+            <a:extLst>
+              <a:ext uri="{FF2B5EF4-FFF2-40B4-BE49-F238E27FC236}">
+                <a16:creationId xmlns:a16="http://schemas.microsoft.com/office/drawing/2014/main" id="{81DC7BC4-0BF8-81D3-708E-35D6474B9039}"/>
+              </a:ext>
+            </a:extLst>
+          </p:cNvPr>
+          <p:cNvSpPr/>
+          <p:nvPr/>
+        </p:nvSpPr>
+        <p:spPr>
+          <a:xfrm>
+            <a:off x="4672668" y="4412609"/>
+            <a:ext cx="2462658" cy="1238526"/>
+          </a:xfrm>
+          <a:prstGeom prst="rect">
+            <a:avLst/>
+          </a:prstGeom>
+        </p:spPr>
+        <p:style>
+          <a:lnRef idx="2">
+            <a:schemeClr val="accent1">
+              <a:shade val="50000"/>
+            </a:schemeClr>
+          </a:lnRef>
+          <a:fillRef idx="1">
+            <a:schemeClr val="accent1"/>
+          </a:fillRef>
+          <a:effectRef idx="0">
+            <a:schemeClr val="accent1"/>
+          </a:effectRef>
+          <a:fontRef idx="minor">
+            <a:schemeClr val="lt1"/>
+          </a:fontRef>
+        </p:style>
+        <p:txBody>
+          <a:bodyPr rtlCol="0" anchor="ctr"/>
+          <a:lstStyle/>
+          <a:p>
+            <a:pPr algn="ctr"/>
+            <a:endParaRPr lang="it-IT"/>
+          </a:p>
+        </p:txBody>
+      </p:sp>
+      <p:sp>
+        <p:nvSpPr>
+          <p:cNvPr id="39" name="CasellaDiTesto 38">
+            <a:extLst>
+              <a:ext uri="{FF2B5EF4-FFF2-40B4-BE49-F238E27FC236}">
+                <a16:creationId xmlns:a16="http://schemas.microsoft.com/office/drawing/2014/main" id="{0BD92911-AF00-40FE-AF88-47F9EEE76637}"/>
+              </a:ext>
+            </a:extLst>
+          </p:cNvPr>
+          <p:cNvSpPr txBox="1"/>
+          <p:nvPr/>
+        </p:nvSpPr>
+        <p:spPr>
+          <a:xfrm>
+            <a:off x="4672668" y="4803170"/>
+            <a:ext cx="2462658" cy="369332"/>
+          </a:xfrm>
+          <a:prstGeom prst="rect">
+            <a:avLst/>
+          </a:prstGeom>
+          <a:noFill/>
+        </p:spPr>
+        <p:txBody>
+          <a:bodyPr wrap="square" rtlCol="0">
+            <a:spAutoFit/>
+          </a:bodyPr>
+          <a:lstStyle/>
+          <a:p>
+            <a:r>
+              <a:rPr lang="it-IT" dirty="0" err="1">
+                <a:latin typeface="Consolas" panose="020B0609020204030204" pitchFamily="49" charset="0"/>
+              </a:rPr>
+              <a:t>ArduinoPiConnector</a:t>
+            </a:r>
+            <a:endParaRPr lang="it-IT" dirty="0">
+              <a:latin typeface="Consolas" panose="020B0609020204030204" pitchFamily="49" charset="0"/>
+            </a:endParaRPr>
+          </a:p>
+        </p:txBody>
+      </p:sp>
+      <p:sp>
+        <p:nvSpPr>
+          <p:cNvPr id="40" name="Rettangolo 39">
+            <a:extLst>
+              <a:ext uri="{FF2B5EF4-FFF2-40B4-BE49-F238E27FC236}">
+                <a16:creationId xmlns:a16="http://schemas.microsoft.com/office/drawing/2014/main" id="{5C6392F9-B0CE-F9DF-CF46-76280BE2510D}"/>
+              </a:ext>
+            </a:extLst>
+          </p:cNvPr>
+          <p:cNvSpPr/>
+          <p:nvPr/>
+        </p:nvSpPr>
+        <p:spPr>
+          <a:xfrm>
+            <a:off x="8445538" y="4693319"/>
+            <a:ext cx="1310212" cy="464862"/>
+          </a:xfrm>
+          <a:prstGeom prst="rect">
+            <a:avLst/>
+          </a:prstGeom>
+          <a:solidFill>
+            <a:schemeClr val="accent2">
+              <a:lumMod val="50000"/>
+              <a:alpha val="50196"/>
+            </a:schemeClr>
+          </a:solidFill>
+          <a:ln>
+            <a:noFill/>
+          </a:ln>
+        </p:spPr>
+        <p:style>
+          <a:lnRef idx="2">
+            <a:schemeClr val="accent4">
+              <a:shade val="50000"/>
+            </a:schemeClr>
+          </a:lnRef>
+          <a:fillRef idx="1">
+            <a:schemeClr val="accent4"/>
+          </a:fillRef>
+          <a:effectRef idx="0">
+            <a:schemeClr val="accent4"/>
+          </a:effectRef>
+          <a:fontRef idx="minor">
+            <a:schemeClr val="lt1"/>
+          </a:fontRef>
+        </p:style>
+        <p:txBody>
+          <a:bodyPr rtlCol="0" anchor="ctr"/>
+          <a:lstStyle/>
+          <a:p>
+            <a:pPr algn="ctr"/>
+            <a:endParaRPr lang="it-IT" dirty="0"/>
+          </a:p>
+        </p:txBody>
+      </p:sp>
+      <p:sp>
+        <p:nvSpPr>
+          <p:cNvPr id="41" name="CasellaDiTesto 40">
+            <a:extLst>
+              <a:ext uri="{FF2B5EF4-FFF2-40B4-BE49-F238E27FC236}">
+                <a16:creationId xmlns:a16="http://schemas.microsoft.com/office/drawing/2014/main" id="{BD390095-CDB4-01AB-CA4E-1B35A31664EA}"/>
+              </a:ext>
+            </a:extLst>
+          </p:cNvPr>
+          <p:cNvSpPr txBox="1"/>
+          <p:nvPr/>
+        </p:nvSpPr>
+        <p:spPr>
+          <a:xfrm>
+            <a:off x="8515633" y="4741084"/>
+            <a:ext cx="1157681" cy="369332"/>
+          </a:xfrm>
+          <a:prstGeom prst="rect">
+            <a:avLst/>
+          </a:prstGeom>
+          <a:noFill/>
+        </p:spPr>
+        <p:txBody>
+          <a:bodyPr wrap="square" rtlCol="0">
+            <a:spAutoFit/>
+          </a:bodyPr>
+          <a:lstStyle/>
+          <a:p>
+            <a:pPr algn="ctr"/>
+            <a:r>
+              <a:rPr lang="it-IT" dirty="0">
+                <a:solidFill>
+                  <a:schemeClr val="bg1"/>
+                </a:solidFill>
+              </a:rPr>
+              <a:t>Arduino</a:t>
+            </a:r>
+          </a:p>
+        </p:txBody>
+      </p:sp>
+      <p:cxnSp>
+        <p:nvCxnSpPr>
+          <p:cNvPr id="44" name="Connettore 2 43">
+            <a:extLst>
+              <a:ext uri="{FF2B5EF4-FFF2-40B4-BE49-F238E27FC236}">
+                <a16:creationId xmlns:a16="http://schemas.microsoft.com/office/drawing/2014/main" id="{4B970E9A-114C-4540-EC68-996F734E7149}"/>
+              </a:ext>
+            </a:extLst>
+          </p:cNvPr>
+          <p:cNvCxnSpPr>
+            <a:cxnSpLocks/>
+            <a:stCxn id="39" idx="3"/>
+          </p:cNvCxnSpPr>
+          <p:nvPr/>
+        </p:nvCxnSpPr>
+        <p:spPr>
+          <a:xfrm flipV="1">
+            <a:off x="7135326" y="4983061"/>
+            <a:ext cx="1310211" cy="4775"/>
+          </a:xfrm>
+          <a:prstGeom prst="straightConnector1">
+            <a:avLst/>
+          </a:prstGeom>
+          <a:ln>
+            <a:headEnd type="triangle"/>
+            <a:tailEnd type="triangle"/>
+          </a:ln>
+        </p:spPr>
+        <p:style>
+          <a:lnRef idx="1">
+            <a:schemeClr val="accent1"/>
+          </a:lnRef>
+          <a:fillRef idx="0">
+            <a:schemeClr val="accent1"/>
+          </a:fillRef>
+          <a:effectRef idx="0">
+            <a:schemeClr val="accent1"/>
+          </a:effectRef>
+          <a:fontRef idx="minor">
+            <a:schemeClr val="tx1"/>
+          </a:fontRef>
+        </p:style>
+      </p:cxnSp>
+      <p:sp>
+        <p:nvSpPr>
+          <p:cNvPr id="51" name="CasellaDiTesto 50">
+            <a:extLst>
+              <a:ext uri="{FF2B5EF4-FFF2-40B4-BE49-F238E27FC236}">
+                <a16:creationId xmlns:a16="http://schemas.microsoft.com/office/drawing/2014/main" id="{9C173829-81DB-0855-8FAE-D4A0D5E659CA}"/>
+              </a:ext>
+            </a:extLst>
+          </p:cNvPr>
+          <p:cNvSpPr txBox="1"/>
+          <p:nvPr/>
+        </p:nvSpPr>
+        <p:spPr>
+          <a:xfrm>
+            <a:off x="7648986" y="4693318"/>
+            <a:ext cx="808891" cy="338554"/>
+          </a:xfrm>
+          <a:prstGeom prst="rect">
+            <a:avLst/>
+          </a:prstGeom>
+          <a:noFill/>
+        </p:spPr>
+        <p:txBody>
+          <a:bodyPr wrap="square" rtlCol="0">
+            <a:spAutoFit/>
+          </a:bodyPr>
+          <a:lstStyle/>
+          <a:p>
+            <a:pPr algn="ctr"/>
+            <a:r>
+              <a:rPr lang="it-IT" sz="1600" dirty="0"/>
+              <a:t>Serial</a:t>
+            </a:r>
+          </a:p>
+        </p:txBody>
+      </p:sp>
+      <p:cxnSp>
+        <p:nvCxnSpPr>
+          <p:cNvPr id="53" name="Connettore 2 52">
+            <a:extLst>
+              <a:ext uri="{FF2B5EF4-FFF2-40B4-BE49-F238E27FC236}">
+                <a16:creationId xmlns:a16="http://schemas.microsoft.com/office/drawing/2014/main" id="{B531E08C-1657-CBA0-AC80-230B718EE032}"/>
+              </a:ext>
+            </a:extLst>
+          </p:cNvPr>
+          <p:cNvCxnSpPr/>
+          <p:nvPr/>
+        </p:nvCxnSpPr>
+        <p:spPr>
+          <a:xfrm flipV="1">
+            <a:off x="9462782" y="3429000"/>
+            <a:ext cx="0" cy="1264318"/>
+          </a:xfrm>
+          <a:prstGeom prst="straightConnector1">
+            <a:avLst/>
+          </a:prstGeom>
+          <a:ln>
+            <a:headEnd type="triangle" w="med" len="med"/>
+            <a:tailEnd type="none" w="med" len="med"/>
+          </a:ln>
+        </p:spPr>
+        <p:style>
+          <a:lnRef idx="1">
+            <a:schemeClr val="accent1"/>
+          </a:lnRef>
+          <a:fillRef idx="0">
+            <a:schemeClr val="accent1"/>
+          </a:fillRef>
+          <a:effectRef idx="0">
+            <a:schemeClr val="accent1"/>
+          </a:effectRef>
+          <a:fontRef idx="minor">
+            <a:schemeClr val="tx1"/>
+          </a:fontRef>
+        </p:style>
+      </p:cxnSp>
+      <p:cxnSp>
+        <p:nvCxnSpPr>
+          <p:cNvPr id="54" name="Connettore 2 53">
+            <a:extLst>
+              <a:ext uri="{FF2B5EF4-FFF2-40B4-BE49-F238E27FC236}">
+                <a16:creationId xmlns:a16="http://schemas.microsoft.com/office/drawing/2014/main" id="{14E7EEF3-35AF-0EE2-CC2B-4AE73A59DA64}"/>
+              </a:ext>
+            </a:extLst>
+          </p:cNvPr>
+          <p:cNvCxnSpPr/>
+          <p:nvPr/>
+        </p:nvCxnSpPr>
+        <p:spPr>
+          <a:xfrm flipV="1">
+            <a:off x="8642060" y="3429000"/>
+            <a:ext cx="0" cy="1264318"/>
+          </a:xfrm>
+          <a:prstGeom prst="straightConnector1">
+            <a:avLst/>
+          </a:prstGeom>
+          <a:ln>
+            <a:tailEnd type="triangle"/>
+          </a:ln>
+        </p:spPr>
+        <p:style>
+          <a:lnRef idx="1">
+            <a:schemeClr val="accent1"/>
+          </a:lnRef>
+          <a:fillRef idx="0">
+            <a:schemeClr val="accent1"/>
+          </a:fillRef>
+          <a:effectRef idx="0">
+            <a:schemeClr val="accent1"/>
+          </a:effectRef>
+          <a:fontRef idx="minor">
+            <a:schemeClr val="tx1"/>
+          </a:fontRef>
+        </p:style>
+      </p:cxnSp>
+      <p:sp>
+        <p:nvSpPr>
+          <p:cNvPr id="55" name="CasellaDiTesto 54">
+            <a:extLst>
+              <a:ext uri="{FF2B5EF4-FFF2-40B4-BE49-F238E27FC236}">
+                <a16:creationId xmlns:a16="http://schemas.microsoft.com/office/drawing/2014/main" id="{C933FC97-B3D4-8AE3-081E-44CE99C50957}"/>
+              </a:ext>
+            </a:extLst>
+          </p:cNvPr>
+          <p:cNvSpPr txBox="1"/>
+          <p:nvPr/>
+        </p:nvSpPr>
+        <p:spPr>
+          <a:xfrm>
+            <a:off x="8123791" y="3815370"/>
+            <a:ext cx="1036537" cy="584775"/>
+          </a:xfrm>
+          <a:prstGeom prst="rect">
+            <a:avLst/>
+          </a:prstGeom>
+          <a:noFill/>
+        </p:spPr>
+        <p:txBody>
+          <a:bodyPr wrap="square" rtlCol="0">
+            <a:spAutoFit/>
+          </a:bodyPr>
+          <a:lstStyle/>
+          <a:p>
+            <a:pPr algn="ctr"/>
+            <a:r>
+              <a:rPr lang="it-IT" sz="1600" dirty="0"/>
+              <a:t>Control </a:t>
+            </a:r>
+            <a:r>
+              <a:rPr lang="it-IT" sz="1600" dirty="0" err="1"/>
+              <a:t>signal</a:t>
+            </a:r>
+            <a:endParaRPr lang="it-IT" sz="1600" dirty="0"/>
+          </a:p>
+        </p:txBody>
+      </p:sp>
+      <p:sp>
+        <p:nvSpPr>
+          <p:cNvPr id="56" name="CasellaDiTesto 55">
+            <a:extLst>
+              <a:ext uri="{FF2B5EF4-FFF2-40B4-BE49-F238E27FC236}">
+                <a16:creationId xmlns:a16="http://schemas.microsoft.com/office/drawing/2014/main" id="{EA2E494E-3407-FD1D-E550-6E6F08514472}"/>
+              </a:ext>
+            </a:extLst>
+          </p:cNvPr>
+          <p:cNvSpPr txBox="1"/>
+          <p:nvPr/>
+        </p:nvSpPr>
+        <p:spPr>
+          <a:xfrm>
+            <a:off x="9076888" y="3805338"/>
+            <a:ext cx="1140900" cy="584775"/>
+          </a:xfrm>
+          <a:prstGeom prst="rect">
+            <a:avLst/>
+          </a:prstGeom>
+          <a:noFill/>
+        </p:spPr>
+        <p:txBody>
+          <a:bodyPr wrap="square" rtlCol="0">
+            <a:spAutoFit/>
+          </a:bodyPr>
+          <a:lstStyle/>
+          <a:p>
+            <a:r>
+              <a:rPr lang="it-IT" sz="1600" dirty="0"/>
+              <a:t>Feedback </a:t>
+            </a:r>
+            <a:r>
+              <a:rPr lang="it-IT" sz="1600" dirty="0" err="1"/>
+              <a:t>signal</a:t>
+            </a:r>
+            <a:endParaRPr lang="it-IT" sz="1600" dirty="0"/>
+          </a:p>
+        </p:txBody>
+      </p:sp>
+      <p:sp>
+        <p:nvSpPr>
+          <p:cNvPr id="57" name="Rettangolo 56">
+            <a:extLst>
+              <a:ext uri="{FF2B5EF4-FFF2-40B4-BE49-F238E27FC236}">
+                <a16:creationId xmlns:a16="http://schemas.microsoft.com/office/drawing/2014/main" id="{86B1BA92-F8F8-BA6D-B5DA-0A06EA9B274C}"/>
+              </a:ext>
+            </a:extLst>
+          </p:cNvPr>
+          <p:cNvSpPr/>
+          <p:nvPr/>
+        </p:nvSpPr>
+        <p:spPr>
+          <a:xfrm>
+            <a:off x="8445537" y="2643426"/>
+            <a:ext cx="1331100" cy="785574"/>
+          </a:xfrm>
+          <a:prstGeom prst="rect">
+            <a:avLst/>
+          </a:prstGeom>
+          <a:solidFill>
+            <a:srgbClr val="7F7F7F">
+              <a:alpha val="50196"/>
+            </a:srgbClr>
+          </a:solidFill>
+          <a:ln>
+            <a:noFill/>
+          </a:ln>
+        </p:spPr>
+        <p:style>
+          <a:lnRef idx="2">
+            <a:schemeClr val="accent1">
+              <a:shade val="50000"/>
+            </a:schemeClr>
+          </a:lnRef>
+          <a:fillRef idx="1">
+            <a:schemeClr val="accent1"/>
+          </a:fillRef>
+          <a:effectRef idx="0">
+            <a:schemeClr val="accent1"/>
+          </a:effectRef>
+          <a:fontRef idx="minor">
+            <a:schemeClr val="lt1"/>
+          </a:fontRef>
+        </p:style>
+        <p:txBody>
+          <a:bodyPr rtlCol="0" anchor="ctr"/>
+          <a:lstStyle/>
+          <a:p>
+            <a:pPr algn="ctr"/>
+            <a:endParaRPr lang="it-IT"/>
+          </a:p>
+        </p:txBody>
+      </p:sp>
+      <p:sp>
+        <p:nvSpPr>
+          <p:cNvPr id="58" name="CasellaDiTesto 57">
+            <a:extLst>
+              <a:ext uri="{FF2B5EF4-FFF2-40B4-BE49-F238E27FC236}">
+                <a16:creationId xmlns:a16="http://schemas.microsoft.com/office/drawing/2014/main" id="{C316ED79-1A79-919C-40AD-05C47E878F2F}"/>
+              </a:ext>
+            </a:extLst>
+          </p:cNvPr>
+          <p:cNvSpPr txBox="1"/>
+          <p:nvPr/>
+        </p:nvSpPr>
+        <p:spPr>
+          <a:xfrm>
+            <a:off x="8457877" y="2844225"/>
+            <a:ext cx="1297861" cy="369332"/>
+          </a:xfrm>
+          <a:prstGeom prst="rect">
+            <a:avLst/>
+          </a:prstGeom>
+          <a:noFill/>
+        </p:spPr>
+        <p:txBody>
+          <a:bodyPr wrap="square" rtlCol="0">
+            <a:spAutoFit/>
+          </a:bodyPr>
+          <a:lstStyle/>
+          <a:p>
+            <a:pPr algn="ctr"/>
+            <a:r>
+              <a:rPr lang="it-IT" dirty="0" err="1"/>
+              <a:t>Actuator</a:t>
+            </a:r>
+            <a:endParaRPr lang="it-IT" dirty="0"/>
+          </a:p>
+        </p:txBody>
+      </p:sp>
+    </p:spTree>
+    <p:extLst>
+      <p:ext uri="{BB962C8B-B14F-4D97-AF65-F5344CB8AC3E}">
+        <p14:creationId xmlns:p14="http://schemas.microsoft.com/office/powerpoint/2010/main" val="1855900354"/>
+      </p:ext>
+    </p:extLst>
+  </p:cSld>
+  <p:clrMapOvr>
+    <a:masterClrMapping/>
+  </p:clrMapOvr>
+</p:sld>
+</file>
+
+<file path=ppt/slides/slide2.xml><?xml version="1.0" encoding="utf-8"?>
+<p:sld xmlns:a="http://schemas.openxmlformats.org/drawingml/2006/main" xmlns:r="http://schemas.openxmlformats.org/officeDocument/2006/relationships" xmlns:p="http://schemas.openxmlformats.org/presentationml/2006/main">
+  <p:cSld>
+    <p:spTree>
+      <p:nvGrpSpPr>
+        <p:cNvPr id="1" name=""/>
+        <p:cNvGrpSpPr/>
+        <p:nvPr/>
+      </p:nvGrpSpPr>
+      <p:grpSpPr>
+        <a:xfrm>
+          <a:off x="0" y="0"/>
+          <a:ext cx="0" cy="0"/>
+          <a:chOff x="0" y="0"/>
+          <a:chExt cx="0" cy="0"/>
+        </a:xfrm>
+      </p:grpSpPr>
+      <p:sp>
+        <p:nvSpPr>
+          <p:cNvPr id="5" name="Title 4">
+            <a:extLst>
+              <a:ext uri="{FF2B5EF4-FFF2-40B4-BE49-F238E27FC236}">
+                <a16:creationId xmlns:a16="http://schemas.microsoft.com/office/drawing/2014/main" id="{AA2E1C82-D738-324F-25F4-B2479E30D30F}"/>
+              </a:ext>
+            </a:extLst>
+          </p:cNvPr>
+          <p:cNvSpPr>
+            <a:spLocks noGrp="1"/>
+          </p:cNvSpPr>
+          <p:nvPr>
+            <p:ph type="title"/>
+          </p:nvPr>
+        </p:nvSpPr>
+        <p:spPr>
+          <a:xfrm>
+            <a:off x="602689" y="857249"/>
+            <a:ext cx="3854528" cy="1278466"/>
+          </a:xfrm>
+        </p:spPr>
+        <p:txBody>
+          <a:bodyPr>
+            <a:normAutofit/>
+          </a:bodyPr>
+          <a:lstStyle/>
+          <a:p>
+            <a:r>
+              <a:rPr lang="it-IT" sz="2400" dirty="0"/>
+              <a:t>General information </a:t>
+            </a:r>
+            <a:r>
+              <a:rPr lang="it-IT" sz="2400" dirty="0" err="1"/>
+              <a:t>about</a:t>
+            </a:r>
+            <a:r>
+              <a:rPr lang="it-IT" sz="2400" dirty="0"/>
+              <a:t> Smart </a:t>
+            </a:r>
+            <a:r>
+              <a:rPr lang="it-IT" sz="2400" dirty="0" err="1"/>
+              <a:t>Battery</a:t>
+            </a:r>
+            <a:r>
+              <a:rPr lang="it-IT" sz="2400" dirty="0"/>
+              <a:t> </a:t>
+            </a:r>
+            <a:r>
+              <a:rPr lang="it-IT" sz="2400" dirty="0" err="1"/>
+              <a:t>Charger</a:t>
+            </a:r>
+            <a:r>
+              <a:rPr lang="it-IT" sz="2400" dirty="0"/>
+              <a:t> </a:t>
+            </a:r>
+            <a:r>
+              <a:rPr lang="it-IT" sz="2400" dirty="0" err="1"/>
+              <a:t>application</a:t>
+            </a:r>
+            <a:endParaRPr lang="it-IT" sz="2400" dirty="0"/>
+          </a:p>
+        </p:txBody>
+      </p:sp>
+      <p:sp>
+        <p:nvSpPr>
+          <p:cNvPr id="6" name="Content Placeholder 5">
+            <a:extLst>
+              <a:ext uri="{FF2B5EF4-FFF2-40B4-BE49-F238E27FC236}">
+                <a16:creationId xmlns:a16="http://schemas.microsoft.com/office/drawing/2014/main" id="{7EFB8637-4CE8-38AB-A43C-5B5D9BCEF858}"/>
+              </a:ext>
+            </a:extLst>
+          </p:cNvPr>
+          <p:cNvSpPr>
+            <a:spLocks noGrp="1"/>
+          </p:cNvSpPr>
+          <p:nvPr>
+            <p:ph idx="1"/>
+          </p:nvPr>
+        </p:nvSpPr>
+        <p:spPr/>
+        <p:txBody>
+          <a:bodyPr>
+            <a:normAutofit fontScale="85000" lnSpcReduction="20000"/>
+          </a:bodyPr>
+          <a:lstStyle/>
+          <a:p>
+            <a:r>
+              <a:rPr lang="it-IT" b="1" dirty="0" err="1"/>
+              <a:t>Objective</a:t>
+            </a:r>
+            <a:r>
+              <a:rPr lang="it-IT" b="1" dirty="0"/>
+              <a:t>: </a:t>
+            </a:r>
+          </a:p>
+          <a:p>
+            <a:pPr marL="0" indent="0">
+              <a:buNone/>
+            </a:pPr>
+            <a:r>
+              <a:rPr lang="fi-FI" sz="1800" dirty="0">
+                <a:effectLst/>
+                <a:ea typeface="Arial" panose="020B0604020202020204" pitchFamily="34" charset="0"/>
+              </a:rPr>
+              <a:t>Electric vehicles are going to dominate the transport sector in the near future, but at the same time, currently, the power used to charge them is mostly produced by burning fossil fuels. This will lead to an unsustainable scenario if actions are not taken to smoothen the transition towards electric vehicles. Under the outlined point of view, this report presents a solution that has the potential to mitigate the inconveniences related to a massive diffusion of electric vehicles, that are overloading the grid power demand, long charging times, etc..</a:t>
+            </a:r>
+          </a:p>
+          <a:p>
+            <a:r>
+              <a:rPr lang="it-IT" b="1" dirty="0" err="1"/>
+              <a:t>Main</a:t>
+            </a:r>
+            <a:r>
+              <a:rPr lang="it-IT" b="1" dirty="0"/>
+              <a:t> </a:t>
+            </a:r>
+            <a:r>
+              <a:rPr lang="it-IT" b="1" dirty="0" err="1"/>
+              <a:t>characteristics</a:t>
+            </a:r>
+            <a:r>
+              <a:rPr lang="it-IT" b="1" dirty="0"/>
+              <a:t>: </a:t>
+            </a:r>
+            <a:r>
+              <a:rPr lang="fi-FI" sz="1800" b="1" dirty="0">
+                <a:effectLst/>
+                <a:ea typeface="Arial" panose="020B0604020202020204" pitchFamily="34" charset="0"/>
+              </a:rPr>
+              <a:t> </a:t>
+            </a:r>
+          </a:p>
+          <a:p>
+            <a:pPr marL="0" indent="0">
+              <a:buNone/>
+            </a:pPr>
+            <a:r>
+              <a:rPr lang="fi-FI" dirty="0"/>
+              <a:t>-  </a:t>
+            </a:r>
+            <a:r>
+              <a:rPr lang="fi-FI" sz="1800" dirty="0">
+                <a:effectLst/>
+                <a:ea typeface="Arial" panose="020B0604020202020204" pitchFamily="34" charset="0"/>
+              </a:rPr>
+              <a:t>remote control of appliances.</a:t>
+            </a:r>
+            <a:endParaRPr lang="fi-FI" dirty="0"/>
+          </a:p>
+          <a:p>
+            <a:pPr marL="0" indent="0">
+              <a:buNone/>
+            </a:pPr>
+            <a:r>
+              <a:rPr lang="it-IT" dirty="0"/>
+              <a:t>- </a:t>
+            </a:r>
+            <a:r>
+              <a:rPr lang="fi-FI" sz="1800" dirty="0">
+                <a:effectLst/>
+                <a:ea typeface="Arial" panose="020B0604020202020204" pitchFamily="34" charset="0"/>
+              </a:rPr>
+              <a:t>control strategies to minimise energy cost.</a:t>
+            </a:r>
+            <a:endParaRPr lang="it-IT" dirty="0"/>
+          </a:p>
+          <a:p>
+            <a:pPr marL="0" indent="0">
+              <a:buNone/>
+            </a:pPr>
+            <a:r>
+              <a:rPr lang="it-IT" dirty="0"/>
+              <a:t>- </a:t>
+            </a:r>
+            <a:r>
+              <a:rPr lang="fi-FI" sz="1800" dirty="0">
+                <a:effectLst/>
+                <a:ea typeface="Arial" panose="020B0604020202020204" pitchFamily="34" charset="0"/>
+              </a:rPr>
+              <a:t>end-user application for energy-awareness.</a:t>
+            </a:r>
+            <a:endParaRPr lang="it-IT" sz="1800" dirty="0">
+              <a:effectLst/>
+              <a:ea typeface="Arial" panose="020B0604020202020204" pitchFamily="34" charset="0"/>
+            </a:endParaRPr>
+          </a:p>
+          <a:p>
+            <a:pPr marL="0" indent="0">
+              <a:buNone/>
+            </a:pPr>
+            <a:r>
+              <a:rPr lang="it-IT" dirty="0"/>
+              <a:t>- </a:t>
+            </a:r>
+            <a:r>
+              <a:rPr lang="fi-FI" sz="1800" dirty="0">
+                <a:effectLst/>
+                <a:ea typeface="Arial" panose="020B0604020202020204" pitchFamily="34" charset="0"/>
+              </a:rPr>
+              <a:t>end-user application for battery autonomy. </a:t>
+            </a:r>
+            <a:endParaRPr lang="it-IT" dirty="0"/>
+          </a:p>
+          <a:p>
+            <a:pPr marL="0" indent="0">
+              <a:buNone/>
+            </a:pPr>
+            <a:r>
+              <a:rPr lang="it-IT" dirty="0"/>
+              <a:t>- </a:t>
+            </a:r>
+            <a:r>
+              <a:rPr lang="fi-FI" sz="1800" dirty="0">
+                <a:effectLst/>
+                <a:ea typeface="Arial" panose="020B0604020202020204" pitchFamily="34" charset="0"/>
+              </a:rPr>
+              <a:t>unified interfaces (i.e. REST Web Services and MQTT queues) available to enable Demand/Response.</a:t>
+            </a:r>
+            <a:endParaRPr lang="it-IT" dirty="0"/>
+          </a:p>
+          <a:p>
+            <a:r>
+              <a:rPr lang="it-IT" dirty="0"/>
+              <a:t>Stakeholders: </a:t>
+            </a:r>
+          </a:p>
+          <a:p>
+            <a:pPr marL="0" indent="0">
+              <a:buNone/>
+            </a:pPr>
+            <a:r>
+              <a:rPr lang="fi-FI" sz="1800" dirty="0">
+                <a:effectLst/>
+                <a:ea typeface="Arial" panose="020B0604020202020204" pitchFamily="34" charset="0"/>
+              </a:rPr>
+              <a:t>Smart Automotive, Smart grid, Smart Building</a:t>
+            </a:r>
+            <a:endParaRPr lang="it-IT" dirty="0"/>
+          </a:p>
+          <a:p>
+            <a:endParaRPr lang="it-IT" dirty="0"/>
+          </a:p>
+          <a:p>
+            <a:endParaRPr lang="it-IT" dirty="0"/>
+          </a:p>
+        </p:txBody>
+      </p:sp>
+      <p:sp>
+        <p:nvSpPr>
+          <p:cNvPr id="8" name="TextBox 7">
+            <a:extLst>
+              <a:ext uri="{FF2B5EF4-FFF2-40B4-BE49-F238E27FC236}">
+                <a16:creationId xmlns:a16="http://schemas.microsoft.com/office/drawing/2014/main" id="{FF6F90C4-DF46-6B15-5599-55987A57E2D2}"/>
+              </a:ext>
+            </a:extLst>
+          </p:cNvPr>
+          <p:cNvSpPr txBox="1"/>
+          <p:nvPr/>
+        </p:nvSpPr>
+        <p:spPr>
+          <a:xfrm flipH="1">
+            <a:off x="1428006" y="3620277"/>
+            <a:ext cx="2203893" cy="369332"/>
+          </a:xfrm>
+          <a:prstGeom prst="rect">
+            <a:avLst/>
+          </a:prstGeom>
+          <a:noFill/>
+        </p:spPr>
+        <p:txBody>
+          <a:bodyPr wrap="square" rtlCol="0">
+            <a:spAutoFit/>
+          </a:bodyPr>
+          <a:lstStyle/>
+          <a:p>
+            <a:r>
+              <a:rPr lang="it-IT" dirty="0"/>
+              <a:t>IMMAGINE</a:t>
+            </a:r>
+          </a:p>
+        </p:txBody>
+      </p:sp>
+    </p:spTree>
+    <p:extLst>
+      <p:ext uri="{BB962C8B-B14F-4D97-AF65-F5344CB8AC3E}">
+        <p14:creationId xmlns:p14="http://schemas.microsoft.com/office/powerpoint/2010/main" val="785049809"/>
+      </p:ext>
+    </p:extLst>
+  </p:cSld>
+  <p:clrMapOvr>
+    <a:masterClrMapping/>
+  </p:clrMapOvr>
+</p:sld>
+</file>
+
+<file path=ppt/slides/slide20.xml><?xml version="1.0" encoding="utf-8"?>
+<p:sld xmlns:a="http://schemas.openxmlformats.org/drawingml/2006/main" xmlns:r="http://schemas.openxmlformats.org/officeDocument/2006/relationships" xmlns:p="http://schemas.openxmlformats.org/presentationml/2006/main">
+  <p:cSld>
+    <p:spTree>
+      <p:nvGrpSpPr>
+        <p:cNvPr id="1" name=""/>
+        <p:cNvGrpSpPr/>
+        <p:nvPr/>
+      </p:nvGrpSpPr>
+      <p:grpSpPr>
+        <a:xfrm>
+          <a:off x="0" y="0"/>
+          <a:ext cx="0" cy="0"/>
+          <a:chOff x="0" y="0"/>
+          <a:chExt cx="0" cy="0"/>
+        </a:xfrm>
+      </p:grpSpPr>
+      <p:sp>
+        <p:nvSpPr>
+          <p:cNvPr id="2" name="Titolo 1">
+            <a:extLst>
+              <a:ext uri="{FF2B5EF4-FFF2-40B4-BE49-F238E27FC236}">
+                <a16:creationId xmlns:a16="http://schemas.microsoft.com/office/drawing/2014/main" id="{CDC3219C-C9C5-B2AE-69A5-D9E5F09EBBD8}"/>
+              </a:ext>
+            </a:extLst>
+          </p:cNvPr>
+          <p:cNvSpPr>
+            <a:spLocks noGrp="1"/>
+          </p:cNvSpPr>
+          <p:nvPr>
+            <p:ph type="title"/>
+          </p:nvPr>
+        </p:nvSpPr>
+        <p:spPr/>
+        <p:txBody>
+          <a:bodyPr/>
+          <a:lstStyle/>
+          <a:p>
+            <a:r>
+              <a:rPr lang="it-IT" dirty="0" err="1"/>
+              <a:t>Actuator</a:t>
+            </a:r>
+            <a:r>
+              <a:rPr lang="it-IT" dirty="0"/>
+              <a:t>: </a:t>
+            </a:r>
+            <a:r>
+              <a:rPr lang="it-IT" dirty="0" err="1">
+                <a:latin typeface="Courier New" panose="02070309020205020404" pitchFamily="49" charset="0"/>
+                <a:cs typeface="Courier New" panose="02070309020205020404" pitchFamily="49" charset="0"/>
+              </a:rPr>
+              <a:t>ActuatorSubscriber</a:t>
+            </a:r>
+            <a:r>
+              <a:rPr lang="it-IT" dirty="0">
+                <a:latin typeface="+mn-lt"/>
+                <a:cs typeface="Courier New" panose="02070309020205020404" pitchFamily="49" charset="0"/>
+              </a:rPr>
+              <a:t> and Arduino Connector</a:t>
+            </a:r>
+            <a:r>
+              <a:rPr lang="it-IT" dirty="0">
+                <a:latin typeface="Courier New" panose="02070309020205020404" pitchFamily="49" charset="0"/>
+                <a:cs typeface="Courier New" panose="02070309020205020404" pitchFamily="49" charset="0"/>
+              </a:rPr>
+              <a:t> </a:t>
+            </a:r>
+            <a:endParaRPr lang="it-IT" dirty="0"/>
+          </a:p>
+        </p:txBody>
+      </p:sp>
+      <p:sp>
+        <p:nvSpPr>
+          <p:cNvPr id="3" name="Segnaposto contenuto 2">
+            <a:extLst>
+              <a:ext uri="{FF2B5EF4-FFF2-40B4-BE49-F238E27FC236}">
+                <a16:creationId xmlns:a16="http://schemas.microsoft.com/office/drawing/2014/main" id="{914A28FA-E471-78E9-8725-BD149E642E4F}"/>
+              </a:ext>
+            </a:extLst>
+          </p:cNvPr>
+          <p:cNvSpPr>
+            <a:spLocks noGrp="1"/>
+          </p:cNvSpPr>
+          <p:nvPr>
+            <p:ph sz="half" idx="1"/>
+          </p:nvPr>
+        </p:nvSpPr>
+        <p:spPr>
+          <a:xfrm>
+            <a:off x="677334" y="2160589"/>
+            <a:ext cx="5104341" cy="3880772"/>
+          </a:xfrm>
+        </p:spPr>
+        <p:txBody>
+          <a:bodyPr/>
+          <a:lstStyle/>
+          <a:p>
+            <a:r>
+              <a:rPr lang="it-IT" dirty="0" err="1"/>
+              <a:t>Subscribes</a:t>
+            </a:r>
+            <a:r>
+              <a:rPr lang="it-IT" dirty="0"/>
+              <a:t> to MQTT </a:t>
+            </a:r>
+            <a:r>
+              <a:rPr lang="it-IT" dirty="0" err="1"/>
+              <a:t>actuator</a:t>
+            </a:r>
+            <a:r>
+              <a:rPr lang="it-IT" dirty="0"/>
+              <a:t> </a:t>
+            </a:r>
+            <a:r>
+              <a:rPr lang="it-IT" dirty="0" err="1"/>
+              <a:t>topic</a:t>
+            </a:r>
+            <a:endParaRPr lang="it-IT" dirty="0"/>
+          </a:p>
+          <a:p>
+            <a:r>
+              <a:rPr lang="it-IT" dirty="0" err="1"/>
+              <a:t>Includes</a:t>
+            </a:r>
+            <a:r>
+              <a:rPr lang="it-IT" dirty="0"/>
+              <a:t> </a:t>
+            </a:r>
+            <a:r>
+              <a:rPr lang="it-IT" dirty="0" err="1"/>
+              <a:t>instances</a:t>
+            </a:r>
+            <a:r>
+              <a:rPr lang="it-IT" dirty="0"/>
+              <a:t> of:</a:t>
+            </a:r>
+          </a:p>
+          <a:p>
+            <a:pPr lvl="1"/>
+            <a:r>
+              <a:rPr lang="it-IT" dirty="0" err="1">
+                <a:latin typeface="Courier New" panose="02070309020205020404" pitchFamily="49" charset="0"/>
+                <a:cs typeface="Courier New" panose="02070309020205020404" pitchFamily="49" charset="0"/>
+              </a:rPr>
+              <a:t>CatalogUpdater</a:t>
+            </a:r>
+            <a:r>
+              <a:rPr lang="it-IT" dirty="0">
+                <a:cs typeface="Courier New" panose="02070309020205020404" pitchFamily="49" charset="0"/>
+              </a:rPr>
+              <a:t>: updates </a:t>
+            </a:r>
+            <a:r>
+              <a:rPr lang="it-IT" dirty="0" err="1">
+                <a:cs typeface="Courier New" panose="02070309020205020404" pitchFamily="49" charset="0"/>
+              </a:rPr>
+              <a:t>catalog</a:t>
+            </a:r>
+            <a:endParaRPr lang="it-IT" dirty="0">
+              <a:cs typeface="Courier New" panose="02070309020205020404" pitchFamily="49" charset="0"/>
+            </a:endParaRPr>
+          </a:p>
+          <a:p>
+            <a:pPr lvl="1"/>
+            <a:r>
+              <a:rPr lang="it-IT" dirty="0" err="1">
+                <a:latin typeface="Courier New" panose="02070309020205020404" pitchFamily="49" charset="0"/>
+                <a:cs typeface="Courier New" panose="02070309020205020404" pitchFamily="49" charset="0"/>
+              </a:rPr>
+              <a:t>ArduinoPiConnector</a:t>
+            </a:r>
+            <a:r>
+              <a:rPr lang="it-IT" dirty="0">
+                <a:cs typeface="Courier New" panose="02070309020205020404" pitchFamily="49" charset="0"/>
+              </a:rPr>
+              <a:t>: </a:t>
+            </a:r>
+            <a:r>
+              <a:rPr lang="it-IT" dirty="0" err="1">
+                <a:cs typeface="Courier New" panose="02070309020205020404" pitchFamily="49" charset="0"/>
+              </a:rPr>
+              <a:t>manages</a:t>
+            </a:r>
+            <a:r>
+              <a:rPr lang="it-IT" dirty="0">
+                <a:cs typeface="Courier New" panose="02070309020205020404" pitchFamily="49" charset="0"/>
+              </a:rPr>
+              <a:t> </a:t>
+            </a:r>
+            <a:r>
+              <a:rPr lang="it-IT" u="sng" dirty="0" err="1">
+                <a:cs typeface="Courier New" panose="02070309020205020404" pitchFamily="49" charset="0"/>
+              </a:rPr>
+              <a:t>communication</a:t>
+            </a:r>
+            <a:r>
+              <a:rPr lang="it-IT" dirty="0">
+                <a:cs typeface="Courier New" panose="02070309020205020404" pitchFamily="49" charset="0"/>
+              </a:rPr>
+              <a:t> with Arduino</a:t>
+            </a:r>
+          </a:p>
+          <a:p>
+            <a:pPr lvl="2"/>
+            <a:r>
+              <a:rPr lang="it-IT" dirty="0" err="1">
+                <a:cs typeface="Courier New" panose="02070309020205020404" pitchFamily="49" charset="0"/>
+              </a:rPr>
+              <a:t>Uses</a:t>
+            </a:r>
+            <a:r>
+              <a:rPr lang="it-IT" dirty="0">
+                <a:cs typeface="Courier New" panose="02070309020205020404" pitchFamily="49" charset="0"/>
+              </a:rPr>
+              <a:t> </a:t>
+            </a:r>
+            <a:r>
+              <a:rPr lang="it-IT" dirty="0" err="1">
+                <a:cs typeface="Courier New" panose="02070309020205020404" pitchFamily="49" charset="0"/>
+              </a:rPr>
+              <a:t>PyFirmata</a:t>
+            </a:r>
+            <a:r>
+              <a:rPr lang="it-IT" dirty="0">
+                <a:cs typeface="Courier New" panose="02070309020205020404" pitchFamily="49" charset="0"/>
+              </a:rPr>
+              <a:t> library</a:t>
+            </a:r>
+          </a:p>
+          <a:p>
+            <a:pPr lvl="2"/>
+            <a:r>
+              <a:rPr lang="it-IT" dirty="0">
+                <a:cs typeface="Courier New" panose="02070309020205020404" pitchFamily="49" charset="0"/>
+              </a:rPr>
+              <a:t>Serial </a:t>
+            </a:r>
+            <a:r>
+              <a:rPr lang="it-IT" dirty="0" err="1">
+                <a:cs typeface="Courier New" panose="02070309020205020404" pitchFamily="49" charset="0"/>
+              </a:rPr>
+              <a:t>communication</a:t>
+            </a:r>
+            <a:r>
+              <a:rPr lang="it-IT" dirty="0">
+                <a:cs typeface="Courier New" panose="02070309020205020404" pitchFamily="49" charset="0"/>
+              </a:rPr>
+              <a:t> via USB port of </a:t>
+            </a:r>
+            <a:r>
+              <a:rPr lang="it-IT" dirty="0" err="1">
+                <a:cs typeface="Courier New" panose="02070309020205020404" pitchFamily="49" charset="0"/>
+              </a:rPr>
+              <a:t>Raspberry</a:t>
+            </a:r>
+            <a:r>
+              <a:rPr lang="it-IT" dirty="0">
+                <a:cs typeface="Courier New" panose="02070309020205020404" pitchFamily="49" charset="0"/>
+              </a:rPr>
+              <a:t> Pi</a:t>
+            </a:r>
+          </a:p>
+          <a:p>
+            <a:r>
+              <a:rPr lang="it-IT" dirty="0">
+                <a:cs typeface="Courier New" panose="02070309020205020404" pitchFamily="49" charset="0"/>
+              </a:rPr>
+              <a:t>Arduino </a:t>
+            </a:r>
+            <a:r>
+              <a:rPr lang="it-IT" dirty="0" err="1">
+                <a:cs typeface="Courier New" panose="02070309020205020404" pitchFamily="49" charset="0"/>
+              </a:rPr>
+              <a:t>converts</a:t>
+            </a:r>
+            <a:r>
+              <a:rPr lang="it-IT" dirty="0">
+                <a:cs typeface="Courier New" panose="02070309020205020404" pitchFamily="49" charset="0"/>
+              </a:rPr>
+              <a:t> serial </a:t>
+            </a:r>
+            <a:r>
+              <a:rPr lang="it-IT" dirty="0" err="1">
+                <a:cs typeface="Courier New" panose="02070309020205020404" pitchFamily="49" charset="0"/>
+              </a:rPr>
+              <a:t>PyFirmata</a:t>
+            </a:r>
+            <a:r>
+              <a:rPr lang="it-IT" dirty="0">
+                <a:cs typeface="Courier New" panose="02070309020205020404" pitchFamily="49" charset="0"/>
+              </a:rPr>
+              <a:t> </a:t>
+            </a:r>
+            <a:r>
+              <a:rPr lang="it-IT" dirty="0" err="1">
+                <a:cs typeface="Courier New" panose="02070309020205020404" pitchFamily="49" charset="0"/>
+              </a:rPr>
+              <a:t>instructions</a:t>
+            </a:r>
+            <a:r>
+              <a:rPr lang="it-IT" dirty="0">
+                <a:cs typeface="Courier New" panose="02070309020205020404" pitchFamily="49" charset="0"/>
+              </a:rPr>
+              <a:t> </a:t>
+            </a:r>
+            <a:r>
+              <a:rPr lang="it-IT" dirty="0" err="1">
+                <a:cs typeface="Courier New" panose="02070309020205020404" pitchFamily="49" charset="0"/>
+              </a:rPr>
+              <a:t>into</a:t>
+            </a:r>
+            <a:r>
+              <a:rPr lang="it-IT" dirty="0">
+                <a:cs typeface="Courier New" panose="02070309020205020404" pitchFamily="49" charset="0"/>
+              </a:rPr>
+              <a:t> </a:t>
+            </a:r>
+            <a:r>
+              <a:rPr lang="it-IT" dirty="0" err="1">
+                <a:cs typeface="Courier New" panose="02070309020205020404" pitchFamily="49" charset="0"/>
+              </a:rPr>
+              <a:t>actual</a:t>
+            </a:r>
+            <a:r>
+              <a:rPr lang="it-IT" dirty="0">
+                <a:cs typeface="Courier New" panose="02070309020205020404" pitchFamily="49" charset="0"/>
+              </a:rPr>
+              <a:t> </a:t>
+            </a:r>
+            <a:r>
+              <a:rPr lang="it-IT" dirty="0" err="1">
+                <a:cs typeface="Courier New" panose="02070309020205020404" pitchFamily="49" charset="0"/>
+              </a:rPr>
+              <a:t>electrical</a:t>
+            </a:r>
+            <a:r>
+              <a:rPr lang="it-IT" dirty="0">
+                <a:cs typeface="Courier New" panose="02070309020205020404" pitchFamily="49" charset="0"/>
+              </a:rPr>
+              <a:t> </a:t>
+            </a:r>
+            <a:r>
+              <a:rPr lang="it-IT" dirty="0" err="1">
+                <a:cs typeface="Courier New" panose="02070309020205020404" pitchFamily="49" charset="0"/>
+              </a:rPr>
+              <a:t>signals</a:t>
+            </a:r>
+            <a:r>
+              <a:rPr lang="it-IT" dirty="0">
+                <a:cs typeface="Courier New" panose="02070309020205020404" pitchFamily="49" charset="0"/>
+              </a:rPr>
+              <a:t> for </a:t>
+            </a:r>
+            <a:r>
+              <a:rPr lang="it-IT" dirty="0" err="1">
+                <a:cs typeface="Courier New" panose="02070309020205020404" pitchFamily="49" charset="0"/>
+              </a:rPr>
+              <a:t>actuator</a:t>
+            </a:r>
+            <a:r>
+              <a:rPr lang="it-IT" dirty="0">
+                <a:cs typeface="Courier New" panose="02070309020205020404" pitchFamily="49" charset="0"/>
+              </a:rPr>
+              <a:t> and </a:t>
+            </a:r>
+            <a:r>
+              <a:rPr lang="it-IT" dirty="0" err="1">
+                <a:cs typeface="Courier New" panose="02070309020205020404" pitchFamily="49" charset="0"/>
+              </a:rPr>
+              <a:t>receives</a:t>
+            </a:r>
+            <a:r>
+              <a:rPr lang="it-IT" dirty="0">
+                <a:cs typeface="Courier New" panose="02070309020205020404" pitchFamily="49" charset="0"/>
+              </a:rPr>
+              <a:t> </a:t>
+            </a:r>
+            <a:r>
+              <a:rPr lang="it-IT" dirty="0" err="1">
+                <a:cs typeface="Courier New" panose="02070309020205020404" pitchFamily="49" charset="0"/>
+              </a:rPr>
+              <a:t>coherence</a:t>
+            </a:r>
+            <a:r>
+              <a:rPr lang="it-IT" dirty="0">
+                <a:cs typeface="Courier New" panose="02070309020205020404" pitchFamily="49" charset="0"/>
+              </a:rPr>
+              <a:t> feedback</a:t>
+            </a:r>
+          </a:p>
+        </p:txBody>
+      </p:sp>
+      <p:sp>
+        <p:nvSpPr>
+          <p:cNvPr id="5" name="Segnaposto contenuto 4">
+            <a:extLst>
+              <a:ext uri="{FF2B5EF4-FFF2-40B4-BE49-F238E27FC236}">
+                <a16:creationId xmlns:a16="http://schemas.microsoft.com/office/drawing/2014/main" id="{1C6E5A50-D568-FE8F-7B37-B337BBA1806A}"/>
+              </a:ext>
+            </a:extLst>
+          </p:cNvPr>
+          <p:cNvSpPr>
+            <a:spLocks noGrp="1"/>
+          </p:cNvSpPr>
+          <p:nvPr>
+            <p:ph sz="half" idx="2"/>
+          </p:nvPr>
+        </p:nvSpPr>
+        <p:spPr>
+          <a:xfrm>
+            <a:off x="5781674" y="2160589"/>
+            <a:ext cx="3492329" cy="3880773"/>
+          </a:xfrm>
+        </p:spPr>
+        <p:txBody>
+          <a:bodyPr/>
+          <a:lstStyle/>
+          <a:p>
+            <a:endParaRPr lang="it-IT" dirty="0"/>
+          </a:p>
+        </p:txBody>
+      </p:sp>
+      <p:sp>
+        <p:nvSpPr>
+          <p:cNvPr id="4" name="CasellaDiTesto 3">
+            <a:extLst>
+              <a:ext uri="{FF2B5EF4-FFF2-40B4-BE49-F238E27FC236}">
+                <a16:creationId xmlns:a16="http://schemas.microsoft.com/office/drawing/2014/main" id="{AD9C5F65-4709-861E-7A72-29E3086F98A9}"/>
+              </a:ext>
+            </a:extLst>
+          </p:cNvPr>
+          <p:cNvSpPr txBox="1"/>
+          <p:nvPr/>
+        </p:nvSpPr>
+        <p:spPr>
+          <a:xfrm>
+            <a:off x="6579239" y="3244334"/>
+            <a:ext cx="1732327" cy="369332"/>
+          </a:xfrm>
+          <a:prstGeom prst="rect">
+            <a:avLst/>
+          </a:prstGeom>
+          <a:noFill/>
+        </p:spPr>
+        <p:txBody>
+          <a:bodyPr wrap="square" rtlCol="0">
+            <a:spAutoFit/>
+          </a:bodyPr>
+          <a:lstStyle/>
+          <a:p>
+            <a:r>
+              <a:rPr lang="it-IT" dirty="0"/>
+              <a:t>PICTURE HERE</a:t>
+            </a:r>
+          </a:p>
+        </p:txBody>
+      </p:sp>
+    </p:spTree>
+    <p:extLst>
+      <p:ext uri="{BB962C8B-B14F-4D97-AF65-F5344CB8AC3E}">
+        <p14:creationId xmlns:p14="http://schemas.microsoft.com/office/powerpoint/2010/main" val="3767177299"/>
+      </p:ext>
+    </p:extLst>
+  </p:cSld>
+  <p:clrMapOvr>
+    <a:masterClrMapping/>
+  </p:clrMapOvr>
+</p:sld>
+</file>
+
+<file path=ppt/slides/slide21.xml><?xml version="1.0" encoding="utf-8"?>
 <p:sld xmlns:a="http://schemas.openxmlformats.org/drawingml/2006/main" xmlns:r="http://schemas.openxmlformats.org/officeDocument/2006/relationships" xmlns:p="http://schemas.openxmlformats.org/presentationml/2006/main">
   <p:cSld>
     <p:spTree>
@@ -9755,7 +15460,7 @@
 </p:sld>
 </file>
 
-<file path=ppt/slides/slide15.xml><?xml version="1.0" encoding="utf-8"?>
+<file path=ppt/slides/slide22.xml><?xml version="1.0" encoding="utf-8"?>
 <p:sld xmlns:a="http://schemas.openxmlformats.org/drawingml/2006/main" xmlns:r="http://schemas.openxmlformats.org/officeDocument/2006/relationships" xmlns:p="http://schemas.openxmlformats.org/presentationml/2006/main">
   <p:cSld>
     <p:spTree>
@@ -10880,7 +16585,7 @@
 </p:sld>
 </file>
 
-<file path=ppt/slides/slide16.xml><?xml version="1.0" encoding="utf-8"?>
+<file path=ppt/slides/slide23.xml><?xml version="1.0" encoding="utf-8"?>
 <p:sld xmlns:a="http://schemas.openxmlformats.org/drawingml/2006/main" xmlns:r="http://schemas.openxmlformats.org/officeDocument/2006/relationships" xmlns:p="http://schemas.openxmlformats.org/presentationml/2006/main">
   <p:cSld>
     <p:spTree>
@@ -12366,7 +18071,7 @@
 </p:sld>
 </file>
 
-<file path=ppt/slides/slide17.xml><?xml version="1.0" encoding="utf-8"?>
+<file path=ppt/slides/slide24.xml><?xml version="1.0" encoding="utf-8"?>
 <p:sld xmlns:a="http://schemas.openxmlformats.org/drawingml/2006/main" xmlns:r="http://schemas.openxmlformats.org/officeDocument/2006/relationships" xmlns:p="http://schemas.openxmlformats.org/presentationml/2006/main">
   <p:cSld>
     <p:spTree>
@@ -13278,7 +18983,7 @@
 </p:sld>
 </file>
 
-<file path=ppt/slides/slide18.xml><?xml version="1.0" encoding="utf-8"?>
+<file path=ppt/slides/slide25.xml><?xml version="1.0" encoding="utf-8"?>
 <p:sld xmlns:a="http://schemas.openxmlformats.org/drawingml/2006/main" xmlns:r="http://schemas.openxmlformats.org/officeDocument/2006/relationships" xmlns:p="http://schemas.openxmlformats.org/presentationml/2006/main">
   <p:cSld>
     <p:spTree>
@@ -13350,7 +19055,7 @@
 </p:sld>
 </file>
 
-<file path=ppt/slides/slide19.xml><?xml version="1.0" encoding="utf-8"?>
+<file path=ppt/slides/slide26.xml><?xml version="1.0" encoding="utf-8"?>
 <p:sld xmlns:a="http://schemas.openxmlformats.org/drawingml/2006/main" xmlns:r="http://schemas.openxmlformats.org/officeDocument/2006/relationships" xmlns:p="http://schemas.openxmlformats.org/presentationml/2006/main">
   <p:cSld>
     <p:spTree>
@@ -14591,320 +20296,7 @@
 </p:sld>
 </file>
 
-<file path=ppt/slides/slide2.xml><?xml version="1.0" encoding="utf-8"?>
-<p:sld xmlns:a="http://schemas.openxmlformats.org/drawingml/2006/main" xmlns:r="http://schemas.openxmlformats.org/officeDocument/2006/relationships" xmlns:p="http://schemas.openxmlformats.org/presentationml/2006/main">
-  <p:cSld>
-    <p:spTree>
-      <p:nvGrpSpPr>
-        <p:cNvPr id="1" name=""/>
-        <p:cNvGrpSpPr/>
-        <p:nvPr/>
-      </p:nvGrpSpPr>
-      <p:grpSpPr>
-        <a:xfrm>
-          <a:off x="0" y="0"/>
-          <a:ext cx="0" cy="0"/>
-          <a:chOff x="0" y="0"/>
-          <a:chExt cx="0" cy="0"/>
-        </a:xfrm>
-      </p:grpSpPr>
-      <p:sp>
-        <p:nvSpPr>
-          <p:cNvPr id="5" name="Title 4">
-            <a:extLst>
-              <a:ext uri="{FF2B5EF4-FFF2-40B4-BE49-F238E27FC236}">
-                <a16:creationId xmlns:a16="http://schemas.microsoft.com/office/drawing/2014/main" id="{AA2E1C82-D738-324F-25F4-B2479E30D30F}"/>
-              </a:ext>
-            </a:extLst>
-          </p:cNvPr>
-          <p:cNvSpPr>
-            <a:spLocks noGrp="1"/>
-          </p:cNvSpPr>
-          <p:nvPr>
-            <p:ph type="title"/>
-          </p:nvPr>
-        </p:nvSpPr>
-        <p:spPr>
-          <a:xfrm>
-            <a:off x="602689" y="857249"/>
-            <a:ext cx="3854528" cy="1278466"/>
-          </a:xfrm>
-        </p:spPr>
-        <p:txBody>
-          <a:bodyPr>
-            <a:normAutofit/>
-          </a:bodyPr>
-          <a:lstStyle/>
-          <a:p>
-            <a:r>
-              <a:rPr lang="it-IT" sz="2400" dirty="0"/>
-              <a:t>General information </a:t>
-            </a:r>
-            <a:r>
-              <a:rPr lang="it-IT" sz="2400" dirty="0" err="1"/>
-              <a:t>about</a:t>
-            </a:r>
-            <a:r>
-              <a:rPr lang="it-IT" sz="2400" dirty="0"/>
-              <a:t> Smart </a:t>
-            </a:r>
-            <a:r>
-              <a:rPr lang="it-IT" sz="2400" dirty="0" err="1"/>
-              <a:t>Battery</a:t>
-            </a:r>
-            <a:r>
-              <a:rPr lang="it-IT" sz="2400" dirty="0"/>
-              <a:t> </a:t>
-            </a:r>
-            <a:r>
-              <a:rPr lang="it-IT" sz="2400" dirty="0" err="1"/>
-              <a:t>Charger</a:t>
-            </a:r>
-            <a:r>
-              <a:rPr lang="it-IT" sz="2400" dirty="0"/>
-              <a:t> </a:t>
-            </a:r>
-            <a:r>
-              <a:rPr lang="it-IT" sz="2400" dirty="0" err="1"/>
-              <a:t>application</a:t>
-            </a:r>
-            <a:endParaRPr lang="it-IT" sz="2400" dirty="0"/>
-          </a:p>
-        </p:txBody>
-      </p:sp>
-      <p:sp>
-        <p:nvSpPr>
-          <p:cNvPr id="6" name="Content Placeholder 5">
-            <a:extLst>
-              <a:ext uri="{FF2B5EF4-FFF2-40B4-BE49-F238E27FC236}">
-                <a16:creationId xmlns:a16="http://schemas.microsoft.com/office/drawing/2014/main" id="{7EFB8637-4CE8-38AB-A43C-5B5D9BCEF858}"/>
-              </a:ext>
-            </a:extLst>
-          </p:cNvPr>
-          <p:cNvSpPr>
-            <a:spLocks noGrp="1"/>
-          </p:cNvSpPr>
-          <p:nvPr>
-            <p:ph idx="1"/>
-          </p:nvPr>
-        </p:nvSpPr>
-        <p:spPr/>
-        <p:txBody>
-          <a:bodyPr>
-            <a:normAutofit fontScale="85000" lnSpcReduction="20000"/>
-          </a:bodyPr>
-          <a:lstStyle/>
-          <a:p>
-            <a:r>
-              <a:rPr lang="it-IT" b="1" dirty="0" err="1"/>
-              <a:t>Objective</a:t>
-            </a:r>
-            <a:r>
-              <a:rPr lang="it-IT" b="1" dirty="0"/>
-              <a:t>: </a:t>
-            </a:r>
-          </a:p>
-          <a:p>
-            <a:pPr marL="0" indent="0">
-              <a:buNone/>
-            </a:pPr>
-            <a:r>
-              <a:rPr lang="fi-FI" sz="1800" dirty="0">
-                <a:effectLst/>
-                <a:ea typeface="Arial" panose="020B0604020202020204" pitchFamily="34" charset="0"/>
-              </a:rPr>
-              <a:t>Electric vehicles are going to dominate the transport sector in the near future, but at the same time, currently, the power used to charge them is mostly produced by burning fossil fuels. This will lead to an unsustainable scenario if actions are not taken to smoothen the transition towards electric vehicles. Under the outlined point of view, this report presents a solution that has the potential to mitigate the inconveniences related to a massive diffusion of electric vehicles, that are overloading the grid power demand, long charging times, etc..</a:t>
-            </a:r>
-          </a:p>
-          <a:p>
-            <a:r>
-              <a:rPr lang="it-IT" b="1" dirty="0" err="1"/>
-              <a:t>Main</a:t>
-            </a:r>
-            <a:r>
-              <a:rPr lang="it-IT" b="1" dirty="0"/>
-              <a:t> </a:t>
-            </a:r>
-            <a:r>
-              <a:rPr lang="it-IT" b="1" dirty="0" err="1"/>
-              <a:t>characteristics</a:t>
-            </a:r>
-            <a:r>
-              <a:rPr lang="it-IT" b="1" dirty="0"/>
-              <a:t>: </a:t>
-            </a:r>
-            <a:r>
-              <a:rPr lang="fi-FI" sz="1800" b="1" dirty="0">
-                <a:effectLst/>
-                <a:ea typeface="Arial" panose="020B0604020202020204" pitchFamily="34" charset="0"/>
-              </a:rPr>
-              <a:t> </a:t>
-            </a:r>
-          </a:p>
-          <a:p>
-            <a:pPr marL="0" indent="0">
-              <a:buNone/>
-            </a:pPr>
-            <a:r>
-              <a:rPr lang="fi-FI" dirty="0"/>
-              <a:t>-  </a:t>
-            </a:r>
-            <a:r>
-              <a:rPr lang="fi-FI" sz="1800" dirty="0">
-                <a:effectLst/>
-                <a:ea typeface="Arial" panose="020B0604020202020204" pitchFamily="34" charset="0"/>
-              </a:rPr>
-              <a:t>remote control of appliances.</a:t>
-            </a:r>
-            <a:endParaRPr lang="fi-FI" dirty="0"/>
-          </a:p>
-          <a:p>
-            <a:pPr marL="0" indent="0">
-              <a:buNone/>
-            </a:pPr>
-            <a:r>
-              <a:rPr lang="it-IT" dirty="0"/>
-              <a:t>- </a:t>
-            </a:r>
-            <a:r>
-              <a:rPr lang="fi-FI" sz="1800" dirty="0">
-                <a:effectLst/>
-                <a:ea typeface="Arial" panose="020B0604020202020204" pitchFamily="34" charset="0"/>
-              </a:rPr>
-              <a:t>control strategies to minimise energy cost.</a:t>
-            </a:r>
-            <a:endParaRPr lang="it-IT" dirty="0"/>
-          </a:p>
-          <a:p>
-            <a:pPr marL="0" indent="0">
-              <a:buNone/>
-            </a:pPr>
-            <a:r>
-              <a:rPr lang="it-IT" dirty="0"/>
-              <a:t>- </a:t>
-            </a:r>
-            <a:r>
-              <a:rPr lang="fi-FI" sz="1800" dirty="0">
-                <a:effectLst/>
-                <a:ea typeface="Arial" panose="020B0604020202020204" pitchFamily="34" charset="0"/>
-              </a:rPr>
-              <a:t>end-user application for energy-awareness.</a:t>
-            </a:r>
-            <a:endParaRPr lang="it-IT" sz="1800" dirty="0">
-              <a:effectLst/>
-              <a:ea typeface="Arial" panose="020B0604020202020204" pitchFamily="34" charset="0"/>
-            </a:endParaRPr>
-          </a:p>
-          <a:p>
-            <a:pPr marL="0" indent="0">
-              <a:buNone/>
-            </a:pPr>
-            <a:r>
-              <a:rPr lang="it-IT" dirty="0"/>
-              <a:t>- </a:t>
-            </a:r>
-            <a:r>
-              <a:rPr lang="fi-FI" sz="1800" dirty="0">
-                <a:effectLst/>
-                <a:ea typeface="Arial" panose="020B0604020202020204" pitchFamily="34" charset="0"/>
-              </a:rPr>
-              <a:t>end-user application for battery autonomy. </a:t>
-            </a:r>
-            <a:endParaRPr lang="it-IT" dirty="0"/>
-          </a:p>
-          <a:p>
-            <a:pPr marL="0" indent="0">
-              <a:buNone/>
-            </a:pPr>
-            <a:r>
-              <a:rPr lang="it-IT" dirty="0"/>
-              <a:t>- </a:t>
-            </a:r>
-            <a:r>
-              <a:rPr lang="fi-FI" sz="1800" dirty="0">
-                <a:effectLst/>
-                <a:ea typeface="Arial" panose="020B0604020202020204" pitchFamily="34" charset="0"/>
-              </a:rPr>
-              <a:t>unified interfaces (i.e. REST Web Services and MQTT queues) available to enable Demand/Response.</a:t>
-            </a:r>
-            <a:endParaRPr lang="it-IT" dirty="0"/>
-          </a:p>
-          <a:p>
-            <a:r>
-              <a:rPr lang="it-IT" dirty="0"/>
-              <a:t>Stakeholders: </a:t>
-            </a:r>
-          </a:p>
-          <a:p>
-            <a:pPr marL="0" indent="0">
-              <a:buNone/>
-            </a:pPr>
-            <a:r>
-              <a:rPr lang="fi-FI" sz="1800" dirty="0">
-                <a:effectLst/>
-                <a:ea typeface="Arial" panose="020B0604020202020204" pitchFamily="34" charset="0"/>
-              </a:rPr>
-              <a:t>Smart Automotive, Smart grid, Smart Building</a:t>
-            </a:r>
-            <a:endParaRPr lang="it-IT" dirty="0"/>
-          </a:p>
-          <a:p>
-            <a:endParaRPr lang="it-IT" dirty="0"/>
-          </a:p>
-          <a:p>
-            <a:endParaRPr lang="it-IT" dirty="0"/>
-          </a:p>
-        </p:txBody>
-      </p:sp>
-      <p:sp>
-        <p:nvSpPr>
-          <p:cNvPr id="8" name="TextBox 7">
-            <a:extLst>
-              <a:ext uri="{FF2B5EF4-FFF2-40B4-BE49-F238E27FC236}">
-                <a16:creationId xmlns:a16="http://schemas.microsoft.com/office/drawing/2014/main" id="{FF6F90C4-DF46-6B15-5599-55987A57E2D2}"/>
-              </a:ext>
-            </a:extLst>
-          </p:cNvPr>
-          <p:cNvSpPr txBox="1"/>
-          <p:nvPr/>
-        </p:nvSpPr>
-        <p:spPr>
-          <a:xfrm flipH="1">
-            <a:off x="1428006" y="3620277"/>
-            <a:ext cx="2203893" cy="369332"/>
-          </a:xfrm>
-          <a:prstGeom prst="rect">
-            <a:avLst/>
-          </a:prstGeom>
-          <a:noFill/>
-        </p:spPr>
-        <p:txBody>
-          <a:bodyPr wrap="square" rtlCol="0">
-            <a:spAutoFit/>
-          </a:bodyPr>
-          <a:lstStyle/>
-          <a:p>
-            <a:r>
-              <a:rPr lang="it-IT" dirty="0"/>
-              <a:t>IMMAGINE</a:t>
-            </a:r>
-          </a:p>
-        </p:txBody>
-      </p:sp>
-    </p:spTree>
-    <p:extLst>
-      <p:ext uri="{BB962C8B-B14F-4D97-AF65-F5344CB8AC3E}">
-        <p14:creationId xmlns:p14="http://schemas.microsoft.com/office/powerpoint/2010/main" val="785049809"/>
-      </p:ext>
-    </p:extLst>
-  </p:cSld>
-  <p:clrMapOvr>
-    <a:masterClrMapping/>
-  </p:clrMapOvr>
-</p:sld>
-</file>
-
-<file path=ppt/slides/slide20.xml><?xml version="1.0" encoding="utf-8"?>
+<file path=ppt/slides/slide27.xml><?xml version="1.0" encoding="utf-8"?>
 <p:sld xmlns:a="http://schemas.openxmlformats.org/drawingml/2006/main" xmlns:r="http://schemas.openxmlformats.org/officeDocument/2006/relationships" xmlns:p="http://schemas.openxmlformats.org/presentationml/2006/main">
   <p:cSld>
     <p:spTree>
@@ -15800,7 +21192,7 @@
 </p:sld>
 </file>
 
-<file path=ppt/slides/slide21.xml><?xml version="1.0" encoding="utf-8"?>
+<file path=ppt/slides/slide28.xml><?xml version="1.0" encoding="utf-8"?>
 <p:sld xmlns:a="http://schemas.openxmlformats.org/drawingml/2006/main" xmlns:r="http://schemas.openxmlformats.org/officeDocument/2006/relationships" xmlns:p="http://schemas.openxmlformats.org/presentationml/2006/main">
   <p:cSld>
     <p:spTree>
